--- a/16_RC4/Figures/Figures.pptx
+++ b/16_RC4/Figures/Figures.pptx
@@ -8,6 +8,8 @@
     <p:sldId id="256" r:id="rId2"/>
     <p:sldId id="257" r:id="rId3"/>
     <p:sldId id="258" r:id="rId4"/>
+    <p:sldId id="259" r:id="rId5"/>
+    <p:sldId id="260" r:id="rId6"/>
   </p:sldIdLst>
   <p:sldSz cx="12192000" cy="6858000"/>
   <p:notesSz cx="6858000" cy="9144000"/>
@@ -107,19 +109,8 @@
     </a:lvl9pPr>
   </p:defaultTextStyle>
   <p:extLst>
-    <p:ext uri="{521415D9-36F7-43E2-AB2F-B90AF26B5E84}">
-      <p14:sectionLst xmlns:p14="http://schemas.microsoft.com/office/powerpoint/2010/main">
-        <p14:section name="Section par défaut" id="{33D6C67F-3634-4D91-BF67-34F939E380F5}">
-          <p14:sldIdLst>
-            <p14:sldId id="256"/>
-            <p14:sldId id="257"/>
-            <p14:sldId id="258"/>
-          </p14:sldIdLst>
-        </p14:section>
-        <p14:section name="Section sans titre" id="{E3799D98-B599-4F0D-A27A-BB12D7081FE2}">
-          <p14:sldIdLst/>
-        </p14:section>
-      </p14:sectionLst>
+    <p:ext uri="{EFAFB233-063F-42B5-8137-9DF3F51BA10A}">
+      <p15:sldGuideLst xmlns:p15="http://schemas.microsoft.com/office/powerpoint/2012/main"/>
     </p:ext>
   </p:extLst>
 </p:presentation>
@@ -272,7 +263,7 @@
           <a:p>
             <a:fld id="{E1825551-6D9B-4F56-8A53-B2612FCF8466}" type="datetimeFigureOut">
               <a:rPr lang="fr-FR" smtClean="0"/>
-              <a:t>04/01/2023</a:t>
+              <a:t>08/01/2023</a:t>
             </a:fld>
             <a:endParaRPr lang="fr-FR"/>
           </a:p>
@@ -470,7 +461,7 @@
           <a:p>
             <a:fld id="{E1825551-6D9B-4F56-8A53-B2612FCF8466}" type="datetimeFigureOut">
               <a:rPr lang="fr-FR" smtClean="0"/>
-              <a:t>04/01/2023</a:t>
+              <a:t>08/01/2023</a:t>
             </a:fld>
             <a:endParaRPr lang="fr-FR"/>
           </a:p>
@@ -678,7 +669,7 @@
           <a:p>
             <a:fld id="{E1825551-6D9B-4F56-8A53-B2612FCF8466}" type="datetimeFigureOut">
               <a:rPr lang="fr-FR" smtClean="0"/>
-              <a:t>04/01/2023</a:t>
+              <a:t>08/01/2023</a:t>
             </a:fld>
             <a:endParaRPr lang="fr-FR"/>
           </a:p>
@@ -876,7 +867,7 @@
           <a:p>
             <a:fld id="{E1825551-6D9B-4F56-8A53-B2612FCF8466}" type="datetimeFigureOut">
               <a:rPr lang="fr-FR" smtClean="0"/>
-              <a:t>04/01/2023</a:t>
+              <a:t>08/01/2023</a:t>
             </a:fld>
             <a:endParaRPr lang="fr-FR"/>
           </a:p>
@@ -1151,7 +1142,7 @@
           <a:p>
             <a:fld id="{E1825551-6D9B-4F56-8A53-B2612FCF8466}" type="datetimeFigureOut">
               <a:rPr lang="fr-FR" smtClean="0"/>
-              <a:t>04/01/2023</a:t>
+              <a:t>08/01/2023</a:t>
             </a:fld>
             <a:endParaRPr lang="fr-FR"/>
           </a:p>
@@ -1416,7 +1407,7 @@
           <a:p>
             <a:fld id="{E1825551-6D9B-4F56-8A53-B2612FCF8466}" type="datetimeFigureOut">
               <a:rPr lang="fr-FR" smtClean="0"/>
-              <a:t>04/01/2023</a:t>
+              <a:t>08/01/2023</a:t>
             </a:fld>
             <a:endParaRPr lang="fr-FR"/>
           </a:p>
@@ -1828,7 +1819,7 @@
           <a:p>
             <a:fld id="{E1825551-6D9B-4F56-8A53-B2612FCF8466}" type="datetimeFigureOut">
               <a:rPr lang="fr-FR" smtClean="0"/>
-              <a:t>04/01/2023</a:t>
+              <a:t>08/01/2023</a:t>
             </a:fld>
             <a:endParaRPr lang="fr-FR"/>
           </a:p>
@@ -1969,7 +1960,7 @@
           <a:p>
             <a:fld id="{E1825551-6D9B-4F56-8A53-B2612FCF8466}" type="datetimeFigureOut">
               <a:rPr lang="fr-FR" smtClean="0"/>
-              <a:t>04/01/2023</a:t>
+              <a:t>08/01/2023</a:t>
             </a:fld>
             <a:endParaRPr lang="fr-FR"/>
           </a:p>
@@ -2082,7 +2073,7 @@
           <a:p>
             <a:fld id="{E1825551-6D9B-4F56-8A53-B2612FCF8466}" type="datetimeFigureOut">
               <a:rPr lang="fr-FR" smtClean="0"/>
-              <a:t>04/01/2023</a:t>
+              <a:t>08/01/2023</a:t>
             </a:fld>
             <a:endParaRPr lang="fr-FR"/>
           </a:p>
@@ -2393,7 +2384,7 @@
           <a:p>
             <a:fld id="{E1825551-6D9B-4F56-8A53-B2612FCF8466}" type="datetimeFigureOut">
               <a:rPr lang="fr-FR" smtClean="0"/>
-              <a:t>04/01/2023</a:t>
+              <a:t>08/01/2023</a:t>
             </a:fld>
             <a:endParaRPr lang="fr-FR"/>
           </a:p>
@@ -2681,7 +2672,7 @@
           <a:p>
             <a:fld id="{E1825551-6D9B-4F56-8A53-B2612FCF8466}" type="datetimeFigureOut">
               <a:rPr lang="fr-FR" smtClean="0"/>
-              <a:t>04/01/2023</a:t>
+              <a:t>08/01/2023</a:t>
             </a:fld>
             <a:endParaRPr lang="fr-FR"/>
           </a:p>
@@ -2922,7 +2913,7 @@
           <a:p>
             <a:fld id="{E1825551-6D9B-4F56-8A53-B2612FCF8466}" type="datetimeFigureOut">
               <a:rPr lang="fr-FR" smtClean="0"/>
-              <a:t>04/01/2023</a:t>
+              <a:t>08/01/2023</a:t>
             </a:fld>
             <a:endParaRPr lang="fr-FR"/>
           </a:p>
@@ -4568,6 +4559,4457 @@
 </p:sld>
 </file>
 
+<file path=ppt/slides/slide4.xml><?xml version="1.0" encoding="utf-8"?>
+<p:sld xmlns:a="http://schemas.openxmlformats.org/drawingml/2006/main" xmlns:r="http://schemas.openxmlformats.org/officeDocument/2006/relationships" xmlns:p="http://schemas.openxmlformats.org/presentationml/2006/main">
+  <p:cSld>
+    <p:spTree>
+      <p:nvGrpSpPr>
+        <p:cNvPr id="1" name=""/>
+        <p:cNvGrpSpPr/>
+        <p:nvPr/>
+      </p:nvGrpSpPr>
+      <p:grpSpPr>
+        <a:xfrm>
+          <a:off x="0" y="0"/>
+          <a:ext cx="0" cy="0"/>
+          <a:chOff x="0" y="0"/>
+          <a:chExt cx="0" cy="0"/>
+        </a:xfrm>
+      </p:grpSpPr>
+      <p:sp>
+        <p:nvSpPr>
+          <p:cNvPr id="14" name="Rectangle : coins arrondis 13">
+            <a:extLst>
+              <a:ext uri="{FF2B5EF4-FFF2-40B4-BE49-F238E27FC236}">
+                <a16:creationId xmlns:a16="http://schemas.microsoft.com/office/drawing/2014/main" id="{522B1CCA-A09F-301F-6AF6-FB0EA90AD38C}"/>
+              </a:ext>
+            </a:extLst>
+          </p:cNvPr>
+          <p:cNvSpPr/>
+          <p:nvPr/>
+        </p:nvSpPr>
+        <p:spPr>
+          <a:xfrm>
+            <a:off x="2498725" y="558800"/>
+            <a:ext cx="7197725" cy="5032375"/>
+          </a:xfrm>
+          <a:prstGeom prst="roundRect">
+            <a:avLst>
+              <a:gd name="adj" fmla="val 2563"/>
+            </a:avLst>
+          </a:prstGeom>
+          <a:noFill/>
+          <a:ln w="19050">
+            <a:solidFill>
+              <a:srgbClr val="002060"/>
+            </a:solidFill>
+          </a:ln>
+        </p:spPr>
+        <p:style>
+          <a:lnRef idx="2">
+            <a:schemeClr val="accent1">
+              <a:shade val="50000"/>
+            </a:schemeClr>
+          </a:lnRef>
+          <a:fillRef idx="1">
+            <a:schemeClr val="accent1"/>
+          </a:fillRef>
+          <a:effectRef idx="0">
+            <a:schemeClr val="accent1"/>
+          </a:effectRef>
+          <a:fontRef idx="minor">
+            <a:schemeClr val="lt1"/>
+          </a:fontRef>
+        </p:style>
+        <p:txBody>
+          <a:bodyPr rtlCol="0" anchor="ctr"/>
+          <a:lstStyle/>
+          <a:p>
+            <a:pPr algn="ctr"/>
+            <a:endParaRPr lang="fr-FR"/>
+          </a:p>
+        </p:txBody>
+      </p:sp>
+      <p:sp>
+        <p:nvSpPr>
+          <p:cNvPr id="20" name="Ellipse 19">
+            <a:extLst>
+              <a:ext uri="{FF2B5EF4-FFF2-40B4-BE49-F238E27FC236}">
+                <a16:creationId xmlns:a16="http://schemas.microsoft.com/office/drawing/2014/main" id="{00D6686F-2E65-0547-0682-EE5A65661C49}"/>
+              </a:ext>
+            </a:extLst>
+          </p:cNvPr>
+          <p:cNvSpPr/>
+          <p:nvPr/>
+        </p:nvSpPr>
+        <p:spPr>
+          <a:xfrm>
+            <a:off x="9268367" y="444840"/>
+            <a:ext cx="540000" cy="540000"/>
+          </a:xfrm>
+          <a:prstGeom prst="ellipse">
+            <a:avLst/>
+          </a:prstGeom>
+          <a:solidFill>
+            <a:schemeClr val="bg1"/>
+          </a:solidFill>
+          <a:ln w="19050">
+            <a:solidFill>
+              <a:srgbClr val="00B050"/>
+            </a:solidFill>
+          </a:ln>
+        </p:spPr>
+        <p:style>
+          <a:lnRef idx="2">
+            <a:schemeClr val="accent1">
+              <a:shade val="50000"/>
+            </a:schemeClr>
+          </a:lnRef>
+          <a:fillRef idx="1">
+            <a:schemeClr val="accent1"/>
+          </a:fillRef>
+          <a:effectRef idx="0">
+            <a:schemeClr val="accent1"/>
+          </a:effectRef>
+          <a:fontRef idx="minor">
+            <a:schemeClr val="lt1"/>
+          </a:fontRef>
+        </p:style>
+        <p:txBody>
+          <a:bodyPr rtlCol="0" anchor="ctr"/>
+          <a:lstStyle/>
+          <a:p>
+            <a:pPr algn="ctr"/>
+            <a:endParaRPr lang="fr-FR" dirty="0"/>
+          </a:p>
+        </p:txBody>
+      </p:sp>
+      <p:grpSp>
+        <p:nvGrpSpPr>
+          <p:cNvPr id="11" name="Groupe 10">
+            <a:extLst>
+              <a:ext uri="{FF2B5EF4-FFF2-40B4-BE49-F238E27FC236}">
+                <a16:creationId xmlns:a16="http://schemas.microsoft.com/office/drawing/2014/main" id="{9D0F1C62-4A2A-B666-7502-049C7C25D0A4}"/>
+              </a:ext>
+            </a:extLst>
+          </p:cNvPr>
+          <p:cNvGrpSpPr/>
+          <p:nvPr/>
+        </p:nvGrpSpPr>
+        <p:grpSpPr>
+          <a:xfrm>
+            <a:off x="5520000" y="3595748"/>
+            <a:ext cx="1152000" cy="576000"/>
+            <a:chOff x="4651128" y="2719448"/>
+            <a:chExt cx="1152000" cy="576000"/>
+          </a:xfrm>
+        </p:grpSpPr>
+        <p:sp>
+          <p:nvSpPr>
+            <p:cNvPr id="4" name="Rectangle : coins arrondis 3">
+              <a:extLst>
+                <a:ext uri="{FF2B5EF4-FFF2-40B4-BE49-F238E27FC236}">
+                  <a16:creationId xmlns:a16="http://schemas.microsoft.com/office/drawing/2014/main" id="{6AC4655F-6AF9-CEA9-D360-4BE585B7518E}"/>
+                </a:ext>
+              </a:extLst>
+            </p:cNvPr>
+            <p:cNvSpPr/>
+            <p:nvPr/>
+          </p:nvSpPr>
+          <p:spPr>
+            <a:xfrm>
+              <a:off x="4651128" y="2719448"/>
+              <a:ext cx="1152000" cy="576000"/>
+            </a:xfrm>
+            <a:prstGeom prst="roundRect">
+              <a:avLst/>
+            </a:prstGeom>
+            <a:noFill/>
+            <a:ln w="19050">
+              <a:solidFill>
+                <a:srgbClr val="C00000"/>
+              </a:solidFill>
+            </a:ln>
+          </p:spPr>
+          <p:style>
+            <a:lnRef idx="2">
+              <a:schemeClr val="accent1">
+                <a:shade val="50000"/>
+              </a:schemeClr>
+            </a:lnRef>
+            <a:fillRef idx="1">
+              <a:schemeClr val="accent1"/>
+            </a:fillRef>
+            <a:effectRef idx="0">
+              <a:schemeClr val="accent1"/>
+            </a:effectRef>
+            <a:fontRef idx="minor">
+              <a:schemeClr val="lt1"/>
+            </a:fontRef>
+          </p:style>
+          <p:txBody>
+            <a:bodyPr rtlCol="0" anchor="ctr"/>
+            <a:lstStyle/>
+            <a:p>
+              <a:pPr algn="ctr"/>
+              <a:endParaRPr lang="fr-FR"/>
+            </a:p>
+          </p:txBody>
+        </p:sp>
+        <p:sp>
+          <p:nvSpPr>
+            <p:cNvPr id="5" name="Ellipse 4">
+              <a:extLst>
+                <a:ext uri="{FF2B5EF4-FFF2-40B4-BE49-F238E27FC236}">
+                  <a16:creationId xmlns:a16="http://schemas.microsoft.com/office/drawing/2014/main" id="{3F9FE0CB-A203-D3AC-9256-36E23700CF14}"/>
+                </a:ext>
+              </a:extLst>
+            </p:cNvPr>
+            <p:cNvSpPr/>
+            <p:nvPr/>
+          </p:nvSpPr>
+          <p:spPr>
+            <a:xfrm>
+              <a:off x="4692650" y="2774949"/>
+              <a:ext cx="180000" cy="180000"/>
+            </a:xfrm>
+            <a:prstGeom prst="ellipse">
+              <a:avLst/>
+            </a:prstGeom>
+            <a:noFill/>
+            <a:ln w="19050">
+              <a:solidFill>
+                <a:srgbClr val="C00000"/>
+              </a:solidFill>
+            </a:ln>
+          </p:spPr>
+          <p:style>
+            <a:lnRef idx="2">
+              <a:schemeClr val="accent1">
+                <a:shade val="50000"/>
+              </a:schemeClr>
+            </a:lnRef>
+            <a:fillRef idx="1">
+              <a:schemeClr val="accent1"/>
+            </a:fillRef>
+            <a:effectRef idx="0">
+              <a:schemeClr val="accent1"/>
+            </a:effectRef>
+            <a:fontRef idx="minor">
+              <a:schemeClr val="lt1"/>
+            </a:fontRef>
+          </p:style>
+          <p:txBody>
+            <a:bodyPr rtlCol="0" anchor="ctr"/>
+            <a:lstStyle/>
+            <a:p>
+              <a:pPr algn="ctr"/>
+              <a:endParaRPr lang="fr-FR" dirty="0"/>
+            </a:p>
+          </p:txBody>
+        </p:sp>
+        <p:sp>
+          <p:nvSpPr>
+            <p:cNvPr id="6" name="Ellipse 5">
+              <a:extLst>
+                <a:ext uri="{FF2B5EF4-FFF2-40B4-BE49-F238E27FC236}">
+                  <a16:creationId xmlns:a16="http://schemas.microsoft.com/office/drawing/2014/main" id="{0AABBA12-F10A-33FD-B66D-8B4189D2E8AD}"/>
+                </a:ext>
+              </a:extLst>
+            </p:cNvPr>
+            <p:cNvSpPr/>
+            <p:nvPr/>
+          </p:nvSpPr>
+          <p:spPr>
+            <a:xfrm>
+              <a:off x="5584825" y="2774949"/>
+              <a:ext cx="180000" cy="180000"/>
+            </a:xfrm>
+            <a:prstGeom prst="ellipse">
+              <a:avLst/>
+            </a:prstGeom>
+            <a:noFill/>
+            <a:ln w="19050">
+              <a:solidFill>
+                <a:srgbClr val="C00000"/>
+              </a:solidFill>
+            </a:ln>
+          </p:spPr>
+          <p:style>
+            <a:lnRef idx="2">
+              <a:schemeClr val="accent1">
+                <a:shade val="50000"/>
+              </a:schemeClr>
+            </a:lnRef>
+            <a:fillRef idx="1">
+              <a:schemeClr val="accent1"/>
+            </a:fillRef>
+            <a:effectRef idx="0">
+              <a:schemeClr val="accent1"/>
+            </a:effectRef>
+            <a:fontRef idx="minor">
+              <a:schemeClr val="lt1"/>
+            </a:fontRef>
+          </p:style>
+          <p:txBody>
+            <a:bodyPr rtlCol="0" anchor="ctr"/>
+            <a:lstStyle/>
+            <a:p>
+              <a:pPr algn="ctr"/>
+              <a:endParaRPr lang="fr-FR"/>
+            </a:p>
+          </p:txBody>
+        </p:sp>
+        <p:sp>
+          <p:nvSpPr>
+            <p:cNvPr id="9" name="Ellipse 8">
+              <a:extLst>
+                <a:ext uri="{FF2B5EF4-FFF2-40B4-BE49-F238E27FC236}">
+                  <a16:creationId xmlns:a16="http://schemas.microsoft.com/office/drawing/2014/main" id="{FD1BADA4-4E32-62A7-02DC-8765E49C54C2}"/>
+                </a:ext>
+              </a:extLst>
+            </p:cNvPr>
+            <p:cNvSpPr/>
+            <p:nvPr/>
+          </p:nvSpPr>
+          <p:spPr>
+            <a:xfrm>
+              <a:off x="4692650" y="3060598"/>
+              <a:ext cx="180000" cy="180000"/>
+            </a:xfrm>
+            <a:prstGeom prst="ellipse">
+              <a:avLst/>
+            </a:prstGeom>
+            <a:noFill/>
+            <a:ln w="19050">
+              <a:solidFill>
+                <a:srgbClr val="C00000"/>
+              </a:solidFill>
+            </a:ln>
+          </p:spPr>
+          <p:style>
+            <a:lnRef idx="2">
+              <a:schemeClr val="accent1">
+                <a:shade val="50000"/>
+              </a:schemeClr>
+            </a:lnRef>
+            <a:fillRef idx="1">
+              <a:schemeClr val="accent1"/>
+            </a:fillRef>
+            <a:effectRef idx="0">
+              <a:schemeClr val="accent1"/>
+            </a:effectRef>
+            <a:fontRef idx="minor">
+              <a:schemeClr val="lt1"/>
+            </a:fontRef>
+          </p:style>
+          <p:txBody>
+            <a:bodyPr rtlCol="0" anchor="ctr"/>
+            <a:lstStyle/>
+            <a:p>
+              <a:pPr algn="ctr"/>
+              <a:endParaRPr lang="fr-FR"/>
+            </a:p>
+          </p:txBody>
+        </p:sp>
+        <p:sp>
+          <p:nvSpPr>
+            <p:cNvPr id="10" name="Ellipse 9">
+              <a:extLst>
+                <a:ext uri="{FF2B5EF4-FFF2-40B4-BE49-F238E27FC236}">
+                  <a16:creationId xmlns:a16="http://schemas.microsoft.com/office/drawing/2014/main" id="{5D47FC82-642A-421F-461D-8365445C145C}"/>
+                </a:ext>
+              </a:extLst>
+            </p:cNvPr>
+            <p:cNvSpPr/>
+            <p:nvPr/>
+          </p:nvSpPr>
+          <p:spPr>
+            <a:xfrm>
+              <a:off x="5584825" y="3060598"/>
+              <a:ext cx="180000" cy="180000"/>
+            </a:xfrm>
+            <a:prstGeom prst="ellipse">
+              <a:avLst/>
+            </a:prstGeom>
+            <a:noFill/>
+            <a:ln w="19050">
+              <a:solidFill>
+                <a:srgbClr val="C00000"/>
+              </a:solidFill>
+            </a:ln>
+          </p:spPr>
+          <p:style>
+            <a:lnRef idx="2">
+              <a:schemeClr val="accent1">
+                <a:shade val="50000"/>
+              </a:schemeClr>
+            </a:lnRef>
+            <a:fillRef idx="1">
+              <a:schemeClr val="accent1"/>
+            </a:fillRef>
+            <a:effectRef idx="0">
+              <a:schemeClr val="accent1"/>
+            </a:effectRef>
+            <a:fontRef idx="minor">
+              <a:schemeClr val="lt1"/>
+            </a:fontRef>
+          </p:style>
+          <p:txBody>
+            <a:bodyPr rtlCol="0" anchor="ctr"/>
+            <a:lstStyle/>
+            <a:p>
+              <a:pPr algn="ctr"/>
+              <a:endParaRPr lang="fr-FR"/>
+            </a:p>
+          </p:txBody>
+        </p:sp>
+      </p:grpSp>
+      <p:sp>
+        <p:nvSpPr>
+          <p:cNvPr id="13" name="Ellipse 12">
+            <a:extLst>
+              <a:ext uri="{FF2B5EF4-FFF2-40B4-BE49-F238E27FC236}">
+                <a16:creationId xmlns:a16="http://schemas.microsoft.com/office/drawing/2014/main" id="{E1DC1988-7CE7-61C5-7C72-AAB8C51DC889}"/>
+              </a:ext>
+            </a:extLst>
+          </p:cNvPr>
+          <p:cNvSpPr/>
+          <p:nvPr/>
+        </p:nvSpPr>
+        <p:spPr>
+          <a:xfrm>
+            <a:off x="9448367" y="624840"/>
+            <a:ext cx="180000" cy="180000"/>
+          </a:xfrm>
+          <a:prstGeom prst="ellipse">
+            <a:avLst/>
+          </a:prstGeom>
+          <a:noFill/>
+          <a:ln w="19050">
+            <a:solidFill>
+              <a:srgbClr val="002060"/>
+            </a:solidFill>
+          </a:ln>
+        </p:spPr>
+        <p:style>
+          <a:lnRef idx="2">
+            <a:schemeClr val="accent1">
+              <a:shade val="50000"/>
+            </a:schemeClr>
+          </a:lnRef>
+          <a:fillRef idx="1">
+            <a:schemeClr val="accent1"/>
+          </a:fillRef>
+          <a:effectRef idx="0">
+            <a:schemeClr val="accent1"/>
+          </a:effectRef>
+          <a:fontRef idx="minor">
+            <a:schemeClr val="lt1"/>
+          </a:fontRef>
+        </p:style>
+        <p:txBody>
+          <a:bodyPr rtlCol="0" anchor="ctr"/>
+          <a:lstStyle/>
+          <a:p>
+            <a:pPr algn="ctr"/>
+            <a:endParaRPr lang="fr-FR" dirty="0"/>
+          </a:p>
+        </p:txBody>
+      </p:sp>
+      <p:sp>
+        <p:nvSpPr>
+          <p:cNvPr id="15" name="Ellipse 14">
+            <a:extLst>
+              <a:ext uri="{FF2B5EF4-FFF2-40B4-BE49-F238E27FC236}">
+                <a16:creationId xmlns:a16="http://schemas.microsoft.com/office/drawing/2014/main" id="{02CE7AFC-2F2D-0EFE-962A-3C22AD796645}"/>
+              </a:ext>
+            </a:extLst>
+          </p:cNvPr>
+          <p:cNvSpPr/>
+          <p:nvPr/>
+        </p:nvSpPr>
+        <p:spPr>
+          <a:xfrm>
+            <a:off x="2563633" y="624840"/>
+            <a:ext cx="180000" cy="180000"/>
+          </a:xfrm>
+          <a:prstGeom prst="ellipse">
+            <a:avLst/>
+          </a:prstGeom>
+          <a:noFill/>
+          <a:ln w="19050">
+            <a:solidFill>
+              <a:srgbClr val="002060"/>
+            </a:solidFill>
+          </a:ln>
+        </p:spPr>
+        <p:style>
+          <a:lnRef idx="2">
+            <a:schemeClr val="accent1">
+              <a:shade val="50000"/>
+            </a:schemeClr>
+          </a:lnRef>
+          <a:fillRef idx="1">
+            <a:schemeClr val="accent1"/>
+          </a:fillRef>
+          <a:effectRef idx="0">
+            <a:schemeClr val="accent1"/>
+          </a:effectRef>
+          <a:fontRef idx="minor">
+            <a:schemeClr val="lt1"/>
+          </a:fontRef>
+        </p:style>
+        <p:txBody>
+          <a:bodyPr rtlCol="0" anchor="ctr"/>
+          <a:lstStyle/>
+          <a:p>
+            <a:pPr algn="ctr"/>
+            <a:endParaRPr lang="fr-FR" dirty="0"/>
+          </a:p>
+        </p:txBody>
+      </p:sp>
+      <p:sp>
+        <p:nvSpPr>
+          <p:cNvPr id="16" name="Ellipse 15">
+            <a:extLst>
+              <a:ext uri="{FF2B5EF4-FFF2-40B4-BE49-F238E27FC236}">
+                <a16:creationId xmlns:a16="http://schemas.microsoft.com/office/drawing/2014/main" id="{C345DC53-F25D-5DBC-A452-24C20CEB72B6}"/>
+              </a:ext>
+            </a:extLst>
+          </p:cNvPr>
+          <p:cNvSpPr/>
+          <p:nvPr/>
+        </p:nvSpPr>
+        <p:spPr>
+          <a:xfrm>
+            <a:off x="2563633" y="5332919"/>
+            <a:ext cx="180000" cy="180000"/>
+          </a:xfrm>
+          <a:prstGeom prst="ellipse">
+            <a:avLst/>
+          </a:prstGeom>
+          <a:noFill/>
+          <a:ln w="19050">
+            <a:solidFill>
+              <a:srgbClr val="002060"/>
+            </a:solidFill>
+          </a:ln>
+        </p:spPr>
+        <p:style>
+          <a:lnRef idx="2">
+            <a:schemeClr val="accent1">
+              <a:shade val="50000"/>
+            </a:schemeClr>
+          </a:lnRef>
+          <a:fillRef idx="1">
+            <a:schemeClr val="accent1"/>
+          </a:fillRef>
+          <a:effectRef idx="0">
+            <a:schemeClr val="accent1"/>
+          </a:effectRef>
+          <a:fontRef idx="minor">
+            <a:schemeClr val="lt1"/>
+          </a:fontRef>
+        </p:style>
+        <p:txBody>
+          <a:bodyPr rtlCol="0" anchor="ctr"/>
+          <a:lstStyle/>
+          <a:p>
+            <a:pPr algn="ctr"/>
+            <a:endParaRPr lang="fr-FR" dirty="0"/>
+          </a:p>
+        </p:txBody>
+      </p:sp>
+      <p:sp>
+        <p:nvSpPr>
+          <p:cNvPr id="18" name="Ellipse 17">
+            <a:extLst>
+              <a:ext uri="{FF2B5EF4-FFF2-40B4-BE49-F238E27FC236}">
+                <a16:creationId xmlns:a16="http://schemas.microsoft.com/office/drawing/2014/main" id="{462F5E2C-76C8-EFBF-D0B2-341EA320E0C4}"/>
+              </a:ext>
+            </a:extLst>
+          </p:cNvPr>
+          <p:cNvSpPr/>
+          <p:nvPr/>
+        </p:nvSpPr>
+        <p:spPr>
+          <a:xfrm>
+            <a:off x="9448367" y="5332919"/>
+            <a:ext cx="180000" cy="180000"/>
+          </a:xfrm>
+          <a:prstGeom prst="ellipse">
+            <a:avLst/>
+          </a:prstGeom>
+          <a:noFill/>
+          <a:ln w="19050">
+            <a:solidFill>
+              <a:srgbClr val="002060"/>
+            </a:solidFill>
+          </a:ln>
+        </p:spPr>
+        <p:style>
+          <a:lnRef idx="2">
+            <a:schemeClr val="accent1">
+              <a:shade val="50000"/>
+            </a:schemeClr>
+          </a:lnRef>
+          <a:fillRef idx="1">
+            <a:schemeClr val="accent1"/>
+          </a:fillRef>
+          <a:effectRef idx="0">
+            <a:schemeClr val="accent1"/>
+          </a:effectRef>
+          <a:fontRef idx="minor">
+            <a:schemeClr val="lt1"/>
+          </a:fontRef>
+        </p:style>
+        <p:txBody>
+          <a:bodyPr rtlCol="0" anchor="ctr"/>
+          <a:lstStyle/>
+          <a:p>
+            <a:pPr algn="ctr"/>
+            <a:endParaRPr lang="fr-FR" dirty="0"/>
+          </a:p>
+        </p:txBody>
+      </p:sp>
+      <p:sp>
+        <p:nvSpPr>
+          <p:cNvPr id="21" name="Rectangle : coins arrondis 20">
+            <a:extLst>
+              <a:ext uri="{FF2B5EF4-FFF2-40B4-BE49-F238E27FC236}">
+                <a16:creationId xmlns:a16="http://schemas.microsoft.com/office/drawing/2014/main" id="{C8C5AF5C-3A82-5FDB-D1FB-17A8287446EC}"/>
+              </a:ext>
+            </a:extLst>
+          </p:cNvPr>
+          <p:cNvSpPr/>
+          <p:nvPr/>
+        </p:nvSpPr>
+        <p:spPr>
+          <a:xfrm>
+            <a:off x="2495550" y="558799"/>
+            <a:ext cx="7197725" cy="5032375"/>
+          </a:xfrm>
+          <a:prstGeom prst="roundRect">
+            <a:avLst>
+              <a:gd name="adj" fmla="val 2563"/>
+            </a:avLst>
+          </a:prstGeom>
+          <a:noFill/>
+          <a:ln w="9525">
+            <a:solidFill>
+              <a:srgbClr val="002060"/>
+            </a:solidFill>
+            <a:prstDash val="dash"/>
+          </a:ln>
+        </p:spPr>
+        <p:style>
+          <a:lnRef idx="2">
+            <a:schemeClr val="accent1">
+              <a:shade val="50000"/>
+            </a:schemeClr>
+          </a:lnRef>
+          <a:fillRef idx="1">
+            <a:schemeClr val="accent1"/>
+          </a:fillRef>
+          <a:effectRef idx="0">
+            <a:schemeClr val="accent1"/>
+          </a:effectRef>
+          <a:fontRef idx="minor">
+            <a:schemeClr val="lt1"/>
+          </a:fontRef>
+        </p:style>
+        <p:txBody>
+          <a:bodyPr rtlCol="0" anchor="ctr"/>
+          <a:lstStyle/>
+          <a:p>
+            <a:pPr algn="ctr"/>
+            <a:endParaRPr lang="fr-FR" dirty="0"/>
+          </a:p>
+        </p:txBody>
+      </p:sp>
+      <p:cxnSp>
+        <p:nvCxnSpPr>
+          <p:cNvPr id="23" name="Connecteur droit 22">
+            <a:extLst>
+              <a:ext uri="{FF2B5EF4-FFF2-40B4-BE49-F238E27FC236}">
+                <a16:creationId xmlns:a16="http://schemas.microsoft.com/office/drawing/2014/main" id="{0020B901-6D5A-5BF4-A831-7A1BFD63FA63}"/>
+              </a:ext>
+            </a:extLst>
+          </p:cNvPr>
+          <p:cNvCxnSpPr>
+            <a:cxnSpLocks/>
+            <a:stCxn id="13" idx="7"/>
+            <a:endCxn id="20" idx="7"/>
+          </p:cNvCxnSpPr>
+          <p:nvPr/>
+        </p:nvCxnSpPr>
+        <p:spPr>
+          <a:xfrm flipV="1">
+            <a:off x="9602007" y="523921"/>
+            <a:ext cx="127279" cy="127279"/>
+          </a:xfrm>
+          <a:prstGeom prst="line">
+            <a:avLst/>
+          </a:prstGeom>
+          <a:solidFill>
+            <a:schemeClr val="bg1"/>
+          </a:solidFill>
+          <a:ln w="19050">
+            <a:solidFill>
+              <a:srgbClr val="00B050"/>
+            </a:solidFill>
+          </a:ln>
+        </p:spPr>
+        <p:style>
+          <a:lnRef idx="2">
+            <a:schemeClr val="accent1">
+              <a:shade val="50000"/>
+            </a:schemeClr>
+          </a:lnRef>
+          <a:fillRef idx="1">
+            <a:schemeClr val="accent1"/>
+          </a:fillRef>
+          <a:effectRef idx="0">
+            <a:schemeClr val="accent1"/>
+          </a:effectRef>
+          <a:fontRef idx="minor">
+            <a:schemeClr val="lt1"/>
+          </a:fontRef>
+        </p:style>
+      </p:cxnSp>
+    </p:spTree>
+    <p:extLst>
+      <p:ext uri="{BB962C8B-B14F-4D97-AF65-F5344CB8AC3E}">
+        <p14:creationId xmlns:p14="http://schemas.microsoft.com/office/powerpoint/2010/main" val="3799455774"/>
+      </p:ext>
+    </p:extLst>
+  </p:cSld>
+  <p:clrMapOvr>
+    <a:masterClrMapping/>
+  </p:clrMapOvr>
+</p:sld>
+</file>
+
+<file path=ppt/slides/slide5.xml><?xml version="1.0" encoding="utf-8"?>
+<p:sld xmlns:a="http://schemas.openxmlformats.org/drawingml/2006/main" xmlns:r="http://schemas.openxmlformats.org/officeDocument/2006/relationships" xmlns:p="http://schemas.openxmlformats.org/presentationml/2006/main">
+  <p:cSld>
+    <p:spTree>
+      <p:nvGrpSpPr>
+        <p:cNvPr id="1" name=""/>
+        <p:cNvGrpSpPr/>
+        <p:nvPr/>
+      </p:nvGrpSpPr>
+      <p:grpSpPr>
+        <a:xfrm>
+          <a:off x="0" y="0"/>
+          <a:ext cx="0" cy="0"/>
+          <a:chOff x="0" y="0"/>
+          <a:chExt cx="0" cy="0"/>
+        </a:xfrm>
+      </p:grpSpPr>
+      <p:cxnSp>
+        <p:nvCxnSpPr>
+          <p:cNvPr id="48" name="Connecteur droit 47">
+            <a:extLst>
+              <a:ext uri="{FF2B5EF4-FFF2-40B4-BE49-F238E27FC236}">
+                <a16:creationId xmlns:a16="http://schemas.microsoft.com/office/drawing/2014/main" id="{C8E6440E-E176-31CC-576D-58E153CC6153}"/>
+              </a:ext>
+            </a:extLst>
+          </p:cNvPr>
+          <p:cNvCxnSpPr>
+            <a:cxnSpLocks/>
+            <a:stCxn id="26" idx="7"/>
+            <a:endCxn id="18" idx="1"/>
+          </p:cNvCxnSpPr>
+          <p:nvPr/>
+        </p:nvCxnSpPr>
+        <p:spPr>
+          <a:xfrm flipV="1">
+            <a:off x="6607337" y="492450"/>
+            <a:ext cx="2780558" cy="3185159"/>
+          </a:xfrm>
+          <a:prstGeom prst="line">
+            <a:avLst/>
+          </a:prstGeom>
+          <a:ln w="19050">
+            <a:solidFill>
+              <a:srgbClr val="7030A0"/>
+            </a:solidFill>
+          </a:ln>
+        </p:spPr>
+        <p:style>
+          <a:lnRef idx="1">
+            <a:schemeClr val="accent1"/>
+          </a:lnRef>
+          <a:fillRef idx="0">
+            <a:schemeClr val="accent1"/>
+          </a:fillRef>
+          <a:effectRef idx="0">
+            <a:schemeClr val="accent1"/>
+          </a:effectRef>
+          <a:fontRef idx="minor">
+            <a:schemeClr val="tx1"/>
+          </a:fontRef>
+        </p:style>
+      </p:cxnSp>
+      <p:cxnSp>
+        <p:nvCxnSpPr>
+          <p:cNvPr id="52" name="Connecteur droit 51">
+            <a:extLst>
+              <a:ext uri="{FF2B5EF4-FFF2-40B4-BE49-F238E27FC236}">
+                <a16:creationId xmlns:a16="http://schemas.microsoft.com/office/drawing/2014/main" id="{28480C36-DBD2-57A8-05FD-46ACA9FE3A81}"/>
+              </a:ext>
+            </a:extLst>
+          </p:cNvPr>
+          <p:cNvCxnSpPr>
+            <a:cxnSpLocks/>
+            <a:stCxn id="44" idx="6"/>
+            <a:endCxn id="18" idx="0"/>
+          </p:cNvCxnSpPr>
+          <p:nvPr/>
+        </p:nvCxnSpPr>
+        <p:spPr>
+          <a:xfrm flipV="1">
+            <a:off x="6642136" y="413369"/>
+            <a:ext cx="2936678" cy="727637"/>
+          </a:xfrm>
+          <a:prstGeom prst="line">
+            <a:avLst/>
+          </a:prstGeom>
+          <a:ln w="9525">
+            <a:solidFill>
+              <a:srgbClr val="7030A0"/>
+            </a:solidFill>
+            <a:prstDash val="sysDash"/>
+          </a:ln>
+        </p:spPr>
+        <p:style>
+          <a:lnRef idx="1">
+            <a:schemeClr val="accent1"/>
+          </a:lnRef>
+          <a:fillRef idx="0">
+            <a:schemeClr val="accent1"/>
+          </a:fillRef>
+          <a:effectRef idx="0">
+            <a:schemeClr val="accent1"/>
+          </a:effectRef>
+          <a:fontRef idx="minor">
+            <a:schemeClr val="tx1"/>
+          </a:fontRef>
+        </p:style>
+      </p:cxnSp>
+      <p:grpSp>
+        <p:nvGrpSpPr>
+          <p:cNvPr id="40" name="Groupe 39">
+            <a:extLst>
+              <a:ext uri="{FF2B5EF4-FFF2-40B4-BE49-F238E27FC236}">
+                <a16:creationId xmlns:a16="http://schemas.microsoft.com/office/drawing/2014/main" id="{5A961390-C4FF-EE6E-D9A7-C6F7A29B2016}"/>
+              </a:ext>
+            </a:extLst>
+          </p:cNvPr>
+          <p:cNvGrpSpPr/>
+          <p:nvPr/>
+        </p:nvGrpSpPr>
+        <p:grpSpPr>
+          <a:xfrm>
+            <a:off x="2360064" y="413369"/>
+            <a:ext cx="7488750" cy="5318744"/>
+            <a:chOff x="2360064" y="413369"/>
+            <a:chExt cx="7488750" cy="5318744"/>
+          </a:xfrm>
+        </p:grpSpPr>
+        <p:sp>
+          <p:nvSpPr>
+            <p:cNvPr id="4" name="Rectangle : coins arrondis 3">
+              <a:extLst>
+                <a:ext uri="{FF2B5EF4-FFF2-40B4-BE49-F238E27FC236}">
+                  <a16:creationId xmlns:a16="http://schemas.microsoft.com/office/drawing/2014/main" id="{0628F00C-8178-6461-055F-28F39D002EDF}"/>
+                </a:ext>
+              </a:extLst>
+            </p:cNvPr>
+            <p:cNvSpPr/>
+            <p:nvPr/>
+          </p:nvSpPr>
+          <p:spPr>
+            <a:xfrm>
+              <a:off x="2504439" y="552741"/>
+              <a:ext cx="7200000" cy="5040000"/>
+            </a:xfrm>
+            <a:prstGeom prst="roundRect">
+              <a:avLst>
+                <a:gd name="adj" fmla="val 2563"/>
+              </a:avLst>
+            </a:prstGeom>
+            <a:noFill/>
+            <a:ln w="19050">
+              <a:solidFill>
+                <a:srgbClr val="002060"/>
+              </a:solidFill>
+            </a:ln>
+          </p:spPr>
+          <p:style>
+            <a:lnRef idx="2">
+              <a:schemeClr val="accent1">
+                <a:shade val="50000"/>
+              </a:schemeClr>
+            </a:lnRef>
+            <a:fillRef idx="1">
+              <a:schemeClr val="accent1"/>
+            </a:fillRef>
+            <a:effectRef idx="0">
+              <a:schemeClr val="accent1"/>
+            </a:effectRef>
+            <a:fontRef idx="minor">
+              <a:schemeClr val="lt1"/>
+            </a:fontRef>
+          </p:style>
+          <p:txBody>
+            <a:bodyPr rtlCol="0" anchor="ctr"/>
+            <a:lstStyle/>
+            <a:p>
+              <a:pPr algn="ctr"/>
+              <a:endParaRPr lang="fr-FR"/>
+            </a:p>
+          </p:txBody>
+        </p:sp>
+        <p:sp>
+          <p:nvSpPr>
+            <p:cNvPr id="18" name="Ellipse 17">
+              <a:extLst>
+                <a:ext uri="{FF2B5EF4-FFF2-40B4-BE49-F238E27FC236}">
+                  <a16:creationId xmlns:a16="http://schemas.microsoft.com/office/drawing/2014/main" id="{2594D3D6-FA6E-F41B-5AC6-7CD3AB3EC3F2}"/>
+                </a:ext>
+              </a:extLst>
+            </p:cNvPr>
+            <p:cNvSpPr/>
+            <p:nvPr/>
+          </p:nvSpPr>
+          <p:spPr>
+            <a:xfrm>
+              <a:off x="9308814" y="413369"/>
+              <a:ext cx="540000" cy="540000"/>
+            </a:xfrm>
+            <a:prstGeom prst="ellipse">
+              <a:avLst/>
+            </a:prstGeom>
+            <a:solidFill>
+              <a:schemeClr val="bg1"/>
+            </a:solidFill>
+            <a:ln w="19050">
+              <a:solidFill>
+                <a:srgbClr val="00B050"/>
+              </a:solidFill>
+            </a:ln>
+          </p:spPr>
+          <p:style>
+            <a:lnRef idx="2">
+              <a:schemeClr val="accent1">
+                <a:shade val="50000"/>
+              </a:schemeClr>
+            </a:lnRef>
+            <a:fillRef idx="1">
+              <a:schemeClr val="accent1"/>
+            </a:fillRef>
+            <a:effectRef idx="0">
+              <a:schemeClr val="accent1"/>
+            </a:effectRef>
+            <a:fontRef idx="minor">
+              <a:schemeClr val="lt1"/>
+            </a:fontRef>
+          </p:style>
+          <p:txBody>
+            <a:bodyPr rtlCol="0" anchor="ctr"/>
+            <a:lstStyle/>
+            <a:p>
+              <a:pPr algn="ctr"/>
+              <a:endParaRPr lang="fr-FR" dirty="0"/>
+            </a:p>
+          </p:txBody>
+        </p:sp>
+        <p:grpSp>
+          <p:nvGrpSpPr>
+            <p:cNvPr id="23" name="Groupe 22">
+              <a:extLst>
+                <a:ext uri="{FF2B5EF4-FFF2-40B4-BE49-F238E27FC236}">
+                  <a16:creationId xmlns:a16="http://schemas.microsoft.com/office/drawing/2014/main" id="{3A8B383D-B25C-18A3-CA65-60A4108A4B7C}"/>
+                </a:ext>
+              </a:extLst>
+            </p:cNvPr>
+            <p:cNvGrpSpPr/>
+            <p:nvPr/>
+          </p:nvGrpSpPr>
+          <p:grpSpPr>
+            <a:xfrm>
+              <a:off x="5520000" y="3595748"/>
+              <a:ext cx="1152000" cy="576000"/>
+              <a:chOff x="4651128" y="2719448"/>
+              <a:chExt cx="1152000" cy="576000"/>
+            </a:xfrm>
+          </p:grpSpPr>
+          <p:sp>
+            <p:nvSpPr>
+              <p:cNvPr id="24" name="Rectangle : coins arrondis 23">
+                <a:extLst>
+                  <a:ext uri="{FF2B5EF4-FFF2-40B4-BE49-F238E27FC236}">
+                    <a16:creationId xmlns:a16="http://schemas.microsoft.com/office/drawing/2014/main" id="{961545F6-6971-4914-B7D2-52480ECB0764}"/>
+                  </a:ext>
+                </a:extLst>
+              </p:cNvPr>
+              <p:cNvSpPr/>
+              <p:nvPr/>
+            </p:nvSpPr>
+            <p:spPr>
+              <a:xfrm>
+                <a:off x="4651128" y="2719448"/>
+                <a:ext cx="1152000" cy="576000"/>
+              </a:xfrm>
+              <a:prstGeom prst="roundRect">
+                <a:avLst/>
+              </a:prstGeom>
+              <a:noFill/>
+              <a:ln w="19050">
+                <a:solidFill>
+                  <a:srgbClr val="C00000"/>
+                </a:solidFill>
+              </a:ln>
+            </p:spPr>
+            <p:style>
+              <a:lnRef idx="2">
+                <a:schemeClr val="accent1">
+                  <a:shade val="50000"/>
+                </a:schemeClr>
+              </a:lnRef>
+              <a:fillRef idx="1">
+                <a:schemeClr val="accent1"/>
+              </a:fillRef>
+              <a:effectRef idx="0">
+                <a:schemeClr val="accent1"/>
+              </a:effectRef>
+              <a:fontRef idx="minor">
+                <a:schemeClr val="lt1"/>
+              </a:fontRef>
+            </p:style>
+            <p:txBody>
+              <a:bodyPr rtlCol="0" anchor="ctr"/>
+              <a:lstStyle/>
+              <a:p>
+                <a:pPr algn="ctr"/>
+                <a:endParaRPr lang="fr-FR" dirty="0"/>
+              </a:p>
+            </p:txBody>
+          </p:sp>
+          <p:sp>
+            <p:nvSpPr>
+              <p:cNvPr id="25" name="Ellipse 24">
+                <a:extLst>
+                  <a:ext uri="{FF2B5EF4-FFF2-40B4-BE49-F238E27FC236}">
+                    <a16:creationId xmlns:a16="http://schemas.microsoft.com/office/drawing/2014/main" id="{2A7CAF19-D136-E3EB-B128-1976360E676E}"/>
+                  </a:ext>
+                </a:extLst>
+              </p:cNvPr>
+              <p:cNvSpPr/>
+              <p:nvPr/>
+            </p:nvSpPr>
+            <p:spPr>
+              <a:xfrm>
+                <a:off x="4692650" y="2774949"/>
+                <a:ext cx="180000" cy="180000"/>
+              </a:xfrm>
+              <a:prstGeom prst="ellipse">
+                <a:avLst/>
+              </a:prstGeom>
+              <a:noFill/>
+              <a:ln w="19050">
+                <a:solidFill>
+                  <a:srgbClr val="C00000"/>
+                </a:solidFill>
+              </a:ln>
+            </p:spPr>
+            <p:style>
+              <a:lnRef idx="2">
+                <a:schemeClr val="accent1">
+                  <a:shade val="50000"/>
+                </a:schemeClr>
+              </a:lnRef>
+              <a:fillRef idx="1">
+                <a:schemeClr val="accent1"/>
+              </a:fillRef>
+              <a:effectRef idx="0">
+                <a:schemeClr val="accent1"/>
+              </a:effectRef>
+              <a:fontRef idx="minor">
+                <a:schemeClr val="lt1"/>
+              </a:fontRef>
+            </p:style>
+            <p:txBody>
+              <a:bodyPr rtlCol="0" anchor="ctr"/>
+              <a:lstStyle/>
+              <a:p>
+                <a:pPr algn="ctr"/>
+                <a:endParaRPr lang="fr-FR" dirty="0"/>
+              </a:p>
+            </p:txBody>
+          </p:sp>
+          <p:sp>
+            <p:nvSpPr>
+              <p:cNvPr id="26" name="Ellipse 25">
+                <a:extLst>
+                  <a:ext uri="{FF2B5EF4-FFF2-40B4-BE49-F238E27FC236}">
+                    <a16:creationId xmlns:a16="http://schemas.microsoft.com/office/drawing/2014/main" id="{18F0A231-8A8D-A077-D185-C9A050A69336}"/>
+                  </a:ext>
+                </a:extLst>
+              </p:cNvPr>
+              <p:cNvSpPr/>
+              <p:nvPr/>
+            </p:nvSpPr>
+            <p:spPr>
+              <a:xfrm>
+                <a:off x="5584825" y="2774949"/>
+                <a:ext cx="180000" cy="180000"/>
+              </a:xfrm>
+              <a:prstGeom prst="ellipse">
+                <a:avLst/>
+              </a:prstGeom>
+              <a:noFill/>
+              <a:ln w="19050">
+                <a:solidFill>
+                  <a:srgbClr val="C00000"/>
+                </a:solidFill>
+              </a:ln>
+            </p:spPr>
+            <p:style>
+              <a:lnRef idx="2">
+                <a:schemeClr val="accent1">
+                  <a:shade val="50000"/>
+                </a:schemeClr>
+              </a:lnRef>
+              <a:fillRef idx="1">
+                <a:schemeClr val="accent1"/>
+              </a:fillRef>
+              <a:effectRef idx="0">
+                <a:schemeClr val="accent1"/>
+              </a:effectRef>
+              <a:fontRef idx="minor">
+                <a:schemeClr val="lt1"/>
+              </a:fontRef>
+            </p:style>
+            <p:txBody>
+              <a:bodyPr rtlCol="0" anchor="ctr"/>
+              <a:lstStyle/>
+              <a:p>
+                <a:pPr algn="ctr"/>
+                <a:endParaRPr lang="fr-FR"/>
+              </a:p>
+            </p:txBody>
+          </p:sp>
+          <p:sp>
+            <p:nvSpPr>
+              <p:cNvPr id="27" name="Ellipse 26">
+                <a:extLst>
+                  <a:ext uri="{FF2B5EF4-FFF2-40B4-BE49-F238E27FC236}">
+                    <a16:creationId xmlns:a16="http://schemas.microsoft.com/office/drawing/2014/main" id="{DE651A72-632B-FA7D-DEA7-6B583C749B50}"/>
+                  </a:ext>
+                </a:extLst>
+              </p:cNvPr>
+              <p:cNvSpPr/>
+              <p:nvPr/>
+            </p:nvSpPr>
+            <p:spPr>
+              <a:xfrm>
+                <a:off x="4692650" y="3060598"/>
+                <a:ext cx="180000" cy="180000"/>
+              </a:xfrm>
+              <a:prstGeom prst="ellipse">
+                <a:avLst/>
+              </a:prstGeom>
+              <a:noFill/>
+              <a:ln w="19050">
+                <a:solidFill>
+                  <a:srgbClr val="C00000"/>
+                </a:solidFill>
+              </a:ln>
+            </p:spPr>
+            <p:style>
+              <a:lnRef idx="2">
+                <a:schemeClr val="accent1">
+                  <a:shade val="50000"/>
+                </a:schemeClr>
+              </a:lnRef>
+              <a:fillRef idx="1">
+                <a:schemeClr val="accent1"/>
+              </a:fillRef>
+              <a:effectRef idx="0">
+                <a:schemeClr val="accent1"/>
+              </a:effectRef>
+              <a:fontRef idx="minor">
+                <a:schemeClr val="lt1"/>
+              </a:fontRef>
+            </p:style>
+            <p:txBody>
+              <a:bodyPr rtlCol="0" anchor="ctr"/>
+              <a:lstStyle/>
+              <a:p>
+                <a:pPr algn="ctr"/>
+                <a:endParaRPr lang="fr-FR"/>
+              </a:p>
+            </p:txBody>
+          </p:sp>
+          <p:sp>
+            <p:nvSpPr>
+              <p:cNvPr id="28" name="Ellipse 27">
+                <a:extLst>
+                  <a:ext uri="{FF2B5EF4-FFF2-40B4-BE49-F238E27FC236}">
+                    <a16:creationId xmlns:a16="http://schemas.microsoft.com/office/drawing/2014/main" id="{8EDC8C70-BD10-0A61-293E-B8A8B25623B7}"/>
+                  </a:ext>
+                </a:extLst>
+              </p:cNvPr>
+              <p:cNvSpPr/>
+              <p:nvPr/>
+            </p:nvSpPr>
+            <p:spPr>
+              <a:xfrm>
+                <a:off x="5584825" y="3060598"/>
+                <a:ext cx="180000" cy="180000"/>
+              </a:xfrm>
+              <a:prstGeom prst="ellipse">
+                <a:avLst/>
+              </a:prstGeom>
+              <a:noFill/>
+              <a:ln w="19050">
+                <a:solidFill>
+                  <a:srgbClr val="C00000"/>
+                </a:solidFill>
+              </a:ln>
+            </p:spPr>
+            <p:style>
+              <a:lnRef idx="2">
+                <a:schemeClr val="accent1">
+                  <a:shade val="50000"/>
+                </a:schemeClr>
+              </a:lnRef>
+              <a:fillRef idx="1">
+                <a:schemeClr val="accent1"/>
+              </a:fillRef>
+              <a:effectRef idx="0">
+                <a:schemeClr val="accent1"/>
+              </a:effectRef>
+              <a:fontRef idx="minor">
+                <a:schemeClr val="lt1"/>
+              </a:fontRef>
+            </p:style>
+            <p:txBody>
+              <a:bodyPr rtlCol="0" anchor="ctr"/>
+              <a:lstStyle/>
+              <a:p>
+                <a:pPr algn="ctr"/>
+                <a:endParaRPr lang="fr-FR"/>
+              </a:p>
+            </p:txBody>
+          </p:sp>
+        </p:grpSp>
+        <p:sp>
+          <p:nvSpPr>
+            <p:cNvPr id="29" name="Ellipse 28">
+              <a:extLst>
+                <a:ext uri="{FF2B5EF4-FFF2-40B4-BE49-F238E27FC236}">
+                  <a16:creationId xmlns:a16="http://schemas.microsoft.com/office/drawing/2014/main" id="{3DEF784C-1178-FBDE-FAF1-0333D2934939}"/>
+                </a:ext>
+              </a:extLst>
+            </p:cNvPr>
+            <p:cNvSpPr/>
+            <p:nvPr/>
+          </p:nvSpPr>
+          <p:spPr>
+            <a:xfrm>
+              <a:off x="9488814" y="593369"/>
+              <a:ext cx="180000" cy="180000"/>
+            </a:xfrm>
+            <a:prstGeom prst="ellipse">
+              <a:avLst/>
+            </a:prstGeom>
+            <a:noFill/>
+            <a:ln w="19050">
+              <a:solidFill>
+                <a:srgbClr val="002060"/>
+              </a:solidFill>
+            </a:ln>
+          </p:spPr>
+          <p:style>
+            <a:lnRef idx="2">
+              <a:schemeClr val="accent1">
+                <a:shade val="50000"/>
+              </a:schemeClr>
+            </a:lnRef>
+            <a:fillRef idx="1">
+              <a:schemeClr val="accent1"/>
+            </a:fillRef>
+            <a:effectRef idx="0">
+              <a:schemeClr val="accent1"/>
+            </a:effectRef>
+            <a:fontRef idx="minor">
+              <a:schemeClr val="lt1"/>
+            </a:fontRef>
+          </p:style>
+          <p:txBody>
+            <a:bodyPr rtlCol="0" anchor="ctr"/>
+            <a:lstStyle/>
+            <a:p>
+              <a:pPr algn="ctr"/>
+              <a:endParaRPr lang="fr-FR" dirty="0"/>
+            </a:p>
+          </p:txBody>
+        </p:sp>
+        <p:sp>
+          <p:nvSpPr>
+            <p:cNvPr id="33" name="Ellipse 32">
+              <a:extLst>
+                <a:ext uri="{FF2B5EF4-FFF2-40B4-BE49-F238E27FC236}">
+                  <a16:creationId xmlns:a16="http://schemas.microsoft.com/office/drawing/2014/main" id="{BF634073-D9C2-CE36-DCB7-19059C1AE4EB}"/>
+                </a:ext>
+              </a:extLst>
+            </p:cNvPr>
+            <p:cNvSpPr/>
+            <p:nvPr/>
+          </p:nvSpPr>
+          <p:spPr>
+            <a:xfrm>
+              <a:off x="2360064" y="413369"/>
+              <a:ext cx="540000" cy="540000"/>
+            </a:xfrm>
+            <a:prstGeom prst="ellipse">
+              <a:avLst/>
+            </a:prstGeom>
+            <a:solidFill>
+              <a:schemeClr val="bg1"/>
+            </a:solidFill>
+            <a:ln w="19050">
+              <a:solidFill>
+                <a:srgbClr val="00B050"/>
+              </a:solidFill>
+            </a:ln>
+          </p:spPr>
+          <p:style>
+            <a:lnRef idx="2">
+              <a:schemeClr val="accent1">
+                <a:shade val="50000"/>
+              </a:schemeClr>
+            </a:lnRef>
+            <a:fillRef idx="1">
+              <a:schemeClr val="accent1"/>
+            </a:fillRef>
+            <a:effectRef idx="0">
+              <a:schemeClr val="accent1"/>
+            </a:effectRef>
+            <a:fontRef idx="minor">
+              <a:schemeClr val="lt1"/>
+            </a:fontRef>
+          </p:style>
+          <p:txBody>
+            <a:bodyPr rtlCol="0" anchor="ctr"/>
+            <a:lstStyle/>
+            <a:p>
+              <a:pPr algn="ctr"/>
+              <a:endParaRPr lang="fr-FR" dirty="0"/>
+            </a:p>
+          </p:txBody>
+        </p:sp>
+        <p:sp>
+          <p:nvSpPr>
+            <p:cNvPr id="34" name="Ellipse 33">
+              <a:extLst>
+                <a:ext uri="{FF2B5EF4-FFF2-40B4-BE49-F238E27FC236}">
+                  <a16:creationId xmlns:a16="http://schemas.microsoft.com/office/drawing/2014/main" id="{192714AE-D7F0-E080-049A-CF288D410D95}"/>
+                </a:ext>
+              </a:extLst>
+            </p:cNvPr>
+            <p:cNvSpPr/>
+            <p:nvPr/>
+          </p:nvSpPr>
+          <p:spPr>
+            <a:xfrm>
+              <a:off x="2540064" y="593369"/>
+              <a:ext cx="180000" cy="180000"/>
+            </a:xfrm>
+            <a:prstGeom prst="ellipse">
+              <a:avLst/>
+            </a:prstGeom>
+            <a:noFill/>
+            <a:ln w="19050">
+              <a:solidFill>
+                <a:srgbClr val="002060"/>
+              </a:solidFill>
+            </a:ln>
+          </p:spPr>
+          <p:style>
+            <a:lnRef idx="2">
+              <a:schemeClr val="accent1">
+                <a:shade val="50000"/>
+              </a:schemeClr>
+            </a:lnRef>
+            <a:fillRef idx="1">
+              <a:schemeClr val="accent1"/>
+            </a:fillRef>
+            <a:effectRef idx="0">
+              <a:schemeClr val="accent1"/>
+            </a:effectRef>
+            <a:fontRef idx="minor">
+              <a:schemeClr val="lt1"/>
+            </a:fontRef>
+          </p:style>
+          <p:txBody>
+            <a:bodyPr rtlCol="0" anchor="ctr"/>
+            <a:lstStyle/>
+            <a:p>
+              <a:pPr algn="ctr"/>
+              <a:endParaRPr lang="fr-FR" dirty="0"/>
+            </a:p>
+          </p:txBody>
+        </p:sp>
+        <p:sp>
+          <p:nvSpPr>
+            <p:cNvPr id="36" name="Ellipse 35">
+              <a:extLst>
+                <a:ext uri="{FF2B5EF4-FFF2-40B4-BE49-F238E27FC236}">
+                  <a16:creationId xmlns:a16="http://schemas.microsoft.com/office/drawing/2014/main" id="{939758F0-26EF-5C18-8F85-AAAF733142AB}"/>
+                </a:ext>
+              </a:extLst>
+            </p:cNvPr>
+            <p:cNvSpPr/>
+            <p:nvPr/>
+          </p:nvSpPr>
+          <p:spPr>
+            <a:xfrm>
+              <a:off x="2360064" y="5192113"/>
+              <a:ext cx="540000" cy="540000"/>
+            </a:xfrm>
+            <a:prstGeom prst="ellipse">
+              <a:avLst/>
+            </a:prstGeom>
+            <a:solidFill>
+              <a:schemeClr val="bg1"/>
+            </a:solidFill>
+            <a:ln w="19050">
+              <a:solidFill>
+                <a:srgbClr val="00B050"/>
+              </a:solidFill>
+            </a:ln>
+          </p:spPr>
+          <p:style>
+            <a:lnRef idx="2">
+              <a:schemeClr val="accent1">
+                <a:shade val="50000"/>
+              </a:schemeClr>
+            </a:lnRef>
+            <a:fillRef idx="1">
+              <a:schemeClr val="accent1"/>
+            </a:fillRef>
+            <a:effectRef idx="0">
+              <a:schemeClr val="accent1"/>
+            </a:effectRef>
+            <a:fontRef idx="minor">
+              <a:schemeClr val="lt1"/>
+            </a:fontRef>
+          </p:style>
+          <p:txBody>
+            <a:bodyPr rtlCol="0" anchor="ctr"/>
+            <a:lstStyle/>
+            <a:p>
+              <a:pPr algn="ctr"/>
+              <a:endParaRPr lang="fr-FR" dirty="0"/>
+            </a:p>
+          </p:txBody>
+        </p:sp>
+        <p:sp>
+          <p:nvSpPr>
+            <p:cNvPr id="37" name="Ellipse 36">
+              <a:extLst>
+                <a:ext uri="{FF2B5EF4-FFF2-40B4-BE49-F238E27FC236}">
+                  <a16:creationId xmlns:a16="http://schemas.microsoft.com/office/drawing/2014/main" id="{02D845B1-880D-7B54-7856-2DB9B542D0D9}"/>
+                </a:ext>
+              </a:extLst>
+            </p:cNvPr>
+            <p:cNvSpPr/>
+            <p:nvPr/>
+          </p:nvSpPr>
+          <p:spPr>
+            <a:xfrm>
+              <a:off x="2540064" y="5372113"/>
+              <a:ext cx="180000" cy="180000"/>
+            </a:xfrm>
+            <a:prstGeom prst="ellipse">
+              <a:avLst/>
+            </a:prstGeom>
+            <a:noFill/>
+            <a:ln w="19050">
+              <a:solidFill>
+                <a:srgbClr val="002060"/>
+              </a:solidFill>
+            </a:ln>
+          </p:spPr>
+          <p:style>
+            <a:lnRef idx="2">
+              <a:schemeClr val="accent1">
+                <a:shade val="50000"/>
+              </a:schemeClr>
+            </a:lnRef>
+            <a:fillRef idx="1">
+              <a:schemeClr val="accent1"/>
+            </a:fillRef>
+            <a:effectRef idx="0">
+              <a:schemeClr val="accent1"/>
+            </a:effectRef>
+            <a:fontRef idx="minor">
+              <a:schemeClr val="lt1"/>
+            </a:fontRef>
+          </p:style>
+          <p:txBody>
+            <a:bodyPr rtlCol="0" anchor="ctr"/>
+            <a:lstStyle/>
+            <a:p>
+              <a:pPr algn="ctr"/>
+              <a:endParaRPr lang="fr-FR" dirty="0"/>
+            </a:p>
+          </p:txBody>
+        </p:sp>
+        <p:sp>
+          <p:nvSpPr>
+            <p:cNvPr id="38" name="Ellipse 37">
+              <a:extLst>
+                <a:ext uri="{FF2B5EF4-FFF2-40B4-BE49-F238E27FC236}">
+                  <a16:creationId xmlns:a16="http://schemas.microsoft.com/office/drawing/2014/main" id="{451B307C-1FCF-3EFE-22C2-5A10CAE2857B}"/>
+                </a:ext>
+              </a:extLst>
+            </p:cNvPr>
+            <p:cNvSpPr/>
+            <p:nvPr/>
+          </p:nvSpPr>
+          <p:spPr>
+            <a:xfrm>
+              <a:off x="9308814" y="5192113"/>
+              <a:ext cx="540000" cy="540000"/>
+            </a:xfrm>
+            <a:prstGeom prst="ellipse">
+              <a:avLst/>
+            </a:prstGeom>
+            <a:solidFill>
+              <a:schemeClr val="bg1"/>
+            </a:solidFill>
+            <a:ln w="19050">
+              <a:solidFill>
+                <a:srgbClr val="00B050"/>
+              </a:solidFill>
+            </a:ln>
+          </p:spPr>
+          <p:style>
+            <a:lnRef idx="2">
+              <a:schemeClr val="accent1">
+                <a:shade val="50000"/>
+              </a:schemeClr>
+            </a:lnRef>
+            <a:fillRef idx="1">
+              <a:schemeClr val="accent1"/>
+            </a:fillRef>
+            <a:effectRef idx="0">
+              <a:schemeClr val="accent1"/>
+            </a:effectRef>
+            <a:fontRef idx="minor">
+              <a:schemeClr val="lt1"/>
+            </a:fontRef>
+          </p:style>
+          <p:txBody>
+            <a:bodyPr rtlCol="0" anchor="ctr"/>
+            <a:lstStyle/>
+            <a:p>
+              <a:pPr algn="ctr"/>
+              <a:endParaRPr lang="fr-FR" dirty="0"/>
+            </a:p>
+          </p:txBody>
+        </p:sp>
+        <p:sp>
+          <p:nvSpPr>
+            <p:cNvPr id="39" name="Ellipse 38">
+              <a:extLst>
+                <a:ext uri="{FF2B5EF4-FFF2-40B4-BE49-F238E27FC236}">
+                  <a16:creationId xmlns:a16="http://schemas.microsoft.com/office/drawing/2014/main" id="{D2A46BB3-E2FC-7F94-0B6C-1BAA69A27818}"/>
+                </a:ext>
+              </a:extLst>
+            </p:cNvPr>
+            <p:cNvSpPr/>
+            <p:nvPr/>
+          </p:nvSpPr>
+          <p:spPr>
+            <a:xfrm>
+              <a:off x="9488814" y="5372113"/>
+              <a:ext cx="180000" cy="180000"/>
+            </a:xfrm>
+            <a:prstGeom prst="ellipse">
+              <a:avLst/>
+            </a:prstGeom>
+            <a:noFill/>
+            <a:ln w="19050">
+              <a:solidFill>
+                <a:srgbClr val="002060"/>
+              </a:solidFill>
+            </a:ln>
+          </p:spPr>
+          <p:style>
+            <a:lnRef idx="2">
+              <a:schemeClr val="accent1">
+                <a:shade val="50000"/>
+              </a:schemeClr>
+            </a:lnRef>
+            <a:fillRef idx="1">
+              <a:schemeClr val="accent1"/>
+            </a:fillRef>
+            <a:effectRef idx="0">
+              <a:schemeClr val="accent1"/>
+            </a:effectRef>
+            <a:fontRef idx="minor">
+              <a:schemeClr val="lt1"/>
+            </a:fontRef>
+          </p:style>
+          <p:txBody>
+            <a:bodyPr rtlCol="0" anchor="ctr"/>
+            <a:lstStyle/>
+            <a:p>
+              <a:pPr algn="ctr"/>
+              <a:endParaRPr lang="fr-FR" dirty="0"/>
+            </a:p>
+          </p:txBody>
+        </p:sp>
+        <p:sp>
+          <p:nvSpPr>
+            <p:cNvPr id="16" name="Rectangle : coins arrondis 15">
+              <a:extLst>
+                <a:ext uri="{FF2B5EF4-FFF2-40B4-BE49-F238E27FC236}">
+                  <a16:creationId xmlns:a16="http://schemas.microsoft.com/office/drawing/2014/main" id="{C3FCF92D-4710-A002-F379-857571DCDCCC}"/>
+                </a:ext>
+              </a:extLst>
+            </p:cNvPr>
+            <p:cNvSpPr/>
+            <p:nvPr/>
+          </p:nvSpPr>
+          <p:spPr>
+            <a:xfrm>
+              <a:off x="2504439" y="552741"/>
+              <a:ext cx="7200000" cy="5040000"/>
+            </a:xfrm>
+            <a:prstGeom prst="roundRect">
+              <a:avLst>
+                <a:gd name="adj" fmla="val 2563"/>
+              </a:avLst>
+            </a:prstGeom>
+            <a:noFill/>
+            <a:ln w="9525">
+              <a:solidFill>
+                <a:srgbClr val="002060"/>
+              </a:solidFill>
+              <a:prstDash val="dash"/>
+            </a:ln>
+          </p:spPr>
+          <p:style>
+            <a:lnRef idx="2">
+              <a:schemeClr val="accent1">
+                <a:shade val="50000"/>
+              </a:schemeClr>
+            </a:lnRef>
+            <a:fillRef idx="1">
+              <a:schemeClr val="accent1"/>
+            </a:fillRef>
+            <a:effectRef idx="0">
+              <a:schemeClr val="accent1"/>
+            </a:effectRef>
+            <a:fontRef idx="minor">
+              <a:schemeClr val="lt1"/>
+            </a:fontRef>
+          </p:style>
+          <p:txBody>
+            <a:bodyPr rtlCol="0" anchor="ctr"/>
+            <a:lstStyle/>
+            <a:p>
+              <a:pPr algn="ctr"/>
+              <a:endParaRPr lang="fr-FR" dirty="0"/>
+            </a:p>
+          </p:txBody>
+        </p:sp>
+      </p:grpSp>
+      <p:grpSp>
+        <p:nvGrpSpPr>
+          <p:cNvPr id="41" name="Groupe 40">
+            <a:extLst>
+              <a:ext uri="{FF2B5EF4-FFF2-40B4-BE49-F238E27FC236}">
+                <a16:creationId xmlns:a16="http://schemas.microsoft.com/office/drawing/2014/main" id="{71887B04-2067-46D3-699F-3A3B20866B0E}"/>
+              </a:ext>
+            </a:extLst>
+          </p:cNvPr>
+          <p:cNvGrpSpPr/>
+          <p:nvPr/>
+        </p:nvGrpSpPr>
+        <p:grpSpPr>
+          <a:xfrm>
+            <a:off x="5528439" y="995505"/>
+            <a:ext cx="1152000" cy="576000"/>
+            <a:chOff x="4651128" y="2719448"/>
+            <a:chExt cx="1152000" cy="576000"/>
+          </a:xfrm>
+        </p:grpSpPr>
+        <p:sp>
+          <p:nvSpPr>
+            <p:cNvPr id="42" name="Rectangle : coins arrondis 41">
+              <a:extLst>
+                <a:ext uri="{FF2B5EF4-FFF2-40B4-BE49-F238E27FC236}">
+                  <a16:creationId xmlns:a16="http://schemas.microsoft.com/office/drawing/2014/main" id="{A8880BFF-D082-AF63-BADA-483F80149951}"/>
+                </a:ext>
+              </a:extLst>
+            </p:cNvPr>
+            <p:cNvSpPr/>
+            <p:nvPr/>
+          </p:nvSpPr>
+          <p:spPr>
+            <a:xfrm>
+              <a:off x="4651128" y="2719448"/>
+              <a:ext cx="1152000" cy="576000"/>
+            </a:xfrm>
+            <a:prstGeom prst="roundRect">
+              <a:avLst/>
+            </a:prstGeom>
+            <a:noFill/>
+            <a:ln w="12700">
+              <a:solidFill>
+                <a:srgbClr val="C00000"/>
+              </a:solidFill>
+              <a:prstDash val="sysDash"/>
+            </a:ln>
+          </p:spPr>
+          <p:style>
+            <a:lnRef idx="2">
+              <a:schemeClr val="accent1">
+                <a:shade val="50000"/>
+              </a:schemeClr>
+            </a:lnRef>
+            <a:fillRef idx="1">
+              <a:schemeClr val="accent1"/>
+            </a:fillRef>
+            <a:effectRef idx="0">
+              <a:schemeClr val="accent1"/>
+            </a:effectRef>
+            <a:fontRef idx="minor">
+              <a:schemeClr val="lt1"/>
+            </a:fontRef>
+          </p:style>
+          <p:txBody>
+            <a:bodyPr rtlCol="0" anchor="ctr"/>
+            <a:lstStyle/>
+            <a:p>
+              <a:pPr algn="ctr"/>
+              <a:endParaRPr lang="fr-FR"/>
+            </a:p>
+          </p:txBody>
+        </p:sp>
+        <p:sp>
+          <p:nvSpPr>
+            <p:cNvPr id="43" name="Ellipse 42">
+              <a:extLst>
+                <a:ext uri="{FF2B5EF4-FFF2-40B4-BE49-F238E27FC236}">
+                  <a16:creationId xmlns:a16="http://schemas.microsoft.com/office/drawing/2014/main" id="{74356771-F6CB-8F97-682A-3AE8DF7DF1B4}"/>
+                </a:ext>
+              </a:extLst>
+            </p:cNvPr>
+            <p:cNvSpPr/>
+            <p:nvPr/>
+          </p:nvSpPr>
+          <p:spPr>
+            <a:xfrm>
+              <a:off x="4692650" y="2774949"/>
+              <a:ext cx="180000" cy="180000"/>
+            </a:xfrm>
+            <a:prstGeom prst="ellipse">
+              <a:avLst/>
+            </a:prstGeom>
+            <a:noFill/>
+            <a:ln w="12700">
+              <a:solidFill>
+                <a:srgbClr val="C00000"/>
+              </a:solidFill>
+              <a:prstDash val="sysDash"/>
+            </a:ln>
+          </p:spPr>
+          <p:style>
+            <a:lnRef idx="2">
+              <a:schemeClr val="accent1">
+                <a:shade val="50000"/>
+              </a:schemeClr>
+            </a:lnRef>
+            <a:fillRef idx="1">
+              <a:schemeClr val="accent1"/>
+            </a:fillRef>
+            <a:effectRef idx="0">
+              <a:schemeClr val="accent1"/>
+            </a:effectRef>
+            <a:fontRef idx="minor">
+              <a:schemeClr val="lt1"/>
+            </a:fontRef>
+          </p:style>
+          <p:txBody>
+            <a:bodyPr rtlCol="0" anchor="ctr"/>
+            <a:lstStyle/>
+            <a:p>
+              <a:pPr algn="ctr"/>
+              <a:endParaRPr lang="fr-FR" dirty="0"/>
+            </a:p>
+          </p:txBody>
+        </p:sp>
+        <p:sp>
+          <p:nvSpPr>
+            <p:cNvPr id="44" name="Ellipse 43">
+              <a:extLst>
+                <a:ext uri="{FF2B5EF4-FFF2-40B4-BE49-F238E27FC236}">
+                  <a16:creationId xmlns:a16="http://schemas.microsoft.com/office/drawing/2014/main" id="{61EB8C60-C6DA-F528-AB2B-99F39AAD6591}"/>
+                </a:ext>
+              </a:extLst>
+            </p:cNvPr>
+            <p:cNvSpPr/>
+            <p:nvPr/>
+          </p:nvSpPr>
+          <p:spPr>
+            <a:xfrm>
+              <a:off x="5584825" y="2774949"/>
+              <a:ext cx="180000" cy="180000"/>
+            </a:xfrm>
+            <a:prstGeom prst="ellipse">
+              <a:avLst/>
+            </a:prstGeom>
+            <a:noFill/>
+            <a:ln w="12700">
+              <a:solidFill>
+                <a:srgbClr val="C00000"/>
+              </a:solidFill>
+              <a:prstDash val="sysDash"/>
+            </a:ln>
+          </p:spPr>
+          <p:style>
+            <a:lnRef idx="2">
+              <a:schemeClr val="accent1">
+                <a:shade val="50000"/>
+              </a:schemeClr>
+            </a:lnRef>
+            <a:fillRef idx="1">
+              <a:schemeClr val="accent1"/>
+            </a:fillRef>
+            <a:effectRef idx="0">
+              <a:schemeClr val="accent1"/>
+            </a:effectRef>
+            <a:fontRef idx="minor">
+              <a:schemeClr val="lt1"/>
+            </a:fontRef>
+          </p:style>
+          <p:txBody>
+            <a:bodyPr rtlCol="0" anchor="ctr"/>
+            <a:lstStyle/>
+            <a:p>
+              <a:pPr algn="ctr"/>
+              <a:endParaRPr lang="fr-FR"/>
+            </a:p>
+          </p:txBody>
+        </p:sp>
+        <p:sp>
+          <p:nvSpPr>
+            <p:cNvPr id="45" name="Ellipse 44">
+              <a:extLst>
+                <a:ext uri="{FF2B5EF4-FFF2-40B4-BE49-F238E27FC236}">
+                  <a16:creationId xmlns:a16="http://schemas.microsoft.com/office/drawing/2014/main" id="{6BA3054C-CE4D-D73D-AFC7-335D605BBB04}"/>
+                </a:ext>
+              </a:extLst>
+            </p:cNvPr>
+            <p:cNvSpPr/>
+            <p:nvPr/>
+          </p:nvSpPr>
+          <p:spPr>
+            <a:xfrm>
+              <a:off x="4692650" y="3060598"/>
+              <a:ext cx="180000" cy="180000"/>
+            </a:xfrm>
+            <a:prstGeom prst="ellipse">
+              <a:avLst/>
+            </a:prstGeom>
+            <a:noFill/>
+            <a:ln w="12700">
+              <a:solidFill>
+                <a:srgbClr val="C00000"/>
+              </a:solidFill>
+              <a:prstDash val="sysDash"/>
+            </a:ln>
+          </p:spPr>
+          <p:style>
+            <a:lnRef idx="2">
+              <a:schemeClr val="accent1">
+                <a:shade val="50000"/>
+              </a:schemeClr>
+            </a:lnRef>
+            <a:fillRef idx="1">
+              <a:schemeClr val="accent1"/>
+            </a:fillRef>
+            <a:effectRef idx="0">
+              <a:schemeClr val="accent1"/>
+            </a:effectRef>
+            <a:fontRef idx="minor">
+              <a:schemeClr val="lt1"/>
+            </a:fontRef>
+          </p:style>
+          <p:txBody>
+            <a:bodyPr rtlCol="0" anchor="ctr"/>
+            <a:lstStyle/>
+            <a:p>
+              <a:pPr algn="ctr"/>
+              <a:endParaRPr lang="fr-FR"/>
+            </a:p>
+          </p:txBody>
+        </p:sp>
+        <p:sp>
+          <p:nvSpPr>
+            <p:cNvPr id="46" name="Ellipse 45">
+              <a:extLst>
+                <a:ext uri="{FF2B5EF4-FFF2-40B4-BE49-F238E27FC236}">
+                  <a16:creationId xmlns:a16="http://schemas.microsoft.com/office/drawing/2014/main" id="{E2E02B75-C7B6-6B44-4854-5400439B2673}"/>
+                </a:ext>
+              </a:extLst>
+            </p:cNvPr>
+            <p:cNvSpPr/>
+            <p:nvPr/>
+          </p:nvSpPr>
+          <p:spPr>
+            <a:xfrm>
+              <a:off x="5584825" y="3060598"/>
+              <a:ext cx="180000" cy="180000"/>
+            </a:xfrm>
+            <a:prstGeom prst="ellipse">
+              <a:avLst/>
+            </a:prstGeom>
+            <a:noFill/>
+            <a:ln w="12700">
+              <a:solidFill>
+                <a:srgbClr val="C00000"/>
+              </a:solidFill>
+              <a:prstDash val="sysDash"/>
+            </a:ln>
+          </p:spPr>
+          <p:style>
+            <a:lnRef idx="2">
+              <a:schemeClr val="accent1">
+                <a:shade val="50000"/>
+              </a:schemeClr>
+            </a:lnRef>
+            <a:fillRef idx="1">
+              <a:schemeClr val="accent1"/>
+            </a:fillRef>
+            <a:effectRef idx="0">
+              <a:schemeClr val="accent1"/>
+            </a:effectRef>
+            <a:fontRef idx="minor">
+              <a:schemeClr val="lt1"/>
+            </a:fontRef>
+          </p:style>
+          <p:txBody>
+            <a:bodyPr rtlCol="0" anchor="ctr"/>
+            <a:lstStyle/>
+            <a:p>
+              <a:pPr algn="ctr"/>
+              <a:endParaRPr lang="fr-FR"/>
+            </a:p>
+          </p:txBody>
+        </p:sp>
+      </p:grpSp>
+      <p:cxnSp>
+        <p:nvCxnSpPr>
+          <p:cNvPr id="59" name="Connecteur droit 58">
+            <a:extLst>
+              <a:ext uri="{FF2B5EF4-FFF2-40B4-BE49-F238E27FC236}">
+                <a16:creationId xmlns:a16="http://schemas.microsoft.com/office/drawing/2014/main" id="{48F54FE9-AC9C-A3B7-F752-D80176B41DA2}"/>
+              </a:ext>
+            </a:extLst>
+          </p:cNvPr>
+          <p:cNvCxnSpPr>
+            <a:cxnSpLocks/>
+            <a:stCxn id="29" idx="7"/>
+            <a:endCxn id="18" idx="7"/>
+          </p:cNvCxnSpPr>
+          <p:nvPr/>
+        </p:nvCxnSpPr>
+        <p:spPr>
+          <a:xfrm flipV="1">
+            <a:off x="9642454" y="492450"/>
+            <a:ext cx="127279" cy="127279"/>
+          </a:xfrm>
+          <a:prstGeom prst="line">
+            <a:avLst/>
+          </a:prstGeom>
+          <a:solidFill>
+            <a:schemeClr val="bg1"/>
+          </a:solidFill>
+          <a:ln w="19050">
+            <a:solidFill>
+              <a:srgbClr val="00B050"/>
+            </a:solidFill>
+          </a:ln>
+        </p:spPr>
+        <p:style>
+          <a:lnRef idx="2">
+            <a:schemeClr val="accent1">
+              <a:shade val="50000"/>
+            </a:schemeClr>
+          </a:lnRef>
+          <a:fillRef idx="1">
+            <a:schemeClr val="accent1"/>
+          </a:fillRef>
+          <a:effectRef idx="0">
+            <a:schemeClr val="accent1"/>
+          </a:effectRef>
+          <a:fontRef idx="minor">
+            <a:schemeClr val="lt1"/>
+          </a:fontRef>
+        </p:style>
+      </p:cxnSp>
+      <p:cxnSp>
+        <p:nvCxnSpPr>
+          <p:cNvPr id="63" name="Connecteur droit 62">
+            <a:extLst>
+              <a:ext uri="{FF2B5EF4-FFF2-40B4-BE49-F238E27FC236}">
+                <a16:creationId xmlns:a16="http://schemas.microsoft.com/office/drawing/2014/main" id="{3E7EC815-4522-755A-33C0-CDC2E150E4EA}"/>
+              </a:ext>
+            </a:extLst>
+          </p:cNvPr>
+          <p:cNvCxnSpPr>
+            <a:cxnSpLocks/>
+            <a:stCxn id="39" idx="5"/>
+            <a:endCxn id="38" idx="5"/>
+          </p:cNvCxnSpPr>
+          <p:nvPr/>
+        </p:nvCxnSpPr>
+        <p:spPr>
+          <a:xfrm>
+            <a:off x="9642454" y="5525753"/>
+            <a:ext cx="127279" cy="127279"/>
+          </a:xfrm>
+          <a:prstGeom prst="line">
+            <a:avLst/>
+          </a:prstGeom>
+          <a:solidFill>
+            <a:schemeClr val="bg1"/>
+          </a:solidFill>
+          <a:ln w="19050">
+            <a:solidFill>
+              <a:srgbClr val="00B050"/>
+            </a:solidFill>
+          </a:ln>
+        </p:spPr>
+        <p:style>
+          <a:lnRef idx="2">
+            <a:schemeClr val="accent1">
+              <a:shade val="50000"/>
+            </a:schemeClr>
+          </a:lnRef>
+          <a:fillRef idx="1">
+            <a:schemeClr val="accent1"/>
+          </a:fillRef>
+          <a:effectRef idx="0">
+            <a:schemeClr val="accent1"/>
+          </a:effectRef>
+          <a:fontRef idx="minor">
+            <a:schemeClr val="lt1"/>
+          </a:fontRef>
+        </p:style>
+      </p:cxnSp>
+      <p:cxnSp>
+        <p:nvCxnSpPr>
+          <p:cNvPr id="64" name="Connecteur droit 63">
+            <a:extLst>
+              <a:ext uri="{FF2B5EF4-FFF2-40B4-BE49-F238E27FC236}">
+                <a16:creationId xmlns:a16="http://schemas.microsoft.com/office/drawing/2014/main" id="{9DD06F64-CA94-3B36-C42E-7B43AA2DA82C}"/>
+              </a:ext>
+            </a:extLst>
+          </p:cNvPr>
+          <p:cNvCxnSpPr>
+            <a:cxnSpLocks/>
+            <a:stCxn id="36" idx="3"/>
+            <a:endCxn id="37" idx="3"/>
+          </p:cNvCxnSpPr>
+          <p:nvPr/>
+        </p:nvCxnSpPr>
+        <p:spPr>
+          <a:xfrm flipV="1">
+            <a:off x="2439145" y="5525753"/>
+            <a:ext cx="127279" cy="127279"/>
+          </a:xfrm>
+          <a:prstGeom prst="line">
+            <a:avLst/>
+          </a:prstGeom>
+          <a:solidFill>
+            <a:schemeClr val="bg1"/>
+          </a:solidFill>
+          <a:ln w="19050">
+            <a:solidFill>
+              <a:srgbClr val="00B050"/>
+            </a:solidFill>
+          </a:ln>
+        </p:spPr>
+        <p:style>
+          <a:lnRef idx="2">
+            <a:schemeClr val="accent1">
+              <a:shade val="50000"/>
+            </a:schemeClr>
+          </a:lnRef>
+          <a:fillRef idx="1">
+            <a:schemeClr val="accent1"/>
+          </a:fillRef>
+          <a:effectRef idx="0">
+            <a:schemeClr val="accent1"/>
+          </a:effectRef>
+          <a:fontRef idx="minor">
+            <a:schemeClr val="lt1"/>
+          </a:fontRef>
+        </p:style>
+      </p:cxnSp>
+      <p:cxnSp>
+        <p:nvCxnSpPr>
+          <p:cNvPr id="65" name="Connecteur droit 64">
+            <a:extLst>
+              <a:ext uri="{FF2B5EF4-FFF2-40B4-BE49-F238E27FC236}">
+                <a16:creationId xmlns:a16="http://schemas.microsoft.com/office/drawing/2014/main" id="{5B3EF652-7259-32DD-2685-23B5EF24118F}"/>
+              </a:ext>
+            </a:extLst>
+          </p:cNvPr>
+          <p:cNvCxnSpPr>
+            <a:cxnSpLocks/>
+            <a:stCxn id="34" idx="1"/>
+            <a:endCxn id="33" idx="1"/>
+          </p:cNvCxnSpPr>
+          <p:nvPr/>
+        </p:nvCxnSpPr>
+        <p:spPr>
+          <a:xfrm flipH="1" flipV="1">
+            <a:off x="2439145" y="492450"/>
+            <a:ext cx="127279" cy="127279"/>
+          </a:xfrm>
+          <a:prstGeom prst="line">
+            <a:avLst/>
+          </a:prstGeom>
+          <a:solidFill>
+            <a:schemeClr val="bg1"/>
+          </a:solidFill>
+          <a:ln w="19050">
+            <a:solidFill>
+              <a:srgbClr val="00B050"/>
+            </a:solidFill>
+          </a:ln>
+        </p:spPr>
+        <p:style>
+          <a:lnRef idx="2">
+            <a:schemeClr val="accent1">
+              <a:shade val="50000"/>
+            </a:schemeClr>
+          </a:lnRef>
+          <a:fillRef idx="1">
+            <a:schemeClr val="accent1"/>
+          </a:fillRef>
+          <a:effectRef idx="0">
+            <a:schemeClr val="accent1"/>
+          </a:effectRef>
+          <a:fontRef idx="minor">
+            <a:schemeClr val="lt1"/>
+          </a:fontRef>
+        </p:style>
+      </p:cxnSp>
+      <mc:AlternateContent xmlns:mc="http://schemas.openxmlformats.org/markup-compatibility/2006">
+        <mc:Choice xmlns:a14="http://schemas.microsoft.com/office/drawing/2010/main" Requires="a14">
+          <p:sp>
+            <p:nvSpPr>
+              <p:cNvPr id="77" name="ZoneTexte 76">
+                <a:extLst>
+                  <a:ext uri="{FF2B5EF4-FFF2-40B4-BE49-F238E27FC236}">
+                    <a16:creationId xmlns:a16="http://schemas.microsoft.com/office/drawing/2014/main" id="{48F850B8-3CB3-F3F4-CA64-8745AF91F784}"/>
+                  </a:ext>
+                </a:extLst>
+              </p:cNvPr>
+              <p:cNvSpPr txBox="1"/>
+              <p:nvPr/>
+            </p:nvSpPr>
+            <p:spPr>
+              <a:xfrm>
+                <a:off x="9949733" y="481229"/>
+                <a:ext cx="211404" cy="276999"/>
+              </a:xfrm>
+              <a:prstGeom prst="rect">
+                <a:avLst/>
+              </a:prstGeom>
+              <a:noFill/>
+            </p:spPr>
+            <p:txBody>
+              <a:bodyPr wrap="none" lIns="0" tIns="0" rIns="0" bIns="0" rtlCol="0">
+                <a:spAutoFit/>
+              </a:bodyPr>
+              <a:lstStyle/>
+              <a:p>
+                <a14:m>
+                  <m:oMathPara xmlns:m="http://schemas.openxmlformats.org/officeDocument/2006/math">
+                    <m:oMathParaPr>
+                      <m:jc m:val="centerGroup"/>
+                    </m:oMathParaPr>
+                    <m:oMath xmlns:m="http://schemas.openxmlformats.org/officeDocument/2006/math">
+                      <m:r>
+                        <a:rPr lang="fr-FR" b="0" i="1" smtClean="0">
+                          <a:latin typeface="Cambria Math" panose="02040503050406030204" pitchFamily="18" charset="0"/>
+                        </a:rPr>
+                        <m:t>𝐵</m:t>
+                      </m:r>
+                    </m:oMath>
+                  </m:oMathPara>
+                </a14:m>
+                <a:endParaRPr lang="fr-FR" dirty="0"/>
+              </a:p>
+            </p:txBody>
+          </p:sp>
+        </mc:Choice>
+        <mc:Fallback>
+          <p:sp>
+            <p:nvSpPr>
+              <p:cNvPr id="77" name="ZoneTexte 76">
+                <a:extLst>
+                  <a:ext uri="{FF2B5EF4-FFF2-40B4-BE49-F238E27FC236}">
+                    <a16:creationId xmlns:a16="http://schemas.microsoft.com/office/drawing/2014/main" id="{48F850B8-3CB3-F3F4-CA64-8745AF91F784}"/>
+                  </a:ext>
+                </a:extLst>
+              </p:cNvPr>
+              <p:cNvSpPr txBox="1">
+                <a:spLocks noRot="1" noChangeAspect="1" noMove="1" noResize="1" noEditPoints="1" noAdjustHandles="1" noChangeArrowheads="1" noChangeShapeType="1" noTextEdit="1"/>
+              </p:cNvSpPr>
+              <p:nvPr/>
+            </p:nvSpPr>
+            <p:spPr>
+              <a:xfrm>
+                <a:off x="9949733" y="481229"/>
+                <a:ext cx="211404" cy="276999"/>
+              </a:xfrm>
+              <a:prstGeom prst="rect">
+                <a:avLst/>
+              </a:prstGeom>
+              <a:blipFill>
+                <a:blip r:embed="rId2"/>
+                <a:stretch>
+                  <a:fillRect l="-25714" r="-22857" b="-6667"/>
+                </a:stretch>
+              </a:blipFill>
+            </p:spPr>
+            <p:txBody>
+              <a:bodyPr/>
+              <a:lstStyle/>
+              <a:p>
+                <a:r>
+                  <a:rPr lang="fr-FR">
+                    <a:noFill/>
+                  </a:rPr>
+                  <a:t> </a:t>
+                </a:r>
+              </a:p>
+            </p:txBody>
+          </p:sp>
+        </mc:Fallback>
+      </mc:AlternateContent>
+      <mc:AlternateContent xmlns:mc="http://schemas.openxmlformats.org/markup-compatibility/2006">
+        <mc:Choice xmlns:a14="http://schemas.microsoft.com/office/drawing/2010/main" Requires="a14">
+          <p:sp>
+            <p:nvSpPr>
+              <p:cNvPr id="78" name="ZoneTexte 77">
+                <a:extLst>
+                  <a:ext uri="{FF2B5EF4-FFF2-40B4-BE49-F238E27FC236}">
+                    <a16:creationId xmlns:a16="http://schemas.microsoft.com/office/drawing/2014/main" id="{7905450E-B111-2694-28E1-42F3771697D9}"/>
+                  </a:ext>
+                </a:extLst>
+              </p:cNvPr>
+              <p:cNvSpPr txBox="1"/>
+              <p:nvPr/>
+            </p:nvSpPr>
+            <p:spPr>
+              <a:xfrm>
+                <a:off x="9208369" y="145765"/>
+                <a:ext cx="200889" cy="276999"/>
+              </a:xfrm>
+              <a:prstGeom prst="rect">
+                <a:avLst/>
+              </a:prstGeom>
+              <a:noFill/>
+            </p:spPr>
+            <p:txBody>
+              <a:bodyPr wrap="none" lIns="0" tIns="0" rIns="0" bIns="0" rtlCol="0">
+                <a:spAutoFit/>
+              </a:bodyPr>
+              <a:lstStyle/>
+              <a:p>
+                <a14:m>
+                  <m:oMathPara xmlns:m="http://schemas.openxmlformats.org/officeDocument/2006/math">
+                    <m:oMathParaPr>
+                      <m:jc m:val="centerGroup"/>
+                    </m:oMathParaPr>
+                    <m:oMath xmlns:m="http://schemas.openxmlformats.org/officeDocument/2006/math">
+                      <m:r>
+                        <a:rPr lang="fr-FR" b="0" i="1" smtClean="0">
+                          <a:latin typeface="Cambria Math" panose="02040503050406030204" pitchFamily="18" charset="0"/>
+                        </a:rPr>
+                        <m:t>𝐶</m:t>
+                      </m:r>
+                    </m:oMath>
+                  </m:oMathPara>
+                </a14:m>
+                <a:endParaRPr lang="fr-FR" dirty="0"/>
+              </a:p>
+            </p:txBody>
+          </p:sp>
+        </mc:Choice>
+        <mc:Fallback>
+          <p:sp>
+            <p:nvSpPr>
+              <p:cNvPr id="78" name="ZoneTexte 77">
+                <a:extLst>
+                  <a:ext uri="{FF2B5EF4-FFF2-40B4-BE49-F238E27FC236}">
+                    <a16:creationId xmlns:a16="http://schemas.microsoft.com/office/drawing/2014/main" id="{7905450E-B111-2694-28E1-42F3771697D9}"/>
+                  </a:ext>
+                </a:extLst>
+              </p:cNvPr>
+              <p:cNvSpPr txBox="1">
+                <a:spLocks noRot="1" noChangeAspect="1" noMove="1" noResize="1" noEditPoints="1" noAdjustHandles="1" noChangeArrowheads="1" noChangeShapeType="1" noTextEdit="1"/>
+              </p:cNvSpPr>
+              <p:nvPr/>
+            </p:nvSpPr>
+            <p:spPr>
+              <a:xfrm>
+                <a:off x="9208369" y="145765"/>
+                <a:ext cx="200889" cy="276999"/>
+              </a:xfrm>
+              <a:prstGeom prst="rect">
+                <a:avLst/>
+              </a:prstGeom>
+              <a:blipFill>
+                <a:blip r:embed="rId3"/>
+                <a:stretch>
+                  <a:fillRect l="-30303" r="-21212" b="-6667"/>
+                </a:stretch>
+              </a:blipFill>
+            </p:spPr>
+            <p:txBody>
+              <a:bodyPr/>
+              <a:lstStyle/>
+              <a:p>
+                <a:r>
+                  <a:rPr lang="fr-FR">
+                    <a:noFill/>
+                  </a:rPr>
+                  <a:t> </a:t>
+                </a:r>
+              </a:p>
+            </p:txBody>
+          </p:sp>
+        </mc:Fallback>
+      </mc:AlternateContent>
+      <p:cxnSp>
+        <p:nvCxnSpPr>
+          <p:cNvPr id="82" name="Connecteur droit 81">
+            <a:extLst>
+              <a:ext uri="{FF2B5EF4-FFF2-40B4-BE49-F238E27FC236}">
+                <a16:creationId xmlns:a16="http://schemas.microsoft.com/office/drawing/2014/main" id="{B67FE794-51B5-2732-98FE-2AEEC81E20EA}"/>
+              </a:ext>
+            </a:extLst>
+          </p:cNvPr>
+          <p:cNvCxnSpPr>
+            <a:cxnSpLocks/>
+            <a:stCxn id="25" idx="1"/>
+            <a:endCxn id="33" idx="7"/>
+          </p:cNvCxnSpPr>
+          <p:nvPr/>
+        </p:nvCxnSpPr>
+        <p:spPr>
+          <a:xfrm flipH="1" flipV="1">
+            <a:off x="2820983" y="492450"/>
+            <a:ext cx="2766899" cy="3185159"/>
+          </a:xfrm>
+          <a:prstGeom prst="line">
+            <a:avLst/>
+          </a:prstGeom>
+          <a:ln w="9525">
+            <a:solidFill>
+              <a:srgbClr val="7030A0"/>
+            </a:solidFill>
+          </a:ln>
+        </p:spPr>
+        <p:style>
+          <a:lnRef idx="1">
+            <a:schemeClr val="accent1"/>
+          </a:lnRef>
+          <a:fillRef idx="0">
+            <a:schemeClr val="accent1"/>
+          </a:fillRef>
+          <a:effectRef idx="0">
+            <a:schemeClr val="accent1"/>
+          </a:effectRef>
+          <a:fontRef idx="minor">
+            <a:schemeClr val="tx1"/>
+          </a:fontRef>
+        </p:style>
+      </p:cxnSp>
+      <p:cxnSp>
+        <p:nvCxnSpPr>
+          <p:cNvPr id="85" name="Connecteur droit 84">
+            <a:extLst>
+              <a:ext uri="{FF2B5EF4-FFF2-40B4-BE49-F238E27FC236}">
+                <a16:creationId xmlns:a16="http://schemas.microsoft.com/office/drawing/2014/main" id="{80EEE635-3532-90F1-3CA2-71D5AAB3D788}"/>
+              </a:ext>
+            </a:extLst>
+          </p:cNvPr>
+          <p:cNvCxnSpPr>
+            <a:cxnSpLocks/>
+            <a:stCxn id="27" idx="3"/>
+            <a:endCxn id="36" idx="5"/>
+          </p:cNvCxnSpPr>
+          <p:nvPr/>
+        </p:nvCxnSpPr>
+        <p:spPr>
+          <a:xfrm flipH="1">
+            <a:off x="2820983" y="4090538"/>
+            <a:ext cx="2766899" cy="1562494"/>
+          </a:xfrm>
+          <a:prstGeom prst="line">
+            <a:avLst/>
+          </a:prstGeom>
+          <a:ln w="9525">
+            <a:solidFill>
+              <a:srgbClr val="7030A0"/>
+            </a:solidFill>
+          </a:ln>
+        </p:spPr>
+        <p:style>
+          <a:lnRef idx="1">
+            <a:schemeClr val="accent1"/>
+          </a:lnRef>
+          <a:fillRef idx="0">
+            <a:schemeClr val="accent1"/>
+          </a:fillRef>
+          <a:effectRef idx="0">
+            <a:schemeClr val="accent1"/>
+          </a:effectRef>
+          <a:fontRef idx="minor">
+            <a:schemeClr val="tx1"/>
+          </a:fontRef>
+        </p:style>
+      </p:cxnSp>
+      <p:cxnSp>
+        <p:nvCxnSpPr>
+          <p:cNvPr id="89" name="Connecteur droit 88">
+            <a:extLst>
+              <a:ext uri="{FF2B5EF4-FFF2-40B4-BE49-F238E27FC236}">
+                <a16:creationId xmlns:a16="http://schemas.microsoft.com/office/drawing/2014/main" id="{B86E7F2C-4A13-140F-5883-47300EEC4093}"/>
+              </a:ext>
+            </a:extLst>
+          </p:cNvPr>
+          <p:cNvCxnSpPr>
+            <a:cxnSpLocks/>
+            <a:stCxn id="28" idx="5"/>
+            <a:endCxn id="38" idx="3"/>
+          </p:cNvCxnSpPr>
+          <p:nvPr/>
+        </p:nvCxnSpPr>
+        <p:spPr>
+          <a:xfrm>
+            <a:off x="6607337" y="4090538"/>
+            <a:ext cx="2780558" cy="1562494"/>
+          </a:xfrm>
+          <a:prstGeom prst="line">
+            <a:avLst/>
+          </a:prstGeom>
+          <a:ln w="9525">
+            <a:solidFill>
+              <a:srgbClr val="7030A0"/>
+            </a:solidFill>
+          </a:ln>
+        </p:spPr>
+        <p:style>
+          <a:lnRef idx="1">
+            <a:schemeClr val="accent1"/>
+          </a:lnRef>
+          <a:fillRef idx="0">
+            <a:schemeClr val="accent1"/>
+          </a:fillRef>
+          <a:effectRef idx="0">
+            <a:schemeClr val="accent1"/>
+          </a:effectRef>
+          <a:fontRef idx="minor">
+            <a:schemeClr val="tx1"/>
+          </a:fontRef>
+        </p:style>
+      </p:cxnSp>
+      <mc:AlternateContent xmlns:mc="http://schemas.openxmlformats.org/markup-compatibility/2006">
+        <mc:Choice xmlns:a14="http://schemas.microsoft.com/office/drawing/2010/main" Requires="a14">
+          <p:sp>
+            <p:nvSpPr>
+              <p:cNvPr id="93" name="ZoneTexte 92">
+                <a:extLst>
+                  <a:ext uri="{FF2B5EF4-FFF2-40B4-BE49-F238E27FC236}">
+                    <a16:creationId xmlns:a16="http://schemas.microsoft.com/office/drawing/2014/main" id="{63E4D1E3-B5EF-B965-324F-CE2A687E2DCF}"/>
+                  </a:ext>
+                </a:extLst>
+              </p:cNvPr>
+              <p:cNvSpPr txBox="1"/>
+              <p:nvPr/>
+            </p:nvSpPr>
+            <p:spPr>
+              <a:xfrm>
+                <a:off x="6694967" y="3595748"/>
+                <a:ext cx="201016" cy="276999"/>
+              </a:xfrm>
+              <a:prstGeom prst="rect">
+                <a:avLst/>
+              </a:prstGeom>
+              <a:noFill/>
+            </p:spPr>
+            <p:txBody>
+              <a:bodyPr wrap="none" lIns="0" tIns="0" rIns="0" bIns="0" rtlCol="0">
+                <a:spAutoFit/>
+              </a:bodyPr>
+              <a:lstStyle/>
+              <a:p>
+                <a14:m>
+                  <m:oMathPara xmlns:m="http://schemas.openxmlformats.org/officeDocument/2006/math">
+                    <m:oMathParaPr>
+                      <m:jc m:val="centerGroup"/>
+                    </m:oMathParaPr>
+                    <m:oMath xmlns:m="http://schemas.openxmlformats.org/officeDocument/2006/math">
+                      <m:r>
+                        <a:rPr lang="fr-FR" b="0" i="1" smtClean="0">
+                          <a:latin typeface="Cambria Math" panose="02040503050406030204" pitchFamily="18" charset="0"/>
+                        </a:rPr>
+                        <m:t>𝐴</m:t>
+                      </m:r>
+                    </m:oMath>
+                  </m:oMathPara>
+                </a14:m>
+                <a:endParaRPr lang="fr-FR" dirty="0"/>
+              </a:p>
+            </p:txBody>
+          </p:sp>
+        </mc:Choice>
+        <mc:Fallback>
+          <p:sp>
+            <p:nvSpPr>
+              <p:cNvPr id="93" name="ZoneTexte 92">
+                <a:extLst>
+                  <a:ext uri="{FF2B5EF4-FFF2-40B4-BE49-F238E27FC236}">
+                    <a16:creationId xmlns:a16="http://schemas.microsoft.com/office/drawing/2014/main" id="{63E4D1E3-B5EF-B965-324F-CE2A687E2DCF}"/>
+                  </a:ext>
+                </a:extLst>
+              </p:cNvPr>
+              <p:cNvSpPr txBox="1">
+                <a:spLocks noRot="1" noChangeAspect="1" noMove="1" noResize="1" noEditPoints="1" noAdjustHandles="1" noChangeArrowheads="1" noChangeShapeType="1" noTextEdit="1"/>
+              </p:cNvSpPr>
+              <p:nvPr/>
+            </p:nvSpPr>
+            <p:spPr>
+              <a:xfrm>
+                <a:off x="6694967" y="3595748"/>
+                <a:ext cx="201016" cy="276999"/>
+              </a:xfrm>
+              <a:prstGeom prst="rect">
+                <a:avLst/>
+              </a:prstGeom>
+              <a:blipFill>
+                <a:blip r:embed="rId4"/>
+                <a:stretch>
+                  <a:fillRect l="-27273" r="-27273" b="-6667"/>
+                </a:stretch>
+              </a:blipFill>
+            </p:spPr>
+            <p:txBody>
+              <a:bodyPr/>
+              <a:lstStyle/>
+              <a:p>
+                <a:r>
+                  <a:rPr lang="fr-FR">
+                    <a:noFill/>
+                  </a:rPr>
+                  <a:t> </a:t>
+                </a:r>
+              </a:p>
+            </p:txBody>
+          </p:sp>
+        </mc:Fallback>
+      </mc:AlternateContent>
+      <p:grpSp>
+        <p:nvGrpSpPr>
+          <p:cNvPr id="131" name="Groupe 130">
+            <a:extLst>
+              <a:ext uri="{FF2B5EF4-FFF2-40B4-BE49-F238E27FC236}">
+                <a16:creationId xmlns:a16="http://schemas.microsoft.com/office/drawing/2014/main" id="{D2805B35-E677-79FB-41CC-A55C43D979E8}"/>
+              </a:ext>
+            </a:extLst>
+          </p:cNvPr>
+          <p:cNvGrpSpPr/>
+          <p:nvPr/>
+        </p:nvGrpSpPr>
+        <p:grpSpPr>
+          <a:xfrm>
+            <a:off x="2606758" y="1090333"/>
+            <a:ext cx="6982485" cy="4104195"/>
+            <a:chOff x="2606758" y="1090333"/>
+            <a:chExt cx="6982485" cy="4104195"/>
+          </a:xfrm>
+        </p:grpSpPr>
+        <p:grpSp>
+          <p:nvGrpSpPr>
+            <p:cNvPr id="100" name="Groupe 99">
+              <a:extLst>
+                <a:ext uri="{FF2B5EF4-FFF2-40B4-BE49-F238E27FC236}">
+                  <a16:creationId xmlns:a16="http://schemas.microsoft.com/office/drawing/2014/main" id="{94D40B67-7215-FDE9-225C-3D8366D56538}"/>
+                </a:ext>
+              </a:extLst>
+            </p:cNvPr>
+            <p:cNvGrpSpPr/>
+            <p:nvPr/>
+          </p:nvGrpSpPr>
+          <p:grpSpPr>
+            <a:xfrm>
+              <a:off x="2606758" y="4546528"/>
+              <a:ext cx="6982485" cy="648000"/>
+              <a:chOff x="2606758" y="4546528"/>
+              <a:chExt cx="6982485" cy="648000"/>
+            </a:xfrm>
+          </p:grpSpPr>
+          <p:sp>
+            <p:nvSpPr>
+              <p:cNvPr id="95" name="Rectangle : coins arrondis 94">
+                <a:extLst>
+                  <a:ext uri="{FF2B5EF4-FFF2-40B4-BE49-F238E27FC236}">
+                    <a16:creationId xmlns:a16="http://schemas.microsoft.com/office/drawing/2014/main" id="{97D17C59-DFA8-87BB-F58B-2A01F6AA4726}"/>
+                  </a:ext>
+                </a:extLst>
+              </p:cNvPr>
+              <p:cNvSpPr/>
+              <p:nvPr/>
+            </p:nvSpPr>
+            <p:spPr>
+              <a:xfrm>
+                <a:off x="5486000" y="4546528"/>
+                <a:ext cx="1224000" cy="648000"/>
+              </a:xfrm>
+              <a:prstGeom prst="roundRect">
+                <a:avLst>
+                  <a:gd name="adj" fmla="val 11155"/>
+                </a:avLst>
+              </a:prstGeom>
+              <a:noFill/>
+              <a:ln w="9525">
+                <a:solidFill>
+                  <a:schemeClr val="bg1">
+                    <a:lumMod val="85000"/>
+                  </a:schemeClr>
+                </a:solidFill>
+                <a:prstDash val="sysDash"/>
+              </a:ln>
+            </p:spPr>
+            <p:style>
+              <a:lnRef idx="2">
+                <a:schemeClr val="accent1">
+                  <a:shade val="50000"/>
+                </a:schemeClr>
+              </a:lnRef>
+              <a:fillRef idx="1">
+                <a:schemeClr val="accent1"/>
+              </a:fillRef>
+              <a:effectRef idx="0">
+                <a:schemeClr val="accent1"/>
+              </a:effectRef>
+              <a:fontRef idx="minor">
+                <a:schemeClr val="lt1"/>
+              </a:fontRef>
+            </p:style>
+            <p:txBody>
+              <a:bodyPr rtlCol="0" anchor="ctr"/>
+              <a:lstStyle/>
+              <a:p>
+                <a:pPr algn="ctr"/>
+                <a:endParaRPr lang="fr-FR" dirty="0"/>
+              </a:p>
+            </p:txBody>
+          </p:sp>
+          <p:sp>
+            <p:nvSpPr>
+              <p:cNvPr id="96" name="Rectangle : coins arrondis 95">
+                <a:extLst>
+                  <a:ext uri="{FF2B5EF4-FFF2-40B4-BE49-F238E27FC236}">
+                    <a16:creationId xmlns:a16="http://schemas.microsoft.com/office/drawing/2014/main" id="{4FDD15BE-9BF4-C8D3-8AD8-422FA9EA6550}"/>
+                  </a:ext>
+                </a:extLst>
+              </p:cNvPr>
+              <p:cNvSpPr/>
+              <p:nvPr/>
+            </p:nvSpPr>
+            <p:spPr>
+              <a:xfrm>
+                <a:off x="4046379" y="4546528"/>
+                <a:ext cx="1224000" cy="648000"/>
+              </a:xfrm>
+              <a:prstGeom prst="roundRect">
+                <a:avLst>
+                  <a:gd name="adj" fmla="val 11155"/>
+                </a:avLst>
+              </a:prstGeom>
+              <a:noFill/>
+              <a:ln w="9525">
+                <a:solidFill>
+                  <a:schemeClr val="bg1">
+                    <a:lumMod val="85000"/>
+                  </a:schemeClr>
+                </a:solidFill>
+                <a:prstDash val="sysDash"/>
+              </a:ln>
+            </p:spPr>
+            <p:style>
+              <a:lnRef idx="2">
+                <a:schemeClr val="accent1">
+                  <a:shade val="50000"/>
+                </a:schemeClr>
+              </a:lnRef>
+              <a:fillRef idx="1">
+                <a:schemeClr val="accent1"/>
+              </a:fillRef>
+              <a:effectRef idx="0">
+                <a:schemeClr val="accent1"/>
+              </a:effectRef>
+              <a:fontRef idx="minor">
+                <a:schemeClr val="lt1"/>
+              </a:fontRef>
+            </p:style>
+            <p:txBody>
+              <a:bodyPr rtlCol="0" anchor="ctr"/>
+              <a:lstStyle/>
+              <a:p>
+                <a:pPr algn="ctr"/>
+                <a:endParaRPr lang="fr-FR" dirty="0"/>
+              </a:p>
+            </p:txBody>
+          </p:sp>
+          <p:sp>
+            <p:nvSpPr>
+              <p:cNvPr id="97" name="Rectangle : coins arrondis 96">
+                <a:extLst>
+                  <a:ext uri="{FF2B5EF4-FFF2-40B4-BE49-F238E27FC236}">
+                    <a16:creationId xmlns:a16="http://schemas.microsoft.com/office/drawing/2014/main" id="{BF7F4C90-2DAC-D8DA-F41D-BF9A49F29FE9}"/>
+                  </a:ext>
+                </a:extLst>
+              </p:cNvPr>
+              <p:cNvSpPr/>
+              <p:nvPr/>
+            </p:nvSpPr>
+            <p:spPr>
+              <a:xfrm>
+                <a:off x="2606758" y="4546528"/>
+                <a:ext cx="1224000" cy="648000"/>
+              </a:xfrm>
+              <a:prstGeom prst="roundRect">
+                <a:avLst>
+                  <a:gd name="adj" fmla="val 11155"/>
+                </a:avLst>
+              </a:prstGeom>
+              <a:noFill/>
+              <a:ln w="9525">
+                <a:solidFill>
+                  <a:schemeClr val="bg1">
+                    <a:lumMod val="85000"/>
+                  </a:schemeClr>
+                </a:solidFill>
+                <a:prstDash val="sysDash"/>
+              </a:ln>
+            </p:spPr>
+            <p:style>
+              <a:lnRef idx="2">
+                <a:schemeClr val="accent1">
+                  <a:shade val="50000"/>
+                </a:schemeClr>
+              </a:lnRef>
+              <a:fillRef idx="1">
+                <a:schemeClr val="accent1"/>
+              </a:fillRef>
+              <a:effectRef idx="0">
+                <a:schemeClr val="accent1"/>
+              </a:effectRef>
+              <a:fontRef idx="minor">
+                <a:schemeClr val="lt1"/>
+              </a:fontRef>
+            </p:style>
+            <p:txBody>
+              <a:bodyPr rtlCol="0" anchor="ctr"/>
+              <a:lstStyle/>
+              <a:p>
+                <a:pPr algn="ctr"/>
+                <a:endParaRPr lang="fr-FR" dirty="0"/>
+              </a:p>
+            </p:txBody>
+          </p:sp>
+          <p:sp>
+            <p:nvSpPr>
+              <p:cNvPr id="98" name="Rectangle : coins arrondis 97">
+                <a:extLst>
+                  <a:ext uri="{FF2B5EF4-FFF2-40B4-BE49-F238E27FC236}">
+                    <a16:creationId xmlns:a16="http://schemas.microsoft.com/office/drawing/2014/main" id="{975642D5-F8BC-68BC-95E6-736BB65021D0}"/>
+                  </a:ext>
+                </a:extLst>
+              </p:cNvPr>
+              <p:cNvSpPr/>
+              <p:nvPr/>
+            </p:nvSpPr>
+            <p:spPr>
+              <a:xfrm>
+                <a:off x="6925621" y="4546528"/>
+                <a:ext cx="1224000" cy="648000"/>
+              </a:xfrm>
+              <a:prstGeom prst="roundRect">
+                <a:avLst>
+                  <a:gd name="adj" fmla="val 11155"/>
+                </a:avLst>
+              </a:prstGeom>
+              <a:noFill/>
+              <a:ln w="9525">
+                <a:solidFill>
+                  <a:schemeClr val="bg1">
+                    <a:lumMod val="85000"/>
+                  </a:schemeClr>
+                </a:solidFill>
+                <a:prstDash val="sysDash"/>
+              </a:ln>
+            </p:spPr>
+            <p:style>
+              <a:lnRef idx="2">
+                <a:schemeClr val="accent1">
+                  <a:shade val="50000"/>
+                </a:schemeClr>
+              </a:lnRef>
+              <a:fillRef idx="1">
+                <a:schemeClr val="accent1"/>
+              </a:fillRef>
+              <a:effectRef idx="0">
+                <a:schemeClr val="accent1"/>
+              </a:effectRef>
+              <a:fontRef idx="minor">
+                <a:schemeClr val="lt1"/>
+              </a:fontRef>
+            </p:style>
+            <p:txBody>
+              <a:bodyPr rtlCol="0" anchor="ctr"/>
+              <a:lstStyle/>
+              <a:p>
+                <a:pPr algn="ctr"/>
+                <a:endParaRPr lang="fr-FR" dirty="0"/>
+              </a:p>
+            </p:txBody>
+          </p:sp>
+          <p:sp>
+            <p:nvSpPr>
+              <p:cNvPr id="99" name="Rectangle : coins arrondis 98">
+                <a:extLst>
+                  <a:ext uri="{FF2B5EF4-FFF2-40B4-BE49-F238E27FC236}">
+                    <a16:creationId xmlns:a16="http://schemas.microsoft.com/office/drawing/2014/main" id="{84BC6555-8DE5-9A5D-F0CB-34794844A485}"/>
+                  </a:ext>
+                </a:extLst>
+              </p:cNvPr>
+              <p:cNvSpPr/>
+              <p:nvPr/>
+            </p:nvSpPr>
+            <p:spPr>
+              <a:xfrm>
+                <a:off x="8365243" y="4546528"/>
+                <a:ext cx="1224000" cy="648000"/>
+              </a:xfrm>
+              <a:prstGeom prst="roundRect">
+                <a:avLst>
+                  <a:gd name="adj" fmla="val 11155"/>
+                </a:avLst>
+              </a:prstGeom>
+              <a:noFill/>
+              <a:ln w="9525">
+                <a:solidFill>
+                  <a:schemeClr val="bg1">
+                    <a:lumMod val="85000"/>
+                  </a:schemeClr>
+                </a:solidFill>
+                <a:prstDash val="sysDash"/>
+              </a:ln>
+            </p:spPr>
+            <p:style>
+              <a:lnRef idx="2">
+                <a:schemeClr val="accent1">
+                  <a:shade val="50000"/>
+                </a:schemeClr>
+              </a:lnRef>
+              <a:fillRef idx="1">
+                <a:schemeClr val="accent1"/>
+              </a:fillRef>
+              <a:effectRef idx="0">
+                <a:schemeClr val="accent1"/>
+              </a:effectRef>
+              <a:fontRef idx="minor">
+                <a:schemeClr val="lt1"/>
+              </a:fontRef>
+            </p:style>
+            <p:txBody>
+              <a:bodyPr rtlCol="0" anchor="ctr"/>
+              <a:lstStyle/>
+              <a:p>
+                <a:pPr algn="ctr"/>
+                <a:endParaRPr lang="fr-FR" dirty="0"/>
+              </a:p>
+            </p:txBody>
+          </p:sp>
+        </p:grpSp>
+        <p:grpSp>
+          <p:nvGrpSpPr>
+            <p:cNvPr id="101" name="Groupe 100">
+              <a:extLst>
+                <a:ext uri="{FF2B5EF4-FFF2-40B4-BE49-F238E27FC236}">
+                  <a16:creationId xmlns:a16="http://schemas.microsoft.com/office/drawing/2014/main" id="{E5FFE1E7-0639-69A3-100A-6A89D22C1719}"/>
+                </a:ext>
+              </a:extLst>
+            </p:cNvPr>
+            <p:cNvGrpSpPr/>
+            <p:nvPr/>
+          </p:nvGrpSpPr>
+          <p:grpSpPr>
+            <a:xfrm>
+              <a:off x="2606758" y="3855289"/>
+              <a:ext cx="6982485" cy="648000"/>
+              <a:chOff x="2606758" y="4546528"/>
+              <a:chExt cx="6982485" cy="648000"/>
+            </a:xfrm>
+          </p:grpSpPr>
+          <p:sp>
+            <p:nvSpPr>
+              <p:cNvPr id="102" name="Rectangle : coins arrondis 101">
+                <a:extLst>
+                  <a:ext uri="{FF2B5EF4-FFF2-40B4-BE49-F238E27FC236}">
+                    <a16:creationId xmlns:a16="http://schemas.microsoft.com/office/drawing/2014/main" id="{06EAA407-E570-B00D-C8D5-5596E3A3BB66}"/>
+                  </a:ext>
+                </a:extLst>
+              </p:cNvPr>
+              <p:cNvSpPr/>
+              <p:nvPr/>
+            </p:nvSpPr>
+            <p:spPr>
+              <a:xfrm>
+                <a:off x="5486000" y="4546528"/>
+                <a:ext cx="1224000" cy="648000"/>
+              </a:xfrm>
+              <a:prstGeom prst="roundRect">
+                <a:avLst>
+                  <a:gd name="adj" fmla="val 11155"/>
+                </a:avLst>
+              </a:prstGeom>
+              <a:noFill/>
+              <a:ln w="9525">
+                <a:solidFill>
+                  <a:schemeClr val="bg1">
+                    <a:lumMod val="85000"/>
+                  </a:schemeClr>
+                </a:solidFill>
+                <a:prstDash val="sysDash"/>
+              </a:ln>
+            </p:spPr>
+            <p:style>
+              <a:lnRef idx="2">
+                <a:schemeClr val="accent1">
+                  <a:shade val="50000"/>
+                </a:schemeClr>
+              </a:lnRef>
+              <a:fillRef idx="1">
+                <a:schemeClr val="accent1"/>
+              </a:fillRef>
+              <a:effectRef idx="0">
+                <a:schemeClr val="accent1"/>
+              </a:effectRef>
+              <a:fontRef idx="minor">
+                <a:schemeClr val="lt1"/>
+              </a:fontRef>
+            </p:style>
+            <p:txBody>
+              <a:bodyPr rtlCol="0" anchor="ctr"/>
+              <a:lstStyle/>
+              <a:p>
+                <a:pPr algn="ctr"/>
+                <a:endParaRPr lang="fr-FR" dirty="0"/>
+              </a:p>
+            </p:txBody>
+          </p:sp>
+          <p:sp>
+            <p:nvSpPr>
+              <p:cNvPr id="103" name="Rectangle : coins arrondis 102">
+                <a:extLst>
+                  <a:ext uri="{FF2B5EF4-FFF2-40B4-BE49-F238E27FC236}">
+                    <a16:creationId xmlns:a16="http://schemas.microsoft.com/office/drawing/2014/main" id="{E8A139A9-27EF-19A4-C73E-D6C53CDB0D62}"/>
+                  </a:ext>
+                </a:extLst>
+              </p:cNvPr>
+              <p:cNvSpPr/>
+              <p:nvPr/>
+            </p:nvSpPr>
+            <p:spPr>
+              <a:xfrm>
+                <a:off x="4046379" y="4546528"/>
+                <a:ext cx="1224000" cy="648000"/>
+              </a:xfrm>
+              <a:prstGeom prst="roundRect">
+                <a:avLst>
+                  <a:gd name="adj" fmla="val 11155"/>
+                </a:avLst>
+              </a:prstGeom>
+              <a:noFill/>
+              <a:ln w="9525">
+                <a:solidFill>
+                  <a:schemeClr val="bg1">
+                    <a:lumMod val="85000"/>
+                  </a:schemeClr>
+                </a:solidFill>
+                <a:prstDash val="sysDash"/>
+              </a:ln>
+            </p:spPr>
+            <p:style>
+              <a:lnRef idx="2">
+                <a:schemeClr val="accent1">
+                  <a:shade val="50000"/>
+                </a:schemeClr>
+              </a:lnRef>
+              <a:fillRef idx="1">
+                <a:schemeClr val="accent1"/>
+              </a:fillRef>
+              <a:effectRef idx="0">
+                <a:schemeClr val="accent1"/>
+              </a:effectRef>
+              <a:fontRef idx="minor">
+                <a:schemeClr val="lt1"/>
+              </a:fontRef>
+            </p:style>
+            <p:txBody>
+              <a:bodyPr rtlCol="0" anchor="ctr"/>
+              <a:lstStyle/>
+              <a:p>
+                <a:pPr algn="ctr"/>
+                <a:endParaRPr lang="fr-FR" dirty="0"/>
+              </a:p>
+            </p:txBody>
+          </p:sp>
+          <p:sp>
+            <p:nvSpPr>
+              <p:cNvPr id="104" name="Rectangle : coins arrondis 103">
+                <a:extLst>
+                  <a:ext uri="{FF2B5EF4-FFF2-40B4-BE49-F238E27FC236}">
+                    <a16:creationId xmlns:a16="http://schemas.microsoft.com/office/drawing/2014/main" id="{21DCCEAC-2E02-C558-6B48-19BFA3470F62}"/>
+                  </a:ext>
+                </a:extLst>
+              </p:cNvPr>
+              <p:cNvSpPr/>
+              <p:nvPr/>
+            </p:nvSpPr>
+            <p:spPr>
+              <a:xfrm>
+                <a:off x="2606758" y="4546528"/>
+                <a:ext cx="1224000" cy="648000"/>
+              </a:xfrm>
+              <a:prstGeom prst="roundRect">
+                <a:avLst>
+                  <a:gd name="adj" fmla="val 11155"/>
+                </a:avLst>
+              </a:prstGeom>
+              <a:noFill/>
+              <a:ln w="9525">
+                <a:solidFill>
+                  <a:schemeClr val="bg1">
+                    <a:lumMod val="85000"/>
+                  </a:schemeClr>
+                </a:solidFill>
+                <a:prstDash val="sysDash"/>
+              </a:ln>
+            </p:spPr>
+            <p:style>
+              <a:lnRef idx="2">
+                <a:schemeClr val="accent1">
+                  <a:shade val="50000"/>
+                </a:schemeClr>
+              </a:lnRef>
+              <a:fillRef idx="1">
+                <a:schemeClr val="accent1"/>
+              </a:fillRef>
+              <a:effectRef idx="0">
+                <a:schemeClr val="accent1"/>
+              </a:effectRef>
+              <a:fontRef idx="minor">
+                <a:schemeClr val="lt1"/>
+              </a:fontRef>
+            </p:style>
+            <p:txBody>
+              <a:bodyPr rtlCol="0" anchor="ctr"/>
+              <a:lstStyle/>
+              <a:p>
+                <a:pPr algn="ctr"/>
+                <a:endParaRPr lang="fr-FR" dirty="0"/>
+              </a:p>
+            </p:txBody>
+          </p:sp>
+          <p:sp>
+            <p:nvSpPr>
+              <p:cNvPr id="105" name="Rectangle : coins arrondis 104">
+                <a:extLst>
+                  <a:ext uri="{FF2B5EF4-FFF2-40B4-BE49-F238E27FC236}">
+                    <a16:creationId xmlns:a16="http://schemas.microsoft.com/office/drawing/2014/main" id="{0316E7A7-2A81-F077-94C5-DB415A54BB9C}"/>
+                  </a:ext>
+                </a:extLst>
+              </p:cNvPr>
+              <p:cNvSpPr/>
+              <p:nvPr/>
+            </p:nvSpPr>
+            <p:spPr>
+              <a:xfrm>
+                <a:off x="6925621" y="4546528"/>
+                <a:ext cx="1224000" cy="648000"/>
+              </a:xfrm>
+              <a:prstGeom prst="roundRect">
+                <a:avLst>
+                  <a:gd name="adj" fmla="val 11155"/>
+                </a:avLst>
+              </a:prstGeom>
+              <a:noFill/>
+              <a:ln w="9525">
+                <a:solidFill>
+                  <a:schemeClr val="bg1">
+                    <a:lumMod val="85000"/>
+                  </a:schemeClr>
+                </a:solidFill>
+                <a:prstDash val="sysDash"/>
+              </a:ln>
+            </p:spPr>
+            <p:style>
+              <a:lnRef idx="2">
+                <a:schemeClr val="accent1">
+                  <a:shade val="50000"/>
+                </a:schemeClr>
+              </a:lnRef>
+              <a:fillRef idx="1">
+                <a:schemeClr val="accent1"/>
+              </a:fillRef>
+              <a:effectRef idx="0">
+                <a:schemeClr val="accent1"/>
+              </a:effectRef>
+              <a:fontRef idx="minor">
+                <a:schemeClr val="lt1"/>
+              </a:fontRef>
+            </p:style>
+            <p:txBody>
+              <a:bodyPr rtlCol="0" anchor="ctr"/>
+              <a:lstStyle/>
+              <a:p>
+                <a:pPr algn="ctr"/>
+                <a:endParaRPr lang="fr-FR" dirty="0"/>
+              </a:p>
+            </p:txBody>
+          </p:sp>
+          <p:sp>
+            <p:nvSpPr>
+              <p:cNvPr id="106" name="Rectangle : coins arrondis 105">
+                <a:extLst>
+                  <a:ext uri="{FF2B5EF4-FFF2-40B4-BE49-F238E27FC236}">
+                    <a16:creationId xmlns:a16="http://schemas.microsoft.com/office/drawing/2014/main" id="{49FED23C-D4B9-36A5-9256-434D5B44D21B}"/>
+                  </a:ext>
+                </a:extLst>
+              </p:cNvPr>
+              <p:cNvSpPr/>
+              <p:nvPr/>
+            </p:nvSpPr>
+            <p:spPr>
+              <a:xfrm>
+                <a:off x="8365243" y="4546528"/>
+                <a:ext cx="1224000" cy="648000"/>
+              </a:xfrm>
+              <a:prstGeom prst="roundRect">
+                <a:avLst>
+                  <a:gd name="adj" fmla="val 11155"/>
+                </a:avLst>
+              </a:prstGeom>
+              <a:noFill/>
+              <a:ln w="9525">
+                <a:solidFill>
+                  <a:schemeClr val="bg1">
+                    <a:lumMod val="85000"/>
+                  </a:schemeClr>
+                </a:solidFill>
+                <a:prstDash val="sysDash"/>
+              </a:ln>
+            </p:spPr>
+            <p:style>
+              <a:lnRef idx="2">
+                <a:schemeClr val="accent1">
+                  <a:shade val="50000"/>
+                </a:schemeClr>
+              </a:lnRef>
+              <a:fillRef idx="1">
+                <a:schemeClr val="accent1"/>
+              </a:fillRef>
+              <a:effectRef idx="0">
+                <a:schemeClr val="accent1"/>
+              </a:effectRef>
+              <a:fontRef idx="minor">
+                <a:schemeClr val="lt1"/>
+              </a:fontRef>
+            </p:style>
+            <p:txBody>
+              <a:bodyPr rtlCol="0" anchor="ctr"/>
+              <a:lstStyle/>
+              <a:p>
+                <a:pPr algn="ctr"/>
+                <a:endParaRPr lang="fr-FR" dirty="0"/>
+              </a:p>
+            </p:txBody>
+          </p:sp>
+        </p:grpSp>
+        <p:grpSp>
+          <p:nvGrpSpPr>
+            <p:cNvPr id="107" name="Groupe 106">
+              <a:extLst>
+                <a:ext uri="{FF2B5EF4-FFF2-40B4-BE49-F238E27FC236}">
+                  <a16:creationId xmlns:a16="http://schemas.microsoft.com/office/drawing/2014/main" id="{4C4BD044-210B-7ABB-B0D6-A58E6163CE01}"/>
+                </a:ext>
+              </a:extLst>
+            </p:cNvPr>
+            <p:cNvGrpSpPr/>
+            <p:nvPr/>
+          </p:nvGrpSpPr>
+          <p:grpSpPr>
+            <a:xfrm>
+              <a:off x="2606758" y="3164050"/>
+              <a:ext cx="6982485" cy="648000"/>
+              <a:chOff x="2606758" y="4546528"/>
+              <a:chExt cx="6982485" cy="648000"/>
+            </a:xfrm>
+          </p:grpSpPr>
+          <p:sp>
+            <p:nvSpPr>
+              <p:cNvPr id="108" name="Rectangle : coins arrondis 107">
+                <a:extLst>
+                  <a:ext uri="{FF2B5EF4-FFF2-40B4-BE49-F238E27FC236}">
+                    <a16:creationId xmlns:a16="http://schemas.microsoft.com/office/drawing/2014/main" id="{E3817A0B-67E4-5870-0C0C-8E499A0BE6BA}"/>
+                  </a:ext>
+                </a:extLst>
+              </p:cNvPr>
+              <p:cNvSpPr/>
+              <p:nvPr/>
+            </p:nvSpPr>
+            <p:spPr>
+              <a:xfrm>
+                <a:off x="5486000" y="4546528"/>
+                <a:ext cx="1224000" cy="648000"/>
+              </a:xfrm>
+              <a:prstGeom prst="roundRect">
+                <a:avLst>
+                  <a:gd name="adj" fmla="val 11155"/>
+                </a:avLst>
+              </a:prstGeom>
+              <a:noFill/>
+              <a:ln w="9525">
+                <a:solidFill>
+                  <a:schemeClr val="bg1">
+                    <a:lumMod val="85000"/>
+                  </a:schemeClr>
+                </a:solidFill>
+                <a:prstDash val="sysDash"/>
+              </a:ln>
+            </p:spPr>
+            <p:style>
+              <a:lnRef idx="2">
+                <a:schemeClr val="accent1">
+                  <a:shade val="50000"/>
+                </a:schemeClr>
+              </a:lnRef>
+              <a:fillRef idx="1">
+                <a:schemeClr val="accent1"/>
+              </a:fillRef>
+              <a:effectRef idx="0">
+                <a:schemeClr val="accent1"/>
+              </a:effectRef>
+              <a:fontRef idx="minor">
+                <a:schemeClr val="lt1"/>
+              </a:fontRef>
+            </p:style>
+            <p:txBody>
+              <a:bodyPr rtlCol="0" anchor="ctr"/>
+              <a:lstStyle/>
+              <a:p>
+                <a:pPr algn="ctr"/>
+                <a:endParaRPr lang="fr-FR" dirty="0"/>
+              </a:p>
+            </p:txBody>
+          </p:sp>
+          <p:sp>
+            <p:nvSpPr>
+              <p:cNvPr id="109" name="Rectangle : coins arrondis 108">
+                <a:extLst>
+                  <a:ext uri="{FF2B5EF4-FFF2-40B4-BE49-F238E27FC236}">
+                    <a16:creationId xmlns:a16="http://schemas.microsoft.com/office/drawing/2014/main" id="{75F5F993-15D9-5D0B-73E4-0D1A9719CC9F}"/>
+                  </a:ext>
+                </a:extLst>
+              </p:cNvPr>
+              <p:cNvSpPr/>
+              <p:nvPr/>
+            </p:nvSpPr>
+            <p:spPr>
+              <a:xfrm>
+                <a:off x="4046379" y="4546528"/>
+                <a:ext cx="1224000" cy="648000"/>
+              </a:xfrm>
+              <a:prstGeom prst="roundRect">
+                <a:avLst>
+                  <a:gd name="adj" fmla="val 11155"/>
+                </a:avLst>
+              </a:prstGeom>
+              <a:noFill/>
+              <a:ln w="9525">
+                <a:solidFill>
+                  <a:schemeClr val="bg1">
+                    <a:lumMod val="85000"/>
+                  </a:schemeClr>
+                </a:solidFill>
+                <a:prstDash val="sysDash"/>
+              </a:ln>
+            </p:spPr>
+            <p:style>
+              <a:lnRef idx="2">
+                <a:schemeClr val="accent1">
+                  <a:shade val="50000"/>
+                </a:schemeClr>
+              </a:lnRef>
+              <a:fillRef idx="1">
+                <a:schemeClr val="accent1"/>
+              </a:fillRef>
+              <a:effectRef idx="0">
+                <a:schemeClr val="accent1"/>
+              </a:effectRef>
+              <a:fontRef idx="minor">
+                <a:schemeClr val="lt1"/>
+              </a:fontRef>
+            </p:style>
+            <p:txBody>
+              <a:bodyPr rtlCol="0" anchor="ctr"/>
+              <a:lstStyle/>
+              <a:p>
+                <a:pPr algn="ctr"/>
+                <a:endParaRPr lang="fr-FR" dirty="0"/>
+              </a:p>
+            </p:txBody>
+          </p:sp>
+          <p:sp>
+            <p:nvSpPr>
+              <p:cNvPr id="110" name="Rectangle : coins arrondis 109">
+                <a:extLst>
+                  <a:ext uri="{FF2B5EF4-FFF2-40B4-BE49-F238E27FC236}">
+                    <a16:creationId xmlns:a16="http://schemas.microsoft.com/office/drawing/2014/main" id="{4BD25011-870C-47AC-AB76-F0BF6C6BC00D}"/>
+                  </a:ext>
+                </a:extLst>
+              </p:cNvPr>
+              <p:cNvSpPr/>
+              <p:nvPr/>
+            </p:nvSpPr>
+            <p:spPr>
+              <a:xfrm>
+                <a:off x="2606758" y="4546528"/>
+                <a:ext cx="1224000" cy="648000"/>
+              </a:xfrm>
+              <a:prstGeom prst="roundRect">
+                <a:avLst>
+                  <a:gd name="adj" fmla="val 11155"/>
+                </a:avLst>
+              </a:prstGeom>
+              <a:noFill/>
+              <a:ln w="9525">
+                <a:solidFill>
+                  <a:schemeClr val="bg1">
+                    <a:lumMod val="85000"/>
+                  </a:schemeClr>
+                </a:solidFill>
+                <a:prstDash val="sysDash"/>
+              </a:ln>
+            </p:spPr>
+            <p:style>
+              <a:lnRef idx="2">
+                <a:schemeClr val="accent1">
+                  <a:shade val="50000"/>
+                </a:schemeClr>
+              </a:lnRef>
+              <a:fillRef idx="1">
+                <a:schemeClr val="accent1"/>
+              </a:fillRef>
+              <a:effectRef idx="0">
+                <a:schemeClr val="accent1"/>
+              </a:effectRef>
+              <a:fontRef idx="minor">
+                <a:schemeClr val="lt1"/>
+              </a:fontRef>
+            </p:style>
+            <p:txBody>
+              <a:bodyPr rtlCol="0" anchor="ctr"/>
+              <a:lstStyle/>
+              <a:p>
+                <a:pPr algn="ctr"/>
+                <a:endParaRPr lang="fr-FR" dirty="0"/>
+              </a:p>
+            </p:txBody>
+          </p:sp>
+          <p:sp>
+            <p:nvSpPr>
+              <p:cNvPr id="111" name="Rectangle : coins arrondis 110">
+                <a:extLst>
+                  <a:ext uri="{FF2B5EF4-FFF2-40B4-BE49-F238E27FC236}">
+                    <a16:creationId xmlns:a16="http://schemas.microsoft.com/office/drawing/2014/main" id="{AB1DBC32-F78A-88F7-CBFF-5E9ABD7C65AB}"/>
+                  </a:ext>
+                </a:extLst>
+              </p:cNvPr>
+              <p:cNvSpPr/>
+              <p:nvPr/>
+            </p:nvSpPr>
+            <p:spPr>
+              <a:xfrm>
+                <a:off x="6925621" y="4546528"/>
+                <a:ext cx="1224000" cy="648000"/>
+              </a:xfrm>
+              <a:prstGeom prst="roundRect">
+                <a:avLst>
+                  <a:gd name="adj" fmla="val 11155"/>
+                </a:avLst>
+              </a:prstGeom>
+              <a:noFill/>
+              <a:ln w="9525">
+                <a:solidFill>
+                  <a:schemeClr val="bg1">
+                    <a:lumMod val="85000"/>
+                  </a:schemeClr>
+                </a:solidFill>
+                <a:prstDash val="sysDash"/>
+              </a:ln>
+            </p:spPr>
+            <p:style>
+              <a:lnRef idx="2">
+                <a:schemeClr val="accent1">
+                  <a:shade val="50000"/>
+                </a:schemeClr>
+              </a:lnRef>
+              <a:fillRef idx="1">
+                <a:schemeClr val="accent1"/>
+              </a:fillRef>
+              <a:effectRef idx="0">
+                <a:schemeClr val="accent1"/>
+              </a:effectRef>
+              <a:fontRef idx="minor">
+                <a:schemeClr val="lt1"/>
+              </a:fontRef>
+            </p:style>
+            <p:txBody>
+              <a:bodyPr rtlCol="0" anchor="ctr"/>
+              <a:lstStyle/>
+              <a:p>
+                <a:pPr algn="ctr"/>
+                <a:endParaRPr lang="fr-FR" dirty="0"/>
+              </a:p>
+            </p:txBody>
+          </p:sp>
+          <p:sp>
+            <p:nvSpPr>
+              <p:cNvPr id="112" name="Rectangle : coins arrondis 111">
+                <a:extLst>
+                  <a:ext uri="{FF2B5EF4-FFF2-40B4-BE49-F238E27FC236}">
+                    <a16:creationId xmlns:a16="http://schemas.microsoft.com/office/drawing/2014/main" id="{1D66B816-E436-B31F-F4F5-46E2718AB1E4}"/>
+                  </a:ext>
+                </a:extLst>
+              </p:cNvPr>
+              <p:cNvSpPr/>
+              <p:nvPr/>
+            </p:nvSpPr>
+            <p:spPr>
+              <a:xfrm>
+                <a:off x="8365243" y="4546528"/>
+                <a:ext cx="1224000" cy="648000"/>
+              </a:xfrm>
+              <a:prstGeom prst="roundRect">
+                <a:avLst>
+                  <a:gd name="adj" fmla="val 11155"/>
+                </a:avLst>
+              </a:prstGeom>
+              <a:noFill/>
+              <a:ln w="9525">
+                <a:solidFill>
+                  <a:schemeClr val="bg1">
+                    <a:lumMod val="85000"/>
+                  </a:schemeClr>
+                </a:solidFill>
+                <a:prstDash val="sysDash"/>
+              </a:ln>
+            </p:spPr>
+            <p:style>
+              <a:lnRef idx="2">
+                <a:schemeClr val="accent1">
+                  <a:shade val="50000"/>
+                </a:schemeClr>
+              </a:lnRef>
+              <a:fillRef idx="1">
+                <a:schemeClr val="accent1"/>
+              </a:fillRef>
+              <a:effectRef idx="0">
+                <a:schemeClr val="accent1"/>
+              </a:effectRef>
+              <a:fontRef idx="minor">
+                <a:schemeClr val="lt1"/>
+              </a:fontRef>
+            </p:style>
+            <p:txBody>
+              <a:bodyPr rtlCol="0" anchor="ctr"/>
+              <a:lstStyle/>
+              <a:p>
+                <a:pPr algn="ctr"/>
+                <a:endParaRPr lang="fr-FR" dirty="0"/>
+              </a:p>
+            </p:txBody>
+          </p:sp>
+        </p:grpSp>
+        <p:grpSp>
+          <p:nvGrpSpPr>
+            <p:cNvPr id="113" name="Groupe 112">
+              <a:extLst>
+                <a:ext uri="{FF2B5EF4-FFF2-40B4-BE49-F238E27FC236}">
+                  <a16:creationId xmlns:a16="http://schemas.microsoft.com/office/drawing/2014/main" id="{1AF38307-19DA-39FB-B1AD-23576A4F1CB2}"/>
+                </a:ext>
+              </a:extLst>
+            </p:cNvPr>
+            <p:cNvGrpSpPr/>
+            <p:nvPr/>
+          </p:nvGrpSpPr>
+          <p:grpSpPr>
+            <a:xfrm>
+              <a:off x="2606758" y="2472811"/>
+              <a:ext cx="6982485" cy="648000"/>
+              <a:chOff x="2606758" y="4546528"/>
+              <a:chExt cx="6982485" cy="648000"/>
+            </a:xfrm>
+          </p:grpSpPr>
+          <p:sp>
+            <p:nvSpPr>
+              <p:cNvPr id="114" name="Rectangle : coins arrondis 113">
+                <a:extLst>
+                  <a:ext uri="{FF2B5EF4-FFF2-40B4-BE49-F238E27FC236}">
+                    <a16:creationId xmlns:a16="http://schemas.microsoft.com/office/drawing/2014/main" id="{903BE1D3-F467-E993-3F6C-62D69F84DE62}"/>
+                  </a:ext>
+                </a:extLst>
+              </p:cNvPr>
+              <p:cNvSpPr/>
+              <p:nvPr/>
+            </p:nvSpPr>
+            <p:spPr>
+              <a:xfrm>
+                <a:off x="5486000" y="4546528"/>
+                <a:ext cx="1224000" cy="648000"/>
+              </a:xfrm>
+              <a:prstGeom prst="roundRect">
+                <a:avLst>
+                  <a:gd name="adj" fmla="val 11155"/>
+                </a:avLst>
+              </a:prstGeom>
+              <a:noFill/>
+              <a:ln w="9525">
+                <a:solidFill>
+                  <a:schemeClr val="bg1">
+                    <a:lumMod val="85000"/>
+                  </a:schemeClr>
+                </a:solidFill>
+                <a:prstDash val="sysDash"/>
+              </a:ln>
+            </p:spPr>
+            <p:style>
+              <a:lnRef idx="2">
+                <a:schemeClr val="accent1">
+                  <a:shade val="50000"/>
+                </a:schemeClr>
+              </a:lnRef>
+              <a:fillRef idx="1">
+                <a:schemeClr val="accent1"/>
+              </a:fillRef>
+              <a:effectRef idx="0">
+                <a:schemeClr val="accent1"/>
+              </a:effectRef>
+              <a:fontRef idx="minor">
+                <a:schemeClr val="lt1"/>
+              </a:fontRef>
+            </p:style>
+            <p:txBody>
+              <a:bodyPr rtlCol="0" anchor="ctr"/>
+              <a:lstStyle/>
+              <a:p>
+                <a:pPr algn="ctr"/>
+                <a:endParaRPr lang="fr-FR" dirty="0"/>
+              </a:p>
+            </p:txBody>
+          </p:sp>
+          <p:sp>
+            <p:nvSpPr>
+              <p:cNvPr id="115" name="Rectangle : coins arrondis 114">
+                <a:extLst>
+                  <a:ext uri="{FF2B5EF4-FFF2-40B4-BE49-F238E27FC236}">
+                    <a16:creationId xmlns:a16="http://schemas.microsoft.com/office/drawing/2014/main" id="{DEAB9864-256A-D14D-2254-6EF82CB1A732}"/>
+                  </a:ext>
+                </a:extLst>
+              </p:cNvPr>
+              <p:cNvSpPr/>
+              <p:nvPr/>
+            </p:nvSpPr>
+            <p:spPr>
+              <a:xfrm>
+                <a:off x="4046379" y="4546528"/>
+                <a:ext cx="1224000" cy="648000"/>
+              </a:xfrm>
+              <a:prstGeom prst="roundRect">
+                <a:avLst>
+                  <a:gd name="adj" fmla="val 11155"/>
+                </a:avLst>
+              </a:prstGeom>
+              <a:noFill/>
+              <a:ln w="9525">
+                <a:solidFill>
+                  <a:schemeClr val="bg1">
+                    <a:lumMod val="85000"/>
+                  </a:schemeClr>
+                </a:solidFill>
+                <a:prstDash val="sysDash"/>
+              </a:ln>
+            </p:spPr>
+            <p:style>
+              <a:lnRef idx="2">
+                <a:schemeClr val="accent1">
+                  <a:shade val="50000"/>
+                </a:schemeClr>
+              </a:lnRef>
+              <a:fillRef idx="1">
+                <a:schemeClr val="accent1"/>
+              </a:fillRef>
+              <a:effectRef idx="0">
+                <a:schemeClr val="accent1"/>
+              </a:effectRef>
+              <a:fontRef idx="minor">
+                <a:schemeClr val="lt1"/>
+              </a:fontRef>
+            </p:style>
+            <p:txBody>
+              <a:bodyPr rtlCol="0" anchor="ctr"/>
+              <a:lstStyle/>
+              <a:p>
+                <a:pPr algn="ctr"/>
+                <a:endParaRPr lang="fr-FR" dirty="0"/>
+              </a:p>
+            </p:txBody>
+          </p:sp>
+          <p:sp>
+            <p:nvSpPr>
+              <p:cNvPr id="116" name="Rectangle : coins arrondis 115">
+                <a:extLst>
+                  <a:ext uri="{FF2B5EF4-FFF2-40B4-BE49-F238E27FC236}">
+                    <a16:creationId xmlns:a16="http://schemas.microsoft.com/office/drawing/2014/main" id="{6017F0AC-D806-3BBE-9AA0-9B59A48ED0A6}"/>
+                  </a:ext>
+                </a:extLst>
+              </p:cNvPr>
+              <p:cNvSpPr/>
+              <p:nvPr/>
+            </p:nvSpPr>
+            <p:spPr>
+              <a:xfrm>
+                <a:off x="2606758" y="4546528"/>
+                <a:ext cx="1224000" cy="648000"/>
+              </a:xfrm>
+              <a:prstGeom prst="roundRect">
+                <a:avLst>
+                  <a:gd name="adj" fmla="val 11155"/>
+                </a:avLst>
+              </a:prstGeom>
+              <a:noFill/>
+              <a:ln w="9525">
+                <a:solidFill>
+                  <a:schemeClr val="bg1">
+                    <a:lumMod val="85000"/>
+                  </a:schemeClr>
+                </a:solidFill>
+                <a:prstDash val="sysDash"/>
+              </a:ln>
+            </p:spPr>
+            <p:style>
+              <a:lnRef idx="2">
+                <a:schemeClr val="accent1">
+                  <a:shade val="50000"/>
+                </a:schemeClr>
+              </a:lnRef>
+              <a:fillRef idx="1">
+                <a:schemeClr val="accent1"/>
+              </a:fillRef>
+              <a:effectRef idx="0">
+                <a:schemeClr val="accent1"/>
+              </a:effectRef>
+              <a:fontRef idx="minor">
+                <a:schemeClr val="lt1"/>
+              </a:fontRef>
+            </p:style>
+            <p:txBody>
+              <a:bodyPr rtlCol="0" anchor="ctr"/>
+              <a:lstStyle/>
+              <a:p>
+                <a:pPr algn="ctr"/>
+                <a:endParaRPr lang="fr-FR" dirty="0"/>
+              </a:p>
+            </p:txBody>
+          </p:sp>
+          <p:sp>
+            <p:nvSpPr>
+              <p:cNvPr id="117" name="Rectangle : coins arrondis 116">
+                <a:extLst>
+                  <a:ext uri="{FF2B5EF4-FFF2-40B4-BE49-F238E27FC236}">
+                    <a16:creationId xmlns:a16="http://schemas.microsoft.com/office/drawing/2014/main" id="{88453EF6-AD09-1FA0-5D3C-B99107B721DB}"/>
+                  </a:ext>
+                </a:extLst>
+              </p:cNvPr>
+              <p:cNvSpPr/>
+              <p:nvPr/>
+            </p:nvSpPr>
+            <p:spPr>
+              <a:xfrm>
+                <a:off x="6925621" y="4546528"/>
+                <a:ext cx="1224000" cy="648000"/>
+              </a:xfrm>
+              <a:prstGeom prst="roundRect">
+                <a:avLst>
+                  <a:gd name="adj" fmla="val 11155"/>
+                </a:avLst>
+              </a:prstGeom>
+              <a:noFill/>
+              <a:ln w="9525">
+                <a:solidFill>
+                  <a:schemeClr val="bg1">
+                    <a:lumMod val="85000"/>
+                  </a:schemeClr>
+                </a:solidFill>
+                <a:prstDash val="sysDash"/>
+              </a:ln>
+            </p:spPr>
+            <p:style>
+              <a:lnRef idx="2">
+                <a:schemeClr val="accent1">
+                  <a:shade val="50000"/>
+                </a:schemeClr>
+              </a:lnRef>
+              <a:fillRef idx="1">
+                <a:schemeClr val="accent1"/>
+              </a:fillRef>
+              <a:effectRef idx="0">
+                <a:schemeClr val="accent1"/>
+              </a:effectRef>
+              <a:fontRef idx="minor">
+                <a:schemeClr val="lt1"/>
+              </a:fontRef>
+            </p:style>
+            <p:txBody>
+              <a:bodyPr rtlCol="0" anchor="ctr"/>
+              <a:lstStyle/>
+              <a:p>
+                <a:pPr algn="ctr"/>
+                <a:endParaRPr lang="fr-FR" dirty="0"/>
+              </a:p>
+            </p:txBody>
+          </p:sp>
+          <p:sp>
+            <p:nvSpPr>
+              <p:cNvPr id="118" name="Rectangle : coins arrondis 117">
+                <a:extLst>
+                  <a:ext uri="{FF2B5EF4-FFF2-40B4-BE49-F238E27FC236}">
+                    <a16:creationId xmlns:a16="http://schemas.microsoft.com/office/drawing/2014/main" id="{69EA2581-C756-F701-7BDD-A471B33A0D53}"/>
+                  </a:ext>
+                </a:extLst>
+              </p:cNvPr>
+              <p:cNvSpPr/>
+              <p:nvPr/>
+            </p:nvSpPr>
+            <p:spPr>
+              <a:xfrm>
+                <a:off x="8365243" y="4546528"/>
+                <a:ext cx="1224000" cy="648000"/>
+              </a:xfrm>
+              <a:prstGeom prst="roundRect">
+                <a:avLst>
+                  <a:gd name="adj" fmla="val 11155"/>
+                </a:avLst>
+              </a:prstGeom>
+              <a:noFill/>
+              <a:ln w="9525">
+                <a:solidFill>
+                  <a:schemeClr val="bg1">
+                    <a:lumMod val="85000"/>
+                  </a:schemeClr>
+                </a:solidFill>
+                <a:prstDash val="sysDash"/>
+              </a:ln>
+            </p:spPr>
+            <p:style>
+              <a:lnRef idx="2">
+                <a:schemeClr val="accent1">
+                  <a:shade val="50000"/>
+                </a:schemeClr>
+              </a:lnRef>
+              <a:fillRef idx="1">
+                <a:schemeClr val="accent1"/>
+              </a:fillRef>
+              <a:effectRef idx="0">
+                <a:schemeClr val="accent1"/>
+              </a:effectRef>
+              <a:fontRef idx="minor">
+                <a:schemeClr val="lt1"/>
+              </a:fontRef>
+            </p:style>
+            <p:txBody>
+              <a:bodyPr rtlCol="0" anchor="ctr"/>
+              <a:lstStyle/>
+              <a:p>
+                <a:pPr algn="ctr"/>
+                <a:endParaRPr lang="fr-FR" dirty="0"/>
+              </a:p>
+            </p:txBody>
+          </p:sp>
+        </p:grpSp>
+        <p:grpSp>
+          <p:nvGrpSpPr>
+            <p:cNvPr id="119" name="Groupe 118">
+              <a:extLst>
+                <a:ext uri="{FF2B5EF4-FFF2-40B4-BE49-F238E27FC236}">
+                  <a16:creationId xmlns:a16="http://schemas.microsoft.com/office/drawing/2014/main" id="{05436371-C312-BC7B-D90A-6407524AF34C}"/>
+                </a:ext>
+              </a:extLst>
+            </p:cNvPr>
+            <p:cNvGrpSpPr/>
+            <p:nvPr/>
+          </p:nvGrpSpPr>
+          <p:grpSpPr>
+            <a:xfrm>
+              <a:off x="2606758" y="1781572"/>
+              <a:ext cx="6982485" cy="648000"/>
+              <a:chOff x="2606758" y="4546528"/>
+              <a:chExt cx="6982485" cy="648000"/>
+            </a:xfrm>
+          </p:grpSpPr>
+          <p:sp>
+            <p:nvSpPr>
+              <p:cNvPr id="120" name="Rectangle : coins arrondis 119">
+                <a:extLst>
+                  <a:ext uri="{FF2B5EF4-FFF2-40B4-BE49-F238E27FC236}">
+                    <a16:creationId xmlns:a16="http://schemas.microsoft.com/office/drawing/2014/main" id="{62AA4E79-3A65-996A-7161-4CA16DE3F100}"/>
+                  </a:ext>
+                </a:extLst>
+              </p:cNvPr>
+              <p:cNvSpPr/>
+              <p:nvPr/>
+            </p:nvSpPr>
+            <p:spPr>
+              <a:xfrm>
+                <a:off x="5486000" y="4546528"/>
+                <a:ext cx="1224000" cy="648000"/>
+              </a:xfrm>
+              <a:prstGeom prst="roundRect">
+                <a:avLst>
+                  <a:gd name="adj" fmla="val 11155"/>
+                </a:avLst>
+              </a:prstGeom>
+              <a:noFill/>
+              <a:ln w="9525">
+                <a:solidFill>
+                  <a:schemeClr val="bg1">
+                    <a:lumMod val="85000"/>
+                  </a:schemeClr>
+                </a:solidFill>
+                <a:prstDash val="sysDash"/>
+              </a:ln>
+            </p:spPr>
+            <p:style>
+              <a:lnRef idx="2">
+                <a:schemeClr val="accent1">
+                  <a:shade val="50000"/>
+                </a:schemeClr>
+              </a:lnRef>
+              <a:fillRef idx="1">
+                <a:schemeClr val="accent1"/>
+              </a:fillRef>
+              <a:effectRef idx="0">
+                <a:schemeClr val="accent1"/>
+              </a:effectRef>
+              <a:fontRef idx="minor">
+                <a:schemeClr val="lt1"/>
+              </a:fontRef>
+            </p:style>
+            <p:txBody>
+              <a:bodyPr rtlCol="0" anchor="ctr"/>
+              <a:lstStyle/>
+              <a:p>
+                <a:pPr algn="ctr"/>
+                <a:endParaRPr lang="fr-FR" dirty="0"/>
+              </a:p>
+            </p:txBody>
+          </p:sp>
+          <p:sp>
+            <p:nvSpPr>
+              <p:cNvPr id="121" name="Rectangle : coins arrondis 120">
+                <a:extLst>
+                  <a:ext uri="{FF2B5EF4-FFF2-40B4-BE49-F238E27FC236}">
+                    <a16:creationId xmlns:a16="http://schemas.microsoft.com/office/drawing/2014/main" id="{987003B8-9B6A-24BE-1DCC-5A2FB98B34E3}"/>
+                  </a:ext>
+                </a:extLst>
+              </p:cNvPr>
+              <p:cNvSpPr/>
+              <p:nvPr/>
+            </p:nvSpPr>
+            <p:spPr>
+              <a:xfrm>
+                <a:off x="4046379" y="4546528"/>
+                <a:ext cx="1224000" cy="648000"/>
+              </a:xfrm>
+              <a:prstGeom prst="roundRect">
+                <a:avLst>
+                  <a:gd name="adj" fmla="val 11155"/>
+                </a:avLst>
+              </a:prstGeom>
+              <a:noFill/>
+              <a:ln w="9525">
+                <a:solidFill>
+                  <a:schemeClr val="bg1">
+                    <a:lumMod val="85000"/>
+                  </a:schemeClr>
+                </a:solidFill>
+                <a:prstDash val="sysDash"/>
+              </a:ln>
+            </p:spPr>
+            <p:style>
+              <a:lnRef idx="2">
+                <a:schemeClr val="accent1">
+                  <a:shade val="50000"/>
+                </a:schemeClr>
+              </a:lnRef>
+              <a:fillRef idx="1">
+                <a:schemeClr val="accent1"/>
+              </a:fillRef>
+              <a:effectRef idx="0">
+                <a:schemeClr val="accent1"/>
+              </a:effectRef>
+              <a:fontRef idx="minor">
+                <a:schemeClr val="lt1"/>
+              </a:fontRef>
+            </p:style>
+            <p:txBody>
+              <a:bodyPr rtlCol="0" anchor="ctr"/>
+              <a:lstStyle/>
+              <a:p>
+                <a:pPr algn="ctr"/>
+                <a:endParaRPr lang="fr-FR" dirty="0"/>
+              </a:p>
+            </p:txBody>
+          </p:sp>
+          <p:sp>
+            <p:nvSpPr>
+              <p:cNvPr id="122" name="Rectangle : coins arrondis 121">
+                <a:extLst>
+                  <a:ext uri="{FF2B5EF4-FFF2-40B4-BE49-F238E27FC236}">
+                    <a16:creationId xmlns:a16="http://schemas.microsoft.com/office/drawing/2014/main" id="{25C1E41F-9AF8-FE79-14D4-CD4783F1C018}"/>
+                  </a:ext>
+                </a:extLst>
+              </p:cNvPr>
+              <p:cNvSpPr/>
+              <p:nvPr/>
+            </p:nvSpPr>
+            <p:spPr>
+              <a:xfrm>
+                <a:off x="2606758" y="4546528"/>
+                <a:ext cx="1224000" cy="648000"/>
+              </a:xfrm>
+              <a:prstGeom prst="roundRect">
+                <a:avLst>
+                  <a:gd name="adj" fmla="val 11155"/>
+                </a:avLst>
+              </a:prstGeom>
+              <a:noFill/>
+              <a:ln w="9525">
+                <a:solidFill>
+                  <a:schemeClr val="bg1">
+                    <a:lumMod val="85000"/>
+                  </a:schemeClr>
+                </a:solidFill>
+                <a:prstDash val="sysDash"/>
+              </a:ln>
+            </p:spPr>
+            <p:style>
+              <a:lnRef idx="2">
+                <a:schemeClr val="accent1">
+                  <a:shade val="50000"/>
+                </a:schemeClr>
+              </a:lnRef>
+              <a:fillRef idx="1">
+                <a:schemeClr val="accent1"/>
+              </a:fillRef>
+              <a:effectRef idx="0">
+                <a:schemeClr val="accent1"/>
+              </a:effectRef>
+              <a:fontRef idx="minor">
+                <a:schemeClr val="lt1"/>
+              </a:fontRef>
+            </p:style>
+            <p:txBody>
+              <a:bodyPr rtlCol="0" anchor="ctr"/>
+              <a:lstStyle/>
+              <a:p>
+                <a:pPr algn="ctr"/>
+                <a:endParaRPr lang="fr-FR" dirty="0"/>
+              </a:p>
+            </p:txBody>
+          </p:sp>
+          <p:sp>
+            <p:nvSpPr>
+              <p:cNvPr id="123" name="Rectangle : coins arrondis 122">
+                <a:extLst>
+                  <a:ext uri="{FF2B5EF4-FFF2-40B4-BE49-F238E27FC236}">
+                    <a16:creationId xmlns:a16="http://schemas.microsoft.com/office/drawing/2014/main" id="{3996E64D-FEDD-DC20-0546-3EC0888577DF}"/>
+                  </a:ext>
+                </a:extLst>
+              </p:cNvPr>
+              <p:cNvSpPr/>
+              <p:nvPr/>
+            </p:nvSpPr>
+            <p:spPr>
+              <a:xfrm>
+                <a:off x="6925621" y="4546528"/>
+                <a:ext cx="1224000" cy="648000"/>
+              </a:xfrm>
+              <a:prstGeom prst="roundRect">
+                <a:avLst>
+                  <a:gd name="adj" fmla="val 11155"/>
+                </a:avLst>
+              </a:prstGeom>
+              <a:noFill/>
+              <a:ln w="9525">
+                <a:solidFill>
+                  <a:schemeClr val="bg1">
+                    <a:lumMod val="85000"/>
+                  </a:schemeClr>
+                </a:solidFill>
+                <a:prstDash val="sysDash"/>
+              </a:ln>
+            </p:spPr>
+            <p:style>
+              <a:lnRef idx="2">
+                <a:schemeClr val="accent1">
+                  <a:shade val="50000"/>
+                </a:schemeClr>
+              </a:lnRef>
+              <a:fillRef idx="1">
+                <a:schemeClr val="accent1"/>
+              </a:fillRef>
+              <a:effectRef idx="0">
+                <a:schemeClr val="accent1"/>
+              </a:effectRef>
+              <a:fontRef idx="minor">
+                <a:schemeClr val="lt1"/>
+              </a:fontRef>
+            </p:style>
+            <p:txBody>
+              <a:bodyPr rtlCol="0" anchor="ctr"/>
+              <a:lstStyle/>
+              <a:p>
+                <a:pPr algn="ctr"/>
+                <a:endParaRPr lang="fr-FR" dirty="0"/>
+              </a:p>
+            </p:txBody>
+          </p:sp>
+          <p:sp>
+            <p:nvSpPr>
+              <p:cNvPr id="124" name="Rectangle : coins arrondis 123">
+                <a:extLst>
+                  <a:ext uri="{FF2B5EF4-FFF2-40B4-BE49-F238E27FC236}">
+                    <a16:creationId xmlns:a16="http://schemas.microsoft.com/office/drawing/2014/main" id="{43347E8B-ED18-3FEC-0C9B-92D47FB44F3A}"/>
+                  </a:ext>
+                </a:extLst>
+              </p:cNvPr>
+              <p:cNvSpPr/>
+              <p:nvPr/>
+            </p:nvSpPr>
+            <p:spPr>
+              <a:xfrm>
+                <a:off x="8365243" y="4546528"/>
+                <a:ext cx="1224000" cy="648000"/>
+              </a:xfrm>
+              <a:prstGeom prst="roundRect">
+                <a:avLst>
+                  <a:gd name="adj" fmla="val 11155"/>
+                </a:avLst>
+              </a:prstGeom>
+              <a:noFill/>
+              <a:ln w="9525">
+                <a:solidFill>
+                  <a:schemeClr val="bg1">
+                    <a:lumMod val="85000"/>
+                  </a:schemeClr>
+                </a:solidFill>
+                <a:prstDash val="sysDash"/>
+              </a:ln>
+            </p:spPr>
+            <p:style>
+              <a:lnRef idx="2">
+                <a:schemeClr val="accent1">
+                  <a:shade val="50000"/>
+                </a:schemeClr>
+              </a:lnRef>
+              <a:fillRef idx="1">
+                <a:schemeClr val="accent1"/>
+              </a:fillRef>
+              <a:effectRef idx="0">
+                <a:schemeClr val="accent1"/>
+              </a:effectRef>
+              <a:fontRef idx="minor">
+                <a:schemeClr val="lt1"/>
+              </a:fontRef>
+            </p:style>
+            <p:txBody>
+              <a:bodyPr rtlCol="0" anchor="ctr"/>
+              <a:lstStyle/>
+              <a:p>
+                <a:pPr algn="ctr"/>
+                <a:endParaRPr lang="fr-FR" dirty="0"/>
+              </a:p>
+            </p:txBody>
+          </p:sp>
+        </p:grpSp>
+        <p:grpSp>
+          <p:nvGrpSpPr>
+            <p:cNvPr id="125" name="Groupe 124">
+              <a:extLst>
+                <a:ext uri="{FF2B5EF4-FFF2-40B4-BE49-F238E27FC236}">
+                  <a16:creationId xmlns:a16="http://schemas.microsoft.com/office/drawing/2014/main" id="{58F7837D-4A4E-2395-D481-70DD1189886F}"/>
+                </a:ext>
+              </a:extLst>
+            </p:cNvPr>
+            <p:cNvGrpSpPr/>
+            <p:nvPr/>
+          </p:nvGrpSpPr>
+          <p:grpSpPr>
+            <a:xfrm>
+              <a:off x="2606758" y="1090333"/>
+              <a:ext cx="6982485" cy="648000"/>
+              <a:chOff x="2606758" y="4546528"/>
+              <a:chExt cx="6982485" cy="648000"/>
+            </a:xfrm>
+          </p:grpSpPr>
+          <p:sp>
+            <p:nvSpPr>
+              <p:cNvPr id="126" name="Rectangle : coins arrondis 125">
+                <a:extLst>
+                  <a:ext uri="{FF2B5EF4-FFF2-40B4-BE49-F238E27FC236}">
+                    <a16:creationId xmlns:a16="http://schemas.microsoft.com/office/drawing/2014/main" id="{CA80F320-A47E-EFA7-CC2D-485CA8754B1E}"/>
+                  </a:ext>
+                </a:extLst>
+              </p:cNvPr>
+              <p:cNvSpPr/>
+              <p:nvPr/>
+            </p:nvSpPr>
+            <p:spPr>
+              <a:xfrm>
+                <a:off x="5486000" y="4546528"/>
+                <a:ext cx="1224000" cy="648000"/>
+              </a:xfrm>
+              <a:prstGeom prst="roundRect">
+                <a:avLst>
+                  <a:gd name="adj" fmla="val 11155"/>
+                </a:avLst>
+              </a:prstGeom>
+              <a:noFill/>
+              <a:ln w="9525">
+                <a:solidFill>
+                  <a:schemeClr val="bg1">
+                    <a:lumMod val="85000"/>
+                  </a:schemeClr>
+                </a:solidFill>
+                <a:prstDash val="sysDash"/>
+              </a:ln>
+            </p:spPr>
+            <p:style>
+              <a:lnRef idx="2">
+                <a:schemeClr val="accent1">
+                  <a:shade val="50000"/>
+                </a:schemeClr>
+              </a:lnRef>
+              <a:fillRef idx="1">
+                <a:schemeClr val="accent1"/>
+              </a:fillRef>
+              <a:effectRef idx="0">
+                <a:schemeClr val="accent1"/>
+              </a:effectRef>
+              <a:fontRef idx="minor">
+                <a:schemeClr val="lt1"/>
+              </a:fontRef>
+            </p:style>
+            <p:txBody>
+              <a:bodyPr rtlCol="0" anchor="ctr"/>
+              <a:lstStyle/>
+              <a:p>
+                <a:pPr algn="ctr"/>
+                <a:endParaRPr lang="fr-FR" dirty="0"/>
+              </a:p>
+            </p:txBody>
+          </p:sp>
+          <p:sp>
+            <p:nvSpPr>
+              <p:cNvPr id="127" name="Rectangle : coins arrondis 126">
+                <a:extLst>
+                  <a:ext uri="{FF2B5EF4-FFF2-40B4-BE49-F238E27FC236}">
+                    <a16:creationId xmlns:a16="http://schemas.microsoft.com/office/drawing/2014/main" id="{4AD444D3-28CB-07E3-EFB5-C14184939764}"/>
+                  </a:ext>
+                </a:extLst>
+              </p:cNvPr>
+              <p:cNvSpPr/>
+              <p:nvPr/>
+            </p:nvSpPr>
+            <p:spPr>
+              <a:xfrm>
+                <a:off x="4046379" y="4546528"/>
+                <a:ext cx="1224000" cy="648000"/>
+              </a:xfrm>
+              <a:prstGeom prst="roundRect">
+                <a:avLst>
+                  <a:gd name="adj" fmla="val 11155"/>
+                </a:avLst>
+              </a:prstGeom>
+              <a:noFill/>
+              <a:ln w="9525">
+                <a:solidFill>
+                  <a:schemeClr val="bg1">
+                    <a:lumMod val="85000"/>
+                  </a:schemeClr>
+                </a:solidFill>
+                <a:prstDash val="sysDash"/>
+              </a:ln>
+            </p:spPr>
+            <p:style>
+              <a:lnRef idx="2">
+                <a:schemeClr val="accent1">
+                  <a:shade val="50000"/>
+                </a:schemeClr>
+              </a:lnRef>
+              <a:fillRef idx="1">
+                <a:schemeClr val="accent1"/>
+              </a:fillRef>
+              <a:effectRef idx="0">
+                <a:schemeClr val="accent1"/>
+              </a:effectRef>
+              <a:fontRef idx="minor">
+                <a:schemeClr val="lt1"/>
+              </a:fontRef>
+            </p:style>
+            <p:txBody>
+              <a:bodyPr rtlCol="0" anchor="ctr"/>
+              <a:lstStyle/>
+              <a:p>
+                <a:pPr algn="ctr"/>
+                <a:endParaRPr lang="fr-FR" dirty="0"/>
+              </a:p>
+            </p:txBody>
+          </p:sp>
+          <p:sp>
+            <p:nvSpPr>
+              <p:cNvPr id="128" name="Rectangle : coins arrondis 127">
+                <a:extLst>
+                  <a:ext uri="{FF2B5EF4-FFF2-40B4-BE49-F238E27FC236}">
+                    <a16:creationId xmlns:a16="http://schemas.microsoft.com/office/drawing/2014/main" id="{F9863FD0-FC29-78A5-B64A-D24CCA3FB081}"/>
+                  </a:ext>
+                </a:extLst>
+              </p:cNvPr>
+              <p:cNvSpPr/>
+              <p:nvPr/>
+            </p:nvSpPr>
+            <p:spPr>
+              <a:xfrm>
+                <a:off x="2606758" y="4546528"/>
+                <a:ext cx="1224000" cy="648000"/>
+              </a:xfrm>
+              <a:prstGeom prst="roundRect">
+                <a:avLst>
+                  <a:gd name="adj" fmla="val 11155"/>
+                </a:avLst>
+              </a:prstGeom>
+              <a:noFill/>
+              <a:ln w="9525">
+                <a:solidFill>
+                  <a:schemeClr val="bg1">
+                    <a:lumMod val="85000"/>
+                  </a:schemeClr>
+                </a:solidFill>
+                <a:prstDash val="sysDash"/>
+              </a:ln>
+            </p:spPr>
+            <p:style>
+              <a:lnRef idx="2">
+                <a:schemeClr val="accent1">
+                  <a:shade val="50000"/>
+                </a:schemeClr>
+              </a:lnRef>
+              <a:fillRef idx="1">
+                <a:schemeClr val="accent1"/>
+              </a:fillRef>
+              <a:effectRef idx="0">
+                <a:schemeClr val="accent1"/>
+              </a:effectRef>
+              <a:fontRef idx="minor">
+                <a:schemeClr val="lt1"/>
+              </a:fontRef>
+            </p:style>
+            <p:txBody>
+              <a:bodyPr rtlCol="0" anchor="ctr"/>
+              <a:lstStyle/>
+              <a:p>
+                <a:pPr algn="ctr"/>
+                <a:endParaRPr lang="fr-FR" dirty="0"/>
+              </a:p>
+            </p:txBody>
+          </p:sp>
+          <p:sp>
+            <p:nvSpPr>
+              <p:cNvPr id="129" name="Rectangle : coins arrondis 128">
+                <a:extLst>
+                  <a:ext uri="{FF2B5EF4-FFF2-40B4-BE49-F238E27FC236}">
+                    <a16:creationId xmlns:a16="http://schemas.microsoft.com/office/drawing/2014/main" id="{9EB31C8C-FEC8-CA76-25E5-8B46E5BF9D25}"/>
+                  </a:ext>
+                </a:extLst>
+              </p:cNvPr>
+              <p:cNvSpPr/>
+              <p:nvPr/>
+            </p:nvSpPr>
+            <p:spPr>
+              <a:xfrm>
+                <a:off x="6925621" y="4546528"/>
+                <a:ext cx="1224000" cy="648000"/>
+              </a:xfrm>
+              <a:prstGeom prst="roundRect">
+                <a:avLst>
+                  <a:gd name="adj" fmla="val 11155"/>
+                </a:avLst>
+              </a:prstGeom>
+              <a:noFill/>
+              <a:ln w="9525">
+                <a:solidFill>
+                  <a:schemeClr val="bg1">
+                    <a:lumMod val="85000"/>
+                  </a:schemeClr>
+                </a:solidFill>
+                <a:prstDash val="sysDash"/>
+              </a:ln>
+            </p:spPr>
+            <p:style>
+              <a:lnRef idx="2">
+                <a:schemeClr val="accent1">
+                  <a:shade val="50000"/>
+                </a:schemeClr>
+              </a:lnRef>
+              <a:fillRef idx="1">
+                <a:schemeClr val="accent1"/>
+              </a:fillRef>
+              <a:effectRef idx="0">
+                <a:schemeClr val="accent1"/>
+              </a:effectRef>
+              <a:fontRef idx="minor">
+                <a:schemeClr val="lt1"/>
+              </a:fontRef>
+            </p:style>
+            <p:txBody>
+              <a:bodyPr rtlCol="0" anchor="ctr"/>
+              <a:lstStyle/>
+              <a:p>
+                <a:pPr algn="ctr"/>
+                <a:endParaRPr lang="fr-FR" dirty="0"/>
+              </a:p>
+            </p:txBody>
+          </p:sp>
+          <p:sp>
+            <p:nvSpPr>
+              <p:cNvPr id="130" name="Rectangle : coins arrondis 129">
+                <a:extLst>
+                  <a:ext uri="{FF2B5EF4-FFF2-40B4-BE49-F238E27FC236}">
+                    <a16:creationId xmlns:a16="http://schemas.microsoft.com/office/drawing/2014/main" id="{782C8653-B188-8E98-C85B-DB08B09485F8}"/>
+                  </a:ext>
+                </a:extLst>
+              </p:cNvPr>
+              <p:cNvSpPr/>
+              <p:nvPr/>
+            </p:nvSpPr>
+            <p:spPr>
+              <a:xfrm>
+                <a:off x="8365243" y="4546528"/>
+                <a:ext cx="1224000" cy="648000"/>
+              </a:xfrm>
+              <a:prstGeom prst="roundRect">
+                <a:avLst>
+                  <a:gd name="adj" fmla="val 11155"/>
+                </a:avLst>
+              </a:prstGeom>
+              <a:noFill/>
+              <a:ln w="9525">
+                <a:solidFill>
+                  <a:schemeClr val="bg1">
+                    <a:lumMod val="85000"/>
+                  </a:schemeClr>
+                </a:solidFill>
+                <a:prstDash val="sysDash"/>
+              </a:ln>
+            </p:spPr>
+            <p:style>
+              <a:lnRef idx="2">
+                <a:schemeClr val="accent1">
+                  <a:shade val="50000"/>
+                </a:schemeClr>
+              </a:lnRef>
+              <a:fillRef idx="1">
+                <a:schemeClr val="accent1"/>
+              </a:fillRef>
+              <a:effectRef idx="0">
+                <a:schemeClr val="accent1"/>
+              </a:effectRef>
+              <a:fontRef idx="minor">
+                <a:schemeClr val="lt1"/>
+              </a:fontRef>
+            </p:style>
+            <p:txBody>
+              <a:bodyPr rtlCol="0" anchor="ctr"/>
+              <a:lstStyle/>
+              <a:p>
+                <a:pPr algn="ctr"/>
+                <a:endParaRPr lang="fr-FR" dirty="0"/>
+              </a:p>
+            </p:txBody>
+          </p:sp>
+        </p:grpSp>
+      </p:grpSp>
+    </p:spTree>
+    <p:extLst>
+      <p:ext uri="{BB962C8B-B14F-4D97-AF65-F5344CB8AC3E}">
+        <p14:creationId xmlns:p14="http://schemas.microsoft.com/office/powerpoint/2010/main" val="2238138268"/>
+      </p:ext>
+    </p:extLst>
+  </p:cSld>
+  <p:clrMapOvr>
+    <a:masterClrMapping/>
+  </p:clrMapOvr>
+</p:sld>
+</file>
+
 <file path=ppt/theme/theme1.xml><?xml version="1.0" encoding="utf-8"?>
 <a:theme xmlns:a="http://schemas.openxmlformats.org/drawingml/2006/main" name="Thème Office">
   <a:themeElements>

--- a/16_RC4/Figures/Figures.pptx
+++ b/16_RC4/Figures/Figures.pptx
@@ -4,12 +4,17 @@
   <p:sldMasterIdLst>
     <p:sldMasterId id="2147483648" r:id="rId1"/>
   </p:sldMasterIdLst>
+  <p:notesMasterIdLst>
+    <p:notesMasterId r:id="rId9"/>
+  </p:notesMasterIdLst>
   <p:sldIdLst>
     <p:sldId id="256" r:id="rId2"/>
     <p:sldId id="257" r:id="rId3"/>
     <p:sldId id="258" r:id="rId4"/>
     <p:sldId id="259" r:id="rId5"/>
     <p:sldId id="260" r:id="rId6"/>
+    <p:sldId id="262" r:id="rId7"/>
+    <p:sldId id="261" r:id="rId8"/>
   </p:sldIdLst>
   <p:sldSz cx="12192000" cy="6858000"/>
   <p:notesSz cx="6858000" cy="9144000"/>
@@ -114,6 +119,439 @@
     </p:ext>
   </p:extLst>
 </p:presentation>
+</file>
+
+<file path=ppt/notesMasters/notesMaster1.xml><?xml version="1.0" encoding="utf-8"?>
+<p:notesMaster xmlns:a="http://schemas.openxmlformats.org/drawingml/2006/main" xmlns:r="http://schemas.openxmlformats.org/officeDocument/2006/relationships" xmlns:p="http://schemas.openxmlformats.org/presentationml/2006/main">
+  <p:cSld>
+    <p:bg>
+      <p:bgRef idx="1001">
+        <a:schemeClr val="bg1"/>
+      </p:bgRef>
+    </p:bg>
+    <p:spTree>
+      <p:nvGrpSpPr>
+        <p:cNvPr id="1" name=""/>
+        <p:cNvGrpSpPr/>
+        <p:nvPr/>
+      </p:nvGrpSpPr>
+      <p:grpSpPr>
+        <a:xfrm>
+          <a:off x="0" y="0"/>
+          <a:ext cx="0" cy="0"/>
+          <a:chOff x="0" y="0"/>
+          <a:chExt cx="0" cy="0"/>
+        </a:xfrm>
+      </p:grpSpPr>
+      <p:sp>
+        <p:nvSpPr>
+          <p:cNvPr id="2" name="Espace réservé de l'en-tête 1"/>
+          <p:cNvSpPr>
+            <a:spLocks noGrp="1"/>
+          </p:cNvSpPr>
+          <p:nvPr>
+            <p:ph type="hdr" sz="quarter"/>
+          </p:nvPr>
+        </p:nvSpPr>
+        <p:spPr>
+          <a:xfrm>
+            <a:off x="0" y="0"/>
+            <a:ext cx="2971800" cy="458788"/>
+          </a:xfrm>
+          <a:prstGeom prst="rect">
+            <a:avLst/>
+          </a:prstGeom>
+        </p:spPr>
+        <p:txBody>
+          <a:bodyPr vert="horz" lIns="91440" tIns="45720" rIns="91440" bIns="45720" rtlCol="0"/>
+          <a:lstStyle>
+            <a:lvl1pPr algn="l">
+              <a:defRPr sz="1200"/>
+            </a:lvl1pPr>
+          </a:lstStyle>
+          <a:p>
+            <a:endParaRPr lang="fr-FR"/>
+          </a:p>
+        </p:txBody>
+      </p:sp>
+      <p:sp>
+        <p:nvSpPr>
+          <p:cNvPr id="3" name="Espace réservé de la date 2"/>
+          <p:cNvSpPr>
+            <a:spLocks noGrp="1"/>
+          </p:cNvSpPr>
+          <p:nvPr>
+            <p:ph type="dt" idx="1"/>
+          </p:nvPr>
+        </p:nvSpPr>
+        <p:spPr>
+          <a:xfrm>
+            <a:off x="3884613" y="0"/>
+            <a:ext cx="2971800" cy="458788"/>
+          </a:xfrm>
+          <a:prstGeom prst="rect">
+            <a:avLst/>
+          </a:prstGeom>
+        </p:spPr>
+        <p:txBody>
+          <a:bodyPr vert="horz" lIns="91440" tIns="45720" rIns="91440" bIns="45720" rtlCol="0"/>
+          <a:lstStyle>
+            <a:lvl1pPr algn="r">
+              <a:defRPr sz="1200"/>
+            </a:lvl1pPr>
+          </a:lstStyle>
+          <a:p>
+            <a:fld id="{088B47D2-DC99-4023-8FAB-B1A01B8BED66}" type="datetimeFigureOut">
+              <a:rPr lang="fr-FR" smtClean="0"/>
+              <a:t>08/01/2023</a:t>
+            </a:fld>
+            <a:endParaRPr lang="fr-FR"/>
+          </a:p>
+        </p:txBody>
+      </p:sp>
+      <p:sp>
+        <p:nvSpPr>
+          <p:cNvPr id="4" name="Espace réservé de l'image des diapositives 3"/>
+          <p:cNvSpPr>
+            <a:spLocks noGrp="1" noRot="1" noChangeAspect="1"/>
+          </p:cNvSpPr>
+          <p:nvPr>
+            <p:ph type="sldImg" idx="2"/>
+          </p:nvPr>
+        </p:nvSpPr>
+        <p:spPr>
+          <a:xfrm>
+            <a:off x="685800" y="1143000"/>
+            <a:ext cx="5486400" cy="3086100"/>
+          </a:xfrm>
+          <a:prstGeom prst="rect">
+            <a:avLst/>
+          </a:prstGeom>
+          <a:noFill/>
+          <a:ln w="12700">
+            <a:solidFill>
+              <a:prstClr val="black"/>
+            </a:solidFill>
+          </a:ln>
+        </p:spPr>
+        <p:txBody>
+          <a:bodyPr vert="horz" lIns="91440" tIns="45720" rIns="91440" bIns="45720" rtlCol="0" anchor="ctr"/>
+          <a:lstStyle/>
+          <a:p>
+            <a:endParaRPr lang="fr-FR"/>
+          </a:p>
+        </p:txBody>
+      </p:sp>
+      <p:sp>
+        <p:nvSpPr>
+          <p:cNvPr id="5" name="Espace réservé des notes 4"/>
+          <p:cNvSpPr>
+            <a:spLocks noGrp="1"/>
+          </p:cNvSpPr>
+          <p:nvPr>
+            <p:ph type="body" sz="quarter" idx="3"/>
+          </p:nvPr>
+        </p:nvSpPr>
+        <p:spPr>
+          <a:xfrm>
+            <a:off x="685800" y="4400550"/>
+            <a:ext cx="5486400" cy="3600450"/>
+          </a:xfrm>
+          <a:prstGeom prst="rect">
+            <a:avLst/>
+          </a:prstGeom>
+        </p:spPr>
+        <p:txBody>
+          <a:bodyPr vert="horz" lIns="91440" tIns="45720" rIns="91440" bIns="45720" rtlCol="0"/>
+          <a:lstStyle/>
+          <a:p>
+            <a:pPr lvl="0"/>
+            <a:r>
+              <a:rPr lang="fr-FR"/>
+              <a:t>Cliquez pour modifier les styles du texte du masque</a:t>
+            </a:r>
+          </a:p>
+          <a:p>
+            <a:pPr lvl="1"/>
+            <a:r>
+              <a:rPr lang="fr-FR"/>
+              <a:t>Deuxième niveau</a:t>
+            </a:r>
+          </a:p>
+          <a:p>
+            <a:pPr lvl="2"/>
+            <a:r>
+              <a:rPr lang="fr-FR"/>
+              <a:t>Troisième niveau</a:t>
+            </a:r>
+          </a:p>
+          <a:p>
+            <a:pPr lvl="3"/>
+            <a:r>
+              <a:rPr lang="fr-FR"/>
+              <a:t>Quatrième niveau</a:t>
+            </a:r>
+          </a:p>
+          <a:p>
+            <a:pPr lvl="4"/>
+            <a:r>
+              <a:rPr lang="fr-FR"/>
+              <a:t>Cinquième niveau</a:t>
+            </a:r>
+          </a:p>
+        </p:txBody>
+      </p:sp>
+      <p:sp>
+        <p:nvSpPr>
+          <p:cNvPr id="6" name="Espace réservé du pied de page 5"/>
+          <p:cNvSpPr>
+            <a:spLocks noGrp="1"/>
+          </p:cNvSpPr>
+          <p:nvPr>
+            <p:ph type="ftr" sz="quarter" idx="4"/>
+          </p:nvPr>
+        </p:nvSpPr>
+        <p:spPr>
+          <a:xfrm>
+            <a:off x="0" y="8685213"/>
+            <a:ext cx="2971800" cy="458787"/>
+          </a:xfrm>
+          <a:prstGeom prst="rect">
+            <a:avLst/>
+          </a:prstGeom>
+        </p:spPr>
+        <p:txBody>
+          <a:bodyPr vert="horz" lIns="91440" tIns="45720" rIns="91440" bIns="45720" rtlCol="0" anchor="b"/>
+          <a:lstStyle>
+            <a:lvl1pPr algn="l">
+              <a:defRPr sz="1200"/>
+            </a:lvl1pPr>
+          </a:lstStyle>
+          <a:p>
+            <a:endParaRPr lang="fr-FR"/>
+          </a:p>
+        </p:txBody>
+      </p:sp>
+      <p:sp>
+        <p:nvSpPr>
+          <p:cNvPr id="7" name="Espace réservé du numéro de diapositive 6"/>
+          <p:cNvSpPr>
+            <a:spLocks noGrp="1"/>
+          </p:cNvSpPr>
+          <p:nvPr>
+            <p:ph type="sldNum" sz="quarter" idx="5"/>
+          </p:nvPr>
+        </p:nvSpPr>
+        <p:spPr>
+          <a:xfrm>
+            <a:off x="3884613" y="8685213"/>
+            <a:ext cx="2971800" cy="458787"/>
+          </a:xfrm>
+          <a:prstGeom prst="rect">
+            <a:avLst/>
+          </a:prstGeom>
+        </p:spPr>
+        <p:txBody>
+          <a:bodyPr vert="horz" lIns="91440" tIns="45720" rIns="91440" bIns="45720" rtlCol="0" anchor="b"/>
+          <a:lstStyle>
+            <a:lvl1pPr algn="r">
+              <a:defRPr sz="1200"/>
+            </a:lvl1pPr>
+          </a:lstStyle>
+          <a:p>
+            <a:fld id="{15EE27B1-7D19-4D3E-BA9F-563B97DD4C0D}" type="slidenum">
+              <a:rPr lang="fr-FR" smtClean="0"/>
+              <a:t>‹N°›</a:t>
+            </a:fld>
+            <a:endParaRPr lang="fr-FR"/>
+          </a:p>
+        </p:txBody>
+      </p:sp>
+    </p:spTree>
+    <p:extLst>
+      <p:ext uri="{BB962C8B-B14F-4D97-AF65-F5344CB8AC3E}">
+        <p14:creationId xmlns:p14="http://schemas.microsoft.com/office/powerpoint/2010/main" val="3730279150"/>
+      </p:ext>
+    </p:extLst>
+  </p:cSld>
+  <p:clrMap bg1="lt1" tx1="dk1" bg2="lt2" tx2="dk2" accent1="accent1" accent2="accent2" accent3="accent3" accent4="accent4" accent5="accent5" accent6="accent6" hlink="hlink" folHlink="folHlink"/>
+  <p:notesStyle>
+    <a:lvl1pPr marL="0" algn="l" defTabSz="914400" rtl="0" eaLnBrk="1" latinLnBrk="0" hangingPunct="1">
+      <a:defRPr sz="1200" kern="1200">
+        <a:solidFill>
+          <a:schemeClr val="tx1"/>
+        </a:solidFill>
+        <a:latin typeface="+mn-lt"/>
+        <a:ea typeface="+mn-ea"/>
+        <a:cs typeface="+mn-cs"/>
+      </a:defRPr>
+    </a:lvl1pPr>
+    <a:lvl2pPr marL="457200" algn="l" defTabSz="914400" rtl="0" eaLnBrk="1" latinLnBrk="0" hangingPunct="1">
+      <a:defRPr sz="1200" kern="1200">
+        <a:solidFill>
+          <a:schemeClr val="tx1"/>
+        </a:solidFill>
+        <a:latin typeface="+mn-lt"/>
+        <a:ea typeface="+mn-ea"/>
+        <a:cs typeface="+mn-cs"/>
+      </a:defRPr>
+    </a:lvl2pPr>
+    <a:lvl3pPr marL="914400" algn="l" defTabSz="914400" rtl="0" eaLnBrk="1" latinLnBrk="0" hangingPunct="1">
+      <a:defRPr sz="1200" kern="1200">
+        <a:solidFill>
+          <a:schemeClr val="tx1"/>
+        </a:solidFill>
+        <a:latin typeface="+mn-lt"/>
+        <a:ea typeface="+mn-ea"/>
+        <a:cs typeface="+mn-cs"/>
+      </a:defRPr>
+    </a:lvl3pPr>
+    <a:lvl4pPr marL="1371600" algn="l" defTabSz="914400" rtl="0" eaLnBrk="1" latinLnBrk="0" hangingPunct="1">
+      <a:defRPr sz="1200" kern="1200">
+        <a:solidFill>
+          <a:schemeClr val="tx1"/>
+        </a:solidFill>
+        <a:latin typeface="+mn-lt"/>
+        <a:ea typeface="+mn-ea"/>
+        <a:cs typeface="+mn-cs"/>
+      </a:defRPr>
+    </a:lvl4pPr>
+    <a:lvl5pPr marL="1828800" algn="l" defTabSz="914400" rtl="0" eaLnBrk="1" latinLnBrk="0" hangingPunct="1">
+      <a:defRPr sz="1200" kern="1200">
+        <a:solidFill>
+          <a:schemeClr val="tx1"/>
+        </a:solidFill>
+        <a:latin typeface="+mn-lt"/>
+        <a:ea typeface="+mn-ea"/>
+        <a:cs typeface="+mn-cs"/>
+      </a:defRPr>
+    </a:lvl5pPr>
+    <a:lvl6pPr marL="2286000" algn="l" defTabSz="914400" rtl="0" eaLnBrk="1" latinLnBrk="0" hangingPunct="1">
+      <a:defRPr sz="1200" kern="1200">
+        <a:solidFill>
+          <a:schemeClr val="tx1"/>
+        </a:solidFill>
+        <a:latin typeface="+mn-lt"/>
+        <a:ea typeface="+mn-ea"/>
+        <a:cs typeface="+mn-cs"/>
+      </a:defRPr>
+    </a:lvl6pPr>
+    <a:lvl7pPr marL="2743200" algn="l" defTabSz="914400" rtl="0" eaLnBrk="1" latinLnBrk="0" hangingPunct="1">
+      <a:defRPr sz="1200" kern="1200">
+        <a:solidFill>
+          <a:schemeClr val="tx1"/>
+        </a:solidFill>
+        <a:latin typeface="+mn-lt"/>
+        <a:ea typeface="+mn-ea"/>
+        <a:cs typeface="+mn-cs"/>
+      </a:defRPr>
+    </a:lvl7pPr>
+    <a:lvl8pPr marL="3200400" algn="l" defTabSz="914400" rtl="0" eaLnBrk="1" latinLnBrk="0" hangingPunct="1">
+      <a:defRPr sz="1200" kern="1200">
+        <a:solidFill>
+          <a:schemeClr val="tx1"/>
+        </a:solidFill>
+        <a:latin typeface="+mn-lt"/>
+        <a:ea typeface="+mn-ea"/>
+        <a:cs typeface="+mn-cs"/>
+      </a:defRPr>
+    </a:lvl8pPr>
+    <a:lvl9pPr marL="3657600" algn="l" defTabSz="914400" rtl="0" eaLnBrk="1" latinLnBrk="0" hangingPunct="1">
+      <a:defRPr sz="1200" kern="1200">
+        <a:solidFill>
+          <a:schemeClr val="tx1"/>
+        </a:solidFill>
+        <a:latin typeface="+mn-lt"/>
+        <a:ea typeface="+mn-ea"/>
+        <a:cs typeface="+mn-cs"/>
+      </a:defRPr>
+    </a:lvl9pPr>
+  </p:notesStyle>
+</p:notesMaster>
+</file>
+
+<file path=ppt/notesSlides/notesSlide1.xml><?xml version="1.0" encoding="utf-8"?>
+<p:notes xmlns:a="http://schemas.openxmlformats.org/drawingml/2006/main" xmlns:r="http://schemas.openxmlformats.org/officeDocument/2006/relationships" xmlns:p="http://schemas.openxmlformats.org/presentationml/2006/main">
+  <p:cSld>
+    <p:spTree>
+      <p:nvGrpSpPr>
+        <p:cNvPr id="1" name=""/>
+        <p:cNvGrpSpPr/>
+        <p:nvPr/>
+      </p:nvGrpSpPr>
+      <p:grpSpPr>
+        <a:xfrm>
+          <a:off x="0" y="0"/>
+          <a:ext cx="0" cy="0"/>
+          <a:chOff x="0" y="0"/>
+          <a:chExt cx="0" cy="0"/>
+        </a:xfrm>
+      </p:grpSpPr>
+      <p:sp>
+        <p:nvSpPr>
+          <p:cNvPr id="2" name="Espace réservé de l'image des diapositives 1"/>
+          <p:cNvSpPr>
+            <a:spLocks noGrp="1" noRot="1" noChangeAspect="1"/>
+          </p:cNvSpPr>
+          <p:nvPr>
+            <p:ph type="sldImg"/>
+          </p:nvPr>
+        </p:nvSpPr>
+        <p:spPr/>
+      </p:sp>
+      <p:sp>
+        <p:nvSpPr>
+          <p:cNvPr id="3" name="Espace réservé des notes 2"/>
+          <p:cNvSpPr>
+            <a:spLocks noGrp="1"/>
+          </p:cNvSpPr>
+          <p:nvPr>
+            <p:ph type="body" idx="1"/>
+          </p:nvPr>
+        </p:nvSpPr>
+        <p:spPr/>
+        <p:txBody>
+          <a:bodyPr/>
+          <a:lstStyle/>
+          <a:p>
+            <a:endParaRPr lang="fr-FR" dirty="0"/>
+          </a:p>
+        </p:txBody>
+      </p:sp>
+      <p:sp>
+        <p:nvSpPr>
+          <p:cNvPr id="4" name="Espace réservé du numéro de diapositive 3"/>
+          <p:cNvSpPr>
+            <a:spLocks noGrp="1"/>
+          </p:cNvSpPr>
+          <p:nvPr>
+            <p:ph type="sldNum" sz="quarter" idx="5"/>
+          </p:nvPr>
+        </p:nvSpPr>
+        <p:spPr/>
+        <p:txBody>
+          <a:bodyPr/>
+          <a:lstStyle/>
+          <a:p>
+            <a:fld id="{15EE27B1-7D19-4D3E-BA9F-563B97DD4C0D}" type="slidenum">
+              <a:rPr lang="fr-FR" smtClean="0"/>
+              <a:t>3</a:t>
+            </a:fld>
+            <a:endParaRPr lang="fr-FR"/>
+          </a:p>
+        </p:txBody>
+      </p:sp>
+    </p:spTree>
+    <p:extLst>
+      <p:ext uri="{BB962C8B-B14F-4D97-AF65-F5344CB8AC3E}">
+        <p14:creationId xmlns:p14="http://schemas.microsoft.com/office/powerpoint/2010/main" val="581454573"/>
+      </p:ext>
+    </p:extLst>
+  </p:cSld>
+  <p:clrMapOvr>
+    <a:masterClrMapping/>
+  </p:clrMapOvr>
+</p:notes>
 </file>
 
 <file path=ppt/slideLayouts/slideLayout1.xml><?xml version="1.0" encoding="utf-8"?>
@@ -4069,7 +4507,7 @@
           <p:nvPr/>
         </p:nvPicPr>
         <p:blipFill>
-          <a:blip r:embed="rId2">
+          <a:blip r:embed="rId3">
             <a:extLst>
               <a:ext uri="{28A0092B-C50C-407E-A947-70E740481C1C}">
                 <a14:useLocalDpi xmlns:a14="http://schemas.microsoft.com/office/drawing/2010/main" val="0"/>
@@ -5401,10 +5839,10 @@
       </p:cxnSp>
       <p:grpSp>
         <p:nvGrpSpPr>
-          <p:cNvPr id="40" name="Groupe 39">
+          <p:cNvPr id="92" name="Groupe 91">
             <a:extLst>
               <a:ext uri="{FF2B5EF4-FFF2-40B4-BE49-F238E27FC236}">
-                <a16:creationId xmlns:a16="http://schemas.microsoft.com/office/drawing/2014/main" id="{5A961390-C4FF-EE6E-D9A7-C6F7A29B2016}"/>
+                <a16:creationId xmlns:a16="http://schemas.microsoft.com/office/drawing/2014/main" id="{2AA88EBA-C6F2-DB7F-EAAF-6D2D68863C19}"/>
               </a:ext>
             </a:extLst>
           </p:cNvPr>
@@ -5527,287 +5965,6 @@
             </a:p>
           </p:txBody>
         </p:sp>
-        <p:grpSp>
-          <p:nvGrpSpPr>
-            <p:cNvPr id="23" name="Groupe 22">
-              <a:extLst>
-                <a:ext uri="{FF2B5EF4-FFF2-40B4-BE49-F238E27FC236}">
-                  <a16:creationId xmlns:a16="http://schemas.microsoft.com/office/drawing/2014/main" id="{3A8B383D-B25C-18A3-CA65-60A4108A4B7C}"/>
-                </a:ext>
-              </a:extLst>
-            </p:cNvPr>
-            <p:cNvGrpSpPr/>
-            <p:nvPr/>
-          </p:nvGrpSpPr>
-          <p:grpSpPr>
-            <a:xfrm>
-              <a:off x="5520000" y="3595748"/>
-              <a:ext cx="1152000" cy="576000"/>
-              <a:chOff x="4651128" y="2719448"/>
-              <a:chExt cx="1152000" cy="576000"/>
-            </a:xfrm>
-          </p:grpSpPr>
-          <p:sp>
-            <p:nvSpPr>
-              <p:cNvPr id="24" name="Rectangle : coins arrondis 23">
-                <a:extLst>
-                  <a:ext uri="{FF2B5EF4-FFF2-40B4-BE49-F238E27FC236}">
-                    <a16:creationId xmlns:a16="http://schemas.microsoft.com/office/drawing/2014/main" id="{961545F6-6971-4914-B7D2-52480ECB0764}"/>
-                  </a:ext>
-                </a:extLst>
-              </p:cNvPr>
-              <p:cNvSpPr/>
-              <p:nvPr/>
-            </p:nvSpPr>
-            <p:spPr>
-              <a:xfrm>
-                <a:off x="4651128" y="2719448"/>
-                <a:ext cx="1152000" cy="576000"/>
-              </a:xfrm>
-              <a:prstGeom prst="roundRect">
-                <a:avLst/>
-              </a:prstGeom>
-              <a:noFill/>
-              <a:ln w="19050">
-                <a:solidFill>
-                  <a:srgbClr val="C00000"/>
-                </a:solidFill>
-              </a:ln>
-            </p:spPr>
-            <p:style>
-              <a:lnRef idx="2">
-                <a:schemeClr val="accent1">
-                  <a:shade val="50000"/>
-                </a:schemeClr>
-              </a:lnRef>
-              <a:fillRef idx="1">
-                <a:schemeClr val="accent1"/>
-              </a:fillRef>
-              <a:effectRef idx="0">
-                <a:schemeClr val="accent1"/>
-              </a:effectRef>
-              <a:fontRef idx="minor">
-                <a:schemeClr val="lt1"/>
-              </a:fontRef>
-            </p:style>
-            <p:txBody>
-              <a:bodyPr rtlCol="0" anchor="ctr"/>
-              <a:lstStyle/>
-              <a:p>
-                <a:pPr algn="ctr"/>
-                <a:endParaRPr lang="fr-FR" dirty="0"/>
-              </a:p>
-            </p:txBody>
-          </p:sp>
-          <p:sp>
-            <p:nvSpPr>
-              <p:cNvPr id="25" name="Ellipse 24">
-                <a:extLst>
-                  <a:ext uri="{FF2B5EF4-FFF2-40B4-BE49-F238E27FC236}">
-                    <a16:creationId xmlns:a16="http://schemas.microsoft.com/office/drawing/2014/main" id="{2A7CAF19-D136-E3EB-B128-1976360E676E}"/>
-                  </a:ext>
-                </a:extLst>
-              </p:cNvPr>
-              <p:cNvSpPr/>
-              <p:nvPr/>
-            </p:nvSpPr>
-            <p:spPr>
-              <a:xfrm>
-                <a:off x="4692650" y="2774949"/>
-                <a:ext cx="180000" cy="180000"/>
-              </a:xfrm>
-              <a:prstGeom prst="ellipse">
-                <a:avLst/>
-              </a:prstGeom>
-              <a:noFill/>
-              <a:ln w="19050">
-                <a:solidFill>
-                  <a:srgbClr val="C00000"/>
-                </a:solidFill>
-              </a:ln>
-            </p:spPr>
-            <p:style>
-              <a:lnRef idx="2">
-                <a:schemeClr val="accent1">
-                  <a:shade val="50000"/>
-                </a:schemeClr>
-              </a:lnRef>
-              <a:fillRef idx="1">
-                <a:schemeClr val="accent1"/>
-              </a:fillRef>
-              <a:effectRef idx="0">
-                <a:schemeClr val="accent1"/>
-              </a:effectRef>
-              <a:fontRef idx="minor">
-                <a:schemeClr val="lt1"/>
-              </a:fontRef>
-            </p:style>
-            <p:txBody>
-              <a:bodyPr rtlCol="0" anchor="ctr"/>
-              <a:lstStyle/>
-              <a:p>
-                <a:pPr algn="ctr"/>
-                <a:endParaRPr lang="fr-FR" dirty="0"/>
-              </a:p>
-            </p:txBody>
-          </p:sp>
-          <p:sp>
-            <p:nvSpPr>
-              <p:cNvPr id="26" name="Ellipse 25">
-                <a:extLst>
-                  <a:ext uri="{FF2B5EF4-FFF2-40B4-BE49-F238E27FC236}">
-                    <a16:creationId xmlns:a16="http://schemas.microsoft.com/office/drawing/2014/main" id="{18F0A231-8A8D-A077-D185-C9A050A69336}"/>
-                  </a:ext>
-                </a:extLst>
-              </p:cNvPr>
-              <p:cNvSpPr/>
-              <p:nvPr/>
-            </p:nvSpPr>
-            <p:spPr>
-              <a:xfrm>
-                <a:off x="5584825" y="2774949"/>
-                <a:ext cx="180000" cy="180000"/>
-              </a:xfrm>
-              <a:prstGeom prst="ellipse">
-                <a:avLst/>
-              </a:prstGeom>
-              <a:noFill/>
-              <a:ln w="19050">
-                <a:solidFill>
-                  <a:srgbClr val="C00000"/>
-                </a:solidFill>
-              </a:ln>
-            </p:spPr>
-            <p:style>
-              <a:lnRef idx="2">
-                <a:schemeClr val="accent1">
-                  <a:shade val="50000"/>
-                </a:schemeClr>
-              </a:lnRef>
-              <a:fillRef idx="1">
-                <a:schemeClr val="accent1"/>
-              </a:fillRef>
-              <a:effectRef idx="0">
-                <a:schemeClr val="accent1"/>
-              </a:effectRef>
-              <a:fontRef idx="minor">
-                <a:schemeClr val="lt1"/>
-              </a:fontRef>
-            </p:style>
-            <p:txBody>
-              <a:bodyPr rtlCol="0" anchor="ctr"/>
-              <a:lstStyle/>
-              <a:p>
-                <a:pPr algn="ctr"/>
-                <a:endParaRPr lang="fr-FR"/>
-              </a:p>
-            </p:txBody>
-          </p:sp>
-          <p:sp>
-            <p:nvSpPr>
-              <p:cNvPr id="27" name="Ellipse 26">
-                <a:extLst>
-                  <a:ext uri="{FF2B5EF4-FFF2-40B4-BE49-F238E27FC236}">
-                    <a16:creationId xmlns:a16="http://schemas.microsoft.com/office/drawing/2014/main" id="{DE651A72-632B-FA7D-DEA7-6B583C749B50}"/>
-                  </a:ext>
-                </a:extLst>
-              </p:cNvPr>
-              <p:cNvSpPr/>
-              <p:nvPr/>
-            </p:nvSpPr>
-            <p:spPr>
-              <a:xfrm>
-                <a:off x="4692650" y="3060598"/>
-                <a:ext cx="180000" cy="180000"/>
-              </a:xfrm>
-              <a:prstGeom prst="ellipse">
-                <a:avLst/>
-              </a:prstGeom>
-              <a:noFill/>
-              <a:ln w="19050">
-                <a:solidFill>
-                  <a:srgbClr val="C00000"/>
-                </a:solidFill>
-              </a:ln>
-            </p:spPr>
-            <p:style>
-              <a:lnRef idx="2">
-                <a:schemeClr val="accent1">
-                  <a:shade val="50000"/>
-                </a:schemeClr>
-              </a:lnRef>
-              <a:fillRef idx="1">
-                <a:schemeClr val="accent1"/>
-              </a:fillRef>
-              <a:effectRef idx="0">
-                <a:schemeClr val="accent1"/>
-              </a:effectRef>
-              <a:fontRef idx="minor">
-                <a:schemeClr val="lt1"/>
-              </a:fontRef>
-            </p:style>
-            <p:txBody>
-              <a:bodyPr rtlCol="0" anchor="ctr"/>
-              <a:lstStyle/>
-              <a:p>
-                <a:pPr algn="ctr"/>
-                <a:endParaRPr lang="fr-FR"/>
-              </a:p>
-            </p:txBody>
-          </p:sp>
-          <p:sp>
-            <p:nvSpPr>
-              <p:cNvPr id="28" name="Ellipse 27">
-                <a:extLst>
-                  <a:ext uri="{FF2B5EF4-FFF2-40B4-BE49-F238E27FC236}">
-                    <a16:creationId xmlns:a16="http://schemas.microsoft.com/office/drawing/2014/main" id="{8EDC8C70-BD10-0A61-293E-B8A8B25623B7}"/>
-                  </a:ext>
-                </a:extLst>
-              </p:cNvPr>
-              <p:cNvSpPr/>
-              <p:nvPr/>
-            </p:nvSpPr>
-            <p:spPr>
-              <a:xfrm>
-                <a:off x="5584825" y="3060598"/>
-                <a:ext cx="180000" cy="180000"/>
-              </a:xfrm>
-              <a:prstGeom prst="ellipse">
-                <a:avLst/>
-              </a:prstGeom>
-              <a:noFill/>
-              <a:ln w="19050">
-                <a:solidFill>
-                  <a:srgbClr val="C00000"/>
-                </a:solidFill>
-              </a:ln>
-            </p:spPr>
-            <p:style>
-              <a:lnRef idx="2">
-                <a:schemeClr val="accent1">
-                  <a:shade val="50000"/>
-                </a:schemeClr>
-              </a:lnRef>
-              <a:fillRef idx="1">
-                <a:schemeClr val="accent1"/>
-              </a:fillRef>
-              <a:effectRef idx="0">
-                <a:schemeClr val="accent1"/>
-              </a:effectRef>
-              <a:fontRef idx="minor">
-                <a:schemeClr val="lt1"/>
-              </a:fontRef>
-            </p:style>
-            <p:txBody>
-              <a:bodyPr rtlCol="0" anchor="ctr"/>
-              <a:lstStyle/>
-              <a:p>
-                <a:pPr algn="ctr"/>
-                <a:endParaRPr lang="fr-FR"/>
-              </a:p>
-            </p:txBody>
-          </p:sp>
-        </p:grpSp>
         <p:sp>
           <p:nvSpPr>
             <p:cNvPr id="29" name="Ellipse 28">
@@ -6736,8 +6893,8 @@
             </p:nvSpPr>
             <p:spPr>
               <a:xfrm>
-                <a:off x="9949733" y="481229"/>
-                <a:ext cx="211404" cy="276999"/>
+                <a:off x="9866011" y="544869"/>
+                <a:ext cx="455574" cy="276999"/>
               </a:xfrm>
               <a:prstGeom prst="rect">
                 <a:avLst/>
@@ -6750,18 +6907,38 @@
               </a:bodyPr>
               <a:lstStyle/>
               <a:p>
+                <a:pPr/>
                 <a14:m>
                   <m:oMathPara xmlns:m="http://schemas.openxmlformats.org/officeDocument/2006/math">
                     <m:oMathParaPr>
                       <m:jc m:val="centerGroup"/>
                     </m:oMathParaPr>
                     <m:oMath xmlns:m="http://schemas.openxmlformats.org/officeDocument/2006/math">
-                      <m:r>
-                        <a:rPr lang="fr-FR" b="0" i="1" smtClean="0">
-                          <a:latin typeface="Cambria Math" panose="02040503050406030204" pitchFamily="18" charset="0"/>
-                        </a:rPr>
-                        <m:t>𝐵</m:t>
-                      </m:r>
+                      <m:sSub>
+                        <m:sSubPr>
+                          <m:ctrlPr>
+                            <a:rPr lang="fr-FR" b="0" i="1" smtClean="0">
+                              <a:latin typeface="Cambria Math" panose="02040503050406030204" pitchFamily="18" charset="0"/>
+                            </a:rPr>
+                          </m:ctrlPr>
+                        </m:sSubPr>
+                        <m:e>
+                          <m:r>
+                            <a:rPr lang="fr-FR" b="0" i="1" smtClean="0">
+                              <a:latin typeface="Cambria Math" panose="02040503050406030204" pitchFamily="18" charset="0"/>
+                            </a:rPr>
+                            <m:t>𝐵</m:t>
+                          </m:r>
+                        </m:e>
+                        <m:sub>
+                          <m:r>
+                            <a:rPr lang="fr-FR" b="0" i="1" smtClean="0">
+                              <a:latin typeface="Cambria Math" panose="02040503050406030204" pitchFamily="18" charset="0"/>
+                            </a:rPr>
+                            <m:t>𝐻𝐷</m:t>
+                          </m:r>
+                        </m:sub>
+                      </m:sSub>
                     </m:oMath>
                   </m:oMathPara>
                 </a14:m>
@@ -6787,8 +6964,8 @@
             </p:nvSpPr>
             <p:spPr>
               <a:xfrm>
-                <a:off x="9949733" y="481229"/>
-                <a:ext cx="211404" cy="276999"/>
+                <a:off x="9866011" y="544869"/>
+                <a:ext cx="455574" cy="276999"/>
               </a:xfrm>
               <a:prstGeom prst="rect">
                 <a:avLst/>
@@ -6796,7 +6973,7 @@
               <a:blipFill>
                 <a:blip r:embed="rId2"/>
                 <a:stretch>
-                  <a:fillRect l="-25714" r="-22857" b="-6667"/>
+                  <a:fillRect l="-10667" r="-5333" b="-15217"/>
                 </a:stretch>
               </a:blipFill>
             </p:spPr>
@@ -6831,8 +7008,8 @@
             </p:nvSpPr>
             <p:spPr>
               <a:xfrm>
-                <a:off x="9208369" y="145765"/>
-                <a:ext cx="200889" cy="276999"/>
+                <a:off x="9322660" y="78184"/>
+                <a:ext cx="437749" cy="276999"/>
               </a:xfrm>
               <a:prstGeom prst="rect">
                 <a:avLst/>
@@ -6845,18 +7022,38 @@
               </a:bodyPr>
               <a:lstStyle/>
               <a:p>
+                <a:pPr/>
                 <a14:m>
                   <m:oMathPara xmlns:m="http://schemas.openxmlformats.org/officeDocument/2006/math">
                     <m:oMathParaPr>
                       <m:jc m:val="centerGroup"/>
                     </m:oMathParaPr>
                     <m:oMath xmlns:m="http://schemas.openxmlformats.org/officeDocument/2006/math">
-                      <m:r>
-                        <a:rPr lang="fr-FR" b="0" i="1" smtClean="0">
-                          <a:latin typeface="Cambria Math" panose="02040503050406030204" pitchFamily="18" charset="0"/>
-                        </a:rPr>
-                        <m:t>𝐶</m:t>
-                      </m:r>
+                      <m:sSub>
+                        <m:sSubPr>
+                          <m:ctrlPr>
+                            <a:rPr lang="fr-FR" b="0" i="1" smtClean="0">
+                              <a:latin typeface="Cambria Math" panose="02040503050406030204" pitchFamily="18" charset="0"/>
+                            </a:rPr>
+                          </m:ctrlPr>
+                        </m:sSubPr>
+                        <m:e>
+                          <m:r>
+                            <a:rPr lang="fr-FR" b="0" i="1" smtClean="0">
+                              <a:latin typeface="Cambria Math" panose="02040503050406030204" pitchFamily="18" charset="0"/>
+                            </a:rPr>
+                            <m:t>𝐶</m:t>
+                          </m:r>
+                        </m:e>
+                        <m:sub>
+                          <m:r>
+                            <a:rPr lang="fr-FR" b="0" i="1" smtClean="0">
+                              <a:latin typeface="Cambria Math" panose="02040503050406030204" pitchFamily="18" charset="0"/>
+                            </a:rPr>
+                            <m:t>𝐻𝐷</m:t>
+                          </m:r>
+                        </m:sub>
+                      </m:sSub>
                     </m:oMath>
                   </m:oMathPara>
                 </a14:m>
@@ -6882,8 +7079,8 @@
             </p:nvSpPr>
             <p:spPr>
               <a:xfrm>
-                <a:off x="9208369" y="145765"/>
-                <a:ext cx="200889" cy="276999"/>
+                <a:off x="9322660" y="78184"/>
+                <a:ext cx="437749" cy="276999"/>
               </a:xfrm>
               <a:prstGeom prst="rect">
                 <a:avLst/>
@@ -6891,7 +7088,7 @@
               <a:blipFill>
                 <a:blip r:embed="rId3"/>
                 <a:stretch>
-                  <a:fillRect l="-30303" r="-21212" b="-6667"/>
+                  <a:fillRect l="-11111" r="-5556" b="-15556"/>
                 </a:stretch>
               </a:blipFill>
             </p:spPr>
@@ -7061,8 +7258,8 @@
             </p:nvSpPr>
             <p:spPr>
               <a:xfrm>
-                <a:off x="6694967" y="3595748"/>
-                <a:ext cx="201016" cy="276999"/>
+                <a:off x="6262209" y="3290500"/>
+                <a:ext cx="459293" cy="276999"/>
               </a:xfrm>
               <a:prstGeom prst="rect">
                 <a:avLst/>
@@ -7075,18 +7272,38 @@
               </a:bodyPr>
               <a:lstStyle/>
               <a:p>
+                <a:pPr/>
                 <a14:m>
                   <m:oMathPara xmlns:m="http://schemas.openxmlformats.org/officeDocument/2006/math">
                     <m:oMathParaPr>
                       <m:jc m:val="centerGroup"/>
                     </m:oMathParaPr>
                     <m:oMath xmlns:m="http://schemas.openxmlformats.org/officeDocument/2006/math">
-                      <m:r>
-                        <a:rPr lang="fr-FR" b="0" i="1" smtClean="0">
-                          <a:latin typeface="Cambria Math" panose="02040503050406030204" pitchFamily="18" charset="0"/>
-                        </a:rPr>
-                        <m:t>𝐴</m:t>
-                      </m:r>
+                      <m:sSub>
+                        <m:sSubPr>
+                          <m:ctrlPr>
+                            <a:rPr lang="fr-FR" b="0" i="1" smtClean="0">
+                              <a:latin typeface="Cambria Math" panose="02040503050406030204" pitchFamily="18" charset="0"/>
+                            </a:rPr>
+                          </m:ctrlPr>
+                        </m:sSubPr>
+                        <m:e>
+                          <m:r>
+                            <a:rPr lang="fr-FR" b="0" i="1" smtClean="0">
+                              <a:latin typeface="Cambria Math" panose="02040503050406030204" pitchFamily="18" charset="0"/>
+                            </a:rPr>
+                            <m:t>𝐴</m:t>
+                          </m:r>
+                        </m:e>
+                        <m:sub>
+                          <m:r>
+                            <a:rPr lang="fr-FR" b="0" i="1" smtClean="0">
+                              <a:latin typeface="Cambria Math" panose="02040503050406030204" pitchFamily="18" charset="0"/>
+                            </a:rPr>
+                            <m:t>𝐻𝐷</m:t>
+                          </m:r>
+                        </m:sub>
+                      </m:sSub>
                     </m:oMath>
                   </m:oMathPara>
                 </a14:m>
@@ -7112,8 +7329,8 @@
             </p:nvSpPr>
             <p:spPr>
               <a:xfrm>
-                <a:off x="6694967" y="3595748"/>
-                <a:ext cx="201016" cy="276999"/>
+                <a:off x="6262209" y="3290500"/>
+                <a:ext cx="459293" cy="276999"/>
               </a:xfrm>
               <a:prstGeom prst="rect">
                 <a:avLst/>
@@ -7121,7 +7338,7 @@
               <a:blipFill>
                 <a:blip r:embed="rId4"/>
                 <a:stretch>
-                  <a:fillRect l="-27273" r="-27273" b="-6667"/>
+                  <a:fillRect l="-10526" r="-3947" b="-15556"/>
                 </a:stretch>
               </a:blipFill>
             </p:spPr>
@@ -8997,10 +9214,8023 @@
           </p:sp>
         </p:grpSp>
       </p:grpSp>
+      <p:cxnSp>
+        <p:nvCxnSpPr>
+          <p:cNvPr id="5" name="Connecteur droit 4">
+            <a:extLst>
+              <a:ext uri="{FF2B5EF4-FFF2-40B4-BE49-F238E27FC236}">
+                <a16:creationId xmlns:a16="http://schemas.microsoft.com/office/drawing/2014/main" id="{54E68ADE-870F-2990-39CC-BDB2A0881FFF}"/>
+              </a:ext>
+            </a:extLst>
+          </p:cNvPr>
+          <p:cNvCxnSpPr/>
+          <p:nvPr/>
+        </p:nvCxnSpPr>
+        <p:spPr>
+          <a:xfrm>
+            <a:off x="3218758" y="4870528"/>
+            <a:ext cx="2885681" cy="0"/>
+          </a:xfrm>
+          <a:prstGeom prst="line">
+            <a:avLst/>
+          </a:prstGeom>
+          <a:ln w="28575">
+            <a:solidFill>
+              <a:srgbClr val="002060"/>
+            </a:solidFill>
+            <a:tailEnd type="stealth" w="med" len="lg"/>
+          </a:ln>
+        </p:spPr>
+        <p:style>
+          <a:lnRef idx="1">
+            <a:schemeClr val="accent1"/>
+          </a:lnRef>
+          <a:fillRef idx="0">
+            <a:schemeClr val="accent1"/>
+          </a:fillRef>
+          <a:effectRef idx="0">
+            <a:schemeClr val="accent1"/>
+          </a:effectRef>
+          <a:fontRef idx="minor">
+            <a:schemeClr val="tx1"/>
+          </a:fontRef>
+        </p:style>
+      </p:cxnSp>
+      <p:cxnSp>
+        <p:nvCxnSpPr>
+          <p:cNvPr id="6" name="Connecteur droit 5">
+            <a:extLst>
+              <a:ext uri="{FF2B5EF4-FFF2-40B4-BE49-F238E27FC236}">
+                <a16:creationId xmlns:a16="http://schemas.microsoft.com/office/drawing/2014/main" id="{C04955EF-2682-C023-EEDC-A968CC8C5FE7}"/>
+              </a:ext>
+            </a:extLst>
+          </p:cNvPr>
+          <p:cNvCxnSpPr>
+            <a:cxnSpLocks/>
+          </p:cNvCxnSpPr>
+          <p:nvPr/>
+        </p:nvCxnSpPr>
+        <p:spPr>
+          <a:xfrm flipV="1">
+            <a:off x="3218758" y="1336655"/>
+            <a:ext cx="0" cy="3533873"/>
+          </a:xfrm>
+          <a:prstGeom prst="line">
+            <a:avLst/>
+          </a:prstGeom>
+          <a:ln w="28575">
+            <a:solidFill>
+              <a:srgbClr val="002060"/>
+            </a:solidFill>
+            <a:tailEnd type="stealth" w="med" len="lg"/>
+          </a:ln>
+        </p:spPr>
+        <p:style>
+          <a:lnRef idx="1">
+            <a:schemeClr val="accent1"/>
+          </a:lnRef>
+          <a:fillRef idx="0">
+            <a:schemeClr val="accent1"/>
+          </a:fillRef>
+          <a:effectRef idx="0">
+            <a:schemeClr val="accent1"/>
+          </a:effectRef>
+          <a:fontRef idx="minor">
+            <a:schemeClr val="tx1"/>
+          </a:fontRef>
+        </p:style>
+      </p:cxnSp>
+      <mc:AlternateContent xmlns:mc="http://schemas.openxmlformats.org/markup-compatibility/2006">
+        <mc:Choice xmlns:a14="http://schemas.microsoft.com/office/drawing/2010/main" Requires="a14">
+          <p:sp>
+            <p:nvSpPr>
+              <p:cNvPr id="9" name="ZoneTexte 8">
+                <a:extLst>
+                  <a:ext uri="{FF2B5EF4-FFF2-40B4-BE49-F238E27FC236}">
+                    <a16:creationId xmlns:a16="http://schemas.microsoft.com/office/drawing/2014/main" id="{E583F976-3937-722D-513E-61D45BAB1813}"/>
+                  </a:ext>
+                </a:extLst>
+              </p:cNvPr>
+              <p:cNvSpPr txBox="1"/>
+              <p:nvPr/>
+            </p:nvSpPr>
+            <p:spPr>
+              <a:xfrm>
+                <a:off x="6194585" y="4744385"/>
+                <a:ext cx="183319" cy="276999"/>
+              </a:xfrm>
+              <a:prstGeom prst="rect">
+                <a:avLst/>
+              </a:prstGeom>
+              <a:noFill/>
+            </p:spPr>
+            <p:txBody>
+              <a:bodyPr wrap="none" lIns="0" tIns="0" rIns="0" bIns="0" rtlCol="0">
+                <a:spAutoFit/>
+              </a:bodyPr>
+              <a:lstStyle/>
+              <a:p>
+                <a:pPr/>
+                <a14:m>
+                  <m:oMathPara xmlns:m="http://schemas.openxmlformats.org/officeDocument/2006/math">
+                    <m:oMathParaPr>
+                      <m:jc m:val="centerGroup"/>
+                    </m:oMathParaPr>
+                    <m:oMath xmlns:m="http://schemas.openxmlformats.org/officeDocument/2006/math">
+                      <m:acc>
+                        <m:accPr>
+                          <m:chr m:val="⃗"/>
+                          <m:ctrlPr>
+                            <a:rPr lang="fr-FR" b="0" i="1" smtClean="0">
+                              <a:latin typeface="Cambria Math" panose="02040503050406030204" pitchFamily="18" charset="0"/>
+                            </a:rPr>
+                          </m:ctrlPr>
+                        </m:accPr>
+                        <m:e>
+                          <m:r>
+                            <a:rPr lang="fr-FR" b="0" i="1" smtClean="0">
+                              <a:latin typeface="Cambria Math" panose="02040503050406030204" pitchFamily="18" charset="0"/>
+                            </a:rPr>
+                            <m:t>𝑥</m:t>
+                          </m:r>
+                        </m:e>
+                      </m:acc>
+                    </m:oMath>
+                  </m:oMathPara>
+                </a14:m>
+                <a:endParaRPr lang="fr-FR" dirty="0"/>
+              </a:p>
+            </p:txBody>
+          </p:sp>
+        </mc:Choice>
+        <mc:Fallback>
+          <p:sp>
+            <p:nvSpPr>
+              <p:cNvPr id="9" name="ZoneTexte 8">
+                <a:extLst>
+                  <a:ext uri="{FF2B5EF4-FFF2-40B4-BE49-F238E27FC236}">
+                    <a16:creationId xmlns:a16="http://schemas.microsoft.com/office/drawing/2014/main" id="{E583F976-3937-722D-513E-61D45BAB1813}"/>
+                  </a:ext>
+                </a:extLst>
+              </p:cNvPr>
+              <p:cNvSpPr txBox="1">
+                <a:spLocks noRot="1" noChangeAspect="1" noMove="1" noResize="1" noEditPoints="1" noAdjustHandles="1" noChangeArrowheads="1" noChangeShapeType="1" noTextEdit="1"/>
+              </p:cNvSpPr>
+              <p:nvPr/>
+            </p:nvSpPr>
+            <p:spPr>
+              <a:xfrm>
+                <a:off x="6194585" y="4744385"/>
+                <a:ext cx="183319" cy="276999"/>
+              </a:xfrm>
+              <a:prstGeom prst="rect">
+                <a:avLst/>
+              </a:prstGeom>
+              <a:blipFill>
+                <a:blip r:embed="rId5"/>
+                <a:stretch>
+                  <a:fillRect l="-33333" t="-45652" r="-103333" b="-8696"/>
+                </a:stretch>
+              </a:blipFill>
+            </p:spPr>
+            <p:txBody>
+              <a:bodyPr/>
+              <a:lstStyle/>
+              <a:p>
+                <a:r>
+                  <a:rPr lang="fr-FR">
+                    <a:noFill/>
+                  </a:rPr>
+                  <a:t> </a:t>
+                </a:r>
+              </a:p>
+            </p:txBody>
+          </p:sp>
+        </mc:Fallback>
+      </mc:AlternateContent>
+      <mc:AlternateContent xmlns:mc="http://schemas.openxmlformats.org/markup-compatibility/2006">
+        <mc:Choice xmlns:a14="http://schemas.microsoft.com/office/drawing/2010/main" Requires="a14">
+          <p:sp>
+            <p:nvSpPr>
+              <p:cNvPr id="11" name="ZoneTexte 10">
+                <a:extLst>
+                  <a:ext uri="{FF2B5EF4-FFF2-40B4-BE49-F238E27FC236}">
+                    <a16:creationId xmlns:a16="http://schemas.microsoft.com/office/drawing/2014/main" id="{28C6F854-38A4-1DC5-9613-55062A9DA6B5}"/>
+                  </a:ext>
+                </a:extLst>
+              </p:cNvPr>
+              <p:cNvSpPr txBox="1"/>
+              <p:nvPr/>
+            </p:nvSpPr>
+            <p:spPr>
+              <a:xfrm>
+                <a:off x="2486661" y="1223876"/>
+                <a:ext cx="967938" cy="369332"/>
+              </a:xfrm>
+              <a:prstGeom prst="rect">
+                <a:avLst/>
+              </a:prstGeom>
+              <a:noFill/>
+            </p:spPr>
+            <p:txBody>
+              <a:bodyPr wrap="square">
+                <a:spAutoFit/>
+              </a:bodyPr>
+              <a:lstStyle/>
+              <a:p>
+                <a:pPr/>
+                <a14:m>
+                  <m:oMathPara xmlns:m="http://schemas.openxmlformats.org/officeDocument/2006/math">
+                    <m:oMathParaPr>
+                      <m:jc m:val="centerGroup"/>
+                    </m:oMathParaPr>
+                    <m:oMath xmlns:m="http://schemas.openxmlformats.org/officeDocument/2006/math">
+                      <m:acc>
+                        <m:accPr>
+                          <m:chr m:val="⃗"/>
+                          <m:ctrlPr>
+                            <a:rPr lang="fr-FR" b="0" i="1" smtClean="0">
+                              <a:latin typeface="Cambria Math" panose="02040503050406030204" pitchFamily="18" charset="0"/>
+                            </a:rPr>
+                          </m:ctrlPr>
+                        </m:accPr>
+                        <m:e>
+                          <m:r>
+                            <a:rPr lang="fr-FR" b="0" i="1" smtClean="0">
+                              <a:latin typeface="Cambria Math" panose="02040503050406030204" pitchFamily="18" charset="0"/>
+                            </a:rPr>
+                            <m:t>𝑦</m:t>
+                          </m:r>
+                        </m:e>
+                      </m:acc>
+                    </m:oMath>
+                  </m:oMathPara>
+                </a14:m>
+                <a:endParaRPr lang="fr-FR" dirty="0"/>
+              </a:p>
+            </p:txBody>
+          </p:sp>
+        </mc:Choice>
+        <mc:Fallback>
+          <p:sp>
+            <p:nvSpPr>
+              <p:cNvPr id="11" name="ZoneTexte 10">
+                <a:extLst>
+                  <a:ext uri="{FF2B5EF4-FFF2-40B4-BE49-F238E27FC236}">
+                    <a16:creationId xmlns:a16="http://schemas.microsoft.com/office/drawing/2014/main" id="{28C6F854-38A4-1DC5-9613-55062A9DA6B5}"/>
+                  </a:ext>
+                </a:extLst>
+              </p:cNvPr>
+              <p:cNvSpPr txBox="1">
+                <a:spLocks noRot="1" noChangeAspect="1" noMove="1" noResize="1" noEditPoints="1" noAdjustHandles="1" noChangeArrowheads="1" noChangeShapeType="1" noTextEdit="1"/>
+              </p:cNvSpPr>
+              <p:nvPr/>
+            </p:nvSpPr>
+            <p:spPr>
+              <a:xfrm>
+                <a:off x="2486661" y="1223876"/>
+                <a:ext cx="967938" cy="369332"/>
+              </a:xfrm>
+              <a:prstGeom prst="rect">
+                <a:avLst/>
+              </a:prstGeom>
+              <a:blipFill>
+                <a:blip r:embed="rId6"/>
+                <a:stretch>
+                  <a:fillRect t="-23333" b="-6667"/>
+                </a:stretch>
+              </a:blipFill>
+            </p:spPr>
+            <p:txBody>
+              <a:bodyPr/>
+              <a:lstStyle/>
+              <a:p>
+                <a:r>
+                  <a:rPr lang="fr-FR">
+                    <a:noFill/>
+                  </a:rPr>
+                  <a:t> </a:t>
+                </a:r>
+              </a:p>
+            </p:txBody>
+          </p:sp>
+        </mc:Fallback>
+      </mc:AlternateContent>
+      <p:sp>
+        <p:nvSpPr>
+          <p:cNvPr id="12" name="Ellipse 11">
+            <a:extLst>
+              <a:ext uri="{FF2B5EF4-FFF2-40B4-BE49-F238E27FC236}">
+                <a16:creationId xmlns:a16="http://schemas.microsoft.com/office/drawing/2014/main" id="{E91AC9E0-B70A-F823-ACD1-15313CF97EB9}"/>
+              </a:ext>
+            </a:extLst>
+          </p:cNvPr>
+          <p:cNvSpPr/>
+          <p:nvPr/>
+        </p:nvSpPr>
+        <p:spPr>
+          <a:xfrm>
+            <a:off x="3128611" y="4780529"/>
+            <a:ext cx="180000" cy="180000"/>
+          </a:xfrm>
+          <a:prstGeom prst="ellipse">
+            <a:avLst/>
+          </a:prstGeom>
+          <a:solidFill>
+            <a:schemeClr val="bg1"/>
+          </a:solidFill>
+          <a:ln w="28575">
+            <a:solidFill>
+              <a:srgbClr val="002060"/>
+            </a:solidFill>
+          </a:ln>
+        </p:spPr>
+        <p:style>
+          <a:lnRef idx="2">
+            <a:schemeClr val="accent1">
+              <a:shade val="50000"/>
+            </a:schemeClr>
+          </a:lnRef>
+          <a:fillRef idx="1">
+            <a:schemeClr val="accent1"/>
+          </a:fillRef>
+          <a:effectRef idx="0">
+            <a:schemeClr val="accent1"/>
+          </a:effectRef>
+          <a:fontRef idx="minor">
+            <a:schemeClr val="lt1"/>
+          </a:fontRef>
+        </p:style>
+        <p:txBody>
+          <a:bodyPr rtlCol="0" anchor="ctr"/>
+          <a:lstStyle/>
+          <a:p>
+            <a:pPr algn="ctr"/>
+            <a:endParaRPr lang="fr-FR" dirty="0"/>
+          </a:p>
+        </p:txBody>
+      </p:sp>
+      <p:sp>
+        <p:nvSpPr>
+          <p:cNvPr id="13" name="Ellipse 12">
+            <a:extLst>
+              <a:ext uri="{FF2B5EF4-FFF2-40B4-BE49-F238E27FC236}">
+                <a16:creationId xmlns:a16="http://schemas.microsoft.com/office/drawing/2014/main" id="{6E6A76BE-8E3D-4F57-B169-C6CBE5E8A2B3}"/>
+              </a:ext>
+            </a:extLst>
+          </p:cNvPr>
+          <p:cNvSpPr/>
+          <p:nvPr/>
+        </p:nvSpPr>
+        <p:spPr>
+          <a:xfrm>
+            <a:off x="3194376" y="4846293"/>
+            <a:ext cx="48471" cy="48471"/>
+          </a:xfrm>
+          <a:prstGeom prst="ellipse">
+            <a:avLst/>
+          </a:prstGeom>
+          <a:solidFill>
+            <a:srgbClr val="002060"/>
+          </a:solidFill>
+          <a:ln w="28575">
+            <a:solidFill>
+              <a:srgbClr val="002060"/>
+            </a:solidFill>
+          </a:ln>
+        </p:spPr>
+        <p:style>
+          <a:lnRef idx="2">
+            <a:schemeClr val="accent1">
+              <a:shade val="50000"/>
+            </a:schemeClr>
+          </a:lnRef>
+          <a:fillRef idx="1">
+            <a:schemeClr val="accent1"/>
+          </a:fillRef>
+          <a:effectRef idx="0">
+            <a:schemeClr val="accent1"/>
+          </a:effectRef>
+          <a:fontRef idx="minor">
+            <a:schemeClr val="lt1"/>
+          </a:fontRef>
+        </p:style>
+        <p:txBody>
+          <a:bodyPr rtlCol="0" anchor="ctr"/>
+          <a:lstStyle/>
+          <a:p>
+            <a:pPr algn="ctr"/>
+            <a:endParaRPr lang="fr-FR" dirty="0"/>
+          </a:p>
+        </p:txBody>
+      </p:sp>
+      <mc:AlternateContent xmlns:mc="http://schemas.openxmlformats.org/markup-compatibility/2006">
+        <mc:Choice xmlns:a14="http://schemas.microsoft.com/office/drawing/2010/main" Requires="a14">
+          <p:sp>
+            <p:nvSpPr>
+              <p:cNvPr id="14" name="ZoneTexte 13">
+                <a:extLst>
+                  <a:ext uri="{FF2B5EF4-FFF2-40B4-BE49-F238E27FC236}">
+                    <a16:creationId xmlns:a16="http://schemas.microsoft.com/office/drawing/2014/main" id="{FF58FFE0-02CC-2CD7-1E8E-3869B9E46535}"/>
+                  </a:ext>
+                </a:extLst>
+              </p:cNvPr>
+              <p:cNvSpPr txBox="1"/>
+              <p:nvPr/>
+            </p:nvSpPr>
+            <p:spPr>
+              <a:xfrm>
+                <a:off x="2812864" y="4593529"/>
+                <a:ext cx="214033" cy="276999"/>
+              </a:xfrm>
+              <a:prstGeom prst="rect">
+                <a:avLst/>
+              </a:prstGeom>
+              <a:noFill/>
+            </p:spPr>
+            <p:txBody>
+              <a:bodyPr wrap="none" lIns="0" tIns="0" rIns="0" bIns="0" rtlCol="0">
+                <a:spAutoFit/>
+              </a:bodyPr>
+              <a:lstStyle/>
+              <a:p>
+                <a:pPr/>
+                <a14:m>
+                  <m:oMathPara xmlns:m="http://schemas.openxmlformats.org/officeDocument/2006/math">
+                    <m:oMathParaPr>
+                      <m:jc m:val="centerGroup"/>
+                    </m:oMathParaPr>
+                    <m:oMath xmlns:m="http://schemas.openxmlformats.org/officeDocument/2006/math">
+                      <m:r>
+                        <a:rPr lang="fr-FR" b="0" i="1" smtClean="0">
+                          <a:latin typeface="Cambria Math" panose="02040503050406030204" pitchFamily="18" charset="0"/>
+                        </a:rPr>
+                        <m:t>𝑂</m:t>
+                      </m:r>
+                    </m:oMath>
+                  </m:oMathPara>
+                </a14:m>
+                <a:endParaRPr lang="fr-FR" dirty="0"/>
+              </a:p>
+            </p:txBody>
+          </p:sp>
+        </mc:Choice>
+        <mc:Fallback>
+          <p:sp>
+            <p:nvSpPr>
+              <p:cNvPr id="14" name="ZoneTexte 13">
+                <a:extLst>
+                  <a:ext uri="{FF2B5EF4-FFF2-40B4-BE49-F238E27FC236}">
+                    <a16:creationId xmlns:a16="http://schemas.microsoft.com/office/drawing/2014/main" id="{FF58FFE0-02CC-2CD7-1E8E-3869B9E46535}"/>
+                  </a:ext>
+                </a:extLst>
+              </p:cNvPr>
+              <p:cNvSpPr txBox="1">
+                <a:spLocks noRot="1" noChangeAspect="1" noMove="1" noResize="1" noEditPoints="1" noAdjustHandles="1" noChangeArrowheads="1" noChangeShapeType="1" noTextEdit="1"/>
+              </p:cNvSpPr>
+              <p:nvPr/>
+            </p:nvSpPr>
+            <p:spPr>
+              <a:xfrm>
+                <a:off x="2812864" y="4593529"/>
+                <a:ext cx="214033" cy="276999"/>
+              </a:xfrm>
+              <a:prstGeom prst="rect">
+                <a:avLst/>
+              </a:prstGeom>
+              <a:blipFill>
+                <a:blip r:embed="rId7"/>
+                <a:stretch>
+                  <a:fillRect l="-25000" r="-22222" b="-6667"/>
+                </a:stretch>
+              </a:blipFill>
+            </p:spPr>
+            <p:txBody>
+              <a:bodyPr/>
+              <a:lstStyle/>
+              <a:p>
+                <a:r>
+                  <a:rPr lang="fr-FR">
+                    <a:noFill/>
+                  </a:rPr>
+                  <a:t> </a:t>
+                </a:r>
+              </a:p>
+            </p:txBody>
+          </p:sp>
+        </mc:Fallback>
+      </mc:AlternateContent>
+      <p:cxnSp>
+        <p:nvCxnSpPr>
+          <p:cNvPr id="86" name="Connecteur droit 85">
+            <a:extLst>
+              <a:ext uri="{FF2B5EF4-FFF2-40B4-BE49-F238E27FC236}">
+                <a16:creationId xmlns:a16="http://schemas.microsoft.com/office/drawing/2014/main" id="{8A995F03-3058-60C8-BF59-3FF1BE40303F}"/>
+              </a:ext>
+            </a:extLst>
+          </p:cNvPr>
+          <p:cNvCxnSpPr>
+            <a:cxnSpLocks/>
+            <a:stCxn id="26" idx="3"/>
+          </p:cNvCxnSpPr>
+          <p:nvPr/>
+        </p:nvCxnSpPr>
+        <p:spPr>
+          <a:xfrm flipV="1">
+            <a:off x="6480057" y="721779"/>
+            <a:ext cx="3061478" cy="3083110"/>
+          </a:xfrm>
+          <a:prstGeom prst="line">
+            <a:avLst/>
+          </a:prstGeom>
+          <a:ln w="12700">
+            <a:solidFill>
+              <a:srgbClr val="7030A0"/>
+            </a:solidFill>
+            <a:prstDash val="lgDashDot"/>
+          </a:ln>
+        </p:spPr>
+        <p:style>
+          <a:lnRef idx="1">
+            <a:schemeClr val="accent1"/>
+          </a:lnRef>
+          <a:fillRef idx="0">
+            <a:schemeClr val="accent1"/>
+          </a:fillRef>
+          <a:effectRef idx="0">
+            <a:schemeClr val="accent1"/>
+          </a:effectRef>
+          <a:fontRef idx="minor">
+            <a:schemeClr val="tx1"/>
+          </a:fontRef>
+        </p:style>
+      </p:cxnSp>
+      <p:grpSp>
+        <p:nvGrpSpPr>
+          <p:cNvPr id="135" name="Groupe 134">
+            <a:extLst>
+              <a:ext uri="{FF2B5EF4-FFF2-40B4-BE49-F238E27FC236}">
+                <a16:creationId xmlns:a16="http://schemas.microsoft.com/office/drawing/2014/main" id="{F5DA5949-24CA-10D2-C0C4-F5AC5F9CA78C}"/>
+              </a:ext>
+            </a:extLst>
+          </p:cNvPr>
+          <p:cNvGrpSpPr/>
+          <p:nvPr/>
+        </p:nvGrpSpPr>
+        <p:grpSpPr>
+          <a:xfrm>
+            <a:off x="5520000" y="3583381"/>
+            <a:ext cx="1152000" cy="588367"/>
+            <a:chOff x="5520000" y="3583381"/>
+            <a:chExt cx="1152000" cy="588367"/>
+          </a:xfrm>
+        </p:grpSpPr>
+        <p:sp>
+          <p:nvSpPr>
+            <p:cNvPr id="15" name="Ellipse 14">
+              <a:extLst>
+                <a:ext uri="{FF2B5EF4-FFF2-40B4-BE49-F238E27FC236}">
+                  <a16:creationId xmlns:a16="http://schemas.microsoft.com/office/drawing/2014/main" id="{3F3B60C7-2980-28E2-90ED-2523303754DC}"/>
+                </a:ext>
+              </a:extLst>
+            </p:cNvPr>
+            <p:cNvSpPr/>
+            <p:nvPr/>
+          </p:nvSpPr>
+          <p:spPr>
+            <a:xfrm>
+              <a:off x="6080203" y="3876565"/>
+              <a:ext cx="48471" cy="48471"/>
+            </a:xfrm>
+            <a:prstGeom prst="ellipse">
+              <a:avLst/>
+            </a:prstGeom>
+            <a:solidFill>
+              <a:srgbClr val="C00000"/>
+            </a:solidFill>
+            <a:ln w="28575">
+              <a:solidFill>
+                <a:srgbClr val="C00000"/>
+              </a:solidFill>
+            </a:ln>
+          </p:spPr>
+          <p:style>
+            <a:lnRef idx="2">
+              <a:schemeClr val="accent1">
+                <a:shade val="50000"/>
+              </a:schemeClr>
+            </a:lnRef>
+            <a:fillRef idx="1">
+              <a:schemeClr val="accent1"/>
+            </a:fillRef>
+            <a:effectRef idx="0">
+              <a:schemeClr val="accent1"/>
+            </a:effectRef>
+            <a:fontRef idx="minor">
+              <a:schemeClr val="lt1"/>
+            </a:fontRef>
+          </p:style>
+          <p:txBody>
+            <a:bodyPr rtlCol="0" anchor="ctr"/>
+            <a:lstStyle/>
+            <a:p>
+              <a:pPr algn="ctr"/>
+              <a:endParaRPr lang="fr-FR" dirty="0"/>
+            </a:p>
+          </p:txBody>
+        </p:sp>
+        <mc:AlternateContent xmlns:mc="http://schemas.openxmlformats.org/markup-compatibility/2006">
+          <mc:Choice xmlns:a14="http://schemas.microsoft.com/office/drawing/2010/main" Requires="a14">
+            <p:sp>
+              <p:nvSpPr>
+                <p:cNvPr id="17" name="ZoneTexte 16">
+                  <a:extLst>
+                    <a:ext uri="{FF2B5EF4-FFF2-40B4-BE49-F238E27FC236}">
+                      <a16:creationId xmlns:a16="http://schemas.microsoft.com/office/drawing/2014/main" id="{0FDEB27B-0EA1-F9A4-E42C-572E59DD0A40}"/>
+                    </a:ext>
+                  </a:extLst>
+                </p:cNvPr>
+                <p:cNvSpPr txBox="1"/>
+                <p:nvPr/>
+              </p:nvSpPr>
+              <p:spPr>
+                <a:xfrm>
+                  <a:off x="5981368" y="3583381"/>
+                  <a:ext cx="255711" cy="276999"/>
+                </a:xfrm>
+                <a:prstGeom prst="rect">
+                  <a:avLst/>
+                </a:prstGeom>
+                <a:noFill/>
+              </p:spPr>
+              <p:txBody>
+                <a:bodyPr wrap="none" lIns="0" tIns="0" rIns="0" bIns="0" rtlCol="0">
+                  <a:spAutoFit/>
+                </a:bodyPr>
+                <a:lstStyle/>
+                <a:p>
+                  <a:pPr/>
+                  <a14:m>
+                    <m:oMathPara xmlns:m="http://schemas.openxmlformats.org/officeDocument/2006/math">
+                      <m:oMathParaPr>
+                        <m:jc m:val="centerGroup"/>
+                      </m:oMathParaPr>
+                      <m:oMath xmlns:m="http://schemas.openxmlformats.org/officeDocument/2006/math">
+                        <m:r>
+                          <a:rPr lang="fr-FR" b="0" i="1" smtClean="0">
+                            <a:latin typeface="Cambria Math" panose="02040503050406030204" pitchFamily="18" charset="0"/>
+                          </a:rPr>
+                          <m:t>𝑀</m:t>
+                        </m:r>
+                      </m:oMath>
+                    </m:oMathPara>
+                  </a14:m>
+                  <a:endParaRPr lang="fr-FR" dirty="0"/>
+                </a:p>
+              </p:txBody>
+            </p:sp>
+          </mc:Choice>
+          <mc:Fallback>
+            <p:sp>
+              <p:nvSpPr>
+                <p:cNvPr id="17" name="ZoneTexte 16">
+                  <a:extLst>
+                    <a:ext uri="{FF2B5EF4-FFF2-40B4-BE49-F238E27FC236}">
+                      <a16:creationId xmlns:a16="http://schemas.microsoft.com/office/drawing/2014/main" id="{0FDEB27B-0EA1-F9A4-E42C-572E59DD0A40}"/>
+                    </a:ext>
+                  </a:extLst>
+                </p:cNvPr>
+                <p:cNvSpPr txBox="1">
+                  <a:spLocks noRot="1" noChangeAspect="1" noMove="1" noResize="1" noEditPoints="1" noAdjustHandles="1" noChangeArrowheads="1" noChangeShapeType="1" noTextEdit="1"/>
+                </p:cNvSpPr>
+                <p:nvPr/>
+              </p:nvSpPr>
+              <p:spPr>
+                <a:xfrm>
+                  <a:off x="5981368" y="3583381"/>
+                  <a:ext cx="255711" cy="276999"/>
+                </a:xfrm>
+                <a:prstGeom prst="rect">
+                  <a:avLst/>
+                </a:prstGeom>
+                <a:blipFill>
+                  <a:blip r:embed="rId8"/>
+                  <a:stretch>
+                    <a:fillRect l="-21429" r="-19048" b="-6667"/>
+                  </a:stretch>
+                </a:blipFill>
+              </p:spPr>
+              <p:txBody>
+                <a:bodyPr/>
+                <a:lstStyle/>
+                <a:p>
+                  <a:r>
+                    <a:rPr lang="fr-FR">
+                      <a:noFill/>
+                    </a:rPr>
+                    <a:t> </a:t>
+                  </a:r>
+                </a:p>
+              </p:txBody>
+            </p:sp>
+          </mc:Fallback>
+        </mc:AlternateContent>
+        <p:grpSp>
+          <p:nvGrpSpPr>
+            <p:cNvPr id="23" name="Groupe 22">
+              <a:extLst>
+                <a:ext uri="{FF2B5EF4-FFF2-40B4-BE49-F238E27FC236}">
+                  <a16:creationId xmlns:a16="http://schemas.microsoft.com/office/drawing/2014/main" id="{3A8B383D-B25C-18A3-CA65-60A4108A4B7C}"/>
+                </a:ext>
+              </a:extLst>
+            </p:cNvPr>
+            <p:cNvGrpSpPr/>
+            <p:nvPr/>
+          </p:nvGrpSpPr>
+          <p:grpSpPr>
+            <a:xfrm>
+              <a:off x="5520000" y="3595748"/>
+              <a:ext cx="1152000" cy="576000"/>
+              <a:chOff x="4651128" y="2719448"/>
+              <a:chExt cx="1152000" cy="576000"/>
+            </a:xfrm>
+          </p:grpSpPr>
+          <p:sp>
+            <p:nvSpPr>
+              <p:cNvPr id="25" name="Ellipse 24">
+                <a:extLst>
+                  <a:ext uri="{FF2B5EF4-FFF2-40B4-BE49-F238E27FC236}">
+                    <a16:creationId xmlns:a16="http://schemas.microsoft.com/office/drawing/2014/main" id="{2A7CAF19-D136-E3EB-B128-1976360E676E}"/>
+                  </a:ext>
+                </a:extLst>
+              </p:cNvPr>
+              <p:cNvSpPr/>
+              <p:nvPr/>
+            </p:nvSpPr>
+            <p:spPr>
+              <a:xfrm>
+                <a:off x="4692650" y="2774949"/>
+                <a:ext cx="180000" cy="180000"/>
+              </a:xfrm>
+              <a:prstGeom prst="ellipse">
+                <a:avLst/>
+              </a:prstGeom>
+              <a:noFill/>
+              <a:ln w="19050">
+                <a:solidFill>
+                  <a:srgbClr val="C00000"/>
+                </a:solidFill>
+              </a:ln>
+            </p:spPr>
+            <p:style>
+              <a:lnRef idx="2">
+                <a:schemeClr val="accent1">
+                  <a:shade val="50000"/>
+                </a:schemeClr>
+              </a:lnRef>
+              <a:fillRef idx="1">
+                <a:schemeClr val="accent1"/>
+              </a:fillRef>
+              <a:effectRef idx="0">
+                <a:schemeClr val="accent1"/>
+              </a:effectRef>
+              <a:fontRef idx="minor">
+                <a:schemeClr val="lt1"/>
+              </a:fontRef>
+            </p:style>
+            <p:txBody>
+              <a:bodyPr rtlCol="0" anchor="ctr"/>
+              <a:lstStyle/>
+              <a:p>
+                <a:pPr algn="ctr"/>
+                <a:endParaRPr lang="fr-FR" dirty="0"/>
+              </a:p>
+            </p:txBody>
+          </p:sp>
+          <p:sp>
+            <p:nvSpPr>
+              <p:cNvPr id="27" name="Ellipse 26">
+                <a:extLst>
+                  <a:ext uri="{FF2B5EF4-FFF2-40B4-BE49-F238E27FC236}">
+                    <a16:creationId xmlns:a16="http://schemas.microsoft.com/office/drawing/2014/main" id="{DE651A72-632B-FA7D-DEA7-6B583C749B50}"/>
+                  </a:ext>
+                </a:extLst>
+              </p:cNvPr>
+              <p:cNvSpPr/>
+              <p:nvPr/>
+            </p:nvSpPr>
+            <p:spPr>
+              <a:xfrm>
+                <a:off x="4692650" y="3060598"/>
+                <a:ext cx="180000" cy="180000"/>
+              </a:xfrm>
+              <a:prstGeom prst="ellipse">
+                <a:avLst/>
+              </a:prstGeom>
+              <a:noFill/>
+              <a:ln w="19050">
+                <a:solidFill>
+                  <a:srgbClr val="C00000"/>
+                </a:solidFill>
+              </a:ln>
+            </p:spPr>
+            <p:style>
+              <a:lnRef idx="2">
+                <a:schemeClr val="accent1">
+                  <a:shade val="50000"/>
+                </a:schemeClr>
+              </a:lnRef>
+              <a:fillRef idx="1">
+                <a:schemeClr val="accent1"/>
+              </a:fillRef>
+              <a:effectRef idx="0">
+                <a:schemeClr val="accent1"/>
+              </a:effectRef>
+              <a:fontRef idx="minor">
+                <a:schemeClr val="lt1"/>
+              </a:fontRef>
+            </p:style>
+            <p:txBody>
+              <a:bodyPr rtlCol="0" anchor="ctr"/>
+              <a:lstStyle/>
+              <a:p>
+                <a:pPr algn="ctr"/>
+                <a:endParaRPr lang="fr-FR"/>
+              </a:p>
+            </p:txBody>
+          </p:sp>
+          <p:sp>
+            <p:nvSpPr>
+              <p:cNvPr id="28" name="Ellipse 27">
+                <a:extLst>
+                  <a:ext uri="{FF2B5EF4-FFF2-40B4-BE49-F238E27FC236}">
+                    <a16:creationId xmlns:a16="http://schemas.microsoft.com/office/drawing/2014/main" id="{8EDC8C70-BD10-0A61-293E-B8A8B25623B7}"/>
+                  </a:ext>
+                </a:extLst>
+              </p:cNvPr>
+              <p:cNvSpPr/>
+              <p:nvPr/>
+            </p:nvSpPr>
+            <p:spPr>
+              <a:xfrm>
+                <a:off x="5584825" y="3060598"/>
+                <a:ext cx="180000" cy="180000"/>
+              </a:xfrm>
+              <a:prstGeom prst="ellipse">
+                <a:avLst/>
+              </a:prstGeom>
+              <a:noFill/>
+              <a:ln w="19050">
+                <a:solidFill>
+                  <a:srgbClr val="C00000"/>
+                </a:solidFill>
+              </a:ln>
+            </p:spPr>
+            <p:style>
+              <a:lnRef idx="2">
+                <a:schemeClr val="accent1">
+                  <a:shade val="50000"/>
+                </a:schemeClr>
+              </a:lnRef>
+              <a:fillRef idx="1">
+                <a:schemeClr val="accent1"/>
+              </a:fillRef>
+              <a:effectRef idx="0">
+                <a:schemeClr val="accent1"/>
+              </a:effectRef>
+              <a:fontRef idx="minor">
+                <a:schemeClr val="lt1"/>
+              </a:fontRef>
+            </p:style>
+            <p:txBody>
+              <a:bodyPr rtlCol="0" anchor="ctr"/>
+              <a:lstStyle/>
+              <a:p>
+                <a:pPr algn="ctr"/>
+                <a:endParaRPr lang="fr-FR"/>
+              </a:p>
+            </p:txBody>
+          </p:sp>
+          <p:sp>
+            <p:nvSpPr>
+              <p:cNvPr id="26" name="Ellipse 25">
+                <a:extLst>
+                  <a:ext uri="{FF2B5EF4-FFF2-40B4-BE49-F238E27FC236}">
+                    <a16:creationId xmlns:a16="http://schemas.microsoft.com/office/drawing/2014/main" id="{18F0A231-8A8D-A077-D185-C9A050A69336}"/>
+                  </a:ext>
+                </a:extLst>
+              </p:cNvPr>
+              <p:cNvSpPr/>
+              <p:nvPr/>
+            </p:nvSpPr>
+            <p:spPr>
+              <a:xfrm>
+                <a:off x="5584825" y="2774949"/>
+                <a:ext cx="180000" cy="180000"/>
+              </a:xfrm>
+              <a:prstGeom prst="ellipse">
+                <a:avLst/>
+              </a:prstGeom>
+              <a:solidFill>
+                <a:schemeClr val="bg1"/>
+              </a:solidFill>
+              <a:ln w="19050">
+                <a:solidFill>
+                  <a:srgbClr val="C00000"/>
+                </a:solidFill>
+              </a:ln>
+            </p:spPr>
+            <p:style>
+              <a:lnRef idx="2">
+                <a:schemeClr val="accent1">
+                  <a:shade val="50000"/>
+                </a:schemeClr>
+              </a:lnRef>
+              <a:fillRef idx="1">
+                <a:schemeClr val="accent1"/>
+              </a:fillRef>
+              <a:effectRef idx="0">
+                <a:schemeClr val="accent1"/>
+              </a:effectRef>
+              <a:fontRef idx="minor">
+                <a:schemeClr val="lt1"/>
+              </a:fontRef>
+            </p:style>
+            <p:txBody>
+              <a:bodyPr rtlCol="0" anchor="ctr"/>
+              <a:lstStyle/>
+              <a:p>
+                <a:pPr algn="ctr"/>
+                <a:endParaRPr lang="fr-FR"/>
+              </a:p>
+            </p:txBody>
+          </p:sp>
+          <p:sp>
+            <p:nvSpPr>
+              <p:cNvPr id="24" name="Rectangle : coins arrondis 23">
+                <a:extLst>
+                  <a:ext uri="{FF2B5EF4-FFF2-40B4-BE49-F238E27FC236}">
+                    <a16:creationId xmlns:a16="http://schemas.microsoft.com/office/drawing/2014/main" id="{961545F6-6971-4914-B7D2-52480ECB0764}"/>
+                  </a:ext>
+                </a:extLst>
+              </p:cNvPr>
+              <p:cNvSpPr/>
+              <p:nvPr/>
+            </p:nvSpPr>
+            <p:spPr>
+              <a:xfrm>
+                <a:off x="4651128" y="2719448"/>
+                <a:ext cx="1152000" cy="576000"/>
+              </a:xfrm>
+              <a:prstGeom prst="roundRect">
+                <a:avLst/>
+              </a:prstGeom>
+              <a:noFill/>
+              <a:ln w="19050">
+                <a:solidFill>
+                  <a:srgbClr val="C00000"/>
+                </a:solidFill>
+              </a:ln>
+            </p:spPr>
+            <p:style>
+              <a:lnRef idx="2">
+                <a:schemeClr val="accent1">
+                  <a:shade val="50000"/>
+                </a:schemeClr>
+              </a:lnRef>
+              <a:fillRef idx="1">
+                <a:schemeClr val="accent1"/>
+              </a:fillRef>
+              <a:effectRef idx="0">
+                <a:schemeClr val="accent1"/>
+              </a:effectRef>
+              <a:fontRef idx="minor">
+                <a:schemeClr val="lt1"/>
+              </a:fontRef>
+            </p:style>
+            <p:txBody>
+              <a:bodyPr rtlCol="0" anchor="ctr"/>
+              <a:lstStyle/>
+              <a:p>
+                <a:pPr algn="ctr"/>
+                <a:endParaRPr lang="fr-FR" dirty="0"/>
+              </a:p>
+            </p:txBody>
+          </p:sp>
+        </p:grpSp>
+      </p:grpSp>
+      <p:cxnSp>
+        <p:nvCxnSpPr>
+          <p:cNvPr id="94" name="Connecteur droit 93">
+            <a:extLst>
+              <a:ext uri="{FF2B5EF4-FFF2-40B4-BE49-F238E27FC236}">
+                <a16:creationId xmlns:a16="http://schemas.microsoft.com/office/drawing/2014/main" id="{53DDFC87-C37E-34E5-1965-77F34F060D26}"/>
+              </a:ext>
+            </a:extLst>
+          </p:cNvPr>
+          <p:cNvCxnSpPr>
+            <a:cxnSpLocks/>
+            <a:stCxn id="29" idx="1"/>
+            <a:endCxn id="18" idx="1"/>
+          </p:cNvCxnSpPr>
+          <p:nvPr/>
+        </p:nvCxnSpPr>
+        <p:spPr>
+          <a:xfrm flipH="1" flipV="1">
+            <a:off x="9387895" y="492450"/>
+            <a:ext cx="127279" cy="127279"/>
+          </a:xfrm>
+          <a:prstGeom prst="line">
+            <a:avLst/>
+          </a:prstGeom>
+          <a:ln w="19050">
+            <a:solidFill>
+              <a:srgbClr val="7030A0"/>
+            </a:solidFill>
+          </a:ln>
+        </p:spPr>
+        <p:style>
+          <a:lnRef idx="1">
+            <a:schemeClr val="accent1"/>
+          </a:lnRef>
+          <a:fillRef idx="0">
+            <a:schemeClr val="accent1"/>
+          </a:fillRef>
+          <a:effectRef idx="0">
+            <a:schemeClr val="accent1"/>
+          </a:effectRef>
+          <a:fontRef idx="minor">
+            <a:schemeClr val="tx1"/>
+          </a:fontRef>
+        </p:style>
+      </p:cxnSp>
+      <p:cxnSp>
+        <p:nvCxnSpPr>
+          <p:cNvPr id="136" name="Connecteur droit 135">
+            <a:extLst>
+              <a:ext uri="{FF2B5EF4-FFF2-40B4-BE49-F238E27FC236}">
+                <a16:creationId xmlns:a16="http://schemas.microsoft.com/office/drawing/2014/main" id="{711B7768-86E5-DDB4-F901-F56D354B2F18}"/>
+              </a:ext>
+            </a:extLst>
+          </p:cNvPr>
+          <p:cNvCxnSpPr>
+            <a:cxnSpLocks/>
+          </p:cNvCxnSpPr>
+          <p:nvPr/>
+        </p:nvCxnSpPr>
+        <p:spPr>
+          <a:xfrm flipV="1">
+            <a:off x="7811001" y="1744263"/>
+            <a:ext cx="714519" cy="719567"/>
+          </a:xfrm>
+          <a:prstGeom prst="line">
+            <a:avLst/>
+          </a:prstGeom>
+          <a:ln w="28575">
+            <a:solidFill>
+              <a:srgbClr val="7030A0"/>
+            </a:solidFill>
+            <a:prstDash val="solid"/>
+            <a:headEnd type="none" w="med" len="lg"/>
+            <a:tailEnd type="stealth" w="med" len="lg"/>
+          </a:ln>
+        </p:spPr>
+        <p:style>
+          <a:lnRef idx="1">
+            <a:schemeClr val="accent1"/>
+          </a:lnRef>
+          <a:fillRef idx="0">
+            <a:schemeClr val="accent1"/>
+          </a:fillRef>
+          <a:effectRef idx="0">
+            <a:schemeClr val="accent1"/>
+          </a:effectRef>
+          <a:fontRef idx="minor">
+            <a:schemeClr val="tx1"/>
+          </a:fontRef>
+        </p:style>
+      </p:cxnSp>
+      <mc:AlternateContent xmlns:mc="http://schemas.openxmlformats.org/markup-compatibility/2006">
+        <mc:Choice xmlns:a14="http://schemas.microsoft.com/office/drawing/2010/main" Requires="a14">
+          <p:sp>
+            <p:nvSpPr>
+              <p:cNvPr id="140" name="ZoneTexte 139">
+                <a:extLst>
+                  <a:ext uri="{FF2B5EF4-FFF2-40B4-BE49-F238E27FC236}">
+                    <a16:creationId xmlns:a16="http://schemas.microsoft.com/office/drawing/2014/main" id="{DED22886-AFF0-F112-A752-615728452656}"/>
+                  </a:ext>
+                </a:extLst>
+              </p:cNvPr>
+              <p:cNvSpPr txBox="1"/>
+              <p:nvPr/>
+            </p:nvSpPr>
+            <p:spPr>
+              <a:xfrm>
+                <a:off x="8252116" y="2118992"/>
+                <a:ext cx="446468" cy="276999"/>
+              </a:xfrm>
+              <a:prstGeom prst="rect">
+                <a:avLst/>
+              </a:prstGeom>
+              <a:noFill/>
+            </p:spPr>
+            <p:txBody>
+              <a:bodyPr wrap="none" lIns="0" tIns="0" rIns="0" bIns="0" rtlCol="0">
+                <a:spAutoFit/>
+              </a:bodyPr>
+              <a:lstStyle/>
+              <a:p>
+                <a:pPr/>
+                <a14:m>
+                  <m:oMathPara xmlns:m="http://schemas.openxmlformats.org/officeDocument/2006/math">
+                    <m:oMathParaPr>
+                      <m:jc m:val="centerGroup"/>
+                    </m:oMathParaPr>
+                    <m:oMath xmlns:m="http://schemas.openxmlformats.org/officeDocument/2006/math">
+                      <m:acc>
+                        <m:accPr>
+                          <m:chr m:val="⃗"/>
+                          <m:ctrlPr>
+                            <a:rPr lang="fr-FR" b="0" i="1" smtClean="0">
+                              <a:latin typeface="Cambria Math" panose="02040503050406030204" pitchFamily="18" charset="0"/>
+                            </a:rPr>
+                          </m:ctrlPr>
+                        </m:accPr>
+                        <m:e>
+                          <m:sSub>
+                            <m:sSubPr>
+                              <m:ctrlPr>
+                                <a:rPr lang="fr-FR" b="0" i="1" smtClean="0">
+                                  <a:latin typeface="Cambria Math" panose="02040503050406030204" pitchFamily="18" charset="0"/>
+                                </a:rPr>
+                              </m:ctrlPr>
+                            </m:sSubPr>
+                            <m:e>
+                              <m:r>
+                                <a:rPr lang="fr-FR" b="0" i="1" smtClean="0">
+                                  <a:latin typeface="Cambria Math" panose="02040503050406030204" pitchFamily="18" charset="0"/>
+                                </a:rPr>
+                                <m:t>𝑢</m:t>
+                              </m:r>
+                            </m:e>
+                            <m:sub>
+                              <m:r>
+                                <a:rPr lang="fr-FR" b="0" i="1" smtClean="0">
+                                  <a:latin typeface="Cambria Math" panose="02040503050406030204" pitchFamily="18" charset="0"/>
+                                </a:rPr>
+                                <m:t>𝐻𝐷</m:t>
+                              </m:r>
+                            </m:sub>
+                          </m:sSub>
+                        </m:e>
+                      </m:acc>
+                    </m:oMath>
+                  </m:oMathPara>
+                </a14:m>
+                <a:endParaRPr lang="fr-FR" dirty="0"/>
+              </a:p>
+            </p:txBody>
+          </p:sp>
+        </mc:Choice>
+        <mc:Fallback>
+          <p:sp>
+            <p:nvSpPr>
+              <p:cNvPr id="140" name="ZoneTexte 139">
+                <a:extLst>
+                  <a:ext uri="{FF2B5EF4-FFF2-40B4-BE49-F238E27FC236}">
+                    <a16:creationId xmlns:a16="http://schemas.microsoft.com/office/drawing/2014/main" id="{DED22886-AFF0-F112-A752-615728452656}"/>
+                  </a:ext>
+                </a:extLst>
+              </p:cNvPr>
+              <p:cNvSpPr txBox="1">
+                <a:spLocks noRot="1" noChangeAspect="1" noMove="1" noResize="1" noEditPoints="1" noAdjustHandles="1" noChangeArrowheads="1" noChangeShapeType="1" noTextEdit="1"/>
+              </p:cNvSpPr>
+              <p:nvPr/>
+            </p:nvSpPr>
+            <p:spPr>
+              <a:xfrm>
+                <a:off x="8252116" y="2118992"/>
+                <a:ext cx="446468" cy="276999"/>
+              </a:xfrm>
+              <a:prstGeom prst="rect">
+                <a:avLst/>
+              </a:prstGeom>
+              <a:blipFill>
+                <a:blip r:embed="rId9"/>
+                <a:stretch>
+                  <a:fillRect l="-6849" r="-4110" b="-15556"/>
+                </a:stretch>
+              </a:blipFill>
+            </p:spPr>
+            <p:txBody>
+              <a:bodyPr/>
+              <a:lstStyle/>
+              <a:p>
+                <a:r>
+                  <a:rPr lang="fr-FR">
+                    <a:noFill/>
+                  </a:rPr>
+                  <a:t> </a:t>
+                </a:r>
+              </a:p>
+            </p:txBody>
+          </p:sp>
+        </mc:Fallback>
+      </mc:AlternateContent>
     </p:spTree>
     <p:extLst>
       <p:ext uri="{BB962C8B-B14F-4D97-AF65-F5344CB8AC3E}">
         <p14:creationId xmlns:p14="http://schemas.microsoft.com/office/powerpoint/2010/main" val="2238138268"/>
+      </p:ext>
+    </p:extLst>
+  </p:cSld>
+  <p:clrMapOvr>
+    <a:masterClrMapping/>
+  </p:clrMapOvr>
+</p:sld>
+</file>
+
+<file path=ppt/slides/slide6.xml><?xml version="1.0" encoding="utf-8"?>
+<p:sld xmlns:a="http://schemas.openxmlformats.org/drawingml/2006/main" xmlns:r="http://schemas.openxmlformats.org/officeDocument/2006/relationships" xmlns:p="http://schemas.openxmlformats.org/presentationml/2006/main">
+  <p:cSld>
+    <p:spTree>
+      <p:nvGrpSpPr>
+        <p:cNvPr id="1" name=""/>
+        <p:cNvGrpSpPr/>
+        <p:nvPr/>
+      </p:nvGrpSpPr>
+      <p:grpSpPr>
+        <a:xfrm>
+          <a:off x="0" y="0"/>
+          <a:ext cx="0" cy="0"/>
+          <a:chOff x="0" y="0"/>
+          <a:chExt cx="0" cy="0"/>
+        </a:xfrm>
+      </p:grpSpPr>
+      <p:grpSp>
+        <p:nvGrpSpPr>
+          <p:cNvPr id="38" name="Groupe 37">
+            <a:extLst>
+              <a:ext uri="{FF2B5EF4-FFF2-40B4-BE49-F238E27FC236}">
+                <a16:creationId xmlns:a16="http://schemas.microsoft.com/office/drawing/2014/main" id="{E126C137-CE8B-F475-CC68-B5B1767E040D}"/>
+              </a:ext>
+            </a:extLst>
+          </p:cNvPr>
+          <p:cNvGrpSpPr/>
+          <p:nvPr/>
+        </p:nvGrpSpPr>
+        <p:grpSpPr>
+          <a:xfrm>
+            <a:off x="633908" y="1721608"/>
+            <a:ext cx="5870867" cy="2859959"/>
+            <a:chOff x="625441" y="1721608"/>
+            <a:chExt cx="5870867" cy="2859959"/>
+          </a:xfrm>
+        </p:grpSpPr>
+        <p:grpSp>
+          <p:nvGrpSpPr>
+            <p:cNvPr id="4" name="Groupe 3">
+              <a:extLst>
+                <a:ext uri="{FF2B5EF4-FFF2-40B4-BE49-F238E27FC236}">
+                  <a16:creationId xmlns:a16="http://schemas.microsoft.com/office/drawing/2014/main" id="{B811280D-8945-D756-01E0-AEE56AC24CE5}"/>
+                </a:ext>
+              </a:extLst>
+            </p:cNvPr>
+            <p:cNvGrpSpPr/>
+            <p:nvPr/>
+          </p:nvGrpSpPr>
+          <p:grpSpPr>
+            <a:xfrm>
+              <a:off x="3503285" y="1721608"/>
+              <a:ext cx="2993023" cy="2859959"/>
+              <a:chOff x="-180530" y="281011"/>
+              <a:chExt cx="2993023" cy="2859959"/>
+            </a:xfrm>
+          </p:grpSpPr>
+          <p:grpSp>
+            <p:nvGrpSpPr>
+              <p:cNvPr id="5" name="Groupe 4">
+                <a:extLst>
+                  <a:ext uri="{FF2B5EF4-FFF2-40B4-BE49-F238E27FC236}">
+                    <a16:creationId xmlns:a16="http://schemas.microsoft.com/office/drawing/2014/main" id="{33379023-A314-1DAE-32B3-BC368C7CEEAF}"/>
+                  </a:ext>
+                </a:extLst>
+              </p:cNvPr>
+              <p:cNvGrpSpPr/>
+              <p:nvPr/>
+            </p:nvGrpSpPr>
+            <p:grpSpPr>
+              <a:xfrm rot="20700000">
+                <a:off x="780713" y="386845"/>
+                <a:ext cx="1440160" cy="1440160"/>
+                <a:chOff x="971600" y="548680"/>
+                <a:chExt cx="1440160" cy="1440160"/>
+              </a:xfrm>
+            </p:grpSpPr>
+            <p:cxnSp>
+              <p:nvCxnSpPr>
+                <p:cNvPr id="19" name="Connecteur droit 18">
+                  <a:extLst>
+                    <a:ext uri="{FF2B5EF4-FFF2-40B4-BE49-F238E27FC236}">
+                      <a16:creationId xmlns:a16="http://schemas.microsoft.com/office/drawing/2014/main" id="{9112E6CB-F200-F31F-4666-85A9A99D54BB}"/>
+                    </a:ext>
+                  </a:extLst>
+                </p:cNvPr>
+                <p:cNvCxnSpPr/>
+                <p:nvPr/>
+              </p:nvCxnSpPr>
+              <p:spPr>
+                <a:xfrm flipV="1">
+                  <a:off x="971600" y="548680"/>
+                  <a:ext cx="0" cy="1440160"/>
+                </a:xfrm>
+                <a:prstGeom prst="line">
+                  <a:avLst/>
+                </a:prstGeom>
+                <a:ln w="19050">
+                  <a:solidFill>
+                    <a:srgbClr val="7030A0"/>
+                  </a:solidFill>
+                  <a:tailEnd type="stealth" w="med" len="lg"/>
+                </a:ln>
+              </p:spPr>
+              <p:style>
+                <a:lnRef idx="1">
+                  <a:schemeClr val="accent1"/>
+                </a:lnRef>
+                <a:fillRef idx="0">
+                  <a:schemeClr val="accent1"/>
+                </a:fillRef>
+                <a:effectRef idx="0">
+                  <a:schemeClr val="accent1"/>
+                </a:effectRef>
+                <a:fontRef idx="minor">
+                  <a:schemeClr val="tx1"/>
+                </a:fontRef>
+              </p:style>
+            </p:cxnSp>
+            <p:cxnSp>
+              <p:nvCxnSpPr>
+                <p:cNvPr id="20" name="Connecteur droit 19">
+                  <a:extLst>
+                    <a:ext uri="{FF2B5EF4-FFF2-40B4-BE49-F238E27FC236}">
+                      <a16:creationId xmlns:a16="http://schemas.microsoft.com/office/drawing/2014/main" id="{6FAD1CED-4771-ED21-7E9C-E823FB76904D}"/>
+                    </a:ext>
+                  </a:extLst>
+                </p:cNvPr>
+                <p:cNvCxnSpPr>
+                  <a:cxnSpLocks/>
+                </p:cNvCxnSpPr>
+                <p:nvPr/>
+              </p:nvCxnSpPr>
+              <p:spPr>
+                <a:xfrm rot="5400000" flipV="1">
+                  <a:off x="1691680" y="1268760"/>
+                  <a:ext cx="0" cy="1440160"/>
+                </a:xfrm>
+                <a:prstGeom prst="line">
+                  <a:avLst/>
+                </a:prstGeom>
+                <a:ln w="19050">
+                  <a:solidFill>
+                    <a:srgbClr val="7030A0"/>
+                  </a:solidFill>
+                  <a:tailEnd type="stealth" w="med" len="lg"/>
+                </a:ln>
+              </p:spPr>
+              <p:style>
+                <a:lnRef idx="1">
+                  <a:schemeClr val="accent1"/>
+                </a:lnRef>
+                <a:fillRef idx="0">
+                  <a:schemeClr val="accent1"/>
+                </a:fillRef>
+                <a:effectRef idx="0">
+                  <a:schemeClr val="accent1"/>
+                </a:effectRef>
+                <a:fontRef idx="minor">
+                  <a:schemeClr val="tx1"/>
+                </a:fontRef>
+              </p:style>
+            </p:cxnSp>
+          </p:grpSp>
+          <p:grpSp>
+            <p:nvGrpSpPr>
+              <p:cNvPr id="6" name="Groupe 5">
+                <a:extLst>
+                  <a:ext uri="{FF2B5EF4-FFF2-40B4-BE49-F238E27FC236}">
+                    <a16:creationId xmlns:a16="http://schemas.microsoft.com/office/drawing/2014/main" id="{2F8B166C-EC3E-9DA5-9C3E-08F2EA30F4D1}"/>
+                  </a:ext>
+                </a:extLst>
+              </p:cNvPr>
+              <p:cNvGrpSpPr/>
+              <p:nvPr/>
+            </p:nvGrpSpPr>
+            <p:grpSpPr>
+              <a:xfrm>
+                <a:off x="971600" y="548680"/>
+                <a:ext cx="1440160" cy="1440160"/>
+                <a:chOff x="971600" y="548680"/>
+                <a:chExt cx="1440160" cy="1440160"/>
+              </a:xfrm>
+            </p:grpSpPr>
+            <p:cxnSp>
+              <p:nvCxnSpPr>
+                <p:cNvPr id="17" name="Connecteur droit 16">
+                  <a:extLst>
+                    <a:ext uri="{FF2B5EF4-FFF2-40B4-BE49-F238E27FC236}">
+                      <a16:creationId xmlns:a16="http://schemas.microsoft.com/office/drawing/2014/main" id="{EB42BDB2-BD18-55FA-E348-9073B903369A}"/>
+                    </a:ext>
+                  </a:extLst>
+                </p:cNvPr>
+                <p:cNvCxnSpPr/>
+                <p:nvPr/>
+              </p:nvCxnSpPr>
+              <p:spPr>
+                <a:xfrm flipV="1">
+                  <a:off x="971600" y="548680"/>
+                  <a:ext cx="0" cy="1440160"/>
+                </a:xfrm>
+                <a:prstGeom prst="line">
+                  <a:avLst/>
+                </a:prstGeom>
+                <a:ln w="19050">
+                  <a:solidFill>
+                    <a:schemeClr val="tx1"/>
+                  </a:solidFill>
+                  <a:tailEnd type="stealth" w="med" len="lg"/>
+                </a:ln>
+              </p:spPr>
+              <p:style>
+                <a:lnRef idx="1">
+                  <a:schemeClr val="accent1"/>
+                </a:lnRef>
+                <a:fillRef idx="0">
+                  <a:schemeClr val="accent1"/>
+                </a:fillRef>
+                <a:effectRef idx="0">
+                  <a:schemeClr val="accent1"/>
+                </a:effectRef>
+                <a:fontRef idx="minor">
+                  <a:schemeClr val="tx1"/>
+                </a:fontRef>
+              </p:style>
+            </p:cxnSp>
+            <p:cxnSp>
+              <p:nvCxnSpPr>
+                <p:cNvPr id="18" name="Connecteur droit 17">
+                  <a:extLst>
+                    <a:ext uri="{FF2B5EF4-FFF2-40B4-BE49-F238E27FC236}">
+                      <a16:creationId xmlns:a16="http://schemas.microsoft.com/office/drawing/2014/main" id="{67746CDB-06B7-0460-3264-8E20A3F53AB6}"/>
+                    </a:ext>
+                  </a:extLst>
+                </p:cNvPr>
+                <p:cNvCxnSpPr>
+                  <a:cxnSpLocks/>
+                </p:cNvCxnSpPr>
+                <p:nvPr/>
+              </p:nvCxnSpPr>
+              <p:spPr>
+                <a:xfrm rot="5400000" flipV="1">
+                  <a:off x="1691680" y="1268760"/>
+                  <a:ext cx="0" cy="1440160"/>
+                </a:xfrm>
+                <a:prstGeom prst="line">
+                  <a:avLst/>
+                </a:prstGeom>
+                <a:ln w="19050">
+                  <a:solidFill>
+                    <a:schemeClr val="tx1"/>
+                  </a:solidFill>
+                  <a:tailEnd type="stealth" w="med" len="lg"/>
+                </a:ln>
+              </p:spPr>
+              <p:style>
+                <a:lnRef idx="1">
+                  <a:schemeClr val="accent1"/>
+                </a:lnRef>
+                <a:fillRef idx="0">
+                  <a:schemeClr val="accent1"/>
+                </a:fillRef>
+                <a:effectRef idx="0">
+                  <a:schemeClr val="accent1"/>
+                </a:effectRef>
+                <a:fontRef idx="minor">
+                  <a:schemeClr val="tx1"/>
+                </a:fontRef>
+              </p:style>
+            </p:cxnSp>
+          </p:grpSp>
+          <p:sp>
+            <p:nvSpPr>
+              <p:cNvPr id="7" name="Ellipse 6">
+                <a:extLst>
+                  <a:ext uri="{FF2B5EF4-FFF2-40B4-BE49-F238E27FC236}">
+                    <a16:creationId xmlns:a16="http://schemas.microsoft.com/office/drawing/2014/main" id="{7C03E094-B941-6366-978A-30A988B72E80}"/>
+                  </a:ext>
+                </a:extLst>
+              </p:cNvPr>
+              <p:cNvSpPr/>
+              <p:nvPr/>
+            </p:nvSpPr>
+            <p:spPr>
+              <a:xfrm>
+                <a:off x="873610" y="1869528"/>
+                <a:ext cx="216000" cy="216000"/>
+              </a:xfrm>
+              <a:prstGeom prst="ellipse">
+                <a:avLst/>
+              </a:prstGeom>
+              <a:solidFill>
+                <a:schemeClr val="bg1"/>
+              </a:solidFill>
+              <a:ln w="19050">
+                <a:solidFill>
+                  <a:schemeClr val="tx1"/>
+                </a:solidFill>
+              </a:ln>
+            </p:spPr>
+            <p:style>
+              <a:lnRef idx="2">
+                <a:schemeClr val="accent1">
+                  <a:shade val="50000"/>
+                </a:schemeClr>
+              </a:lnRef>
+              <a:fillRef idx="1">
+                <a:schemeClr val="accent1"/>
+              </a:fillRef>
+              <a:effectRef idx="0">
+                <a:schemeClr val="accent1"/>
+              </a:effectRef>
+              <a:fontRef idx="minor">
+                <a:schemeClr val="lt1"/>
+              </a:fontRef>
+            </p:style>
+            <p:txBody>
+              <a:bodyPr rtlCol="0" anchor="ctr"/>
+              <a:lstStyle/>
+              <a:p>
+                <a:pPr algn="ctr"/>
+                <a:endParaRPr lang="fr-FR"/>
+              </a:p>
+            </p:txBody>
+          </p:sp>
+          <p:sp>
+            <p:nvSpPr>
+              <p:cNvPr id="8" name="Ellipse 7">
+                <a:extLst>
+                  <a:ext uri="{FF2B5EF4-FFF2-40B4-BE49-F238E27FC236}">
+                    <a16:creationId xmlns:a16="http://schemas.microsoft.com/office/drawing/2014/main" id="{AE4B492F-ED84-B0BE-0AEA-70D3BBD94413}"/>
+                  </a:ext>
+                </a:extLst>
+              </p:cNvPr>
+              <p:cNvSpPr/>
+              <p:nvPr/>
+            </p:nvSpPr>
+            <p:spPr>
+              <a:xfrm>
+                <a:off x="945610" y="1941528"/>
+                <a:ext cx="72000" cy="72000"/>
+              </a:xfrm>
+              <a:prstGeom prst="ellipse">
+                <a:avLst/>
+              </a:prstGeom>
+              <a:solidFill>
+                <a:schemeClr val="tx1"/>
+              </a:solidFill>
+              <a:ln w="19050">
+                <a:solidFill>
+                  <a:schemeClr val="tx1"/>
+                </a:solidFill>
+              </a:ln>
+            </p:spPr>
+            <p:style>
+              <a:lnRef idx="2">
+                <a:schemeClr val="accent1">
+                  <a:shade val="50000"/>
+                </a:schemeClr>
+              </a:lnRef>
+              <a:fillRef idx="1">
+                <a:schemeClr val="accent1"/>
+              </a:fillRef>
+              <a:effectRef idx="0">
+                <a:schemeClr val="accent1"/>
+              </a:effectRef>
+              <a:fontRef idx="minor">
+                <a:schemeClr val="lt1"/>
+              </a:fontRef>
+            </p:style>
+            <p:txBody>
+              <a:bodyPr rtlCol="0" anchor="ctr"/>
+              <a:lstStyle/>
+              <a:p>
+                <a:pPr algn="ctr"/>
+                <a:endParaRPr lang="fr-FR"/>
+              </a:p>
+            </p:txBody>
+          </p:sp>
+          <p:sp>
+            <p:nvSpPr>
+              <p:cNvPr id="9" name="Arc 8">
+                <a:extLst>
+                  <a:ext uri="{FF2B5EF4-FFF2-40B4-BE49-F238E27FC236}">
+                    <a16:creationId xmlns:a16="http://schemas.microsoft.com/office/drawing/2014/main" id="{C0036EC1-AC3E-F460-C3BB-95B046ABAF10}"/>
+                  </a:ext>
+                </a:extLst>
+              </p:cNvPr>
+              <p:cNvSpPr/>
+              <p:nvPr/>
+            </p:nvSpPr>
+            <p:spPr>
+              <a:xfrm>
+                <a:off x="-180530" y="836712"/>
+                <a:ext cx="2304258" cy="2304258"/>
+              </a:xfrm>
+              <a:prstGeom prst="arc">
+                <a:avLst>
+                  <a:gd name="adj1" fmla="val 20716967"/>
+                  <a:gd name="adj2" fmla="val 0"/>
+                </a:avLst>
+              </a:prstGeom>
+              <a:ln>
+                <a:solidFill>
+                  <a:srgbClr val="7030A0"/>
+                </a:solidFill>
+                <a:headEnd type="stealth" w="med" len="lg"/>
+              </a:ln>
+            </p:spPr>
+            <p:style>
+              <a:lnRef idx="1">
+                <a:schemeClr val="accent1"/>
+              </a:lnRef>
+              <a:fillRef idx="0">
+                <a:schemeClr val="accent1"/>
+              </a:fillRef>
+              <a:effectRef idx="0">
+                <a:schemeClr val="accent1"/>
+              </a:effectRef>
+              <a:fontRef idx="minor">
+                <a:schemeClr val="tx1"/>
+              </a:fontRef>
+            </p:style>
+            <p:txBody>
+              <a:bodyPr rtlCol="0" anchor="ctr"/>
+              <a:lstStyle/>
+              <a:p>
+                <a:pPr algn="ctr"/>
+                <a:endParaRPr lang="fr-FR"/>
+              </a:p>
+            </p:txBody>
+          </p:sp>
+          <mc:AlternateContent xmlns:mc="http://schemas.openxmlformats.org/markup-compatibility/2006">
+            <mc:Choice xmlns:a14="http://schemas.microsoft.com/office/drawing/2010/main" Requires="a14">
+              <p:sp>
+                <p:nvSpPr>
+                  <p:cNvPr id="10" name="ZoneTexte 9">
+                    <a:extLst>
+                      <a:ext uri="{FF2B5EF4-FFF2-40B4-BE49-F238E27FC236}">
+                        <a16:creationId xmlns:a16="http://schemas.microsoft.com/office/drawing/2014/main" id="{59F34FB8-E791-ABC3-190C-A69F2B4C1D29}"/>
+                      </a:ext>
+                    </a:extLst>
+                  </p:cNvPr>
+                  <p:cNvSpPr txBox="1"/>
+                  <p:nvPr/>
+                </p:nvSpPr>
+                <p:spPr>
+                  <a:xfrm>
+                    <a:off x="2425954" y="1865728"/>
+                    <a:ext cx="161711" cy="246221"/>
+                  </a:xfrm>
+                  <a:prstGeom prst="rect">
+                    <a:avLst/>
+                  </a:prstGeom>
+                  <a:noFill/>
+                </p:spPr>
+                <p:txBody>
+                  <a:bodyPr wrap="none" lIns="0" tIns="0" rIns="0" bIns="0" rtlCol="0">
+                    <a:spAutoFit/>
+                  </a:bodyPr>
+                  <a:lstStyle/>
+                  <a:p>
+                    <a:pPr/>
+                    <a14:m>
+                      <m:oMathPara xmlns:m="http://schemas.openxmlformats.org/officeDocument/2006/math">
+                        <m:oMathParaPr>
+                          <m:jc m:val="centerGroup"/>
+                        </m:oMathParaPr>
+                        <m:oMath xmlns:m="http://schemas.openxmlformats.org/officeDocument/2006/math">
+                          <m:acc>
+                            <m:accPr>
+                              <m:chr m:val="⃗"/>
+                              <m:ctrlPr>
+                                <a:rPr lang="fr-FR" sz="1600" i="1" smtClean="0">
+                                  <a:latin typeface="Cambria Math" panose="02040503050406030204" pitchFamily="18" charset="0"/>
+                                </a:rPr>
+                              </m:ctrlPr>
+                            </m:accPr>
+                            <m:e>
+                              <m:r>
+                                <a:rPr lang="fr-FR" sz="1600" b="0" i="1" smtClean="0">
+                                  <a:latin typeface="Cambria Math" panose="02040503050406030204" pitchFamily="18" charset="0"/>
+                                </a:rPr>
+                                <m:t>𝑥</m:t>
+                              </m:r>
+                            </m:e>
+                          </m:acc>
+                        </m:oMath>
+                      </m:oMathPara>
+                    </a14:m>
+                    <a:endParaRPr lang="fr-FR" sz="1600" dirty="0"/>
+                  </a:p>
+                </p:txBody>
+              </p:sp>
+            </mc:Choice>
+            <mc:Fallback>
+              <p:sp>
+                <p:nvSpPr>
+                  <p:cNvPr id="10" name="ZoneTexte 9">
+                    <a:extLst>
+                      <a:ext uri="{FF2B5EF4-FFF2-40B4-BE49-F238E27FC236}">
+                        <a16:creationId xmlns:a16="http://schemas.microsoft.com/office/drawing/2014/main" id="{59F34FB8-E791-ABC3-190C-A69F2B4C1D29}"/>
+                      </a:ext>
+                    </a:extLst>
+                  </p:cNvPr>
+                  <p:cNvSpPr txBox="1">
+                    <a:spLocks noRot="1" noChangeAspect="1" noMove="1" noResize="1" noEditPoints="1" noAdjustHandles="1" noChangeArrowheads="1" noChangeShapeType="1" noTextEdit="1"/>
+                  </p:cNvSpPr>
+                  <p:nvPr/>
+                </p:nvSpPr>
+                <p:spPr>
+                  <a:xfrm>
+                    <a:off x="2425954" y="1865728"/>
+                    <a:ext cx="161711" cy="246221"/>
+                  </a:xfrm>
+                  <a:prstGeom prst="rect">
+                    <a:avLst/>
+                  </a:prstGeom>
+                  <a:blipFill>
+                    <a:blip r:embed="rId2"/>
+                    <a:stretch>
+                      <a:fillRect l="-26923" t="-36585" r="-100000" b="-2439"/>
+                    </a:stretch>
+                  </a:blipFill>
+                </p:spPr>
+                <p:txBody>
+                  <a:bodyPr/>
+                  <a:lstStyle/>
+                  <a:p>
+                    <a:r>
+                      <a:rPr lang="fr-FR">
+                        <a:noFill/>
+                      </a:rPr>
+                      <a:t> </a:t>
+                    </a:r>
+                  </a:p>
+                </p:txBody>
+              </p:sp>
+            </mc:Fallback>
+          </mc:AlternateContent>
+          <mc:AlternateContent xmlns:mc="http://schemas.openxmlformats.org/markup-compatibility/2006">
+            <mc:Choice xmlns:a14="http://schemas.microsoft.com/office/drawing/2010/main" Requires="a14">
+              <p:sp>
+                <p:nvSpPr>
+                  <p:cNvPr id="11" name="ZoneTexte 10">
+                    <a:extLst>
+                      <a:ext uri="{FF2B5EF4-FFF2-40B4-BE49-F238E27FC236}">
+                        <a16:creationId xmlns:a16="http://schemas.microsoft.com/office/drawing/2014/main" id="{8BBE66A5-E35C-1B4B-D795-F0617DF560C6}"/>
+                      </a:ext>
+                    </a:extLst>
+                  </p:cNvPr>
+                  <p:cNvSpPr txBox="1"/>
+                  <p:nvPr/>
+                </p:nvSpPr>
+                <p:spPr>
+                  <a:xfrm>
+                    <a:off x="890538" y="281011"/>
+                    <a:ext cx="165430" cy="246221"/>
+                  </a:xfrm>
+                  <a:prstGeom prst="rect">
+                    <a:avLst/>
+                  </a:prstGeom>
+                  <a:noFill/>
+                </p:spPr>
+                <p:txBody>
+                  <a:bodyPr wrap="none" lIns="0" tIns="0" rIns="0" bIns="0" rtlCol="0">
+                    <a:spAutoFit/>
+                  </a:bodyPr>
+                  <a:lstStyle/>
+                  <a:p>
+                    <a:pPr/>
+                    <a14:m>
+                      <m:oMathPara xmlns:m="http://schemas.openxmlformats.org/officeDocument/2006/math">
+                        <m:oMathParaPr>
+                          <m:jc m:val="centerGroup"/>
+                        </m:oMathParaPr>
+                        <m:oMath xmlns:m="http://schemas.openxmlformats.org/officeDocument/2006/math">
+                          <m:acc>
+                            <m:accPr>
+                              <m:chr m:val="⃗"/>
+                              <m:ctrlPr>
+                                <a:rPr lang="fr-FR" sz="1600" i="1" smtClean="0">
+                                  <a:latin typeface="Cambria Math" panose="02040503050406030204" pitchFamily="18" charset="0"/>
+                                </a:rPr>
+                              </m:ctrlPr>
+                            </m:accPr>
+                            <m:e>
+                              <m:r>
+                                <a:rPr lang="fr-FR" sz="1600" b="0" i="1" smtClean="0">
+                                  <a:latin typeface="Cambria Math" panose="02040503050406030204" pitchFamily="18" charset="0"/>
+                                </a:rPr>
+                                <m:t>𝑦</m:t>
+                              </m:r>
+                            </m:e>
+                          </m:acc>
+                        </m:oMath>
+                      </m:oMathPara>
+                    </a14:m>
+                    <a:endParaRPr lang="fr-FR" sz="1600" dirty="0"/>
+                  </a:p>
+                </p:txBody>
+              </p:sp>
+            </mc:Choice>
+            <mc:Fallback>
+              <p:sp>
+                <p:nvSpPr>
+                  <p:cNvPr id="11" name="ZoneTexte 10">
+                    <a:extLst>
+                      <a:ext uri="{FF2B5EF4-FFF2-40B4-BE49-F238E27FC236}">
+                        <a16:creationId xmlns:a16="http://schemas.microsoft.com/office/drawing/2014/main" id="{8BBE66A5-E35C-1B4B-D795-F0617DF560C6}"/>
+                      </a:ext>
+                    </a:extLst>
+                  </p:cNvPr>
+                  <p:cNvSpPr txBox="1">
+                    <a:spLocks noRot="1" noChangeAspect="1" noMove="1" noResize="1" noEditPoints="1" noAdjustHandles="1" noChangeArrowheads="1" noChangeShapeType="1" noTextEdit="1"/>
+                  </p:cNvSpPr>
+                  <p:nvPr/>
+                </p:nvSpPr>
+                <p:spPr>
+                  <a:xfrm>
+                    <a:off x="890538" y="281011"/>
+                    <a:ext cx="165430" cy="246221"/>
+                  </a:xfrm>
+                  <a:prstGeom prst="rect">
+                    <a:avLst/>
+                  </a:prstGeom>
+                  <a:blipFill>
+                    <a:blip r:embed="rId3"/>
+                    <a:stretch>
+                      <a:fillRect l="-29630" t="-36585" r="-96296" b="-21951"/>
+                    </a:stretch>
+                  </a:blipFill>
+                </p:spPr>
+                <p:txBody>
+                  <a:bodyPr/>
+                  <a:lstStyle/>
+                  <a:p>
+                    <a:r>
+                      <a:rPr lang="fr-FR">
+                        <a:noFill/>
+                      </a:rPr>
+                      <a:t> </a:t>
+                    </a:r>
+                  </a:p>
+                </p:txBody>
+              </p:sp>
+            </mc:Fallback>
+          </mc:AlternateContent>
+          <mc:AlternateContent xmlns:mc="http://schemas.openxmlformats.org/markup-compatibility/2006">
+            <mc:Choice xmlns:a14="http://schemas.microsoft.com/office/drawing/2010/main" Requires="a14">
+              <p:sp>
+                <p:nvSpPr>
+                  <p:cNvPr id="12" name="ZoneTexte 11">
+                    <a:extLst>
+                      <a:ext uri="{FF2B5EF4-FFF2-40B4-BE49-F238E27FC236}">
+                        <a16:creationId xmlns:a16="http://schemas.microsoft.com/office/drawing/2014/main" id="{B38ADBDA-555D-D5CA-DFB6-72277CFAAE9E}"/>
+                      </a:ext>
+                    </a:extLst>
+                  </p:cNvPr>
+                  <p:cNvSpPr txBox="1"/>
+                  <p:nvPr/>
+                </p:nvSpPr>
+                <p:spPr>
+                  <a:xfrm>
+                    <a:off x="890538" y="2131415"/>
+                    <a:ext cx="149400" cy="246221"/>
+                  </a:xfrm>
+                  <a:prstGeom prst="rect">
+                    <a:avLst/>
+                  </a:prstGeom>
+                  <a:noFill/>
+                </p:spPr>
+                <p:txBody>
+                  <a:bodyPr wrap="none" lIns="0" tIns="0" rIns="0" bIns="0" rtlCol="0">
+                    <a:spAutoFit/>
+                  </a:bodyPr>
+                  <a:lstStyle/>
+                  <a:p>
+                    <a:pPr/>
+                    <a14:m>
+                      <m:oMathPara xmlns:m="http://schemas.openxmlformats.org/officeDocument/2006/math">
+                        <m:oMathParaPr>
+                          <m:jc m:val="centerGroup"/>
+                        </m:oMathParaPr>
+                        <m:oMath xmlns:m="http://schemas.openxmlformats.org/officeDocument/2006/math">
+                          <m:acc>
+                            <m:accPr>
+                              <m:chr m:val="⃗"/>
+                              <m:ctrlPr>
+                                <a:rPr lang="fr-FR" sz="1600" i="1" smtClean="0">
+                                  <a:latin typeface="Cambria Math" panose="02040503050406030204" pitchFamily="18" charset="0"/>
+                                </a:rPr>
+                              </m:ctrlPr>
+                            </m:accPr>
+                            <m:e>
+                              <m:r>
+                                <a:rPr lang="fr-FR" sz="1600" b="0" i="1" smtClean="0">
+                                  <a:latin typeface="Cambria Math" panose="02040503050406030204" pitchFamily="18" charset="0"/>
+                                </a:rPr>
+                                <m:t>𝑧</m:t>
+                              </m:r>
+                            </m:e>
+                          </m:acc>
+                        </m:oMath>
+                      </m:oMathPara>
+                    </a14:m>
+                    <a:endParaRPr lang="fr-FR" sz="1600" dirty="0"/>
+                  </a:p>
+                </p:txBody>
+              </p:sp>
+            </mc:Choice>
+            <mc:Fallback>
+              <p:sp>
+                <p:nvSpPr>
+                  <p:cNvPr id="12" name="ZoneTexte 11">
+                    <a:extLst>
+                      <a:ext uri="{FF2B5EF4-FFF2-40B4-BE49-F238E27FC236}">
+                        <a16:creationId xmlns:a16="http://schemas.microsoft.com/office/drawing/2014/main" id="{B38ADBDA-555D-D5CA-DFB6-72277CFAAE9E}"/>
+                      </a:ext>
+                    </a:extLst>
+                  </p:cNvPr>
+                  <p:cNvSpPr txBox="1">
+                    <a:spLocks noRot="1" noChangeAspect="1" noMove="1" noResize="1" noEditPoints="1" noAdjustHandles="1" noChangeArrowheads="1" noChangeShapeType="1" noTextEdit="1"/>
+                  </p:cNvSpPr>
+                  <p:nvPr/>
+                </p:nvSpPr>
+                <p:spPr>
+                  <a:xfrm>
+                    <a:off x="890538" y="2131415"/>
+                    <a:ext cx="149400" cy="246221"/>
+                  </a:xfrm>
+                  <a:prstGeom prst="rect">
+                    <a:avLst/>
+                  </a:prstGeom>
+                  <a:blipFill>
+                    <a:blip r:embed="rId4"/>
+                    <a:stretch>
+                      <a:fillRect l="-29167" t="-40000" r="-108333" b="-2500"/>
+                    </a:stretch>
+                  </a:blipFill>
+                </p:spPr>
+                <p:txBody>
+                  <a:bodyPr/>
+                  <a:lstStyle/>
+                  <a:p>
+                    <a:r>
+                      <a:rPr lang="fr-FR">
+                        <a:noFill/>
+                      </a:rPr>
+                      <a:t> </a:t>
+                    </a:r>
+                  </a:p>
+                </p:txBody>
+              </p:sp>
+            </mc:Fallback>
+          </mc:AlternateContent>
+          <mc:AlternateContent xmlns:mc="http://schemas.openxmlformats.org/markup-compatibility/2006">
+            <mc:Choice xmlns:a14="http://schemas.microsoft.com/office/drawing/2010/main" Requires="a14">
+              <p:sp>
+                <p:nvSpPr>
+                  <p:cNvPr id="13" name="ZoneTexte 12">
+                    <a:extLst>
+                      <a:ext uri="{FF2B5EF4-FFF2-40B4-BE49-F238E27FC236}">
+                        <a16:creationId xmlns:a16="http://schemas.microsoft.com/office/drawing/2014/main" id="{17BA7FDD-5ECF-0266-DADF-E55684F54172}"/>
+                      </a:ext>
+                    </a:extLst>
+                  </p:cNvPr>
+                  <p:cNvSpPr txBox="1"/>
+                  <p:nvPr/>
+                </p:nvSpPr>
+                <p:spPr>
+                  <a:xfrm>
+                    <a:off x="2134392" y="1740548"/>
+                    <a:ext cx="313739" cy="184666"/>
+                  </a:xfrm>
+                  <a:prstGeom prst="rect">
+                    <a:avLst/>
+                  </a:prstGeom>
+                  <a:noFill/>
+                </p:spPr>
+                <p:txBody>
+                  <a:bodyPr wrap="none" lIns="0" tIns="0" rIns="0" bIns="0" rtlCol="0">
+                    <a:spAutoFit/>
+                  </a:bodyPr>
+                  <a:lstStyle/>
+                  <a:p>
+                    <a:pPr/>
+                    <a14:m>
+                      <m:oMathPara xmlns:m="http://schemas.openxmlformats.org/officeDocument/2006/math">
+                        <m:oMathParaPr>
+                          <m:jc m:val="centerGroup"/>
+                        </m:oMathParaPr>
+                        <m:oMath xmlns:m="http://schemas.openxmlformats.org/officeDocument/2006/math">
+                          <m:sSub>
+                            <m:sSubPr>
+                              <m:ctrlPr>
+                                <a:rPr lang="fr-FR" sz="1200" b="0" i="1" smtClean="0">
+                                  <a:latin typeface="Cambria Math" panose="02040503050406030204" pitchFamily="18" charset="0"/>
+                                </a:rPr>
+                              </m:ctrlPr>
+                            </m:sSubPr>
+                            <m:e>
+                              <m:r>
+                                <a:rPr lang="fr-FR" sz="1200" b="0" i="1" smtClean="0">
+                                  <a:latin typeface="Cambria Math" panose="02040503050406030204" pitchFamily="18" charset="0"/>
+                                </a:rPr>
+                                <m:t>𝜑</m:t>
+                              </m:r>
+                            </m:e>
+                            <m:sub>
+                              <m:r>
+                                <a:rPr lang="fr-FR" sz="1200" b="0" i="1" smtClean="0">
+                                  <a:latin typeface="Cambria Math" panose="02040503050406030204" pitchFamily="18" charset="0"/>
+                                </a:rPr>
+                                <m:t>𝐻𝐷</m:t>
+                              </m:r>
+                            </m:sub>
+                          </m:sSub>
+                        </m:oMath>
+                      </m:oMathPara>
+                    </a14:m>
+                    <a:endParaRPr lang="fr-FR" sz="1200" dirty="0"/>
+                  </a:p>
+                </p:txBody>
+              </p:sp>
+            </mc:Choice>
+            <mc:Fallback>
+              <p:sp>
+                <p:nvSpPr>
+                  <p:cNvPr id="13" name="ZoneTexte 12">
+                    <a:extLst>
+                      <a:ext uri="{FF2B5EF4-FFF2-40B4-BE49-F238E27FC236}">
+                        <a16:creationId xmlns:a16="http://schemas.microsoft.com/office/drawing/2014/main" id="{17BA7FDD-5ECF-0266-DADF-E55684F54172}"/>
+                      </a:ext>
+                    </a:extLst>
+                  </p:cNvPr>
+                  <p:cNvSpPr txBox="1">
+                    <a:spLocks noRot="1" noChangeAspect="1" noMove="1" noResize="1" noEditPoints="1" noAdjustHandles="1" noChangeArrowheads="1" noChangeShapeType="1" noTextEdit="1"/>
+                  </p:cNvSpPr>
+                  <p:nvPr/>
+                </p:nvSpPr>
+                <p:spPr>
+                  <a:xfrm>
+                    <a:off x="2134392" y="1740548"/>
+                    <a:ext cx="313739" cy="184666"/>
+                  </a:xfrm>
+                  <a:prstGeom prst="rect">
+                    <a:avLst/>
+                  </a:prstGeom>
+                  <a:blipFill>
+                    <a:blip r:embed="rId5"/>
+                    <a:stretch>
+                      <a:fillRect l="-11765" r="-3922" b="-23333"/>
+                    </a:stretch>
+                  </a:blipFill>
+                </p:spPr>
+                <p:txBody>
+                  <a:bodyPr/>
+                  <a:lstStyle/>
+                  <a:p>
+                    <a:r>
+                      <a:rPr lang="fr-FR">
+                        <a:noFill/>
+                      </a:rPr>
+                      <a:t> </a:t>
+                    </a:r>
+                  </a:p>
+                </p:txBody>
+              </p:sp>
+            </mc:Fallback>
+          </mc:AlternateContent>
+          <mc:AlternateContent xmlns:mc="http://schemas.openxmlformats.org/markup-compatibility/2006">
+            <mc:Choice xmlns:a14="http://schemas.microsoft.com/office/drawing/2010/main" Requires="a14">
+              <p:sp>
+                <p:nvSpPr>
+                  <p:cNvPr id="14" name="ZoneTexte 13">
+                    <a:extLst>
+                      <a:ext uri="{FF2B5EF4-FFF2-40B4-BE49-F238E27FC236}">
+                        <a16:creationId xmlns:a16="http://schemas.microsoft.com/office/drawing/2014/main" id="{4CC039D4-0A44-DC7E-5CD6-CDDDED0DCCA4}"/>
+                      </a:ext>
+                    </a:extLst>
+                  </p:cNvPr>
+                  <p:cNvSpPr txBox="1"/>
+                  <p:nvPr/>
+                </p:nvSpPr>
+                <p:spPr>
+                  <a:xfrm>
+                    <a:off x="2417192" y="1458251"/>
+                    <a:ext cx="395301" cy="246221"/>
+                  </a:xfrm>
+                  <a:prstGeom prst="rect">
+                    <a:avLst/>
+                  </a:prstGeom>
+                  <a:noFill/>
+                </p:spPr>
+                <p:txBody>
+                  <a:bodyPr wrap="none" lIns="0" tIns="0" rIns="0" bIns="0" rtlCol="0">
+                    <a:spAutoFit/>
+                  </a:bodyPr>
+                  <a:lstStyle/>
+                  <a:p>
+                    <a:pPr/>
+                    <a14:m>
+                      <m:oMathPara xmlns:m="http://schemas.openxmlformats.org/officeDocument/2006/math">
+                        <m:oMathParaPr>
+                          <m:jc m:val="centerGroup"/>
+                        </m:oMathParaPr>
+                        <m:oMath xmlns:m="http://schemas.openxmlformats.org/officeDocument/2006/math">
+                          <m:acc>
+                            <m:accPr>
+                              <m:chr m:val="⃗"/>
+                              <m:ctrlPr>
+                                <a:rPr lang="fr-FR" sz="1600" i="1" smtClean="0">
+                                  <a:latin typeface="Cambria Math" panose="02040503050406030204" pitchFamily="18" charset="0"/>
+                                </a:rPr>
+                              </m:ctrlPr>
+                            </m:accPr>
+                            <m:e>
+                              <m:sSub>
+                                <m:sSubPr>
+                                  <m:ctrlPr>
+                                    <a:rPr lang="fr-FR" sz="1600" i="1">
+                                      <a:latin typeface="Cambria Math" panose="02040503050406030204" pitchFamily="18" charset="0"/>
+                                    </a:rPr>
+                                  </m:ctrlPr>
+                                </m:sSubPr>
+                                <m:e>
+                                  <m:r>
+                                    <a:rPr lang="fr-FR" sz="1600" b="0" i="1" smtClean="0">
+                                      <a:latin typeface="Cambria Math" panose="02040503050406030204" pitchFamily="18" charset="0"/>
+                                    </a:rPr>
+                                    <m:t>𝑢</m:t>
+                                  </m:r>
+                                </m:e>
+                                <m:sub>
+                                  <m:r>
+                                    <a:rPr lang="fr-FR" sz="1600" b="0" i="1" smtClean="0">
+                                      <a:latin typeface="Cambria Math" panose="02040503050406030204" pitchFamily="18" charset="0"/>
+                                    </a:rPr>
+                                    <m:t>𝐻𝐷</m:t>
+                                  </m:r>
+                                </m:sub>
+                              </m:sSub>
+                            </m:e>
+                          </m:acc>
+                        </m:oMath>
+                      </m:oMathPara>
+                    </a14:m>
+                    <a:endParaRPr lang="fr-FR" sz="1600" dirty="0"/>
+                  </a:p>
+                </p:txBody>
+              </p:sp>
+            </mc:Choice>
+            <mc:Fallback>
+              <p:sp>
+                <p:nvSpPr>
+                  <p:cNvPr id="14" name="ZoneTexte 13">
+                    <a:extLst>
+                      <a:ext uri="{FF2B5EF4-FFF2-40B4-BE49-F238E27FC236}">
+                        <a16:creationId xmlns:a16="http://schemas.microsoft.com/office/drawing/2014/main" id="{4CC039D4-0A44-DC7E-5CD6-CDDDED0DCCA4}"/>
+                      </a:ext>
+                    </a:extLst>
+                  </p:cNvPr>
+                  <p:cNvSpPr txBox="1">
+                    <a:spLocks noRot="1" noChangeAspect="1" noMove="1" noResize="1" noEditPoints="1" noAdjustHandles="1" noChangeArrowheads="1" noChangeShapeType="1" noTextEdit="1"/>
+                  </p:cNvSpPr>
+                  <p:nvPr/>
+                </p:nvSpPr>
+                <p:spPr>
+                  <a:xfrm>
+                    <a:off x="2417192" y="1458251"/>
+                    <a:ext cx="395301" cy="246221"/>
+                  </a:xfrm>
+                  <a:prstGeom prst="rect">
+                    <a:avLst/>
+                  </a:prstGeom>
+                  <a:blipFill>
+                    <a:blip r:embed="rId6"/>
+                    <a:stretch>
+                      <a:fillRect l="-6154" r="-1538" b="-15000"/>
+                    </a:stretch>
+                  </a:blipFill>
+                </p:spPr>
+                <p:txBody>
+                  <a:bodyPr/>
+                  <a:lstStyle/>
+                  <a:p>
+                    <a:r>
+                      <a:rPr lang="fr-FR">
+                        <a:noFill/>
+                      </a:rPr>
+                      <a:t> </a:t>
+                    </a:r>
+                  </a:p>
+                </p:txBody>
+              </p:sp>
+            </mc:Fallback>
+          </mc:AlternateContent>
+          <mc:AlternateContent xmlns:mc="http://schemas.openxmlformats.org/markup-compatibility/2006">
+            <mc:Choice xmlns:a14="http://schemas.microsoft.com/office/drawing/2010/main" Requires="a14">
+              <p:sp>
+                <p:nvSpPr>
+                  <p:cNvPr id="15" name="ZoneTexte 14">
+                    <a:extLst>
+                      <a:ext uri="{FF2B5EF4-FFF2-40B4-BE49-F238E27FC236}">
+                        <a16:creationId xmlns:a16="http://schemas.microsoft.com/office/drawing/2014/main" id="{969FE864-E539-0495-C0F1-D1BA56D61BE8}"/>
+                      </a:ext>
+                    </a:extLst>
+                  </p:cNvPr>
+                  <p:cNvSpPr txBox="1"/>
+                  <p:nvPr/>
+                </p:nvSpPr>
+                <p:spPr>
+                  <a:xfrm>
+                    <a:off x="494181" y="281011"/>
+                    <a:ext cx="388504" cy="246221"/>
+                  </a:xfrm>
+                  <a:prstGeom prst="rect">
+                    <a:avLst/>
+                  </a:prstGeom>
+                  <a:noFill/>
+                </p:spPr>
+                <p:txBody>
+                  <a:bodyPr wrap="none" lIns="0" tIns="0" rIns="0" bIns="0" rtlCol="0">
+                    <a:spAutoFit/>
+                  </a:bodyPr>
+                  <a:lstStyle/>
+                  <a:p>
+                    <a:pPr/>
+                    <a14:m>
+                      <m:oMathPara xmlns:m="http://schemas.openxmlformats.org/officeDocument/2006/math">
+                        <m:oMathParaPr>
+                          <m:jc m:val="centerGroup"/>
+                        </m:oMathParaPr>
+                        <m:oMath xmlns:m="http://schemas.openxmlformats.org/officeDocument/2006/math">
+                          <m:acc>
+                            <m:accPr>
+                              <m:chr m:val="⃗"/>
+                              <m:ctrlPr>
+                                <a:rPr lang="fr-FR" sz="1600" i="1" smtClean="0">
+                                  <a:latin typeface="Cambria Math" panose="02040503050406030204" pitchFamily="18" charset="0"/>
+                                </a:rPr>
+                              </m:ctrlPr>
+                            </m:accPr>
+                            <m:e>
+                              <m:sSub>
+                                <m:sSubPr>
+                                  <m:ctrlPr>
+                                    <a:rPr lang="fr-FR" sz="1600" b="0" i="1" smtClean="0">
+                                      <a:latin typeface="Cambria Math" panose="02040503050406030204" pitchFamily="18" charset="0"/>
+                                    </a:rPr>
+                                  </m:ctrlPr>
+                                </m:sSubPr>
+                                <m:e>
+                                  <m:r>
+                                    <a:rPr lang="fr-FR" sz="1600" i="1" smtClean="0">
+                                      <a:latin typeface="Cambria Math" panose="02040503050406030204" pitchFamily="18" charset="0"/>
+                                    </a:rPr>
+                                    <m:t>𝑣</m:t>
+                                  </m:r>
+                                </m:e>
+                                <m:sub>
+                                  <m:r>
+                                    <a:rPr lang="fr-FR" sz="1600" b="0" i="1" smtClean="0">
+                                      <a:latin typeface="Cambria Math" panose="02040503050406030204" pitchFamily="18" charset="0"/>
+                                    </a:rPr>
+                                    <m:t>𝐻𝐷</m:t>
+                                  </m:r>
+                                </m:sub>
+                              </m:sSub>
+                            </m:e>
+                          </m:acc>
+                        </m:oMath>
+                      </m:oMathPara>
+                    </a14:m>
+                    <a:endParaRPr lang="fr-FR" sz="1600" dirty="0"/>
+                  </a:p>
+                </p:txBody>
+              </p:sp>
+            </mc:Choice>
+            <mc:Fallback>
+              <p:sp>
+                <p:nvSpPr>
+                  <p:cNvPr id="15" name="ZoneTexte 14">
+                    <a:extLst>
+                      <a:ext uri="{FF2B5EF4-FFF2-40B4-BE49-F238E27FC236}">
+                        <a16:creationId xmlns:a16="http://schemas.microsoft.com/office/drawing/2014/main" id="{969FE864-E539-0495-C0F1-D1BA56D61BE8}"/>
+                      </a:ext>
+                    </a:extLst>
+                  </p:cNvPr>
+                  <p:cNvSpPr txBox="1">
+                    <a:spLocks noRot="1" noChangeAspect="1" noMove="1" noResize="1" noEditPoints="1" noAdjustHandles="1" noChangeArrowheads="1" noChangeShapeType="1" noTextEdit="1"/>
+                  </p:cNvSpPr>
+                  <p:nvPr/>
+                </p:nvSpPr>
+                <p:spPr>
+                  <a:xfrm>
+                    <a:off x="494181" y="281011"/>
+                    <a:ext cx="388504" cy="246221"/>
+                  </a:xfrm>
+                  <a:prstGeom prst="rect">
+                    <a:avLst/>
+                  </a:prstGeom>
+                  <a:blipFill>
+                    <a:blip r:embed="rId7"/>
+                    <a:stretch>
+                      <a:fillRect l="-7937" r="-3175" b="-12195"/>
+                    </a:stretch>
+                  </a:blipFill>
+                </p:spPr>
+                <p:txBody>
+                  <a:bodyPr/>
+                  <a:lstStyle/>
+                  <a:p>
+                    <a:r>
+                      <a:rPr lang="fr-FR">
+                        <a:noFill/>
+                      </a:rPr>
+                      <a:t> </a:t>
+                    </a:r>
+                  </a:p>
+                </p:txBody>
+              </p:sp>
+            </mc:Fallback>
+          </mc:AlternateContent>
+          <p:sp>
+            <p:nvSpPr>
+              <p:cNvPr id="16" name="ZoneTexte 15">
+                <a:extLst>
+                  <a:ext uri="{FF2B5EF4-FFF2-40B4-BE49-F238E27FC236}">
+                    <a16:creationId xmlns:a16="http://schemas.microsoft.com/office/drawing/2014/main" id="{B727EC0E-3007-A822-DA20-469BBC533EBD}"/>
+                  </a:ext>
+                </a:extLst>
+              </p:cNvPr>
+              <p:cNvSpPr txBox="1"/>
+              <p:nvPr/>
+            </p:nvSpPr>
+            <p:spPr>
+              <a:xfrm>
+                <a:off x="1870700" y="1453663"/>
+                <a:ext cx="65" cy="184666"/>
+              </a:xfrm>
+              <a:prstGeom prst="rect">
+                <a:avLst/>
+              </a:prstGeom>
+              <a:noFill/>
+            </p:spPr>
+            <p:txBody>
+              <a:bodyPr wrap="none" lIns="0" tIns="0" rIns="0" bIns="0" rtlCol="0">
+                <a:spAutoFit/>
+              </a:bodyPr>
+              <a:lstStyle/>
+              <a:p>
+                <a:endParaRPr lang="fr-FR" sz="1200" dirty="0"/>
+              </a:p>
+            </p:txBody>
+          </p:sp>
+        </p:grpSp>
+        <p:grpSp>
+          <p:nvGrpSpPr>
+            <p:cNvPr id="21" name="Groupe 20">
+              <a:extLst>
+                <a:ext uri="{FF2B5EF4-FFF2-40B4-BE49-F238E27FC236}">
+                  <a16:creationId xmlns:a16="http://schemas.microsoft.com/office/drawing/2014/main" id="{F03C77A7-E3B1-D662-88D6-0F1AE952B57D}"/>
+                </a:ext>
+              </a:extLst>
+            </p:cNvPr>
+            <p:cNvGrpSpPr/>
+            <p:nvPr/>
+          </p:nvGrpSpPr>
+          <p:grpSpPr>
+            <a:xfrm>
+              <a:off x="625441" y="1721608"/>
+              <a:ext cx="2894855" cy="2859959"/>
+              <a:chOff x="-180530" y="281011"/>
+              <a:chExt cx="2894855" cy="2859959"/>
+            </a:xfrm>
+          </p:grpSpPr>
+          <p:grpSp>
+            <p:nvGrpSpPr>
+              <p:cNvPr id="22" name="Groupe 21">
+                <a:extLst>
+                  <a:ext uri="{FF2B5EF4-FFF2-40B4-BE49-F238E27FC236}">
+                    <a16:creationId xmlns:a16="http://schemas.microsoft.com/office/drawing/2014/main" id="{0C37FABF-9796-5722-EB64-5000BD43EA4C}"/>
+                  </a:ext>
+                </a:extLst>
+              </p:cNvPr>
+              <p:cNvGrpSpPr/>
+              <p:nvPr/>
+            </p:nvGrpSpPr>
+            <p:grpSpPr>
+              <a:xfrm rot="20700000">
+                <a:off x="780713" y="386845"/>
+                <a:ext cx="1440160" cy="1440160"/>
+                <a:chOff x="971600" y="548680"/>
+                <a:chExt cx="1440160" cy="1440160"/>
+              </a:xfrm>
+            </p:grpSpPr>
+            <p:cxnSp>
+              <p:nvCxnSpPr>
+                <p:cNvPr id="36" name="Connecteur droit 35">
+                  <a:extLst>
+                    <a:ext uri="{FF2B5EF4-FFF2-40B4-BE49-F238E27FC236}">
+                      <a16:creationId xmlns:a16="http://schemas.microsoft.com/office/drawing/2014/main" id="{781D8843-E0A0-C9A4-4237-514574FAE99E}"/>
+                    </a:ext>
+                  </a:extLst>
+                </p:cNvPr>
+                <p:cNvCxnSpPr/>
+                <p:nvPr/>
+              </p:nvCxnSpPr>
+              <p:spPr>
+                <a:xfrm flipV="1">
+                  <a:off x="971600" y="548680"/>
+                  <a:ext cx="0" cy="1440160"/>
+                </a:xfrm>
+                <a:prstGeom prst="line">
+                  <a:avLst/>
+                </a:prstGeom>
+                <a:ln w="19050">
+                  <a:solidFill>
+                    <a:srgbClr val="C00000"/>
+                  </a:solidFill>
+                  <a:tailEnd type="stealth" w="med" len="lg"/>
+                </a:ln>
+              </p:spPr>
+              <p:style>
+                <a:lnRef idx="1">
+                  <a:schemeClr val="accent1"/>
+                </a:lnRef>
+                <a:fillRef idx="0">
+                  <a:schemeClr val="accent1"/>
+                </a:fillRef>
+                <a:effectRef idx="0">
+                  <a:schemeClr val="accent1"/>
+                </a:effectRef>
+                <a:fontRef idx="minor">
+                  <a:schemeClr val="tx1"/>
+                </a:fontRef>
+              </p:style>
+            </p:cxnSp>
+            <p:cxnSp>
+              <p:nvCxnSpPr>
+                <p:cNvPr id="37" name="Connecteur droit 36">
+                  <a:extLst>
+                    <a:ext uri="{FF2B5EF4-FFF2-40B4-BE49-F238E27FC236}">
+                      <a16:creationId xmlns:a16="http://schemas.microsoft.com/office/drawing/2014/main" id="{3D93FD1E-790E-1D1F-800D-0C68103EC493}"/>
+                    </a:ext>
+                  </a:extLst>
+                </p:cNvPr>
+                <p:cNvCxnSpPr>
+                  <a:cxnSpLocks/>
+                </p:cNvCxnSpPr>
+                <p:nvPr/>
+              </p:nvCxnSpPr>
+              <p:spPr>
+                <a:xfrm rot="5400000" flipV="1">
+                  <a:off x="1691680" y="1268760"/>
+                  <a:ext cx="0" cy="1440160"/>
+                </a:xfrm>
+                <a:prstGeom prst="line">
+                  <a:avLst/>
+                </a:prstGeom>
+                <a:ln w="19050">
+                  <a:solidFill>
+                    <a:srgbClr val="C00000"/>
+                  </a:solidFill>
+                  <a:tailEnd type="stealth" w="med" len="lg"/>
+                </a:ln>
+              </p:spPr>
+              <p:style>
+                <a:lnRef idx="1">
+                  <a:schemeClr val="accent1"/>
+                </a:lnRef>
+                <a:fillRef idx="0">
+                  <a:schemeClr val="accent1"/>
+                </a:fillRef>
+                <a:effectRef idx="0">
+                  <a:schemeClr val="accent1"/>
+                </a:effectRef>
+                <a:fontRef idx="minor">
+                  <a:schemeClr val="tx1"/>
+                </a:fontRef>
+              </p:style>
+            </p:cxnSp>
+          </p:grpSp>
+          <p:grpSp>
+            <p:nvGrpSpPr>
+              <p:cNvPr id="23" name="Groupe 22">
+                <a:extLst>
+                  <a:ext uri="{FF2B5EF4-FFF2-40B4-BE49-F238E27FC236}">
+                    <a16:creationId xmlns:a16="http://schemas.microsoft.com/office/drawing/2014/main" id="{94F172BC-6A17-D72C-3A50-8B57690245B6}"/>
+                  </a:ext>
+                </a:extLst>
+              </p:cNvPr>
+              <p:cNvGrpSpPr/>
+              <p:nvPr/>
+            </p:nvGrpSpPr>
+            <p:grpSpPr>
+              <a:xfrm>
+                <a:off x="971600" y="548680"/>
+                <a:ext cx="1440160" cy="1440160"/>
+                <a:chOff x="971600" y="548680"/>
+                <a:chExt cx="1440160" cy="1440160"/>
+              </a:xfrm>
+            </p:grpSpPr>
+            <p:cxnSp>
+              <p:nvCxnSpPr>
+                <p:cNvPr id="34" name="Connecteur droit 33">
+                  <a:extLst>
+                    <a:ext uri="{FF2B5EF4-FFF2-40B4-BE49-F238E27FC236}">
+                      <a16:creationId xmlns:a16="http://schemas.microsoft.com/office/drawing/2014/main" id="{B1AA265C-12E2-D42C-B70E-A0A4C633FA47}"/>
+                    </a:ext>
+                  </a:extLst>
+                </p:cNvPr>
+                <p:cNvCxnSpPr/>
+                <p:nvPr/>
+              </p:nvCxnSpPr>
+              <p:spPr>
+                <a:xfrm flipV="1">
+                  <a:off x="971600" y="548680"/>
+                  <a:ext cx="0" cy="1440160"/>
+                </a:xfrm>
+                <a:prstGeom prst="line">
+                  <a:avLst/>
+                </a:prstGeom>
+                <a:ln w="19050">
+                  <a:solidFill>
+                    <a:schemeClr val="tx1"/>
+                  </a:solidFill>
+                  <a:tailEnd type="stealth" w="med" len="lg"/>
+                </a:ln>
+              </p:spPr>
+              <p:style>
+                <a:lnRef idx="1">
+                  <a:schemeClr val="accent1"/>
+                </a:lnRef>
+                <a:fillRef idx="0">
+                  <a:schemeClr val="accent1"/>
+                </a:fillRef>
+                <a:effectRef idx="0">
+                  <a:schemeClr val="accent1"/>
+                </a:effectRef>
+                <a:fontRef idx="minor">
+                  <a:schemeClr val="tx1"/>
+                </a:fontRef>
+              </p:style>
+            </p:cxnSp>
+            <p:cxnSp>
+              <p:nvCxnSpPr>
+                <p:cNvPr id="35" name="Connecteur droit 34">
+                  <a:extLst>
+                    <a:ext uri="{FF2B5EF4-FFF2-40B4-BE49-F238E27FC236}">
+                      <a16:creationId xmlns:a16="http://schemas.microsoft.com/office/drawing/2014/main" id="{CAAC4A5D-E801-8FC4-2157-1E5E3B3D9E4C}"/>
+                    </a:ext>
+                  </a:extLst>
+                </p:cNvPr>
+                <p:cNvCxnSpPr>
+                  <a:cxnSpLocks/>
+                </p:cNvCxnSpPr>
+                <p:nvPr/>
+              </p:nvCxnSpPr>
+              <p:spPr>
+                <a:xfrm rot="5400000" flipV="1">
+                  <a:off x="1691680" y="1268760"/>
+                  <a:ext cx="0" cy="1440160"/>
+                </a:xfrm>
+                <a:prstGeom prst="line">
+                  <a:avLst/>
+                </a:prstGeom>
+                <a:ln w="19050">
+                  <a:solidFill>
+                    <a:schemeClr val="tx1"/>
+                  </a:solidFill>
+                  <a:tailEnd type="stealth" w="med" len="lg"/>
+                </a:ln>
+              </p:spPr>
+              <p:style>
+                <a:lnRef idx="1">
+                  <a:schemeClr val="accent1"/>
+                </a:lnRef>
+                <a:fillRef idx="0">
+                  <a:schemeClr val="accent1"/>
+                </a:fillRef>
+                <a:effectRef idx="0">
+                  <a:schemeClr val="accent1"/>
+                </a:effectRef>
+                <a:fontRef idx="minor">
+                  <a:schemeClr val="tx1"/>
+                </a:fontRef>
+              </p:style>
+            </p:cxnSp>
+          </p:grpSp>
+          <p:sp>
+            <p:nvSpPr>
+              <p:cNvPr id="24" name="Ellipse 23">
+                <a:extLst>
+                  <a:ext uri="{FF2B5EF4-FFF2-40B4-BE49-F238E27FC236}">
+                    <a16:creationId xmlns:a16="http://schemas.microsoft.com/office/drawing/2014/main" id="{21CACFE7-E13A-B6B3-44FF-BD700C34BEBA}"/>
+                  </a:ext>
+                </a:extLst>
+              </p:cNvPr>
+              <p:cNvSpPr/>
+              <p:nvPr/>
+            </p:nvSpPr>
+            <p:spPr>
+              <a:xfrm>
+                <a:off x="873610" y="1869528"/>
+                <a:ext cx="216000" cy="216000"/>
+              </a:xfrm>
+              <a:prstGeom prst="ellipse">
+                <a:avLst/>
+              </a:prstGeom>
+              <a:solidFill>
+                <a:schemeClr val="bg1"/>
+              </a:solidFill>
+              <a:ln w="19050">
+                <a:solidFill>
+                  <a:schemeClr val="tx1"/>
+                </a:solidFill>
+              </a:ln>
+            </p:spPr>
+            <p:style>
+              <a:lnRef idx="2">
+                <a:schemeClr val="accent1">
+                  <a:shade val="50000"/>
+                </a:schemeClr>
+              </a:lnRef>
+              <a:fillRef idx="1">
+                <a:schemeClr val="accent1"/>
+              </a:fillRef>
+              <a:effectRef idx="0">
+                <a:schemeClr val="accent1"/>
+              </a:effectRef>
+              <a:fontRef idx="minor">
+                <a:schemeClr val="lt1"/>
+              </a:fontRef>
+            </p:style>
+            <p:txBody>
+              <a:bodyPr rtlCol="0" anchor="ctr"/>
+              <a:lstStyle/>
+              <a:p>
+                <a:pPr algn="ctr"/>
+                <a:endParaRPr lang="fr-FR"/>
+              </a:p>
+            </p:txBody>
+          </p:sp>
+          <p:sp>
+            <p:nvSpPr>
+              <p:cNvPr id="25" name="Ellipse 24">
+                <a:extLst>
+                  <a:ext uri="{FF2B5EF4-FFF2-40B4-BE49-F238E27FC236}">
+                    <a16:creationId xmlns:a16="http://schemas.microsoft.com/office/drawing/2014/main" id="{8B5E6C1E-0F8E-69D7-748F-45D98DE05D5D}"/>
+                  </a:ext>
+                </a:extLst>
+              </p:cNvPr>
+              <p:cNvSpPr/>
+              <p:nvPr/>
+            </p:nvSpPr>
+            <p:spPr>
+              <a:xfrm>
+                <a:off x="945610" y="1941528"/>
+                <a:ext cx="72000" cy="72000"/>
+              </a:xfrm>
+              <a:prstGeom prst="ellipse">
+                <a:avLst/>
+              </a:prstGeom>
+              <a:solidFill>
+                <a:schemeClr val="tx1"/>
+              </a:solidFill>
+              <a:ln w="19050">
+                <a:solidFill>
+                  <a:schemeClr val="tx1"/>
+                </a:solidFill>
+              </a:ln>
+            </p:spPr>
+            <p:style>
+              <a:lnRef idx="2">
+                <a:schemeClr val="accent1">
+                  <a:shade val="50000"/>
+                </a:schemeClr>
+              </a:lnRef>
+              <a:fillRef idx="1">
+                <a:schemeClr val="accent1"/>
+              </a:fillRef>
+              <a:effectRef idx="0">
+                <a:schemeClr val="accent1"/>
+              </a:effectRef>
+              <a:fontRef idx="minor">
+                <a:schemeClr val="lt1"/>
+              </a:fontRef>
+            </p:style>
+            <p:txBody>
+              <a:bodyPr rtlCol="0" anchor="ctr"/>
+              <a:lstStyle/>
+              <a:p>
+                <a:pPr algn="ctr"/>
+                <a:endParaRPr lang="fr-FR"/>
+              </a:p>
+            </p:txBody>
+          </p:sp>
+          <p:sp>
+            <p:nvSpPr>
+              <p:cNvPr id="26" name="Arc 25">
+                <a:extLst>
+                  <a:ext uri="{FF2B5EF4-FFF2-40B4-BE49-F238E27FC236}">
+                    <a16:creationId xmlns:a16="http://schemas.microsoft.com/office/drawing/2014/main" id="{3744D18F-FF3E-5D30-B36D-2011FD434CDD}"/>
+                  </a:ext>
+                </a:extLst>
+              </p:cNvPr>
+              <p:cNvSpPr/>
+              <p:nvPr/>
+            </p:nvSpPr>
+            <p:spPr>
+              <a:xfrm>
+                <a:off x="-180530" y="836712"/>
+                <a:ext cx="2304258" cy="2304258"/>
+              </a:xfrm>
+              <a:prstGeom prst="arc">
+                <a:avLst>
+                  <a:gd name="adj1" fmla="val 20716967"/>
+                  <a:gd name="adj2" fmla="val 0"/>
+                </a:avLst>
+              </a:prstGeom>
+              <a:ln>
+                <a:solidFill>
+                  <a:srgbClr val="C00000"/>
+                </a:solidFill>
+                <a:headEnd type="stealth" w="med" len="lg"/>
+              </a:ln>
+            </p:spPr>
+            <p:style>
+              <a:lnRef idx="1">
+                <a:schemeClr val="accent1"/>
+              </a:lnRef>
+              <a:fillRef idx="0">
+                <a:schemeClr val="accent1"/>
+              </a:fillRef>
+              <a:effectRef idx="0">
+                <a:schemeClr val="accent1"/>
+              </a:effectRef>
+              <a:fontRef idx="minor">
+                <a:schemeClr val="tx1"/>
+              </a:fontRef>
+            </p:style>
+            <p:txBody>
+              <a:bodyPr rtlCol="0" anchor="ctr"/>
+              <a:lstStyle/>
+              <a:p>
+                <a:pPr algn="ctr"/>
+                <a:endParaRPr lang="fr-FR"/>
+              </a:p>
+            </p:txBody>
+          </p:sp>
+          <mc:AlternateContent xmlns:mc="http://schemas.openxmlformats.org/markup-compatibility/2006">
+            <mc:Choice xmlns:a14="http://schemas.microsoft.com/office/drawing/2010/main" Requires="a14">
+              <p:sp>
+                <p:nvSpPr>
+                  <p:cNvPr id="27" name="ZoneTexte 26">
+                    <a:extLst>
+                      <a:ext uri="{FF2B5EF4-FFF2-40B4-BE49-F238E27FC236}">
+                        <a16:creationId xmlns:a16="http://schemas.microsoft.com/office/drawing/2014/main" id="{2AC64C60-CC8A-12F0-C1FA-CBFF8AFC8C3A}"/>
+                      </a:ext>
+                    </a:extLst>
+                  </p:cNvPr>
+                  <p:cNvSpPr txBox="1"/>
+                  <p:nvPr/>
+                </p:nvSpPr>
+                <p:spPr>
+                  <a:xfrm>
+                    <a:off x="2425954" y="1865728"/>
+                    <a:ext cx="161711" cy="246221"/>
+                  </a:xfrm>
+                  <a:prstGeom prst="rect">
+                    <a:avLst/>
+                  </a:prstGeom>
+                  <a:noFill/>
+                </p:spPr>
+                <p:txBody>
+                  <a:bodyPr wrap="none" lIns="0" tIns="0" rIns="0" bIns="0" rtlCol="0">
+                    <a:spAutoFit/>
+                  </a:bodyPr>
+                  <a:lstStyle/>
+                  <a:p>
+                    <a:pPr/>
+                    <a14:m>
+                      <m:oMathPara xmlns:m="http://schemas.openxmlformats.org/officeDocument/2006/math">
+                        <m:oMathParaPr>
+                          <m:jc m:val="centerGroup"/>
+                        </m:oMathParaPr>
+                        <m:oMath xmlns:m="http://schemas.openxmlformats.org/officeDocument/2006/math">
+                          <m:acc>
+                            <m:accPr>
+                              <m:chr m:val="⃗"/>
+                              <m:ctrlPr>
+                                <a:rPr lang="fr-FR" sz="1600" i="1" smtClean="0">
+                                  <a:latin typeface="Cambria Math" panose="02040503050406030204" pitchFamily="18" charset="0"/>
+                                </a:rPr>
+                              </m:ctrlPr>
+                            </m:accPr>
+                            <m:e>
+                              <m:r>
+                                <a:rPr lang="fr-FR" sz="1600" b="0" i="1" smtClean="0">
+                                  <a:latin typeface="Cambria Math" panose="02040503050406030204" pitchFamily="18" charset="0"/>
+                                </a:rPr>
+                                <m:t>𝑥</m:t>
+                              </m:r>
+                            </m:e>
+                          </m:acc>
+                        </m:oMath>
+                      </m:oMathPara>
+                    </a14:m>
+                    <a:endParaRPr lang="fr-FR" sz="1600" dirty="0"/>
+                  </a:p>
+                </p:txBody>
+              </p:sp>
+            </mc:Choice>
+            <mc:Fallback>
+              <p:sp>
+                <p:nvSpPr>
+                  <p:cNvPr id="27" name="ZoneTexte 26">
+                    <a:extLst>
+                      <a:ext uri="{FF2B5EF4-FFF2-40B4-BE49-F238E27FC236}">
+                        <a16:creationId xmlns:a16="http://schemas.microsoft.com/office/drawing/2014/main" id="{2AC64C60-CC8A-12F0-C1FA-CBFF8AFC8C3A}"/>
+                      </a:ext>
+                    </a:extLst>
+                  </p:cNvPr>
+                  <p:cNvSpPr txBox="1">
+                    <a:spLocks noRot="1" noChangeAspect="1" noMove="1" noResize="1" noEditPoints="1" noAdjustHandles="1" noChangeArrowheads="1" noChangeShapeType="1" noTextEdit="1"/>
+                  </p:cNvSpPr>
+                  <p:nvPr/>
+                </p:nvSpPr>
+                <p:spPr>
+                  <a:xfrm>
+                    <a:off x="2425954" y="1865728"/>
+                    <a:ext cx="161711" cy="246221"/>
+                  </a:xfrm>
+                  <a:prstGeom prst="rect">
+                    <a:avLst/>
+                  </a:prstGeom>
+                  <a:blipFill>
+                    <a:blip r:embed="rId8"/>
+                    <a:stretch>
+                      <a:fillRect l="-26923" t="-36585" r="-100000" b="-2439"/>
+                    </a:stretch>
+                  </a:blipFill>
+                </p:spPr>
+                <p:txBody>
+                  <a:bodyPr/>
+                  <a:lstStyle/>
+                  <a:p>
+                    <a:r>
+                      <a:rPr lang="fr-FR">
+                        <a:noFill/>
+                      </a:rPr>
+                      <a:t> </a:t>
+                    </a:r>
+                  </a:p>
+                </p:txBody>
+              </p:sp>
+            </mc:Fallback>
+          </mc:AlternateContent>
+          <mc:AlternateContent xmlns:mc="http://schemas.openxmlformats.org/markup-compatibility/2006">
+            <mc:Choice xmlns:a14="http://schemas.microsoft.com/office/drawing/2010/main" Requires="a14">
+              <p:sp>
+                <p:nvSpPr>
+                  <p:cNvPr id="28" name="ZoneTexte 27">
+                    <a:extLst>
+                      <a:ext uri="{FF2B5EF4-FFF2-40B4-BE49-F238E27FC236}">
+                        <a16:creationId xmlns:a16="http://schemas.microsoft.com/office/drawing/2014/main" id="{DA90700C-77D4-8713-8962-38F9563916E3}"/>
+                      </a:ext>
+                    </a:extLst>
+                  </p:cNvPr>
+                  <p:cNvSpPr txBox="1"/>
+                  <p:nvPr/>
+                </p:nvSpPr>
+                <p:spPr>
+                  <a:xfrm>
+                    <a:off x="890538" y="281011"/>
+                    <a:ext cx="165430" cy="246221"/>
+                  </a:xfrm>
+                  <a:prstGeom prst="rect">
+                    <a:avLst/>
+                  </a:prstGeom>
+                  <a:noFill/>
+                </p:spPr>
+                <p:txBody>
+                  <a:bodyPr wrap="none" lIns="0" tIns="0" rIns="0" bIns="0" rtlCol="0">
+                    <a:spAutoFit/>
+                  </a:bodyPr>
+                  <a:lstStyle/>
+                  <a:p>
+                    <a:pPr/>
+                    <a14:m>
+                      <m:oMathPara xmlns:m="http://schemas.openxmlformats.org/officeDocument/2006/math">
+                        <m:oMathParaPr>
+                          <m:jc m:val="centerGroup"/>
+                        </m:oMathParaPr>
+                        <m:oMath xmlns:m="http://schemas.openxmlformats.org/officeDocument/2006/math">
+                          <m:acc>
+                            <m:accPr>
+                              <m:chr m:val="⃗"/>
+                              <m:ctrlPr>
+                                <a:rPr lang="fr-FR" sz="1600" i="1" smtClean="0">
+                                  <a:latin typeface="Cambria Math" panose="02040503050406030204" pitchFamily="18" charset="0"/>
+                                </a:rPr>
+                              </m:ctrlPr>
+                            </m:accPr>
+                            <m:e>
+                              <m:r>
+                                <a:rPr lang="fr-FR" sz="1600" b="0" i="1" smtClean="0">
+                                  <a:latin typeface="Cambria Math" panose="02040503050406030204" pitchFamily="18" charset="0"/>
+                                </a:rPr>
+                                <m:t>𝑦</m:t>
+                              </m:r>
+                            </m:e>
+                          </m:acc>
+                        </m:oMath>
+                      </m:oMathPara>
+                    </a14:m>
+                    <a:endParaRPr lang="fr-FR" sz="1600" dirty="0"/>
+                  </a:p>
+                </p:txBody>
+              </p:sp>
+            </mc:Choice>
+            <mc:Fallback>
+              <p:sp>
+                <p:nvSpPr>
+                  <p:cNvPr id="28" name="ZoneTexte 27">
+                    <a:extLst>
+                      <a:ext uri="{FF2B5EF4-FFF2-40B4-BE49-F238E27FC236}">
+                        <a16:creationId xmlns:a16="http://schemas.microsoft.com/office/drawing/2014/main" id="{DA90700C-77D4-8713-8962-38F9563916E3}"/>
+                      </a:ext>
+                    </a:extLst>
+                  </p:cNvPr>
+                  <p:cNvSpPr txBox="1">
+                    <a:spLocks noRot="1" noChangeAspect="1" noMove="1" noResize="1" noEditPoints="1" noAdjustHandles="1" noChangeArrowheads="1" noChangeShapeType="1" noTextEdit="1"/>
+                  </p:cNvSpPr>
+                  <p:nvPr/>
+                </p:nvSpPr>
+                <p:spPr>
+                  <a:xfrm>
+                    <a:off x="890538" y="281011"/>
+                    <a:ext cx="165430" cy="246221"/>
+                  </a:xfrm>
+                  <a:prstGeom prst="rect">
+                    <a:avLst/>
+                  </a:prstGeom>
+                  <a:blipFill>
+                    <a:blip r:embed="rId9"/>
+                    <a:stretch>
+                      <a:fillRect l="-29630" t="-36585" r="-96296" b="-21951"/>
+                    </a:stretch>
+                  </a:blipFill>
+                </p:spPr>
+                <p:txBody>
+                  <a:bodyPr/>
+                  <a:lstStyle/>
+                  <a:p>
+                    <a:r>
+                      <a:rPr lang="fr-FR">
+                        <a:noFill/>
+                      </a:rPr>
+                      <a:t> </a:t>
+                    </a:r>
+                  </a:p>
+                </p:txBody>
+              </p:sp>
+            </mc:Fallback>
+          </mc:AlternateContent>
+          <mc:AlternateContent xmlns:mc="http://schemas.openxmlformats.org/markup-compatibility/2006">
+            <mc:Choice xmlns:a14="http://schemas.microsoft.com/office/drawing/2010/main" Requires="a14">
+              <p:sp>
+                <p:nvSpPr>
+                  <p:cNvPr id="29" name="ZoneTexte 28">
+                    <a:extLst>
+                      <a:ext uri="{FF2B5EF4-FFF2-40B4-BE49-F238E27FC236}">
+                        <a16:creationId xmlns:a16="http://schemas.microsoft.com/office/drawing/2014/main" id="{85A2EF77-F78F-F35F-A7E2-C7F6A15A8254}"/>
+                      </a:ext>
+                    </a:extLst>
+                  </p:cNvPr>
+                  <p:cNvSpPr txBox="1"/>
+                  <p:nvPr/>
+                </p:nvSpPr>
+                <p:spPr>
+                  <a:xfrm>
+                    <a:off x="890538" y="2131415"/>
+                    <a:ext cx="149400" cy="246221"/>
+                  </a:xfrm>
+                  <a:prstGeom prst="rect">
+                    <a:avLst/>
+                  </a:prstGeom>
+                  <a:noFill/>
+                </p:spPr>
+                <p:txBody>
+                  <a:bodyPr wrap="none" lIns="0" tIns="0" rIns="0" bIns="0" rtlCol="0">
+                    <a:spAutoFit/>
+                  </a:bodyPr>
+                  <a:lstStyle/>
+                  <a:p>
+                    <a:pPr/>
+                    <a14:m>
+                      <m:oMathPara xmlns:m="http://schemas.openxmlformats.org/officeDocument/2006/math">
+                        <m:oMathParaPr>
+                          <m:jc m:val="centerGroup"/>
+                        </m:oMathParaPr>
+                        <m:oMath xmlns:m="http://schemas.openxmlformats.org/officeDocument/2006/math">
+                          <m:acc>
+                            <m:accPr>
+                              <m:chr m:val="⃗"/>
+                              <m:ctrlPr>
+                                <a:rPr lang="fr-FR" sz="1600" i="1" smtClean="0">
+                                  <a:latin typeface="Cambria Math" panose="02040503050406030204" pitchFamily="18" charset="0"/>
+                                </a:rPr>
+                              </m:ctrlPr>
+                            </m:accPr>
+                            <m:e>
+                              <m:r>
+                                <a:rPr lang="fr-FR" sz="1600" b="0" i="1" smtClean="0">
+                                  <a:latin typeface="Cambria Math" panose="02040503050406030204" pitchFamily="18" charset="0"/>
+                                </a:rPr>
+                                <m:t>𝑧</m:t>
+                              </m:r>
+                            </m:e>
+                          </m:acc>
+                        </m:oMath>
+                      </m:oMathPara>
+                    </a14:m>
+                    <a:endParaRPr lang="fr-FR" sz="1600" dirty="0"/>
+                  </a:p>
+                </p:txBody>
+              </p:sp>
+            </mc:Choice>
+            <mc:Fallback>
+              <p:sp>
+                <p:nvSpPr>
+                  <p:cNvPr id="29" name="ZoneTexte 28">
+                    <a:extLst>
+                      <a:ext uri="{FF2B5EF4-FFF2-40B4-BE49-F238E27FC236}">
+                        <a16:creationId xmlns:a16="http://schemas.microsoft.com/office/drawing/2014/main" id="{85A2EF77-F78F-F35F-A7E2-C7F6A15A8254}"/>
+                      </a:ext>
+                    </a:extLst>
+                  </p:cNvPr>
+                  <p:cNvSpPr txBox="1">
+                    <a:spLocks noRot="1" noChangeAspect="1" noMove="1" noResize="1" noEditPoints="1" noAdjustHandles="1" noChangeArrowheads="1" noChangeShapeType="1" noTextEdit="1"/>
+                  </p:cNvSpPr>
+                  <p:nvPr/>
+                </p:nvSpPr>
+                <p:spPr>
+                  <a:xfrm>
+                    <a:off x="890538" y="2131415"/>
+                    <a:ext cx="149400" cy="246221"/>
+                  </a:xfrm>
+                  <a:prstGeom prst="rect">
+                    <a:avLst/>
+                  </a:prstGeom>
+                  <a:blipFill>
+                    <a:blip r:embed="rId10"/>
+                    <a:stretch>
+                      <a:fillRect l="-29167" t="-40000" r="-108333" b="-2500"/>
+                    </a:stretch>
+                  </a:blipFill>
+                </p:spPr>
+                <p:txBody>
+                  <a:bodyPr/>
+                  <a:lstStyle/>
+                  <a:p>
+                    <a:r>
+                      <a:rPr lang="fr-FR">
+                        <a:noFill/>
+                      </a:rPr>
+                      <a:t> </a:t>
+                    </a:r>
+                  </a:p>
+                </p:txBody>
+              </p:sp>
+            </mc:Fallback>
+          </mc:AlternateContent>
+          <mc:AlternateContent xmlns:mc="http://schemas.openxmlformats.org/markup-compatibility/2006">
+            <mc:Choice xmlns:a14="http://schemas.microsoft.com/office/drawing/2010/main" Requires="a14">
+              <p:sp>
+                <p:nvSpPr>
+                  <p:cNvPr id="30" name="ZoneTexte 29">
+                    <a:extLst>
+                      <a:ext uri="{FF2B5EF4-FFF2-40B4-BE49-F238E27FC236}">
+                        <a16:creationId xmlns:a16="http://schemas.microsoft.com/office/drawing/2014/main" id="{07F8C94E-E0C5-7FEF-8B08-9A062DB63BE6}"/>
+                      </a:ext>
+                    </a:extLst>
+                  </p:cNvPr>
+                  <p:cNvSpPr txBox="1"/>
+                  <p:nvPr/>
+                </p:nvSpPr>
+                <p:spPr>
+                  <a:xfrm>
+                    <a:off x="2134392" y="1740548"/>
+                    <a:ext cx="126317" cy="184666"/>
+                  </a:xfrm>
+                  <a:prstGeom prst="rect">
+                    <a:avLst/>
+                  </a:prstGeom>
+                  <a:noFill/>
+                </p:spPr>
+                <p:txBody>
+                  <a:bodyPr wrap="none" lIns="0" tIns="0" rIns="0" bIns="0" rtlCol="0">
+                    <a:spAutoFit/>
+                  </a:bodyPr>
+                  <a:lstStyle/>
+                  <a:p>
+                    <a:pPr/>
+                    <a14:m>
+                      <m:oMathPara xmlns:m="http://schemas.openxmlformats.org/officeDocument/2006/math">
+                        <m:oMathParaPr>
+                          <m:jc m:val="centerGroup"/>
+                        </m:oMathParaPr>
+                        <m:oMath xmlns:m="http://schemas.openxmlformats.org/officeDocument/2006/math">
+                          <m:r>
+                            <a:rPr lang="fr-FR" sz="1200" b="0" i="1" smtClean="0">
+                              <a:latin typeface="Cambria Math" panose="02040503050406030204" pitchFamily="18" charset="0"/>
+                            </a:rPr>
+                            <m:t>𝜃</m:t>
+                          </m:r>
+                        </m:oMath>
+                      </m:oMathPara>
+                    </a14:m>
+                    <a:endParaRPr lang="fr-FR" sz="1200" dirty="0"/>
+                  </a:p>
+                </p:txBody>
+              </p:sp>
+            </mc:Choice>
+            <mc:Fallback>
+              <p:sp>
+                <p:nvSpPr>
+                  <p:cNvPr id="30" name="ZoneTexte 29">
+                    <a:extLst>
+                      <a:ext uri="{FF2B5EF4-FFF2-40B4-BE49-F238E27FC236}">
+                        <a16:creationId xmlns:a16="http://schemas.microsoft.com/office/drawing/2014/main" id="{07F8C94E-E0C5-7FEF-8B08-9A062DB63BE6}"/>
+                      </a:ext>
+                    </a:extLst>
+                  </p:cNvPr>
+                  <p:cNvSpPr txBox="1">
+                    <a:spLocks noRot="1" noChangeAspect="1" noMove="1" noResize="1" noEditPoints="1" noAdjustHandles="1" noChangeArrowheads="1" noChangeShapeType="1" noTextEdit="1"/>
+                  </p:cNvSpPr>
+                  <p:nvPr/>
+                </p:nvSpPr>
+                <p:spPr>
+                  <a:xfrm>
+                    <a:off x="2134392" y="1740548"/>
+                    <a:ext cx="126317" cy="184666"/>
+                  </a:xfrm>
+                  <a:prstGeom prst="rect">
+                    <a:avLst/>
+                  </a:prstGeom>
+                  <a:blipFill>
+                    <a:blip r:embed="rId11"/>
+                    <a:stretch>
+                      <a:fillRect l="-30000" r="-30000" b="-6667"/>
+                    </a:stretch>
+                  </a:blipFill>
+                </p:spPr>
+                <p:txBody>
+                  <a:bodyPr/>
+                  <a:lstStyle/>
+                  <a:p>
+                    <a:r>
+                      <a:rPr lang="fr-FR">
+                        <a:noFill/>
+                      </a:rPr>
+                      <a:t> </a:t>
+                    </a:r>
+                  </a:p>
+                </p:txBody>
+              </p:sp>
+            </mc:Fallback>
+          </mc:AlternateContent>
+          <mc:AlternateContent xmlns:mc="http://schemas.openxmlformats.org/markup-compatibility/2006">
+            <mc:Choice xmlns:a14="http://schemas.microsoft.com/office/drawing/2010/main" Requires="a14">
+              <p:sp>
+                <p:nvSpPr>
+                  <p:cNvPr id="31" name="ZoneTexte 30">
+                    <a:extLst>
+                      <a:ext uri="{FF2B5EF4-FFF2-40B4-BE49-F238E27FC236}">
+                        <a16:creationId xmlns:a16="http://schemas.microsoft.com/office/drawing/2014/main" id="{791C3A18-E999-03DD-17B2-09512822AC85}"/>
+                      </a:ext>
+                    </a:extLst>
+                  </p:cNvPr>
+                  <p:cNvSpPr txBox="1"/>
+                  <p:nvPr/>
+                </p:nvSpPr>
+                <p:spPr>
+                  <a:xfrm>
+                    <a:off x="2417192" y="1458251"/>
+                    <a:ext cx="297133" cy="246221"/>
+                  </a:xfrm>
+                  <a:prstGeom prst="rect">
+                    <a:avLst/>
+                  </a:prstGeom>
+                  <a:noFill/>
+                </p:spPr>
+                <p:txBody>
+                  <a:bodyPr wrap="none" lIns="0" tIns="0" rIns="0" bIns="0" rtlCol="0">
+                    <a:spAutoFit/>
+                  </a:bodyPr>
+                  <a:lstStyle/>
+                  <a:p>
+                    <a:pPr/>
+                    <a14:m>
+                      <m:oMathPara xmlns:m="http://schemas.openxmlformats.org/officeDocument/2006/math">
+                        <m:oMathParaPr>
+                          <m:jc m:val="centerGroup"/>
+                        </m:oMathParaPr>
+                        <m:oMath xmlns:m="http://schemas.openxmlformats.org/officeDocument/2006/math">
+                          <m:acc>
+                            <m:accPr>
+                              <m:chr m:val="⃗"/>
+                              <m:ctrlPr>
+                                <a:rPr lang="fr-FR" sz="1600" i="1" smtClean="0">
+                                  <a:latin typeface="Cambria Math" panose="02040503050406030204" pitchFamily="18" charset="0"/>
+                                </a:rPr>
+                              </m:ctrlPr>
+                            </m:accPr>
+                            <m:e>
+                              <m:sSub>
+                                <m:sSubPr>
+                                  <m:ctrlPr>
+                                    <a:rPr lang="fr-FR" sz="1600" i="1">
+                                      <a:latin typeface="Cambria Math" panose="02040503050406030204" pitchFamily="18" charset="0"/>
+                                    </a:rPr>
+                                  </m:ctrlPr>
+                                </m:sSubPr>
+                                <m:e>
+                                  <m:r>
+                                    <a:rPr lang="fr-FR" sz="1600" b="0" i="1" smtClean="0">
+                                      <a:latin typeface="Cambria Math" panose="02040503050406030204" pitchFamily="18" charset="0"/>
+                                    </a:rPr>
+                                    <m:t>𝑥</m:t>
+                                  </m:r>
+                                </m:e>
+                                <m:sub>
+                                  <m:r>
+                                    <a:rPr lang="fr-FR" sz="1600" b="0" i="1" smtClean="0">
+                                      <a:latin typeface="Cambria Math" panose="02040503050406030204" pitchFamily="18" charset="0"/>
+                                    </a:rPr>
+                                    <m:t>𝑀</m:t>
+                                  </m:r>
+                                </m:sub>
+                              </m:sSub>
+                            </m:e>
+                          </m:acc>
+                        </m:oMath>
+                      </m:oMathPara>
+                    </a14:m>
+                    <a:endParaRPr lang="fr-FR" sz="1600" dirty="0"/>
+                  </a:p>
+                </p:txBody>
+              </p:sp>
+            </mc:Choice>
+            <mc:Fallback>
+              <p:sp>
+                <p:nvSpPr>
+                  <p:cNvPr id="31" name="ZoneTexte 30">
+                    <a:extLst>
+                      <a:ext uri="{FF2B5EF4-FFF2-40B4-BE49-F238E27FC236}">
+                        <a16:creationId xmlns:a16="http://schemas.microsoft.com/office/drawing/2014/main" id="{791C3A18-E999-03DD-17B2-09512822AC85}"/>
+                      </a:ext>
+                    </a:extLst>
+                  </p:cNvPr>
+                  <p:cNvSpPr txBox="1">
+                    <a:spLocks noRot="1" noChangeAspect="1" noMove="1" noResize="1" noEditPoints="1" noAdjustHandles="1" noChangeArrowheads="1" noChangeShapeType="1" noTextEdit="1"/>
+                  </p:cNvSpPr>
+                  <p:nvPr/>
+                </p:nvSpPr>
+                <p:spPr>
+                  <a:xfrm>
+                    <a:off x="2417192" y="1458251"/>
+                    <a:ext cx="297133" cy="246221"/>
+                  </a:xfrm>
+                  <a:prstGeom prst="rect">
+                    <a:avLst/>
+                  </a:prstGeom>
+                  <a:blipFill>
+                    <a:blip r:embed="rId12"/>
+                    <a:stretch>
+                      <a:fillRect l="-8163" r="-4082" b="-15000"/>
+                    </a:stretch>
+                  </a:blipFill>
+                </p:spPr>
+                <p:txBody>
+                  <a:bodyPr/>
+                  <a:lstStyle/>
+                  <a:p>
+                    <a:r>
+                      <a:rPr lang="fr-FR">
+                        <a:noFill/>
+                      </a:rPr>
+                      <a:t> </a:t>
+                    </a:r>
+                  </a:p>
+                </p:txBody>
+              </p:sp>
+            </mc:Fallback>
+          </mc:AlternateContent>
+          <mc:AlternateContent xmlns:mc="http://schemas.openxmlformats.org/markup-compatibility/2006">
+            <mc:Choice xmlns:a14="http://schemas.microsoft.com/office/drawing/2010/main" Requires="a14">
+              <p:sp>
+                <p:nvSpPr>
+                  <p:cNvPr id="32" name="ZoneTexte 31">
+                    <a:extLst>
+                      <a:ext uri="{FF2B5EF4-FFF2-40B4-BE49-F238E27FC236}">
+                        <a16:creationId xmlns:a16="http://schemas.microsoft.com/office/drawing/2014/main" id="{5C37E32C-CAE4-F74A-467F-39D9205CB32C}"/>
+                      </a:ext>
+                    </a:extLst>
+                  </p:cNvPr>
+                  <p:cNvSpPr txBox="1"/>
+                  <p:nvPr/>
+                </p:nvSpPr>
+                <p:spPr>
+                  <a:xfrm>
+                    <a:off x="536516" y="281011"/>
+                    <a:ext cx="294440" cy="246221"/>
+                  </a:xfrm>
+                  <a:prstGeom prst="rect">
+                    <a:avLst/>
+                  </a:prstGeom>
+                  <a:noFill/>
+                </p:spPr>
+                <p:txBody>
+                  <a:bodyPr wrap="none" lIns="0" tIns="0" rIns="0" bIns="0" rtlCol="0">
+                    <a:spAutoFit/>
+                  </a:bodyPr>
+                  <a:lstStyle/>
+                  <a:p>
+                    <a:pPr/>
+                    <a14:m>
+                      <m:oMathPara xmlns:m="http://schemas.openxmlformats.org/officeDocument/2006/math">
+                        <m:oMathParaPr>
+                          <m:jc m:val="centerGroup"/>
+                        </m:oMathParaPr>
+                        <m:oMath xmlns:m="http://schemas.openxmlformats.org/officeDocument/2006/math">
+                          <m:acc>
+                            <m:accPr>
+                              <m:chr m:val="⃗"/>
+                              <m:ctrlPr>
+                                <a:rPr lang="fr-FR" sz="1600" i="1" smtClean="0">
+                                  <a:latin typeface="Cambria Math" panose="02040503050406030204" pitchFamily="18" charset="0"/>
+                                </a:rPr>
+                              </m:ctrlPr>
+                            </m:accPr>
+                            <m:e>
+                              <m:sSub>
+                                <m:sSubPr>
+                                  <m:ctrlPr>
+                                    <a:rPr lang="fr-FR" sz="1600" b="0" i="1" smtClean="0">
+                                      <a:latin typeface="Cambria Math" panose="02040503050406030204" pitchFamily="18" charset="0"/>
+                                    </a:rPr>
+                                  </m:ctrlPr>
+                                </m:sSubPr>
+                                <m:e>
+                                  <m:r>
+                                    <a:rPr lang="fr-FR" sz="1600" i="1" smtClean="0">
+                                      <a:latin typeface="Cambria Math" panose="02040503050406030204" pitchFamily="18" charset="0"/>
+                                    </a:rPr>
+                                    <m:t>𝑦</m:t>
+                                  </m:r>
+                                </m:e>
+                                <m:sub>
+                                  <m:r>
+                                    <a:rPr lang="fr-FR" sz="1600" b="0" i="1" smtClean="0">
+                                      <a:latin typeface="Cambria Math" panose="02040503050406030204" pitchFamily="18" charset="0"/>
+                                    </a:rPr>
+                                    <m:t>𝑚</m:t>
+                                  </m:r>
+                                </m:sub>
+                              </m:sSub>
+                            </m:e>
+                          </m:acc>
+                        </m:oMath>
+                      </m:oMathPara>
+                    </a14:m>
+                    <a:endParaRPr lang="fr-FR" sz="1600" dirty="0"/>
+                  </a:p>
+                </p:txBody>
+              </p:sp>
+            </mc:Choice>
+            <mc:Fallback>
+              <p:sp>
+                <p:nvSpPr>
+                  <p:cNvPr id="32" name="ZoneTexte 31">
+                    <a:extLst>
+                      <a:ext uri="{FF2B5EF4-FFF2-40B4-BE49-F238E27FC236}">
+                        <a16:creationId xmlns:a16="http://schemas.microsoft.com/office/drawing/2014/main" id="{5C37E32C-CAE4-F74A-467F-39D9205CB32C}"/>
+                      </a:ext>
+                    </a:extLst>
+                  </p:cNvPr>
+                  <p:cNvSpPr txBox="1">
+                    <a:spLocks noRot="1" noChangeAspect="1" noMove="1" noResize="1" noEditPoints="1" noAdjustHandles="1" noChangeArrowheads="1" noChangeShapeType="1" noTextEdit="1"/>
+                  </p:cNvSpPr>
+                  <p:nvPr/>
+                </p:nvSpPr>
+                <p:spPr>
+                  <a:xfrm>
+                    <a:off x="536516" y="281011"/>
+                    <a:ext cx="294440" cy="246221"/>
+                  </a:xfrm>
+                  <a:prstGeom prst="rect">
+                    <a:avLst/>
+                  </a:prstGeom>
+                  <a:blipFill>
+                    <a:blip r:embed="rId13"/>
+                    <a:stretch>
+                      <a:fillRect l="-16667" b="-21951"/>
+                    </a:stretch>
+                  </a:blipFill>
+                </p:spPr>
+                <p:txBody>
+                  <a:bodyPr/>
+                  <a:lstStyle/>
+                  <a:p>
+                    <a:r>
+                      <a:rPr lang="fr-FR">
+                        <a:noFill/>
+                      </a:rPr>
+                      <a:t> </a:t>
+                    </a:r>
+                  </a:p>
+                </p:txBody>
+              </p:sp>
+            </mc:Fallback>
+          </mc:AlternateContent>
+          <p:sp>
+            <p:nvSpPr>
+              <p:cNvPr id="33" name="ZoneTexte 32">
+                <a:extLst>
+                  <a:ext uri="{FF2B5EF4-FFF2-40B4-BE49-F238E27FC236}">
+                    <a16:creationId xmlns:a16="http://schemas.microsoft.com/office/drawing/2014/main" id="{16D38C86-523D-601B-408F-B03B956E0212}"/>
+                  </a:ext>
+                </a:extLst>
+              </p:cNvPr>
+              <p:cNvSpPr txBox="1"/>
+              <p:nvPr/>
+            </p:nvSpPr>
+            <p:spPr>
+              <a:xfrm>
+                <a:off x="1870700" y="1453663"/>
+                <a:ext cx="65" cy="184666"/>
+              </a:xfrm>
+              <a:prstGeom prst="rect">
+                <a:avLst/>
+              </a:prstGeom>
+              <a:noFill/>
+            </p:spPr>
+            <p:txBody>
+              <a:bodyPr wrap="none" lIns="0" tIns="0" rIns="0" bIns="0" rtlCol="0">
+                <a:spAutoFit/>
+              </a:bodyPr>
+              <a:lstStyle/>
+              <a:p>
+                <a:endParaRPr lang="fr-FR" sz="1200" dirty="0"/>
+              </a:p>
+            </p:txBody>
+          </p:sp>
+        </p:grpSp>
+      </p:grpSp>
+    </p:spTree>
+    <p:extLst>
+      <p:ext uri="{BB962C8B-B14F-4D97-AF65-F5344CB8AC3E}">
+        <p14:creationId xmlns:p14="http://schemas.microsoft.com/office/powerpoint/2010/main" val="146107410"/>
+      </p:ext>
+    </p:extLst>
+  </p:cSld>
+  <p:clrMapOvr>
+    <a:masterClrMapping/>
+  </p:clrMapOvr>
+</p:sld>
+</file>
+
+<file path=ppt/slides/slide7.xml><?xml version="1.0" encoding="utf-8"?>
+<p:sld xmlns:a="http://schemas.openxmlformats.org/drawingml/2006/main" xmlns:r="http://schemas.openxmlformats.org/officeDocument/2006/relationships" xmlns:p="http://schemas.openxmlformats.org/presentationml/2006/main">
+  <p:cSld>
+    <p:spTree>
+      <p:nvGrpSpPr>
+        <p:cNvPr id="1" name=""/>
+        <p:cNvGrpSpPr/>
+        <p:nvPr/>
+      </p:nvGrpSpPr>
+      <p:grpSpPr>
+        <a:xfrm>
+          <a:off x="0" y="0"/>
+          <a:ext cx="0" cy="0"/>
+          <a:chOff x="0" y="0"/>
+          <a:chExt cx="0" cy="0"/>
+        </a:xfrm>
+      </p:grpSpPr>
+      <mc:AlternateContent xmlns:mc="http://schemas.openxmlformats.org/markup-compatibility/2006">
+        <mc:Choice xmlns:a14="http://schemas.microsoft.com/office/drawing/2010/main" Requires="a14">
+          <p:sp>
+            <p:nvSpPr>
+              <p:cNvPr id="3" name="Espace réservé du contenu 2">
+                <a:extLst>
+                  <a:ext uri="{FF2B5EF4-FFF2-40B4-BE49-F238E27FC236}">
+                    <a16:creationId xmlns:a16="http://schemas.microsoft.com/office/drawing/2014/main" id="{F1033314-DAEF-3C58-6EAF-654339C65576}"/>
+                  </a:ext>
+                </a:extLst>
+              </p:cNvPr>
+              <p:cNvSpPr>
+                <a:spLocks noGrp="1"/>
+              </p:cNvSpPr>
+              <p:nvPr>
+                <p:ph idx="1"/>
+              </p:nvPr>
+            </p:nvSpPr>
+            <p:spPr>
+              <a:xfrm>
+                <a:off x="3224487" y="226621"/>
+                <a:ext cx="3283191" cy="4796556"/>
+              </a:xfrm>
+            </p:spPr>
+            <p:txBody>
+              <a:bodyPr>
+                <a:normAutofit/>
+              </a:bodyPr>
+              <a:lstStyle/>
+              <a:p>
+                <a:r>
+                  <a:rPr lang="fr-FR" sz="1800" dirty="0"/>
+                  <a:t>On note </a:t>
+                </a:r>
+              </a:p>
+              <a:p>
+                <a:pPr lvl="1"/>
+                <a14:m>
+                  <m:oMath xmlns:m="http://schemas.openxmlformats.org/officeDocument/2006/math">
+                    <m:sSub>
+                      <m:sSubPr>
+                        <m:ctrlPr>
+                          <a:rPr lang="fr-FR" sz="1600" b="0" i="1" smtClean="0">
+                            <a:latin typeface="Cambria Math" panose="02040503050406030204" pitchFamily="18" charset="0"/>
+                          </a:rPr>
+                        </m:ctrlPr>
+                      </m:sSubPr>
+                      <m:e>
+                        <m:r>
+                          <a:rPr lang="fr-FR" sz="1600" b="0" i="1" smtClean="0">
+                            <a:latin typeface="Cambria Math" panose="02040503050406030204" pitchFamily="18" charset="0"/>
+                          </a:rPr>
+                          <m:t>𝐿</m:t>
+                        </m:r>
+                      </m:e>
+                      <m:sub>
+                        <m:r>
+                          <a:rPr lang="fr-FR" sz="1600" b="0" i="1" smtClean="0">
+                            <a:latin typeface="Cambria Math" panose="02040503050406030204" pitchFamily="18" charset="0"/>
+                          </a:rPr>
+                          <m:t>𝐻𝐷</m:t>
+                        </m:r>
+                      </m:sub>
+                    </m:sSub>
+                    <m:r>
+                      <a:rPr lang="fr-FR" sz="1600" b="0" i="1" smtClean="0">
+                        <a:latin typeface="Cambria Math" panose="02040503050406030204" pitchFamily="18" charset="0"/>
+                      </a:rPr>
+                      <m:t>=</m:t>
+                    </m:r>
+                    <m:sSub>
+                      <m:sSubPr>
+                        <m:ctrlPr>
+                          <a:rPr lang="fr-FR" sz="1600" b="0" i="1" smtClean="0">
+                            <a:latin typeface="Cambria Math" panose="02040503050406030204" pitchFamily="18" charset="0"/>
+                          </a:rPr>
+                        </m:ctrlPr>
+                      </m:sSubPr>
+                      <m:e>
+                        <m:r>
+                          <a:rPr lang="fr-FR" sz="1600" b="0" i="1" smtClean="0">
+                            <a:latin typeface="Cambria Math" panose="02040503050406030204" pitchFamily="18" charset="0"/>
+                          </a:rPr>
+                          <m:t>𝐴</m:t>
+                        </m:r>
+                      </m:e>
+                      <m:sub>
+                        <m:r>
+                          <a:rPr lang="fr-FR" sz="1600" b="0" i="1" smtClean="0">
+                            <a:latin typeface="Cambria Math" panose="02040503050406030204" pitchFamily="18" charset="0"/>
+                          </a:rPr>
+                          <m:t>𝐻𝐷</m:t>
+                        </m:r>
+                      </m:sub>
+                    </m:sSub>
+                    <m:sSub>
+                      <m:sSubPr>
+                        <m:ctrlPr>
+                          <a:rPr lang="fr-FR" sz="1600" b="0" i="1" smtClean="0">
+                            <a:latin typeface="Cambria Math" panose="02040503050406030204" pitchFamily="18" charset="0"/>
+                          </a:rPr>
+                        </m:ctrlPr>
+                      </m:sSubPr>
+                      <m:e>
+                        <m:r>
+                          <a:rPr lang="fr-FR" sz="1600" b="0" i="1" smtClean="0">
+                            <a:latin typeface="Cambria Math" panose="02040503050406030204" pitchFamily="18" charset="0"/>
+                          </a:rPr>
+                          <m:t>𝐶</m:t>
+                        </m:r>
+                      </m:e>
+                      <m:sub>
+                        <m:r>
+                          <a:rPr lang="fr-FR" sz="1600" b="0" i="1" smtClean="0">
+                            <a:latin typeface="Cambria Math" panose="02040503050406030204" pitchFamily="18" charset="0"/>
+                          </a:rPr>
+                          <m:t>𝐻𝐷</m:t>
+                        </m:r>
+                      </m:sub>
+                    </m:sSub>
+                  </m:oMath>
+                </a14:m>
+                <a:r>
+                  <a:rPr lang="fr-FR" sz="1600" dirty="0"/>
+                  <a:t> </a:t>
+                </a:r>
+              </a:p>
+              <a:p>
+                <a:pPr lvl="1"/>
+                <a14:m>
+                  <m:oMath xmlns:m="http://schemas.openxmlformats.org/officeDocument/2006/math">
+                    <m:sSub>
+                      <m:sSubPr>
+                        <m:ctrlPr>
+                          <a:rPr lang="fr-FR" sz="1600" b="0" i="1" smtClean="0">
+                            <a:latin typeface="Cambria Math" panose="02040503050406030204" pitchFamily="18" charset="0"/>
+                          </a:rPr>
+                        </m:ctrlPr>
+                      </m:sSubPr>
+                      <m:e>
+                        <m:r>
+                          <a:rPr lang="fr-FR" sz="1600" b="0" i="1" smtClean="0">
+                            <a:latin typeface="Cambria Math" panose="02040503050406030204" pitchFamily="18" charset="0"/>
+                          </a:rPr>
+                          <m:t>𝐷</m:t>
+                        </m:r>
+                      </m:e>
+                      <m:sub>
+                        <m:r>
+                          <a:rPr lang="fr-FR" sz="1600" b="0" i="1" smtClean="0">
+                            <a:latin typeface="Cambria Math" panose="02040503050406030204" pitchFamily="18" charset="0"/>
+                          </a:rPr>
+                          <m:t>𝐻𝐷</m:t>
+                        </m:r>
+                      </m:sub>
+                    </m:sSub>
+                    <m:r>
+                      <a:rPr lang="fr-FR" sz="1600" b="0" i="1" smtClean="0">
+                        <a:latin typeface="Cambria Math" panose="02040503050406030204" pitchFamily="18" charset="0"/>
+                      </a:rPr>
+                      <m:t>=</m:t>
+                    </m:r>
+                    <m:sSub>
+                      <m:sSubPr>
+                        <m:ctrlPr>
+                          <a:rPr lang="fr-FR" sz="1600" i="1">
+                            <a:latin typeface="Cambria Math" panose="02040503050406030204" pitchFamily="18" charset="0"/>
+                          </a:rPr>
+                        </m:ctrlPr>
+                      </m:sSubPr>
+                      <m:e>
+                        <m:r>
+                          <a:rPr lang="fr-FR" sz="1600" i="1">
+                            <a:latin typeface="Cambria Math" panose="02040503050406030204" pitchFamily="18" charset="0"/>
+                          </a:rPr>
+                          <m:t>𝐴</m:t>
+                        </m:r>
+                      </m:e>
+                      <m:sub>
+                        <m:r>
+                          <a:rPr lang="fr-FR" sz="1600" i="1">
+                            <a:latin typeface="Cambria Math" panose="02040503050406030204" pitchFamily="18" charset="0"/>
+                          </a:rPr>
+                          <m:t>𝐻𝐷</m:t>
+                        </m:r>
+                      </m:sub>
+                    </m:sSub>
+                    <m:sSub>
+                      <m:sSubPr>
+                        <m:ctrlPr>
+                          <a:rPr lang="fr-FR" sz="1600" i="1">
+                            <a:latin typeface="Cambria Math" panose="02040503050406030204" pitchFamily="18" charset="0"/>
+                          </a:rPr>
+                        </m:ctrlPr>
+                      </m:sSubPr>
+                      <m:e>
+                        <m:r>
+                          <a:rPr lang="fr-FR" sz="1600" b="0" i="1" smtClean="0">
+                            <a:latin typeface="Cambria Math" panose="02040503050406030204" pitchFamily="18" charset="0"/>
+                          </a:rPr>
+                          <m:t>𝐵</m:t>
+                        </m:r>
+                      </m:e>
+                      <m:sub>
+                        <m:r>
+                          <a:rPr lang="fr-FR" sz="1600" i="1">
+                            <a:latin typeface="Cambria Math" panose="02040503050406030204" pitchFamily="18" charset="0"/>
+                          </a:rPr>
+                          <m:t>𝐻𝐷</m:t>
+                        </m:r>
+                      </m:sub>
+                    </m:sSub>
+                  </m:oMath>
+                </a14:m>
+                <a:r>
+                  <a:rPr lang="fr-FR" sz="1600" dirty="0"/>
+                  <a:t> </a:t>
+                </a:r>
+                <a:endParaRPr lang="fr-FR" sz="1600" b="0" i="1" dirty="0">
+                  <a:latin typeface="Cambria Math" panose="02040503050406030204" pitchFamily="18" charset="0"/>
+                </a:endParaRPr>
+              </a:p>
+              <a:p>
+                <a:pPr lvl="1"/>
+                <a14:m>
+                  <m:oMath xmlns:m="http://schemas.openxmlformats.org/officeDocument/2006/math">
+                    <m:sSub>
+                      <m:sSubPr>
+                        <m:ctrlPr>
+                          <a:rPr lang="fr-FR" sz="1600" b="0" i="1" smtClean="0">
+                            <a:latin typeface="Cambria Math" panose="02040503050406030204" pitchFamily="18" charset="0"/>
+                          </a:rPr>
+                        </m:ctrlPr>
+                      </m:sSubPr>
+                      <m:e>
+                        <m:r>
+                          <a:rPr lang="fr-FR" sz="1600" b="0" i="1" smtClean="0">
+                            <a:latin typeface="Cambria Math" panose="02040503050406030204" pitchFamily="18" charset="0"/>
+                          </a:rPr>
+                          <m:t>𝑅</m:t>
+                        </m:r>
+                      </m:e>
+                      <m:sub>
+                        <m:r>
+                          <a:rPr lang="fr-FR" sz="1600" b="0" i="1" smtClean="0">
+                            <a:latin typeface="Cambria Math" panose="02040503050406030204" pitchFamily="18" charset="0"/>
+                          </a:rPr>
+                          <m:t>𝑃</m:t>
+                        </m:r>
+                      </m:sub>
+                    </m:sSub>
+                    <m:r>
+                      <a:rPr lang="fr-FR" sz="1600" b="0" i="1" smtClean="0">
+                        <a:latin typeface="Cambria Math" panose="02040503050406030204" pitchFamily="18" charset="0"/>
+                      </a:rPr>
+                      <m:t>=</m:t>
+                    </m:r>
+                    <m:sSub>
+                      <m:sSubPr>
+                        <m:ctrlPr>
+                          <a:rPr lang="fr-FR" sz="1600" b="0" i="1" smtClean="0">
+                            <a:latin typeface="Cambria Math" panose="02040503050406030204" pitchFamily="18" charset="0"/>
+                          </a:rPr>
+                        </m:ctrlPr>
+                      </m:sSubPr>
+                      <m:e>
+                        <m:r>
+                          <a:rPr lang="fr-FR" sz="1600" b="0" i="1" smtClean="0">
+                            <a:latin typeface="Cambria Math" panose="02040503050406030204" pitchFamily="18" charset="0"/>
+                          </a:rPr>
+                          <m:t>𝐵</m:t>
+                        </m:r>
+                      </m:e>
+                      <m:sub>
+                        <m:r>
+                          <a:rPr lang="fr-FR" sz="1600" b="0" i="1" smtClean="0">
+                            <a:latin typeface="Cambria Math" panose="02040503050406030204" pitchFamily="18" charset="0"/>
+                          </a:rPr>
+                          <m:t>𝐻𝐷</m:t>
+                        </m:r>
+                      </m:sub>
+                    </m:sSub>
+                    <m:sSub>
+                      <m:sSubPr>
+                        <m:ctrlPr>
+                          <a:rPr lang="fr-FR" sz="1600" b="0" i="1" smtClean="0">
+                            <a:latin typeface="Cambria Math" panose="02040503050406030204" pitchFamily="18" charset="0"/>
+                          </a:rPr>
+                        </m:ctrlPr>
+                      </m:sSubPr>
+                      <m:e>
+                        <m:r>
+                          <a:rPr lang="fr-FR" sz="1600" b="0" i="1" smtClean="0">
+                            <a:latin typeface="Cambria Math" panose="02040503050406030204" pitchFamily="18" charset="0"/>
+                          </a:rPr>
+                          <m:t>𝐶</m:t>
+                        </m:r>
+                      </m:e>
+                      <m:sub>
+                        <m:r>
+                          <a:rPr lang="fr-FR" sz="1600" b="0" i="1" smtClean="0">
+                            <a:latin typeface="Cambria Math" panose="02040503050406030204" pitchFamily="18" charset="0"/>
+                          </a:rPr>
+                          <m:t>𝐻𝐷</m:t>
+                        </m:r>
+                      </m:sub>
+                    </m:sSub>
+                  </m:oMath>
+                </a14:m>
+                <a:endParaRPr lang="fr-FR" sz="1600" b="0" dirty="0"/>
+              </a:p>
+              <a:p>
+                <a:pPr lvl="1"/>
+                <a:endParaRPr lang="fr-FR" sz="1600" dirty="0"/>
+              </a:p>
+              <a:p>
+                <a:pPr lvl="1"/>
+                <a14:m>
+                  <m:oMath xmlns:m="http://schemas.openxmlformats.org/officeDocument/2006/math">
+                    <m:acc>
+                      <m:accPr>
+                        <m:chr m:val="⃗"/>
+                        <m:ctrlPr>
+                          <a:rPr lang="fr-FR" sz="1600" b="0" i="1" smtClean="0">
+                            <a:latin typeface="Cambria Math" panose="02040503050406030204" pitchFamily="18" charset="0"/>
+                          </a:rPr>
+                        </m:ctrlPr>
+                      </m:accPr>
+                      <m:e>
+                        <m:sSub>
+                          <m:sSubPr>
+                            <m:ctrlPr>
+                              <a:rPr lang="fr-FR" sz="1600" i="1">
+                                <a:latin typeface="Cambria Math" panose="02040503050406030204" pitchFamily="18" charset="0"/>
+                              </a:rPr>
+                            </m:ctrlPr>
+                          </m:sSubPr>
+                          <m:e>
+                            <m:r>
+                              <a:rPr lang="fr-FR" sz="1600" i="1">
+                                <a:latin typeface="Cambria Math" panose="02040503050406030204" pitchFamily="18" charset="0"/>
+                              </a:rPr>
+                              <m:t>𝐴</m:t>
+                            </m:r>
+                          </m:e>
+                          <m:sub>
+                            <m:r>
+                              <a:rPr lang="fr-FR" sz="1600" i="1">
+                                <a:latin typeface="Cambria Math" panose="02040503050406030204" pitchFamily="18" charset="0"/>
+                              </a:rPr>
+                              <m:t>𝐻𝐺</m:t>
+                            </m:r>
+                          </m:sub>
+                        </m:sSub>
+                        <m:sSub>
+                          <m:sSubPr>
+                            <m:ctrlPr>
+                              <a:rPr lang="fr-FR" sz="1600" i="1">
+                                <a:latin typeface="Cambria Math" panose="02040503050406030204" pitchFamily="18" charset="0"/>
+                              </a:rPr>
+                            </m:ctrlPr>
+                          </m:sSubPr>
+                          <m:e>
+                            <m:r>
+                              <a:rPr lang="fr-FR" sz="1600" i="1">
+                                <a:latin typeface="Cambria Math" panose="02040503050406030204" pitchFamily="18" charset="0"/>
+                              </a:rPr>
+                              <m:t>𝐴</m:t>
+                            </m:r>
+                          </m:e>
+                          <m:sub>
+                            <m:r>
+                              <a:rPr lang="fr-FR" sz="1600" i="1">
+                                <a:latin typeface="Cambria Math" panose="02040503050406030204" pitchFamily="18" charset="0"/>
+                              </a:rPr>
+                              <m:t>𝐻𝐷</m:t>
+                            </m:r>
+                          </m:sub>
+                        </m:sSub>
+                      </m:e>
+                    </m:acc>
+                    <m:r>
+                      <a:rPr lang="fr-FR" sz="1600" b="0" i="1" smtClean="0">
+                        <a:latin typeface="Cambria Math" panose="02040503050406030204" pitchFamily="18" charset="0"/>
+                      </a:rPr>
+                      <m:t>=</m:t>
+                    </m:r>
+                    <m:sSub>
+                      <m:sSubPr>
+                        <m:ctrlPr>
+                          <a:rPr lang="fr-FR" sz="1600" b="0" i="1" smtClean="0">
+                            <a:latin typeface="Cambria Math" panose="02040503050406030204" pitchFamily="18" charset="0"/>
+                          </a:rPr>
+                        </m:ctrlPr>
+                      </m:sSubPr>
+                      <m:e>
+                        <m:r>
+                          <a:rPr lang="fr-FR" sz="1600" b="0" i="1" smtClean="0">
+                            <a:latin typeface="Cambria Math" panose="02040503050406030204" pitchFamily="18" charset="0"/>
+                          </a:rPr>
+                          <m:t>𝐿</m:t>
+                        </m:r>
+                      </m:e>
+                      <m:sub>
+                        <m:r>
+                          <a:rPr lang="fr-FR" sz="1600" b="0" i="1" smtClean="0">
+                            <a:latin typeface="Cambria Math" panose="02040503050406030204" pitchFamily="18" charset="0"/>
+                          </a:rPr>
+                          <m:t>𝑀</m:t>
+                        </m:r>
+                      </m:sub>
+                    </m:sSub>
+                    <m:acc>
+                      <m:accPr>
+                        <m:chr m:val="⃗"/>
+                        <m:ctrlPr>
+                          <a:rPr lang="fr-FR" sz="1600" i="1">
+                            <a:latin typeface="Cambria Math" panose="02040503050406030204" pitchFamily="18" charset="0"/>
+                          </a:rPr>
+                        </m:ctrlPr>
+                      </m:accPr>
+                      <m:e>
+                        <m:sSub>
+                          <m:sSubPr>
+                            <m:ctrlPr>
+                              <a:rPr lang="fr-FR" sz="1600" b="0" i="1" smtClean="0">
+                                <a:latin typeface="Cambria Math" panose="02040503050406030204" pitchFamily="18" charset="0"/>
+                              </a:rPr>
+                            </m:ctrlPr>
+                          </m:sSubPr>
+                          <m:e>
+                            <m:r>
+                              <a:rPr lang="fr-FR" sz="1600" i="1">
+                                <a:latin typeface="Cambria Math" panose="02040503050406030204" pitchFamily="18" charset="0"/>
+                              </a:rPr>
+                              <m:t>𝑥</m:t>
+                            </m:r>
+                          </m:e>
+                          <m:sub>
+                            <m:r>
+                              <a:rPr lang="fr-FR" sz="1600" b="0" i="1" smtClean="0">
+                                <a:latin typeface="Cambria Math" panose="02040503050406030204" pitchFamily="18" charset="0"/>
+                              </a:rPr>
+                              <m:t>𝑀</m:t>
+                            </m:r>
+                          </m:sub>
+                        </m:sSub>
+                      </m:e>
+                    </m:acc>
+                  </m:oMath>
+                </a14:m>
+                <a:endParaRPr lang="fr-FR" sz="1600" b="0" dirty="0"/>
+              </a:p>
+              <a:p>
+                <a:pPr lvl="1"/>
+                <a14:m>
+                  <m:oMath xmlns:m="http://schemas.openxmlformats.org/officeDocument/2006/math">
+                    <m:sSub>
+                      <m:sSubPr>
+                        <m:ctrlPr>
+                          <a:rPr lang="fr-FR" sz="1600" b="0" i="1" smtClean="0">
+                            <a:latin typeface="Cambria Math" panose="02040503050406030204" pitchFamily="18" charset="0"/>
+                          </a:rPr>
+                        </m:ctrlPr>
+                      </m:sSubPr>
+                      <m:e>
+                        <m:r>
+                          <a:rPr lang="fr-FR" sz="1600" b="0" i="1" smtClean="0">
+                            <a:latin typeface="Cambria Math" panose="02040503050406030204" pitchFamily="18" charset="0"/>
+                          </a:rPr>
+                          <m:t>𝐴</m:t>
+                        </m:r>
+                      </m:e>
+                      <m:sub>
+                        <m:r>
+                          <a:rPr lang="fr-FR" sz="1600" b="0" i="1" smtClean="0">
+                            <a:latin typeface="Cambria Math" panose="02040503050406030204" pitchFamily="18" charset="0"/>
+                          </a:rPr>
+                          <m:t>𝐵</m:t>
+                        </m:r>
+                        <m:r>
+                          <a:rPr lang="fr-FR" sz="1600" b="0" i="1" smtClean="0">
+                            <a:latin typeface="Cambria Math" panose="02040503050406030204" pitchFamily="18" charset="0"/>
+                          </a:rPr>
+                          <m:t>𝐺</m:t>
+                        </m:r>
+                      </m:sub>
+                    </m:sSub>
+                    <m:sSub>
+                      <m:sSubPr>
+                        <m:ctrlPr>
+                          <a:rPr lang="fr-FR" sz="1600" i="1">
+                            <a:latin typeface="Cambria Math" panose="02040503050406030204" pitchFamily="18" charset="0"/>
+                          </a:rPr>
+                        </m:ctrlPr>
+                      </m:sSubPr>
+                      <m:e>
+                        <m:r>
+                          <a:rPr lang="fr-FR" sz="1600" i="1">
+                            <a:latin typeface="Cambria Math" panose="02040503050406030204" pitchFamily="18" charset="0"/>
+                          </a:rPr>
+                          <m:t>𝐴</m:t>
+                        </m:r>
+                      </m:e>
+                      <m:sub>
+                        <m:r>
+                          <a:rPr lang="fr-FR" sz="1600" i="1">
+                            <a:latin typeface="Cambria Math" panose="02040503050406030204" pitchFamily="18" charset="0"/>
+                          </a:rPr>
+                          <m:t>𝐻</m:t>
+                        </m:r>
+                        <m:r>
+                          <a:rPr lang="fr-FR" sz="1600" b="0" i="1" smtClean="0">
+                            <a:latin typeface="Cambria Math" panose="02040503050406030204" pitchFamily="18" charset="0"/>
+                          </a:rPr>
+                          <m:t>𝐺</m:t>
+                        </m:r>
+                      </m:sub>
+                    </m:sSub>
+                    <m:r>
+                      <a:rPr lang="fr-FR" sz="1600" b="0" i="1" smtClean="0">
+                        <a:latin typeface="Cambria Math" panose="02040503050406030204" pitchFamily="18" charset="0"/>
+                      </a:rPr>
+                      <m:t>=</m:t>
+                    </m:r>
+                    <m:sSub>
+                      <m:sSubPr>
+                        <m:ctrlPr>
+                          <a:rPr lang="fr-FR" sz="1600" b="0" i="1" smtClean="0">
+                            <a:latin typeface="Cambria Math" panose="02040503050406030204" pitchFamily="18" charset="0"/>
+                          </a:rPr>
+                        </m:ctrlPr>
+                      </m:sSubPr>
+                      <m:e>
+                        <m:r>
+                          <a:rPr lang="fr-FR" sz="1600" b="0" i="1" smtClean="0">
+                            <a:latin typeface="Cambria Math" panose="02040503050406030204" pitchFamily="18" charset="0"/>
+                          </a:rPr>
+                          <m:t>𝐻</m:t>
+                        </m:r>
+                      </m:e>
+                      <m:sub>
+                        <m:r>
+                          <a:rPr lang="fr-FR" sz="1600" b="0" i="1" smtClean="0">
+                            <a:latin typeface="Cambria Math" panose="02040503050406030204" pitchFamily="18" charset="0"/>
+                          </a:rPr>
+                          <m:t>𝑀</m:t>
+                        </m:r>
+                      </m:sub>
+                    </m:sSub>
+                    <m:acc>
+                      <m:accPr>
+                        <m:chr m:val="⃗"/>
+                        <m:ctrlPr>
+                          <a:rPr lang="fr-FR" sz="1600" i="1">
+                            <a:latin typeface="Cambria Math" panose="02040503050406030204" pitchFamily="18" charset="0"/>
+                          </a:rPr>
+                        </m:ctrlPr>
+                      </m:accPr>
+                      <m:e>
+                        <m:sSub>
+                          <m:sSubPr>
+                            <m:ctrlPr>
+                              <a:rPr lang="fr-FR" sz="1600" i="1">
+                                <a:latin typeface="Cambria Math" panose="02040503050406030204" pitchFamily="18" charset="0"/>
+                              </a:rPr>
+                            </m:ctrlPr>
+                          </m:sSubPr>
+                          <m:e>
+                            <m:r>
+                              <a:rPr lang="fr-FR" sz="1600" b="0" i="1" smtClean="0">
+                                <a:latin typeface="Cambria Math" panose="02040503050406030204" pitchFamily="18" charset="0"/>
+                              </a:rPr>
+                              <m:t>𝑦</m:t>
+                            </m:r>
+                          </m:e>
+                          <m:sub>
+                            <m:r>
+                              <a:rPr lang="fr-FR" sz="1600" i="1">
+                                <a:latin typeface="Cambria Math" panose="02040503050406030204" pitchFamily="18" charset="0"/>
+                              </a:rPr>
+                              <m:t>𝑀</m:t>
+                            </m:r>
+                          </m:sub>
+                        </m:sSub>
+                      </m:e>
+                    </m:acc>
+                  </m:oMath>
+                </a14:m>
+                <a:endParaRPr lang="fr-FR" sz="1600" dirty="0"/>
+              </a:p>
+              <a:p>
+                <a:endParaRPr lang="fr-FR" sz="1800" dirty="0"/>
+              </a:p>
+              <a:p>
+                <a:r>
+                  <a:rPr lang="fr-FR" sz="1800" dirty="0"/>
+                  <a:t>Le triangle </a:t>
+                </a:r>
+                <a14:m>
+                  <m:oMath xmlns:m="http://schemas.openxmlformats.org/officeDocument/2006/math">
+                    <m:r>
+                      <a:rPr lang="fr-FR" sz="1800" i="1" dirty="0" smtClean="0">
+                        <a:latin typeface="Cambria Math" panose="02040503050406030204" pitchFamily="18" charset="0"/>
+                      </a:rPr>
+                      <m:t>𝐴𝐵𝐶</m:t>
+                    </m:r>
+                  </m:oMath>
+                </a14:m>
+                <a:r>
+                  <a:rPr lang="fr-FR" sz="1800" dirty="0"/>
+                  <a:t> est rectangle en </a:t>
+                </a:r>
+                <a14:m>
+                  <m:oMath xmlns:m="http://schemas.openxmlformats.org/officeDocument/2006/math">
+                    <m:r>
+                      <a:rPr lang="fr-FR" sz="1800" i="1" dirty="0" smtClean="0">
+                        <a:latin typeface="Cambria Math" panose="02040503050406030204" pitchFamily="18" charset="0"/>
+                      </a:rPr>
+                      <m:t>𝐶</m:t>
+                    </m:r>
+                  </m:oMath>
+                </a14:m>
+                <a:r>
+                  <a:rPr lang="fr-FR" sz="1800" dirty="0"/>
+                  <a:t>. On a donc </a:t>
+                </a:r>
+                <a14:m>
+                  <m:oMath xmlns:m="http://schemas.openxmlformats.org/officeDocument/2006/math">
+                    <m:sSubSup>
+                      <m:sSubSupPr>
+                        <m:ctrlPr>
+                          <a:rPr lang="fr-FR" sz="1800" b="0" i="1" smtClean="0">
+                            <a:latin typeface="Cambria Math" panose="02040503050406030204" pitchFamily="18" charset="0"/>
+                          </a:rPr>
+                        </m:ctrlPr>
+                      </m:sSubSupPr>
+                      <m:e>
+                        <m:r>
+                          <a:rPr lang="fr-FR" sz="1800" b="0" i="1" smtClean="0">
+                            <a:latin typeface="Cambria Math" panose="02040503050406030204" pitchFamily="18" charset="0"/>
+                          </a:rPr>
+                          <m:t>𝐷</m:t>
+                        </m:r>
+                      </m:e>
+                      <m:sub>
+                        <m:r>
+                          <a:rPr lang="fr-FR" sz="1800" b="0" i="1" smtClean="0">
+                            <a:latin typeface="Cambria Math" panose="02040503050406030204" pitchFamily="18" charset="0"/>
+                          </a:rPr>
+                          <m:t>𝐻𝐷</m:t>
+                        </m:r>
+                      </m:sub>
+                      <m:sup>
+                        <m:r>
+                          <a:rPr lang="fr-FR" sz="1800" b="0" i="1" smtClean="0">
+                            <a:latin typeface="Cambria Math" panose="02040503050406030204" pitchFamily="18" charset="0"/>
+                          </a:rPr>
+                          <m:t>2</m:t>
+                        </m:r>
+                      </m:sup>
+                    </m:sSubSup>
+                    <m:r>
+                      <a:rPr lang="fr-FR" sz="1800" b="0" i="1" smtClean="0">
+                        <a:latin typeface="Cambria Math" panose="02040503050406030204" pitchFamily="18" charset="0"/>
+                      </a:rPr>
+                      <m:t>=</m:t>
+                    </m:r>
+                    <m:sSubSup>
+                      <m:sSubSupPr>
+                        <m:ctrlPr>
+                          <a:rPr lang="fr-FR" sz="1800" b="0" i="1" smtClean="0">
+                            <a:latin typeface="Cambria Math" panose="02040503050406030204" pitchFamily="18" charset="0"/>
+                          </a:rPr>
+                        </m:ctrlPr>
+                      </m:sSubSupPr>
+                      <m:e>
+                        <m:r>
+                          <a:rPr lang="fr-FR" sz="1800" b="0" i="1" smtClean="0">
+                            <a:latin typeface="Cambria Math" panose="02040503050406030204" pitchFamily="18" charset="0"/>
+                          </a:rPr>
+                          <m:t>𝐿</m:t>
+                        </m:r>
+                      </m:e>
+                      <m:sub>
+                        <m:r>
+                          <a:rPr lang="fr-FR" sz="1800" b="0" i="1" smtClean="0">
+                            <a:latin typeface="Cambria Math" panose="02040503050406030204" pitchFamily="18" charset="0"/>
+                          </a:rPr>
+                          <m:t>𝐻𝐷</m:t>
+                        </m:r>
+                      </m:sub>
+                      <m:sup>
+                        <m:r>
+                          <a:rPr lang="fr-FR" sz="1800" b="0" i="1" smtClean="0">
+                            <a:latin typeface="Cambria Math" panose="02040503050406030204" pitchFamily="18" charset="0"/>
+                          </a:rPr>
+                          <m:t>2</m:t>
+                        </m:r>
+                      </m:sup>
+                    </m:sSubSup>
+                    <m:r>
+                      <a:rPr lang="fr-FR" sz="1800" b="0" i="1" smtClean="0">
+                        <a:latin typeface="Cambria Math" panose="02040503050406030204" pitchFamily="18" charset="0"/>
+                      </a:rPr>
+                      <m:t>+</m:t>
+                    </m:r>
+                    <m:sSubSup>
+                      <m:sSubSupPr>
+                        <m:ctrlPr>
+                          <a:rPr lang="fr-FR" sz="1800" b="0" i="1" smtClean="0">
+                            <a:latin typeface="Cambria Math" panose="02040503050406030204" pitchFamily="18" charset="0"/>
+                          </a:rPr>
+                        </m:ctrlPr>
+                      </m:sSubSupPr>
+                      <m:e>
+                        <m:r>
+                          <a:rPr lang="fr-FR" sz="1800" b="0" i="1" smtClean="0">
+                            <a:latin typeface="Cambria Math" panose="02040503050406030204" pitchFamily="18" charset="0"/>
+                          </a:rPr>
+                          <m:t>𝑅</m:t>
+                        </m:r>
+                      </m:e>
+                      <m:sub>
+                        <m:r>
+                          <a:rPr lang="fr-FR" sz="1800" b="0" i="1" smtClean="0">
+                            <a:latin typeface="Cambria Math" panose="02040503050406030204" pitchFamily="18" charset="0"/>
+                          </a:rPr>
+                          <m:t>𝑃</m:t>
+                        </m:r>
+                      </m:sub>
+                      <m:sup>
+                        <m:r>
+                          <a:rPr lang="fr-FR" sz="1800" b="0" i="1" smtClean="0">
+                            <a:latin typeface="Cambria Math" panose="02040503050406030204" pitchFamily="18" charset="0"/>
+                          </a:rPr>
+                          <m:t>2</m:t>
+                        </m:r>
+                      </m:sup>
+                    </m:sSubSup>
+                  </m:oMath>
+                </a14:m>
+                <a:r>
+                  <a:rPr lang="fr-FR" sz="1800" dirty="0"/>
+                  <a:t>.</a:t>
+                </a:r>
+              </a:p>
+              <a:p>
+                <a14:m>
+                  <m:oMath xmlns:m="http://schemas.openxmlformats.org/officeDocument/2006/math">
+                    <m:acc>
+                      <m:accPr>
+                        <m:chr m:val="⃗"/>
+                        <m:ctrlPr>
+                          <a:rPr lang="fr-FR" sz="1800" i="1" smtClean="0">
+                            <a:latin typeface="Cambria Math" panose="02040503050406030204" pitchFamily="18" charset="0"/>
+                          </a:rPr>
+                        </m:ctrlPr>
+                      </m:accPr>
+                      <m:e>
+                        <m:r>
+                          <a:rPr lang="fr-FR" sz="1800" b="0" i="1" smtClean="0">
+                            <a:latin typeface="Cambria Math" panose="02040503050406030204" pitchFamily="18" charset="0"/>
+                          </a:rPr>
+                          <m:t>𝑂𝑀</m:t>
+                        </m:r>
+                      </m:e>
+                    </m:acc>
+                    <m:r>
+                      <a:rPr lang="fr-FR" sz="1800" b="0" i="1" smtClean="0">
+                        <a:latin typeface="Cambria Math" panose="02040503050406030204" pitchFamily="18" charset="0"/>
+                      </a:rPr>
+                      <m:t>=</m:t>
+                    </m:r>
+                    <m:sSub>
+                      <m:sSubPr>
+                        <m:ctrlPr>
+                          <a:rPr lang="fr-FR" sz="1800" b="0" i="1" smtClean="0">
+                            <a:latin typeface="Cambria Math" panose="02040503050406030204" pitchFamily="18" charset="0"/>
+                          </a:rPr>
+                        </m:ctrlPr>
+                      </m:sSubPr>
+                      <m:e>
+                        <m:r>
+                          <a:rPr lang="fr-FR" sz="1800" b="0" i="1" smtClean="0">
+                            <a:latin typeface="Cambria Math" panose="02040503050406030204" pitchFamily="18" charset="0"/>
+                          </a:rPr>
+                          <m:t>𝑋</m:t>
+                        </m:r>
+                      </m:e>
+                      <m:sub>
+                        <m:r>
+                          <a:rPr lang="fr-FR" sz="1800" b="0" i="1" smtClean="0">
+                            <a:latin typeface="Cambria Math" panose="02040503050406030204" pitchFamily="18" charset="0"/>
+                          </a:rPr>
+                          <m:t>𝑀</m:t>
+                        </m:r>
+                      </m:sub>
+                    </m:sSub>
+                    <m:acc>
+                      <m:accPr>
+                        <m:chr m:val="⃗"/>
+                        <m:ctrlPr>
+                          <a:rPr lang="fr-FR" sz="1800" i="1">
+                            <a:latin typeface="Cambria Math" panose="02040503050406030204" pitchFamily="18" charset="0"/>
+                          </a:rPr>
+                        </m:ctrlPr>
+                      </m:accPr>
+                      <m:e>
+                        <m:r>
+                          <a:rPr lang="fr-FR" sz="1800" b="0" i="1" smtClean="0">
+                            <a:latin typeface="Cambria Math" panose="02040503050406030204" pitchFamily="18" charset="0"/>
+                          </a:rPr>
+                          <m:t>𝑥</m:t>
+                        </m:r>
+                      </m:e>
+                    </m:acc>
+                    <m:r>
+                      <a:rPr lang="fr-FR" sz="1800" b="0" i="0" smtClean="0">
+                        <a:latin typeface="Cambria Math" panose="02040503050406030204" pitchFamily="18" charset="0"/>
+                      </a:rPr>
+                      <m:t>+</m:t>
+                    </m:r>
+                    <m:sSub>
+                      <m:sSubPr>
+                        <m:ctrlPr>
+                          <a:rPr lang="fr-FR" sz="1800" b="0" i="1" smtClean="0">
+                            <a:latin typeface="Cambria Math" panose="02040503050406030204" pitchFamily="18" charset="0"/>
+                          </a:rPr>
+                        </m:ctrlPr>
+                      </m:sSubPr>
+                      <m:e>
+                        <m:r>
+                          <a:rPr lang="fr-FR" sz="1800" b="0" i="1" smtClean="0">
+                            <a:latin typeface="Cambria Math" panose="02040503050406030204" pitchFamily="18" charset="0"/>
+                          </a:rPr>
+                          <m:t>𝑌</m:t>
+                        </m:r>
+                      </m:e>
+                      <m:sub>
+                        <m:r>
+                          <a:rPr lang="fr-FR" sz="1800" b="0" i="1" smtClean="0">
+                            <a:latin typeface="Cambria Math" panose="02040503050406030204" pitchFamily="18" charset="0"/>
+                          </a:rPr>
+                          <m:t>𝑀</m:t>
+                        </m:r>
+                      </m:sub>
+                    </m:sSub>
+                    <m:acc>
+                      <m:accPr>
+                        <m:chr m:val="⃗"/>
+                        <m:ctrlPr>
+                          <a:rPr lang="fr-FR" sz="1800" i="1">
+                            <a:latin typeface="Cambria Math" panose="02040503050406030204" pitchFamily="18" charset="0"/>
+                          </a:rPr>
+                        </m:ctrlPr>
+                      </m:accPr>
+                      <m:e>
+                        <m:r>
+                          <a:rPr lang="fr-FR" sz="1800" b="0" i="1" smtClean="0">
+                            <a:latin typeface="Cambria Math" panose="02040503050406030204" pitchFamily="18" charset="0"/>
+                          </a:rPr>
+                          <m:t>𝑦</m:t>
+                        </m:r>
+                      </m:e>
+                    </m:acc>
+                  </m:oMath>
+                </a14:m>
+                <a:endParaRPr lang="fr-FR" sz="1800" dirty="0"/>
+              </a:p>
+              <a:p>
+                <a14:m>
+                  <m:oMath xmlns:m="http://schemas.openxmlformats.org/officeDocument/2006/math">
+                    <m:acc>
+                      <m:accPr>
+                        <m:chr m:val="⃗"/>
+                        <m:ctrlPr>
+                          <a:rPr lang="fr-FR" sz="1800" i="1" smtClean="0">
+                            <a:latin typeface="Cambria Math" panose="02040503050406030204" pitchFamily="18" charset="0"/>
+                          </a:rPr>
+                        </m:ctrlPr>
+                      </m:accPr>
+                      <m:e>
+                        <m:r>
+                          <a:rPr lang="fr-FR" sz="1800" b="0" i="1" smtClean="0">
+                            <a:latin typeface="Cambria Math" panose="02040503050406030204" pitchFamily="18" charset="0"/>
+                          </a:rPr>
+                          <m:t>𝑂</m:t>
+                        </m:r>
+                        <m:sSub>
+                          <m:sSubPr>
+                            <m:ctrlPr>
+                              <a:rPr lang="fr-FR" sz="1800" b="0" i="1" smtClean="0">
+                                <a:latin typeface="Cambria Math" panose="02040503050406030204" pitchFamily="18" charset="0"/>
+                              </a:rPr>
+                            </m:ctrlPr>
+                          </m:sSubPr>
+                          <m:e>
+                            <m:r>
+                              <a:rPr lang="fr-FR" sz="1800" b="0" i="1" smtClean="0">
+                                <a:latin typeface="Cambria Math" panose="02040503050406030204" pitchFamily="18" charset="0"/>
+                              </a:rPr>
+                              <m:t>𝐵</m:t>
+                            </m:r>
+                          </m:e>
+                          <m:sub>
+                            <m:r>
+                              <a:rPr lang="fr-FR" sz="1800" b="0" i="1" smtClean="0">
+                                <a:latin typeface="Cambria Math" panose="02040503050406030204" pitchFamily="18" charset="0"/>
+                              </a:rPr>
+                              <m:t>𝐻𝐷</m:t>
+                            </m:r>
+                          </m:sub>
+                        </m:sSub>
+                      </m:e>
+                    </m:acc>
+                    <m:r>
+                      <a:rPr lang="fr-FR" sz="1800" b="0" i="1" smtClean="0">
+                        <a:latin typeface="Cambria Math" panose="02040503050406030204" pitchFamily="18" charset="0"/>
+                      </a:rPr>
+                      <m:t>=</m:t>
+                    </m:r>
+                    <m:sSub>
+                      <m:sSubPr>
+                        <m:ctrlPr>
+                          <a:rPr lang="fr-FR" sz="1800" b="0" i="1" smtClean="0">
+                            <a:latin typeface="Cambria Math" panose="02040503050406030204" pitchFamily="18" charset="0"/>
+                          </a:rPr>
+                        </m:ctrlPr>
+                      </m:sSubPr>
+                      <m:e>
+                        <m:r>
+                          <a:rPr lang="fr-FR" sz="1800" b="0" i="1" smtClean="0">
+                            <a:latin typeface="Cambria Math" panose="02040503050406030204" pitchFamily="18" charset="0"/>
+                          </a:rPr>
+                          <m:t>𝑋</m:t>
+                        </m:r>
+                      </m:e>
+                      <m:sub>
+                        <m:r>
+                          <a:rPr lang="fr-FR" sz="1800" b="0" i="1" smtClean="0">
+                            <a:latin typeface="Cambria Math" panose="02040503050406030204" pitchFamily="18" charset="0"/>
+                          </a:rPr>
+                          <m:t>𝐻𝐷</m:t>
+                        </m:r>
+                      </m:sub>
+                    </m:sSub>
+                    <m:acc>
+                      <m:accPr>
+                        <m:chr m:val="⃗"/>
+                        <m:ctrlPr>
+                          <a:rPr lang="fr-FR" sz="1800" i="1">
+                            <a:latin typeface="Cambria Math" panose="02040503050406030204" pitchFamily="18" charset="0"/>
+                          </a:rPr>
+                        </m:ctrlPr>
+                      </m:accPr>
+                      <m:e>
+                        <m:r>
+                          <a:rPr lang="fr-FR" sz="1800" b="0" i="1" smtClean="0">
+                            <a:latin typeface="Cambria Math" panose="02040503050406030204" pitchFamily="18" charset="0"/>
+                          </a:rPr>
+                          <m:t>𝑥</m:t>
+                        </m:r>
+                      </m:e>
+                    </m:acc>
+                    <m:r>
+                      <a:rPr lang="fr-FR" sz="1800" b="0" i="0" smtClean="0">
+                        <a:latin typeface="Cambria Math" panose="02040503050406030204" pitchFamily="18" charset="0"/>
+                      </a:rPr>
+                      <m:t>+</m:t>
+                    </m:r>
+                    <m:sSub>
+                      <m:sSubPr>
+                        <m:ctrlPr>
+                          <a:rPr lang="fr-FR" sz="1800" b="0" i="1" smtClean="0">
+                            <a:latin typeface="Cambria Math" panose="02040503050406030204" pitchFamily="18" charset="0"/>
+                          </a:rPr>
+                        </m:ctrlPr>
+                      </m:sSubPr>
+                      <m:e>
+                        <m:r>
+                          <a:rPr lang="fr-FR" sz="1800" b="0" i="1" smtClean="0">
+                            <a:latin typeface="Cambria Math" panose="02040503050406030204" pitchFamily="18" charset="0"/>
+                          </a:rPr>
+                          <m:t>𝑌</m:t>
+                        </m:r>
+                      </m:e>
+                      <m:sub>
+                        <m:r>
+                          <a:rPr lang="fr-FR" sz="1800" b="0" i="1" smtClean="0">
+                            <a:latin typeface="Cambria Math" panose="02040503050406030204" pitchFamily="18" charset="0"/>
+                          </a:rPr>
+                          <m:t>𝐻𝐷</m:t>
+                        </m:r>
+                      </m:sub>
+                    </m:sSub>
+                    <m:acc>
+                      <m:accPr>
+                        <m:chr m:val="⃗"/>
+                        <m:ctrlPr>
+                          <a:rPr lang="fr-FR" sz="1800" i="1">
+                            <a:latin typeface="Cambria Math" panose="02040503050406030204" pitchFamily="18" charset="0"/>
+                          </a:rPr>
+                        </m:ctrlPr>
+                      </m:accPr>
+                      <m:e>
+                        <m:r>
+                          <a:rPr lang="fr-FR" sz="1800" b="0" i="1" smtClean="0">
+                            <a:latin typeface="Cambria Math" panose="02040503050406030204" pitchFamily="18" charset="0"/>
+                          </a:rPr>
+                          <m:t>𝑦</m:t>
+                        </m:r>
+                      </m:e>
+                    </m:acc>
+                  </m:oMath>
+                </a14:m>
+                <a:endParaRPr lang="fr-FR" sz="1800" dirty="0"/>
+              </a:p>
+              <a:p>
+                <a:endParaRPr lang="fr-FR" sz="1800" dirty="0"/>
+              </a:p>
+            </p:txBody>
+          </p:sp>
+        </mc:Choice>
+        <mc:Fallback>
+          <p:sp>
+            <p:nvSpPr>
+              <p:cNvPr id="3" name="Espace réservé du contenu 2">
+                <a:extLst>
+                  <a:ext uri="{FF2B5EF4-FFF2-40B4-BE49-F238E27FC236}">
+                    <a16:creationId xmlns:a16="http://schemas.microsoft.com/office/drawing/2014/main" id="{F1033314-DAEF-3C58-6EAF-654339C65576}"/>
+                  </a:ext>
+                </a:extLst>
+              </p:cNvPr>
+              <p:cNvSpPr>
+                <a:spLocks noGrp="1" noRot="1" noChangeAspect="1" noMove="1" noResize="1" noEditPoints="1" noAdjustHandles="1" noChangeArrowheads="1" noChangeShapeType="1" noTextEdit="1"/>
+              </p:cNvSpPr>
+              <p:nvPr>
+                <p:ph idx="1"/>
+              </p:nvPr>
+            </p:nvSpPr>
+            <p:spPr>
+              <a:xfrm>
+                <a:off x="3224487" y="226621"/>
+                <a:ext cx="3283191" cy="4796556"/>
+              </a:xfrm>
+              <a:blipFill>
+                <a:blip r:embed="rId2"/>
+                <a:stretch>
+                  <a:fillRect l="-1299" t="-1144"/>
+                </a:stretch>
+              </a:blipFill>
+            </p:spPr>
+            <p:txBody>
+              <a:bodyPr/>
+              <a:lstStyle/>
+              <a:p>
+                <a:r>
+                  <a:rPr lang="fr-FR">
+                    <a:noFill/>
+                  </a:rPr>
+                  <a:t> </a:t>
+                </a:r>
+              </a:p>
+            </p:txBody>
+          </p:sp>
+        </mc:Fallback>
+      </mc:AlternateContent>
+      <mc:AlternateContent xmlns:mc="http://schemas.openxmlformats.org/markup-compatibility/2006">
+        <mc:Choice xmlns:a14="http://schemas.microsoft.com/office/drawing/2010/main" Requires="a14">
+          <p:sp>
+            <p:nvSpPr>
+              <p:cNvPr id="5" name="Espace réservé du contenu 2">
+                <a:extLst>
+                  <a:ext uri="{FF2B5EF4-FFF2-40B4-BE49-F238E27FC236}">
+                    <a16:creationId xmlns:a16="http://schemas.microsoft.com/office/drawing/2014/main" id="{6214CE3E-F031-C1D2-C208-F4DAC56D267A}"/>
+                  </a:ext>
+                </a:extLst>
+              </p:cNvPr>
+              <p:cNvSpPr txBox="1">
+                <a:spLocks/>
+              </p:cNvSpPr>
+              <p:nvPr/>
+            </p:nvSpPr>
+            <p:spPr>
+              <a:xfrm>
+                <a:off x="6305797" y="250371"/>
+                <a:ext cx="5789195" cy="6031676"/>
+              </a:xfrm>
+              <a:prstGeom prst="rect">
+                <a:avLst/>
+              </a:prstGeom>
+              <a:ln>
+                <a:noFill/>
+              </a:ln>
+            </p:spPr>
+            <p:txBody>
+              <a:bodyPr vert="horz" lIns="91440" tIns="45720" rIns="91440" bIns="45720" rtlCol="0">
+                <a:normAutofit fontScale="92500" lnSpcReduction="10000"/>
+              </a:bodyPr>
+              <a:lstStyle>
+                <a:lvl1pPr marL="228600" indent="-228600" algn="l" defTabSz="914400" rtl="0" eaLnBrk="1" latinLnBrk="0" hangingPunct="1">
+                  <a:lnSpc>
+                    <a:spcPct val="90000"/>
+                  </a:lnSpc>
+                  <a:spcBef>
+                    <a:spcPts val="1000"/>
+                  </a:spcBef>
+                  <a:buFont typeface="Arial" panose="020B0604020202020204" pitchFamily="34" charset="0"/>
+                  <a:buChar char="•"/>
+                  <a:defRPr sz="2800" kern="1200">
+                    <a:solidFill>
+                      <a:schemeClr val="tx1"/>
+                    </a:solidFill>
+                    <a:latin typeface="+mn-lt"/>
+                    <a:ea typeface="+mn-ea"/>
+                    <a:cs typeface="+mn-cs"/>
+                  </a:defRPr>
+                </a:lvl1pPr>
+                <a:lvl2pPr marL="685800" indent="-228600" algn="l" defTabSz="914400" rtl="0" eaLnBrk="1" latinLnBrk="0" hangingPunct="1">
+                  <a:lnSpc>
+                    <a:spcPct val="90000"/>
+                  </a:lnSpc>
+                  <a:spcBef>
+                    <a:spcPts val="500"/>
+                  </a:spcBef>
+                  <a:buFont typeface="Arial" panose="020B0604020202020204" pitchFamily="34" charset="0"/>
+                  <a:buChar char="•"/>
+                  <a:defRPr sz="2400" kern="1200">
+                    <a:solidFill>
+                      <a:schemeClr val="tx1"/>
+                    </a:solidFill>
+                    <a:latin typeface="+mn-lt"/>
+                    <a:ea typeface="+mn-ea"/>
+                    <a:cs typeface="+mn-cs"/>
+                  </a:defRPr>
+                </a:lvl2pPr>
+                <a:lvl3pPr marL="1143000" indent="-228600" algn="l" defTabSz="914400" rtl="0" eaLnBrk="1" latinLnBrk="0" hangingPunct="1">
+                  <a:lnSpc>
+                    <a:spcPct val="90000"/>
+                  </a:lnSpc>
+                  <a:spcBef>
+                    <a:spcPts val="500"/>
+                  </a:spcBef>
+                  <a:buFont typeface="Arial" panose="020B0604020202020204" pitchFamily="34" charset="0"/>
+                  <a:buChar char="•"/>
+                  <a:defRPr sz="2000" kern="1200">
+                    <a:solidFill>
+                      <a:schemeClr val="tx1"/>
+                    </a:solidFill>
+                    <a:latin typeface="+mn-lt"/>
+                    <a:ea typeface="+mn-ea"/>
+                    <a:cs typeface="+mn-cs"/>
+                  </a:defRPr>
+                </a:lvl3pPr>
+                <a:lvl4pPr marL="1600200" indent="-228600" algn="l" defTabSz="914400" rtl="0" eaLnBrk="1" latinLnBrk="0" hangingPunct="1">
+                  <a:lnSpc>
+                    <a:spcPct val="90000"/>
+                  </a:lnSpc>
+                  <a:spcBef>
+                    <a:spcPts val="500"/>
+                  </a:spcBef>
+                  <a:buFont typeface="Arial" panose="020B0604020202020204" pitchFamily="34" charset="0"/>
+                  <a:buChar char="•"/>
+                  <a:defRPr sz="1800" kern="1200">
+                    <a:solidFill>
+                      <a:schemeClr val="tx1"/>
+                    </a:solidFill>
+                    <a:latin typeface="+mn-lt"/>
+                    <a:ea typeface="+mn-ea"/>
+                    <a:cs typeface="+mn-cs"/>
+                  </a:defRPr>
+                </a:lvl4pPr>
+                <a:lvl5pPr marL="2057400" indent="-228600" algn="l" defTabSz="914400" rtl="0" eaLnBrk="1" latinLnBrk="0" hangingPunct="1">
+                  <a:lnSpc>
+                    <a:spcPct val="90000"/>
+                  </a:lnSpc>
+                  <a:spcBef>
+                    <a:spcPts val="500"/>
+                  </a:spcBef>
+                  <a:buFont typeface="Arial" panose="020B0604020202020204" pitchFamily="34" charset="0"/>
+                  <a:buChar char="•"/>
+                  <a:defRPr sz="1800" kern="1200">
+                    <a:solidFill>
+                      <a:schemeClr val="tx1"/>
+                    </a:solidFill>
+                    <a:latin typeface="+mn-lt"/>
+                    <a:ea typeface="+mn-ea"/>
+                    <a:cs typeface="+mn-cs"/>
+                  </a:defRPr>
+                </a:lvl5pPr>
+                <a:lvl6pPr marL="2514600" indent="-228600" algn="l" defTabSz="914400" rtl="0" eaLnBrk="1" latinLnBrk="0" hangingPunct="1">
+                  <a:lnSpc>
+                    <a:spcPct val="90000"/>
+                  </a:lnSpc>
+                  <a:spcBef>
+                    <a:spcPts val="500"/>
+                  </a:spcBef>
+                  <a:buFont typeface="Arial" panose="020B0604020202020204" pitchFamily="34" charset="0"/>
+                  <a:buChar char="•"/>
+                  <a:defRPr sz="1800" kern="1200">
+                    <a:solidFill>
+                      <a:schemeClr val="tx1"/>
+                    </a:solidFill>
+                    <a:latin typeface="+mn-lt"/>
+                    <a:ea typeface="+mn-ea"/>
+                    <a:cs typeface="+mn-cs"/>
+                  </a:defRPr>
+                </a:lvl6pPr>
+                <a:lvl7pPr marL="2971800" indent="-228600" algn="l" defTabSz="914400" rtl="0" eaLnBrk="1" latinLnBrk="0" hangingPunct="1">
+                  <a:lnSpc>
+                    <a:spcPct val="90000"/>
+                  </a:lnSpc>
+                  <a:spcBef>
+                    <a:spcPts val="500"/>
+                  </a:spcBef>
+                  <a:buFont typeface="Arial" panose="020B0604020202020204" pitchFamily="34" charset="0"/>
+                  <a:buChar char="•"/>
+                  <a:defRPr sz="1800" kern="1200">
+                    <a:solidFill>
+                      <a:schemeClr val="tx1"/>
+                    </a:solidFill>
+                    <a:latin typeface="+mn-lt"/>
+                    <a:ea typeface="+mn-ea"/>
+                    <a:cs typeface="+mn-cs"/>
+                  </a:defRPr>
+                </a:lvl7pPr>
+                <a:lvl8pPr marL="3429000" indent="-228600" algn="l" defTabSz="914400" rtl="0" eaLnBrk="1" latinLnBrk="0" hangingPunct="1">
+                  <a:lnSpc>
+                    <a:spcPct val="90000"/>
+                  </a:lnSpc>
+                  <a:spcBef>
+                    <a:spcPts val="500"/>
+                  </a:spcBef>
+                  <a:buFont typeface="Arial" panose="020B0604020202020204" pitchFamily="34" charset="0"/>
+                  <a:buChar char="•"/>
+                  <a:defRPr sz="1800" kern="1200">
+                    <a:solidFill>
+                      <a:schemeClr val="tx1"/>
+                    </a:solidFill>
+                    <a:latin typeface="+mn-lt"/>
+                    <a:ea typeface="+mn-ea"/>
+                    <a:cs typeface="+mn-cs"/>
+                  </a:defRPr>
+                </a:lvl8pPr>
+                <a:lvl9pPr marL="3886200" indent="-228600" algn="l" defTabSz="914400" rtl="0" eaLnBrk="1" latinLnBrk="0" hangingPunct="1">
+                  <a:lnSpc>
+                    <a:spcPct val="90000"/>
+                  </a:lnSpc>
+                  <a:spcBef>
+                    <a:spcPts val="500"/>
+                  </a:spcBef>
+                  <a:buFont typeface="Arial" panose="020B0604020202020204" pitchFamily="34" charset="0"/>
+                  <a:buChar char="•"/>
+                  <a:defRPr sz="1800" kern="1200">
+                    <a:solidFill>
+                      <a:schemeClr val="tx1"/>
+                    </a:solidFill>
+                    <a:latin typeface="+mn-lt"/>
+                    <a:ea typeface="+mn-ea"/>
+                    <a:cs typeface="+mn-cs"/>
+                  </a:defRPr>
+                </a:lvl9pPr>
+              </a:lstStyle>
+              <a:p>
+                <a:r>
+                  <a:rPr lang="fr-FR" sz="2000" dirty="0"/>
+                  <a:t>On a</a:t>
+                </a:r>
+                <a14:m/>
+              </a:p>
+              <a:p>
+                <a:pPr lvl="1"/>
+                <a:endParaRPr lang="fr-FR" sz="1600" strike="sngStrike" dirty="0"/>
+              </a:p>
+              <a:p>
+                <a:pPr lvl="1"/>
+                <a14:m>
+                  <m:oMath xmlns:m="http://schemas.openxmlformats.org/officeDocument/2006/math">
+                    <m:acc>
+                      <m:accPr>
+                        <m:chr m:val="⃗"/>
+                        <m:ctrlPr>
+                          <a:rPr lang="fr-FR" sz="1600" i="1" strike="sngStrike" smtClean="0">
+                            <a:solidFill>
+                              <a:schemeClr val="accent1"/>
+                            </a:solidFill>
+                            <a:latin typeface="Cambria Math" panose="02040503050406030204" pitchFamily="18" charset="0"/>
+                          </a:rPr>
+                        </m:ctrlPr>
+                      </m:accPr>
+                      <m:e>
+                        <m:r>
+                          <a:rPr lang="fr-FR" sz="1600" b="0" i="1" strike="sngStrike" smtClean="0">
+                            <a:solidFill>
+                              <a:schemeClr val="accent1"/>
+                            </a:solidFill>
+                            <a:latin typeface="Cambria Math" panose="02040503050406030204" pitchFamily="18" charset="0"/>
+                          </a:rPr>
+                          <m:t>𝑂</m:t>
+                        </m:r>
+                        <m:r>
+                          <a:rPr lang="fr-FR" sz="1600" i="1" strike="sngStrike" smtClean="0">
+                            <a:solidFill>
+                              <a:schemeClr val="accent1"/>
+                            </a:solidFill>
+                            <a:latin typeface="Cambria Math" panose="02040503050406030204" pitchFamily="18" charset="0"/>
+                          </a:rPr>
+                          <m:t>𝑀</m:t>
+                        </m:r>
+                      </m:e>
+                    </m:acc>
+                  </m:oMath>
+                </a14:m>
+                <a:r>
+                  <a:rPr lang="fr-FR" sz="1600" strike="sngStrike" dirty="0">
+                    <a:solidFill>
+                      <a:schemeClr val="accent1"/>
+                    </a:solidFill>
+                  </a:rPr>
+                  <a:t> = </a:t>
+                </a:r>
+                <a14:m>
+                  <m:oMath xmlns:m="http://schemas.openxmlformats.org/officeDocument/2006/math">
+                    <m:acc>
+                      <m:accPr>
+                        <m:chr m:val="⃗"/>
+                        <m:ctrlPr>
+                          <a:rPr lang="fr-FR" sz="1600" i="1" strike="sngStrike">
+                            <a:solidFill>
+                              <a:schemeClr val="accent1"/>
+                            </a:solidFill>
+                            <a:latin typeface="Cambria Math" panose="02040503050406030204" pitchFamily="18" charset="0"/>
+                          </a:rPr>
+                        </m:ctrlPr>
+                      </m:accPr>
+                      <m:e>
+                        <m:r>
+                          <a:rPr lang="fr-FR" sz="1600" i="1" strike="sngStrike">
+                            <a:solidFill>
+                              <a:schemeClr val="accent1"/>
+                            </a:solidFill>
+                            <a:latin typeface="Cambria Math" panose="02040503050406030204" pitchFamily="18" charset="0"/>
+                          </a:rPr>
+                          <m:t>𝑂</m:t>
+                        </m:r>
+                        <m:sSub>
+                          <m:sSubPr>
+                            <m:ctrlPr>
+                              <a:rPr lang="fr-FR" sz="1600" b="0" i="1" strike="sngStrike" smtClean="0">
+                                <a:solidFill>
+                                  <a:schemeClr val="accent1"/>
+                                </a:solidFill>
+                                <a:latin typeface="Cambria Math" panose="02040503050406030204" pitchFamily="18" charset="0"/>
+                              </a:rPr>
+                            </m:ctrlPr>
+                          </m:sSubPr>
+                          <m:e>
+                            <m:r>
+                              <a:rPr lang="fr-FR" sz="1600" b="0" i="1" strike="sngStrike" smtClean="0">
+                                <a:solidFill>
+                                  <a:schemeClr val="accent1"/>
+                                </a:solidFill>
+                                <a:latin typeface="Cambria Math" panose="02040503050406030204" pitchFamily="18" charset="0"/>
+                              </a:rPr>
+                              <m:t>𝐵</m:t>
+                            </m:r>
+                          </m:e>
+                          <m:sub>
+                            <m:r>
+                              <a:rPr lang="fr-FR" sz="1600" b="0" i="1" strike="sngStrike" smtClean="0">
+                                <a:solidFill>
+                                  <a:schemeClr val="accent1"/>
+                                </a:solidFill>
+                                <a:latin typeface="Cambria Math" panose="02040503050406030204" pitchFamily="18" charset="0"/>
+                              </a:rPr>
+                              <m:t>𝐻𝐷</m:t>
+                            </m:r>
+                          </m:sub>
+                        </m:sSub>
+                      </m:e>
+                    </m:acc>
+                    <m:r>
+                      <a:rPr lang="fr-FR" sz="1600" b="0" i="1" strike="sngStrike" smtClean="0">
+                        <a:latin typeface="Cambria Math" panose="02040503050406030204" pitchFamily="18" charset="0"/>
+                      </a:rPr>
+                      <m:t>+</m:t>
+                    </m:r>
+                    <m:acc>
+                      <m:accPr>
+                        <m:chr m:val="⃗"/>
+                        <m:ctrlPr>
+                          <a:rPr lang="fr-FR" sz="1600" i="1" strike="sngStrike">
+                            <a:latin typeface="Cambria Math" panose="02040503050406030204" pitchFamily="18" charset="0"/>
+                          </a:rPr>
+                        </m:ctrlPr>
+                      </m:accPr>
+                      <m:e>
+                        <m:sSub>
+                          <m:sSubPr>
+                            <m:ctrlPr>
+                              <a:rPr lang="fr-FR" sz="1600" i="1" strike="sngStrike">
+                                <a:latin typeface="Cambria Math" panose="02040503050406030204" pitchFamily="18" charset="0"/>
+                              </a:rPr>
+                            </m:ctrlPr>
+                          </m:sSubPr>
+                          <m:e>
+                            <m:sSub>
+                              <m:sSubPr>
+                                <m:ctrlPr>
+                                  <a:rPr lang="fr-FR" sz="1600" i="1" strike="sngStrike">
+                                    <a:latin typeface="Cambria Math" panose="02040503050406030204" pitchFamily="18" charset="0"/>
+                                  </a:rPr>
+                                </m:ctrlPr>
+                              </m:sSubPr>
+                              <m:e>
+                                <m:r>
+                                  <a:rPr lang="fr-FR" sz="1600" b="0" i="1" strike="sngStrike" smtClean="0">
+                                    <a:latin typeface="Cambria Math" panose="02040503050406030204" pitchFamily="18" charset="0"/>
+                                  </a:rPr>
+                                  <m:t>𝐵</m:t>
+                                </m:r>
+                              </m:e>
+                              <m:sub>
+                                <m:r>
+                                  <a:rPr lang="fr-FR" sz="1600" i="1" strike="sngStrike">
+                                    <a:latin typeface="Cambria Math" panose="02040503050406030204" pitchFamily="18" charset="0"/>
+                                  </a:rPr>
+                                  <m:t>𝐻𝐷</m:t>
+                                </m:r>
+                              </m:sub>
+                            </m:sSub>
+                            <m:r>
+                              <a:rPr lang="fr-FR" sz="1600" i="1" strike="sngStrike">
+                                <a:latin typeface="Cambria Math" panose="02040503050406030204" pitchFamily="18" charset="0"/>
+                              </a:rPr>
+                              <m:t>𝐴</m:t>
+                            </m:r>
+                          </m:e>
+                          <m:sub>
+                            <m:r>
+                              <a:rPr lang="fr-FR" sz="1600" i="1" strike="sngStrike">
+                                <a:latin typeface="Cambria Math" panose="02040503050406030204" pitchFamily="18" charset="0"/>
+                              </a:rPr>
+                              <m:t>𝐻𝐷</m:t>
+                            </m:r>
+                          </m:sub>
+                        </m:sSub>
+                      </m:e>
+                    </m:acc>
+                  </m:oMath>
+                </a14:m>
+                <a:r>
+                  <a:rPr lang="fr-FR" sz="1600" strike="sngStrike" dirty="0"/>
+                  <a:t> </a:t>
+                </a:r>
+                <a14:m>
+                  <m:oMath xmlns:m="http://schemas.openxmlformats.org/officeDocument/2006/math">
+                    <m:r>
+                      <a:rPr lang="fr-FR" sz="1600" i="1" strike="sngStrike">
+                        <a:latin typeface="Cambria Math" panose="02040503050406030204" pitchFamily="18" charset="0"/>
+                      </a:rPr>
+                      <m:t>+</m:t>
+                    </m:r>
+                    <m:acc>
+                      <m:accPr>
+                        <m:chr m:val="⃗"/>
+                        <m:ctrlPr>
+                          <a:rPr lang="fr-FR" sz="1600" i="1" strike="sngStrike" smtClean="0">
+                            <a:solidFill>
+                              <a:schemeClr val="accent1"/>
+                            </a:solidFill>
+                            <a:latin typeface="Cambria Math" panose="02040503050406030204" pitchFamily="18" charset="0"/>
+                          </a:rPr>
+                        </m:ctrlPr>
+                      </m:accPr>
+                      <m:e>
+                        <m:sSub>
+                          <m:sSubPr>
+                            <m:ctrlPr>
+                              <a:rPr lang="fr-FR" sz="1600" i="1" strike="sngStrike">
+                                <a:solidFill>
+                                  <a:schemeClr val="accent1"/>
+                                </a:solidFill>
+                                <a:latin typeface="Cambria Math" panose="02040503050406030204" pitchFamily="18" charset="0"/>
+                              </a:rPr>
+                            </m:ctrlPr>
+                          </m:sSubPr>
+                          <m:e>
+                            <m:r>
+                              <a:rPr lang="fr-FR" sz="1600" i="1" strike="sngStrike">
+                                <a:solidFill>
+                                  <a:schemeClr val="accent1"/>
+                                </a:solidFill>
+                                <a:latin typeface="Cambria Math" panose="02040503050406030204" pitchFamily="18" charset="0"/>
+                              </a:rPr>
+                              <m:t>𝐴</m:t>
+                            </m:r>
+                          </m:e>
+                          <m:sub>
+                            <m:r>
+                              <a:rPr lang="fr-FR" sz="1600" i="1" strike="sngStrike">
+                                <a:solidFill>
+                                  <a:schemeClr val="accent1"/>
+                                </a:solidFill>
+                                <a:latin typeface="Cambria Math" panose="02040503050406030204" pitchFamily="18" charset="0"/>
+                              </a:rPr>
+                              <m:t>𝐻𝐷</m:t>
+                            </m:r>
+                          </m:sub>
+                        </m:sSub>
+                        <m:r>
+                          <a:rPr lang="fr-FR" sz="1600" b="0" i="1" strike="sngStrike" smtClean="0">
+                            <a:solidFill>
+                              <a:schemeClr val="accent1"/>
+                            </a:solidFill>
+                            <a:latin typeface="Cambria Math" panose="02040503050406030204" pitchFamily="18" charset="0"/>
+                          </a:rPr>
+                          <m:t>𝑀</m:t>
+                        </m:r>
+                      </m:e>
+                    </m:acc>
+                  </m:oMath>
+                </a14:m>
+                <a:endParaRPr lang="fr-FR" sz="1600" strike="sngStrike" dirty="0">
+                  <a:solidFill>
+                    <a:schemeClr val="accent1"/>
+                  </a:solidFill>
+                </a:endParaRPr>
+              </a:p>
+              <a:p>
+                <a:pPr lvl="1"/>
+                <a:endParaRPr lang="fr-FR" sz="1600" dirty="0"/>
+              </a:p>
+              <a:p>
+                <a:pPr lvl="1"/>
+                <a14:m>
+                  <m:oMath xmlns:m="http://schemas.openxmlformats.org/officeDocument/2006/math">
+                    <m:acc>
+                      <m:accPr>
+                        <m:chr m:val="⃗"/>
+                        <m:ctrlPr>
+                          <a:rPr lang="fr-FR" sz="1600" i="1" smtClean="0">
+                            <a:latin typeface="Cambria Math" panose="02040503050406030204" pitchFamily="18" charset="0"/>
+                          </a:rPr>
+                        </m:ctrlPr>
+                      </m:accPr>
+                      <m:e>
+                        <m:sSub>
+                          <m:sSubPr>
+                            <m:ctrlPr>
+                              <a:rPr lang="fr-FR" sz="1600" i="1">
+                                <a:latin typeface="Cambria Math" panose="02040503050406030204" pitchFamily="18" charset="0"/>
+                              </a:rPr>
+                            </m:ctrlPr>
+                          </m:sSubPr>
+                          <m:e>
+                            <m:sSub>
+                              <m:sSubPr>
+                                <m:ctrlPr>
+                                  <a:rPr lang="fr-FR" sz="1600" i="1">
+                                    <a:latin typeface="Cambria Math" panose="02040503050406030204" pitchFamily="18" charset="0"/>
+                                  </a:rPr>
+                                </m:ctrlPr>
+                              </m:sSubPr>
+                              <m:e>
+                                <m:r>
+                                  <a:rPr lang="fr-FR" sz="1600" b="0" i="1" smtClean="0">
+                                    <a:latin typeface="Cambria Math" panose="02040503050406030204" pitchFamily="18" charset="0"/>
+                                  </a:rPr>
+                                  <m:t>𝐴</m:t>
+                                </m:r>
+                              </m:e>
+                              <m:sub>
+                                <m:r>
+                                  <a:rPr lang="fr-FR" sz="1600" i="1">
+                                    <a:latin typeface="Cambria Math" panose="02040503050406030204" pitchFamily="18" charset="0"/>
+                                  </a:rPr>
+                                  <m:t>𝐻𝐷</m:t>
+                                </m:r>
+                              </m:sub>
+                            </m:sSub>
+                            <m:r>
+                              <a:rPr lang="fr-FR" sz="1600" b="0" i="1" smtClean="0">
+                                <a:latin typeface="Cambria Math" panose="02040503050406030204" pitchFamily="18" charset="0"/>
+                              </a:rPr>
+                              <m:t>𝐵</m:t>
+                            </m:r>
+                          </m:e>
+                          <m:sub>
+                            <m:r>
+                              <a:rPr lang="fr-FR" sz="1600" i="1">
+                                <a:latin typeface="Cambria Math" panose="02040503050406030204" pitchFamily="18" charset="0"/>
+                              </a:rPr>
+                              <m:t>𝐻𝐷</m:t>
+                            </m:r>
+                          </m:sub>
+                        </m:sSub>
+                      </m:e>
+                    </m:acc>
+                  </m:oMath>
+                </a14:m>
+                <a:r>
+                  <a:rPr lang="fr-FR" sz="1600" dirty="0"/>
+                  <a:t>= </a:t>
+                </a:r>
+                <a14:m>
+                  <m:oMath xmlns:m="http://schemas.openxmlformats.org/officeDocument/2006/math">
+                    <m:acc>
+                      <m:accPr>
+                        <m:chr m:val="⃗"/>
+                        <m:ctrlPr>
+                          <a:rPr lang="fr-FR" sz="1600" i="1">
+                            <a:latin typeface="Cambria Math" panose="02040503050406030204" pitchFamily="18" charset="0"/>
+                          </a:rPr>
+                        </m:ctrlPr>
+                      </m:accPr>
+                      <m:e>
+                        <m:sSub>
+                          <m:sSubPr>
+                            <m:ctrlPr>
+                              <a:rPr lang="fr-FR" sz="1600" i="1">
+                                <a:latin typeface="Cambria Math" panose="02040503050406030204" pitchFamily="18" charset="0"/>
+                              </a:rPr>
+                            </m:ctrlPr>
+                          </m:sSubPr>
+                          <m:e>
+                            <m:r>
+                              <a:rPr lang="fr-FR" sz="1600" i="1">
+                                <a:latin typeface="Cambria Math" panose="02040503050406030204" pitchFamily="18" charset="0"/>
+                              </a:rPr>
+                              <m:t>𝐴</m:t>
+                            </m:r>
+                          </m:e>
+                          <m:sub>
+                            <m:r>
+                              <a:rPr lang="fr-FR" sz="1600" i="1">
+                                <a:latin typeface="Cambria Math" panose="02040503050406030204" pitchFamily="18" charset="0"/>
+                              </a:rPr>
+                              <m:t>𝐻𝐷</m:t>
+                            </m:r>
+                          </m:sub>
+                        </m:sSub>
+                        <m:r>
+                          <a:rPr lang="fr-FR" sz="1600" b="0" i="1" smtClean="0">
+                            <a:latin typeface="Cambria Math" panose="02040503050406030204" pitchFamily="18" charset="0"/>
+                          </a:rPr>
+                          <m:t>𝑀</m:t>
+                        </m:r>
+                      </m:e>
+                    </m:acc>
+                    <m:r>
+                      <a:rPr lang="fr-FR" sz="1600" b="0" i="1" smtClean="0">
+                        <a:latin typeface="Cambria Math" panose="02040503050406030204" pitchFamily="18" charset="0"/>
+                      </a:rPr>
+                      <m:t>+</m:t>
+                    </m:r>
+                    <m:acc>
+                      <m:accPr>
+                        <m:chr m:val="⃗"/>
+                        <m:ctrlPr>
+                          <a:rPr lang="fr-FR" sz="1600" i="1">
+                            <a:latin typeface="Cambria Math" panose="02040503050406030204" pitchFamily="18" charset="0"/>
+                          </a:rPr>
+                        </m:ctrlPr>
+                      </m:accPr>
+                      <m:e>
+                        <m:r>
+                          <a:rPr lang="fr-FR" sz="1600" i="1">
+                            <a:latin typeface="Cambria Math" panose="02040503050406030204" pitchFamily="18" charset="0"/>
+                          </a:rPr>
+                          <m:t>𝑀</m:t>
+                        </m:r>
+                        <m:r>
+                          <a:rPr lang="fr-FR" sz="1600" b="0" i="1" smtClean="0">
+                            <a:latin typeface="Cambria Math" panose="02040503050406030204" pitchFamily="18" charset="0"/>
+                          </a:rPr>
+                          <m:t>𝑂</m:t>
+                        </m:r>
+                      </m:e>
+                    </m:acc>
+                    <m:r>
+                      <a:rPr lang="fr-FR" sz="1600" b="0" i="1" smtClean="0">
+                        <a:latin typeface="Cambria Math" panose="02040503050406030204" pitchFamily="18" charset="0"/>
+                      </a:rPr>
+                      <m:t>+</m:t>
+                    </m:r>
+                    <m:acc>
+                      <m:accPr>
+                        <m:chr m:val="⃗"/>
+                        <m:ctrlPr>
+                          <a:rPr lang="fr-FR" sz="1600" i="1">
+                            <a:solidFill>
+                              <a:schemeClr val="accent1"/>
+                            </a:solidFill>
+                            <a:latin typeface="Cambria Math" panose="02040503050406030204" pitchFamily="18" charset="0"/>
+                          </a:rPr>
+                        </m:ctrlPr>
+                      </m:accPr>
+                      <m:e>
+                        <m:r>
+                          <a:rPr lang="fr-FR" sz="1600" i="1">
+                            <a:solidFill>
+                              <a:schemeClr val="accent1"/>
+                            </a:solidFill>
+                            <a:latin typeface="Cambria Math" panose="02040503050406030204" pitchFamily="18" charset="0"/>
+                          </a:rPr>
+                          <m:t>𝑂</m:t>
+                        </m:r>
+                        <m:sSub>
+                          <m:sSubPr>
+                            <m:ctrlPr>
+                              <a:rPr lang="fr-FR" sz="1600" i="1">
+                                <a:solidFill>
+                                  <a:schemeClr val="accent1"/>
+                                </a:solidFill>
+                                <a:latin typeface="Cambria Math" panose="02040503050406030204" pitchFamily="18" charset="0"/>
+                              </a:rPr>
+                            </m:ctrlPr>
+                          </m:sSubPr>
+                          <m:e>
+                            <m:r>
+                              <a:rPr lang="fr-FR" sz="1600" i="1">
+                                <a:solidFill>
+                                  <a:schemeClr val="accent1"/>
+                                </a:solidFill>
+                                <a:latin typeface="Cambria Math" panose="02040503050406030204" pitchFamily="18" charset="0"/>
+                              </a:rPr>
+                              <m:t>𝐵</m:t>
+                            </m:r>
+                          </m:e>
+                          <m:sub>
+                            <m:r>
+                              <a:rPr lang="fr-FR" sz="1600" i="1">
+                                <a:solidFill>
+                                  <a:schemeClr val="accent1"/>
+                                </a:solidFill>
+                                <a:latin typeface="Cambria Math" panose="02040503050406030204" pitchFamily="18" charset="0"/>
+                              </a:rPr>
+                              <m:t>𝐻𝐷</m:t>
+                            </m:r>
+                          </m:sub>
+                        </m:sSub>
+                      </m:e>
+                    </m:acc>
+                  </m:oMath>
+                </a14:m>
+                <a:endParaRPr lang="fr-FR" sz="1600" dirty="0"/>
+              </a:p>
+              <a:p>
+                <a:pPr lvl="1"/>
+                <a14:m>
+                  <m:oMath xmlns:m="http://schemas.openxmlformats.org/officeDocument/2006/math">
+                    <m:sSub>
+                      <m:sSubPr>
+                        <m:ctrlPr>
+                          <a:rPr lang="fr-FR" sz="1600" b="0" i="1" smtClean="0">
+                            <a:latin typeface="Cambria Math" panose="02040503050406030204" pitchFamily="18" charset="0"/>
+                          </a:rPr>
+                        </m:ctrlPr>
+                      </m:sSubPr>
+                      <m:e>
+                        <m:r>
+                          <a:rPr lang="fr-FR" sz="1600" b="0" i="1" smtClean="0">
+                            <a:latin typeface="Cambria Math" panose="02040503050406030204" pitchFamily="18" charset="0"/>
+                          </a:rPr>
+                          <m:t>𝐷</m:t>
+                        </m:r>
+                      </m:e>
+                      <m:sub>
+                        <m:r>
+                          <a:rPr lang="fr-FR" sz="1600" b="0" i="1" smtClean="0">
+                            <a:latin typeface="Cambria Math" panose="02040503050406030204" pitchFamily="18" charset="0"/>
+                          </a:rPr>
+                          <m:t>𝐻𝐷</m:t>
+                        </m:r>
+                      </m:sub>
+                    </m:sSub>
+                    <m:acc>
+                      <m:accPr>
+                        <m:chr m:val="⃗"/>
+                        <m:ctrlPr>
+                          <a:rPr lang="fr-FR" sz="1600" b="0" i="1" smtClean="0">
+                            <a:latin typeface="Cambria Math" panose="02040503050406030204" pitchFamily="18" charset="0"/>
+                          </a:rPr>
+                        </m:ctrlPr>
+                      </m:accPr>
+                      <m:e>
+                        <m:sSub>
+                          <m:sSubPr>
+                            <m:ctrlPr>
+                              <a:rPr lang="fr-FR" sz="1600" i="1">
+                                <a:latin typeface="Cambria Math" panose="02040503050406030204" pitchFamily="18" charset="0"/>
+                              </a:rPr>
+                            </m:ctrlPr>
+                          </m:sSubPr>
+                          <m:e>
+                            <m:r>
+                              <a:rPr lang="fr-FR" sz="1600" i="1">
+                                <a:latin typeface="Cambria Math" panose="02040503050406030204" pitchFamily="18" charset="0"/>
+                              </a:rPr>
+                              <m:t>𝑢</m:t>
+                            </m:r>
+                          </m:e>
+                          <m:sub>
+                            <m:r>
+                              <a:rPr lang="fr-FR" sz="1600" i="1">
+                                <a:latin typeface="Cambria Math" panose="02040503050406030204" pitchFamily="18" charset="0"/>
+                              </a:rPr>
+                              <m:t>𝐻𝐷</m:t>
+                            </m:r>
+                          </m:sub>
+                        </m:sSub>
+                      </m:e>
+                    </m:acc>
+                    <m:r>
+                      <a:rPr lang="fr-FR" sz="1600" b="0" i="1" smtClean="0">
+                        <a:latin typeface="Cambria Math" panose="02040503050406030204" pitchFamily="18" charset="0"/>
+                      </a:rPr>
+                      <m:t>=−</m:t>
+                    </m:r>
+                    <m:f>
+                      <m:fPr>
+                        <m:ctrlPr>
+                          <a:rPr lang="fr-FR" sz="1600" b="0" i="1" smtClean="0">
+                            <a:latin typeface="Cambria Math" panose="02040503050406030204" pitchFamily="18" charset="0"/>
+                          </a:rPr>
+                        </m:ctrlPr>
+                      </m:fPr>
+                      <m:num>
+                        <m:r>
+                          <a:rPr lang="fr-FR" sz="1600" b="0" i="1" smtClean="0">
+                            <a:latin typeface="Cambria Math" panose="02040503050406030204" pitchFamily="18" charset="0"/>
+                          </a:rPr>
+                          <m:t>𝐿</m:t>
+                        </m:r>
+                      </m:num>
+                      <m:den>
+                        <m:r>
+                          <a:rPr lang="fr-FR" sz="1600" b="0" i="1" smtClean="0">
+                            <a:latin typeface="Cambria Math" panose="02040503050406030204" pitchFamily="18" charset="0"/>
+                          </a:rPr>
+                          <m:t>2</m:t>
+                        </m:r>
+                      </m:den>
+                    </m:f>
+                    <m:acc>
+                      <m:accPr>
+                        <m:chr m:val="⃗"/>
+                        <m:ctrlPr>
+                          <a:rPr lang="fr-FR" sz="1600" i="1">
+                            <a:latin typeface="Cambria Math" panose="02040503050406030204" pitchFamily="18" charset="0"/>
+                          </a:rPr>
+                        </m:ctrlPr>
+                      </m:accPr>
+                      <m:e>
+                        <m:sSub>
+                          <m:sSubPr>
+                            <m:ctrlPr>
+                              <a:rPr lang="fr-FR" sz="1600" b="0" i="1" smtClean="0">
+                                <a:latin typeface="Cambria Math" panose="02040503050406030204" pitchFamily="18" charset="0"/>
+                              </a:rPr>
+                            </m:ctrlPr>
+                          </m:sSubPr>
+                          <m:e>
+                            <m:r>
+                              <a:rPr lang="fr-FR" sz="1600" b="0" i="1" smtClean="0">
+                                <a:latin typeface="Cambria Math" panose="02040503050406030204" pitchFamily="18" charset="0"/>
+                              </a:rPr>
+                              <m:t>𝑥</m:t>
+                            </m:r>
+                          </m:e>
+                          <m:sub>
+                            <m:r>
+                              <a:rPr lang="fr-FR" sz="1600" b="0" i="1" smtClean="0">
+                                <a:latin typeface="Cambria Math" panose="02040503050406030204" pitchFamily="18" charset="0"/>
+                              </a:rPr>
+                              <m:t>𝑀</m:t>
+                            </m:r>
+                          </m:sub>
+                        </m:sSub>
+                      </m:e>
+                    </m:acc>
+                    <m:r>
+                      <a:rPr lang="fr-FR" sz="1600" b="0" i="1" smtClean="0">
+                        <a:latin typeface="Cambria Math" panose="02040503050406030204" pitchFamily="18" charset="0"/>
+                      </a:rPr>
+                      <m:t>−</m:t>
+                    </m:r>
+                    <m:f>
+                      <m:fPr>
+                        <m:ctrlPr>
+                          <a:rPr lang="fr-FR" sz="1600" b="0" i="1" smtClean="0">
+                            <a:latin typeface="Cambria Math" panose="02040503050406030204" pitchFamily="18" charset="0"/>
+                          </a:rPr>
+                        </m:ctrlPr>
+                      </m:fPr>
+                      <m:num>
+                        <m:r>
+                          <a:rPr lang="fr-FR" sz="1600" b="0" i="1" smtClean="0">
+                            <a:latin typeface="Cambria Math" panose="02040503050406030204" pitchFamily="18" charset="0"/>
+                          </a:rPr>
+                          <m:t>𝐻</m:t>
+                        </m:r>
+                      </m:num>
+                      <m:den>
+                        <m:r>
+                          <a:rPr lang="fr-FR" sz="1600" b="0" i="1" smtClean="0">
+                            <a:latin typeface="Cambria Math" panose="02040503050406030204" pitchFamily="18" charset="0"/>
+                          </a:rPr>
+                          <m:t>2</m:t>
+                        </m:r>
+                      </m:den>
+                    </m:f>
+                    <m:acc>
+                      <m:accPr>
+                        <m:chr m:val="⃗"/>
+                        <m:ctrlPr>
+                          <a:rPr lang="fr-FR" sz="1600" i="1">
+                            <a:latin typeface="Cambria Math" panose="02040503050406030204" pitchFamily="18" charset="0"/>
+                          </a:rPr>
+                        </m:ctrlPr>
+                      </m:accPr>
+                      <m:e>
+                        <m:sSub>
+                          <m:sSubPr>
+                            <m:ctrlPr>
+                              <a:rPr lang="fr-FR" sz="1600" b="0" i="1" smtClean="0">
+                                <a:latin typeface="Cambria Math" panose="02040503050406030204" pitchFamily="18" charset="0"/>
+                              </a:rPr>
+                            </m:ctrlPr>
+                          </m:sSubPr>
+                          <m:e>
+                            <m:r>
+                              <a:rPr lang="fr-FR" sz="1600" b="0" i="1" smtClean="0">
+                                <a:latin typeface="Cambria Math" panose="02040503050406030204" pitchFamily="18" charset="0"/>
+                              </a:rPr>
+                              <m:t>𝑦</m:t>
+                            </m:r>
+                          </m:e>
+                          <m:sub>
+                            <m:r>
+                              <a:rPr lang="fr-FR" sz="1600" b="0" i="1" smtClean="0">
+                                <a:latin typeface="Cambria Math" panose="02040503050406030204" pitchFamily="18" charset="0"/>
+                              </a:rPr>
+                              <m:t>𝑀</m:t>
+                            </m:r>
+                          </m:sub>
+                        </m:sSub>
+                      </m:e>
+                    </m:acc>
+                    <m:r>
+                      <a:rPr lang="fr-FR" sz="1600" b="0" i="1" smtClean="0">
+                        <a:latin typeface="Cambria Math" panose="02040503050406030204" pitchFamily="18" charset="0"/>
+                      </a:rPr>
+                      <m:t>−</m:t>
+                    </m:r>
+                    <m:sSub>
+                      <m:sSubPr>
+                        <m:ctrlPr>
+                          <a:rPr lang="fr-FR" sz="1600" i="1">
+                            <a:latin typeface="Cambria Math" panose="02040503050406030204" pitchFamily="18" charset="0"/>
+                          </a:rPr>
+                        </m:ctrlPr>
+                      </m:sSubPr>
+                      <m:e>
+                        <m:r>
+                          <a:rPr lang="fr-FR" sz="1600" i="1">
+                            <a:latin typeface="Cambria Math" panose="02040503050406030204" pitchFamily="18" charset="0"/>
+                          </a:rPr>
+                          <m:t>𝑋</m:t>
+                        </m:r>
+                      </m:e>
+                      <m:sub>
+                        <m:r>
+                          <a:rPr lang="fr-FR" sz="1600" i="1">
+                            <a:latin typeface="Cambria Math" panose="02040503050406030204" pitchFamily="18" charset="0"/>
+                          </a:rPr>
+                          <m:t>𝑀</m:t>
+                        </m:r>
+                      </m:sub>
+                    </m:sSub>
+                    <m:acc>
+                      <m:accPr>
+                        <m:chr m:val="⃗"/>
+                        <m:ctrlPr>
+                          <a:rPr lang="fr-FR" sz="1600" i="1">
+                            <a:latin typeface="Cambria Math" panose="02040503050406030204" pitchFamily="18" charset="0"/>
+                          </a:rPr>
+                        </m:ctrlPr>
+                      </m:accPr>
+                      <m:e>
+                        <m:r>
+                          <a:rPr lang="fr-FR" sz="1600" i="1">
+                            <a:latin typeface="Cambria Math" panose="02040503050406030204" pitchFamily="18" charset="0"/>
+                          </a:rPr>
+                          <m:t>𝑥</m:t>
+                        </m:r>
+                      </m:e>
+                    </m:acc>
+                    <m:r>
+                      <a:rPr lang="fr-FR" sz="1600" b="0" i="0" smtClean="0">
+                        <a:latin typeface="Cambria Math" panose="02040503050406030204" pitchFamily="18" charset="0"/>
+                      </a:rPr>
+                      <m:t>−</m:t>
+                    </m:r>
+                    <m:sSub>
+                      <m:sSubPr>
+                        <m:ctrlPr>
+                          <a:rPr lang="fr-FR" sz="1600" i="1">
+                            <a:latin typeface="Cambria Math" panose="02040503050406030204" pitchFamily="18" charset="0"/>
+                          </a:rPr>
+                        </m:ctrlPr>
+                      </m:sSubPr>
+                      <m:e>
+                        <m:r>
+                          <a:rPr lang="fr-FR" sz="1600" i="1">
+                            <a:latin typeface="Cambria Math" panose="02040503050406030204" pitchFamily="18" charset="0"/>
+                          </a:rPr>
+                          <m:t>𝑌</m:t>
+                        </m:r>
+                      </m:e>
+                      <m:sub>
+                        <m:r>
+                          <a:rPr lang="fr-FR" sz="1600" i="1">
+                            <a:latin typeface="Cambria Math" panose="02040503050406030204" pitchFamily="18" charset="0"/>
+                          </a:rPr>
+                          <m:t>𝑀</m:t>
+                        </m:r>
+                      </m:sub>
+                    </m:sSub>
+                    <m:acc>
+                      <m:accPr>
+                        <m:chr m:val="⃗"/>
+                        <m:ctrlPr>
+                          <a:rPr lang="fr-FR" sz="1600" i="1">
+                            <a:latin typeface="Cambria Math" panose="02040503050406030204" pitchFamily="18" charset="0"/>
+                          </a:rPr>
+                        </m:ctrlPr>
+                      </m:accPr>
+                      <m:e>
+                        <m:r>
+                          <a:rPr lang="fr-FR" sz="1600" i="1">
+                            <a:latin typeface="Cambria Math" panose="02040503050406030204" pitchFamily="18" charset="0"/>
+                          </a:rPr>
+                          <m:t>𝑦</m:t>
+                        </m:r>
+                      </m:e>
+                    </m:acc>
+                    <m:r>
+                      <a:rPr lang="fr-FR" sz="1600" b="0" i="1" smtClean="0">
+                        <a:latin typeface="Cambria Math" panose="02040503050406030204" pitchFamily="18" charset="0"/>
+                      </a:rPr>
+                      <m:t>+</m:t>
+                    </m:r>
+                    <m:sSub>
+                      <m:sSubPr>
+                        <m:ctrlPr>
+                          <a:rPr lang="fr-FR" sz="1600" i="1">
+                            <a:latin typeface="Cambria Math" panose="02040503050406030204" pitchFamily="18" charset="0"/>
+                          </a:rPr>
+                        </m:ctrlPr>
+                      </m:sSubPr>
+                      <m:e>
+                        <m:r>
+                          <a:rPr lang="fr-FR" sz="1600" i="1">
+                            <a:latin typeface="Cambria Math" panose="02040503050406030204" pitchFamily="18" charset="0"/>
+                          </a:rPr>
+                          <m:t>𝑋</m:t>
+                        </m:r>
+                      </m:e>
+                      <m:sub>
+                        <m:r>
+                          <a:rPr lang="fr-FR" sz="1600" b="0" i="1" smtClean="0">
+                            <a:latin typeface="Cambria Math" panose="02040503050406030204" pitchFamily="18" charset="0"/>
+                          </a:rPr>
+                          <m:t>𝐻𝐷</m:t>
+                        </m:r>
+                      </m:sub>
+                    </m:sSub>
+                    <m:acc>
+                      <m:accPr>
+                        <m:chr m:val="⃗"/>
+                        <m:ctrlPr>
+                          <a:rPr lang="fr-FR" sz="1600" i="1">
+                            <a:latin typeface="Cambria Math" panose="02040503050406030204" pitchFamily="18" charset="0"/>
+                          </a:rPr>
+                        </m:ctrlPr>
+                      </m:accPr>
+                      <m:e>
+                        <m:r>
+                          <a:rPr lang="fr-FR" sz="1600" i="1">
+                            <a:latin typeface="Cambria Math" panose="02040503050406030204" pitchFamily="18" charset="0"/>
+                          </a:rPr>
+                          <m:t>𝑥</m:t>
+                        </m:r>
+                      </m:e>
+                    </m:acc>
+                    <m:r>
+                      <a:rPr lang="fr-FR" sz="1600">
+                        <a:latin typeface="Cambria Math" panose="02040503050406030204" pitchFamily="18" charset="0"/>
+                      </a:rPr>
+                      <m:t>+</m:t>
+                    </m:r>
+                    <m:sSub>
+                      <m:sSubPr>
+                        <m:ctrlPr>
+                          <a:rPr lang="fr-FR" sz="1600" i="1">
+                            <a:latin typeface="Cambria Math" panose="02040503050406030204" pitchFamily="18" charset="0"/>
+                          </a:rPr>
+                        </m:ctrlPr>
+                      </m:sSubPr>
+                      <m:e>
+                        <m:r>
+                          <a:rPr lang="fr-FR" sz="1600" i="1">
+                            <a:latin typeface="Cambria Math" panose="02040503050406030204" pitchFamily="18" charset="0"/>
+                          </a:rPr>
+                          <m:t>𝑌</m:t>
+                        </m:r>
+                      </m:e>
+                      <m:sub>
+                        <m:r>
+                          <a:rPr lang="fr-FR" sz="1600" b="0" i="1" smtClean="0">
+                            <a:latin typeface="Cambria Math" panose="02040503050406030204" pitchFamily="18" charset="0"/>
+                          </a:rPr>
+                          <m:t>𝐻𝐷</m:t>
+                        </m:r>
+                      </m:sub>
+                    </m:sSub>
+                    <m:acc>
+                      <m:accPr>
+                        <m:chr m:val="⃗"/>
+                        <m:ctrlPr>
+                          <a:rPr lang="fr-FR" sz="1600" i="1">
+                            <a:latin typeface="Cambria Math" panose="02040503050406030204" pitchFamily="18" charset="0"/>
+                          </a:rPr>
+                        </m:ctrlPr>
+                      </m:accPr>
+                      <m:e>
+                        <m:r>
+                          <a:rPr lang="fr-FR" sz="1600" i="1">
+                            <a:latin typeface="Cambria Math" panose="02040503050406030204" pitchFamily="18" charset="0"/>
+                          </a:rPr>
+                          <m:t>𝑦</m:t>
+                        </m:r>
+                      </m:e>
+                    </m:acc>
+                  </m:oMath>
+                </a14:m>
+                <a:endParaRPr lang="fr-FR" sz="1600" dirty="0"/>
+              </a:p>
+              <a:p>
+                <a:pPr lvl="2"/>
+                <a14:m>
+                  <m:oMath xmlns:m="http://schemas.openxmlformats.org/officeDocument/2006/math">
+                    <m:sSub>
+                      <m:sSubPr>
+                        <m:ctrlPr>
+                          <a:rPr lang="fr-FR" sz="1200" b="0" i="1" smtClean="0">
+                            <a:latin typeface="Cambria Math" panose="02040503050406030204" pitchFamily="18" charset="0"/>
+                          </a:rPr>
+                        </m:ctrlPr>
+                      </m:sSubPr>
+                      <m:e>
+                        <m:r>
+                          <a:rPr lang="fr-FR" sz="1200" b="0" i="1" smtClean="0">
+                            <a:latin typeface="Cambria Math" panose="02040503050406030204" pitchFamily="18" charset="0"/>
+                          </a:rPr>
+                          <m:t>𝐷</m:t>
+                        </m:r>
+                      </m:e>
+                      <m:sub>
+                        <m:r>
+                          <a:rPr lang="fr-FR" sz="1200" b="0" i="1" smtClean="0">
+                            <a:latin typeface="Cambria Math" panose="02040503050406030204" pitchFamily="18" charset="0"/>
+                          </a:rPr>
+                          <m:t>𝐻𝐷</m:t>
+                        </m:r>
+                      </m:sub>
+                    </m:sSub>
+                    <m:func>
+                      <m:funcPr>
+                        <m:ctrlPr>
+                          <a:rPr lang="fr-FR" sz="1200" b="0" i="1" smtClean="0">
+                            <a:latin typeface="Cambria Math" panose="02040503050406030204" pitchFamily="18" charset="0"/>
+                          </a:rPr>
+                        </m:ctrlPr>
+                      </m:funcPr>
+                      <m:fName>
+                        <m:r>
+                          <m:rPr>
+                            <m:sty m:val="p"/>
+                          </m:rPr>
+                          <a:rPr lang="fr-FR" sz="1200" b="0" i="0" smtClean="0">
+                            <a:latin typeface="Cambria Math" panose="02040503050406030204" pitchFamily="18" charset="0"/>
+                          </a:rPr>
+                          <m:t>cos</m:t>
+                        </m:r>
+                      </m:fName>
+                      <m:e>
+                        <m:sSub>
+                          <m:sSubPr>
+                            <m:ctrlPr>
+                              <a:rPr lang="fr-FR" sz="1200" b="0" i="1" smtClean="0">
+                                <a:latin typeface="Cambria Math" panose="02040503050406030204" pitchFamily="18" charset="0"/>
+                              </a:rPr>
+                            </m:ctrlPr>
+                          </m:sSubPr>
+                          <m:e>
+                            <m:r>
+                              <a:rPr lang="fr-FR" sz="1200" b="0" i="1" smtClean="0">
+                                <a:latin typeface="Cambria Math" panose="02040503050406030204" pitchFamily="18" charset="0"/>
+                              </a:rPr>
+                              <m:t>𝜑</m:t>
+                            </m:r>
+                          </m:e>
+                          <m:sub>
+                            <m:r>
+                              <a:rPr lang="fr-FR" sz="1200" b="0" i="1" smtClean="0">
+                                <a:latin typeface="Cambria Math" panose="02040503050406030204" pitchFamily="18" charset="0"/>
+                              </a:rPr>
+                              <m:t>𝐻𝐷</m:t>
+                            </m:r>
+                          </m:sub>
+                        </m:sSub>
+                      </m:e>
+                    </m:func>
+                    <m:r>
+                      <a:rPr lang="fr-FR" sz="1200" b="0" i="1" smtClean="0">
+                        <a:latin typeface="Cambria Math" panose="02040503050406030204" pitchFamily="18" charset="0"/>
+                      </a:rPr>
+                      <m:t>=−</m:t>
+                    </m:r>
+                    <m:f>
+                      <m:fPr>
+                        <m:ctrlPr>
+                          <a:rPr lang="fr-FR" sz="1200" b="0" i="1" smtClean="0">
+                            <a:latin typeface="Cambria Math" panose="02040503050406030204" pitchFamily="18" charset="0"/>
+                          </a:rPr>
+                        </m:ctrlPr>
+                      </m:fPr>
+                      <m:num>
+                        <m:r>
+                          <a:rPr lang="fr-FR" sz="1200" b="0" i="1" smtClean="0">
+                            <a:latin typeface="Cambria Math" panose="02040503050406030204" pitchFamily="18" charset="0"/>
+                          </a:rPr>
+                          <m:t>𝐿</m:t>
+                        </m:r>
+                      </m:num>
+                      <m:den>
+                        <m:r>
+                          <a:rPr lang="fr-FR" sz="1200" b="0" i="1" smtClean="0">
+                            <a:latin typeface="Cambria Math" panose="02040503050406030204" pitchFamily="18" charset="0"/>
+                          </a:rPr>
+                          <m:t>2</m:t>
+                        </m:r>
+                      </m:den>
+                    </m:f>
+                    <m:func>
+                      <m:funcPr>
+                        <m:ctrlPr>
+                          <a:rPr lang="fr-FR" sz="1200" b="0" i="1" smtClean="0">
+                            <a:latin typeface="Cambria Math" panose="02040503050406030204" pitchFamily="18" charset="0"/>
+                          </a:rPr>
+                        </m:ctrlPr>
+                      </m:funcPr>
+                      <m:fName>
+                        <m:r>
+                          <m:rPr>
+                            <m:sty m:val="p"/>
+                          </m:rPr>
+                          <a:rPr lang="fr-FR" sz="1200" b="0" i="0" smtClean="0">
+                            <a:latin typeface="Cambria Math" panose="02040503050406030204" pitchFamily="18" charset="0"/>
+                          </a:rPr>
+                          <m:t>cos</m:t>
+                        </m:r>
+                      </m:fName>
+                      <m:e>
+                        <m:r>
+                          <a:rPr lang="fr-FR" sz="1200" b="0" i="1" smtClean="0">
+                            <a:latin typeface="Cambria Math" panose="02040503050406030204" pitchFamily="18" charset="0"/>
+                          </a:rPr>
+                          <m:t>𝜃</m:t>
+                        </m:r>
+                      </m:e>
+                    </m:func>
+                    <m:r>
+                      <a:rPr lang="fr-FR" sz="1200" b="0" i="1" smtClean="0">
+                        <a:latin typeface="Cambria Math" panose="02040503050406030204" pitchFamily="18" charset="0"/>
+                      </a:rPr>
+                      <m:t>+</m:t>
+                    </m:r>
+                    <m:f>
+                      <m:fPr>
+                        <m:ctrlPr>
+                          <a:rPr lang="fr-FR" sz="1200" b="0" i="1" smtClean="0">
+                            <a:latin typeface="Cambria Math" panose="02040503050406030204" pitchFamily="18" charset="0"/>
+                          </a:rPr>
+                        </m:ctrlPr>
+                      </m:fPr>
+                      <m:num>
+                        <m:r>
+                          <a:rPr lang="fr-FR" sz="1200" b="0" i="1" smtClean="0">
+                            <a:latin typeface="Cambria Math" panose="02040503050406030204" pitchFamily="18" charset="0"/>
+                          </a:rPr>
+                          <m:t>𝐻</m:t>
+                        </m:r>
+                      </m:num>
+                      <m:den>
+                        <m:r>
+                          <a:rPr lang="fr-FR" sz="1200" b="0" i="1" smtClean="0">
+                            <a:latin typeface="Cambria Math" panose="02040503050406030204" pitchFamily="18" charset="0"/>
+                          </a:rPr>
+                          <m:t>2</m:t>
+                        </m:r>
+                      </m:den>
+                    </m:f>
+                    <m:func>
+                      <m:funcPr>
+                        <m:ctrlPr>
+                          <a:rPr lang="fr-FR" sz="1200" b="0" i="1" smtClean="0">
+                            <a:latin typeface="Cambria Math" panose="02040503050406030204" pitchFamily="18" charset="0"/>
+                          </a:rPr>
+                        </m:ctrlPr>
+                      </m:funcPr>
+                      <m:fName>
+                        <m:r>
+                          <m:rPr>
+                            <m:sty m:val="p"/>
+                          </m:rPr>
+                          <a:rPr lang="fr-FR" sz="1200" b="0" i="0" smtClean="0">
+                            <a:latin typeface="Cambria Math" panose="02040503050406030204" pitchFamily="18" charset="0"/>
+                          </a:rPr>
+                          <m:t>sin</m:t>
+                        </m:r>
+                      </m:fName>
+                      <m:e>
+                        <m:r>
+                          <a:rPr lang="fr-FR" sz="1200" b="0" i="1" smtClean="0">
+                            <a:latin typeface="Cambria Math" panose="02040503050406030204" pitchFamily="18" charset="0"/>
+                          </a:rPr>
+                          <m:t>𝜃</m:t>
+                        </m:r>
+                      </m:e>
+                    </m:func>
+                    <m:r>
+                      <a:rPr lang="fr-FR" sz="1200" b="0" i="1" smtClean="0">
+                        <a:latin typeface="Cambria Math" panose="02040503050406030204" pitchFamily="18" charset="0"/>
+                      </a:rPr>
+                      <m:t>−</m:t>
+                    </m:r>
+                    <m:sSub>
+                      <m:sSubPr>
+                        <m:ctrlPr>
+                          <a:rPr lang="fr-FR" sz="1200" i="1">
+                            <a:latin typeface="Cambria Math" panose="02040503050406030204" pitchFamily="18" charset="0"/>
+                          </a:rPr>
+                        </m:ctrlPr>
+                      </m:sSubPr>
+                      <m:e>
+                        <m:r>
+                          <a:rPr lang="fr-FR" sz="1200" i="1">
+                            <a:latin typeface="Cambria Math" panose="02040503050406030204" pitchFamily="18" charset="0"/>
+                          </a:rPr>
+                          <m:t>𝑋</m:t>
+                        </m:r>
+                      </m:e>
+                      <m:sub>
+                        <m:r>
+                          <a:rPr lang="fr-FR" sz="1200" i="1">
+                            <a:latin typeface="Cambria Math" panose="02040503050406030204" pitchFamily="18" charset="0"/>
+                          </a:rPr>
+                          <m:t>𝑀</m:t>
+                        </m:r>
+                      </m:sub>
+                    </m:sSub>
+                    <m:r>
+                      <a:rPr lang="fr-FR" sz="1200" b="0" i="1" smtClean="0">
+                        <a:latin typeface="Cambria Math" panose="02040503050406030204" pitchFamily="18" charset="0"/>
+                      </a:rPr>
+                      <m:t>+</m:t>
+                    </m:r>
+                    <m:sSub>
+                      <m:sSubPr>
+                        <m:ctrlPr>
+                          <a:rPr lang="fr-FR" sz="1200" i="1">
+                            <a:latin typeface="Cambria Math" panose="02040503050406030204" pitchFamily="18" charset="0"/>
+                          </a:rPr>
+                        </m:ctrlPr>
+                      </m:sSubPr>
+                      <m:e>
+                        <m:r>
+                          <a:rPr lang="fr-FR" sz="1200" i="1">
+                            <a:latin typeface="Cambria Math" panose="02040503050406030204" pitchFamily="18" charset="0"/>
+                          </a:rPr>
+                          <m:t>𝑋</m:t>
+                        </m:r>
+                      </m:e>
+                      <m:sub>
+                        <m:r>
+                          <a:rPr lang="fr-FR" sz="1200" b="0" i="1" smtClean="0">
+                            <a:latin typeface="Cambria Math" panose="02040503050406030204" pitchFamily="18" charset="0"/>
+                          </a:rPr>
+                          <m:t>𝐻𝐷</m:t>
+                        </m:r>
+                      </m:sub>
+                    </m:sSub>
+                  </m:oMath>
+                </a14:m>
+                <a:endParaRPr lang="fr-FR" sz="1200" dirty="0"/>
+              </a:p>
+              <a:p>
+                <a:pPr lvl="2"/>
+                <a14:m>
+                  <m:oMath xmlns:m="http://schemas.openxmlformats.org/officeDocument/2006/math">
+                    <m:sSub>
+                      <m:sSubPr>
+                        <m:ctrlPr>
+                          <a:rPr lang="fr-FR" sz="1200" b="0" i="1" smtClean="0">
+                            <a:latin typeface="Cambria Math" panose="02040503050406030204" pitchFamily="18" charset="0"/>
+                          </a:rPr>
+                        </m:ctrlPr>
+                      </m:sSubPr>
+                      <m:e>
+                        <m:r>
+                          <a:rPr lang="fr-FR" sz="1200" b="0" i="1" smtClean="0">
+                            <a:latin typeface="Cambria Math" panose="02040503050406030204" pitchFamily="18" charset="0"/>
+                          </a:rPr>
+                          <m:t>𝐷</m:t>
+                        </m:r>
+                      </m:e>
+                      <m:sub>
+                        <m:r>
+                          <a:rPr lang="fr-FR" sz="1200" b="0" i="1" smtClean="0">
+                            <a:latin typeface="Cambria Math" panose="02040503050406030204" pitchFamily="18" charset="0"/>
+                          </a:rPr>
+                          <m:t>𝐻𝐷</m:t>
+                        </m:r>
+                      </m:sub>
+                    </m:sSub>
+                    <m:func>
+                      <m:funcPr>
+                        <m:ctrlPr>
+                          <a:rPr lang="fr-FR" sz="1200" b="0" i="1" smtClean="0">
+                            <a:latin typeface="Cambria Math" panose="02040503050406030204" pitchFamily="18" charset="0"/>
+                          </a:rPr>
+                        </m:ctrlPr>
+                      </m:funcPr>
+                      <m:fName>
+                        <m:r>
+                          <m:rPr>
+                            <m:sty m:val="p"/>
+                          </m:rPr>
+                          <a:rPr lang="fr-FR" sz="1200" b="0" i="0" smtClean="0">
+                            <a:latin typeface="Cambria Math" panose="02040503050406030204" pitchFamily="18" charset="0"/>
+                          </a:rPr>
+                          <m:t>sin</m:t>
+                        </m:r>
+                      </m:fName>
+                      <m:e>
+                        <m:sSub>
+                          <m:sSubPr>
+                            <m:ctrlPr>
+                              <a:rPr lang="fr-FR" sz="1200" b="0" i="1" smtClean="0">
+                                <a:latin typeface="Cambria Math" panose="02040503050406030204" pitchFamily="18" charset="0"/>
+                              </a:rPr>
+                            </m:ctrlPr>
+                          </m:sSubPr>
+                          <m:e>
+                            <m:r>
+                              <a:rPr lang="fr-FR" sz="1200" b="0" i="1" smtClean="0">
+                                <a:latin typeface="Cambria Math" panose="02040503050406030204" pitchFamily="18" charset="0"/>
+                              </a:rPr>
+                              <m:t>𝜑</m:t>
+                            </m:r>
+                          </m:e>
+                          <m:sub>
+                            <m:r>
+                              <a:rPr lang="fr-FR" sz="1200" b="0" i="1" smtClean="0">
+                                <a:latin typeface="Cambria Math" panose="02040503050406030204" pitchFamily="18" charset="0"/>
+                              </a:rPr>
+                              <m:t>𝐻𝐷</m:t>
+                            </m:r>
+                          </m:sub>
+                        </m:sSub>
+                      </m:e>
+                    </m:func>
+                    <m:r>
+                      <a:rPr lang="fr-FR" sz="1200" b="0" i="1" smtClean="0">
+                        <a:latin typeface="Cambria Math" panose="02040503050406030204" pitchFamily="18" charset="0"/>
+                      </a:rPr>
+                      <m:t>=−</m:t>
+                    </m:r>
+                    <m:f>
+                      <m:fPr>
+                        <m:ctrlPr>
+                          <a:rPr lang="fr-FR" sz="1200" b="0" i="1" smtClean="0">
+                            <a:latin typeface="Cambria Math" panose="02040503050406030204" pitchFamily="18" charset="0"/>
+                          </a:rPr>
+                        </m:ctrlPr>
+                      </m:fPr>
+                      <m:num>
+                        <m:r>
+                          <a:rPr lang="fr-FR" sz="1200" b="0" i="1" smtClean="0">
+                            <a:latin typeface="Cambria Math" panose="02040503050406030204" pitchFamily="18" charset="0"/>
+                          </a:rPr>
+                          <m:t>𝐿</m:t>
+                        </m:r>
+                      </m:num>
+                      <m:den>
+                        <m:r>
+                          <a:rPr lang="fr-FR" sz="1200" b="0" i="1" smtClean="0">
+                            <a:latin typeface="Cambria Math" panose="02040503050406030204" pitchFamily="18" charset="0"/>
+                          </a:rPr>
+                          <m:t>2</m:t>
+                        </m:r>
+                      </m:den>
+                    </m:f>
+                    <m:func>
+                      <m:funcPr>
+                        <m:ctrlPr>
+                          <a:rPr lang="fr-FR" sz="1200" b="0" i="1" smtClean="0">
+                            <a:latin typeface="Cambria Math" panose="02040503050406030204" pitchFamily="18" charset="0"/>
+                          </a:rPr>
+                        </m:ctrlPr>
+                      </m:funcPr>
+                      <m:fName>
+                        <m:r>
+                          <m:rPr>
+                            <m:sty m:val="p"/>
+                          </m:rPr>
+                          <a:rPr lang="fr-FR" sz="1200" b="0" i="0" smtClean="0">
+                            <a:latin typeface="Cambria Math" panose="02040503050406030204" pitchFamily="18" charset="0"/>
+                          </a:rPr>
+                          <m:t>s</m:t>
+                        </m:r>
+                        <m:r>
+                          <m:rPr>
+                            <m:sty m:val="p"/>
+                          </m:rPr>
+                          <a:rPr lang="fr-FR" sz="1200" b="0" i="0" smtClean="0">
+                            <a:latin typeface="Cambria Math" panose="02040503050406030204" pitchFamily="18" charset="0"/>
+                          </a:rPr>
+                          <m:t>in</m:t>
+                        </m:r>
+                      </m:fName>
+                      <m:e>
+                        <m:r>
+                          <a:rPr lang="fr-FR" sz="1200" b="0" i="1" smtClean="0">
+                            <a:latin typeface="Cambria Math" panose="02040503050406030204" pitchFamily="18" charset="0"/>
+                          </a:rPr>
+                          <m:t>𝜃</m:t>
+                        </m:r>
+                      </m:e>
+                    </m:func>
+                    <m:r>
+                      <a:rPr lang="fr-FR" sz="1200" b="0" i="1" smtClean="0">
+                        <a:latin typeface="Cambria Math" panose="02040503050406030204" pitchFamily="18" charset="0"/>
+                      </a:rPr>
+                      <m:t>−</m:t>
+                    </m:r>
+                    <m:f>
+                      <m:fPr>
+                        <m:ctrlPr>
+                          <a:rPr lang="fr-FR" sz="1200" b="0" i="1" smtClean="0">
+                            <a:latin typeface="Cambria Math" panose="02040503050406030204" pitchFamily="18" charset="0"/>
+                          </a:rPr>
+                        </m:ctrlPr>
+                      </m:fPr>
+                      <m:num>
+                        <m:r>
+                          <a:rPr lang="fr-FR" sz="1200" b="0" i="1" smtClean="0">
+                            <a:latin typeface="Cambria Math" panose="02040503050406030204" pitchFamily="18" charset="0"/>
+                          </a:rPr>
+                          <m:t>𝐻</m:t>
+                        </m:r>
+                      </m:num>
+                      <m:den>
+                        <m:r>
+                          <a:rPr lang="fr-FR" sz="1200" b="0" i="1" smtClean="0">
+                            <a:latin typeface="Cambria Math" panose="02040503050406030204" pitchFamily="18" charset="0"/>
+                          </a:rPr>
+                          <m:t>2</m:t>
+                        </m:r>
+                      </m:den>
+                    </m:f>
+                    <m:func>
+                      <m:funcPr>
+                        <m:ctrlPr>
+                          <a:rPr lang="fr-FR" sz="1200" b="0" i="1" smtClean="0">
+                            <a:latin typeface="Cambria Math" panose="02040503050406030204" pitchFamily="18" charset="0"/>
+                          </a:rPr>
+                        </m:ctrlPr>
+                      </m:funcPr>
+                      <m:fName>
+                        <m:r>
+                          <m:rPr>
+                            <m:sty m:val="p"/>
+                          </m:rPr>
+                          <a:rPr lang="fr-FR" sz="1200" b="0" i="0" smtClean="0">
+                            <a:latin typeface="Cambria Math" panose="02040503050406030204" pitchFamily="18" charset="0"/>
+                          </a:rPr>
+                          <m:t>cos</m:t>
+                        </m:r>
+                      </m:fName>
+                      <m:e>
+                        <m:r>
+                          <a:rPr lang="fr-FR" sz="1200" b="0" i="1" smtClean="0">
+                            <a:latin typeface="Cambria Math" panose="02040503050406030204" pitchFamily="18" charset="0"/>
+                          </a:rPr>
+                          <m:t>𝜃</m:t>
+                        </m:r>
+                      </m:e>
+                    </m:func>
+                    <m:r>
+                      <a:rPr lang="fr-FR" sz="1200" b="0" i="1" smtClean="0">
+                        <a:latin typeface="Cambria Math" panose="02040503050406030204" pitchFamily="18" charset="0"/>
+                      </a:rPr>
+                      <m:t>−</m:t>
+                    </m:r>
+                    <m:sSub>
+                      <m:sSubPr>
+                        <m:ctrlPr>
+                          <a:rPr lang="fr-FR" sz="1200" i="1">
+                            <a:latin typeface="Cambria Math" panose="02040503050406030204" pitchFamily="18" charset="0"/>
+                          </a:rPr>
+                        </m:ctrlPr>
+                      </m:sSubPr>
+                      <m:e>
+                        <m:r>
+                          <a:rPr lang="fr-FR" sz="1200" b="0" i="1" smtClean="0">
+                            <a:latin typeface="Cambria Math" panose="02040503050406030204" pitchFamily="18" charset="0"/>
+                          </a:rPr>
+                          <m:t>𝑌</m:t>
+                        </m:r>
+                      </m:e>
+                      <m:sub>
+                        <m:r>
+                          <a:rPr lang="fr-FR" sz="1200" i="1">
+                            <a:latin typeface="Cambria Math" panose="02040503050406030204" pitchFamily="18" charset="0"/>
+                          </a:rPr>
+                          <m:t>𝑀</m:t>
+                        </m:r>
+                      </m:sub>
+                    </m:sSub>
+                    <m:r>
+                      <a:rPr lang="fr-FR" sz="1200" b="0" i="1" smtClean="0">
+                        <a:latin typeface="Cambria Math" panose="02040503050406030204" pitchFamily="18" charset="0"/>
+                      </a:rPr>
+                      <m:t>+</m:t>
+                    </m:r>
+                    <m:sSub>
+                      <m:sSubPr>
+                        <m:ctrlPr>
+                          <a:rPr lang="fr-FR" sz="1200" i="1">
+                            <a:latin typeface="Cambria Math" panose="02040503050406030204" pitchFamily="18" charset="0"/>
+                          </a:rPr>
+                        </m:ctrlPr>
+                      </m:sSubPr>
+                      <m:e>
+                        <m:r>
+                          <a:rPr lang="fr-FR" sz="1200" b="0" i="1" smtClean="0">
+                            <a:latin typeface="Cambria Math" panose="02040503050406030204" pitchFamily="18" charset="0"/>
+                          </a:rPr>
+                          <m:t>𝑌</m:t>
+                        </m:r>
+                      </m:e>
+                      <m:sub>
+                        <m:r>
+                          <a:rPr lang="fr-FR" sz="1200" b="0" i="1" smtClean="0">
+                            <a:latin typeface="Cambria Math" panose="02040503050406030204" pitchFamily="18" charset="0"/>
+                          </a:rPr>
+                          <m:t>𝐻𝐷</m:t>
+                        </m:r>
+                      </m:sub>
+                    </m:sSub>
+                  </m:oMath>
+                </a14:m>
+                <a:endParaRPr lang="fr-FR" sz="1200" dirty="0"/>
+              </a:p>
+              <a:p>
+                <a:r>
+                  <a:rPr lang="fr-FR" sz="2000" dirty="0"/>
+                  <a:t>On a donc </a:t>
+                </a:r>
+              </a:p>
+              <a:p>
+                <a:pPr lvl="1"/>
+                <a14:m>
+                  <m:oMath xmlns:m="http://schemas.openxmlformats.org/officeDocument/2006/math">
+                    <m:sSubSup>
+                      <m:sSubSupPr>
+                        <m:ctrlPr>
+                          <a:rPr lang="fr-FR" sz="1600" b="0" i="1" smtClean="0">
+                            <a:latin typeface="Cambria Math" panose="02040503050406030204" pitchFamily="18" charset="0"/>
+                          </a:rPr>
+                        </m:ctrlPr>
+                      </m:sSubSupPr>
+                      <m:e>
+                        <m:r>
+                          <a:rPr lang="fr-FR" sz="1600" b="0" i="1" smtClean="0">
+                            <a:latin typeface="Cambria Math" panose="02040503050406030204" pitchFamily="18" charset="0"/>
+                          </a:rPr>
+                          <m:t>𝐷</m:t>
+                        </m:r>
+                      </m:e>
+                      <m:sub>
+                        <m:r>
+                          <a:rPr lang="fr-FR" sz="1600" b="0" i="1" smtClean="0">
+                            <a:latin typeface="Cambria Math" panose="02040503050406030204" pitchFamily="18" charset="0"/>
+                          </a:rPr>
+                          <m:t>𝐻𝐷</m:t>
+                        </m:r>
+                      </m:sub>
+                      <m:sup>
+                        <m:r>
+                          <a:rPr lang="fr-FR" sz="1600" b="0" i="1" smtClean="0">
+                            <a:latin typeface="Cambria Math" panose="02040503050406030204" pitchFamily="18" charset="0"/>
+                          </a:rPr>
+                          <m:t>2</m:t>
+                        </m:r>
+                      </m:sup>
+                    </m:sSubSup>
+                    <m:r>
+                      <a:rPr lang="fr-FR" sz="1600" b="0" i="1" smtClean="0">
+                        <a:latin typeface="Cambria Math" panose="02040503050406030204" pitchFamily="18" charset="0"/>
+                      </a:rPr>
+                      <m:t>=</m:t>
+                    </m:r>
+                    <m:sSup>
+                      <m:sSupPr>
+                        <m:ctrlPr>
+                          <a:rPr lang="fr-FR" sz="1600" b="0" i="1" smtClean="0">
+                            <a:latin typeface="Cambria Math" panose="02040503050406030204" pitchFamily="18" charset="0"/>
+                          </a:rPr>
+                        </m:ctrlPr>
+                      </m:sSupPr>
+                      <m:e>
+                        <m:d>
+                          <m:dPr>
+                            <m:ctrlPr>
+                              <a:rPr lang="fr-FR" sz="1600" b="0" i="1" smtClean="0">
+                                <a:latin typeface="Cambria Math" panose="02040503050406030204" pitchFamily="18" charset="0"/>
+                              </a:rPr>
+                            </m:ctrlPr>
+                          </m:dPr>
+                          <m:e>
+                            <m:r>
+                              <a:rPr lang="fr-FR" sz="1600" i="1">
+                                <a:latin typeface="Cambria Math" panose="02040503050406030204" pitchFamily="18" charset="0"/>
+                              </a:rPr>
+                              <m:t>−</m:t>
+                            </m:r>
+                            <m:f>
+                              <m:fPr>
+                                <m:ctrlPr>
+                                  <a:rPr lang="fr-FR" sz="1600" i="1">
+                                    <a:latin typeface="Cambria Math" panose="02040503050406030204" pitchFamily="18" charset="0"/>
+                                  </a:rPr>
+                                </m:ctrlPr>
+                              </m:fPr>
+                              <m:num>
+                                <m:r>
+                                  <a:rPr lang="fr-FR" sz="1600" i="1">
+                                    <a:latin typeface="Cambria Math" panose="02040503050406030204" pitchFamily="18" charset="0"/>
+                                  </a:rPr>
+                                  <m:t>𝐿</m:t>
+                                </m:r>
+                              </m:num>
+                              <m:den>
+                                <m:r>
+                                  <a:rPr lang="fr-FR" sz="1600" i="1">
+                                    <a:latin typeface="Cambria Math" panose="02040503050406030204" pitchFamily="18" charset="0"/>
+                                  </a:rPr>
+                                  <m:t>2</m:t>
+                                </m:r>
+                              </m:den>
+                            </m:f>
+                            <m:func>
+                              <m:funcPr>
+                                <m:ctrlPr>
+                                  <a:rPr lang="fr-FR" sz="1600" i="1">
+                                    <a:latin typeface="Cambria Math" panose="02040503050406030204" pitchFamily="18" charset="0"/>
+                                  </a:rPr>
+                                </m:ctrlPr>
+                              </m:funcPr>
+                              <m:fName>
+                                <m:r>
+                                  <m:rPr>
+                                    <m:sty m:val="p"/>
+                                  </m:rPr>
+                                  <a:rPr lang="fr-FR" sz="1600">
+                                    <a:latin typeface="Cambria Math" panose="02040503050406030204" pitchFamily="18" charset="0"/>
+                                  </a:rPr>
+                                  <m:t>cos</m:t>
+                                </m:r>
+                              </m:fName>
+                              <m:e>
+                                <m:r>
+                                  <a:rPr lang="fr-FR" sz="1600" i="1">
+                                    <a:latin typeface="Cambria Math" panose="02040503050406030204" pitchFamily="18" charset="0"/>
+                                  </a:rPr>
+                                  <m:t>𝜃</m:t>
+                                </m:r>
+                              </m:e>
+                            </m:func>
+                            <m:r>
+                              <a:rPr lang="fr-FR" sz="1600" i="1">
+                                <a:latin typeface="Cambria Math" panose="02040503050406030204" pitchFamily="18" charset="0"/>
+                              </a:rPr>
+                              <m:t>+</m:t>
+                            </m:r>
+                            <m:f>
+                              <m:fPr>
+                                <m:ctrlPr>
+                                  <a:rPr lang="fr-FR" sz="1600" i="1">
+                                    <a:latin typeface="Cambria Math" panose="02040503050406030204" pitchFamily="18" charset="0"/>
+                                  </a:rPr>
+                                </m:ctrlPr>
+                              </m:fPr>
+                              <m:num>
+                                <m:r>
+                                  <a:rPr lang="fr-FR" sz="1600" i="1">
+                                    <a:latin typeface="Cambria Math" panose="02040503050406030204" pitchFamily="18" charset="0"/>
+                                  </a:rPr>
+                                  <m:t>𝐻</m:t>
+                                </m:r>
+                              </m:num>
+                              <m:den>
+                                <m:r>
+                                  <a:rPr lang="fr-FR" sz="1600" i="1">
+                                    <a:latin typeface="Cambria Math" panose="02040503050406030204" pitchFamily="18" charset="0"/>
+                                  </a:rPr>
+                                  <m:t>2</m:t>
+                                </m:r>
+                              </m:den>
+                            </m:f>
+                            <m:func>
+                              <m:funcPr>
+                                <m:ctrlPr>
+                                  <a:rPr lang="fr-FR" sz="1600" i="1">
+                                    <a:latin typeface="Cambria Math" panose="02040503050406030204" pitchFamily="18" charset="0"/>
+                                  </a:rPr>
+                                </m:ctrlPr>
+                              </m:funcPr>
+                              <m:fName>
+                                <m:r>
+                                  <m:rPr>
+                                    <m:sty m:val="p"/>
+                                  </m:rPr>
+                                  <a:rPr lang="fr-FR" sz="1600">
+                                    <a:latin typeface="Cambria Math" panose="02040503050406030204" pitchFamily="18" charset="0"/>
+                                  </a:rPr>
+                                  <m:t>sin</m:t>
+                                </m:r>
+                              </m:fName>
+                              <m:e>
+                                <m:r>
+                                  <a:rPr lang="fr-FR" sz="1600" i="1">
+                                    <a:latin typeface="Cambria Math" panose="02040503050406030204" pitchFamily="18" charset="0"/>
+                                  </a:rPr>
+                                  <m:t>𝜃</m:t>
+                                </m:r>
+                              </m:e>
+                            </m:func>
+                            <m:r>
+                              <a:rPr lang="fr-FR" sz="1600" i="1">
+                                <a:latin typeface="Cambria Math" panose="02040503050406030204" pitchFamily="18" charset="0"/>
+                              </a:rPr>
+                              <m:t>−</m:t>
+                            </m:r>
+                            <m:sSub>
+                              <m:sSubPr>
+                                <m:ctrlPr>
+                                  <a:rPr lang="fr-FR" sz="1600" i="1">
+                                    <a:latin typeface="Cambria Math" panose="02040503050406030204" pitchFamily="18" charset="0"/>
+                                  </a:rPr>
+                                </m:ctrlPr>
+                              </m:sSubPr>
+                              <m:e>
+                                <m:r>
+                                  <a:rPr lang="fr-FR" sz="1600" i="1">
+                                    <a:latin typeface="Cambria Math" panose="02040503050406030204" pitchFamily="18" charset="0"/>
+                                  </a:rPr>
+                                  <m:t>𝑋</m:t>
+                                </m:r>
+                              </m:e>
+                              <m:sub>
+                                <m:r>
+                                  <a:rPr lang="fr-FR" sz="1600" i="1">
+                                    <a:latin typeface="Cambria Math" panose="02040503050406030204" pitchFamily="18" charset="0"/>
+                                  </a:rPr>
+                                  <m:t>𝑀</m:t>
+                                </m:r>
+                              </m:sub>
+                            </m:sSub>
+                            <m:r>
+                              <a:rPr lang="fr-FR" sz="1600" i="1">
+                                <a:latin typeface="Cambria Math" panose="02040503050406030204" pitchFamily="18" charset="0"/>
+                              </a:rPr>
+                              <m:t>+</m:t>
+                            </m:r>
+                            <m:sSub>
+                              <m:sSubPr>
+                                <m:ctrlPr>
+                                  <a:rPr lang="fr-FR" sz="1600" i="1">
+                                    <a:latin typeface="Cambria Math" panose="02040503050406030204" pitchFamily="18" charset="0"/>
+                                  </a:rPr>
+                                </m:ctrlPr>
+                              </m:sSubPr>
+                              <m:e>
+                                <m:r>
+                                  <a:rPr lang="fr-FR" sz="1600" i="1">
+                                    <a:latin typeface="Cambria Math" panose="02040503050406030204" pitchFamily="18" charset="0"/>
+                                  </a:rPr>
+                                  <m:t>𝑋</m:t>
+                                </m:r>
+                              </m:e>
+                              <m:sub>
+                                <m:r>
+                                  <a:rPr lang="fr-FR" sz="1600" i="1">
+                                    <a:latin typeface="Cambria Math" panose="02040503050406030204" pitchFamily="18" charset="0"/>
+                                  </a:rPr>
+                                  <m:t>𝐻𝐷</m:t>
+                                </m:r>
+                              </m:sub>
+                            </m:sSub>
+                          </m:e>
+                        </m:d>
+                      </m:e>
+                      <m:sup>
+                        <m:r>
+                          <a:rPr lang="fr-FR" sz="1600" b="0" i="1" smtClean="0">
+                            <a:latin typeface="Cambria Math" panose="02040503050406030204" pitchFamily="18" charset="0"/>
+                          </a:rPr>
+                          <m:t>2</m:t>
+                        </m:r>
+                      </m:sup>
+                    </m:sSup>
+                    <m:r>
+                      <a:rPr lang="fr-FR" sz="1600" b="0" i="0" smtClean="0">
+                        <a:latin typeface="Cambria Math" panose="02040503050406030204" pitchFamily="18" charset="0"/>
+                      </a:rPr>
+                      <m:t>+</m:t>
+                    </m:r>
+                    <m:sSup>
+                      <m:sSupPr>
+                        <m:ctrlPr>
+                          <a:rPr lang="fr-FR" sz="1600" b="0" i="1" smtClean="0">
+                            <a:latin typeface="Cambria Math" panose="02040503050406030204" pitchFamily="18" charset="0"/>
+                          </a:rPr>
+                        </m:ctrlPr>
+                      </m:sSupPr>
+                      <m:e>
+                        <m:d>
+                          <m:dPr>
+                            <m:ctrlPr>
+                              <a:rPr lang="fr-FR" sz="1600" b="0" i="1" smtClean="0">
+                                <a:latin typeface="Cambria Math" panose="02040503050406030204" pitchFamily="18" charset="0"/>
+                              </a:rPr>
+                            </m:ctrlPr>
+                          </m:dPr>
+                          <m:e>
+                            <m:r>
+                              <a:rPr lang="fr-FR" sz="1600" i="1">
+                                <a:latin typeface="Cambria Math" panose="02040503050406030204" pitchFamily="18" charset="0"/>
+                              </a:rPr>
+                              <m:t>−</m:t>
+                            </m:r>
+                            <m:f>
+                              <m:fPr>
+                                <m:ctrlPr>
+                                  <a:rPr lang="fr-FR" sz="1600" i="1">
+                                    <a:latin typeface="Cambria Math" panose="02040503050406030204" pitchFamily="18" charset="0"/>
+                                  </a:rPr>
+                                </m:ctrlPr>
+                              </m:fPr>
+                              <m:num>
+                                <m:r>
+                                  <a:rPr lang="fr-FR" sz="1600" i="1">
+                                    <a:latin typeface="Cambria Math" panose="02040503050406030204" pitchFamily="18" charset="0"/>
+                                  </a:rPr>
+                                  <m:t>𝐿</m:t>
+                                </m:r>
+                              </m:num>
+                              <m:den>
+                                <m:r>
+                                  <a:rPr lang="fr-FR" sz="1600" i="1">
+                                    <a:latin typeface="Cambria Math" panose="02040503050406030204" pitchFamily="18" charset="0"/>
+                                  </a:rPr>
+                                  <m:t>2</m:t>
+                                </m:r>
+                              </m:den>
+                            </m:f>
+                            <m:func>
+                              <m:funcPr>
+                                <m:ctrlPr>
+                                  <a:rPr lang="fr-FR" sz="1600" i="1">
+                                    <a:latin typeface="Cambria Math" panose="02040503050406030204" pitchFamily="18" charset="0"/>
+                                  </a:rPr>
+                                </m:ctrlPr>
+                              </m:funcPr>
+                              <m:fName>
+                                <m:r>
+                                  <m:rPr>
+                                    <m:sty m:val="p"/>
+                                  </m:rPr>
+                                  <a:rPr lang="fr-FR" sz="1600">
+                                    <a:latin typeface="Cambria Math" panose="02040503050406030204" pitchFamily="18" charset="0"/>
+                                  </a:rPr>
+                                  <m:t>sin</m:t>
+                                </m:r>
+                              </m:fName>
+                              <m:e>
+                                <m:r>
+                                  <a:rPr lang="fr-FR" sz="1600" i="1">
+                                    <a:latin typeface="Cambria Math" panose="02040503050406030204" pitchFamily="18" charset="0"/>
+                                  </a:rPr>
+                                  <m:t>𝜃</m:t>
+                                </m:r>
+                              </m:e>
+                            </m:func>
+                            <m:r>
+                              <a:rPr lang="fr-FR" sz="1600" i="1">
+                                <a:latin typeface="Cambria Math" panose="02040503050406030204" pitchFamily="18" charset="0"/>
+                              </a:rPr>
+                              <m:t>−</m:t>
+                            </m:r>
+                            <m:f>
+                              <m:fPr>
+                                <m:ctrlPr>
+                                  <a:rPr lang="fr-FR" sz="1600" i="1">
+                                    <a:latin typeface="Cambria Math" panose="02040503050406030204" pitchFamily="18" charset="0"/>
+                                  </a:rPr>
+                                </m:ctrlPr>
+                              </m:fPr>
+                              <m:num>
+                                <m:r>
+                                  <a:rPr lang="fr-FR" sz="1600" i="1">
+                                    <a:latin typeface="Cambria Math" panose="02040503050406030204" pitchFamily="18" charset="0"/>
+                                  </a:rPr>
+                                  <m:t>𝐻</m:t>
+                                </m:r>
+                              </m:num>
+                              <m:den>
+                                <m:r>
+                                  <a:rPr lang="fr-FR" sz="1600" i="1">
+                                    <a:latin typeface="Cambria Math" panose="02040503050406030204" pitchFamily="18" charset="0"/>
+                                  </a:rPr>
+                                  <m:t>2</m:t>
+                                </m:r>
+                              </m:den>
+                            </m:f>
+                            <m:func>
+                              <m:funcPr>
+                                <m:ctrlPr>
+                                  <a:rPr lang="fr-FR" sz="1600" i="1">
+                                    <a:latin typeface="Cambria Math" panose="02040503050406030204" pitchFamily="18" charset="0"/>
+                                  </a:rPr>
+                                </m:ctrlPr>
+                              </m:funcPr>
+                              <m:fName>
+                                <m:r>
+                                  <m:rPr>
+                                    <m:sty m:val="p"/>
+                                  </m:rPr>
+                                  <a:rPr lang="fr-FR" sz="1600">
+                                    <a:latin typeface="Cambria Math" panose="02040503050406030204" pitchFamily="18" charset="0"/>
+                                  </a:rPr>
+                                  <m:t>cos</m:t>
+                                </m:r>
+                              </m:fName>
+                              <m:e>
+                                <m:r>
+                                  <a:rPr lang="fr-FR" sz="1600" i="1">
+                                    <a:latin typeface="Cambria Math" panose="02040503050406030204" pitchFamily="18" charset="0"/>
+                                  </a:rPr>
+                                  <m:t>𝜃</m:t>
+                                </m:r>
+                              </m:e>
+                            </m:func>
+                            <m:r>
+                              <a:rPr lang="fr-FR" sz="1600" i="1">
+                                <a:latin typeface="Cambria Math" panose="02040503050406030204" pitchFamily="18" charset="0"/>
+                              </a:rPr>
+                              <m:t>−</m:t>
+                            </m:r>
+                            <m:sSub>
+                              <m:sSubPr>
+                                <m:ctrlPr>
+                                  <a:rPr lang="fr-FR" sz="1600" i="1">
+                                    <a:latin typeface="Cambria Math" panose="02040503050406030204" pitchFamily="18" charset="0"/>
+                                  </a:rPr>
+                                </m:ctrlPr>
+                              </m:sSubPr>
+                              <m:e>
+                                <m:r>
+                                  <a:rPr lang="fr-FR" sz="1600" i="1">
+                                    <a:latin typeface="Cambria Math" panose="02040503050406030204" pitchFamily="18" charset="0"/>
+                                  </a:rPr>
+                                  <m:t>𝑌</m:t>
+                                </m:r>
+                              </m:e>
+                              <m:sub>
+                                <m:r>
+                                  <a:rPr lang="fr-FR" sz="1600" i="1">
+                                    <a:latin typeface="Cambria Math" panose="02040503050406030204" pitchFamily="18" charset="0"/>
+                                  </a:rPr>
+                                  <m:t>𝑀</m:t>
+                                </m:r>
+                              </m:sub>
+                            </m:sSub>
+                            <m:r>
+                              <a:rPr lang="fr-FR" sz="1600" i="1">
+                                <a:latin typeface="Cambria Math" panose="02040503050406030204" pitchFamily="18" charset="0"/>
+                              </a:rPr>
+                              <m:t>+</m:t>
+                            </m:r>
+                            <m:sSub>
+                              <m:sSubPr>
+                                <m:ctrlPr>
+                                  <a:rPr lang="fr-FR" sz="1600" i="1">
+                                    <a:latin typeface="Cambria Math" panose="02040503050406030204" pitchFamily="18" charset="0"/>
+                                  </a:rPr>
+                                </m:ctrlPr>
+                              </m:sSubPr>
+                              <m:e>
+                                <m:r>
+                                  <a:rPr lang="fr-FR" sz="1600" i="1">
+                                    <a:latin typeface="Cambria Math" panose="02040503050406030204" pitchFamily="18" charset="0"/>
+                                  </a:rPr>
+                                  <m:t>𝑌</m:t>
+                                </m:r>
+                              </m:e>
+                              <m:sub>
+                                <m:r>
+                                  <a:rPr lang="fr-FR" sz="1600" i="1">
+                                    <a:latin typeface="Cambria Math" panose="02040503050406030204" pitchFamily="18" charset="0"/>
+                                  </a:rPr>
+                                  <m:t>𝐻𝐷</m:t>
+                                </m:r>
+                              </m:sub>
+                            </m:sSub>
+                          </m:e>
+                        </m:d>
+                      </m:e>
+                      <m:sup>
+                        <m:r>
+                          <a:rPr lang="fr-FR" sz="1600" b="0" i="1" smtClean="0">
+                            <a:latin typeface="Cambria Math" panose="02040503050406030204" pitchFamily="18" charset="0"/>
+                          </a:rPr>
+                          <m:t>2</m:t>
+                        </m:r>
+                      </m:sup>
+                    </m:sSup>
+                  </m:oMath>
+                </a14:m>
+                <a:endParaRPr lang="fr-FR" sz="1600" b="0" dirty="0"/>
+              </a:p>
+              <a:p>
+                <a:pPr lvl="1"/>
+                <a14:m>
+                  <m:oMath xmlns:m="http://schemas.openxmlformats.org/officeDocument/2006/math">
+                    <m:func>
+                      <m:funcPr>
+                        <m:ctrlPr>
+                          <a:rPr lang="fr-FR" sz="1600" b="0" i="1" smtClean="0">
+                            <a:latin typeface="Cambria Math" panose="02040503050406030204" pitchFamily="18" charset="0"/>
+                          </a:rPr>
+                        </m:ctrlPr>
+                      </m:funcPr>
+                      <m:fName>
+                        <m:r>
+                          <m:rPr>
+                            <m:sty m:val="p"/>
+                          </m:rPr>
+                          <a:rPr lang="fr-FR" sz="1600" b="0" i="0" smtClean="0">
+                            <a:latin typeface="Cambria Math" panose="02040503050406030204" pitchFamily="18" charset="0"/>
+                          </a:rPr>
+                          <m:t>tan</m:t>
+                        </m:r>
+                      </m:fName>
+                      <m:e>
+                        <m:sSub>
+                          <m:sSubPr>
+                            <m:ctrlPr>
+                              <a:rPr lang="fr-FR" sz="1600" b="0" i="1" smtClean="0">
+                                <a:latin typeface="Cambria Math" panose="02040503050406030204" pitchFamily="18" charset="0"/>
+                              </a:rPr>
+                            </m:ctrlPr>
+                          </m:sSubPr>
+                          <m:e>
+                            <m:r>
+                              <a:rPr lang="fr-FR" sz="1600" b="0" i="1" smtClean="0">
+                                <a:latin typeface="Cambria Math" panose="02040503050406030204" pitchFamily="18" charset="0"/>
+                              </a:rPr>
+                              <m:t>𝜑</m:t>
+                            </m:r>
+                          </m:e>
+                          <m:sub>
+                            <m:r>
+                              <a:rPr lang="fr-FR" sz="1600" b="0" i="1" smtClean="0">
+                                <a:latin typeface="Cambria Math" panose="02040503050406030204" pitchFamily="18" charset="0"/>
+                              </a:rPr>
+                              <m:t>𝐻𝐷</m:t>
+                            </m:r>
+                          </m:sub>
+                        </m:sSub>
+                      </m:e>
+                    </m:func>
+                    <m:r>
+                      <a:rPr lang="fr-FR" sz="1600" b="0" i="0" smtClean="0">
+                        <a:latin typeface="Cambria Math" panose="02040503050406030204" pitchFamily="18" charset="0"/>
+                      </a:rPr>
+                      <m:t>=</m:t>
+                    </m:r>
+                    <m:f>
+                      <m:fPr>
+                        <m:ctrlPr>
+                          <a:rPr lang="fr-FR" sz="1600" b="0" i="0" smtClean="0">
+                            <a:latin typeface="Cambria Math" panose="02040503050406030204" pitchFamily="18" charset="0"/>
+                          </a:rPr>
+                        </m:ctrlPr>
+                      </m:fPr>
+                      <m:num>
+                        <m:r>
+                          <a:rPr lang="fr-FR" sz="1600" i="1">
+                            <a:latin typeface="Cambria Math" panose="02040503050406030204" pitchFamily="18" charset="0"/>
+                          </a:rPr>
+                          <m:t>−</m:t>
+                        </m:r>
+                        <m:f>
+                          <m:fPr>
+                            <m:ctrlPr>
+                              <a:rPr lang="fr-FR" sz="1600" i="1">
+                                <a:latin typeface="Cambria Math" panose="02040503050406030204" pitchFamily="18" charset="0"/>
+                              </a:rPr>
+                            </m:ctrlPr>
+                          </m:fPr>
+                          <m:num>
+                            <m:r>
+                              <a:rPr lang="fr-FR" sz="1600" i="1">
+                                <a:latin typeface="Cambria Math" panose="02040503050406030204" pitchFamily="18" charset="0"/>
+                              </a:rPr>
+                              <m:t>𝐿</m:t>
+                            </m:r>
+                          </m:num>
+                          <m:den>
+                            <m:r>
+                              <a:rPr lang="fr-FR" sz="1600" i="1">
+                                <a:latin typeface="Cambria Math" panose="02040503050406030204" pitchFamily="18" charset="0"/>
+                              </a:rPr>
+                              <m:t>2</m:t>
+                            </m:r>
+                          </m:den>
+                        </m:f>
+                        <m:func>
+                          <m:funcPr>
+                            <m:ctrlPr>
+                              <a:rPr lang="fr-FR" sz="1600" i="1">
+                                <a:latin typeface="Cambria Math" panose="02040503050406030204" pitchFamily="18" charset="0"/>
+                              </a:rPr>
+                            </m:ctrlPr>
+                          </m:funcPr>
+                          <m:fName>
+                            <m:r>
+                              <m:rPr>
+                                <m:sty m:val="p"/>
+                              </m:rPr>
+                              <a:rPr lang="fr-FR" sz="1600">
+                                <a:latin typeface="Cambria Math" panose="02040503050406030204" pitchFamily="18" charset="0"/>
+                              </a:rPr>
+                              <m:t>sin</m:t>
+                            </m:r>
+                          </m:fName>
+                          <m:e>
+                            <m:r>
+                              <a:rPr lang="fr-FR" sz="1600" i="1">
+                                <a:latin typeface="Cambria Math" panose="02040503050406030204" pitchFamily="18" charset="0"/>
+                              </a:rPr>
+                              <m:t>𝜃</m:t>
+                            </m:r>
+                          </m:e>
+                        </m:func>
+                        <m:r>
+                          <a:rPr lang="fr-FR" sz="1600" i="1">
+                            <a:latin typeface="Cambria Math" panose="02040503050406030204" pitchFamily="18" charset="0"/>
+                          </a:rPr>
+                          <m:t>−</m:t>
+                        </m:r>
+                        <m:f>
+                          <m:fPr>
+                            <m:ctrlPr>
+                              <a:rPr lang="fr-FR" sz="1600" i="1">
+                                <a:latin typeface="Cambria Math" panose="02040503050406030204" pitchFamily="18" charset="0"/>
+                              </a:rPr>
+                            </m:ctrlPr>
+                          </m:fPr>
+                          <m:num>
+                            <m:r>
+                              <a:rPr lang="fr-FR" sz="1600" i="1">
+                                <a:latin typeface="Cambria Math" panose="02040503050406030204" pitchFamily="18" charset="0"/>
+                              </a:rPr>
+                              <m:t>𝐻</m:t>
+                            </m:r>
+                          </m:num>
+                          <m:den>
+                            <m:r>
+                              <a:rPr lang="fr-FR" sz="1600" i="1">
+                                <a:latin typeface="Cambria Math" panose="02040503050406030204" pitchFamily="18" charset="0"/>
+                              </a:rPr>
+                              <m:t>2</m:t>
+                            </m:r>
+                          </m:den>
+                        </m:f>
+                        <m:func>
+                          <m:funcPr>
+                            <m:ctrlPr>
+                              <a:rPr lang="fr-FR" sz="1600" i="1">
+                                <a:latin typeface="Cambria Math" panose="02040503050406030204" pitchFamily="18" charset="0"/>
+                              </a:rPr>
+                            </m:ctrlPr>
+                          </m:funcPr>
+                          <m:fName>
+                            <m:r>
+                              <m:rPr>
+                                <m:sty m:val="p"/>
+                              </m:rPr>
+                              <a:rPr lang="fr-FR" sz="1600">
+                                <a:latin typeface="Cambria Math" panose="02040503050406030204" pitchFamily="18" charset="0"/>
+                              </a:rPr>
+                              <m:t>cos</m:t>
+                            </m:r>
+                          </m:fName>
+                          <m:e>
+                            <m:r>
+                              <a:rPr lang="fr-FR" sz="1600" i="1">
+                                <a:latin typeface="Cambria Math" panose="02040503050406030204" pitchFamily="18" charset="0"/>
+                              </a:rPr>
+                              <m:t>𝜃</m:t>
+                            </m:r>
+                          </m:e>
+                        </m:func>
+                        <m:r>
+                          <a:rPr lang="fr-FR" sz="1600" i="1">
+                            <a:latin typeface="Cambria Math" panose="02040503050406030204" pitchFamily="18" charset="0"/>
+                          </a:rPr>
+                          <m:t>−</m:t>
+                        </m:r>
+                        <m:sSub>
+                          <m:sSubPr>
+                            <m:ctrlPr>
+                              <a:rPr lang="fr-FR" sz="1600" i="1">
+                                <a:latin typeface="Cambria Math" panose="02040503050406030204" pitchFamily="18" charset="0"/>
+                              </a:rPr>
+                            </m:ctrlPr>
+                          </m:sSubPr>
+                          <m:e>
+                            <m:r>
+                              <a:rPr lang="fr-FR" sz="1600" i="1">
+                                <a:latin typeface="Cambria Math" panose="02040503050406030204" pitchFamily="18" charset="0"/>
+                              </a:rPr>
+                              <m:t>𝑌</m:t>
+                            </m:r>
+                          </m:e>
+                          <m:sub>
+                            <m:r>
+                              <a:rPr lang="fr-FR" sz="1600" i="1">
+                                <a:latin typeface="Cambria Math" panose="02040503050406030204" pitchFamily="18" charset="0"/>
+                              </a:rPr>
+                              <m:t>𝑀</m:t>
+                            </m:r>
+                          </m:sub>
+                        </m:sSub>
+                        <m:r>
+                          <a:rPr lang="fr-FR" sz="1600" i="1">
+                            <a:latin typeface="Cambria Math" panose="02040503050406030204" pitchFamily="18" charset="0"/>
+                          </a:rPr>
+                          <m:t>+</m:t>
+                        </m:r>
+                        <m:sSub>
+                          <m:sSubPr>
+                            <m:ctrlPr>
+                              <a:rPr lang="fr-FR" sz="1600" i="1">
+                                <a:latin typeface="Cambria Math" panose="02040503050406030204" pitchFamily="18" charset="0"/>
+                              </a:rPr>
+                            </m:ctrlPr>
+                          </m:sSubPr>
+                          <m:e>
+                            <m:r>
+                              <a:rPr lang="fr-FR" sz="1600" i="1">
+                                <a:latin typeface="Cambria Math" panose="02040503050406030204" pitchFamily="18" charset="0"/>
+                              </a:rPr>
+                              <m:t>𝑌</m:t>
+                            </m:r>
+                          </m:e>
+                          <m:sub>
+                            <m:r>
+                              <a:rPr lang="fr-FR" sz="1600" i="1">
+                                <a:latin typeface="Cambria Math" panose="02040503050406030204" pitchFamily="18" charset="0"/>
+                              </a:rPr>
+                              <m:t>𝐻𝐷</m:t>
+                            </m:r>
+                          </m:sub>
+                        </m:sSub>
+                      </m:num>
+                      <m:den>
+                        <m:r>
+                          <a:rPr lang="fr-FR" sz="1600" i="1">
+                            <a:latin typeface="Cambria Math" panose="02040503050406030204" pitchFamily="18" charset="0"/>
+                          </a:rPr>
+                          <m:t>−</m:t>
+                        </m:r>
+                        <m:f>
+                          <m:fPr>
+                            <m:ctrlPr>
+                              <a:rPr lang="fr-FR" sz="1600" i="1">
+                                <a:latin typeface="Cambria Math" panose="02040503050406030204" pitchFamily="18" charset="0"/>
+                              </a:rPr>
+                            </m:ctrlPr>
+                          </m:fPr>
+                          <m:num>
+                            <m:r>
+                              <a:rPr lang="fr-FR" sz="1600" i="1">
+                                <a:latin typeface="Cambria Math" panose="02040503050406030204" pitchFamily="18" charset="0"/>
+                              </a:rPr>
+                              <m:t>𝐿</m:t>
+                            </m:r>
+                          </m:num>
+                          <m:den>
+                            <m:r>
+                              <a:rPr lang="fr-FR" sz="1600" i="1">
+                                <a:latin typeface="Cambria Math" panose="02040503050406030204" pitchFamily="18" charset="0"/>
+                              </a:rPr>
+                              <m:t>2</m:t>
+                            </m:r>
+                          </m:den>
+                        </m:f>
+                        <m:func>
+                          <m:funcPr>
+                            <m:ctrlPr>
+                              <a:rPr lang="fr-FR" sz="1600" i="1">
+                                <a:latin typeface="Cambria Math" panose="02040503050406030204" pitchFamily="18" charset="0"/>
+                              </a:rPr>
+                            </m:ctrlPr>
+                          </m:funcPr>
+                          <m:fName>
+                            <m:r>
+                              <m:rPr>
+                                <m:sty m:val="p"/>
+                              </m:rPr>
+                              <a:rPr lang="fr-FR" sz="1600">
+                                <a:latin typeface="Cambria Math" panose="02040503050406030204" pitchFamily="18" charset="0"/>
+                              </a:rPr>
+                              <m:t>cos</m:t>
+                            </m:r>
+                          </m:fName>
+                          <m:e>
+                            <m:r>
+                              <a:rPr lang="fr-FR" sz="1600" i="1">
+                                <a:latin typeface="Cambria Math" panose="02040503050406030204" pitchFamily="18" charset="0"/>
+                              </a:rPr>
+                              <m:t>𝜃</m:t>
+                            </m:r>
+                          </m:e>
+                        </m:func>
+                        <m:r>
+                          <a:rPr lang="fr-FR" sz="1600" i="1">
+                            <a:latin typeface="Cambria Math" panose="02040503050406030204" pitchFamily="18" charset="0"/>
+                          </a:rPr>
+                          <m:t>+</m:t>
+                        </m:r>
+                        <m:f>
+                          <m:fPr>
+                            <m:ctrlPr>
+                              <a:rPr lang="fr-FR" sz="1600" i="1">
+                                <a:latin typeface="Cambria Math" panose="02040503050406030204" pitchFamily="18" charset="0"/>
+                              </a:rPr>
+                            </m:ctrlPr>
+                          </m:fPr>
+                          <m:num>
+                            <m:r>
+                              <a:rPr lang="fr-FR" sz="1600" i="1">
+                                <a:latin typeface="Cambria Math" panose="02040503050406030204" pitchFamily="18" charset="0"/>
+                              </a:rPr>
+                              <m:t>𝐻</m:t>
+                            </m:r>
+                          </m:num>
+                          <m:den>
+                            <m:r>
+                              <a:rPr lang="fr-FR" sz="1600" i="1">
+                                <a:latin typeface="Cambria Math" panose="02040503050406030204" pitchFamily="18" charset="0"/>
+                              </a:rPr>
+                              <m:t>2</m:t>
+                            </m:r>
+                          </m:den>
+                        </m:f>
+                        <m:func>
+                          <m:funcPr>
+                            <m:ctrlPr>
+                              <a:rPr lang="fr-FR" sz="1600" i="1">
+                                <a:latin typeface="Cambria Math" panose="02040503050406030204" pitchFamily="18" charset="0"/>
+                              </a:rPr>
+                            </m:ctrlPr>
+                          </m:funcPr>
+                          <m:fName>
+                            <m:r>
+                              <m:rPr>
+                                <m:sty m:val="p"/>
+                              </m:rPr>
+                              <a:rPr lang="fr-FR" sz="1600">
+                                <a:latin typeface="Cambria Math" panose="02040503050406030204" pitchFamily="18" charset="0"/>
+                              </a:rPr>
+                              <m:t>sin</m:t>
+                            </m:r>
+                          </m:fName>
+                          <m:e>
+                            <m:r>
+                              <a:rPr lang="fr-FR" sz="1600" i="1">
+                                <a:latin typeface="Cambria Math" panose="02040503050406030204" pitchFamily="18" charset="0"/>
+                              </a:rPr>
+                              <m:t>𝜃</m:t>
+                            </m:r>
+                          </m:e>
+                        </m:func>
+                        <m:r>
+                          <a:rPr lang="fr-FR" sz="1600" i="1">
+                            <a:latin typeface="Cambria Math" panose="02040503050406030204" pitchFamily="18" charset="0"/>
+                          </a:rPr>
+                          <m:t>−</m:t>
+                        </m:r>
+                        <m:sSub>
+                          <m:sSubPr>
+                            <m:ctrlPr>
+                              <a:rPr lang="fr-FR" sz="1600" i="1">
+                                <a:latin typeface="Cambria Math" panose="02040503050406030204" pitchFamily="18" charset="0"/>
+                              </a:rPr>
+                            </m:ctrlPr>
+                          </m:sSubPr>
+                          <m:e>
+                            <m:r>
+                              <a:rPr lang="fr-FR" sz="1600" i="1">
+                                <a:latin typeface="Cambria Math" panose="02040503050406030204" pitchFamily="18" charset="0"/>
+                              </a:rPr>
+                              <m:t>𝑋</m:t>
+                            </m:r>
+                          </m:e>
+                          <m:sub>
+                            <m:r>
+                              <a:rPr lang="fr-FR" sz="1600" i="1">
+                                <a:latin typeface="Cambria Math" panose="02040503050406030204" pitchFamily="18" charset="0"/>
+                              </a:rPr>
+                              <m:t>𝑀</m:t>
+                            </m:r>
+                          </m:sub>
+                        </m:sSub>
+                        <m:r>
+                          <a:rPr lang="fr-FR" sz="1600" i="1">
+                            <a:latin typeface="Cambria Math" panose="02040503050406030204" pitchFamily="18" charset="0"/>
+                          </a:rPr>
+                          <m:t>+</m:t>
+                        </m:r>
+                        <m:sSub>
+                          <m:sSubPr>
+                            <m:ctrlPr>
+                              <a:rPr lang="fr-FR" sz="1600" i="1">
+                                <a:latin typeface="Cambria Math" panose="02040503050406030204" pitchFamily="18" charset="0"/>
+                              </a:rPr>
+                            </m:ctrlPr>
+                          </m:sSubPr>
+                          <m:e>
+                            <m:r>
+                              <a:rPr lang="fr-FR" sz="1600" i="1">
+                                <a:latin typeface="Cambria Math" panose="02040503050406030204" pitchFamily="18" charset="0"/>
+                              </a:rPr>
+                              <m:t>𝑋</m:t>
+                            </m:r>
+                          </m:e>
+                          <m:sub>
+                            <m:r>
+                              <a:rPr lang="fr-FR" sz="1600" i="1">
+                                <a:latin typeface="Cambria Math" panose="02040503050406030204" pitchFamily="18" charset="0"/>
+                              </a:rPr>
+                              <m:t>𝐻𝐷</m:t>
+                            </m:r>
+                          </m:sub>
+                        </m:sSub>
+                      </m:den>
+                    </m:f>
+                  </m:oMath>
+                </a14:m>
+                <a:endParaRPr lang="fr-FR" sz="1600" dirty="0"/>
+              </a:p>
+              <a:p>
+                <a:pPr lvl="1"/>
+                <a:endParaRPr lang="fr-FR" sz="1600" dirty="0"/>
+              </a:p>
+              <a:p>
+                <a:r>
+                  <a:rPr lang="fr-FR" sz="2000" dirty="0"/>
+                  <a:t>Pour </a:t>
+                </a:r>
+                <a14:m>
+                  <m:oMath xmlns:m="http://schemas.openxmlformats.org/officeDocument/2006/math">
+                    <m:r>
+                      <a:rPr lang="fr-FR" sz="2000" b="0" i="1" smtClean="0">
+                        <a:latin typeface="Cambria Math" panose="02040503050406030204" pitchFamily="18" charset="0"/>
+                      </a:rPr>
+                      <m:t>𝜃</m:t>
+                    </m:r>
+                    <m:r>
+                      <a:rPr lang="fr-FR" sz="2000" b="0" i="1" smtClean="0">
+                        <a:latin typeface="Cambria Math" panose="02040503050406030204" pitchFamily="18" charset="0"/>
+                      </a:rPr>
+                      <m:t>=0</m:t>
+                    </m:r>
+                  </m:oMath>
+                </a14:m>
+                <a:endParaRPr lang="fr-FR" sz="2000" dirty="0"/>
+              </a:p>
+              <a:p>
+                <a:pPr lvl="1"/>
+                <a14:m>
+                  <m:oMath xmlns:m="http://schemas.openxmlformats.org/officeDocument/2006/math">
+                    <m:sSubSup>
+                      <m:sSubSupPr>
+                        <m:ctrlPr>
+                          <a:rPr lang="fr-FR" sz="1600" b="0" i="1" smtClean="0">
+                            <a:latin typeface="Cambria Math" panose="02040503050406030204" pitchFamily="18" charset="0"/>
+                          </a:rPr>
+                        </m:ctrlPr>
+                      </m:sSubSupPr>
+                      <m:e>
+                        <m:r>
+                          <a:rPr lang="fr-FR" sz="1600" b="0" i="1" smtClean="0">
+                            <a:latin typeface="Cambria Math" panose="02040503050406030204" pitchFamily="18" charset="0"/>
+                          </a:rPr>
+                          <m:t>𝐷</m:t>
+                        </m:r>
+                      </m:e>
+                      <m:sub>
+                        <m:r>
+                          <a:rPr lang="fr-FR" sz="1600" b="0" i="1" smtClean="0">
+                            <a:latin typeface="Cambria Math" panose="02040503050406030204" pitchFamily="18" charset="0"/>
+                          </a:rPr>
+                          <m:t>𝐻𝐷</m:t>
+                        </m:r>
+                      </m:sub>
+                      <m:sup>
+                        <m:r>
+                          <a:rPr lang="fr-FR" sz="1600" b="0" i="1" smtClean="0">
+                            <a:latin typeface="Cambria Math" panose="02040503050406030204" pitchFamily="18" charset="0"/>
+                          </a:rPr>
+                          <m:t>2</m:t>
+                        </m:r>
+                      </m:sup>
+                    </m:sSubSup>
+                    <m:r>
+                      <a:rPr lang="fr-FR" sz="1600" b="0" i="1" smtClean="0">
+                        <a:latin typeface="Cambria Math" panose="02040503050406030204" pitchFamily="18" charset="0"/>
+                      </a:rPr>
+                      <m:t>=</m:t>
+                    </m:r>
+                    <m:sSup>
+                      <m:sSupPr>
+                        <m:ctrlPr>
+                          <a:rPr lang="fr-FR" sz="1600" b="0" i="1" smtClean="0">
+                            <a:latin typeface="Cambria Math" panose="02040503050406030204" pitchFamily="18" charset="0"/>
+                          </a:rPr>
+                        </m:ctrlPr>
+                      </m:sSupPr>
+                      <m:e>
+                        <m:d>
+                          <m:dPr>
+                            <m:ctrlPr>
+                              <a:rPr lang="fr-FR" sz="1600" b="0" i="1" smtClean="0">
+                                <a:latin typeface="Cambria Math" panose="02040503050406030204" pitchFamily="18" charset="0"/>
+                              </a:rPr>
+                            </m:ctrlPr>
+                          </m:dPr>
+                          <m:e>
+                            <m:r>
+                              <a:rPr lang="fr-FR" sz="1600" i="1">
+                                <a:latin typeface="Cambria Math" panose="02040503050406030204" pitchFamily="18" charset="0"/>
+                              </a:rPr>
+                              <m:t>−</m:t>
+                            </m:r>
+                            <m:f>
+                              <m:fPr>
+                                <m:ctrlPr>
+                                  <a:rPr lang="fr-FR" sz="1600" i="1">
+                                    <a:latin typeface="Cambria Math" panose="02040503050406030204" pitchFamily="18" charset="0"/>
+                                  </a:rPr>
+                                </m:ctrlPr>
+                              </m:fPr>
+                              <m:num>
+                                <m:r>
+                                  <a:rPr lang="fr-FR" sz="1600" i="1">
+                                    <a:latin typeface="Cambria Math" panose="02040503050406030204" pitchFamily="18" charset="0"/>
+                                  </a:rPr>
+                                  <m:t>𝐿</m:t>
+                                </m:r>
+                              </m:num>
+                              <m:den>
+                                <m:r>
+                                  <a:rPr lang="fr-FR" sz="1600" i="1">
+                                    <a:latin typeface="Cambria Math" panose="02040503050406030204" pitchFamily="18" charset="0"/>
+                                  </a:rPr>
+                                  <m:t>2</m:t>
+                                </m:r>
+                              </m:den>
+                            </m:f>
+                            <m:r>
+                              <a:rPr lang="fr-FR" sz="1600" i="1">
+                                <a:latin typeface="Cambria Math" panose="02040503050406030204" pitchFamily="18" charset="0"/>
+                              </a:rPr>
+                              <m:t>−</m:t>
+                            </m:r>
+                            <m:sSub>
+                              <m:sSubPr>
+                                <m:ctrlPr>
+                                  <a:rPr lang="fr-FR" sz="1600" i="1">
+                                    <a:latin typeface="Cambria Math" panose="02040503050406030204" pitchFamily="18" charset="0"/>
+                                  </a:rPr>
+                                </m:ctrlPr>
+                              </m:sSubPr>
+                              <m:e>
+                                <m:r>
+                                  <a:rPr lang="fr-FR" sz="1600" i="1">
+                                    <a:latin typeface="Cambria Math" panose="02040503050406030204" pitchFamily="18" charset="0"/>
+                                  </a:rPr>
+                                  <m:t>𝑋</m:t>
+                                </m:r>
+                              </m:e>
+                              <m:sub>
+                                <m:r>
+                                  <a:rPr lang="fr-FR" sz="1600" i="1">
+                                    <a:latin typeface="Cambria Math" panose="02040503050406030204" pitchFamily="18" charset="0"/>
+                                  </a:rPr>
+                                  <m:t>𝑀</m:t>
+                                </m:r>
+                              </m:sub>
+                            </m:sSub>
+                            <m:r>
+                              <a:rPr lang="fr-FR" sz="1600" i="1">
+                                <a:latin typeface="Cambria Math" panose="02040503050406030204" pitchFamily="18" charset="0"/>
+                              </a:rPr>
+                              <m:t>+</m:t>
+                            </m:r>
+                            <m:sSub>
+                              <m:sSubPr>
+                                <m:ctrlPr>
+                                  <a:rPr lang="fr-FR" sz="1600" i="1">
+                                    <a:latin typeface="Cambria Math" panose="02040503050406030204" pitchFamily="18" charset="0"/>
+                                  </a:rPr>
+                                </m:ctrlPr>
+                              </m:sSubPr>
+                              <m:e>
+                                <m:r>
+                                  <a:rPr lang="fr-FR" sz="1600" i="1">
+                                    <a:latin typeface="Cambria Math" panose="02040503050406030204" pitchFamily="18" charset="0"/>
+                                  </a:rPr>
+                                  <m:t>𝑋</m:t>
+                                </m:r>
+                              </m:e>
+                              <m:sub>
+                                <m:r>
+                                  <a:rPr lang="fr-FR" sz="1600" i="1">
+                                    <a:latin typeface="Cambria Math" panose="02040503050406030204" pitchFamily="18" charset="0"/>
+                                  </a:rPr>
+                                  <m:t>𝐻𝐷</m:t>
+                                </m:r>
+                              </m:sub>
+                            </m:sSub>
+                          </m:e>
+                        </m:d>
+                      </m:e>
+                      <m:sup>
+                        <m:r>
+                          <a:rPr lang="fr-FR" sz="1600" b="0" i="1" smtClean="0">
+                            <a:latin typeface="Cambria Math" panose="02040503050406030204" pitchFamily="18" charset="0"/>
+                          </a:rPr>
+                          <m:t>2</m:t>
+                        </m:r>
+                      </m:sup>
+                    </m:sSup>
+                    <m:r>
+                      <a:rPr lang="fr-FR" sz="1600" b="0" i="0" smtClean="0">
+                        <a:latin typeface="Cambria Math" panose="02040503050406030204" pitchFamily="18" charset="0"/>
+                      </a:rPr>
+                      <m:t>+</m:t>
+                    </m:r>
+                    <m:sSup>
+                      <m:sSupPr>
+                        <m:ctrlPr>
+                          <a:rPr lang="fr-FR" sz="1600" b="0" i="1" smtClean="0">
+                            <a:latin typeface="Cambria Math" panose="02040503050406030204" pitchFamily="18" charset="0"/>
+                          </a:rPr>
+                        </m:ctrlPr>
+                      </m:sSupPr>
+                      <m:e>
+                        <m:d>
+                          <m:dPr>
+                            <m:ctrlPr>
+                              <a:rPr lang="fr-FR" sz="1600" b="0" i="1" smtClean="0">
+                                <a:latin typeface="Cambria Math" panose="02040503050406030204" pitchFamily="18" charset="0"/>
+                              </a:rPr>
+                            </m:ctrlPr>
+                          </m:dPr>
+                          <m:e>
+                            <m:r>
+                              <a:rPr lang="fr-FR" sz="1600" i="1">
+                                <a:latin typeface="Cambria Math" panose="02040503050406030204" pitchFamily="18" charset="0"/>
+                              </a:rPr>
+                              <m:t>−</m:t>
+                            </m:r>
+                            <m:f>
+                              <m:fPr>
+                                <m:ctrlPr>
+                                  <a:rPr lang="fr-FR" sz="1600" i="1">
+                                    <a:latin typeface="Cambria Math" panose="02040503050406030204" pitchFamily="18" charset="0"/>
+                                  </a:rPr>
+                                </m:ctrlPr>
+                              </m:fPr>
+                              <m:num>
+                                <m:r>
+                                  <a:rPr lang="fr-FR" sz="1600" i="1">
+                                    <a:latin typeface="Cambria Math" panose="02040503050406030204" pitchFamily="18" charset="0"/>
+                                  </a:rPr>
+                                  <m:t>𝐻</m:t>
+                                </m:r>
+                              </m:num>
+                              <m:den>
+                                <m:r>
+                                  <a:rPr lang="fr-FR" sz="1600" i="1">
+                                    <a:latin typeface="Cambria Math" panose="02040503050406030204" pitchFamily="18" charset="0"/>
+                                  </a:rPr>
+                                  <m:t>2</m:t>
+                                </m:r>
+                              </m:den>
+                            </m:f>
+                            <m:r>
+                              <a:rPr lang="fr-FR" sz="1600" i="1">
+                                <a:latin typeface="Cambria Math" panose="02040503050406030204" pitchFamily="18" charset="0"/>
+                              </a:rPr>
+                              <m:t>−</m:t>
+                            </m:r>
+                            <m:sSub>
+                              <m:sSubPr>
+                                <m:ctrlPr>
+                                  <a:rPr lang="fr-FR" sz="1600" i="1">
+                                    <a:latin typeface="Cambria Math" panose="02040503050406030204" pitchFamily="18" charset="0"/>
+                                  </a:rPr>
+                                </m:ctrlPr>
+                              </m:sSubPr>
+                              <m:e>
+                                <m:r>
+                                  <a:rPr lang="fr-FR" sz="1600" i="1">
+                                    <a:latin typeface="Cambria Math" panose="02040503050406030204" pitchFamily="18" charset="0"/>
+                                  </a:rPr>
+                                  <m:t>𝑌</m:t>
+                                </m:r>
+                              </m:e>
+                              <m:sub>
+                                <m:r>
+                                  <a:rPr lang="fr-FR" sz="1600" i="1">
+                                    <a:latin typeface="Cambria Math" panose="02040503050406030204" pitchFamily="18" charset="0"/>
+                                  </a:rPr>
+                                  <m:t>𝑀</m:t>
+                                </m:r>
+                              </m:sub>
+                            </m:sSub>
+                            <m:r>
+                              <a:rPr lang="fr-FR" sz="1600" i="1">
+                                <a:latin typeface="Cambria Math" panose="02040503050406030204" pitchFamily="18" charset="0"/>
+                              </a:rPr>
+                              <m:t>+</m:t>
+                            </m:r>
+                            <m:sSub>
+                              <m:sSubPr>
+                                <m:ctrlPr>
+                                  <a:rPr lang="fr-FR" sz="1600" i="1">
+                                    <a:latin typeface="Cambria Math" panose="02040503050406030204" pitchFamily="18" charset="0"/>
+                                  </a:rPr>
+                                </m:ctrlPr>
+                              </m:sSubPr>
+                              <m:e>
+                                <m:r>
+                                  <a:rPr lang="fr-FR" sz="1600" i="1">
+                                    <a:latin typeface="Cambria Math" panose="02040503050406030204" pitchFamily="18" charset="0"/>
+                                  </a:rPr>
+                                  <m:t>𝑌</m:t>
+                                </m:r>
+                              </m:e>
+                              <m:sub>
+                                <m:r>
+                                  <a:rPr lang="fr-FR" sz="1600" i="1">
+                                    <a:latin typeface="Cambria Math" panose="02040503050406030204" pitchFamily="18" charset="0"/>
+                                  </a:rPr>
+                                  <m:t>𝐻𝐷</m:t>
+                                </m:r>
+                              </m:sub>
+                            </m:sSub>
+                          </m:e>
+                        </m:d>
+                      </m:e>
+                      <m:sup>
+                        <m:r>
+                          <a:rPr lang="fr-FR" sz="1600" b="0" i="1" smtClean="0">
+                            <a:latin typeface="Cambria Math" panose="02040503050406030204" pitchFamily="18" charset="0"/>
+                          </a:rPr>
+                          <m:t>2</m:t>
+                        </m:r>
+                      </m:sup>
+                    </m:sSup>
+                  </m:oMath>
+                </a14:m>
+                <a:endParaRPr lang="fr-FR" sz="1600" b="0" dirty="0"/>
+              </a:p>
+              <a:p>
+                <a:pPr lvl="1"/>
+                <a14:m>
+                  <m:oMath xmlns:m="http://schemas.openxmlformats.org/officeDocument/2006/math">
+                    <m:func>
+                      <m:funcPr>
+                        <m:ctrlPr>
+                          <a:rPr lang="fr-FR" sz="1600" b="0" i="1" smtClean="0">
+                            <a:latin typeface="Cambria Math" panose="02040503050406030204" pitchFamily="18" charset="0"/>
+                          </a:rPr>
+                        </m:ctrlPr>
+                      </m:funcPr>
+                      <m:fName>
+                        <m:r>
+                          <m:rPr>
+                            <m:sty m:val="p"/>
+                          </m:rPr>
+                          <a:rPr lang="fr-FR" sz="1600" b="0" i="0" smtClean="0">
+                            <a:latin typeface="Cambria Math" panose="02040503050406030204" pitchFamily="18" charset="0"/>
+                          </a:rPr>
+                          <m:t>tan</m:t>
+                        </m:r>
+                      </m:fName>
+                      <m:e>
+                        <m:sSub>
+                          <m:sSubPr>
+                            <m:ctrlPr>
+                              <a:rPr lang="fr-FR" sz="1600" b="0" i="1" smtClean="0">
+                                <a:latin typeface="Cambria Math" panose="02040503050406030204" pitchFamily="18" charset="0"/>
+                              </a:rPr>
+                            </m:ctrlPr>
+                          </m:sSubPr>
+                          <m:e>
+                            <m:r>
+                              <a:rPr lang="fr-FR" sz="1600" b="0" i="1" smtClean="0">
+                                <a:latin typeface="Cambria Math" panose="02040503050406030204" pitchFamily="18" charset="0"/>
+                              </a:rPr>
+                              <m:t>𝜑</m:t>
+                            </m:r>
+                          </m:e>
+                          <m:sub>
+                            <m:r>
+                              <a:rPr lang="fr-FR" sz="1600" b="0" i="1" smtClean="0">
+                                <a:latin typeface="Cambria Math" panose="02040503050406030204" pitchFamily="18" charset="0"/>
+                              </a:rPr>
+                              <m:t>𝐻𝐷</m:t>
+                            </m:r>
+                          </m:sub>
+                        </m:sSub>
+                      </m:e>
+                    </m:func>
+                    <m:r>
+                      <a:rPr lang="fr-FR" sz="1600" b="0" i="0" smtClean="0">
+                        <a:latin typeface="Cambria Math" panose="02040503050406030204" pitchFamily="18" charset="0"/>
+                      </a:rPr>
+                      <m:t>=</m:t>
+                    </m:r>
+                    <m:f>
+                      <m:fPr>
+                        <m:ctrlPr>
+                          <a:rPr lang="fr-FR" sz="1600" b="0" i="1" smtClean="0">
+                            <a:latin typeface="Cambria Math" panose="02040503050406030204" pitchFamily="18" charset="0"/>
+                          </a:rPr>
+                        </m:ctrlPr>
+                      </m:fPr>
+                      <m:num>
+                        <m:r>
+                          <a:rPr lang="fr-FR" sz="1600" i="1">
+                            <a:latin typeface="Cambria Math" panose="02040503050406030204" pitchFamily="18" charset="0"/>
+                          </a:rPr>
+                          <m:t>−</m:t>
+                        </m:r>
+                        <m:f>
+                          <m:fPr>
+                            <m:ctrlPr>
+                              <a:rPr lang="fr-FR" sz="1600" i="1">
+                                <a:latin typeface="Cambria Math" panose="02040503050406030204" pitchFamily="18" charset="0"/>
+                              </a:rPr>
+                            </m:ctrlPr>
+                          </m:fPr>
+                          <m:num>
+                            <m:r>
+                              <a:rPr lang="fr-FR" sz="1600" i="1">
+                                <a:latin typeface="Cambria Math" panose="02040503050406030204" pitchFamily="18" charset="0"/>
+                              </a:rPr>
+                              <m:t>𝐻</m:t>
+                            </m:r>
+                          </m:num>
+                          <m:den>
+                            <m:r>
+                              <a:rPr lang="fr-FR" sz="1600" i="1">
+                                <a:latin typeface="Cambria Math" panose="02040503050406030204" pitchFamily="18" charset="0"/>
+                              </a:rPr>
+                              <m:t>2</m:t>
+                            </m:r>
+                          </m:den>
+                        </m:f>
+                        <m:r>
+                          <a:rPr lang="fr-FR" sz="1600" i="1">
+                            <a:latin typeface="Cambria Math" panose="02040503050406030204" pitchFamily="18" charset="0"/>
+                          </a:rPr>
+                          <m:t>−</m:t>
+                        </m:r>
+                        <m:sSub>
+                          <m:sSubPr>
+                            <m:ctrlPr>
+                              <a:rPr lang="fr-FR" sz="1600" i="1">
+                                <a:latin typeface="Cambria Math" panose="02040503050406030204" pitchFamily="18" charset="0"/>
+                              </a:rPr>
+                            </m:ctrlPr>
+                          </m:sSubPr>
+                          <m:e>
+                            <m:r>
+                              <a:rPr lang="fr-FR" sz="1600" i="1">
+                                <a:latin typeface="Cambria Math" panose="02040503050406030204" pitchFamily="18" charset="0"/>
+                              </a:rPr>
+                              <m:t>𝑌</m:t>
+                            </m:r>
+                          </m:e>
+                          <m:sub>
+                            <m:r>
+                              <a:rPr lang="fr-FR" sz="1600" i="1">
+                                <a:latin typeface="Cambria Math" panose="02040503050406030204" pitchFamily="18" charset="0"/>
+                              </a:rPr>
+                              <m:t>𝑀</m:t>
+                            </m:r>
+                          </m:sub>
+                        </m:sSub>
+                        <m:r>
+                          <a:rPr lang="fr-FR" sz="1600" i="1">
+                            <a:latin typeface="Cambria Math" panose="02040503050406030204" pitchFamily="18" charset="0"/>
+                          </a:rPr>
+                          <m:t>+</m:t>
+                        </m:r>
+                        <m:sSub>
+                          <m:sSubPr>
+                            <m:ctrlPr>
+                              <a:rPr lang="fr-FR" sz="1600" i="1">
+                                <a:latin typeface="Cambria Math" panose="02040503050406030204" pitchFamily="18" charset="0"/>
+                              </a:rPr>
+                            </m:ctrlPr>
+                          </m:sSubPr>
+                          <m:e>
+                            <m:r>
+                              <a:rPr lang="fr-FR" sz="1600" i="1">
+                                <a:latin typeface="Cambria Math" panose="02040503050406030204" pitchFamily="18" charset="0"/>
+                              </a:rPr>
+                              <m:t>𝑌</m:t>
+                            </m:r>
+                          </m:e>
+                          <m:sub>
+                            <m:r>
+                              <a:rPr lang="fr-FR" sz="1600" i="1">
+                                <a:latin typeface="Cambria Math" panose="02040503050406030204" pitchFamily="18" charset="0"/>
+                              </a:rPr>
+                              <m:t>𝐻𝐷</m:t>
+                            </m:r>
+                          </m:sub>
+                        </m:sSub>
+                      </m:num>
+                      <m:den>
+                        <m:r>
+                          <a:rPr lang="fr-FR" sz="1600" i="1">
+                            <a:latin typeface="Cambria Math" panose="02040503050406030204" pitchFamily="18" charset="0"/>
+                          </a:rPr>
+                          <m:t>−</m:t>
+                        </m:r>
+                        <m:f>
+                          <m:fPr>
+                            <m:ctrlPr>
+                              <a:rPr lang="fr-FR" sz="1600" i="1">
+                                <a:latin typeface="Cambria Math" panose="02040503050406030204" pitchFamily="18" charset="0"/>
+                              </a:rPr>
+                            </m:ctrlPr>
+                          </m:fPr>
+                          <m:num>
+                            <m:r>
+                              <a:rPr lang="fr-FR" sz="1600" i="1">
+                                <a:latin typeface="Cambria Math" panose="02040503050406030204" pitchFamily="18" charset="0"/>
+                              </a:rPr>
+                              <m:t>𝐿</m:t>
+                            </m:r>
+                          </m:num>
+                          <m:den>
+                            <m:r>
+                              <a:rPr lang="fr-FR" sz="1600" i="1">
+                                <a:latin typeface="Cambria Math" panose="02040503050406030204" pitchFamily="18" charset="0"/>
+                              </a:rPr>
+                              <m:t>2</m:t>
+                            </m:r>
+                          </m:den>
+                        </m:f>
+                        <m:r>
+                          <a:rPr lang="fr-FR" sz="1600" i="1">
+                            <a:latin typeface="Cambria Math" panose="02040503050406030204" pitchFamily="18" charset="0"/>
+                          </a:rPr>
+                          <m:t>−</m:t>
+                        </m:r>
+                        <m:sSub>
+                          <m:sSubPr>
+                            <m:ctrlPr>
+                              <a:rPr lang="fr-FR" sz="1600" i="1">
+                                <a:latin typeface="Cambria Math" panose="02040503050406030204" pitchFamily="18" charset="0"/>
+                              </a:rPr>
+                            </m:ctrlPr>
+                          </m:sSubPr>
+                          <m:e>
+                            <m:r>
+                              <a:rPr lang="fr-FR" sz="1600" i="1">
+                                <a:latin typeface="Cambria Math" panose="02040503050406030204" pitchFamily="18" charset="0"/>
+                              </a:rPr>
+                              <m:t>𝑋</m:t>
+                            </m:r>
+                          </m:e>
+                          <m:sub>
+                            <m:r>
+                              <a:rPr lang="fr-FR" sz="1600" i="1">
+                                <a:latin typeface="Cambria Math" panose="02040503050406030204" pitchFamily="18" charset="0"/>
+                              </a:rPr>
+                              <m:t>𝑀</m:t>
+                            </m:r>
+                          </m:sub>
+                        </m:sSub>
+                        <m:r>
+                          <a:rPr lang="fr-FR" sz="1600" i="1">
+                            <a:latin typeface="Cambria Math" panose="02040503050406030204" pitchFamily="18" charset="0"/>
+                          </a:rPr>
+                          <m:t>+</m:t>
+                        </m:r>
+                        <m:sSub>
+                          <m:sSubPr>
+                            <m:ctrlPr>
+                              <a:rPr lang="fr-FR" sz="1600" i="1">
+                                <a:latin typeface="Cambria Math" panose="02040503050406030204" pitchFamily="18" charset="0"/>
+                              </a:rPr>
+                            </m:ctrlPr>
+                          </m:sSubPr>
+                          <m:e>
+                            <m:r>
+                              <a:rPr lang="fr-FR" sz="1600" i="1">
+                                <a:latin typeface="Cambria Math" panose="02040503050406030204" pitchFamily="18" charset="0"/>
+                              </a:rPr>
+                              <m:t>𝑋</m:t>
+                            </m:r>
+                          </m:e>
+                          <m:sub>
+                            <m:r>
+                              <a:rPr lang="fr-FR" sz="1600" i="1">
+                                <a:latin typeface="Cambria Math" panose="02040503050406030204" pitchFamily="18" charset="0"/>
+                              </a:rPr>
+                              <m:t>𝐻𝐷</m:t>
+                            </m:r>
+                          </m:sub>
+                        </m:sSub>
+                      </m:den>
+                    </m:f>
+                  </m:oMath>
+                </a14:m>
+                <a:endParaRPr lang="fr-FR" sz="1600" dirty="0"/>
+              </a:p>
+              <a:p>
+                <a:pPr lvl="1"/>
+                <a:endParaRPr lang="fr-FR" sz="1600" dirty="0"/>
+              </a:p>
+              <a:p>
+                <a:pPr lvl="1"/>
+                <a14:m>
+                  <m:oMath xmlns:m="http://schemas.openxmlformats.org/officeDocument/2006/math">
+                    <m:sSubSup>
+                      <m:sSubSupPr>
+                        <m:ctrlPr>
+                          <a:rPr lang="fr-FR" sz="1600" b="0" i="1" smtClean="0">
+                            <a:latin typeface="Cambria Math" panose="02040503050406030204" pitchFamily="18" charset="0"/>
+                          </a:rPr>
+                        </m:ctrlPr>
+                      </m:sSubSupPr>
+                      <m:e>
+                        <m:r>
+                          <a:rPr lang="fr-FR" sz="1600" b="0" i="1" smtClean="0">
+                            <a:latin typeface="Cambria Math" panose="02040503050406030204" pitchFamily="18" charset="0"/>
+                          </a:rPr>
+                          <m:t>𝐷</m:t>
+                        </m:r>
+                      </m:e>
+                      <m:sub>
+                        <m:r>
+                          <a:rPr lang="fr-FR" sz="1600" b="0" i="1" smtClean="0">
+                            <a:latin typeface="Cambria Math" panose="02040503050406030204" pitchFamily="18" charset="0"/>
+                          </a:rPr>
+                          <m:t>𝐻𝐷</m:t>
+                        </m:r>
+                      </m:sub>
+                      <m:sup>
+                        <m:r>
+                          <a:rPr lang="fr-FR" sz="1600" b="0" i="1" smtClean="0">
+                            <a:latin typeface="Cambria Math" panose="02040503050406030204" pitchFamily="18" charset="0"/>
+                          </a:rPr>
+                          <m:t>2</m:t>
+                        </m:r>
+                      </m:sup>
+                    </m:sSubSup>
+                    <m:r>
+                      <a:rPr lang="fr-FR" sz="1600" b="0" i="1" smtClean="0">
+                        <a:latin typeface="Cambria Math" panose="02040503050406030204" pitchFamily="18" charset="0"/>
+                      </a:rPr>
+                      <m:t>=</m:t>
+                    </m:r>
+                    <m:sSup>
+                      <m:sSupPr>
+                        <m:ctrlPr>
+                          <a:rPr lang="fr-FR" sz="1600" b="0" i="1" smtClean="0">
+                            <a:latin typeface="Cambria Math" panose="02040503050406030204" pitchFamily="18" charset="0"/>
+                          </a:rPr>
+                        </m:ctrlPr>
+                      </m:sSupPr>
+                      <m:e>
+                        <m:d>
+                          <m:dPr>
+                            <m:ctrlPr>
+                              <a:rPr lang="fr-FR" sz="1600" b="0" i="1" smtClean="0">
+                                <a:latin typeface="Cambria Math" panose="02040503050406030204" pitchFamily="18" charset="0"/>
+                              </a:rPr>
+                            </m:ctrlPr>
+                          </m:dPr>
+                          <m:e>
+                            <m:r>
+                              <a:rPr lang="fr-FR" sz="1600" i="1">
+                                <a:latin typeface="Cambria Math" panose="02040503050406030204" pitchFamily="18" charset="0"/>
+                              </a:rPr>
+                              <m:t>−</m:t>
+                            </m:r>
+                            <m:r>
+                              <a:rPr lang="fr-FR" sz="1600" b="0" i="1" smtClean="0">
+                                <a:latin typeface="Cambria Math" panose="02040503050406030204" pitchFamily="18" charset="0"/>
+                              </a:rPr>
+                              <m:t>50</m:t>
+                            </m:r>
+                            <m:r>
+                              <a:rPr lang="fr-FR" sz="1600" i="1">
+                                <a:latin typeface="Cambria Math" panose="02040503050406030204" pitchFamily="18" charset="0"/>
+                              </a:rPr>
+                              <m:t>−</m:t>
+                            </m:r>
+                            <m:r>
+                              <a:rPr lang="fr-FR" sz="1600" b="0" i="1" smtClean="0">
+                                <a:latin typeface="Cambria Math" panose="02040503050406030204" pitchFamily="18" charset="0"/>
+                              </a:rPr>
+                              <m:t>625</m:t>
+                            </m:r>
+                            <m:r>
+                              <a:rPr lang="fr-FR" sz="1600" i="1">
+                                <a:latin typeface="Cambria Math" panose="02040503050406030204" pitchFamily="18" charset="0"/>
+                              </a:rPr>
+                              <m:t>+</m:t>
+                            </m:r>
+                            <m:r>
+                              <a:rPr lang="fr-FR" sz="1600" b="0" i="1" smtClean="0">
+                                <a:latin typeface="Cambria Math" panose="02040503050406030204" pitchFamily="18" charset="0"/>
+                              </a:rPr>
+                              <m:t>675</m:t>
+                            </m:r>
+                          </m:e>
+                        </m:d>
+                      </m:e>
+                      <m:sup>
+                        <m:r>
+                          <a:rPr lang="fr-FR" sz="1600" b="0" i="1" smtClean="0">
+                            <a:latin typeface="Cambria Math" panose="02040503050406030204" pitchFamily="18" charset="0"/>
+                          </a:rPr>
+                          <m:t>2</m:t>
+                        </m:r>
+                      </m:sup>
+                    </m:sSup>
+                    <m:r>
+                      <a:rPr lang="fr-FR" sz="1600" b="0" i="0" smtClean="0">
+                        <a:latin typeface="Cambria Math" panose="02040503050406030204" pitchFamily="18" charset="0"/>
+                      </a:rPr>
+                      <m:t>+</m:t>
+                    </m:r>
+                    <m:sSup>
+                      <m:sSupPr>
+                        <m:ctrlPr>
+                          <a:rPr lang="fr-FR" sz="1600" b="0" i="1" smtClean="0">
+                            <a:latin typeface="Cambria Math" panose="02040503050406030204" pitchFamily="18" charset="0"/>
+                          </a:rPr>
+                        </m:ctrlPr>
+                      </m:sSupPr>
+                      <m:e>
+                        <m:d>
+                          <m:dPr>
+                            <m:ctrlPr>
+                              <a:rPr lang="fr-FR" sz="1600" b="0" i="1" smtClean="0">
+                                <a:latin typeface="Cambria Math" panose="02040503050406030204" pitchFamily="18" charset="0"/>
+                              </a:rPr>
+                            </m:ctrlPr>
+                          </m:dPr>
+                          <m:e>
+                            <m:r>
+                              <a:rPr lang="fr-FR" sz="1600" i="1">
+                                <a:latin typeface="Cambria Math" panose="02040503050406030204" pitchFamily="18" charset="0"/>
+                              </a:rPr>
+                              <m:t>−</m:t>
+                            </m:r>
+                            <m:r>
+                              <a:rPr lang="fr-FR" sz="1600" b="0" i="1" smtClean="0">
+                                <a:latin typeface="Cambria Math" panose="02040503050406030204" pitchFamily="18" charset="0"/>
+                              </a:rPr>
+                              <m:t>25</m:t>
+                            </m:r>
+                            <m:r>
+                              <a:rPr lang="fr-FR" sz="1600" i="1">
+                                <a:latin typeface="Cambria Math" panose="02040503050406030204" pitchFamily="18" charset="0"/>
+                              </a:rPr>
+                              <m:t>−</m:t>
+                            </m:r>
+                            <m:r>
+                              <a:rPr lang="fr-FR" sz="1600" b="0" i="1" smtClean="0">
+                                <a:latin typeface="Cambria Math" panose="02040503050406030204" pitchFamily="18" charset="0"/>
+                              </a:rPr>
+                              <m:t>750</m:t>
+                            </m:r>
+                            <m:r>
+                              <a:rPr lang="fr-FR" sz="1600" i="1">
+                                <a:latin typeface="Cambria Math" panose="02040503050406030204" pitchFamily="18" charset="0"/>
+                              </a:rPr>
+                              <m:t>+</m:t>
+                            </m:r>
+                            <m:r>
+                              <a:rPr lang="fr-FR" sz="1600" b="0" i="1" smtClean="0">
+                                <a:latin typeface="Cambria Math" panose="02040503050406030204" pitchFamily="18" charset="0"/>
+                              </a:rPr>
+                              <m:t>775</m:t>
+                            </m:r>
+                          </m:e>
+                        </m:d>
+                      </m:e>
+                      <m:sup>
+                        <m:r>
+                          <a:rPr lang="fr-FR" sz="1600" b="0" i="1" smtClean="0">
+                            <a:latin typeface="Cambria Math" panose="02040503050406030204" pitchFamily="18" charset="0"/>
+                          </a:rPr>
+                          <m:t>2</m:t>
+                        </m:r>
+                      </m:sup>
+                    </m:sSup>
+                  </m:oMath>
+                </a14:m>
+                <a:endParaRPr lang="fr-FR" sz="1600" b="0" dirty="0"/>
+              </a:p>
+              <a:p>
+                <a:pPr lvl="1"/>
+                <a:endParaRPr lang="fr-FR" sz="1600" dirty="0"/>
+              </a:p>
+              <a:p>
+                <a:endParaRPr lang="fr-FR" sz="2000" dirty="0"/>
+              </a:p>
+            </p:txBody>
+          </p:sp>
+        </mc:Choice>
+        <mc:Fallback>
+          <p:sp>
+            <p:nvSpPr>
+              <p:cNvPr id="5" name="Espace réservé du contenu 2">
+                <a:extLst>
+                  <a:ext uri="{FF2B5EF4-FFF2-40B4-BE49-F238E27FC236}">
+                    <a16:creationId xmlns:a16="http://schemas.microsoft.com/office/drawing/2014/main" id="{6214CE3E-F031-C1D2-C208-F4DAC56D267A}"/>
+                  </a:ext>
+                </a:extLst>
+              </p:cNvPr>
+              <p:cNvSpPr txBox="1">
+                <a:spLocks noRot="1" noChangeAspect="1" noMove="1" noResize="1" noEditPoints="1" noAdjustHandles="1" noChangeArrowheads="1" noChangeShapeType="1" noTextEdit="1"/>
+              </p:cNvSpPr>
+              <p:nvPr/>
+            </p:nvSpPr>
+            <p:spPr>
+              <a:xfrm>
+                <a:off x="6305797" y="250371"/>
+                <a:ext cx="5789195" cy="6031676"/>
+              </a:xfrm>
+              <a:prstGeom prst="rect">
+                <a:avLst/>
+              </a:prstGeom>
+              <a:blipFill>
+                <a:blip r:embed="rId3"/>
+                <a:stretch>
+                  <a:fillRect l="-737" t="-1515" b="-505"/>
+                </a:stretch>
+              </a:blipFill>
+              <a:ln>
+                <a:noFill/>
+              </a:ln>
+            </p:spPr>
+            <p:txBody>
+              <a:bodyPr/>
+              <a:lstStyle/>
+              <a:p>
+                <a:r>
+                  <a:rPr lang="fr-FR">
+                    <a:noFill/>
+                  </a:rPr>
+                  <a:t> </a:t>
+                </a:r>
+              </a:p>
+            </p:txBody>
+          </p:sp>
+        </mc:Fallback>
+      </mc:AlternateContent>
+      <p:pic>
+        <p:nvPicPr>
+          <p:cNvPr id="6" name="Image 5">
+            <a:extLst>
+              <a:ext uri="{FF2B5EF4-FFF2-40B4-BE49-F238E27FC236}">
+                <a16:creationId xmlns:a16="http://schemas.microsoft.com/office/drawing/2014/main" id="{C66E6026-03D5-5772-B6DD-31A1E5CFD83D}"/>
+              </a:ext>
+            </a:extLst>
+          </p:cNvPr>
+          <p:cNvPicPr>
+            <a:picLocks noChangeAspect="1"/>
+          </p:cNvPicPr>
+          <p:nvPr/>
+        </p:nvPicPr>
+        <p:blipFill>
+          <a:blip r:embed="rId4"/>
+          <a:stretch>
+            <a:fillRect/>
+          </a:stretch>
+        </p:blipFill>
+        <p:spPr>
+          <a:xfrm>
+            <a:off x="181276" y="250371"/>
+            <a:ext cx="3097220" cy="2194750"/>
+          </a:xfrm>
+          <a:prstGeom prst="rect">
+            <a:avLst/>
+          </a:prstGeom>
+        </p:spPr>
+      </p:pic>
+      <p:pic>
+        <p:nvPicPr>
+          <p:cNvPr id="7" name="Image 6">
+            <a:extLst>
+              <a:ext uri="{FF2B5EF4-FFF2-40B4-BE49-F238E27FC236}">
+                <a16:creationId xmlns:a16="http://schemas.microsoft.com/office/drawing/2014/main" id="{E0108925-4AA9-57AC-79A7-6794ADA6BBEE}"/>
+              </a:ext>
+            </a:extLst>
+          </p:cNvPr>
+          <p:cNvPicPr>
+            <a:picLocks noChangeAspect="1"/>
+          </p:cNvPicPr>
+          <p:nvPr/>
+        </p:nvPicPr>
+        <p:blipFill>
+          <a:blip r:embed="rId5"/>
+          <a:stretch>
+            <a:fillRect/>
+          </a:stretch>
+        </p:blipFill>
+        <p:spPr>
+          <a:xfrm>
+            <a:off x="181276" y="3126528"/>
+            <a:ext cx="3055086" cy="1286352"/>
+          </a:xfrm>
+          <a:prstGeom prst="rect">
+            <a:avLst/>
+          </a:prstGeom>
+        </p:spPr>
+      </p:pic>
+    </p:spTree>
+    <p:extLst>
+      <p:ext uri="{BB962C8B-B14F-4D97-AF65-F5344CB8AC3E}">
+        <p14:creationId xmlns:p14="http://schemas.microsoft.com/office/powerpoint/2010/main" val="2286329714"/>
       </p:ext>
     </p:extLst>
   </p:cSld>
@@ -9303,4 +17533,299 @@
     </a:ext>
   </a:extLst>
 </a:theme>
+</file>
+
+<file path=ppt/theme/theme2.xml><?xml version="1.0" encoding="utf-8"?>
+<a:theme xmlns:a="http://schemas.openxmlformats.org/drawingml/2006/main" name="Thème Office">
+  <a:themeElements>
+    <a:clrScheme name="Office">
+      <a:dk1>
+        <a:sysClr val="windowText" lastClr="000000"/>
+      </a:dk1>
+      <a:lt1>
+        <a:sysClr val="window" lastClr="FFFFFF"/>
+      </a:lt1>
+      <a:dk2>
+        <a:srgbClr val="44546A"/>
+      </a:dk2>
+      <a:lt2>
+        <a:srgbClr val="E7E6E6"/>
+      </a:lt2>
+      <a:accent1>
+        <a:srgbClr val="4472C4"/>
+      </a:accent1>
+      <a:accent2>
+        <a:srgbClr val="ED7D31"/>
+      </a:accent2>
+      <a:accent3>
+        <a:srgbClr val="A5A5A5"/>
+      </a:accent3>
+      <a:accent4>
+        <a:srgbClr val="FFC000"/>
+      </a:accent4>
+      <a:accent5>
+        <a:srgbClr val="5B9BD5"/>
+      </a:accent5>
+      <a:accent6>
+        <a:srgbClr val="70AD47"/>
+      </a:accent6>
+      <a:hlink>
+        <a:srgbClr val="0563C1"/>
+      </a:hlink>
+      <a:folHlink>
+        <a:srgbClr val="954F72"/>
+      </a:folHlink>
+    </a:clrScheme>
+    <a:fontScheme name="Office">
+      <a:majorFont>
+        <a:latin typeface="Calibri Light" panose="020F0302020204030204"/>
+        <a:ea typeface=""/>
+        <a:cs typeface=""/>
+        <a:font script="Jpan" typeface="游ゴシック Light"/>
+        <a:font script="Hang" typeface="맑은 고딕"/>
+        <a:font script="Hans" typeface="等线 Light"/>
+        <a:font script="Hant" typeface="新細明體"/>
+        <a:font script="Arab" typeface="Times New Roman"/>
+        <a:font script="Hebr" typeface="Times New Roman"/>
+        <a:font script="Thai" typeface="Angsana New"/>
+        <a:font script="Ethi" typeface="Nyala"/>
+        <a:font script="Beng" typeface="Vrinda"/>
+        <a:font script="Gujr" typeface="Shruti"/>
+        <a:font script="Khmr" typeface="MoolBoran"/>
+        <a:font script="Knda" typeface="Tunga"/>
+        <a:font script="Guru" typeface="Raavi"/>
+        <a:font script="Cans" typeface="Euphemia"/>
+        <a:font script="Cher" typeface="Plantagenet Cherokee"/>
+        <a:font script="Yiii" typeface="Microsoft Yi Baiti"/>
+        <a:font script="Tibt" typeface="Microsoft Himalaya"/>
+        <a:font script="Thaa" typeface="MV Boli"/>
+        <a:font script="Deva" typeface="Mangal"/>
+        <a:font script="Telu" typeface="Gautami"/>
+        <a:font script="Taml" typeface="Latha"/>
+        <a:font script="Syrc" typeface="Estrangelo Edessa"/>
+        <a:font script="Orya" typeface="Kalinga"/>
+        <a:font script="Mlym" typeface="Kartika"/>
+        <a:font script="Laoo" typeface="DokChampa"/>
+        <a:font script="Sinh" typeface="Iskoola Pota"/>
+        <a:font script="Mong" typeface="Mongolian Baiti"/>
+        <a:font script="Viet" typeface="Times New Roman"/>
+        <a:font script="Uigh" typeface="Microsoft Uighur"/>
+        <a:font script="Geor" typeface="Sylfaen"/>
+        <a:font script="Armn" typeface="Arial"/>
+        <a:font script="Bugi" typeface="Leelawadee UI"/>
+        <a:font script="Bopo" typeface="Microsoft JhengHei"/>
+        <a:font script="Java" typeface="Javanese Text"/>
+        <a:font script="Lisu" typeface="Segoe UI"/>
+        <a:font script="Mymr" typeface="Myanmar Text"/>
+        <a:font script="Nkoo" typeface="Ebrima"/>
+        <a:font script="Olck" typeface="Nirmala UI"/>
+        <a:font script="Osma" typeface="Ebrima"/>
+        <a:font script="Phag" typeface="Phagspa"/>
+        <a:font script="Syrn" typeface="Estrangelo Edessa"/>
+        <a:font script="Syrj" typeface="Estrangelo Edessa"/>
+        <a:font script="Syre" typeface="Estrangelo Edessa"/>
+        <a:font script="Sora" typeface="Nirmala UI"/>
+        <a:font script="Tale" typeface="Microsoft Tai Le"/>
+        <a:font script="Talu" typeface="Microsoft New Tai Lue"/>
+        <a:font script="Tfng" typeface="Ebrima"/>
+      </a:majorFont>
+      <a:minorFont>
+        <a:latin typeface="Calibri" panose="020F0502020204030204"/>
+        <a:ea typeface=""/>
+        <a:cs typeface=""/>
+        <a:font script="Jpan" typeface="游ゴシック"/>
+        <a:font script="Hang" typeface="맑은 고딕"/>
+        <a:font script="Hans" typeface="等线"/>
+        <a:font script="Hant" typeface="新細明體"/>
+        <a:font script="Arab" typeface="Arial"/>
+        <a:font script="Hebr" typeface="Arial"/>
+        <a:font script="Thai" typeface="Cordia New"/>
+        <a:font script="Ethi" typeface="Nyala"/>
+        <a:font script="Beng" typeface="Vrinda"/>
+        <a:font script="Gujr" typeface="Shruti"/>
+        <a:font script="Khmr" typeface="DaunPenh"/>
+        <a:font script="Knda" typeface="Tunga"/>
+        <a:font script="Guru" typeface="Raavi"/>
+        <a:font script="Cans" typeface="Euphemia"/>
+        <a:font script="Cher" typeface="Plantagenet Cherokee"/>
+        <a:font script="Yiii" typeface="Microsoft Yi Baiti"/>
+        <a:font script="Tibt" typeface="Microsoft Himalaya"/>
+        <a:font script="Thaa" typeface="MV Boli"/>
+        <a:font script="Deva" typeface="Mangal"/>
+        <a:font script="Telu" typeface="Gautami"/>
+        <a:font script="Taml" typeface="Latha"/>
+        <a:font script="Syrc" typeface="Estrangelo Edessa"/>
+        <a:font script="Orya" typeface="Kalinga"/>
+        <a:font script="Mlym" typeface="Kartika"/>
+        <a:font script="Laoo" typeface="DokChampa"/>
+        <a:font script="Sinh" typeface="Iskoola Pota"/>
+        <a:font script="Mong" typeface="Mongolian Baiti"/>
+        <a:font script="Viet" typeface="Arial"/>
+        <a:font script="Uigh" typeface="Microsoft Uighur"/>
+        <a:font script="Geor" typeface="Sylfaen"/>
+        <a:font script="Armn" typeface="Arial"/>
+        <a:font script="Bugi" typeface="Leelawadee UI"/>
+        <a:font script="Bopo" typeface="Microsoft JhengHei"/>
+        <a:font script="Java" typeface="Javanese Text"/>
+        <a:font script="Lisu" typeface="Segoe UI"/>
+        <a:font script="Mymr" typeface="Myanmar Text"/>
+        <a:font script="Nkoo" typeface="Ebrima"/>
+        <a:font script="Olck" typeface="Nirmala UI"/>
+        <a:font script="Osma" typeface="Ebrima"/>
+        <a:font script="Phag" typeface="Phagspa"/>
+        <a:font script="Syrn" typeface="Estrangelo Edessa"/>
+        <a:font script="Syrj" typeface="Estrangelo Edessa"/>
+        <a:font script="Syre" typeface="Estrangelo Edessa"/>
+        <a:font script="Sora" typeface="Nirmala UI"/>
+        <a:font script="Tale" typeface="Microsoft Tai Le"/>
+        <a:font script="Talu" typeface="Microsoft New Tai Lue"/>
+        <a:font script="Tfng" typeface="Ebrima"/>
+      </a:minorFont>
+    </a:fontScheme>
+    <a:fmtScheme name="Office">
+      <a:fillStyleLst>
+        <a:solidFill>
+          <a:schemeClr val="phClr"/>
+        </a:solidFill>
+        <a:gradFill rotWithShape="1">
+          <a:gsLst>
+            <a:gs pos="0">
+              <a:schemeClr val="phClr">
+                <a:lumMod val="110000"/>
+                <a:satMod val="105000"/>
+                <a:tint val="67000"/>
+              </a:schemeClr>
+            </a:gs>
+            <a:gs pos="50000">
+              <a:schemeClr val="phClr">
+                <a:lumMod val="105000"/>
+                <a:satMod val="103000"/>
+                <a:tint val="73000"/>
+              </a:schemeClr>
+            </a:gs>
+            <a:gs pos="100000">
+              <a:schemeClr val="phClr">
+                <a:lumMod val="105000"/>
+                <a:satMod val="109000"/>
+                <a:tint val="81000"/>
+              </a:schemeClr>
+            </a:gs>
+          </a:gsLst>
+          <a:lin ang="5400000" scaled="0"/>
+        </a:gradFill>
+        <a:gradFill rotWithShape="1">
+          <a:gsLst>
+            <a:gs pos="0">
+              <a:schemeClr val="phClr">
+                <a:satMod val="103000"/>
+                <a:lumMod val="102000"/>
+                <a:tint val="94000"/>
+              </a:schemeClr>
+            </a:gs>
+            <a:gs pos="50000">
+              <a:schemeClr val="phClr">
+                <a:satMod val="110000"/>
+                <a:lumMod val="100000"/>
+                <a:shade val="100000"/>
+              </a:schemeClr>
+            </a:gs>
+            <a:gs pos="100000">
+              <a:schemeClr val="phClr">
+                <a:lumMod val="99000"/>
+                <a:satMod val="120000"/>
+                <a:shade val="78000"/>
+              </a:schemeClr>
+            </a:gs>
+          </a:gsLst>
+          <a:lin ang="5400000" scaled="0"/>
+        </a:gradFill>
+      </a:fillStyleLst>
+      <a:lnStyleLst>
+        <a:ln w="6350" cap="flat" cmpd="sng" algn="ctr">
+          <a:solidFill>
+            <a:schemeClr val="phClr"/>
+          </a:solidFill>
+          <a:prstDash val="solid"/>
+          <a:miter lim="800000"/>
+        </a:ln>
+        <a:ln w="12700" cap="flat" cmpd="sng" algn="ctr">
+          <a:solidFill>
+            <a:schemeClr val="phClr"/>
+          </a:solidFill>
+          <a:prstDash val="solid"/>
+          <a:miter lim="800000"/>
+        </a:ln>
+        <a:ln w="19050" cap="flat" cmpd="sng" algn="ctr">
+          <a:solidFill>
+            <a:schemeClr val="phClr"/>
+          </a:solidFill>
+          <a:prstDash val="solid"/>
+          <a:miter lim="800000"/>
+        </a:ln>
+      </a:lnStyleLst>
+      <a:effectStyleLst>
+        <a:effectStyle>
+          <a:effectLst/>
+        </a:effectStyle>
+        <a:effectStyle>
+          <a:effectLst/>
+        </a:effectStyle>
+        <a:effectStyle>
+          <a:effectLst>
+            <a:outerShdw blurRad="57150" dist="19050" dir="5400000" algn="ctr" rotWithShape="0">
+              <a:srgbClr val="000000">
+                <a:alpha val="63000"/>
+              </a:srgbClr>
+            </a:outerShdw>
+          </a:effectLst>
+        </a:effectStyle>
+      </a:effectStyleLst>
+      <a:bgFillStyleLst>
+        <a:solidFill>
+          <a:schemeClr val="phClr"/>
+        </a:solidFill>
+        <a:solidFill>
+          <a:schemeClr val="phClr">
+            <a:tint val="95000"/>
+            <a:satMod val="170000"/>
+          </a:schemeClr>
+        </a:solidFill>
+        <a:gradFill rotWithShape="1">
+          <a:gsLst>
+            <a:gs pos="0">
+              <a:schemeClr val="phClr">
+                <a:tint val="93000"/>
+                <a:satMod val="150000"/>
+                <a:shade val="98000"/>
+                <a:lumMod val="102000"/>
+              </a:schemeClr>
+            </a:gs>
+            <a:gs pos="50000">
+              <a:schemeClr val="phClr">
+                <a:tint val="98000"/>
+                <a:satMod val="130000"/>
+                <a:shade val="90000"/>
+                <a:lumMod val="103000"/>
+              </a:schemeClr>
+            </a:gs>
+            <a:gs pos="100000">
+              <a:schemeClr val="phClr">
+                <a:shade val="63000"/>
+                <a:satMod val="120000"/>
+              </a:schemeClr>
+            </a:gs>
+          </a:gsLst>
+          <a:lin ang="5400000" scaled="0"/>
+        </a:gradFill>
+      </a:bgFillStyleLst>
+    </a:fmtScheme>
+  </a:themeElements>
+  <a:objectDefaults/>
+  <a:extraClrSchemeLst/>
+  <a:extLst>
+    <a:ext uri="{05A4C25C-085E-4340-85A3-A5531E510DB2}">
+      <thm15:themeFamily xmlns:thm15="http://schemas.microsoft.com/office/thememl/2012/main" name="Office Theme" id="{62F939B6-93AF-4DB8-9C6B-D6C7DFDC589F}" vid="{4A3C46E8-61CC-4603-A589-7422A47A8E4A}"/>
+    </a:ext>
+  </a:extLst>
+</a:theme>
 </file>
--- a/16_RC4/Figures/Figures.pptx
+++ b/16_RC4/Figures/Figures.pptx
@@ -5,7 +5,7 @@
     <p:sldMasterId id="2147483648" r:id="rId1"/>
   </p:sldMasterIdLst>
   <p:notesMasterIdLst>
-    <p:notesMasterId r:id="rId9"/>
+    <p:notesMasterId r:id="rId10"/>
   </p:notesMasterIdLst>
   <p:sldIdLst>
     <p:sldId id="256" r:id="rId2"/>
@@ -15,6 +15,7 @@
     <p:sldId id="260" r:id="rId6"/>
     <p:sldId id="262" r:id="rId7"/>
     <p:sldId id="261" r:id="rId8"/>
+    <p:sldId id="263" r:id="rId9"/>
   </p:sldIdLst>
   <p:sldSz cx="12192000" cy="6858000"/>
   <p:notesSz cx="6858000" cy="9144000"/>
@@ -203,7 +204,7 @@
           <a:p>
             <a:fld id="{088B47D2-DC99-4023-8FAB-B1A01B8BED66}" type="datetimeFigureOut">
               <a:rPr lang="fr-FR" smtClean="0"/>
-              <a:t>08/01/2023</a:t>
+              <a:t>09/01/2023</a:t>
             </a:fld>
             <a:endParaRPr lang="fr-FR"/>
           </a:p>
@@ -554,6 +555,90 @@
 </p:notes>
 </file>
 
+<file path=ppt/notesSlides/notesSlide2.xml><?xml version="1.0" encoding="utf-8"?>
+<p:notes xmlns:a="http://schemas.openxmlformats.org/drawingml/2006/main" xmlns:r="http://schemas.openxmlformats.org/officeDocument/2006/relationships" xmlns:p="http://schemas.openxmlformats.org/presentationml/2006/main">
+  <p:cSld>
+    <p:spTree>
+      <p:nvGrpSpPr>
+        <p:cNvPr id="1" name=""/>
+        <p:cNvGrpSpPr/>
+        <p:nvPr/>
+      </p:nvGrpSpPr>
+      <p:grpSpPr>
+        <a:xfrm>
+          <a:off x="0" y="0"/>
+          <a:ext cx="0" cy="0"/>
+          <a:chOff x="0" y="0"/>
+          <a:chExt cx="0" cy="0"/>
+        </a:xfrm>
+      </p:grpSpPr>
+      <p:sp>
+        <p:nvSpPr>
+          <p:cNvPr id="2" name="Espace réservé de l'image des diapositives 1"/>
+          <p:cNvSpPr>
+            <a:spLocks noGrp="1" noRot="1" noChangeAspect="1"/>
+          </p:cNvSpPr>
+          <p:nvPr>
+            <p:ph type="sldImg"/>
+          </p:nvPr>
+        </p:nvSpPr>
+        <p:spPr/>
+      </p:sp>
+      <p:sp>
+        <p:nvSpPr>
+          <p:cNvPr id="3" name="Espace réservé des notes 2"/>
+          <p:cNvSpPr>
+            <a:spLocks noGrp="1"/>
+          </p:cNvSpPr>
+          <p:nvPr>
+            <p:ph type="body" idx="1"/>
+          </p:nvPr>
+        </p:nvSpPr>
+        <p:spPr/>
+        <p:txBody>
+          <a:bodyPr/>
+          <a:lstStyle/>
+          <a:p>
+            <a:endParaRPr lang="fr-FR" dirty="0"/>
+          </a:p>
+        </p:txBody>
+      </p:sp>
+      <p:sp>
+        <p:nvSpPr>
+          <p:cNvPr id="4" name="Espace réservé du numéro de diapositive 3"/>
+          <p:cNvSpPr>
+            <a:spLocks noGrp="1"/>
+          </p:cNvSpPr>
+          <p:nvPr>
+            <p:ph type="sldNum" sz="quarter" idx="5"/>
+          </p:nvPr>
+        </p:nvSpPr>
+        <p:spPr/>
+        <p:txBody>
+          <a:bodyPr/>
+          <a:lstStyle/>
+          <a:p>
+            <a:fld id="{15EE27B1-7D19-4D3E-BA9F-563B97DD4C0D}" type="slidenum">
+              <a:rPr lang="fr-FR" smtClean="0"/>
+              <a:t>7</a:t>
+            </a:fld>
+            <a:endParaRPr lang="fr-FR"/>
+          </a:p>
+        </p:txBody>
+      </p:sp>
+    </p:spTree>
+    <p:extLst>
+      <p:ext uri="{BB962C8B-B14F-4D97-AF65-F5344CB8AC3E}">
+        <p14:creationId xmlns:p14="http://schemas.microsoft.com/office/powerpoint/2010/main" val="2959385566"/>
+      </p:ext>
+    </p:extLst>
+  </p:cSld>
+  <p:clrMapOvr>
+    <a:masterClrMapping/>
+  </p:clrMapOvr>
+</p:notes>
+</file>
+
 <file path=ppt/slideLayouts/slideLayout1.xml><?xml version="1.0" encoding="utf-8"?>
 <p:sldLayout xmlns:a="http://schemas.openxmlformats.org/drawingml/2006/main" xmlns:r="http://schemas.openxmlformats.org/officeDocument/2006/relationships" xmlns:p="http://schemas.openxmlformats.org/presentationml/2006/main" type="title" preserve="1">
   <p:cSld name="Diapositive de titre">
@@ -701,7 +786,7 @@
           <a:p>
             <a:fld id="{E1825551-6D9B-4F56-8A53-B2612FCF8466}" type="datetimeFigureOut">
               <a:rPr lang="fr-FR" smtClean="0"/>
-              <a:t>08/01/2023</a:t>
+              <a:t>09/01/2023</a:t>
             </a:fld>
             <a:endParaRPr lang="fr-FR"/>
           </a:p>
@@ -899,7 +984,7 @@
           <a:p>
             <a:fld id="{E1825551-6D9B-4F56-8A53-B2612FCF8466}" type="datetimeFigureOut">
               <a:rPr lang="fr-FR" smtClean="0"/>
-              <a:t>08/01/2023</a:t>
+              <a:t>09/01/2023</a:t>
             </a:fld>
             <a:endParaRPr lang="fr-FR"/>
           </a:p>
@@ -1107,7 +1192,7 @@
           <a:p>
             <a:fld id="{E1825551-6D9B-4F56-8A53-B2612FCF8466}" type="datetimeFigureOut">
               <a:rPr lang="fr-FR" smtClean="0"/>
-              <a:t>08/01/2023</a:t>
+              <a:t>09/01/2023</a:t>
             </a:fld>
             <a:endParaRPr lang="fr-FR"/>
           </a:p>
@@ -1305,7 +1390,7 @@
           <a:p>
             <a:fld id="{E1825551-6D9B-4F56-8A53-B2612FCF8466}" type="datetimeFigureOut">
               <a:rPr lang="fr-FR" smtClean="0"/>
-              <a:t>08/01/2023</a:t>
+              <a:t>09/01/2023</a:t>
             </a:fld>
             <a:endParaRPr lang="fr-FR"/>
           </a:p>
@@ -1580,7 +1665,7 @@
           <a:p>
             <a:fld id="{E1825551-6D9B-4F56-8A53-B2612FCF8466}" type="datetimeFigureOut">
               <a:rPr lang="fr-FR" smtClean="0"/>
-              <a:t>08/01/2023</a:t>
+              <a:t>09/01/2023</a:t>
             </a:fld>
             <a:endParaRPr lang="fr-FR"/>
           </a:p>
@@ -1845,7 +1930,7 @@
           <a:p>
             <a:fld id="{E1825551-6D9B-4F56-8A53-B2612FCF8466}" type="datetimeFigureOut">
               <a:rPr lang="fr-FR" smtClean="0"/>
-              <a:t>08/01/2023</a:t>
+              <a:t>09/01/2023</a:t>
             </a:fld>
             <a:endParaRPr lang="fr-FR"/>
           </a:p>
@@ -2257,7 +2342,7 @@
           <a:p>
             <a:fld id="{E1825551-6D9B-4F56-8A53-B2612FCF8466}" type="datetimeFigureOut">
               <a:rPr lang="fr-FR" smtClean="0"/>
-              <a:t>08/01/2023</a:t>
+              <a:t>09/01/2023</a:t>
             </a:fld>
             <a:endParaRPr lang="fr-FR"/>
           </a:p>
@@ -2398,7 +2483,7 @@
           <a:p>
             <a:fld id="{E1825551-6D9B-4F56-8A53-B2612FCF8466}" type="datetimeFigureOut">
               <a:rPr lang="fr-FR" smtClean="0"/>
-              <a:t>08/01/2023</a:t>
+              <a:t>09/01/2023</a:t>
             </a:fld>
             <a:endParaRPr lang="fr-FR"/>
           </a:p>
@@ -2511,7 +2596,7 @@
           <a:p>
             <a:fld id="{E1825551-6D9B-4F56-8A53-B2612FCF8466}" type="datetimeFigureOut">
               <a:rPr lang="fr-FR" smtClean="0"/>
-              <a:t>08/01/2023</a:t>
+              <a:t>09/01/2023</a:t>
             </a:fld>
             <a:endParaRPr lang="fr-FR"/>
           </a:p>
@@ -2822,7 +2907,7 @@
           <a:p>
             <a:fld id="{E1825551-6D9B-4F56-8A53-B2612FCF8466}" type="datetimeFigureOut">
               <a:rPr lang="fr-FR" smtClean="0"/>
-              <a:t>08/01/2023</a:t>
+              <a:t>09/01/2023</a:t>
             </a:fld>
             <a:endParaRPr lang="fr-FR"/>
           </a:p>
@@ -3110,7 +3195,7 @@
           <a:p>
             <a:fld id="{E1825551-6D9B-4F56-8A53-B2612FCF8466}" type="datetimeFigureOut">
               <a:rPr lang="fr-FR" smtClean="0"/>
-              <a:t>08/01/2023</a:t>
+              <a:t>09/01/2023</a:t>
             </a:fld>
             <a:endParaRPr lang="fr-FR"/>
           </a:p>
@@ -3351,7 +3436,7 @@
           <a:p>
             <a:fld id="{E1825551-6D9B-4F56-8A53-B2612FCF8466}" type="datetimeFigureOut">
               <a:rPr lang="fr-FR" smtClean="0"/>
-              <a:t>08/01/2023</a:t>
+              <a:t>09/01/2023</a:t>
             </a:fld>
             <a:endParaRPr lang="fr-FR"/>
           </a:p>
@@ -4520,7 +4605,7 @@
         </p:blipFill>
         <p:spPr>
           <a:xfrm>
-            <a:off x="2247895" y="1085083"/>
+            <a:off x="2247895" y="1088258"/>
             <a:ext cx="5105410" cy="2343917"/>
           </a:xfrm>
           <a:prstGeom prst="rect">
@@ -6877,8 +6962,8 @@
           </a:fontRef>
         </p:style>
       </p:cxnSp>
-      <mc:AlternateContent xmlns:mc="http://schemas.openxmlformats.org/markup-compatibility/2006">
-        <mc:Choice xmlns:a14="http://schemas.microsoft.com/office/drawing/2010/main" Requires="a14">
+      <mc:AlternateContent xmlns:mc="http://schemas.openxmlformats.org/markup-compatibility/2006" xmlns:a14="http://schemas.microsoft.com/office/drawing/2010/main">
+        <mc:Choice Requires="a14">
           <p:sp>
             <p:nvSpPr>
               <p:cNvPr id="77" name="ZoneTexte 76">
@@ -6947,7 +7032,7 @@
             </p:txBody>
           </p:sp>
         </mc:Choice>
-        <mc:Fallback>
+        <mc:Fallback xmlns="">
           <p:sp>
             <p:nvSpPr>
               <p:cNvPr id="77" name="ZoneTexte 76">
@@ -6992,8 +7077,8 @@
           </p:sp>
         </mc:Fallback>
       </mc:AlternateContent>
-      <mc:AlternateContent xmlns:mc="http://schemas.openxmlformats.org/markup-compatibility/2006">
-        <mc:Choice xmlns:a14="http://schemas.microsoft.com/office/drawing/2010/main" Requires="a14">
+      <mc:AlternateContent xmlns:mc="http://schemas.openxmlformats.org/markup-compatibility/2006" xmlns:a14="http://schemas.microsoft.com/office/drawing/2010/main">
+        <mc:Choice Requires="a14">
           <p:sp>
             <p:nvSpPr>
               <p:cNvPr id="78" name="ZoneTexte 77">
@@ -7062,7 +7147,7 @@
             </p:txBody>
           </p:sp>
         </mc:Choice>
-        <mc:Fallback>
+        <mc:Fallback xmlns="">
           <p:sp>
             <p:nvSpPr>
               <p:cNvPr id="78" name="ZoneTexte 77">
@@ -7242,8 +7327,8 @@
           </a:fontRef>
         </p:style>
       </p:cxnSp>
-      <mc:AlternateContent xmlns:mc="http://schemas.openxmlformats.org/markup-compatibility/2006">
-        <mc:Choice xmlns:a14="http://schemas.microsoft.com/office/drawing/2010/main" Requires="a14">
+      <mc:AlternateContent xmlns:mc="http://schemas.openxmlformats.org/markup-compatibility/2006" xmlns:a14="http://schemas.microsoft.com/office/drawing/2010/main">
+        <mc:Choice Requires="a14">
           <p:sp>
             <p:nvSpPr>
               <p:cNvPr id="93" name="ZoneTexte 92">
@@ -7312,7 +7397,7 @@
             </p:txBody>
           </p:sp>
         </mc:Choice>
-        <mc:Fallback>
+        <mc:Fallback xmlns="">
           <p:sp>
             <p:nvSpPr>
               <p:cNvPr id="93" name="ZoneTexte 92">
@@ -9300,8 +9385,8 @@
           </a:fontRef>
         </p:style>
       </p:cxnSp>
-      <mc:AlternateContent xmlns:mc="http://schemas.openxmlformats.org/markup-compatibility/2006">
-        <mc:Choice xmlns:a14="http://schemas.microsoft.com/office/drawing/2010/main" Requires="a14">
+      <mc:AlternateContent xmlns:mc="http://schemas.openxmlformats.org/markup-compatibility/2006" xmlns:a14="http://schemas.microsoft.com/office/drawing/2010/main">
+        <mc:Choice Requires="a14">
           <p:sp>
             <p:nvSpPr>
               <p:cNvPr id="9" name="ZoneTexte 8">
@@ -9363,7 +9448,7 @@
             </p:txBody>
           </p:sp>
         </mc:Choice>
-        <mc:Fallback>
+        <mc:Fallback xmlns="">
           <p:sp>
             <p:nvSpPr>
               <p:cNvPr id="9" name="ZoneTexte 8">
@@ -9408,8 +9493,8 @@
           </p:sp>
         </mc:Fallback>
       </mc:AlternateContent>
-      <mc:AlternateContent xmlns:mc="http://schemas.openxmlformats.org/markup-compatibility/2006">
-        <mc:Choice xmlns:a14="http://schemas.microsoft.com/office/drawing/2010/main" Requires="a14">
+      <mc:AlternateContent xmlns:mc="http://schemas.openxmlformats.org/markup-compatibility/2006" xmlns:a14="http://schemas.microsoft.com/office/drawing/2010/main">
+        <mc:Choice Requires="a14">
           <p:sp>
             <p:nvSpPr>
               <p:cNvPr id="11" name="ZoneTexte 10">
@@ -9471,7 +9556,7 @@
             </p:txBody>
           </p:sp>
         </mc:Choice>
-        <mc:Fallback>
+        <mc:Fallback xmlns="">
           <p:sp>
             <p:nvSpPr>
               <p:cNvPr id="11" name="ZoneTexte 10">
@@ -9624,8 +9709,8 @@
           </a:p>
         </p:txBody>
       </p:sp>
-      <mc:AlternateContent xmlns:mc="http://schemas.openxmlformats.org/markup-compatibility/2006">
-        <mc:Choice xmlns:a14="http://schemas.microsoft.com/office/drawing/2010/main" Requires="a14">
+      <mc:AlternateContent xmlns:mc="http://schemas.openxmlformats.org/markup-compatibility/2006" xmlns:a14="http://schemas.microsoft.com/office/drawing/2010/main">
+        <mc:Choice Requires="a14">
           <p:sp>
             <p:nvSpPr>
               <p:cNvPr id="14" name="ZoneTexte 13">
@@ -9675,7 +9760,7 @@
             </p:txBody>
           </p:sp>
         </mc:Choice>
-        <mc:Fallback>
+        <mc:Fallback xmlns="">
           <p:sp>
             <p:nvSpPr>
               <p:cNvPr id="14" name="ZoneTexte 13">
@@ -9839,8 +9924,8 @@
             </a:p>
           </p:txBody>
         </p:sp>
-        <mc:AlternateContent xmlns:mc="http://schemas.openxmlformats.org/markup-compatibility/2006">
-          <mc:Choice xmlns:a14="http://schemas.microsoft.com/office/drawing/2010/main" Requires="a14">
+        <mc:AlternateContent xmlns:mc="http://schemas.openxmlformats.org/markup-compatibility/2006" xmlns:a14="http://schemas.microsoft.com/office/drawing/2010/main">
+          <mc:Choice Requires="a14">
             <p:sp>
               <p:nvSpPr>
                 <p:cNvPr id="17" name="ZoneTexte 16">
@@ -9890,7 +9975,7 @@
               </p:txBody>
             </p:sp>
           </mc:Choice>
-          <mc:Fallback>
+          <mc:Fallback xmlns="">
             <p:sp>
               <p:nvSpPr>
                 <p:cNvPr id="17" name="ZoneTexte 16">
@@ -10310,8 +10395,8 @@
           </a:fontRef>
         </p:style>
       </p:cxnSp>
-      <mc:AlternateContent xmlns:mc="http://schemas.openxmlformats.org/markup-compatibility/2006">
-        <mc:Choice xmlns:a14="http://schemas.microsoft.com/office/drawing/2010/main" Requires="a14">
+      <mc:AlternateContent xmlns:mc="http://schemas.openxmlformats.org/markup-compatibility/2006" xmlns:a14="http://schemas.microsoft.com/office/drawing/2010/main">
+        <mc:Choice Requires="a14">
           <p:sp>
             <p:nvSpPr>
               <p:cNvPr id="140" name="ZoneTexte 139">
@@ -10392,7 +10477,7 @@
             </p:txBody>
           </p:sp>
         </mc:Choice>
-        <mc:Fallback>
+        <mc:Fallback xmlns="">
           <p:sp>
             <p:nvSpPr>
               <p:cNvPr id="140" name="ZoneTexte 139">
@@ -10882,8 +10967,8 @@
               </a:p>
             </p:txBody>
           </p:sp>
-          <mc:AlternateContent xmlns:mc="http://schemas.openxmlformats.org/markup-compatibility/2006">
-            <mc:Choice xmlns:a14="http://schemas.microsoft.com/office/drawing/2010/main" Requires="a14">
+          <mc:AlternateContent xmlns:mc="http://schemas.openxmlformats.org/markup-compatibility/2006" xmlns:a14="http://schemas.microsoft.com/office/drawing/2010/main">
+            <mc:Choice Requires="a14">
               <p:sp>
                 <p:nvSpPr>
                   <p:cNvPr id="10" name="ZoneTexte 9">
@@ -10945,7 +11030,7 @@
                 </p:txBody>
               </p:sp>
             </mc:Choice>
-            <mc:Fallback>
+            <mc:Fallback xmlns="">
               <p:sp>
                 <p:nvSpPr>
                   <p:cNvPr id="10" name="ZoneTexte 9">
@@ -10990,8 +11075,8 @@
               </p:sp>
             </mc:Fallback>
           </mc:AlternateContent>
-          <mc:AlternateContent xmlns:mc="http://schemas.openxmlformats.org/markup-compatibility/2006">
-            <mc:Choice xmlns:a14="http://schemas.microsoft.com/office/drawing/2010/main" Requires="a14">
+          <mc:AlternateContent xmlns:mc="http://schemas.openxmlformats.org/markup-compatibility/2006" xmlns:a14="http://schemas.microsoft.com/office/drawing/2010/main">
+            <mc:Choice Requires="a14">
               <p:sp>
                 <p:nvSpPr>
                   <p:cNvPr id="11" name="ZoneTexte 10">
@@ -11053,7 +11138,7 @@
                 </p:txBody>
               </p:sp>
             </mc:Choice>
-            <mc:Fallback>
+            <mc:Fallback xmlns="">
               <p:sp>
                 <p:nvSpPr>
                   <p:cNvPr id="11" name="ZoneTexte 10">
@@ -11098,8 +11183,8 @@
               </p:sp>
             </mc:Fallback>
           </mc:AlternateContent>
-          <mc:AlternateContent xmlns:mc="http://schemas.openxmlformats.org/markup-compatibility/2006">
-            <mc:Choice xmlns:a14="http://schemas.microsoft.com/office/drawing/2010/main" Requires="a14">
+          <mc:AlternateContent xmlns:mc="http://schemas.openxmlformats.org/markup-compatibility/2006" xmlns:a14="http://schemas.microsoft.com/office/drawing/2010/main">
+            <mc:Choice Requires="a14">
               <p:sp>
                 <p:nvSpPr>
                   <p:cNvPr id="12" name="ZoneTexte 11">
@@ -11161,7 +11246,7 @@
                 </p:txBody>
               </p:sp>
             </mc:Choice>
-            <mc:Fallback>
+            <mc:Fallback xmlns="">
               <p:sp>
                 <p:nvSpPr>
                   <p:cNvPr id="12" name="ZoneTexte 11">
@@ -11206,8 +11291,8 @@
               </p:sp>
             </mc:Fallback>
           </mc:AlternateContent>
-          <mc:AlternateContent xmlns:mc="http://schemas.openxmlformats.org/markup-compatibility/2006">
-            <mc:Choice xmlns:a14="http://schemas.microsoft.com/office/drawing/2010/main" Requires="a14">
+          <mc:AlternateContent xmlns:mc="http://schemas.openxmlformats.org/markup-compatibility/2006" xmlns:a14="http://schemas.microsoft.com/office/drawing/2010/main">
+            <mc:Choice Requires="a14">
               <p:sp>
                 <p:nvSpPr>
                   <p:cNvPr id="13" name="ZoneTexte 12">
@@ -11276,7 +11361,7 @@
                 </p:txBody>
               </p:sp>
             </mc:Choice>
-            <mc:Fallback>
+            <mc:Fallback xmlns="">
               <p:sp>
                 <p:nvSpPr>
                   <p:cNvPr id="13" name="ZoneTexte 12">
@@ -11321,8 +11406,8 @@
               </p:sp>
             </mc:Fallback>
           </mc:AlternateContent>
-          <mc:AlternateContent xmlns:mc="http://schemas.openxmlformats.org/markup-compatibility/2006">
-            <mc:Choice xmlns:a14="http://schemas.microsoft.com/office/drawing/2010/main" Requires="a14">
+          <mc:AlternateContent xmlns:mc="http://schemas.openxmlformats.org/markup-compatibility/2006" xmlns:a14="http://schemas.microsoft.com/office/drawing/2010/main">
+            <mc:Choice Requires="a14">
               <p:sp>
                 <p:nvSpPr>
                   <p:cNvPr id="14" name="ZoneTexte 13">
@@ -11403,7 +11488,7 @@
                 </p:txBody>
               </p:sp>
             </mc:Choice>
-            <mc:Fallback>
+            <mc:Fallback xmlns="">
               <p:sp>
                 <p:nvSpPr>
                   <p:cNvPr id="14" name="ZoneTexte 13">
@@ -11448,8 +11533,8 @@
               </p:sp>
             </mc:Fallback>
           </mc:AlternateContent>
-          <mc:AlternateContent xmlns:mc="http://schemas.openxmlformats.org/markup-compatibility/2006">
-            <mc:Choice xmlns:a14="http://schemas.microsoft.com/office/drawing/2010/main" Requires="a14">
+          <mc:AlternateContent xmlns:mc="http://schemas.openxmlformats.org/markup-compatibility/2006" xmlns:a14="http://schemas.microsoft.com/office/drawing/2010/main">
+            <mc:Choice Requires="a14">
               <p:sp>
                 <p:nvSpPr>
                   <p:cNvPr id="15" name="ZoneTexte 14">
@@ -11530,7 +11615,7 @@
                 </p:txBody>
               </p:sp>
             </mc:Choice>
-            <mc:Fallback>
+            <mc:Fallback xmlns="">
               <p:sp>
                 <p:nvSpPr>
                   <p:cNvPr id="15" name="ZoneTexte 14">
@@ -12003,8 +12088,8 @@
               </a:p>
             </p:txBody>
           </p:sp>
-          <mc:AlternateContent xmlns:mc="http://schemas.openxmlformats.org/markup-compatibility/2006">
-            <mc:Choice xmlns:a14="http://schemas.microsoft.com/office/drawing/2010/main" Requires="a14">
+          <mc:AlternateContent xmlns:mc="http://schemas.openxmlformats.org/markup-compatibility/2006" xmlns:a14="http://schemas.microsoft.com/office/drawing/2010/main">
+            <mc:Choice Requires="a14">
               <p:sp>
                 <p:nvSpPr>
                   <p:cNvPr id="27" name="ZoneTexte 26">
@@ -12066,7 +12151,7 @@
                 </p:txBody>
               </p:sp>
             </mc:Choice>
-            <mc:Fallback>
+            <mc:Fallback xmlns="">
               <p:sp>
                 <p:nvSpPr>
                   <p:cNvPr id="27" name="ZoneTexte 26">
@@ -12111,8 +12196,8 @@
               </p:sp>
             </mc:Fallback>
           </mc:AlternateContent>
-          <mc:AlternateContent xmlns:mc="http://schemas.openxmlformats.org/markup-compatibility/2006">
-            <mc:Choice xmlns:a14="http://schemas.microsoft.com/office/drawing/2010/main" Requires="a14">
+          <mc:AlternateContent xmlns:mc="http://schemas.openxmlformats.org/markup-compatibility/2006" xmlns:a14="http://schemas.microsoft.com/office/drawing/2010/main">
+            <mc:Choice Requires="a14">
               <p:sp>
                 <p:nvSpPr>
                   <p:cNvPr id="28" name="ZoneTexte 27">
@@ -12174,7 +12259,7 @@
                 </p:txBody>
               </p:sp>
             </mc:Choice>
-            <mc:Fallback>
+            <mc:Fallback xmlns="">
               <p:sp>
                 <p:nvSpPr>
                   <p:cNvPr id="28" name="ZoneTexte 27">
@@ -12219,8 +12304,8 @@
               </p:sp>
             </mc:Fallback>
           </mc:AlternateContent>
-          <mc:AlternateContent xmlns:mc="http://schemas.openxmlformats.org/markup-compatibility/2006">
-            <mc:Choice xmlns:a14="http://schemas.microsoft.com/office/drawing/2010/main" Requires="a14">
+          <mc:AlternateContent xmlns:mc="http://schemas.openxmlformats.org/markup-compatibility/2006" xmlns:a14="http://schemas.microsoft.com/office/drawing/2010/main">
+            <mc:Choice Requires="a14">
               <p:sp>
                 <p:nvSpPr>
                   <p:cNvPr id="29" name="ZoneTexte 28">
@@ -12282,7 +12367,7 @@
                 </p:txBody>
               </p:sp>
             </mc:Choice>
-            <mc:Fallback>
+            <mc:Fallback xmlns="">
               <p:sp>
                 <p:nvSpPr>
                   <p:cNvPr id="29" name="ZoneTexte 28">
@@ -12327,8 +12412,8 @@
               </p:sp>
             </mc:Fallback>
           </mc:AlternateContent>
-          <mc:AlternateContent xmlns:mc="http://schemas.openxmlformats.org/markup-compatibility/2006">
-            <mc:Choice xmlns:a14="http://schemas.microsoft.com/office/drawing/2010/main" Requires="a14">
+          <mc:AlternateContent xmlns:mc="http://schemas.openxmlformats.org/markup-compatibility/2006" xmlns:a14="http://schemas.microsoft.com/office/drawing/2010/main">
+            <mc:Choice Requires="a14">
               <p:sp>
                 <p:nvSpPr>
                   <p:cNvPr id="30" name="ZoneTexte 29">
@@ -12378,7 +12463,7 @@
                 </p:txBody>
               </p:sp>
             </mc:Choice>
-            <mc:Fallback>
+            <mc:Fallback xmlns="">
               <p:sp>
                 <p:nvSpPr>
                   <p:cNvPr id="30" name="ZoneTexte 29">
@@ -12423,8 +12508,8 @@
               </p:sp>
             </mc:Fallback>
           </mc:AlternateContent>
-          <mc:AlternateContent xmlns:mc="http://schemas.openxmlformats.org/markup-compatibility/2006">
-            <mc:Choice xmlns:a14="http://schemas.microsoft.com/office/drawing/2010/main" Requires="a14">
+          <mc:AlternateContent xmlns:mc="http://schemas.openxmlformats.org/markup-compatibility/2006" xmlns:a14="http://schemas.microsoft.com/office/drawing/2010/main">
+            <mc:Choice Requires="a14">
               <p:sp>
                 <p:nvSpPr>
                   <p:cNvPr id="31" name="ZoneTexte 30">
@@ -12505,7 +12590,7 @@
                 </p:txBody>
               </p:sp>
             </mc:Choice>
-            <mc:Fallback>
+            <mc:Fallback xmlns="">
               <p:sp>
                 <p:nvSpPr>
                   <p:cNvPr id="31" name="ZoneTexte 30">
@@ -12550,8 +12635,8 @@
               </p:sp>
             </mc:Fallback>
           </mc:AlternateContent>
-          <mc:AlternateContent xmlns:mc="http://schemas.openxmlformats.org/markup-compatibility/2006">
-            <mc:Choice xmlns:a14="http://schemas.microsoft.com/office/drawing/2010/main" Requires="a14">
+          <mc:AlternateContent xmlns:mc="http://schemas.openxmlformats.org/markup-compatibility/2006" xmlns:a14="http://schemas.microsoft.com/office/drawing/2010/main">
+            <mc:Choice Requires="a14">
               <p:sp>
                 <p:nvSpPr>
                   <p:cNvPr id="32" name="ZoneTexte 31">
@@ -12632,7 +12717,7 @@
                 </p:txBody>
               </p:sp>
             </mc:Choice>
-            <mc:Fallback>
+            <mc:Fallback xmlns="">
               <p:sp>
                 <p:nvSpPr>
                   <p:cNvPr id="32" name="ZoneTexte 31">
@@ -12741,8 +12826,8 @@
           <a:chExt cx="0" cy="0"/>
         </a:xfrm>
       </p:grpSpPr>
-      <mc:AlternateContent xmlns:mc="http://schemas.openxmlformats.org/markup-compatibility/2006">
-        <mc:Choice xmlns:a14="http://schemas.microsoft.com/office/drawing/2010/main" Requires="a14">
+      <mc:AlternateContent xmlns:mc="http://schemas.openxmlformats.org/markup-compatibility/2006" xmlns:a14="http://schemas.microsoft.com/office/drawing/2010/main">
+        <mc:Choice Requires="a14">
           <p:sp>
             <p:nvSpPr>
               <p:cNvPr id="3" name="Espace réservé du contenu 2">
@@ -13219,13 +13304,7 @@
                           <a:rPr lang="fr-FR" sz="1600" b="0" i="1" smtClean="0">
                             <a:latin typeface="Cambria Math" panose="02040503050406030204" pitchFamily="18" charset="0"/>
                           </a:rPr>
-                          <m:t>𝐵</m:t>
-                        </m:r>
-                        <m:r>
-                          <a:rPr lang="fr-FR" sz="1600" b="0" i="1" smtClean="0">
-                            <a:latin typeface="Cambria Math" panose="02040503050406030204" pitchFamily="18" charset="0"/>
-                          </a:rPr>
-                          <m:t>𝐺</m:t>
+                          <m:t>𝐵𝐺</m:t>
                         </m:r>
                       </m:sub>
                     </m:sSub>
@@ -13765,7 +13844,7 @@
             </p:txBody>
           </p:sp>
         </mc:Choice>
-        <mc:Fallback>
+        <mc:Fallback xmlns="">
           <p:sp>
             <p:nvSpPr>
               <p:cNvPr id="3" name="Espace réservé du contenu 2">
@@ -13788,7 +13867,7 @@
                 <a:ext cx="3283191" cy="4796556"/>
               </a:xfrm>
               <a:blipFill>
-                <a:blip r:embed="rId2"/>
+                <a:blip r:embed="rId3"/>
                 <a:stretch>
                   <a:fillRect l="-1299" t="-1144"/>
                 </a:stretch>
@@ -13809,8 +13888,8 @@
           </p:sp>
         </mc:Fallback>
       </mc:AlternateContent>
-      <mc:AlternateContent xmlns:mc="http://schemas.openxmlformats.org/markup-compatibility/2006">
-        <mc:Choice xmlns:a14="http://schemas.microsoft.com/office/drawing/2010/main" Requires="a14">
+      <mc:AlternateContent xmlns:mc="http://schemas.openxmlformats.org/markup-compatibility/2006" xmlns:a14="http://schemas.microsoft.com/office/drawing/2010/main">
+        <mc:Choice Requires="a14">
           <p:sp>
             <p:nvSpPr>
               <p:cNvPr id="5" name="Espace réservé du contenu 2">
@@ -14010,7 +14089,6 @@
                   <a:rPr lang="fr-FR" sz="2000" dirty="0"/>
                   <a:t>On a</a:t>
                 </a:r>
-                <a14:m/>
               </a:p>
               <a:p>
                 <a:pPr lvl="1"/>
@@ -15275,16 +15353,7 @@
                           <a:rPr lang="fr-FR" sz="1200" b="0" i="0" smtClean="0">
                             <a:latin typeface="Cambria Math" panose="02040503050406030204" pitchFamily="18" charset="0"/>
                           </a:rPr>
-                          <m:t>s</m:t>
-                        </m:r>
-                        <m:r>
-                          <m:rPr>
-                            <m:sty m:val="p"/>
-                          </m:rPr>
-                          <a:rPr lang="fr-FR" sz="1200" b="0" i="0" smtClean="0">
-                            <a:latin typeface="Cambria Math" panose="02040503050406030204" pitchFamily="18" charset="0"/>
-                          </a:rPr>
-                          <m:t>in</m:t>
+                          <m:t>sin</m:t>
                         </m:r>
                       </m:fName>
                       <m:e>
@@ -15960,7 +16029,7 @@
                     <m:f>
                       <m:fPr>
                         <m:ctrlPr>
-                          <a:rPr lang="fr-FR" sz="1600" b="0" i="0" smtClean="0">
+                          <a:rPr lang="fr-FR" sz="1600" b="0" i="1" smtClean="0">
                             <a:latin typeface="Cambria Math" panose="02040503050406030204" pitchFamily="18" charset="0"/>
                           </a:rPr>
                         </m:ctrlPr>
@@ -17119,7 +17188,7 @@
             </p:txBody>
           </p:sp>
         </mc:Choice>
-        <mc:Fallback>
+        <mc:Fallback xmlns="">
           <p:sp>
             <p:nvSpPr>
               <p:cNvPr id="5" name="Espace réservé du contenu 2">
@@ -17143,7 +17212,7 @@
                 <a:avLst/>
               </a:prstGeom>
               <a:blipFill>
-                <a:blip r:embed="rId3"/>
+                <a:blip r:embed="rId4"/>
                 <a:stretch>
                   <a:fillRect l="-737" t="-1515" b="-505"/>
                 </a:stretch>
@@ -17182,7 +17251,7 @@
           <p:nvPr/>
         </p:nvPicPr>
         <p:blipFill>
-          <a:blip r:embed="rId4"/>
+          <a:blip r:embed="rId5"/>
           <a:stretch>
             <a:fillRect/>
           </a:stretch>
@@ -17212,7 +17281,7 @@
           <p:nvPr/>
         </p:nvPicPr>
         <p:blipFill>
-          <a:blip r:embed="rId5"/>
+          <a:blip r:embed="rId6"/>
           <a:stretch>
             <a:fillRect/>
           </a:stretch>
@@ -17231,6 +17300,6160 @@
     <p:extLst>
       <p:ext uri="{BB962C8B-B14F-4D97-AF65-F5344CB8AC3E}">
         <p14:creationId xmlns:p14="http://schemas.microsoft.com/office/powerpoint/2010/main" val="2286329714"/>
+      </p:ext>
+    </p:extLst>
+  </p:cSld>
+  <p:clrMapOvr>
+    <a:masterClrMapping/>
+  </p:clrMapOvr>
+</p:sld>
+</file>
+
+<file path=ppt/slides/slide8.xml><?xml version="1.0" encoding="utf-8"?>
+<p:sld xmlns:a="http://schemas.openxmlformats.org/drawingml/2006/main" xmlns:r="http://schemas.openxmlformats.org/officeDocument/2006/relationships" xmlns:p="http://schemas.openxmlformats.org/presentationml/2006/main">
+  <p:cSld>
+    <p:spTree>
+      <p:nvGrpSpPr>
+        <p:cNvPr id="1" name=""/>
+        <p:cNvGrpSpPr/>
+        <p:nvPr/>
+      </p:nvGrpSpPr>
+      <p:grpSpPr>
+        <a:xfrm>
+          <a:off x="0" y="0"/>
+          <a:ext cx="0" cy="0"/>
+          <a:chOff x="0" y="0"/>
+          <a:chExt cx="0" cy="0"/>
+        </a:xfrm>
+      </p:grpSpPr>
+      <p:sp>
+        <p:nvSpPr>
+          <p:cNvPr id="112" name="Arc plein 111">
+            <a:extLst>
+              <a:ext uri="{FF2B5EF4-FFF2-40B4-BE49-F238E27FC236}">
+                <a16:creationId xmlns:a16="http://schemas.microsoft.com/office/drawing/2014/main" id="{D74F760E-67C8-F97E-4261-126F201FDA05}"/>
+              </a:ext>
+            </a:extLst>
+          </p:cNvPr>
+          <p:cNvSpPr/>
+          <p:nvPr/>
+        </p:nvSpPr>
+        <p:spPr>
+          <a:xfrm>
+            <a:off x="1439229" y="-552450"/>
+            <a:ext cx="2446878" cy="2446878"/>
+          </a:xfrm>
+          <a:prstGeom prst="blockArc">
+            <a:avLst>
+              <a:gd name="adj1" fmla="val 13520052"/>
+              <a:gd name="adj2" fmla="val 13700"/>
+              <a:gd name="adj3" fmla="val 13492"/>
+            </a:avLst>
+          </a:prstGeom>
+          <a:solidFill>
+            <a:schemeClr val="accent2">
+              <a:lumMod val="20000"/>
+              <a:lumOff val="80000"/>
+            </a:schemeClr>
+          </a:solidFill>
+          <a:ln>
+            <a:noFill/>
+          </a:ln>
+        </p:spPr>
+        <p:style>
+          <a:lnRef idx="2">
+            <a:schemeClr val="accent1">
+              <a:shade val="50000"/>
+            </a:schemeClr>
+          </a:lnRef>
+          <a:fillRef idx="1">
+            <a:schemeClr val="accent1"/>
+          </a:fillRef>
+          <a:effectRef idx="0">
+            <a:schemeClr val="accent1"/>
+          </a:effectRef>
+          <a:fontRef idx="minor">
+            <a:schemeClr val="lt1"/>
+          </a:fontRef>
+        </p:style>
+        <p:txBody>
+          <a:bodyPr rtlCol="0" anchor="ctr"/>
+          <a:lstStyle/>
+          <a:p>
+            <a:pPr algn="ctr"/>
+            <a:endParaRPr lang="fr-FR">
+              <a:solidFill>
+                <a:schemeClr val="tx1"/>
+              </a:solidFill>
+            </a:endParaRPr>
+          </a:p>
+        </p:txBody>
+      </p:sp>
+      <p:cxnSp>
+        <p:nvCxnSpPr>
+          <p:cNvPr id="4" name="Connecteur droit 3">
+            <a:extLst>
+              <a:ext uri="{FF2B5EF4-FFF2-40B4-BE49-F238E27FC236}">
+                <a16:creationId xmlns:a16="http://schemas.microsoft.com/office/drawing/2014/main" id="{A47B2F7B-F662-5740-C459-71485B1B43BD}"/>
+              </a:ext>
+            </a:extLst>
+          </p:cNvPr>
+          <p:cNvCxnSpPr>
+            <a:cxnSpLocks/>
+            <a:stCxn id="85" idx="7"/>
+            <a:endCxn id="8" idx="1"/>
+          </p:cNvCxnSpPr>
+          <p:nvPr/>
+        </p:nvCxnSpPr>
+        <p:spPr>
+          <a:xfrm flipV="1">
+            <a:off x="6607337" y="492450"/>
+            <a:ext cx="2780558" cy="3185159"/>
+          </a:xfrm>
+          <a:prstGeom prst="line">
+            <a:avLst/>
+          </a:prstGeom>
+          <a:ln w="19050">
+            <a:solidFill>
+              <a:srgbClr val="7030A0"/>
+            </a:solidFill>
+          </a:ln>
+        </p:spPr>
+        <p:style>
+          <a:lnRef idx="1">
+            <a:schemeClr val="accent1"/>
+          </a:lnRef>
+          <a:fillRef idx="0">
+            <a:schemeClr val="accent1"/>
+          </a:fillRef>
+          <a:effectRef idx="0">
+            <a:schemeClr val="accent1"/>
+          </a:effectRef>
+          <a:fontRef idx="minor">
+            <a:schemeClr val="tx1"/>
+          </a:fontRef>
+        </p:style>
+      </p:cxnSp>
+      <p:cxnSp>
+        <p:nvCxnSpPr>
+          <p:cNvPr id="5" name="Connecteur droit 4">
+            <a:extLst>
+              <a:ext uri="{FF2B5EF4-FFF2-40B4-BE49-F238E27FC236}">
+                <a16:creationId xmlns:a16="http://schemas.microsoft.com/office/drawing/2014/main" id="{BF8C53ED-65AE-0E47-A485-C28D404D4539}"/>
+              </a:ext>
+            </a:extLst>
+          </p:cNvPr>
+          <p:cNvCxnSpPr>
+            <a:cxnSpLocks/>
+            <a:stCxn id="20" idx="6"/>
+            <a:endCxn id="8" idx="0"/>
+          </p:cNvCxnSpPr>
+          <p:nvPr/>
+        </p:nvCxnSpPr>
+        <p:spPr>
+          <a:xfrm flipV="1">
+            <a:off x="6642136" y="413369"/>
+            <a:ext cx="2936678" cy="727637"/>
+          </a:xfrm>
+          <a:prstGeom prst="line">
+            <a:avLst/>
+          </a:prstGeom>
+          <a:ln w="9525">
+            <a:solidFill>
+              <a:srgbClr val="7030A0"/>
+            </a:solidFill>
+            <a:prstDash val="sysDash"/>
+          </a:ln>
+        </p:spPr>
+        <p:style>
+          <a:lnRef idx="1">
+            <a:schemeClr val="accent1"/>
+          </a:lnRef>
+          <a:fillRef idx="0">
+            <a:schemeClr val="accent1"/>
+          </a:fillRef>
+          <a:effectRef idx="0">
+            <a:schemeClr val="accent1"/>
+          </a:effectRef>
+          <a:fontRef idx="minor">
+            <a:schemeClr val="tx1"/>
+          </a:fontRef>
+        </p:style>
+      </p:cxnSp>
+      <p:grpSp>
+        <p:nvGrpSpPr>
+          <p:cNvPr id="6" name="Groupe 5">
+            <a:extLst>
+              <a:ext uri="{FF2B5EF4-FFF2-40B4-BE49-F238E27FC236}">
+                <a16:creationId xmlns:a16="http://schemas.microsoft.com/office/drawing/2014/main" id="{7E5AFE7D-39FF-3F02-6036-E0AC2E07CF4E}"/>
+              </a:ext>
+            </a:extLst>
+          </p:cNvPr>
+          <p:cNvGrpSpPr/>
+          <p:nvPr/>
+        </p:nvGrpSpPr>
+        <p:grpSpPr>
+          <a:xfrm>
+            <a:off x="2360064" y="413369"/>
+            <a:ext cx="7488750" cy="5318744"/>
+            <a:chOff x="2360064" y="413369"/>
+            <a:chExt cx="7488750" cy="5318744"/>
+          </a:xfrm>
+        </p:grpSpPr>
+        <p:sp>
+          <p:nvSpPr>
+            <p:cNvPr id="7" name="Rectangle : coins arrondis 6">
+              <a:extLst>
+                <a:ext uri="{FF2B5EF4-FFF2-40B4-BE49-F238E27FC236}">
+                  <a16:creationId xmlns:a16="http://schemas.microsoft.com/office/drawing/2014/main" id="{213B602B-636C-59F3-827B-0277BAAB1163}"/>
+                </a:ext>
+              </a:extLst>
+            </p:cNvPr>
+            <p:cNvSpPr/>
+            <p:nvPr/>
+          </p:nvSpPr>
+          <p:spPr>
+            <a:xfrm>
+              <a:off x="2504439" y="552741"/>
+              <a:ext cx="7200000" cy="5040000"/>
+            </a:xfrm>
+            <a:prstGeom prst="roundRect">
+              <a:avLst>
+                <a:gd name="adj" fmla="val 2563"/>
+              </a:avLst>
+            </a:prstGeom>
+            <a:noFill/>
+            <a:ln w="19050">
+              <a:solidFill>
+                <a:srgbClr val="002060"/>
+              </a:solidFill>
+            </a:ln>
+          </p:spPr>
+          <p:style>
+            <a:lnRef idx="2">
+              <a:schemeClr val="accent1">
+                <a:shade val="50000"/>
+              </a:schemeClr>
+            </a:lnRef>
+            <a:fillRef idx="1">
+              <a:schemeClr val="accent1"/>
+            </a:fillRef>
+            <a:effectRef idx="0">
+              <a:schemeClr val="accent1"/>
+            </a:effectRef>
+            <a:fontRef idx="minor">
+              <a:schemeClr val="lt1"/>
+            </a:fontRef>
+          </p:style>
+          <p:txBody>
+            <a:bodyPr rtlCol="0" anchor="ctr"/>
+            <a:lstStyle/>
+            <a:p>
+              <a:pPr algn="ctr"/>
+              <a:endParaRPr lang="fr-FR"/>
+            </a:p>
+          </p:txBody>
+        </p:sp>
+        <p:sp>
+          <p:nvSpPr>
+            <p:cNvPr id="8" name="Ellipse 7">
+              <a:extLst>
+                <a:ext uri="{FF2B5EF4-FFF2-40B4-BE49-F238E27FC236}">
+                  <a16:creationId xmlns:a16="http://schemas.microsoft.com/office/drawing/2014/main" id="{3A688A9B-941A-2DA2-E00B-CF816E0F267D}"/>
+                </a:ext>
+              </a:extLst>
+            </p:cNvPr>
+            <p:cNvSpPr/>
+            <p:nvPr/>
+          </p:nvSpPr>
+          <p:spPr>
+            <a:xfrm>
+              <a:off x="9308814" y="413369"/>
+              <a:ext cx="540000" cy="540000"/>
+            </a:xfrm>
+            <a:prstGeom prst="ellipse">
+              <a:avLst/>
+            </a:prstGeom>
+            <a:solidFill>
+              <a:schemeClr val="bg1"/>
+            </a:solidFill>
+            <a:ln w="19050">
+              <a:solidFill>
+                <a:srgbClr val="00B050"/>
+              </a:solidFill>
+            </a:ln>
+          </p:spPr>
+          <p:style>
+            <a:lnRef idx="2">
+              <a:schemeClr val="accent1">
+                <a:shade val="50000"/>
+              </a:schemeClr>
+            </a:lnRef>
+            <a:fillRef idx="1">
+              <a:schemeClr val="accent1"/>
+            </a:fillRef>
+            <a:effectRef idx="0">
+              <a:schemeClr val="accent1"/>
+            </a:effectRef>
+            <a:fontRef idx="minor">
+              <a:schemeClr val="lt1"/>
+            </a:fontRef>
+          </p:style>
+          <p:txBody>
+            <a:bodyPr rtlCol="0" anchor="ctr"/>
+            <a:lstStyle/>
+            <a:p>
+              <a:pPr algn="ctr"/>
+              <a:endParaRPr lang="fr-FR" dirty="0"/>
+            </a:p>
+          </p:txBody>
+        </p:sp>
+        <p:sp>
+          <p:nvSpPr>
+            <p:cNvPr id="9" name="Ellipse 8">
+              <a:extLst>
+                <a:ext uri="{FF2B5EF4-FFF2-40B4-BE49-F238E27FC236}">
+                  <a16:creationId xmlns:a16="http://schemas.microsoft.com/office/drawing/2014/main" id="{680F237E-50CE-B6CC-FA21-6FEFF8FE01C5}"/>
+                </a:ext>
+              </a:extLst>
+            </p:cNvPr>
+            <p:cNvSpPr/>
+            <p:nvPr/>
+          </p:nvSpPr>
+          <p:spPr>
+            <a:xfrm>
+              <a:off x="9488814" y="593369"/>
+              <a:ext cx="180000" cy="180000"/>
+            </a:xfrm>
+            <a:prstGeom prst="ellipse">
+              <a:avLst/>
+            </a:prstGeom>
+            <a:noFill/>
+            <a:ln w="19050">
+              <a:solidFill>
+                <a:srgbClr val="002060"/>
+              </a:solidFill>
+            </a:ln>
+          </p:spPr>
+          <p:style>
+            <a:lnRef idx="2">
+              <a:schemeClr val="accent1">
+                <a:shade val="50000"/>
+              </a:schemeClr>
+            </a:lnRef>
+            <a:fillRef idx="1">
+              <a:schemeClr val="accent1"/>
+            </a:fillRef>
+            <a:effectRef idx="0">
+              <a:schemeClr val="accent1"/>
+            </a:effectRef>
+            <a:fontRef idx="minor">
+              <a:schemeClr val="lt1"/>
+            </a:fontRef>
+          </p:style>
+          <p:txBody>
+            <a:bodyPr rtlCol="0" anchor="ctr"/>
+            <a:lstStyle/>
+            <a:p>
+              <a:pPr algn="ctr"/>
+              <a:endParaRPr lang="fr-FR" dirty="0"/>
+            </a:p>
+          </p:txBody>
+        </p:sp>
+        <p:sp>
+          <p:nvSpPr>
+            <p:cNvPr id="10" name="Ellipse 9">
+              <a:extLst>
+                <a:ext uri="{FF2B5EF4-FFF2-40B4-BE49-F238E27FC236}">
+                  <a16:creationId xmlns:a16="http://schemas.microsoft.com/office/drawing/2014/main" id="{EA71514D-B365-8543-67CD-F32B9A0CEA9C}"/>
+                </a:ext>
+              </a:extLst>
+            </p:cNvPr>
+            <p:cNvSpPr/>
+            <p:nvPr/>
+          </p:nvSpPr>
+          <p:spPr>
+            <a:xfrm>
+              <a:off x="2360064" y="413369"/>
+              <a:ext cx="540000" cy="540000"/>
+            </a:xfrm>
+            <a:prstGeom prst="ellipse">
+              <a:avLst/>
+            </a:prstGeom>
+            <a:solidFill>
+              <a:schemeClr val="bg1"/>
+            </a:solidFill>
+            <a:ln w="19050">
+              <a:solidFill>
+                <a:srgbClr val="00B050"/>
+              </a:solidFill>
+            </a:ln>
+          </p:spPr>
+          <p:style>
+            <a:lnRef idx="2">
+              <a:schemeClr val="accent1">
+                <a:shade val="50000"/>
+              </a:schemeClr>
+            </a:lnRef>
+            <a:fillRef idx="1">
+              <a:schemeClr val="accent1"/>
+            </a:fillRef>
+            <a:effectRef idx="0">
+              <a:schemeClr val="accent1"/>
+            </a:effectRef>
+            <a:fontRef idx="minor">
+              <a:schemeClr val="lt1"/>
+            </a:fontRef>
+          </p:style>
+          <p:txBody>
+            <a:bodyPr rtlCol="0" anchor="ctr"/>
+            <a:lstStyle/>
+            <a:p>
+              <a:pPr algn="ctr"/>
+              <a:endParaRPr lang="fr-FR" dirty="0"/>
+            </a:p>
+          </p:txBody>
+        </p:sp>
+        <p:sp>
+          <p:nvSpPr>
+            <p:cNvPr id="11" name="Ellipse 10">
+              <a:extLst>
+                <a:ext uri="{FF2B5EF4-FFF2-40B4-BE49-F238E27FC236}">
+                  <a16:creationId xmlns:a16="http://schemas.microsoft.com/office/drawing/2014/main" id="{C278E428-8F0A-A639-9345-6256B99285E4}"/>
+                </a:ext>
+              </a:extLst>
+            </p:cNvPr>
+            <p:cNvSpPr/>
+            <p:nvPr/>
+          </p:nvSpPr>
+          <p:spPr>
+            <a:xfrm>
+              <a:off x="2540064" y="593369"/>
+              <a:ext cx="180000" cy="180000"/>
+            </a:xfrm>
+            <a:prstGeom prst="ellipse">
+              <a:avLst/>
+            </a:prstGeom>
+            <a:noFill/>
+            <a:ln w="19050">
+              <a:solidFill>
+                <a:srgbClr val="002060"/>
+              </a:solidFill>
+            </a:ln>
+          </p:spPr>
+          <p:style>
+            <a:lnRef idx="2">
+              <a:schemeClr val="accent1">
+                <a:shade val="50000"/>
+              </a:schemeClr>
+            </a:lnRef>
+            <a:fillRef idx="1">
+              <a:schemeClr val="accent1"/>
+            </a:fillRef>
+            <a:effectRef idx="0">
+              <a:schemeClr val="accent1"/>
+            </a:effectRef>
+            <a:fontRef idx="minor">
+              <a:schemeClr val="lt1"/>
+            </a:fontRef>
+          </p:style>
+          <p:txBody>
+            <a:bodyPr rtlCol="0" anchor="ctr"/>
+            <a:lstStyle/>
+            <a:p>
+              <a:pPr algn="ctr"/>
+              <a:endParaRPr lang="fr-FR" dirty="0"/>
+            </a:p>
+          </p:txBody>
+        </p:sp>
+        <p:sp>
+          <p:nvSpPr>
+            <p:cNvPr id="12" name="Ellipse 11">
+              <a:extLst>
+                <a:ext uri="{FF2B5EF4-FFF2-40B4-BE49-F238E27FC236}">
+                  <a16:creationId xmlns:a16="http://schemas.microsoft.com/office/drawing/2014/main" id="{A39A7E87-377A-FE02-DF1D-4BD398003E10}"/>
+                </a:ext>
+              </a:extLst>
+            </p:cNvPr>
+            <p:cNvSpPr/>
+            <p:nvPr/>
+          </p:nvSpPr>
+          <p:spPr>
+            <a:xfrm>
+              <a:off x="2360064" y="5192113"/>
+              <a:ext cx="540000" cy="540000"/>
+            </a:xfrm>
+            <a:prstGeom prst="ellipse">
+              <a:avLst/>
+            </a:prstGeom>
+            <a:solidFill>
+              <a:schemeClr val="bg1"/>
+            </a:solidFill>
+            <a:ln w="19050">
+              <a:solidFill>
+                <a:srgbClr val="00B050"/>
+              </a:solidFill>
+            </a:ln>
+          </p:spPr>
+          <p:style>
+            <a:lnRef idx="2">
+              <a:schemeClr val="accent1">
+                <a:shade val="50000"/>
+              </a:schemeClr>
+            </a:lnRef>
+            <a:fillRef idx="1">
+              <a:schemeClr val="accent1"/>
+            </a:fillRef>
+            <a:effectRef idx="0">
+              <a:schemeClr val="accent1"/>
+            </a:effectRef>
+            <a:fontRef idx="minor">
+              <a:schemeClr val="lt1"/>
+            </a:fontRef>
+          </p:style>
+          <p:txBody>
+            <a:bodyPr rtlCol="0" anchor="ctr"/>
+            <a:lstStyle/>
+            <a:p>
+              <a:pPr algn="ctr"/>
+              <a:endParaRPr lang="fr-FR" dirty="0"/>
+            </a:p>
+          </p:txBody>
+        </p:sp>
+        <p:sp>
+          <p:nvSpPr>
+            <p:cNvPr id="13" name="Ellipse 12">
+              <a:extLst>
+                <a:ext uri="{FF2B5EF4-FFF2-40B4-BE49-F238E27FC236}">
+                  <a16:creationId xmlns:a16="http://schemas.microsoft.com/office/drawing/2014/main" id="{2E1CB102-527B-9FEE-A6BF-46930DA807A9}"/>
+                </a:ext>
+              </a:extLst>
+            </p:cNvPr>
+            <p:cNvSpPr/>
+            <p:nvPr/>
+          </p:nvSpPr>
+          <p:spPr>
+            <a:xfrm>
+              <a:off x="2540064" y="5372113"/>
+              <a:ext cx="180000" cy="180000"/>
+            </a:xfrm>
+            <a:prstGeom prst="ellipse">
+              <a:avLst/>
+            </a:prstGeom>
+            <a:noFill/>
+            <a:ln w="19050">
+              <a:solidFill>
+                <a:srgbClr val="002060"/>
+              </a:solidFill>
+            </a:ln>
+          </p:spPr>
+          <p:style>
+            <a:lnRef idx="2">
+              <a:schemeClr val="accent1">
+                <a:shade val="50000"/>
+              </a:schemeClr>
+            </a:lnRef>
+            <a:fillRef idx="1">
+              <a:schemeClr val="accent1"/>
+            </a:fillRef>
+            <a:effectRef idx="0">
+              <a:schemeClr val="accent1"/>
+            </a:effectRef>
+            <a:fontRef idx="minor">
+              <a:schemeClr val="lt1"/>
+            </a:fontRef>
+          </p:style>
+          <p:txBody>
+            <a:bodyPr rtlCol="0" anchor="ctr"/>
+            <a:lstStyle/>
+            <a:p>
+              <a:pPr algn="ctr"/>
+              <a:endParaRPr lang="fr-FR" dirty="0"/>
+            </a:p>
+          </p:txBody>
+        </p:sp>
+        <p:sp>
+          <p:nvSpPr>
+            <p:cNvPr id="14" name="Ellipse 13">
+              <a:extLst>
+                <a:ext uri="{FF2B5EF4-FFF2-40B4-BE49-F238E27FC236}">
+                  <a16:creationId xmlns:a16="http://schemas.microsoft.com/office/drawing/2014/main" id="{143273B4-06BE-EE9D-B804-78676EBE91CF}"/>
+                </a:ext>
+              </a:extLst>
+            </p:cNvPr>
+            <p:cNvSpPr/>
+            <p:nvPr/>
+          </p:nvSpPr>
+          <p:spPr>
+            <a:xfrm>
+              <a:off x="9308814" y="5192113"/>
+              <a:ext cx="540000" cy="540000"/>
+            </a:xfrm>
+            <a:prstGeom prst="ellipse">
+              <a:avLst/>
+            </a:prstGeom>
+            <a:solidFill>
+              <a:schemeClr val="bg1"/>
+            </a:solidFill>
+            <a:ln w="19050">
+              <a:solidFill>
+                <a:srgbClr val="00B050"/>
+              </a:solidFill>
+            </a:ln>
+          </p:spPr>
+          <p:style>
+            <a:lnRef idx="2">
+              <a:schemeClr val="accent1">
+                <a:shade val="50000"/>
+              </a:schemeClr>
+            </a:lnRef>
+            <a:fillRef idx="1">
+              <a:schemeClr val="accent1"/>
+            </a:fillRef>
+            <a:effectRef idx="0">
+              <a:schemeClr val="accent1"/>
+            </a:effectRef>
+            <a:fontRef idx="minor">
+              <a:schemeClr val="lt1"/>
+            </a:fontRef>
+          </p:style>
+          <p:txBody>
+            <a:bodyPr rtlCol="0" anchor="ctr"/>
+            <a:lstStyle/>
+            <a:p>
+              <a:pPr algn="ctr"/>
+              <a:endParaRPr lang="fr-FR" dirty="0"/>
+            </a:p>
+          </p:txBody>
+        </p:sp>
+        <p:sp>
+          <p:nvSpPr>
+            <p:cNvPr id="15" name="Ellipse 14">
+              <a:extLst>
+                <a:ext uri="{FF2B5EF4-FFF2-40B4-BE49-F238E27FC236}">
+                  <a16:creationId xmlns:a16="http://schemas.microsoft.com/office/drawing/2014/main" id="{AE6770D1-A021-34EE-92F7-F64DADDA22B9}"/>
+                </a:ext>
+              </a:extLst>
+            </p:cNvPr>
+            <p:cNvSpPr/>
+            <p:nvPr/>
+          </p:nvSpPr>
+          <p:spPr>
+            <a:xfrm>
+              <a:off x="9488814" y="5372113"/>
+              <a:ext cx="180000" cy="180000"/>
+            </a:xfrm>
+            <a:prstGeom prst="ellipse">
+              <a:avLst/>
+            </a:prstGeom>
+            <a:noFill/>
+            <a:ln w="19050">
+              <a:solidFill>
+                <a:srgbClr val="002060"/>
+              </a:solidFill>
+            </a:ln>
+          </p:spPr>
+          <p:style>
+            <a:lnRef idx="2">
+              <a:schemeClr val="accent1">
+                <a:shade val="50000"/>
+              </a:schemeClr>
+            </a:lnRef>
+            <a:fillRef idx="1">
+              <a:schemeClr val="accent1"/>
+            </a:fillRef>
+            <a:effectRef idx="0">
+              <a:schemeClr val="accent1"/>
+            </a:effectRef>
+            <a:fontRef idx="minor">
+              <a:schemeClr val="lt1"/>
+            </a:fontRef>
+          </p:style>
+          <p:txBody>
+            <a:bodyPr rtlCol="0" anchor="ctr"/>
+            <a:lstStyle/>
+            <a:p>
+              <a:pPr algn="ctr"/>
+              <a:endParaRPr lang="fr-FR" dirty="0"/>
+            </a:p>
+          </p:txBody>
+        </p:sp>
+        <p:sp>
+          <p:nvSpPr>
+            <p:cNvPr id="16" name="Rectangle : coins arrondis 15">
+              <a:extLst>
+                <a:ext uri="{FF2B5EF4-FFF2-40B4-BE49-F238E27FC236}">
+                  <a16:creationId xmlns:a16="http://schemas.microsoft.com/office/drawing/2014/main" id="{8C2829B0-5AD3-9815-6C6B-A1D19E0ECB81}"/>
+                </a:ext>
+              </a:extLst>
+            </p:cNvPr>
+            <p:cNvSpPr/>
+            <p:nvPr/>
+          </p:nvSpPr>
+          <p:spPr>
+            <a:xfrm>
+              <a:off x="2504439" y="552741"/>
+              <a:ext cx="7200000" cy="5040000"/>
+            </a:xfrm>
+            <a:prstGeom prst="roundRect">
+              <a:avLst>
+                <a:gd name="adj" fmla="val 2563"/>
+              </a:avLst>
+            </a:prstGeom>
+            <a:noFill/>
+            <a:ln w="9525">
+              <a:solidFill>
+                <a:srgbClr val="002060"/>
+              </a:solidFill>
+              <a:prstDash val="dash"/>
+            </a:ln>
+          </p:spPr>
+          <p:style>
+            <a:lnRef idx="2">
+              <a:schemeClr val="accent1">
+                <a:shade val="50000"/>
+              </a:schemeClr>
+            </a:lnRef>
+            <a:fillRef idx="1">
+              <a:schemeClr val="accent1"/>
+            </a:fillRef>
+            <a:effectRef idx="0">
+              <a:schemeClr val="accent1"/>
+            </a:effectRef>
+            <a:fontRef idx="minor">
+              <a:schemeClr val="lt1"/>
+            </a:fontRef>
+          </p:style>
+          <p:txBody>
+            <a:bodyPr rtlCol="0" anchor="ctr"/>
+            <a:lstStyle/>
+            <a:p>
+              <a:pPr algn="ctr"/>
+              <a:endParaRPr lang="fr-FR" dirty="0"/>
+            </a:p>
+          </p:txBody>
+        </p:sp>
+      </p:grpSp>
+      <p:grpSp>
+        <p:nvGrpSpPr>
+          <p:cNvPr id="17" name="Groupe 16">
+            <a:extLst>
+              <a:ext uri="{FF2B5EF4-FFF2-40B4-BE49-F238E27FC236}">
+                <a16:creationId xmlns:a16="http://schemas.microsoft.com/office/drawing/2014/main" id="{74827B51-73D6-E211-8E78-0C506E3B9694}"/>
+              </a:ext>
+            </a:extLst>
+          </p:cNvPr>
+          <p:cNvGrpSpPr/>
+          <p:nvPr/>
+        </p:nvGrpSpPr>
+        <p:grpSpPr>
+          <a:xfrm>
+            <a:off x="5528439" y="995505"/>
+            <a:ext cx="1152000" cy="576000"/>
+            <a:chOff x="4651128" y="2719448"/>
+            <a:chExt cx="1152000" cy="576000"/>
+          </a:xfrm>
+        </p:grpSpPr>
+        <p:sp>
+          <p:nvSpPr>
+            <p:cNvPr id="18" name="Rectangle : coins arrondis 17">
+              <a:extLst>
+                <a:ext uri="{FF2B5EF4-FFF2-40B4-BE49-F238E27FC236}">
+                  <a16:creationId xmlns:a16="http://schemas.microsoft.com/office/drawing/2014/main" id="{ECC779C1-937B-8B1F-889D-432E8424A12E}"/>
+                </a:ext>
+              </a:extLst>
+            </p:cNvPr>
+            <p:cNvSpPr/>
+            <p:nvPr/>
+          </p:nvSpPr>
+          <p:spPr>
+            <a:xfrm>
+              <a:off x="4651128" y="2719448"/>
+              <a:ext cx="1152000" cy="576000"/>
+            </a:xfrm>
+            <a:prstGeom prst="roundRect">
+              <a:avLst/>
+            </a:prstGeom>
+            <a:noFill/>
+            <a:ln w="12700">
+              <a:solidFill>
+                <a:srgbClr val="C00000"/>
+              </a:solidFill>
+              <a:prstDash val="sysDash"/>
+            </a:ln>
+          </p:spPr>
+          <p:style>
+            <a:lnRef idx="2">
+              <a:schemeClr val="accent1">
+                <a:shade val="50000"/>
+              </a:schemeClr>
+            </a:lnRef>
+            <a:fillRef idx="1">
+              <a:schemeClr val="accent1"/>
+            </a:fillRef>
+            <a:effectRef idx="0">
+              <a:schemeClr val="accent1"/>
+            </a:effectRef>
+            <a:fontRef idx="minor">
+              <a:schemeClr val="lt1"/>
+            </a:fontRef>
+          </p:style>
+          <p:txBody>
+            <a:bodyPr rtlCol="0" anchor="ctr"/>
+            <a:lstStyle/>
+            <a:p>
+              <a:pPr algn="ctr"/>
+              <a:endParaRPr lang="fr-FR"/>
+            </a:p>
+          </p:txBody>
+        </p:sp>
+        <p:sp>
+          <p:nvSpPr>
+            <p:cNvPr id="19" name="Ellipse 18">
+              <a:extLst>
+                <a:ext uri="{FF2B5EF4-FFF2-40B4-BE49-F238E27FC236}">
+                  <a16:creationId xmlns:a16="http://schemas.microsoft.com/office/drawing/2014/main" id="{494662D4-61EA-CCA7-61B6-5083DBE4066A}"/>
+                </a:ext>
+              </a:extLst>
+            </p:cNvPr>
+            <p:cNvSpPr/>
+            <p:nvPr/>
+          </p:nvSpPr>
+          <p:spPr>
+            <a:xfrm>
+              <a:off x="4692650" y="2774949"/>
+              <a:ext cx="180000" cy="180000"/>
+            </a:xfrm>
+            <a:prstGeom prst="ellipse">
+              <a:avLst/>
+            </a:prstGeom>
+            <a:noFill/>
+            <a:ln w="12700">
+              <a:solidFill>
+                <a:srgbClr val="C00000"/>
+              </a:solidFill>
+              <a:prstDash val="sysDash"/>
+            </a:ln>
+          </p:spPr>
+          <p:style>
+            <a:lnRef idx="2">
+              <a:schemeClr val="accent1">
+                <a:shade val="50000"/>
+              </a:schemeClr>
+            </a:lnRef>
+            <a:fillRef idx="1">
+              <a:schemeClr val="accent1"/>
+            </a:fillRef>
+            <a:effectRef idx="0">
+              <a:schemeClr val="accent1"/>
+            </a:effectRef>
+            <a:fontRef idx="minor">
+              <a:schemeClr val="lt1"/>
+            </a:fontRef>
+          </p:style>
+          <p:txBody>
+            <a:bodyPr rtlCol="0" anchor="ctr"/>
+            <a:lstStyle/>
+            <a:p>
+              <a:pPr algn="ctr"/>
+              <a:endParaRPr lang="fr-FR" dirty="0"/>
+            </a:p>
+          </p:txBody>
+        </p:sp>
+        <p:sp>
+          <p:nvSpPr>
+            <p:cNvPr id="20" name="Ellipse 19">
+              <a:extLst>
+                <a:ext uri="{FF2B5EF4-FFF2-40B4-BE49-F238E27FC236}">
+                  <a16:creationId xmlns:a16="http://schemas.microsoft.com/office/drawing/2014/main" id="{3D3A41AF-5017-0B5D-3C64-B340B459F66A}"/>
+                </a:ext>
+              </a:extLst>
+            </p:cNvPr>
+            <p:cNvSpPr/>
+            <p:nvPr/>
+          </p:nvSpPr>
+          <p:spPr>
+            <a:xfrm>
+              <a:off x="5584825" y="2774949"/>
+              <a:ext cx="180000" cy="180000"/>
+            </a:xfrm>
+            <a:prstGeom prst="ellipse">
+              <a:avLst/>
+            </a:prstGeom>
+            <a:noFill/>
+            <a:ln w="12700">
+              <a:solidFill>
+                <a:srgbClr val="C00000"/>
+              </a:solidFill>
+              <a:prstDash val="sysDash"/>
+            </a:ln>
+          </p:spPr>
+          <p:style>
+            <a:lnRef idx="2">
+              <a:schemeClr val="accent1">
+                <a:shade val="50000"/>
+              </a:schemeClr>
+            </a:lnRef>
+            <a:fillRef idx="1">
+              <a:schemeClr val="accent1"/>
+            </a:fillRef>
+            <a:effectRef idx="0">
+              <a:schemeClr val="accent1"/>
+            </a:effectRef>
+            <a:fontRef idx="minor">
+              <a:schemeClr val="lt1"/>
+            </a:fontRef>
+          </p:style>
+          <p:txBody>
+            <a:bodyPr rtlCol="0" anchor="ctr"/>
+            <a:lstStyle/>
+            <a:p>
+              <a:pPr algn="ctr"/>
+              <a:endParaRPr lang="fr-FR"/>
+            </a:p>
+          </p:txBody>
+        </p:sp>
+        <p:sp>
+          <p:nvSpPr>
+            <p:cNvPr id="21" name="Ellipse 20">
+              <a:extLst>
+                <a:ext uri="{FF2B5EF4-FFF2-40B4-BE49-F238E27FC236}">
+                  <a16:creationId xmlns:a16="http://schemas.microsoft.com/office/drawing/2014/main" id="{39D4826C-A0CC-5035-A724-DC536BF727F9}"/>
+                </a:ext>
+              </a:extLst>
+            </p:cNvPr>
+            <p:cNvSpPr/>
+            <p:nvPr/>
+          </p:nvSpPr>
+          <p:spPr>
+            <a:xfrm>
+              <a:off x="4692650" y="3060598"/>
+              <a:ext cx="180000" cy="180000"/>
+            </a:xfrm>
+            <a:prstGeom prst="ellipse">
+              <a:avLst/>
+            </a:prstGeom>
+            <a:noFill/>
+            <a:ln w="12700">
+              <a:solidFill>
+                <a:srgbClr val="C00000"/>
+              </a:solidFill>
+              <a:prstDash val="sysDash"/>
+            </a:ln>
+          </p:spPr>
+          <p:style>
+            <a:lnRef idx="2">
+              <a:schemeClr val="accent1">
+                <a:shade val="50000"/>
+              </a:schemeClr>
+            </a:lnRef>
+            <a:fillRef idx="1">
+              <a:schemeClr val="accent1"/>
+            </a:fillRef>
+            <a:effectRef idx="0">
+              <a:schemeClr val="accent1"/>
+            </a:effectRef>
+            <a:fontRef idx="minor">
+              <a:schemeClr val="lt1"/>
+            </a:fontRef>
+          </p:style>
+          <p:txBody>
+            <a:bodyPr rtlCol="0" anchor="ctr"/>
+            <a:lstStyle/>
+            <a:p>
+              <a:pPr algn="ctr"/>
+              <a:endParaRPr lang="fr-FR"/>
+            </a:p>
+          </p:txBody>
+        </p:sp>
+        <p:sp>
+          <p:nvSpPr>
+            <p:cNvPr id="22" name="Ellipse 21">
+              <a:extLst>
+                <a:ext uri="{FF2B5EF4-FFF2-40B4-BE49-F238E27FC236}">
+                  <a16:creationId xmlns:a16="http://schemas.microsoft.com/office/drawing/2014/main" id="{51ED0B39-7A34-19BC-B398-005AF7D18705}"/>
+                </a:ext>
+              </a:extLst>
+            </p:cNvPr>
+            <p:cNvSpPr/>
+            <p:nvPr/>
+          </p:nvSpPr>
+          <p:spPr>
+            <a:xfrm>
+              <a:off x="5584825" y="3060598"/>
+              <a:ext cx="180000" cy="180000"/>
+            </a:xfrm>
+            <a:prstGeom prst="ellipse">
+              <a:avLst/>
+            </a:prstGeom>
+            <a:noFill/>
+            <a:ln w="12700">
+              <a:solidFill>
+                <a:srgbClr val="C00000"/>
+              </a:solidFill>
+              <a:prstDash val="sysDash"/>
+            </a:ln>
+          </p:spPr>
+          <p:style>
+            <a:lnRef idx="2">
+              <a:schemeClr val="accent1">
+                <a:shade val="50000"/>
+              </a:schemeClr>
+            </a:lnRef>
+            <a:fillRef idx="1">
+              <a:schemeClr val="accent1"/>
+            </a:fillRef>
+            <a:effectRef idx="0">
+              <a:schemeClr val="accent1"/>
+            </a:effectRef>
+            <a:fontRef idx="minor">
+              <a:schemeClr val="lt1"/>
+            </a:fontRef>
+          </p:style>
+          <p:txBody>
+            <a:bodyPr rtlCol="0" anchor="ctr"/>
+            <a:lstStyle/>
+            <a:p>
+              <a:pPr algn="ctr"/>
+              <a:endParaRPr lang="fr-FR"/>
+            </a:p>
+          </p:txBody>
+        </p:sp>
+      </p:grpSp>
+      <p:cxnSp>
+        <p:nvCxnSpPr>
+          <p:cNvPr id="23" name="Connecteur droit 22">
+            <a:extLst>
+              <a:ext uri="{FF2B5EF4-FFF2-40B4-BE49-F238E27FC236}">
+                <a16:creationId xmlns:a16="http://schemas.microsoft.com/office/drawing/2014/main" id="{8BB2B3B0-6281-4D11-B83C-91E57D0E354A}"/>
+              </a:ext>
+            </a:extLst>
+          </p:cNvPr>
+          <p:cNvCxnSpPr>
+            <a:cxnSpLocks/>
+            <a:stCxn id="9" idx="7"/>
+            <a:endCxn id="8" idx="7"/>
+          </p:cNvCxnSpPr>
+          <p:nvPr/>
+        </p:nvCxnSpPr>
+        <p:spPr>
+          <a:xfrm flipV="1">
+            <a:off x="9642454" y="492450"/>
+            <a:ext cx="127279" cy="127279"/>
+          </a:xfrm>
+          <a:prstGeom prst="line">
+            <a:avLst/>
+          </a:prstGeom>
+          <a:solidFill>
+            <a:schemeClr val="bg1"/>
+          </a:solidFill>
+          <a:ln w="19050">
+            <a:solidFill>
+              <a:srgbClr val="00B050"/>
+            </a:solidFill>
+          </a:ln>
+        </p:spPr>
+        <p:style>
+          <a:lnRef idx="2">
+            <a:schemeClr val="accent1">
+              <a:shade val="50000"/>
+            </a:schemeClr>
+          </a:lnRef>
+          <a:fillRef idx="1">
+            <a:schemeClr val="accent1"/>
+          </a:fillRef>
+          <a:effectRef idx="0">
+            <a:schemeClr val="accent1"/>
+          </a:effectRef>
+          <a:fontRef idx="minor">
+            <a:schemeClr val="lt1"/>
+          </a:fontRef>
+        </p:style>
+      </p:cxnSp>
+      <p:cxnSp>
+        <p:nvCxnSpPr>
+          <p:cNvPr id="24" name="Connecteur droit 23">
+            <a:extLst>
+              <a:ext uri="{FF2B5EF4-FFF2-40B4-BE49-F238E27FC236}">
+                <a16:creationId xmlns:a16="http://schemas.microsoft.com/office/drawing/2014/main" id="{88DE98B8-E968-E4DD-E38C-CE8C6A07BBE3}"/>
+              </a:ext>
+            </a:extLst>
+          </p:cNvPr>
+          <p:cNvCxnSpPr>
+            <a:cxnSpLocks/>
+            <a:stCxn id="15" idx="5"/>
+            <a:endCxn id="14" idx="5"/>
+          </p:cNvCxnSpPr>
+          <p:nvPr/>
+        </p:nvCxnSpPr>
+        <p:spPr>
+          <a:xfrm>
+            <a:off x="9642454" y="5525753"/>
+            <a:ext cx="127279" cy="127279"/>
+          </a:xfrm>
+          <a:prstGeom prst="line">
+            <a:avLst/>
+          </a:prstGeom>
+          <a:solidFill>
+            <a:schemeClr val="bg1"/>
+          </a:solidFill>
+          <a:ln w="19050">
+            <a:solidFill>
+              <a:srgbClr val="00B050"/>
+            </a:solidFill>
+          </a:ln>
+        </p:spPr>
+        <p:style>
+          <a:lnRef idx="2">
+            <a:schemeClr val="accent1">
+              <a:shade val="50000"/>
+            </a:schemeClr>
+          </a:lnRef>
+          <a:fillRef idx="1">
+            <a:schemeClr val="accent1"/>
+          </a:fillRef>
+          <a:effectRef idx="0">
+            <a:schemeClr val="accent1"/>
+          </a:effectRef>
+          <a:fontRef idx="minor">
+            <a:schemeClr val="lt1"/>
+          </a:fontRef>
+        </p:style>
+      </p:cxnSp>
+      <p:cxnSp>
+        <p:nvCxnSpPr>
+          <p:cNvPr id="25" name="Connecteur droit 24">
+            <a:extLst>
+              <a:ext uri="{FF2B5EF4-FFF2-40B4-BE49-F238E27FC236}">
+                <a16:creationId xmlns:a16="http://schemas.microsoft.com/office/drawing/2014/main" id="{A09C5934-B598-1DF7-DC0D-C0C51C587788}"/>
+              </a:ext>
+            </a:extLst>
+          </p:cNvPr>
+          <p:cNvCxnSpPr>
+            <a:cxnSpLocks/>
+            <a:stCxn id="12" idx="3"/>
+            <a:endCxn id="13" idx="3"/>
+          </p:cNvCxnSpPr>
+          <p:nvPr/>
+        </p:nvCxnSpPr>
+        <p:spPr>
+          <a:xfrm flipV="1">
+            <a:off x="2439145" y="5525753"/>
+            <a:ext cx="127279" cy="127279"/>
+          </a:xfrm>
+          <a:prstGeom prst="line">
+            <a:avLst/>
+          </a:prstGeom>
+          <a:solidFill>
+            <a:schemeClr val="bg1"/>
+          </a:solidFill>
+          <a:ln w="19050">
+            <a:solidFill>
+              <a:srgbClr val="00B050"/>
+            </a:solidFill>
+          </a:ln>
+        </p:spPr>
+        <p:style>
+          <a:lnRef idx="2">
+            <a:schemeClr val="accent1">
+              <a:shade val="50000"/>
+            </a:schemeClr>
+          </a:lnRef>
+          <a:fillRef idx="1">
+            <a:schemeClr val="accent1"/>
+          </a:fillRef>
+          <a:effectRef idx="0">
+            <a:schemeClr val="accent1"/>
+          </a:effectRef>
+          <a:fontRef idx="minor">
+            <a:schemeClr val="lt1"/>
+          </a:fontRef>
+        </p:style>
+      </p:cxnSp>
+      <p:cxnSp>
+        <p:nvCxnSpPr>
+          <p:cNvPr id="26" name="Connecteur droit 25">
+            <a:extLst>
+              <a:ext uri="{FF2B5EF4-FFF2-40B4-BE49-F238E27FC236}">
+                <a16:creationId xmlns:a16="http://schemas.microsoft.com/office/drawing/2014/main" id="{2E5B30CC-6BFF-2826-88A5-E537037A0F52}"/>
+              </a:ext>
+            </a:extLst>
+          </p:cNvPr>
+          <p:cNvCxnSpPr>
+            <a:cxnSpLocks/>
+            <a:stCxn id="11" idx="1"/>
+            <a:endCxn id="10" idx="1"/>
+          </p:cNvCxnSpPr>
+          <p:nvPr/>
+        </p:nvCxnSpPr>
+        <p:spPr>
+          <a:xfrm flipH="1" flipV="1">
+            <a:off x="2439145" y="492450"/>
+            <a:ext cx="127279" cy="127279"/>
+          </a:xfrm>
+          <a:prstGeom prst="line">
+            <a:avLst/>
+          </a:prstGeom>
+          <a:solidFill>
+            <a:schemeClr val="bg1"/>
+          </a:solidFill>
+          <a:ln w="19050">
+            <a:solidFill>
+              <a:srgbClr val="00B050"/>
+            </a:solidFill>
+          </a:ln>
+        </p:spPr>
+        <p:style>
+          <a:lnRef idx="2">
+            <a:schemeClr val="accent1">
+              <a:shade val="50000"/>
+            </a:schemeClr>
+          </a:lnRef>
+          <a:fillRef idx="1">
+            <a:schemeClr val="accent1"/>
+          </a:fillRef>
+          <a:effectRef idx="0">
+            <a:schemeClr val="accent1"/>
+          </a:effectRef>
+          <a:fontRef idx="minor">
+            <a:schemeClr val="lt1"/>
+          </a:fontRef>
+        </p:style>
+      </p:cxnSp>
+      <mc:AlternateContent xmlns:mc="http://schemas.openxmlformats.org/markup-compatibility/2006">
+        <mc:Choice xmlns:a14="http://schemas.microsoft.com/office/drawing/2010/main" Requires="a14">
+          <p:sp>
+            <p:nvSpPr>
+              <p:cNvPr id="27" name="ZoneTexte 26">
+                <a:extLst>
+                  <a:ext uri="{FF2B5EF4-FFF2-40B4-BE49-F238E27FC236}">
+                    <a16:creationId xmlns:a16="http://schemas.microsoft.com/office/drawing/2014/main" id="{337921F0-67E4-F9BF-C87B-CCFA2659534C}"/>
+                  </a:ext>
+                </a:extLst>
+              </p:cNvPr>
+              <p:cNvSpPr txBox="1"/>
+              <p:nvPr/>
+            </p:nvSpPr>
+            <p:spPr>
+              <a:xfrm>
+                <a:off x="9866011" y="544869"/>
+                <a:ext cx="455574" cy="276999"/>
+              </a:xfrm>
+              <a:prstGeom prst="rect">
+                <a:avLst/>
+              </a:prstGeom>
+              <a:noFill/>
+            </p:spPr>
+            <p:txBody>
+              <a:bodyPr wrap="none" lIns="0" tIns="0" rIns="0" bIns="0" rtlCol="0">
+                <a:spAutoFit/>
+              </a:bodyPr>
+              <a:lstStyle/>
+              <a:p>
+                <a:pPr/>
+                <a14:m>
+                  <m:oMathPara xmlns:m="http://schemas.openxmlformats.org/officeDocument/2006/math">
+                    <m:oMathParaPr>
+                      <m:jc m:val="centerGroup"/>
+                    </m:oMathParaPr>
+                    <m:oMath xmlns:m="http://schemas.openxmlformats.org/officeDocument/2006/math">
+                      <m:sSub>
+                        <m:sSubPr>
+                          <m:ctrlPr>
+                            <a:rPr lang="fr-FR" b="0" i="1" smtClean="0">
+                              <a:latin typeface="Cambria Math" panose="02040503050406030204" pitchFamily="18" charset="0"/>
+                            </a:rPr>
+                          </m:ctrlPr>
+                        </m:sSubPr>
+                        <m:e>
+                          <m:r>
+                            <a:rPr lang="fr-FR" b="0" i="1" smtClean="0">
+                              <a:latin typeface="Cambria Math" panose="02040503050406030204" pitchFamily="18" charset="0"/>
+                            </a:rPr>
+                            <m:t>𝐵</m:t>
+                          </m:r>
+                        </m:e>
+                        <m:sub>
+                          <m:r>
+                            <a:rPr lang="fr-FR" b="0" i="1" smtClean="0">
+                              <a:latin typeface="Cambria Math" panose="02040503050406030204" pitchFamily="18" charset="0"/>
+                            </a:rPr>
+                            <m:t>𝐻𝐷</m:t>
+                          </m:r>
+                        </m:sub>
+                      </m:sSub>
+                    </m:oMath>
+                  </m:oMathPara>
+                </a14:m>
+                <a:endParaRPr lang="fr-FR" dirty="0"/>
+              </a:p>
+            </p:txBody>
+          </p:sp>
+        </mc:Choice>
+        <mc:Fallback>
+          <p:sp>
+            <p:nvSpPr>
+              <p:cNvPr id="27" name="ZoneTexte 26">
+                <a:extLst>
+                  <a:ext uri="{FF2B5EF4-FFF2-40B4-BE49-F238E27FC236}">
+                    <a16:creationId xmlns:a16="http://schemas.microsoft.com/office/drawing/2014/main" id="{337921F0-67E4-F9BF-C87B-CCFA2659534C}"/>
+                  </a:ext>
+                </a:extLst>
+              </p:cNvPr>
+              <p:cNvSpPr txBox="1">
+                <a:spLocks noRot="1" noChangeAspect="1" noMove="1" noResize="1" noEditPoints="1" noAdjustHandles="1" noChangeArrowheads="1" noChangeShapeType="1" noTextEdit="1"/>
+              </p:cNvSpPr>
+              <p:nvPr/>
+            </p:nvSpPr>
+            <p:spPr>
+              <a:xfrm>
+                <a:off x="9866011" y="544869"/>
+                <a:ext cx="455574" cy="276999"/>
+              </a:xfrm>
+              <a:prstGeom prst="rect">
+                <a:avLst/>
+              </a:prstGeom>
+              <a:blipFill>
+                <a:blip r:embed="rId2"/>
+                <a:stretch>
+                  <a:fillRect l="-10667" r="-5333" b="-15217"/>
+                </a:stretch>
+              </a:blipFill>
+            </p:spPr>
+            <p:txBody>
+              <a:bodyPr/>
+              <a:lstStyle/>
+              <a:p>
+                <a:r>
+                  <a:rPr lang="fr-FR">
+                    <a:noFill/>
+                  </a:rPr>
+                  <a:t> </a:t>
+                </a:r>
+              </a:p>
+            </p:txBody>
+          </p:sp>
+        </mc:Fallback>
+      </mc:AlternateContent>
+      <mc:AlternateContent xmlns:mc="http://schemas.openxmlformats.org/markup-compatibility/2006">
+        <mc:Choice xmlns:a14="http://schemas.microsoft.com/office/drawing/2010/main" Requires="a14">
+          <p:sp>
+            <p:nvSpPr>
+              <p:cNvPr id="28" name="ZoneTexte 27">
+                <a:extLst>
+                  <a:ext uri="{FF2B5EF4-FFF2-40B4-BE49-F238E27FC236}">
+                    <a16:creationId xmlns:a16="http://schemas.microsoft.com/office/drawing/2014/main" id="{C895872B-6496-509F-6E7A-82678CF5E7CE}"/>
+                  </a:ext>
+                </a:extLst>
+              </p:cNvPr>
+              <p:cNvSpPr txBox="1"/>
+              <p:nvPr/>
+            </p:nvSpPr>
+            <p:spPr>
+              <a:xfrm>
+                <a:off x="9322660" y="78184"/>
+                <a:ext cx="437749" cy="276999"/>
+              </a:xfrm>
+              <a:prstGeom prst="rect">
+                <a:avLst/>
+              </a:prstGeom>
+              <a:noFill/>
+            </p:spPr>
+            <p:txBody>
+              <a:bodyPr wrap="none" lIns="0" tIns="0" rIns="0" bIns="0" rtlCol="0">
+                <a:spAutoFit/>
+              </a:bodyPr>
+              <a:lstStyle/>
+              <a:p>
+                <a:pPr/>
+                <a14:m>
+                  <m:oMathPara xmlns:m="http://schemas.openxmlformats.org/officeDocument/2006/math">
+                    <m:oMathParaPr>
+                      <m:jc m:val="centerGroup"/>
+                    </m:oMathParaPr>
+                    <m:oMath xmlns:m="http://schemas.openxmlformats.org/officeDocument/2006/math">
+                      <m:sSub>
+                        <m:sSubPr>
+                          <m:ctrlPr>
+                            <a:rPr lang="fr-FR" b="0" i="1" smtClean="0">
+                              <a:latin typeface="Cambria Math" panose="02040503050406030204" pitchFamily="18" charset="0"/>
+                            </a:rPr>
+                          </m:ctrlPr>
+                        </m:sSubPr>
+                        <m:e>
+                          <m:r>
+                            <a:rPr lang="fr-FR" b="0" i="1" smtClean="0">
+                              <a:latin typeface="Cambria Math" panose="02040503050406030204" pitchFamily="18" charset="0"/>
+                            </a:rPr>
+                            <m:t>𝐶</m:t>
+                          </m:r>
+                        </m:e>
+                        <m:sub>
+                          <m:r>
+                            <a:rPr lang="fr-FR" b="0" i="1" smtClean="0">
+                              <a:latin typeface="Cambria Math" panose="02040503050406030204" pitchFamily="18" charset="0"/>
+                            </a:rPr>
+                            <m:t>𝐻𝐷</m:t>
+                          </m:r>
+                        </m:sub>
+                      </m:sSub>
+                    </m:oMath>
+                  </m:oMathPara>
+                </a14:m>
+                <a:endParaRPr lang="fr-FR" dirty="0"/>
+              </a:p>
+            </p:txBody>
+          </p:sp>
+        </mc:Choice>
+        <mc:Fallback>
+          <p:sp>
+            <p:nvSpPr>
+              <p:cNvPr id="28" name="ZoneTexte 27">
+                <a:extLst>
+                  <a:ext uri="{FF2B5EF4-FFF2-40B4-BE49-F238E27FC236}">
+                    <a16:creationId xmlns:a16="http://schemas.microsoft.com/office/drawing/2014/main" id="{C895872B-6496-509F-6E7A-82678CF5E7CE}"/>
+                  </a:ext>
+                </a:extLst>
+              </p:cNvPr>
+              <p:cNvSpPr txBox="1">
+                <a:spLocks noRot="1" noChangeAspect="1" noMove="1" noResize="1" noEditPoints="1" noAdjustHandles="1" noChangeArrowheads="1" noChangeShapeType="1" noTextEdit="1"/>
+              </p:cNvSpPr>
+              <p:nvPr/>
+            </p:nvSpPr>
+            <p:spPr>
+              <a:xfrm>
+                <a:off x="9322660" y="78184"/>
+                <a:ext cx="437749" cy="276999"/>
+              </a:xfrm>
+              <a:prstGeom prst="rect">
+                <a:avLst/>
+              </a:prstGeom>
+              <a:blipFill>
+                <a:blip r:embed="rId3"/>
+                <a:stretch>
+                  <a:fillRect l="-11111" r="-5556" b="-15556"/>
+                </a:stretch>
+              </a:blipFill>
+            </p:spPr>
+            <p:txBody>
+              <a:bodyPr/>
+              <a:lstStyle/>
+              <a:p>
+                <a:r>
+                  <a:rPr lang="fr-FR">
+                    <a:noFill/>
+                  </a:rPr>
+                  <a:t> </a:t>
+                </a:r>
+              </a:p>
+            </p:txBody>
+          </p:sp>
+        </mc:Fallback>
+      </mc:AlternateContent>
+      <p:cxnSp>
+        <p:nvCxnSpPr>
+          <p:cNvPr id="29" name="Connecteur droit 28">
+            <a:extLst>
+              <a:ext uri="{FF2B5EF4-FFF2-40B4-BE49-F238E27FC236}">
+                <a16:creationId xmlns:a16="http://schemas.microsoft.com/office/drawing/2014/main" id="{2C3E11E3-2E13-0219-9327-6B514FF9CCAA}"/>
+              </a:ext>
+            </a:extLst>
+          </p:cNvPr>
+          <p:cNvCxnSpPr>
+            <a:cxnSpLocks/>
+            <a:stCxn id="82" idx="1"/>
+            <a:endCxn id="10" idx="7"/>
+          </p:cNvCxnSpPr>
+          <p:nvPr/>
+        </p:nvCxnSpPr>
+        <p:spPr>
+          <a:xfrm flipH="1" flipV="1">
+            <a:off x="2820983" y="492450"/>
+            <a:ext cx="2766899" cy="3185159"/>
+          </a:xfrm>
+          <a:prstGeom prst="line">
+            <a:avLst/>
+          </a:prstGeom>
+          <a:ln w="9525">
+            <a:solidFill>
+              <a:srgbClr val="7030A0"/>
+            </a:solidFill>
+          </a:ln>
+        </p:spPr>
+        <p:style>
+          <a:lnRef idx="1">
+            <a:schemeClr val="accent1"/>
+          </a:lnRef>
+          <a:fillRef idx="0">
+            <a:schemeClr val="accent1"/>
+          </a:fillRef>
+          <a:effectRef idx="0">
+            <a:schemeClr val="accent1"/>
+          </a:effectRef>
+          <a:fontRef idx="minor">
+            <a:schemeClr val="tx1"/>
+          </a:fontRef>
+        </p:style>
+      </p:cxnSp>
+      <p:cxnSp>
+        <p:nvCxnSpPr>
+          <p:cNvPr id="30" name="Connecteur droit 29">
+            <a:extLst>
+              <a:ext uri="{FF2B5EF4-FFF2-40B4-BE49-F238E27FC236}">
+                <a16:creationId xmlns:a16="http://schemas.microsoft.com/office/drawing/2014/main" id="{258D6033-90C1-02BE-6437-C6785066E5BA}"/>
+              </a:ext>
+            </a:extLst>
+          </p:cNvPr>
+          <p:cNvCxnSpPr>
+            <a:cxnSpLocks/>
+            <a:stCxn id="83" idx="3"/>
+            <a:endCxn id="12" idx="5"/>
+          </p:cNvCxnSpPr>
+          <p:nvPr/>
+        </p:nvCxnSpPr>
+        <p:spPr>
+          <a:xfrm flipH="1">
+            <a:off x="2820983" y="4090538"/>
+            <a:ext cx="2766899" cy="1562494"/>
+          </a:xfrm>
+          <a:prstGeom prst="line">
+            <a:avLst/>
+          </a:prstGeom>
+          <a:ln w="9525">
+            <a:solidFill>
+              <a:srgbClr val="7030A0"/>
+            </a:solidFill>
+          </a:ln>
+        </p:spPr>
+        <p:style>
+          <a:lnRef idx="1">
+            <a:schemeClr val="accent1"/>
+          </a:lnRef>
+          <a:fillRef idx="0">
+            <a:schemeClr val="accent1"/>
+          </a:fillRef>
+          <a:effectRef idx="0">
+            <a:schemeClr val="accent1"/>
+          </a:effectRef>
+          <a:fontRef idx="minor">
+            <a:schemeClr val="tx1"/>
+          </a:fontRef>
+        </p:style>
+      </p:cxnSp>
+      <p:cxnSp>
+        <p:nvCxnSpPr>
+          <p:cNvPr id="31" name="Connecteur droit 30">
+            <a:extLst>
+              <a:ext uri="{FF2B5EF4-FFF2-40B4-BE49-F238E27FC236}">
+                <a16:creationId xmlns:a16="http://schemas.microsoft.com/office/drawing/2014/main" id="{349D2993-F546-EDC4-A5C9-0AFE45D012E3}"/>
+              </a:ext>
+            </a:extLst>
+          </p:cNvPr>
+          <p:cNvCxnSpPr>
+            <a:cxnSpLocks/>
+            <a:stCxn id="84" idx="5"/>
+            <a:endCxn id="14" idx="3"/>
+          </p:cNvCxnSpPr>
+          <p:nvPr/>
+        </p:nvCxnSpPr>
+        <p:spPr>
+          <a:xfrm>
+            <a:off x="6607337" y="4090538"/>
+            <a:ext cx="2780558" cy="1562494"/>
+          </a:xfrm>
+          <a:prstGeom prst="line">
+            <a:avLst/>
+          </a:prstGeom>
+          <a:ln w="9525">
+            <a:solidFill>
+              <a:srgbClr val="7030A0"/>
+            </a:solidFill>
+          </a:ln>
+        </p:spPr>
+        <p:style>
+          <a:lnRef idx="1">
+            <a:schemeClr val="accent1"/>
+          </a:lnRef>
+          <a:fillRef idx="0">
+            <a:schemeClr val="accent1"/>
+          </a:fillRef>
+          <a:effectRef idx="0">
+            <a:schemeClr val="accent1"/>
+          </a:effectRef>
+          <a:fontRef idx="minor">
+            <a:schemeClr val="tx1"/>
+          </a:fontRef>
+        </p:style>
+      </p:cxnSp>
+      <mc:AlternateContent xmlns:mc="http://schemas.openxmlformats.org/markup-compatibility/2006">
+        <mc:Choice xmlns:a14="http://schemas.microsoft.com/office/drawing/2010/main" Requires="a14">
+          <p:sp>
+            <p:nvSpPr>
+              <p:cNvPr id="32" name="ZoneTexte 31">
+                <a:extLst>
+                  <a:ext uri="{FF2B5EF4-FFF2-40B4-BE49-F238E27FC236}">
+                    <a16:creationId xmlns:a16="http://schemas.microsoft.com/office/drawing/2014/main" id="{CCB19B28-05F4-E404-C453-A93DC88D90C4}"/>
+                  </a:ext>
+                </a:extLst>
+              </p:cNvPr>
+              <p:cNvSpPr txBox="1"/>
+              <p:nvPr/>
+            </p:nvSpPr>
+            <p:spPr>
+              <a:xfrm>
+                <a:off x="6262209" y="3290500"/>
+                <a:ext cx="459293" cy="276999"/>
+              </a:xfrm>
+              <a:prstGeom prst="rect">
+                <a:avLst/>
+              </a:prstGeom>
+              <a:noFill/>
+            </p:spPr>
+            <p:txBody>
+              <a:bodyPr wrap="none" lIns="0" tIns="0" rIns="0" bIns="0" rtlCol="0">
+                <a:spAutoFit/>
+              </a:bodyPr>
+              <a:lstStyle/>
+              <a:p>
+                <a:pPr/>
+                <a14:m>
+                  <m:oMathPara xmlns:m="http://schemas.openxmlformats.org/officeDocument/2006/math">
+                    <m:oMathParaPr>
+                      <m:jc m:val="centerGroup"/>
+                    </m:oMathParaPr>
+                    <m:oMath xmlns:m="http://schemas.openxmlformats.org/officeDocument/2006/math">
+                      <m:sSub>
+                        <m:sSubPr>
+                          <m:ctrlPr>
+                            <a:rPr lang="fr-FR" b="0" i="1" smtClean="0">
+                              <a:latin typeface="Cambria Math" panose="02040503050406030204" pitchFamily="18" charset="0"/>
+                            </a:rPr>
+                          </m:ctrlPr>
+                        </m:sSubPr>
+                        <m:e>
+                          <m:r>
+                            <a:rPr lang="fr-FR" b="0" i="1" smtClean="0">
+                              <a:latin typeface="Cambria Math" panose="02040503050406030204" pitchFamily="18" charset="0"/>
+                            </a:rPr>
+                            <m:t>𝐴</m:t>
+                          </m:r>
+                        </m:e>
+                        <m:sub>
+                          <m:r>
+                            <a:rPr lang="fr-FR" b="0" i="1" smtClean="0">
+                              <a:latin typeface="Cambria Math" panose="02040503050406030204" pitchFamily="18" charset="0"/>
+                            </a:rPr>
+                            <m:t>𝐻𝐷</m:t>
+                          </m:r>
+                        </m:sub>
+                      </m:sSub>
+                    </m:oMath>
+                  </m:oMathPara>
+                </a14:m>
+                <a:endParaRPr lang="fr-FR" dirty="0"/>
+              </a:p>
+            </p:txBody>
+          </p:sp>
+        </mc:Choice>
+        <mc:Fallback>
+          <p:sp>
+            <p:nvSpPr>
+              <p:cNvPr id="32" name="ZoneTexte 31">
+                <a:extLst>
+                  <a:ext uri="{FF2B5EF4-FFF2-40B4-BE49-F238E27FC236}">
+                    <a16:creationId xmlns:a16="http://schemas.microsoft.com/office/drawing/2014/main" id="{CCB19B28-05F4-E404-C453-A93DC88D90C4}"/>
+                  </a:ext>
+                </a:extLst>
+              </p:cNvPr>
+              <p:cNvSpPr txBox="1">
+                <a:spLocks noRot="1" noChangeAspect="1" noMove="1" noResize="1" noEditPoints="1" noAdjustHandles="1" noChangeArrowheads="1" noChangeShapeType="1" noTextEdit="1"/>
+              </p:cNvSpPr>
+              <p:nvPr/>
+            </p:nvSpPr>
+            <p:spPr>
+              <a:xfrm>
+                <a:off x="6262209" y="3290500"/>
+                <a:ext cx="459293" cy="276999"/>
+              </a:xfrm>
+              <a:prstGeom prst="rect">
+                <a:avLst/>
+              </a:prstGeom>
+              <a:blipFill>
+                <a:blip r:embed="rId4"/>
+                <a:stretch>
+                  <a:fillRect l="-10526" r="-3947" b="-15556"/>
+                </a:stretch>
+              </a:blipFill>
+            </p:spPr>
+            <p:txBody>
+              <a:bodyPr/>
+              <a:lstStyle/>
+              <a:p>
+                <a:r>
+                  <a:rPr lang="fr-FR">
+                    <a:noFill/>
+                  </a:rPr>
+                  <a:t> </a:t>
+                </a:r>
+              </a:p>
+            </p:txBody>
+          </p:sp>
+        </mc:Fallback>
+      </mc:AlternateContent>
+      <p:grpSp>
+        <p:nvGrpSpPr>
+          <p:cNvPr id="33" name="Groupe 32">
+            <a:extLst>
+              <a:ext uri="{FF2B5EF4-FFF2-40B4-BE49-F238E27FC236}">
+                <a16:creationId xmlns:a16="http://schemas.microsoft.com/office/drawing/2014/main" id="{2C1E5C8C-C75A-E236-CE2F-A0795413BA7F}"/>
+              </a:ext>
+            </a:extLst>
+          </p:cNvPr>
+          <p:cNvGrpSpPr/>
+          <p:nvPr/>
+        </p:nvGrpSpPr>
+        <p:grpSpPr>
+          <a:xfrm>
+            <a:off x="2606758" y="1083983"/>
+            <a:ext cx="6982485" cy="4104195"/>
+            <a:chOff x="2606758" y="1090333"/>
+            <a:chExt cx="6982485" cy="4104195"/>
+          </a:xfrm>
+        </p:grpSpPr>
+        <p:grpSp>
+          <p:nvGrpSpPr>
+            <p:cNvPr id="34" name="Groupe 33">
+              <a:extLst>
+                <a:ext uri="{FF2B5EF4-FFF2-40B4-BE49-F238E27FC236}">
+                  <a16:creationId xmlns:a16="http://schemas.microsoft.com/office/drawing/2014/main" id="{A47E7EB4-DC2A-DD6B-03D0-B501B782D166}"/>
+                </a:ext>
+              </a:extLst>
+            </p:cNvPr>
+            <p:cNvGrpSpPr/>
+            <p:nvPr/>
+          </p:nvGrpSpPr>
+          <p:grpSpPr>
+            <a:xfrm>
+              <a:off x="2606758" y="4546528"/>
+              <a:ext cx="6982485" cy="648000"/>
+              <a:chOff x="2606758" y="4546528"/>
+              <a:chExt cx="6982485" cy="648000"/>
+            </a:xfrm>
+          </p:grpSpPr>
+          <p:sp>
+            <p:nvSpPr>
+              <p:cNvPr id="65" name="Rectangle : coins arrondis 64">
+                <a:extLst>
+                  <a:ext uri="{FF2B5EF4-FFF2-40B4-BE49-F238E27FC236}">
+                    <a16:creationId xmlns:a16="http://schemas.microsoft.com/office/drawing/2014/main" id="{FC11A98B-0504-356E-33C9-7466A48123C3}"/>
+                  </a:ext>
+                </a:extLst>
+              </p:cNvPr>
+              <p:cNvSpPr/>
+              <p:nvPr/>
+            </p:nvSpPr>
+            <p:spPr>
+              <a:xfrm>
+                <a:off x="5486000" y="4546528"/>
+                <a:ext cx="1224000" cy="648000"/>
+              </a:xfrm>
+              <a:prstGeom prst="roundRect">
+                <a:avLst>
+                  <a:gd name="adj" fmla="val 11155"/>
+                </a:avLst>
+              </a:prstGeom>
+              <a:noFill/>
+              <a:ln w="9525">
+                <a:solidFill>
+                  <a:schemeClr val="bg1">
+                    <a:lumMod val="85000"/>
+                  </a:schemeClr>
+                </a:solidFill>
+                <a:prstDash val="sysDash"/>
+              </a:ln>
+            </p:spPr>
+            <p:style>
+              <a:lnRef idx="2">
+                <a:schemeClr val="accent1">
+                  <a:shade val="50000"/>
+                </a:schemeClr>
+              </a:lnRef>
+              <a:fillRef idx="1">
+                <a:schemeClr val="accent1"/>
+              </a:fillRef>
+              <a:effectRef idx="0">
+                <a:schemeClr val="accent1"/>
+              </a:effectRef>
+              <a:fontRef idx="minor">
+                <a:schemeClr val="lt1"/>
+              </a:fontRef>
+            </p:style>
+            <p:txBody>
+              <a:bodyPr rtlCol="0" anchor="ctr"/>
+              <a:lstStyle/>
+              <a:p>
+                <a:pPr algn="ctr"/>
+                <a:endParaRPr lang="fr-FR" dirty="0"/>
+              </a:p>
+            </p:txBody>
+          </p:sp>
+          <p:sp>
+            <p:nvSpPr>
+              <p:cNvPr id="66" name="Rectangle : coins arrondis 65">
+                <a:extLst>
+                  <a:ext uri="{FF2B5EF4-FFF2-40B4-BE49-F238E27FC236}">
+                    <a16:creationId xmlns:a16="http://schemas.microsoft.com/office/drawing/2014/main" id="{AE9C5ACC-3794-0BCA-0F31-76F0E86653A4}"/>
+                  </a:ext>
+                </a:extLst>
+              </p:cNvPr>
+              <p:cNvSpPr/>
+              <p:nvPr/>
+            </p:nvSpPr>
+            <p:spPr>
+              <a:xfrm>
+                <a:off x="4046379" y="4546528"/>
+                <a:ext cx="1224000" cy="648000"/>
+              </a:xfrm>
+              <a:prstGeom prst="roundRect">
+                <a:avLst>
+                  <a:gd name="adj" fmla="val 11155"/>
+                </a:avLst>
+              </a:prstGeom>
+              <a:noFill/>
+              <a:ln w="9525">
+                <a:solidFill>
+                  <a:schemeClr val="bg1">
+                    <a:lumMod val="85000"/>
+                  </a:schemeClr>
+                </a:solidFill>
+                <a:prstDash val="sysDash"/>
+              </a:ln>
+            </p:spPr>
+            <p:style>
+              <a:lnRef idx="2">
+                <a:schemeClr val="accent1">
+                  <a:shade val="50000"/>
+                </a:schemeClr>
+              </a:lnRef>
+              <a:fillRef idx="1">
+                <a:schemeClr val="accent1"/>
+              </a:fillRef>
+              <a:effectRef idx="0">
+                <a:schemeClr val="accent1"/>
+              </a:effectRef>
+              <a:fontRef idx="minor">
+                <a:schemeClr val="lt1"/>
+              </a:fontRef>
+            </p:style>
+            <p:txBody>
+              <a:bodyPr rtlCol="0" anchor="ctr"/>
+              <a:lstStyle/>
+              <a:p>
+                <a:pPr algn="ctr"/>
+                <a:endParaRPr lang="fr-FR" dirty="0"/>
+              </a:p>
+            </p:txBody>
+          </p:sp>
+          <p:sp>
+            <p:nvSpPr>
+              <p:cNvPr id="67" name="Rectangle : coins arrondis 66">
+                <a:extLst>
+                  <a:ext uri="{FF2B5EF4-FFF2-40B4-BE49-F238E27FC236}">
+                    <a16:creationId xmlns:a16="http://schemas.microsoft.com/office/drawing/2014/main" id="{9E62E335-1504-29CF-0660-2FC21CAE7E88}"/>
+                  </a:ext>
+                </a:extLst>
+              </p:cNvPr>
+              <p:cNvSpPr/>
+              <p:nvPr/>
+            </p:nvSpPr>
+            <p:spPr>
+              <a:xfrm>
+                <a:off x="2606758" y="4546528"/>
+                <a:ext cx="1224000" cy="648000"/>
+              </a:xfrm>
+              <a:prstGeom prst="roundRect">
+                <a:avLst>
+                  <a:gd name="adj" fmla="val 11155"/>
+                </a:avLst>
+              </a:prstGeom>
+              <a:noFill/>
+              <a:ln w="9525">
+                <a:solidFill>
+                  <a:schemeClr val="bg1">
+                    <a:lumMod val="85000"/>
+                  </a:schemeClr>
+                </a:solidFill>
+                <a:prstDash val="sysDash"/>
+              </a:ln>
+            </p:spPr>
+            <p:style>
+              <a:lnRef idx="2">
+                <a:schemeClr val="accent1">
+                  <a:shade val="50000"/>
+                </a:schemeClr>
+              </a:lnRef>
+              <a:fillRef idx="1">
+                <a:schemeClr val="accent1"/>
+              </a:fillRef>
+              <a:effectRef idx="0">
+                <a:schemeClr val="accent1"/>
+              </a:effectRef>
+              <a:fontRef idx="minor">
+                <a:schemeClr val="lt1"/>
+              </a:fontRef>
+            </p:style>
+            <p:txBody>
+              <a:bodyPr rtlCol="0" anchor="ctr"/>
+              <a:lstStyle/>
+              <a:p>
+                <a:pPr algn="ctr"/>
+                <a:endParaRPr lang="fr-FR" dirty="0"/>
+              </a:p>
+            </p:txBody>
+          </p:sp>
+          <p:sp>
+            <p:nvSpPr>
+              <p:cNvPr id="68" name="Rectangle : coins arrondis 67">
+                <a:extLst>
+                  <a:ext uri="{FF2B5EF4-FFF2-40B4-BE49-F238E27FC236}">
+                    <a16:creationId xmlns:a16="http://schemas.microsoft.com/office/drawing/2014/main" id="{FEFEB398-9FAF-A18D-DCCC-0F60704E9878}"/>
+                  </a:ext>
+                </a:extLst>
+              </p:cNvPr>
+              <p:cNvSpPr/>
+              <p:nvPr/>
+            </p:nvSpPr>
+            <p:spPr>
+              <a:xfrm>
+                <a:off x="6925621" y="4546528"/>
+                <a:ext cx="1224000" cy="648000"/>
+              </a:xfrm>
+              <a:prstGeom prst="roundRect">
+                <a:avLst>
+                  <a:gd name="adj" fmla="val 11155"/>
+                </a:avLst>
+              </a:prstGeom>
+              <a:noFill/>
+              <a:ln w="9525">
+                <a:solidFill>
+                  <a:schemeClr val="bg1">
+                    <a:lumMod val="85000"/>
+                  </a:schemeClr>
+                </a:solidFill>
+                <a:prstDash val="sysDash"/>
+              </a:ln>
+            </p:spPr>
+            <p:style>
+              <a:lnRef idx="2">
+                <a:schemeClr val="accent1">
+                  <a:shade val="50000"/>
+                </a:schemeClr>
+              </a:lnRef>
+              <a:fillRef idx="1">
+                <a:schemeClr val="accent1"/>
+              </a:fillRef>
+              <a:effectRef idx="0">
+                <a:schemeClr val="accent1"/>
+              </a:effectRef>
+              <a:fontRef idx="minor">
+                <a:schemeClr val="lt1"/>
+              </a:fontRef>
+            </p:style>
+            <p:txBody>
+              <a:bodyPr rtlCol="0" anchor="ctr"/>
+              <a:lstStyle/>
+              <a:p>
+                <a:pPr algn="ctr"/>
+                <a:endParaRPr lang="fr-FR" dirty="0"/>
+              </a:p>
+            </p:txBody>
+          </p:sp>
+          <p:sp>
+            <p:nvSpPr>
+              <p:cNvPr id="69" name="Rectangle : coins arrondis 68">
+                <a:extLst>
+                  <a:ext uri="{FF2B5EF4-FFF2-40B4-BE49-F238E27FC236}">
+                    <a16:creationId xmlns:a16="http://schemas.microsoft.com/office/drawing/2014/main" id="{3B3AF331-7BB9-8B54-3EF0-3A6997906274}"/>
+                  </a:ext>
+                </a:extLst>
+              </p:cNvPr>
+              <p:cNvSpPr/>
+              <p:nvPr/>
+            </p:nvSpPr>
+            <p:spPr>
+              <a:xfrm>
+                <a:off x="8365243" y="4546528"/>
+                <a:ext cx="1224000" cy="648000"/>
+              </a:xfrm>
+              <a:prstGeom prst="roundRect">
+                <a:avLst>
+                  <a:gd name="adj" fmla="val 11155"/>
+                </a:avLst>
+              </a:prstGeom>
+              <a:noFill/>
+              <a:ln w="9525">
+                <a:solidFill>
+                  <a:schemeClr val="bg1">
+                    <a:lumMod val="85000"/>
+                  </a:schemeClr>
+                </a:solidFill>
+                <a:prstDash val="sysDash"/>
+              </a:ln>
+            </p:spPr>
+            <p:style>
+              <a:lnRef idx="2">
+                <a:schemeClr val="accent1">
+                  <a:shade val="50000"/>
+                </a:schemeClr>
+              </a:lnRef>
+              <a:fillRef idx="1">
+                <a:schemeClr val="accent1"/>
+              </a:fillRef>
+              <a:effectRef idx="0">
+                <a:schemeClr val="accent1"/>
+              </a:effectRef>
+              <a:fontRef idx="minor">
+                <a:schemeClr val="lt1"/>
+              </a:fontRef>
+            </p:style>
+            <p:txBody>
+              <a:bodyPr rtlCol="0" anchor="ctr"/>
+              <a:lstStyle/>
+              <a:p>
+                <a:pPr algn="ctr"/>
+                <a:endParaRPr lang="fr-FR" dirty="0"/>
+              </a:p>
+            </p:txBody>
+          </p:sp>
+        </p:grpSp>
+        <p:grpSp>
+          <p:nvGrpSpPr>
+            <p:cNvPr id="35" name="Groupe 34">
+              <a:extLst>
+                <a:ext uri="{FF2B5EF4-FFF2-40B4-BE49-F238E27FC236}">
+                  <a16:creationId xmlns:a16="http://schemas.microsoft.com/office/drawing/2014/main" id="{E3230227-0BC7-F742-EA93-E45EA7F1A06C}"/>
+                </a:ext>
+              </a:extLst>
+            </p:cNvPr>
+            <p:cNvGrpSpPr/>
+            <p:nvPr/>
+          </p:nvGrpSpPr>
+          <p:grpSpPr>
+            <a:xfrm>
+              <a:off x="2606758" y="3855289"/>
+              <a:ext cx="6982485" cy="648000"/>
+              <a:chOff x="2606758" y="4546528"/>
+              <a:chExt cx="6982485" cy="648000"/>
+            </a:xfrm>
+          </p:grpSpPr>
+          <p:sp>
+            <p:nvSpPr>
+              <p:cNvPr id="60" name="Rectangle : coins arrondis 59">
+                <a:extLst>
+                  <a:ext uri="{FF2B5EF4-FFF2-40B4-BE49-F238E27FC236}">
+                    <a16:creationId xmlns:a16="http://schemas.microsoft.com/office/drawing/2014/main" id="{85456565-06B9-16F9-EA3F-1D2F072A436B}"/>
+                  </a:ext>
+                </a:extLst>
+              </p:cNvPr>
+              <p:cNvSpPr/>
+              <p:nvPr/>
+            </p:nvSpPr>
+            <p:spPr>
+              <a:xfrm>
+                <a:off x="5486000" y="4546528"/>
+                <a:ext cx="1224000" cy="648000"/>
+              </a:xfrm>
+              <a:prstGeom prst="roundRect">
+                <a:avLst>
+                  <a:gd name="adj" fmla="val 11155"/>
+                </a:avLst>
+              </a:prstGeom>
+              <a:noFill/>
+              <a:ln w="9525">
+                <a:solidFill>
+                  <a:schemeClr val="bg1">
+                    <a:lumMod val="85000"/>
+                  </a:schemeClr>
+                </a:solidFill>
+                <a:prstDash val="sysDash"/>
+              </a:ln>
+            </p:spPr>
+            <p:style>
+              <a:lnRef idx="2">
+                <a:schemeClr val="accent1">
+                  <a:shade val="50000"/>
+                </a:schemeClr>
+              </a:lnRef>
+              <a:fillRef idx="1">
+                <a:schemeClr val="accent1"/>
+              </a:fillRef>
+              <a:effectRef idx="0">
+                <a:schemeClr val="accent1"/>
+              </a:effectRef>
+              <a:fontRef idx="minor">
+                <a:schemeClr val="lt1"/>
+              </a:fontRef>
+            </p:style>
+            <p:txBody>
+              <a:bodyPr rtlCol="0" anchor="ctr"/>
+              <a:lstStyle/>
+              <a:p>
+                <a:pPr algn="ctr"/>
+                <a:endParaRPr lang="fr-FR" dirty="0"/>
+              </a:p>
+            </p:txBody>
+          </p:sp>
+          <p:sp>
+            <p:nvSpPr>
+              <p:cNvPr id="61" name="Rectangle : coins arrondis 60">
+                <a:extLst>
+                  <a:ext uri="{FF2B5EF4-FFF2-40B4-BE49-F238E27FC236}">
+                    <a16:creationId xmlns:a16="http://schemas.microsoft.com/office/drawing/2014/main" id="{D8393D86-C641-67FF-219A-7F170EEB5B43}"/>
+                  </a:ext>
+                </a:extLst>
+              </p:cNvPr>
+              <p:cNvSpPr/>
+              <p:nvPr/>
+            </p:nvSpPr>
+            <p:spPr>
+              <a:xfrm>
+                <a:off x="4046379" y="4546528"/>
+                <a:ext cx="1224000" cy="648000"/>
+              </a:xfrm>
+              <a:prstGeom prst="roundRect">
+                <a:avLst>
+                  <a:gd name="adj" fmla="val 11155"/>
+                </a:avLst>
+              </a:prstGeom>
+              <a:noFill/>
+              <a:ln w="9525">
+                <a:solidFill>
+                  <a:schemeClr val="bg1">
+                    <a:lumMod val="85000"/>
+                  </a:schemeClr>
+                </a:solidFill>
+                <a:prstDash val="sysDash"/>
+              </a:ln>
+            </p:spPr>
+            <p:style>
+              <a:lnRef idx="2">
+                <a:schemeClr val="accent1">
+                  <a:shade val="50000"/>
+                </a:schemeClr>
+              </a:lnRef>
+              <a:fillRef idx="1">
+                <a:schemeClr val="accent1"/>
+              </a:fillRef>
+              <a:effectRef idx="0">
+                <a:schemeClr val="accent1"/>
+              </a:effectRef>
+              <a:fontRef idx="minor">
+                <a:schemeClr val="lt1"/>
+              </a:fontRef>
+            </p:style>
+            <p:txBody>
+              <a:bodyPr rtlCol="0" anchor="ctr"/>
+              <a:lstStyle/>
+              <a:p>
+                <a:pPr algn="ctr"/>
+                <a:endParaRPr lang="fr-FR" dirty="0"/>
+              </a:p>
+            </p:txBody>
+          </p:sp>
+          <p:sp>
+            <p:nvSpPr>
+              <p:cNvPr id="62" name="Rectangle : coins arrondis 61">
+                <a:extLst>
+                  <a:ext uri="{FF2B5EF4-FFF2-40B4-BE49-F238E27FC236}">
+                    <a16:creationId xmlns:a16="http://schemas.microsoft.com/office/drawing/2014/main" id="{FF8ACEDD-EDDF-F5D3-7E9D-A900914FC80F}"/>
+                  </a:ext>
+                </a:extLst>
+              </p:cNvPr>
+              <p:cNvSpPr/>
+              <p:nvPr/>
+            </p:nvSpPr>
+            <p:spPr>
+              <a:xfrm>
+                <a:off x="2606758" y="4546528"/>
+                <a:ext cx="1224000" cy="648000"/>
+              </a:xfrm>
+              <a:prstGeom prst="roundRect">
+                <a:avLst>
+                  <a:gd name="adj" fmla="val 11155"/>
+                </a:avLst>
+              </a:prstGeom>
+              <a:noFill/>
+              <a:ln w="9525">
+                <a:solidFill>
+                  <a:schemeClr val="bg1">
+                    <a:lumMod val="85000"/>
+                  </a:schemeClr>
+                </a:solidFill>
+                <a:prstDash val="sysDash"/>
+              </a:ln>
+            </p:spPr>
+            <p:style>
+              <a:lnRef idx="2">
+                <a:schemeClr val="accent1">
+                  <a:shade val="50000"/>
+                </a:schemeClr>
+              </a:lnRef>
+              <a:fillRef idx="1">
+                <a:schemeClr val="accent1"/>
+              </a:fillRef>
+              <a:effectRef idx="0">
+                <a:schemeClr val="accent1"/>
+              </a:effectRef>
+              <a:fontRef idx="minor">
+                <a:schemeClr val="lt1"/>
+              </a:fontRef>
+            </p:style>
+            <p:txBody>
+              <a:bodyPr rtlCol="0" anchor="ctr"/>
+              <a:lstStyle/>
+              <a:p>
+                <a:pPr algn="ctr"/>
+                <a:endParaRPr lang="fr-FR" dirty="0"/>
+              </a:p>
+            </p:txBody>
+          </p:sp>
+          <p:sp>
+            <p:nvSpPr>
+              <p:cNvPr id="63" name="Rectangle : coins arrondis 62">
+                <a:extLst>
+                  <a:ext uri="{FF2B5EF4-FFF2-40B4-BE49-F238E27FC236}">
+                    <a16:creationId xmlns:a16="http://schemas.microsoft.com/office/drawing/2014/main" id="{47FD6074-060B-53D7-566D-9441AD4F148E}"/>
+                  </a:ext>
+                </a:extLst>
+              </p:cNvPr>
+              <p:cNvSpPr/>
+              <p:nvPr/>
+            </p:nvSpPr>
+            <p:spPr>
+              <a:xfrm>
+                <a:off x="6925621" y="4546528"/>
+                <a:ext cx="1224000" cy="648000"/>
+              </a:xfrm>
+              <a:prstGeom prst="roundRect">
+                <a:avLst>
+                  <a:gd name="adj" fmla="val 11155"/>
+                </a:avLst>
+              </a:prstGeom>
+              <a:noFill/>
+              <a:ln w="9525">
+                <a:solidFill>
+                  <a:schemeClr val="bg1">
+                    <a:lumMod val="85000"/>
+                  </a:schemeClr>
+                </a:solidFill>
+                <a:prstDash val="sysDash"/>
+              </a:ln>
+            </p:spPr>
+            <p:style>
+              <a:lnRef idx="2">
+                <a:schemeClr val="accent1">
+                  <a:shade val="50000"/>
+                </a:schemeClr>
+              </a:lnRef>
+              <a:fillRef idx="1">
+                <a:schemeClr val="accent1"/>
+              </a:fillRef>
+              <a:effectRef idx="0">
+                <a:schemeClr val="accent1"/>
+              </a:effectRef>
+              <a:fontRef idx="minor">
+                <a:schemeClr val="lt1"/>
+              </a:fontRef>
+            </p:style>
+            <p:txBody>
+              <a:bodyPr rtlCol="0" anchor="ctr"/>
+              <a:lstStyle/>
+              <a:p>
+                <a:pPr algn="ctr"/>
+                <a:endParaRPr lang="fr-FR" dirty="0"/>
+              </a:p>
+            </p:txBody>
+          </p:sp>
+          <p:sp>
+            <p:nvSpPr>
+              <p:cNvPr id="64" name="Rectangle : coins arrondis 63">
+                <a:extLst>
+                  <a:ext uri="{FF2B5EF4-FFF2-40B4-BE49-F238E27FC236}">
+                    <a16:creationId xmlns:a16="http://schemas.microsoft.com/office/drawing/2014/main" id="{B713C1F8-C86A-90B0-1B36-BD7C291350CD}"/>
+                  </a:ext>
+                </a:extLst>
+              </p:cNvPr>
+              <p:cNvSpPr/>
+              <p:nvPr/>
+            </p:nvSpPr>
+            <p:spPr>
+              <a:xfrm>
+                <a:off x="8365243" y="4546528"/>
+                <a:ext cx="1224000" cy="648000"/>
+              </a:xfrm>
+              <a:prstGeom prst="roundRect">
+                <a:avLst>
+                  <a:gd name="adj" fmla="val 11155"/>
+                </a:avLst>
+              </a:prstGeom>
+              <a:noFill/>
+              <a:ln w="9525">
+                <a:solidFill>
+                  <a:schemeClr val="bg1">
+                    <a:lumMod val="85000"/>
+                  </a:schemeClr>
+                </a:solidFill>
+                <a:prstDash val="sysDash"/>
+              </a:ln>
+            </p:spPr>
+            <p:style>
+              <a:lnRef idx="2">
+                <a:schemeClr val="accent1">
+                  <a:shade val="50000"/>
+                </a:schemeClr>
+              </a:lnRef>
+              <a:fillRef idx="1">
+                <a:schemeClr val="accent1"/>
+              </a:fillRef>
+              <a:effectRef idx="0">
+                <a:schemeClr val="accent1"/>
+              </a:effectRef>
+              <a:fontRef idx="minor">
+                <a:schemeClr val="lt1"/>
+              </a:fontRef>
+            </p:style>
+            <p:txBody>
+              <a:bodyPr rtlCol="0" anchor="ctr"/>
+              <a:lstStyle/>
+              <a:p>
+                <a:pPr algn="ctr"/>
+                <a:endParaRPr lang="fr-FR" dirty="0"/>
+              </a:p>
+            </p:txBody>
+          </p:sp>
+        </p:grpSp>
+        <p:grpSp>
+          <p:nvGrpSpPr>
+            <p:cNvPr id="36" name="Groupe 35">
+              <a:extLst>
+                <a:ext uri="{FF2B5EF4-FFF2-40B4-BE49-F238E27FC236}">
+                  <a16:creationId xmlns:a16="http://schemas.microsoft.com/office/drawing/2014/main" id="{EA9D23D7-7280-7D6A-BA98-FFD161714697}"/>
+                </a:ext>
+              </a:extLst>
+            </p:cNvPr>
+            <p:cNvGrpSpPr/>
+            <p:nvPr/>
+          </p:nvGrpSpPr>
+          <p:grpSpPr>
+            <a:xfrm>
+              <a:off x="2606758" y="3164050"/>
+              <a:ext cx="6982485" cy="648000"/>
+              <a:chOff x="2606758" y="4546528"/>
+              <a:chExt cx="6982485" cy="648000"/>
+            </a:xfrm>
+          </p:grpSpPr>
+          <p:sp>
+            <p:nvSpPr>
+              <p:cNvPr id="55" name="Rectangle : coins arrondis 54">
+                <a:extLst>
+                  <a:ext uri="{FF2B5EF4-FFF2-40B4-BE49-F238E27FC236}">
+                    <a16:creationId xmlns:a16="http://schemas.microsoft.com/office/drawing/2014/main" id="{F68842BC-B4E5-8063-A872-EFB0A627E94D}"/>
+                  </a:ext>
+                </a:extLst>
+              </p:cNvPr>
+              <p:cNvSpPr/>
+              <p:nvPr/>
+            </p:nvSpPr>
+            <p:spPr>
+              <a:xfrm>
+                <a:off x="5486000" y="4546528"/>
+                <a:ext cx="1224000" cy="648000"/>
+              </a:xfrm>
+              <a:prstGeom prst="roundRect">
+                <a:avLst>
+                  <a:gd name="adj" fmla="val 11155"/>
+                </a:avLst>
+              </a:prstGeom>
+              <a:noFill/>
+              <a:ln w="9525">
+                <a:solidFill>
+                  <a:schemeClr val="bg1">
+                    <a:lumMod val="85000"/>
+                  </a:schemeClr>
+                </a:solidFill>
+                <a:prstDash val="sysDash"/>
+              </a:ln>
+            </p:spPr>
+            <p:style>
+              <a:lnRef idx="2">
+                <a:schemeClr val="accent1">
+                  <a:shade val="50000"/>
+                </a:schemeClr>
+              </a:lnRef>
+              <a:fillRef idx="1">
+                <a:schemeClr val="accent1"/>
+              </a:fillRef>
+              <a:effectRef idx="0">
+                <a:schemeClr val="accent1"/>
+              </a:effectRef>
+              <a:fontRef idx="minor">
+                <a:schemeClr val="lt1"/>
+              </a:fontRef>
+            </p:style>
+            <p:txBody>
+              <a:bodyPr rtlCol="0" anchor="ctr"/>
+              <a:lstStyle/>
+              <a:p>
+                <a:pPr algn="ctr"/>
+                <a:endParaRPr lang="fr-FR" dirty="0"/>
+              </a:p>
+            </p:txBody>
+          </p:sp>
+          <p:sp>
+            <p:nvSpPr>
+              <p:cNvPr id="56" name="Rectangle : coins arrondis 55">
+                <a:extLst>
+                  <a:ext uri="{FF2B5EF4-FFF2-40B4-BE49-F238E27FC236}">
+                    <a16:creationId xmlns:a16="http://schemas.microsoft.com/office/drawing/2014/main" id="{255AF853-2D4D-F62F-EBB6-58341C5BC1A5}"/>
+                  </a:ext>
+                </a:extLst>
+              </p:cNvPr>
+              <p:cNvSpPr/>
+              <p:nvPr/>
+            </p:nvSpPr>
+            <p:spPr>
+              <a:xfrm>
+                <a:off x="4046379" y="4546528"/>
+                <a:ext cx="1224000" cy="648000"/>
+              </a:xfrm>
+              <a:prstGeom prst="roundRect">
+                <a:avLst>
+                  <a:gd name="adj" fmla="val 11155"/>
+                </a:avLst>
+              </a:prstGeom>
+              <a:noFill/>
+              <a:ln w="9525">
+                <a:solidFill>
+                  <a:schemeClr val="bg1">
+                    <a:lumMod val="85000"/>
+                  </a:schemeClr>
+                </a:solidFill>
+                <a:prstDash val="sysDash"/>
+              </a:ln>
+            </p:spPr>
+            <p:style>
+              <a:lnRef idx="2">
+                <a:schemeClr val="accent1">
+                  <a:shade val="50000"/>
+                </a:schemeClr>
+              </a:lnRef>
+              <a:fillRef idx="1">
+                <a:schemeClr val="accent1"/>
+              </a:fillRef>
+              <a:effectRef idx="0">
+                <a:schemeClr val="accent1"/>
+              </a:effectRef>
+              <a:fontRef idx="minor">
+                <a:schemeClr val="lt1"/>
+              </a:fontRef>
+            </p:style>
+            <p:txBody>
+              <a:bodyPr rtlCol="0" anchor="ctr"/>
+              <a:lstStyle/>
+              <a:p>
+                <a:pPr algn="ctr"/>
+                <a:endParaRPr lang="fr-FR" dirty="0"/>
+              </a:p>
+            </p:txBody>
+          </p:sp>
+          <p:sp>
+            <p:nvSpPr>
+              <p:cNvPr id="57" name="Rectangle : coins arrondis 56">
+                <a:extLst>
+                  <a:ext uri="{FF2B5EF4-FFF2-40B4-BE49-F238E27FC236}">
+                    <a16:creationId xmlns:a16="http://schemas.microsoft.com/office/drawing/2014/main" id="{BBD1EF0B-1CC1-BD86-D0BB-DBC3A25E10C7}"/>
+                  </a:ext>
+                </a:extLst>
+              </p:cNvPr>
+              <p:cNvSpPr/>
+              <p:nvPr/>
+            </p:nvSpPr>
+            <p:spPr>
+              <a:xfrm>
+                <a:off x="2606758" y="4546528"/>
+                <a:ext cx="1224000" cy="648000"/>
+              </a:xfrm>
+              <a:prstGeom prst="roundRect">
+                <a:avLst>
+                  <a:gd name="adj" fmla="val 11155"/>
+                </a:avLst>
+              </a:prstGeom>
+              <a:noFill/>
+              <a:ln w="9525">
+                <a:solidFill>
+                  <a:schemeClr val="bg1">
+                    <a:lumMod val="85000"/>
+                  </a:schemeClr>
+                </a:solidFill>
+                <a:prstDash val="sysDash"/>
+              </a:ln>
+            </p:spPr>
+            <p:style>
+              <a:lnRef idx="2">
+                <a:schemeClr val="accent1">
+                  <a:shade val="50000"/>
+                </a:schemeClr>
+              </a:lnRef>
+              <a:fillRef idx="1">
+                <a:schemeClr val="accent1"/>
+              </a:fillRef>
+              <a:effectRef idx="0">
+                <a:schemeClr val="accent1"/>
+              </a:effectRef>
+              <a:fontRef idx="minor">
+                <a:schemeClr val="lt1"/>
+              </a:fontRef>
+            </p:style>
+            <p:txBody>
+              <a:bodyPr rtlCol="0" anchor="ctr"/>
+              <a:lstStyle/>
+              <a:p>
+                <a:pPr algn="ctr"/>
+                <a:endParaRPr lang="fr-FR" dirty="0"/>
+              </a:p>
+            </p:txBody>
+          </p:sp>
+          <p:sp>
+            <p:nvSpPr>
+              <p:cNvPr id="58" name="Rectangle : coins arrondis 57">
+                <a:extLst>
+                  <a:ext uri="{FF2B5EF4-FFF2-40B4-BE49-F238E27FC236}">
+                    <a16:creationId xmlns:a16="http://schemas.microsoft.com/office/drawing/2014/main" id="{5AFB4263-C3B5-1726-9A3A-EBE90AD3A1D4}"/>
+                  </a:ext>
+                </a:extLst>
+              </p:cNvPr>
+              <p:cNvSpPr/>
+              <p:nvPr/>
+            </p:nvSpPr>
+            <p:spPr>
+              <a:xfrm>
+                <a:off x="6925621" y="4546528"/>
+                <a:ext cx="1224000" cy="648000"/>
+              </a:xfrm>
+              <a:prstGeom prst="roundRect">
+                <a:avLst>
+                  <a:gd name="adj" fmla="val 11155"/>
+                </a:avLst>
+              </a:prstGeom>
+              <a:noFill/>
+              <a:ln w="9525">
+                <a:solidFill>
+                  <a:schemeClr val="bg1">
+                    <a:lumMod val="85000"/>
+                  </a:schemeClr>
+                </a:solidFill>
+                <a:prstDash val="sysDash"/>
+              </a:ln>
+            </p:spPr>
+            <p:style>
+              <a:lnRef idx="2">
+                <a:schemeClr val="accent1">
+                  <a:shade val="50000"/>
+                </a:schemeClr>
+              </a:lnRef>
+              <a:fillRef idx="1">
+                <a:schemeClr val="accent1"/>
+              </a:fillRef>
+              <a:effectRef idx="0">
+                <a:schemeClr val="accent1"/>
+              </a:effectRef>
+              <a:fontRef idx="minor">
+                <a:schemeClr val="lt1"/>
+              </a:fontRef>
+            </p:style>
+            <p:txBody>
+              <a:bodyPr rtlCol="0" anchor="ctr"/>
+              <a:lstStyle/>
+              <a:p>
+                <a:pPr algn="ctr"/>
+                <a:endParaRPr lang="fr-FR" dirty="0"/>
+              </a:p>
+            </p:txBody>
+          </p:sp>
+          <p:sp>
+            <p:nvSpPr>
+              <p:cNvPr id="59" name="Rectangle : coins arrondis 58">
+                <a:extLst>
+                  <a:ext uri="{FF2B5EF4-FFF2-40B4-BE49-F238E27FC236}">
+                    <a16:creationId xmlns:a16="http://schemas.microsoft.com/office/drawing/2014/main" id="{358B6B56-FD33-752A-5A31-DFE014DEF95F}"/>
+                  </a:ext>
+                </a:extLst>
+              </p:cNvPr>
+              <p:cNvSpPr/>
+              <p:nvPr/>
+            </p:nvSpPr>
+            <p:spPr>
+              <a:xfrm>
+                <a:off x="8365243" y="4546528"/>
+                <a:ext cx="1224000" cy="648000"/>
+              </a:xfrm>
+              <a:prstGeom prst="roundRect">
+                <a:avLst>
+                  <a:gd name="adj" fmla="val 11155"/>
+                </a:avLst>
+              </a:prstGeom>
+              <a:noFill/>
+              <a:ln w="9525">
+                <a:solidFill>
+                  <a:schemeClr val="bg1">
+                    <a:lumMod val="85000"/>
+                  </a:schemeClr>
+                </a:solidFill>
+                <a:prstDash val="sysDash"/>
+              </a:ln>
+            </p:spPr>
+            <p:style>
+              <a:lnRef idx="2">
+                <a:schemeClr val="accent1">
+                  <a:shade val="50000"/>
+                </a:schemeClr>
+              </a:lnRef>
+              <a:fillRef idx="1">
+                <a:schemeClr val="accent1"/>
+              </a:fillRef>
+              <a:effectRef idx="0">
+                <a:schemeClr val="accent1"/>
+              </a:effectRef>
+              <a:fontRef idx="minor">
+                <a:schemeClr val="lt1"/>
+              </a:fontRef>
+            </p:style>
+            <p:txBody>
+              <a:bodyPr rtlCol="0" anchor="ctr"/>
+              <a:lstStyle/>
+              <a:p>
+                <a:pPr algn="ctr"/>
+                <a:endParaRPr lang="fr-FR" dirty="0"/>
+              </a:p>
+            </p:txBody>
+          </p:sp>
+        </p:grpSp>
+        <p:grpSp>
+          <p:nvGrpSpPr>
+            <p:cNvPr id="37" name="Groupe 36">
+              <a:extLst>
+                <a:ext uri="{FF2B5EF4-FFF2-40B4-BE49-F238E27FC236}">
+                  <a16:creationId xmlns:a16="http://schemas.microsoft.com/office/drawing/2014/main" id="{8CB7761D-F7CD-A5E9-FDEB-9FBC85B01895}"/>
+                </a:ext>
+              </a:extLst>
+            </p:cNvPr>
+            <p:cNvGrpSpPr/>
+            <p:nvPr/>
+          </p:nvGrpSpPr>
+          <p:grpSpPr>
+            <a:xfrm>
+              <a:off x="2606758" y="2472811"/>
+              <a:ext cx="6982485" cy="648000"/>
+              <a:chOff x="2606758" y="4546528"/>
+              <a:chExt cx="6982485" cy="648000"/>
+            </a:xfrm>
+          </p:grpSpPr>
+          <p:sp>
+            <p:nvSpPr>
+              <p:cNvPr id="50" name="Rectangle : coins arrondis 49">
+                <a:extLst>
+                  <a:ext uri="{FF2B5EF4-FFF2-40B4-BE49-F238E27FC236}">
+                    <a16:creationId xmlns:a16="http://schemas.microsoft.com/office/drawing/2014/main" id="{02CEC0A5-1B00-22FF-9C5A-33C439AF3024}"/>
+                  </a:ext>
+                </a:extLst>
+              </p:cNvPr>
+              <p:cNvSpPr/>
+              <p:nvPr/>
+            </p:nvSpPr>
+            <p:spPr>
+              <a:xfrm>
+                <a:off x="5486000" y="4546528"/>
+                <a:ext cx="1224000" cy="648000"/>
+              </a:xfrm>
+              <a:prstGeom prst="roundRect">
+                <a:avLst>
+                  <a:gd name="adj" fmla="val 11155"/>
+                </a:avLst>
+              </a:prstGeom>
+              <a:noFill/>
+              <a:ln w="9525">
+                <a:solidFill>
+                  <a:schemeClr val="bg1">
+                    <a:lumMod val="85000"/>
+                  </a:schemeClr>
+                </a:solidFill>
+                <a:prstDash val="sysDash"/>
+              </a:ln>
+            </p:spPr>
+            <p:style>
+              <a:lnRef idx="2">
+                <a:schemeClr val="accent1">
+                  <a:shade val="50000"/>
+                </a:schemeClr>
+              </a:lnRef>
+              <a:fillRef idx="1">
+                <a:schemeClr val="accent1"/>
+              </a:fillRef>
+              <a:effectRef idx="0">
+                <a:schemeClr val="accent1"/>
+              </a:effectRef>
+              <a:fontRef idx="minor">
+                <a:schemeClr val="lt1"/>
+              </a:fontRef>
+            </p:style>
+            <p:txBody>
+              <a:bodyPr rtlCol="0" anchor="ctr"/>
+              <a:lstStyle/>
+              <a:p>
+                <a:pPr algn="ctr"/>
+                <a:endParaRPr lang="fr-FR" dirty="0"/>
+              </a:p>
+            </p:txBody>
+          </p:sp>
+          <p:sp>
+            <p:nvSpPr>
+              <p:cNvPr id="51" name="Rectangle : coins arrondis 50">
+                <a:extLst>
+                  <a:ext uri="{FF2B5EF4-FFF2-40B4-BE49-F238E27FC236}">
+                    <a16:creationId xmlns:a16="http://schemas.microsoft.com/office/drawing/2014/main" id="{7DE5E3DC-C7B3-AF0C-731B-41E5A02C9485}"/>
+                  </a:ext>
+                </a:extLst>
+              </p:cNvPr>
+              <p:cNvSpPr/>
+              <p:nvPr/>
+            </p:nvSpPr>
+            <p:spPr>
+              <a:xfrm>
+                <a:off x="4046379" y="4546528"/>
+                <a:ext cx="1224000" cy="648000"/>
+              </a:xfrm>
+              <a:prstGeom prst="roundRect">
+                <a:avLst>
+                  <a:gd name="adj" fmla="val 11155"/>
+                </a:avLst>
+              </a:prstGeom>
+              <a:noFill/>
+              <a:ln w="9525">
+                <a:solidFill>
+                  <a:schemeClr val="bg1">
+                    <a:lumMod val="85000"/>
+                  </a:schemeClr>
+                </a:solidFill>
+                <a:prstDash val="sysDash"/>
+              </a:ln>
+            </p:spPr>
+            <p:style>
+              <a:lnRef idx="2">
+                <a:schemeClr val="accent1">
+                  <a:shade val="50000"/>
+                </a:schemeClr>
+              </a:lnRef>
+              <a:fillRef idx="1">
+                <a:schemeClr val="accent1"/>
+              </a:fillRef>
+              <a:effectRef idx="0">
+                <a:schemeClr val="accent1"/>
+              </a:effectRef>
+              <a:fontRef idx="minor">
+                <a:schemeClr val="lt1"/>
+              </a:fontRef>
+            </p:style>
+            <p:txBody>
+              <a:bodyPr rtlCol="0" anchor="ctr"/>
+              <a:lstStyle/>
+              <a:p>
+                <a:pPr algn="ctr"/>
+                <a:endParaRPr lang="fr-FR" dirty="0"/>
+              </a:p>
+            </p:txBody>
+          </p:sp>
+          <p:sp>
+            <p:nvSpPr>
+              <p:cNvPr id="52" name="Rectangle : coins arrondis 51">
+                <a:extLst>
+                  <a:ext uri="{FF2B5EF4-FFF2-40B4-BE49-F238E27FC236}">
+                    <a16:creationId xmlns:a16="http://schemas.microsoft.com/office/drawing/2014/main" id="{1AA6BAE7-4A5E-A1DE-B69F-55D6FA1292D1}"/>
+                  </a:ext>
+                </a:extLst>
+              </p:cNvPr>
+              <p:cNvSpPr/>
+              <p:nvPr/>
+            </p:nvSpPr>
+            <p:spPr>
+              <a:xfrm>
+                <a:off x="2606758" y="4546528"/>
+                <a:ext cx="1224000" cy="648000"/>
+              </a:xfrm>
+              <a:prstGeom prst="roundRect">
+                <a:avLst>
+                  <a:gd name="adj" fmla="val 11155"/>
+                </a:avLst>
+              </a:prstGeom>
+              <a:noFill/>
+              <a:ln w="9525">
+                <a:solidFill>
+                  <a:schemeClr val="bg1">
+                    <a:lumMod val="85000"/>
+                  </a:schemeClr>
+                </a:solidFill>
+                <a:prstDash val="sysDash"/>
+              </a:ln>
+            </p:spPr>
+            <p:style>
+              <a:lnRef idx="2">
+                <a:schemeClr val="accent1">
+                  <a:shade val="50000"/>
+                </a:schemeClr>
+              </a:lnRef>
+              <a:fillRef idx="1">
+                <a:schemeClr val="accent1"/>
+              </a:fillRef>
+              <a:effectRef idx="0">
+                <a:schemeClr val="accent1"/>
+              </a:effectRef>
+              <a:fontRef idx="minor">
+                <a:schemeClr val="lt1"/>
+              </a:fontRef>
+            </p:style>
+            <p:txBody>
+              <a:bodyPr rtlCol="0" anchor="ctr"/>
+              <a:lstStyle/>
+              <a:p>
+                <a:pPr algn="ctr"/>
+                <a:endParaRPr lang="fr-FR" dirty="0"/>
+              </a:p>
+            </p:txBody>
+          </p:sp>
+          <p:sp>
+            <p:nvSpPr>
+              <p:cNvPr id="53" name="Rectangle : coins arrondis 52">
+                <a:extLst>
+                  <a:ext uri="{FF2B5EF4-FFF2-40B4-BE49-F238E27FC236}">
+                    <a16:creationId xmlns:a16="http://schemas.microsoft.com/office/drawing/2014/main" id="{F86C7CB0-FE59-0AAA-BB09-EFDEC287952F}"/>
+                  </a:ext>
+                </a:extLst>
+              </p:cNvPr>
+              <p:cNvSpPr/>
+              <p:nvPr/>
+            </p:nvSpPr>
+            <p:spPr>
+              <a:xfrm>
+                <a:off x="6925621" y="4546528"/>
+                <a:ext cx="1224000" cy="648000"/>
+              </a:xfrm>
+              <a:prstGeom prst="roundRect">
+                <a:avLst>
+                  <a:gd name="adj" fmla="val 11155"/>
+                </a:avLst>
+              </a:prstGeom>
+              <a:noFill/>
+              <a:ln w="9525">
+                <a:solidFill>
+                  <a:schemeClr val="bg1">
+                    <a:lumMod val="85000"/>
+                  </a:schemeClr>
+                </a:solidFill>
+                <a:prstDash val="sysDash"/>
+              </a:ln>
+            </p:spPr>
+            <p:style>
+              <a:lnRef idx="2">
+                <a:schemeClr val="accent1">
+                  <a:shade val="50000"/>
+                </a:schemeClr>
+              </a:lnRef>
+              <a:fillRef idx="1">
+                <a:schemeClr val="accent1"/>
+              </a:fillRef>
+              <a:effectRef idx="0">
+                <a:schemeClr val="accent1"/>
+              </a:effectRef>
+              <a:fontRef idx="minor">
+                <a:schemeClr val="lt1"/>
+              </a:fontRef>
+            </p:style>
+            <p:txBody>
+              <a:bodyPr rtlCol="0" anchor="ctr"/>
+              <a:lstStyle/>
+              <a:p>
+                <a:pPr algn="ctr"/>
+                <a:endParaRPr lang="fr-FR" dirty="0"/>
+              </a:p>
+            </p:txBody>
+          </p:sp>
+          <p:sp>
+            <p:nvSpPr>
+              <p:cNvPr id="54" name="Rectangle : coins arrondis 53">
+                <a:extLst>
+                  <a:ext uri="{FF2B5EF4-FFF2-40B4-BE49-F238E27FC236}">
+                    <a16:creationId xmlns:a16="http://schemas.microsoft.com/office/drawing/2014/main" id="{927D1119-DACC-8CC8-B06A-F82014335B06}"/>
+                  </a:ext>
+                </a:extLst>
+              </p:cNvPr>
+              <p:cNvSpPr/>
+              <p:nvPr/>
+            </p:nvSpPr>
+            <p:spPr>
+              <a:xfrm>
+                <a:off x="8365243" y="4546528"/>
+                <a:ext cx="1224000" cy="648000"/>
+              </a:xfrm>
+              <a:prstGeom prst="roundRect">
+                <a:avLst>
+                  <a:gd name="adj" fmla="val 11155"/>
+                </a:avLst>
+              </a:prstGeom>
+              <a:noFill/>
+              <a:ln w="9525">
+                <a:solidFill>
+                  <a:schemeClr val="bg1">
+                    <a:lumMod val="85000"/>
+                  </a:schemeClr>
+                </a:solidFill>
+                <a:prstDash val="sysDash"/>
+              </a:ln>
+            </p:spPr>
+            <p:style>
+              <a:lnRef idx="2">
+                <a:schemeClr val="accent1">
+                  <a:shade val="50000"/>
+                </a:schemeClr>
+              </a:lnRef>
+              <a:fillRef idx="1">
+                <a:schemeClr val="accent1"/>
+              </a:fillRef>
+              <a:effectRef idx="0">
+                <a:schemeClr val="accent1"/>
+              </a:effectRef>
+              <a:fontRef idx="minor">
+                <a:schemeClr val="lt1"/>
+              </a:fontRef>
+            </p:style>
+            <p:txBody>
+              <a:bodyPr rtlCol="0" anchor="ctr"/>
+              <a:lstStyle/>
+              <a:p>
+                <a:pPr algn="ctr"/>
+                <a:endParaRPr lang="fr-FR" dirty="0"/>
+              </a:p>
+            </p:txBody>
+          </p:sp>
+        </p:grpSp>
+        <p:grpSp>
+          <p:nvGrpSpPr>
+            <p:cNvPr id="38" name="Groupe 37">
+              <a:extLst>
+                <a:ext uri="{FF2B5EF4-FFF2-40B4-BE49-F238E27FC236}">
+                  <a16:creationId xmlns:a16="http://schemas.microsoft.com/office/drawing/2014/main" id="{42D7BF3D-0760-D929-CCA3-A73AC4E78EB5}"/>
+                </a:ext>
+              </a:extLst>
+            </p:cNvPr>
+            <p:cNvGrpSpPr/>
+            <p:nvPr/>
+          </p:nvGrpSpPr>
+          <p:grpSpPr>
+            <a:xfrm>
+              <a:off x="2606758" y="1781572"/>
+              <a:ext cx="6982485" cy="648000"/>
+              <a:chOff x="2606758" y="4546528"/>
+              <a:chExt cx="6982485" cy="648000"/>
+            </a:xfrm>
+          </p:grpSpPr>
+          <p:sp>
+            <p:nvSpPr>
+              <p:cNvPr id="45" name="Rectangle : coins arrondis 44">
+                <a:extLst>
+                  <a:ext uri="{FF2B5EF4-FFF2-40B4-BE49-F238E27FC236}">
+                    <a16:creationId xmlns:a16="http://schemas.microsoft.com/office/drawing/2014/main" id="{DF10DAF5-3400-78E0-5D13-B28BD97F67C9}"/>
+                  </a:ext>
+                </a:extLst>
+              </p:cNvPr>
+              <p:cNvSpPr/>
+              <p:nvPr/>
+            </p:nvSpPr>
+            <p:spPr>
+              <a:xfrm>
+                <a:off x="5486000" y="4546528"/>
+                <a:ext cx="1224000" cy="648000"/>
+              </a:xfrm>
+              <a:prstGeom prst="roundRect">
+                <a:avLst>
+                  <a:gd name="adj" fmla="val 11155"/>
+                </a:avLst>
+              </a:prstGeom>
+              <a:noFill/>
+              <a:ln w="9525">
+                <a:solidFill>
+                  <a:schemeClr val="bg1">
+                    <a:lumMod val="85000"/>
+                  </a:schemeClr>
+                </a:solidFill>
+                <a:prstDash val="sysDash"/>
+              </a:ln>
+            </p:spPr>
+            <p:style>
+              <a:lnRef idx="2">
+                <a:schemeClr val="accent1">
+                  <a:shade val="50000"/>
+                </a:schemeClr>
+              </a:lnRef>
+              <a:fillRef idx="1">
+                <a:schemeClr val="accent1"/>
+              </a:fillRef>
+              <a:effectRef idx="0">
+                <a:schemeClr val="accent1"/>
+              </a:effectRef>
+              <a:fontRef idx="minor">
+                <a:schemeClr val="lt1"/>
+              </a:fontRef>
+            </p:style>
+            <p:txBody>
+              <a:bodyPr rtlCol="0" anchor="ctr"/>
+              <a:lstStyle/>
+              <a:p>
+                <a:pPr algn="ctr"/>
+                <a:endParaRPr lang="fr-FR" dirty="0"/>
+              </a:p>
+            </p:txBody>
+          </p:sp>
+          <p:sp>
+            <p:nvSpPr>
+              <p:cNvPr id="46" name="Rectangle : coins arrondis 45">
+                <a:extLst>
+                  <a:ext uri="{FF2B5EF4-FFF2-40B4-BE49-F238E27FC236}">
+                    <a16:creationId xmlns:a16="http://schemas.microsoft.com/office/drawing/2014/main" id="{A4B592EB-A5C1-E42D-DD82-80681DD470E2}"/>
+                  </a:ext>
+                </a:extLst>
+              </p:cNvPr>
+              <p:cNvSpPr/>
+              <p:nvPr/>
+            </p:nvSpPr>
+            <p:spPr>
+              <a:xfrm>
+                <a:off x="4046379" y="4546528"/>
+                <a:ext cx="1224000" cy="648000"/>
+              </a:xfrm>
+              <a:prstGeom prst="roundRect">
+                <a:avLst>
+                  <a:gd name="adj" fmla="val 11155"/>
+                </a:avLst>
+              </a:prstGeom>
+              <a:noFill/>
+              <a:ln w="9525">
+                <a:solidFill>
+                  <a:schemeClr val="bg1">
+                    <a:lumMod val="85000"/>
+                  </a:schemeClr>
+                </a:solidFill>
+                <a:prstDash val="sysDash"/>
+              </a:ln>
+            </p:spPr>
+            <p:style>
+              <a:lnRef idx="2">
+                <a:schemeClr val="accent1">
+                  <a:shade val="50000"/>
+                </a:schemeClr>
+              </a:lnRef>
+              <a:fillRef idx="1">
+                <a:schemeClr val="accent1"/>
+              </a:fillRef>
+              <a:effectRef idx="0">
+                <a:schemeClr val="accent1"/>
+              </a:effectRef>
+              <a:fontRef idx="minor">
+                <a:schemeClr val="lt1"/>
+              </a:fontRef>
+            </p:style>
+            <p:txBody>
+              <a:bodyPr rtlCol="0" anchor="ctr"/>
+              <a:lstStyle/>
+              <a:p>
+                <a:pPr algn="ctr"/>
+                <a:endParaRPr lang="fr-FR" dirty="0"/>
+              </a:p>
+            </p:txBody>
+          </p:sp>
+          <p:sp>
+            <p:nvSpPr>
+              <p:cNvPr id="47" name="Rectangle : coins arrondis 46">
+                <a:extLst>
+                  <a:ext uri="{FF2B5EF4-FFF2-40B4-BE49-F238E27FC236}">
+                    <a16:creationId xmlns:a16="http://schemas.microsoft.com/office/drawing/2014/main" id="{2D0EDC19-8321-3F1B-655D-A6706068419E}"/>
+                  </a:ext>
+                </a:extLst>
+              </p:cNvPr>
+              <p:cNvSpPr/>
+              <p:nvPr/>
+            </p:nvSpPr>
+            <p:spPr>
+              <a:xfrm>
+                <a:off x="2606758" y="4546528"/>
+                <a:ext cx="1224000" cy="648000"/>
+              </a:xfrm>
+              <a:prstGeom prst="roundRect">
+                <a:avLst>
+                  <a:gd name="adj" fmla="val 11155"/>
+                </a:avLst>
+              </a:prstGeom>
+              <a:noFill/>
+              <a:ln w="9525">
+                <a:solidFill>
+                  <a:schemeClr val="bg1">
+                    <a:lumMod val="85000"/>
+                  </a:schemeClr>
+                </a:solidFill>
+                <a:prstDash val="sysDash"/>
+              </a:ln>
+            </p:spPr>
+            <p:style>
+              <a:lnRef idx="2">
+                <a:schemeClr val="accent1">
+                  <a:shade val="50000"/>
+                </a:schemeClr>
+              </a:lnRef>
+              <a:fillRef idx="1">
+                <a:schemeClr val="accent1"/>
+              </a:fillRef>
+              <a:effectRef idx="0">
+                <a:schemeClr val="accent1"/>
+              </a:effectRef>
+              <a:fontRef idx="minor">
+                <a:schemeClr val="lt1"/>
+              </a:fontRef>
+            </p:style>
+            <p:txBody>
+              <a:bodyPr rtlCol="0" anchor="ctr"/>
+              <a:lstStyle/>
+              <a:p>
+                <a:pPr algn="ctr"/>
+                <a:endParaRPr lang="fr-FR" dirty="0"/>
+              </a:p>
+            </p:txBody>
+          </p:sp>
+          <p:sp>
+            <p:nvSpPr>
+              <p:cNvPr id="48" name="Rectangle : coins arrondis 47">
+                <a:extLst>
+                  <a:ext uri="{FF2B5EF4-FFF2-40B4-BE49-F238E27FC236}">
+                    <a16:creationId xmlns:a16="http://schemas.microsoft.com/office/drawing/2014/main" id="{45BC0847-1ABB-32D3-12D9-CA6569B2D3E1}"/>
+                  </a:ext>
+                </a:extLst>
+              </p:cNvPr>
+              <p:cNvSpPr/>
+              <p:nvPr/>
+            </p:nvSpPr>
+            <p:spPr>
+              <a:xfrm>
+                <a:off x="6925621" y="4546528"/>
+                <a:ext cx="1224000" cy="648000"/>
+              </a:xfrm>
+              <a:prstGeom prst="roundRect">
+                <a:avLst>
+                  <a:gd name="adj" fmla="val 11155"/>
+                </a:avLst>
+              </a:prstGeom>
+              <a:noFill/>
+              <a:ln w="9525">
+                <a:solidFill>
+                  <a:schemeClr val="bg1">
+                    <a:lumMod val="85000"/>
+                  </a:schemeClr>
+                </a:solidFill>
+                <a:prstDash val="sysDash"/>
+              </a:ln>
+            </p:spPr>
+            <p:style>
+              <a:lnRef idx="2">
+                <a:schemeClr val="accent1">
+                  <a:shade val="50000"/>
+                </a:schemeClr>
+              </a:lnRef>
+              <a:fillRef idx="1">
+                <a:schemeClr val="accent1"/>
+              </a:fillRef>
+              <a:effectRef idx="0">
+                <a:schemeClr val="accent1"/>
+              </a:effectRef>
+              <a:fontRef idx="minor">
+                <a:schemeClr val="lt1"/>
+              </a:fontRef>
+            </p:style>
+            <p:txBody>
+              <a:bodyPr rtlCol="0" anchor="ctr"/>
+              <a:lstStyle/>
+              <a:p>
+                <a:pPr algn="ctr"/>
+                <a:endParaRPr lang="fr-FR" dirty="0"/>
+              </a:p>
+            </p:txBody>
+          </p:sp>
+          <p:sp>
+            <p:nvSpPr>
+              <p:cNvPr id="49" name="Rectangle : coins arrondis 48">
+                <a:extLst>
+                  <a:ext uri="{FF2B5EF4-FFF2-40B4-BE49-F238E27FC236}">
+                    <a16:creationId xmlns:a16="http://schemas.microsoft.com/office/drawing/2014/main" id="{A63567D6-00DD-20C7-D3C3-0693B6C31D9C}"/>
+                  </a:ext>
+                </a:extLst>
+              </p:cNvPr>
+              <p:cNvSpPr/>
+              <p:nvPr/>
+            </p:nvSpPr>
+            <p:spPr>
+              <a:xfrm>
+                <a:off x="8365243" y="4546528"/>
+                <a:ext cx="1224000" cy="648000"/>
+              </a:xfrm>
+              <a:prstGeom prst="roundRect">
+                <a:avLst>
+                  <a:gd name="adj" fmla="val 11155"/>
+                </a:avLst>
+              </a:prstGeom>
+              <a:noFill/>
+              <a:ln w="9525">
+                <a:solidFill>
+                  <a:schemeClr val="bg1">
+                    <a:lumMod val="85000"/>
+                  </a:schemeClr>
+                </a:solidFill>
+                <a:prstDash val="sysDash"/>
+              </a:ln>
+            </p:spPr>
+            <p:style>
+              <a:lnRef idx="2">
+                <a:schemeClr val="accent1">
+                  <a:shade val="50000"/>
+                </a:schemeClr>
+              </a:lnRef>
+              <a:fillRef idx="1">
+                <a:schemeClr val="accent1"/>
+              </a:fillRef>
+              <a:effectRef idx="0">
+                <a:schemeClr val="accent1"/>
+              </a:effectRef>
+              <a:fontRef idx="minor">
+                <a:schemeClr val="lt1"/>
+              </a:fontRef>
+            </p:style>
+            <p:txBody>
+              <a:bodyPr rtlCol="0" anchor="ctr"/>
+              <a:lstStyle/>
+              <a:p>
+                <a:pPr algn="ctr"/>
+                <a:endParaRPr lang="fr-FR" dirty="0"/>
+              </a:p>
+            </p:txBody>
+          </p:sp>
+        </p:grpSp>
+        <p:grpSp>
+          <p:nvGrpSpPr>
+            <p:cNvPr id="39" name="Groupe 38">
+              <a:extLst>
+                <a:ext uri="{FF2B5EF4-FFF2-40B4-BE49-F238E27FC236}">
+                  <a16:creationId xmlns:a16="http://schemas.microsoft.com/office/drawing/2014/main" id="{01455738-EE20-D49D-09D6-D98E291E3039}"/>
+                </a:ext>
+              </a:extLst>
+            </p:cNvPr>
+            <p:cNvGrpSpPr/>
+            <p:nvPr/>
+          </p:nvGrpSpPr>
+          <p:grpSpPr>
+            <a:xfrm>
+              <a:off x="2606758" y="1090333"/>
+              <a:ext cx="6982485" cy="648000"/>
+              <a:chOff x="2606758" y="4546528"/>
+              <a:chExt cx="6982485" cy="648000"/>
+            </a:xfrm>
+          </p:grpSpPr>
+          <p:sp>
+            <p:nvSpPr>
+              <p:cNvPr id="40" name="Rectangle : coins arrondis 39">
+                <a:extLst>
+                  <a:ext uri="{FF2B5EF4-FFF2-40B4-BE49-F238E27FC236}">
+                    <a16:creationId xmlns:a16="http://schemas.microsoft.com/office/drawing/2014/main" id="{43EE495D-1D5B-9E09-A746-D193000AC032}"/>
+                  </a:ext>
+                </a:extLst>
+              </p:cNvPr>
+              <p:cNvSpPr/>
+              <p:nvPr/>
+            </p:nvSpPr>
+            <p:spPr>
+              <a:xfrm>
+                <a:off x="5486000" y="4546528"/>
+                <a:ext cx="1224000" cy="648000"/>
+              </a:xfrm>
+              <a:prstGeom prst="roundRect">
+                <a:avLst>
+                  <a:gd name="adj" fmla="val 11155"/>
+                </a:avLst>
+              </a:prstGeom>
+              <a:noFill/>
+              <a:ln w="9525">
+                <a:solidFill>
+                  <a:schemeClr val="bg1">
+                    <a:lumMod val="85000"/>
+                  </a:schemeClr>
+                </a:solidFill>
+                <a:prstDash val="sysDash"/>
+              </a:ln>
+            </p:spPr>
+            <p:style>
+              <a:lnRef idx="2">
+                <a:schemeClr val="accent1">
+                  <a:shade val="50000"/>
+                </a:schemeClr>
+              </a:lnRef>
+              <a:fillRef idx="1">
+                <a:schemeClr val="accent1"/>
+              </a:fillRef>
+              <a:effectRef idx="0">
+                <a:schemeClr val="accent1"/>
+              </a:effectRef>
+              <a:fontRef idx="minor">
+                <a:schemeClr val="lt1"/>
+              </a:fontRef>
+            </p:style>
+            <p:txBody>
+              <a:bodyPr rtlCol="0" anchor="ctr"/>
+              <a:lstStyle/>
+              <a:p>
+                <a:pPr algn="ctr"/>
+                <a:endParaRPr lang="fr-FR" dirty="0"/>
+              </a:p>
+            </p:txBody>
+          </p:sp>
+          <p:sp>
+            <p:nvSpPr>
+              <p:cNvPr id="41" name="Rectangle : coins arrondis 40">
+                <a:extLst>
+                  <a:ext uri="{FF2B5EF4-FFF2-40B4-BE49-F238E27FC236}">
+                    <a16:creationId xmlns:a16="http://schemas.microsoft.com/office/drawing/2014/main" id="{BD030E87-31B9-9D0F-F022-1AF4CEDAFF05}"/>
+                  </a:ext>
+                </a:extLst>
+              </p:cNvPr>
+              <p:cNvSpPr/>
+              <p:nvPr/>
+            </p:nvSpPr>
+            <p:spPr>
+              <a:xfrm>
+                <a:off x="4046379" y="4546528"/>
+                <a:ext cx="1224000" cy="648000"/>
+              </a:xfrm>
+              <a:prstGeom prst="roundRect">
+                <a:avLst>
+                  <a:gd name="adj" fmla="val 11155"/>
+                </a:avLst>
+              </a:prstGeom>
+              <a:noFill/>
+              <a:ln w="9525">
+                <a:solidFill>
+                  <a:schemeClr val="bg1">
+                    <a:lumMod val="85000"/>
+                  </a:schemeClr>
+                </a:solidFill>
+                <a:prstDash val="sysDash"/>
+              </a:ln>
+            </p:spPr>
+            <p:style>
+              <a:lnRef idx="2">
+                <a:schemeClr val="accent1">
+                  <a:shade val="50000"/>
+                </a:schemeClr>
+              </a:lnRef>
+              <a:fillRef idx="1">
+                <a:schemeClr val="accent1"/>
+              </a:fillRef>
+              <a:effectRef idx="0">
+                <a:schemeClr val="accent1"/>
+              </a:effectRef>
+              <a:fontRef idx="minor">
+                <a:schemeClr val="lt1"/>
+              </a:fontRef>
+            </p:style>
+            <p:txBody>
+              <a:bodyPr rtlCol="0" anchor="ctr"/>
+              <a:lstStyle/>
+              <a:p>
+                <a:pPr algn="ctr"/>
+                <a:endParaRPr lang="fr-FR" dirty="0"/>
+              </a:p>
+            </p:txBody>
+          </p:sp>
+          <p:sp>
+            <p:nvSpPr>
+              <p:cNvPr id="42" name="Rectangle : coins arrondis 41">
+                <a:extLst>
+                  <a:ext uri="{FF2B5EF4-FFF2-40B4-BE49-F238E27FC236}">
+                    <a16:creationId xmlns:a16="http://schemas.microsoft.com/office/drawing/2014/main" id="{63A46315-9858-C210-EC80-FC71B375FA30}"/>
+                  </a:ext>
+                </a:extLst>
+              </p:cNvPr>
+              <p:cNvSpPr/>
+              <p:nvPr/>
+            </p:nvSpPr>
+            <p:spPr>
+              <a:xfrm>
+                <a:off x="2606758" y="4546528"/>
+                <a:ext cx="1224000" cy="648000"/>
+              </a:xfrm>
+              <a:prstGeom prst="roundRect">
+                <a:avLst>
+                  <a:gd name="adj" fmla="val 11155"/>
+                </a:avLst>
+              </a:prstGeom>
+              <a:noFill/>
+              <a:ln w="9525">
+                <a:solidFill>
+                  <a:schemeClr val="bg1">
+                    <a:lumMod val="85000"/>
+                  </a:schemeClr>
+                </a:solidFill>
+                <a:prstDash val="sysDash"/>
+              </a:ln>
+            </p:spPr>
+            <p:style>
+              <a:lnRef idx="2">
+                <a:schemeClr val="accent1">
+                  <a:shade val="50000"/>
+                </a:schemeClr>
+              </a:lnRef>
+              <a:fillRef idx="1">
+                <a:schemeClr val="accent1"/>
+              </a:fillRef>
+              <a:effectRef idx="0">
+                <a:schemeClr val="accent1"/>
+              </a:effectRef>
+              <a:fontRef idx="minor">
+                <a:schemeClr val="lt1"/>
+              </a:fontRef>
+            </p:style>
+            <p:txBody>
+              <a:bodyPr rtlCol="0" anchor="ctr"/>
+              <a:lstStyle/>
+              <a:p>
+                <a:pPr algn="ctr"/>
+                <a:endParaRPr lang="fr-FR" dirty="0"/>
+              </a:p>
+            </p:txBody>
+          </p:sp>
+          <p:sp>
+            <p:nvSpPr>
+              <p:cNvPr id="43" name="Rectangle : coins arrondis 42">
+                <a:extLst>
+                  <a:ext uri="{FF2B5EF4-FFF2-40B4-BE49-F238E27FC236}">
+                    <a16:creationId xmlns:a16="http://schemas.microsoft.com/office/drawing/2014/main" id="{FC05C0A8-C893-CA9A-E0FF-FC172DECDBAA}"/>
+                  </a:ext>
+                </a:extLst>
+              </p:cNvPr>
+              <p:cNvSpPr/>
+              <p:nvPr/>
+            </p:nvSpPr>
+            <p:spPr>
+              <a:xfrm>
+                <a:off x="6925621" y="4546528"/>
+                <a:ext cx="1224000" cy="648000"/>
+              </a:xfrm>
+              <a:prstGeom prst="roundRect">
+                <a:avLst>
+                  <a:gd name="adj" fmla="val 11155"/>
+                </a:avLst>
+              </a:prstGeom>
+              <a:noFill/>
+              <a:ln w="9525">
+                <a:solidFill>
+                  <a:schemeClr val="bg1">
+                    <a:lumMod val="85000"/>
+                  </a:schemeClr>
+                </a:solidFill>
+                <a:prstDash val="sysDash"/>
+              </a:ln>
+            </p:spPr>
+            <p:style>
+              <a:lnRef idx="2">
+                <a:schemeClr val="accent1">
+                  <a:shade val="50000"/>
+                </a:schemeClr>
+              </a:lnRef>
+              <a:fillRef idx="1">
+                <a:schemeClr val="accent1"/>
+              </a:fillRef>
+              <a:effectRef idx="0">
+                <a:schemeClr val="accent1"/>
+              </a:effectRef>
+              <a:fontRef idx="minor">
+                <a:schemeClr val="lt1"/>
+              </a:fontRef>
+            </p:style>
+            <p:txBody>
+              <a:bodyPr rtlCol="0" anchor="ctr"/>
+              <a:lstStyle/>
+              <a:p>
+                <a:pPr algn="ctr"/>
+                <a:endParaRPr lang="fr-FR" dirty="0"/>
+              </a:p>
+            </p:txBody>
+          </p:sp>
+          <p:sp>
+            <p:nvSpPr>
+              <p:cNvPr id="44" name="Rectangle : coins arrondis 43">
+                <a:extLst>
+                  <a:ext uri="{FF2B5EF4-FFF2-40B4-BE49-F238E27FC236}">
+                    <a16:creationId xmlns:a16="http://schemas.microsoft.com/office/drawing/2014/main" id="{A5F50ABE-FBD2-D167-8BF3-8DBC1E524611}"/>
+                  </a:ext>
+                </a:extLst>
+              </p:cNvPr>
+              <p:cNvSpPr/>
+              <p:nvPr/>
+            </p:nvSpPr>
+            <p:spPr>
+              <a:xfrm>
+                <a:off x="8365243" y="4546528"/>
+                <a:ext cx="1224000" cy="648000"/>
+              </a:xfrm>
+              <a:prstGeom prst="roundRect">
+                <a:avLst>
+                  <a:gd name="adj" fmla="val 11155"/>
+                </a:avLst>
+              </a:prstGeom>
+              <a:noFill/>
+              <a:ln w="9525">
+                <a:solidFill>
+                  <a:schemeClr val="bg1">
+                    <a:lumMod val="85000"/>
+                  </a:schemeClr>
+                </a:solidFill>
+                <a:prstDash val="sysDash"/>
+              </a:ln>
+            </p:spPr>
+            <p:style>
+              <a:lnRef idx="2">
+                <a:schemeClr val="accent1">
+                  <a:shade val="50000"/>
+                </a:schemeClr>
+              </a:lnRef>
+              <a:fillRef idx="1">
+                <a:schemeClr val="accent1"/>
+              </a:fillRef>
+              <a:effectRef idx="0">
+                <a:schemeClr val="accent1"/>
+              </a:effectRef>
+              <a:fontRef idx="minor">
+                <a:schemeClr val="lt1"/>
+              </a:fontRef>
+            </p:style>
+            <p:txBody>
+              <a:bodyPr rtlCol="0" anchor="ctr"/>
+              <a:lstStyle/>
+              <a:p>
+                <a:pPr algn="ctr"/>
+                <a:endParaRPr lang="fr-FR" dirty="0"/>
+              </a:p>
+            </p:txBody>
+          </p:sp>
+        </p:grpSp>
+      </p:grpSp>
+      <p:grpSp>
+        <p:nvGrpSpPr>
+          <p:cNvPr id="90" name="Groupe 89">
+            <a:extLst>
+              <a:ext uri="{FF2B5EF4-FFF2-40B4-BE49-F238E27FC236}">
+                <a16:creationId xmlns:a16="http://schemas.microsoft.com/office/drawing/2014/main" id="{0851F337-0004-845B-D06D-9E75D1B68459}"/>
+              </a:ext>
+            </a:extLst>
+          </p:cNvPr>
+          <p:cNvGrpSpPr/>
+          <p:nvPr/>
+        </p:nvGrpSpPr>
+        <p:grpSpPr>
+          <a:xfrm>
+            <a:off x="2486661" y="1223876"/>
+            <a:ext cx="3891243" cy="3797508"/>
+            <a:chOff x="2486661" y="1223876"/>
+            <a:chExt cx="3891243" cy="3797508"/>
+          </a:xfrm>
+        </p:grpSpPr>
+        <p:cxnSp>
+          <p:nvCxnSpPr>
+            <p:cNvPr id="70" name="Connecteur droit 69">
+              <a:extLst>
+                <a:ext uri="{FF2B5EF4-FFF2-40B4-BE49-F238E27FC236}">
+                  <a16:creationId xmlns:a16="http://schemas.microsoft.com/office/drawing/2014/main" id="{43ABDE2E-3B6B-F9B2-BA33-AFEECA05B074}"/>
+                </a:ext>
+              </a:extLst>
+            </p:cNvPr>
+            <p:cNvCxnSpPr/>
+            <p:nvPr/>
+          </p:nvCxnSpPr>
+          <p:spPr>
+            <a:xfrm>
+              <a:off x="3218758" y="4870528"/>
+              <a:ext cx="2885681" cy="0"/>
+            </a:xfrm>
+            <a:prstGeom prst="line">
+              <a:avLst/>
+            </a:prstGeom>
+            <a:ln w="28575">
+              <a:solidFill>
+                <a:srgbClr val="002060"/>
+              </a:solidFill>
+              <a:tailEnd type="stealth" w="med" len="lg"/>
+            </a:ln>
+          </p:spPr>
+          <p:style>
+            <a:lnRef idx="1">
+              <a:schemeClr val="accent1"/>
+            </a:lnRef>
+            <a:fillRef idx="0">
+              <a:schemeClr val="accent1"/>
+            </a:fillRef>
+            <a:effectRef idx="0">
+              <a:schemeClr val="accent1"/>
+            </a:effectRef>
+            <a:fontRef idx="minor">
+              <a:schemeClr val="tx1"/>
+            </a:fontRef>
+          </p:style>
+        </p:cxnSp>
+        <p:cxnSp>
+          <p:nvCxnSpPr>
+            <p:cNvPr id="71" name="Connecteur droit 70">
+              <a:extLst>
+                <a:ext uri="{FF2B5EF4-FFF2-40B4-BE49-F238E27FC236}">
+                  <a16:creationId xmlns:a16="http://schemas.microsoft.com/office/drawing/2014/main" id="{D49E7431-DC08-1CDB-4472-2EBCABC9F388}"/>
+                </a:ext>
+              </a:extLst>
+            </p:cNvPr>
+            <p:cNvCxnSpPr>
+              <a:cxnSpLocks/>
+            </p:cNvCxnSpPr>
+            <p:nvPr/>
+          </p:nvCxnSpPr>
+          <p:spPr>
+            <a:xfrm flipV="1">
+              <a:off x="3218758" y="1336655"/>
+              <a:ext cx="0" cy="3533873"/>
+            </a:xfrm>
+            <a:prstGeom prst="line">
+              <a:avLst/>
+            </a:prstGeom>
+            <a:ln w="28575">
+              <a:solidFill>
+                <a:srgbClr val="002060"/>
+              </a:solidFill>
+              <a:tailEnd type="stealth" w="med" len="lg"/>
+            </a:ln>
+          </p:spPr>
+          <p:style>
+            <a:lnRef idx="1">
+              <a:schemeClr val="accent1"/>
+            </a:lnRef>
+            <a:fillRef idx="0">
+              <a:schemeClr val="accent1"/>
+            </a:fillRef>
+            <a:effectRef idx="0">
+              <a:schemeClr val="accent1"/>
+            </a:effectRef>
+            <a:fontRef idx="minor">
+              <a:schemeClr val="tx1"/>
+            </a:fontRef>
+          </p:style>
+        </p:cxnSp>
+        <mc:AlternateContent xmlns:mc="http://schemas.openxmlformats.org/markup-compatibility/2006">
+          <mc:Choice xmlns:a14="http://schemas.microsoft.com/office/drawing/2010/main" Requires="a14">
+            <p:sp>
+              <p:nvSpPr>
+                <p:cNvPr id="72" name="ZoneTexte 71">
+                  <a:extLst>
+                    <a:ext uri="{FF2B5EF4-FFF2-40B4-BE49-F238E27FC236}">
+                      <a16:creationId xmlns:a16="http://schemas.microsoft.com/office/drawing/2014/main" id="{EE2F3BB0-C428-9F7F-6A4C-BB4AB1CAD77F}"/>
+                    </a:ext>
+                  </a:extLst>
+                </p:cNvPr>
+                <p:cNvSpPr txBox="1"/>
+                <p:nvPr/>
+              </p:nvSpPr>
+              <p:spPr>
+                <a:xfrm>
+                  <a:off x="6194585" y="4744385"/>
+                  <a:ext cx="183319" cy="276999"/>
+                </a:xfrm>
+                <a:prstGeom prst="rect">
+                  <a:avLst/>
+                </a:prstGeom>
+                <a:noFill/>
+              </p:spPr>
+              <p:txBody>
+                <a:bodyPr wrap="none" lIns="0" tIns="0" rIns="0" bIns="0" rtlCol="0">
+                  <a:spAutoFit/>
+                </a:bodyPr>
+                <a:lstStyle/>
+                <a:p>
+                  <a:pPr/>
+                  <a14:m>
+                    <m:oMathPara xmlns:m="http://schemas.openxmlformats.org/officeDocument/2006/math">
+                      <m:oMathParaPr>
+                        <m:jc m:val="centerGroup"/>
+                      </m:oMathParaPr>
+                      <m:oMath xmlns:m="http://schemas.openxmlformats.org/officeDocument/2006/math">
+                        <m:acc>
+                          <m:accPr>
+                            <m:chr m:val="⃗"/>
+                            <m:ctrlPr>
+                              <a:rPr lang="fr-FR" b="0" i="1" smtClean="0">
+                                <a:latin typeface="Cambria Math" panose="02040503050406030204" pitchFamily="18" charset="0"/>
+                              </a:rPr>
+                            </m:ctrlPr>
+                          </m:accPr>
+                          <m:e>
+                            <m:r>
+                              <a:rPr lang="fr-FR" b="0" i="1" smtClean="0">
+                                <a:latin typeface="Cambria Math" panose="02040503050406030204" pitchFamily="18" charset="0"/>
+                              </a:rPr>
+                              <m:t>𝑥</m:t>
+                            </m:r>
+                          </m:e>
+                        </m:acc>
+                      </m:oMath>
+                    </m:oMathPara>
+                  </a14:m>
+                  <a:endParaRPr lang="fr-FR" dirty="0"/>
+                </a:p>
+              </p:txBody>
+            </p:sp>
+          </mc:Choice>
+          <mc:Fallback>
+            <p:sp>
+              <p:nvSpPr>
+                <p:cNvPr id="72" name="ZoneTexte 71">
+                  <a:extLst>
+                    <a:ext uri="{FF2B5EF4-FFF2-40B4-BE49-F238E27FC236}">
+                      <a16:creationId xmlns:a16="http://schemas.microsoft.com/office/drawing/2014/main" id="{EE2F3BB0-C428-9F7F-6A4C-BB4AB1CAD77F}"/>
+                    </a:ext>
+                  </a:extLst>
+                </p:cNvPr>
+                <p:cNvSpPr txBox="1">
+                  <a:spLocks noRot="1" noChangeAspect="1" noMove="1" noResize="1" noEditPoints="1" noAdjustHandles="1" noChangeArrowheads="1" noChangeShapeType="1" noTextEdit="1"/>
+                </p:cNvSpPr>
+                <p:nvPr/>
+              </p:nvSpPr>
+              <p:spPr>
+                <a:xfrm>
+                  <a:off x="6194585" y="4744385"/>
+                  <a:ext cx="183319" cy="276999"/>
+                </a:xfrm>
+                <a:prstGeom prst="rect">
+                  <a:avLst/>
+                </a:prstGeom>
+                <a:blipFill>
+                  <a:blip r:embed="rId5"/>
+                  <a:stretch>
+                    <a:fillRect l="-33333" t="-45652" r="-103333" b="-8696"/>
+                  </a:stretch>
+                </a:blipFill>
+              </p:spPr>
+              <p:txBody>
+                <a:bodyPr/>
+                <a:lstStyle/>
+                <a:p>
+                  <a:r>
+                    <a:rPr lang="fr-FR">
+                      <a:noFill/>
+                    </a:rPr>
+                    <a:t> </a:t>
+                  </a:r>
+                </a:p>
+              </p:txBody>
+            </p:sp>
+          </mc:Fallback>
+        </mc:AlternateContent>
+        <mc:AlternateContent xmlns:mc="http://schemas.openxmlformats.org/markup-compatibility/2006">
+          <mc:Choice xmlns:a14="http://schemas.microsoft.com/office/drawing/2010/main" Requires="a14">
+            <p:sp>
+              <p:nvSpPr>
+                <p:cNvPr id="73" name="ZoneTexte 72">
+                  <a:extLst>
+                    <a:ext uri="{FF2B5EF4-FFF2-40B4-BE49-F238E27FC236}">
+                      <a16:creationId xmlns:a16="http://schemas.microsoft.com/office/drawing/2014/main" id="{BBFB03B1-0149-9ECC-B31C-B6198AA0F5FC}"/>
+                    </a:ext>
+                  </a:extLst>
+                </p:cNvPr>
+                <p:cNvSpPr txBox="1"/>
+                <p:nvPr/>
+              </p:nvSpPr>
+              <p:spPr>
+                <a:xfrm>
+                  <a:off x="2486661" y="1223876"/>
+                  <a:ext cx="967938" cy="369332"/>
+                </a:xfrm>
+                <a:prstGeom prst="rect">
+                  <a:avLst/>
+                </a:prstGeom>
+                <a:noFill/>
+              </p:spPr>
+              <p:txBody>
+                <a:bodyPr wrap="square">
+                  <a:spAutoFit/>
+                </a:bodyPr>
+                <a:lstStyle/>
+                <a:p>
+                  <a:pPr/>
+                  <a14:m>
+                    <m:oMathPara xmlns:m="http://schemas.openxmlformats.org/officeDocument/2006/math">
+                      <m:oMathParaPr>
+                        <m:jc m:val="centerGroup"/>
+                      </m:oMathParaPr>
+                      <m:oMath xmlns:m="http://schemas.openxmlformats.org/officeDocument/2006/math">
+                        <m:acc>
+                          <m:accPr>
+                            <m:chr m:val="⃗"/>
+                            <m:ctrlPr>
+                              <a:rPr lang="fr-FR" b="0" i="1" smtClean="0">
+                                <a:latin typeface="Cambria Math" panose="02040503050406030204" pitchFamily="18" charset="0"/>
+                              </a:rPr>
+                            </m:ctrlPr>
+                          </m:accPr>
+                          <m:e>
+                            <m:r>
+                              <a:rPr lang="fr-FR" b="0" i="1" smtClean="0">
+                                <a:latin typeface="Cambria Math" panose="02040503050406030204" pitchFamily="18" charset="0"/>
+                              </a:rPr>
+                              <m:t>𝑦</m:t>
+                            </m:r>
+                          </m:e>
+                        </m:acc>
+                      </m:oMath>
+                    </m:oMathPara>
+                  </a14:m>
+                  <a:endParaRPr lang="fr-FR" dirty="0"/>
+                </a:p>
+              </p:txBody>
+            </p:sp>
+          </mc:Choice>
+          <mc:Fallback>
+            <p:sp>
+              <p:nvSpPr>
+                <p:cNvPr id="73" name="ZoneTexte 72">
+                  <a:extLst>
+                    <a:ext uri="{FF2B5EF4-FFF2-40B4-BE49-F238E27FC236}">
+                      <a16:creationId xmlns:a16="http://schemas.microsoft.com/office/drawing/2014/main" id="{BBFB03B1-0149-9ECC-B31C-B6198AA0F5FC}"/>
+                    </a:ext>
+                  </a:extLst>
+                </p:cNvPr>
+                <p:cNvSpPr txBox="1">
+                  <a:spLocks noRot="1" noChangeAspect="1" noMove="1" noResize="1" noEditPoints="1" noAdjustHandles="1" noChangeArrowheads="1" noChangeShapeType="1" noTextEdit="1"/>
+                </p:cNvSpPr>
+                <p:nvPr/>
+              </p:nvSpPr>
+              <p:spPr>
+                <a:xfrm>
+                  <a:off x="2486661" y="1223876"/>
+                  <a:ext cx="967938" cy="369332"/>
+                </a:xfrm>
+                <a:prstGeom prst="rect">
+                  <a:avLst/>
+                </a:prstGeom>
+                <a:blipFill>
+                  <a:blip r:embed="rId6"/>
+                  <a:stretch>
+                    <a:fillRect t="-23333" b="-6667"/>
+                  </a:stretch>
+                </a:blipFill>
+              </p:spPr>
+              <p:txBody>
+                <a:bodyPr/>
+                <a:lstStyle/>
+                <a:p>
+                  <a:r>
+                    <a:rPr lang="fr-FR">
+                      <a:noFill/>
+                    </a:rPr>
+                    <a:t> </a:t>
+                  </a:r>
+                </a:p>
+              </p:txBody>
+            </p:sp>
+          </mc:Fallback>
+        </mc:AlternateContent>
+        <p:sp>
+          <p:nvSpPr>
+            <p:cNvPr id="74" name="Ellipse 73">
+              <a:extLst>
+                <a:ext uri="{FF2B5EF4-FFF2-40B4-BE49-F238E27FC236}">
+                  <a16:creationId xmlns:a16="http://schemas.microsoft.com/office/drawing/2014/main" id="{21B63ACD-50C6-7BFB-A4A9-4329F1A6E008}"/>
+                </a:ext>
+              </a:extLst>
+            </p:cNvPr>
+            <p:cNvSpPr/>
+            <p:nvPr/>
+          </p:nvSpPr>
+          <p:spPr>
+            <a:xfrm>
+              <a:off x="3128611" y="4780529"/>
+              <a:ext cx="180000" cy="180000"/>
+            </a:xfrm>
+            <a:prstGeom prst="ellipse">
+              <a:avLst/>
+            </a:prstGeom>
+            <a:solidFill>
+              <a:schemeClr val="bg1"/>
+            </a:solidFill>
+            <a:ln w="28575">
+              <a:solidFill>
+                <a:srgbClr val="002060"/>
+              </a:solidFill>
+            </a:ln>
+          </p:spPr>
+          <p:style>
+            <a:lnRef idx="2">
+              <a:schemeClr val="accent1">
+                <a:shade val="50000"/>
+              </a:schemeClr>
+            </a:lnRef>
+            <a:fillRef idx="1">
+              <a:schemeClr val="accent1"/>
+            </a:fillRef>
+            <a:effectRef idx="0">
+              <a:schemeClr val="accent1"/>
+            </a:effectRef>
+            <a:fontRef idx="minor">
+              <a:schemeClr val="lt1"/>
+            </a:fontRef>
+          </p:style>
+          <p:txBody>
+            <a:bodyPr rtlCol="0" anchor="ctr"/>
+            <a:lstStyle/>
+            <a:p>
+              <a:pPr algn="ctr"/>
+              <a:endParaRPr lang="fr-FR" dirty="0"/>
+            </a:p>
+          </p:txBody>
+        </p:sp>
+        <p:sp>
+          <p:nvSpPr>
+            <p:cNvPr id="75" name="Ellipse 74">
+              <a:extLst>
+                <a:ext uri="{FF2B5EF4-FFF2-40B4-BE49-F238E27FC236}">
+                  <a16:creationId xmlns:a16="http://schemas.microsoft.com/office/drawing/2014/main" id="{C3E1F5E0-02A4-0BFB-DE8A-245EC7DA6ADF}"/>
+                </a:ext>
+              </a:extLst>
+            </p:cNvPr>
+            <p:cNvSpPr/>
+            <p:nvPr/>
+          </p:nvSpPr>
+          <p:spPr>
+            <a:xfrm>
+              <a:off x="3194376" y="4846293"/>
+              <a:ext cx="48471" cy="48471"/>
+            </a:xfrm>
+            <a:prstGeom prst="ellipse">
+              <a:avLst/>
+            </a:prstGeom>
+            <a:solidFill>
+              <a:srgbClr val="002060"/>
+            </a:solidFill>
+            <a:ln w="28575">
+              <a:solidFill>
+                <a:srgbClr val="002060"/>
+              </a:solidFill>
+            </a:ln>
+          </p:spPr>
+          <p:style>
+            <a:lnRef idx="2">
+              <a:schemeClr val="accent1">
+                <a:shade val="50000"/>
+              </a:schemeClr>
+            </a:lnRef>
+            <a:fillRef idx="1">
+              <a:schemeClr val="accent1"/>
+            </a:fillRef>
+            <a:effectRef idx="0">
+              <a:schemeClr val="accent1"/>
+            </a:effectRef>
+            <a:fontRef idx="minor">
+              <a:schemeClr val="lt1"/>
+            </a:fontRef>
+          </p:style>
+          <p:txBody>
+            <a:bodyPr rtlCol="0" anchor="ctr"/>
+            <a:lstStyle/>
+            <a:p>
+              <a:pPr algn="ctr"/>
+              <a:endParaRPr lang="fr-FR" dirty="0"/>
+            </a:p>
+          </p:txBody>
+        </p:sp>
+        <mc:AlternateContent xmlns:mc="http://schemas.openxmlformats.org/markup-compatibility/2006">
+          <mc:Choice xmlns:a14="http://schemas.microsoft.com/office/drawing/2010/main" Requires="a14">
+            <p:sp>
+              <p:nvSpPr>
+                <p:cNvPr id="76" name="ZoneTexte 75">
+                  <a:extLst>
+                    <a:ext uri="{FF2B5EF4-FFF2-40B4-BE49-F238E27FC236}">
+                      <a16:creationId xmlns:a16="http://schemas.microsoft.com/office/drawing/2014/main" id="{50973D3B-63E7-1C39-4255-6AC6C2A40CAF}"/>
+                    </a:ext>
+                  </a:extLst>
+                </p:cNvPr>
+                <p:cNvSpPr txBox="1"/>
+                <p:nvPr/>
+              </p:nvSpPr>
+              <p:spPr>
+                <a:xfrm>
+                  <a:off x="2812864" y="4593529"/>
+                  <a:ext cx="214033" cy="276999"/>
+                </a:xfrm>
+                <a:prstGeom prst="rect">
+                  <a:avLst/>
+                </a:prstGeom>
+                <a:noFill/>
+              </p:spPr>
+              <p:txBody>
+                <a:bodyPr wrap="none" lIns="0" tIns="0" rIns="0" bIns="0" rtlCol="0">
+                  <a:spAutoFit/>
+                </a:bodyPr>
+                <a:lstStyle/>
+                <a:p>
+                  <a:pPr/>
+                  <a14:m>
+                    <m:oMathPara xmlns:m="http://schemas.openxmlformats.org/officeDocument/2006/math">
+                      <m:oMathParaPr>
+                        <m:jc m:val="centerGroup"/>
+                      </m:oMathParaPr>
+                      <m:oMath xmlns:m="http://schemas.openxmlformats.org/officeDocument/2006/math">
+                        <m:r>
+                          <a:rPr lang="fr-FR" b="0" i="1" smtClean="0">
+                            <a:latin typeface="Cambria Math" panose="02040503050406030204" pitchFamily="18" charset="0"/>
+                          </a:rPr>
+                          <m:t>𝑂</m:t>
+                        </m:r>
+                      </m:oMath>
+                    </m:oMathPara>
+                  </a14:m>
+                  <a:endParaRPr lang="fr-FR" dirty="0"/>
+                </a:p>
+              </p:txBody>
+            </p:sp>
+          </mc:Choice>
+          <mc:Fallback>
+            <p:sp>
+              <p:nvSpPr>
+                <p:cNvPr id="76" name="ZoneTexte 75">
+                  <a:extLst>
+                    <a:ext uri="{FF2B5EF4-FFF2-40B4-BE49-F238E27FC236}">
+                      <a16:creationId xmlns:a16="http://schemas.microsoft.com/office/drawing/2014/main" id="{50973D3B-63E7-1C39-4255-6AC6C2A40CAF}"/>
+                    </a:ext>
+                  </a:extLst>
+                </p:cNvPr>
+                <p:cNvSpPr txBox="1">
+                  <a:spLocks noRot="1" noChangeAspect="1" noMove="1" noResize="1" noEditPoints="1" noAdjustHandles="1" noChangeArrowheads="1" noChangeShapeType="1" noTextEdit="1"/>
+                </p:cNvSpPr>
+                <p:nvPr/>
+              </p:nvSpPr>
+              <p:spPr>
+                <a:xfrm>
+                  <a:off x="2812864" y="4593529"/>
+                  <a:ext cx="214033" cy="276999"/>
+                </a:xfrm>
+                <a:prstGeom prst="rect">
+                  <a:avLst/>
+                </a:prstGeom>
+                <a:blipFill>
+                  <a:blip r:embed="rId7"/>
+                  <a:stretch>
+                    <a:fillRect l="-25000" r="-22222" b="-6667"/>
+                  </a:stretch>
+                </a:blipFill>
+              </p:spPr>
+              <p:txBody>
+                <a:bodyPr/>
+                <a:lstStyle/>
+                <a:p>
+                  <a:r>
+                    <a:rPr lang="fr-FR">
+                      <a:noFill/>
+                    </a:rPr>
+                    <a:t> </a:t>
+                  </a:r>
+                </a:p>
+              </p:txBody>
+            </p:sp>
+          </mc:Fallback>
+        </mc:AlternateContent>
+      </p:grpSp>
+      <p:cxnSp>
+        <p:nvCxnSpPr>
+          <p:cNvPr id="77" name="Connecteur droit 76">
+            <a:extLst>
+              <a:ext uri="{FF2B5EF4-FFF2-40B4-BE49-F238E27FC236}">
+                <a16:creationId xmlns:a16="http://schemas.microsoft.com/office/drawing/2014/main" id="{00F8DCA5-D354-A941-22DA-1674731EB30C}"/>
+              </a:ext>
+            </a:extLst>
+          </p:cNvPr>
+          <p:cNvCxnSpPr>
+            <a:cxnSpLocks/>
+            <a:stCxn id="85" idx="3"/>
+          </p:cNvCxnSpPr>
+          <p:nvPr/>
+        </p:nvCxnSpPr>
+        <p:spPr>
+          <a:xfrm flipV="1">
+            <a:off x="6480057" y="721779"/>
+            <a:ext cx="3061478" cy="3083110"/>
+          </a:xfrm>
+          <a:prstGeom prst="line">
+            <a:avLst/>
+          </a:prstGeom>
+          <a:ln w="12700">
+            <a:solidFill>
+              <a:srgbClr val="7030A0"/>
+            </a:solidFill>
+            <a:prstDash val="lgDashDot"/>
+          </a:ln>
+        </p:spPr>
+        <p:style>
+          <a:lnRef idx="1">
+            <a:schemeClr val="accent1"/>
+          </a:lnRef>
+          <a:fillRef idx="0">
+            <a:schemeClr val="accent1"/>
+          </a:fillRef>
+          <a:effectRef idx="0">
+            <a:schemeClr val="accent1"/>
+          </a:effectRef>
+          <a:fontRef idx="minor">
+            <a:schemeClr val="tx1"/>
+          </a:fontRef>
+        </p:style>
+      </p:cxnSp>
+      <p:grpSp>
+        <p:nvGrpSpPr>
+          <p:cNvPr id="78" name="Groupe 77">
+            <a:extLst>
+              <a:ext uri="{FF2B5EF4-FFF2-40B4-BE49-F238E27FC236}">
+                <a16:creationId xmlns:a16="http://schemas.microsoft.com/office/drawing/2014/main" id="{335D5AF2-4FA1-51AE-BB43-E708F3DE5319}"/>
+              </a:ext>
+            </a:extLst>
+          </p:cNvPr>
+          <p:cNvGrpSpPr/>
+          <p:nvPr/>
+        </p:nvGrpSpPr>
+        <p:grpSpPr>
+          <a:xfrm>
+            <a:off x="5520000" y="3583381"/>
+            <a:ext cx="1152000" cy="588367"/>
+            <a:chOff x="5520000" y="3583381"/>
+            <a:chExt cx="1152000" cy="588367"/>
+          </a:xfrm>
+        </p:grpSpPr>
+        <p:sp>
+          <p:nvSpPr>
+            <p:cNvPr id="79" name="Ellipse 78">
+              <a:extLst>
+                <a:ext uri="{FF2B5EF4-FFF2-40B4-BE49-F238E27FC236}">
+                  <a16:creationId xmlns:a16="http://schemas.microsoft.com/office/drawing/2014/main" id="{883A0F92-8B75-29B6-BB4B-442B34EACE0F}"/>
+                </a:ext>
+              </a:extLst>
+            </p:cNvPr>
+            <p:cNvSpPr/>
+            <p:nvPr/>
+          </p:nvSpPr>
+          <p:spPr>
+            <a:xfrm>
+              <a:off x="6080203" y="3876565"/>
+              <a:ext cx="48471" cy="48471"/>
+            </a:xfrm>
+            <a:prstGeom prst="ellipse">
+              <a:avLst/>
+            </a:prstGeom>
+            <a:solidFill>
+              <a:srgbClr val="C00000"/>
+            </a:solidFill>
+            <a:ln w="28575">
+              <a:solidFill>
+                <a:srgbClr val="C00000"/>
+              </a:solidFill>
+            </a:ln>
+          </p:spPr>
+          <p:style>
+            <a:lnRef idx="2">
+              <a:schemeClr val="accent1">
+                <a:shade val="50000"/>
+              </a:schemeClr>
+            </a:lnRef>
+            <a:fillRef idx="1">
+              <a:schemeClr val="accent1"/>
+            </a:fillRef>
+            <a:effectRef idx="0">
+              <a:schemeClr val="accent1"/>
+            </a:effectRef>
+            <a:fontRef idx="minor">
+              <a:schemeClr val="lt1"/>
+            </a:fontRef>
+          </p:style>
+          <p:txBody>
+            <a:bodyPr rtlCol="0" anchor="ctr"/>
+            <a:lstStyle/>
+            <a:p>
+              <a:pPr algn="ctr"/>
+              <a:endParaRPr lang="fr-FR" dirty="0"/>
+            </a:p>
+          </p:txBody>
+        </p:sp>
+        <mc:AlternateContent xmlns:mc="http://schemas.openxmlformats.org/markup-compatibility/2006" xmlns:a14="http://schemas.microsoft.com/office/drawing/2010/main">
+          <mc:Choice Requires="a14">
+            <p:sp>
+              <p:nvSpPr>
+                <p:cNvPr id="80" name="ZoneTexte 79">
+                  <a:extLst>
+                    <a:ext uri="{FF2B5EF4-FFF2-40B4-BE49-F238E27FC236}">
+                      <a16:creationId xmlns:a16="http://schemas.microsoft.com/office/drawing/2014/main" id="{BC2FEF01-C29D-2280-A587-577983424EEC}"/>
+                    </a:ext>
+                  </a:extLst>
+                </p:cNvPr>
+                <p:cNvSpPr txBox="1"/>
+                <p:nvPr/>
+              </p:nvSpPr>
+              <p:spPr>
+                <a:xfrm>
+                  <a:off x="5981368" y="3583381"/>
+                  <a:ext cx="255711" cy="276999"/>
+                </a:xfrm>
+                <a:prstGeom prst="rect">
+                  <a:avLst/>
+                </a:prstGeom>
+                <a:noFill/>
+              </p:spPr>
+              <p:txBody>
+                <a:bodyPr wrap="none" lIns="0" tIns="0" rIns="0" bIns="0" rtlCol="0">
+                  <a:spAutoFit/>
+                </a:bodyPr>
+                <a:lstStyle/>
+                <a:p>
+                  <a:pPr/>
+                  <a14:m>
+                    <m:oMathPara xmlns:m="http://schemas.openxmlformats.org/officeDocument/2006/math">
+                      <m:oMathParaPr>
+                        <m:jc m:val="centerGroup"/>
+                      </m:oMathParaPr>
+                      <m:oMath xmlns:m="http://schemas.openxmlformats.org/officeDocument/2006/math">
+                        <m:r>
+                          <a:rPr lang="fr-FR" b="0" i="1" smtClean="0">
+                            <a:latin typeface="Cambria Math" panose="02040503050406030204" pitchFamily="18" charset="0"/>
+                          </a:rPr>
+                          <m:t>𝑀</m:t>
+                        </m:r>
+                      </m:oMath>
+                    </m:oMathPara>
+                  </a14:m>
+                  <a:endParaRPr lang="fr-FR" dirty="0"/>
+                </a:p>
+              </p:txBody>
+            </p:sp>
+          </mc:Choice>
+          <mc:Fallback xmlns="">
+            <p:sp>
+              <p:nvSpPr>
+                <p:cNvPr id="17" name="ZoneTexte 16">
+                  <a:extLst>
+                    <a:ext uri="{FF2B5EF4-FFF2-40B4-BE49-F238E27FC236}">
+                      <a16:creationId xmlns:a16="http://schemas.microsoft.com/office/drawing/2014/main" id="{0FDEB27B-0EA1-F9A4-E42C-572E59DD0A40}"/>
+                    </a:ext>
+                  </a:extLst>
+                </p:cNvPr>
+                <p:cNvSpPr txBox="1">
+                  <a:spLocks noRot="1" noChangeAspect="1" noMove="1" noResize="1" noEditPoints="1" noAdjustHandles="1" noChangeArrowheads="1" noChangeShapeType="1" noTextEdit="1"/>
+                </p:cNvSpPr>
+                <p:nvPr/>
+              </p:nvSpPr>
+              <p:spPr>
+                <a:xfrm>
+                  <a:off x="5981368" y="3583381"/>
+                  <a:ext cx="255711" cy="276999"/>
+                </a:xfrm>
+                <a:prstGeom prst="rect">
+                  <a:avLst/>
+                </a:prstGeom>
+                <a:blipFill>
+                  <a:blip r:embed="rId8"/>
+                  <a:stretch>
+                    <a:fillRect l="-21429" r="-19048" b="-6667"/>
+                  </a:stretch>
+                </a:blipFill>
+              </p:spPr>
+              <p:txBody>
+                <a:bodyPr/>
+                <a:lstStyle/>
+                <a:p>
+                  <a:r>
+                    <a:rPr lang="fr-FR">
+                      <a:noFill/>
+                    </a:rPr>
+                    <a:t> </a:t>
+                  </a:r>
+                </a:p>
+              </p:txBody>
+            </p:sp>
+          </mc:Fallback>
+        </mc:AlternateContent>
+        <p:grpSp>
+          <p:nvGrpSpPr>
+            <p:cNvPr id="81" name="Groupe 80">
+              <a:extLst>
+                <a:ext uri="{FF2B5EF4-FFF2-40B4-BE49-F238E27FC236}">
+                  <a16:creationId xmlns:a16="http://schemas.microsoft.com/office/drawing/2014/main" id="{485C4265-583A-35EF-EAE5-C7537C180D61}"/>
+                </a:ext>
+              </a:extLst>
+            </p:cNvPr>
+            <p:cNvGrpSpPr/>
+            <p:nvPr/>
+          </p:nvGrpSpPr>
+          <p:grpSpPr>
+            <a:xfrm>
+              <a:off x="5520000" y="3595748"/>
+              <a:ext cx="1152000" cy="576000"/>
+              <a:chOff x="4651128" y="2719448"/>
+              <a:chExt cx="1152000" cy="576000"/>
+            </a:xfrm>
+          </p:grpSpPr>
+          <p:sp>
+            <p:nvSpPr>
+              <p:cNvPr id="82" name="Ellipse 81">
+                <a:extLst>
+                  <a:ext uri="{FF2B5EF4-FFF2-40B4-BE49-F238E27FC236}">
+                    <a16:creationId xmlns:a16="http://schemas.microsoft.com/office/drawing/2014/main" id="{FA5CABDA-7503-E24D-E2E6-84C5EA8681F8}"/>
+                  </a:ext>
+                </a:extLst>
+              </p:cNvPr>
+              <p:cNvSpPr/>
+              <p:nvPr/>
+            </p:nvSpPr>
+            <p:spPr>
+              <a:xfrm>
+                <a:off x="4692650" y="2774949"/>
+                <a:ext cx="180000" cy="180000"/>
+              </a:xfrm>
+              <a:prstGeom prst="ellipse">
+                <a:avLst/>
+              </a:prstGeom>
+              <a:noFill/>
+              <a:ln w="19050">
+                <a:solidFill>
+                  <a:srgbClr val="C00000"/>
+                </a:solidFill>
+              </a:ln>
+            </p:spPr>
+            <p:style>
+              <a:lnRef idx="2">
+                <a:schemeClr val="accent1">
+                  <a:shade val="50000"/>
+                </a:schemeClr>
+              </a:lnRef>
+              <a:fillRef idx="1">
+                <a:schemeClr val="accent1"/>
+              </a:fillRef>
+              <a:effectRef idx="0">
+                <a:schemeClr val="accent1"/>
+              </a:effectRef>
+              <a:fontRef idx="minor">
+                <a:schemeClr val="lt1"/>
+              </a:fontRef>
+            </p:style>
+            <p:txBody>
+              <a:bodyPr rtlCol="0" anchor="ctr"/>
+              <a:lstStyle/>
+              <a:p>
+                <a:pPr algn="ctr"/>
+                <a:endParaRPr lang="fr-FR" dirty="0"/>
+              </a:p>
+            </p:txBody>
+          </p:sp>
+          <p:sp>
+            <p:nvSpPr>
+              <p:cNvPr id="83" name="Ellipse 82">
+                <a:extLst>
+                  <a:ext uri="{FF2B5EF4-FFF2-40B4-BE49-F238E27FC236}">
+                    <a16:creationId xmlns:a16="http://schemas.microsoft.com/office/drawing/2014/main" id="{2A088521-5AE5-F682-A526-A312A83142E7}"/>
+                  </a:ext>
+                </a:extLst>
+              </p:cNvPr>
+              <p:cNvSpPr/>
+              <p:nvPr/>
+            </p:nvSpPr>
+            <p:spPr>
+              <a:xfrm>
+                <a:off x="4692650" y="3060598"/>
+                <a:ext cx="180000" cy="180000"/>
+              </a:xfrm>
+              <a:prstGeom prst="ellipse">
+                <a:avLst/>
+              </a:prstGeom>
+              <a:noFill/>
+              <a:ln w="19050">
+                <a:solidFill>
+                  <a:srgbClr val="C00000"/>
+                </a:solidFill>
+              </a:ln>
+            </p:spPr>
+            <p:style>
+              <a:lnRef idx="2">
+                <a:schemeClr val="accent1">
+                  <a:shade val="50000"/>
+                </a:schemeClr>
+              </a:lnRef>
+              <a:fillRef idx="1">
+                <a:schemeClr val="accent1"/>
+              </a:fillRef>
+              <a:effectRef idx="0">
+                <a:schemeClr val="accent1"/>
+              </a:effectRef>
+              <a:fontRef idx="minor">
+                <a:schemeClr val="lt1"/>
+              </a:fontRef>
+            </p:style>
+            <p:txBody>
+              <a:bodyPr rtlCol="0" anchor="ctr"/>
+              <a:lstStyle/>
+              <a:p>
+                <a:pPr algn="ctr"/>
+                <a:endParaRPr lang="fr-FR"/>
+              </a:p>
+            </p:txBody>
+          </p:sp>
+          <p:sp>
+            <p:nvSpPr>
+              <p:cNvPr id="84" name="Ellipse 83">
+                <a:extLst>
+                  <a:ext uri="{FF2B5EF4-FFF2-40B4-BE49-F238E27FC236}">
+                    <a16:creationId xmlns:a16="http://schemas.microsoft.com/office/drawing/2014/main" id="{396ED897-1FAC-4B74-B6A0-1464FD70503E}"/>
+                  </a:ext>
+                </a:extLst>
+              </p:cNvPr>
+              <p:cNvSpPr/>
+              <p:nvPr/>
+            </p:nvSpPr>
+            <p:spPr>
+              <a:xfrm>
+                <a:off x="5584825" y="3060598"/>
+                <a:ext cx="180000" cy="180000"/>
+              </a:xfrm>
+              <a:prstGeom prst="ellipse">
+                <a:avLst/>
+              </a:prstGeom>
+              <a:noFill/>
+              <a:ln w="19050">
+                <a:solidFill>
+                  <a:srgbClr val="C00000"/>
+                </a:solidFill>
+              </a:ln>
+            </p:spPr>
+            <p:style>
+              <a:lnRef idx="2">
+                <a:schemeClr val="accent1">
+                  <a:shade val="50000"/>
+                </a:schemeClr>
+              </a:lnRef>
+              <a:fillRef idx="1">
+                <a:schemeClr val="accent1"/>
+              </a:fillRef>
+              <a:effectRef idx="0">
+                <a:schemeClr val="accent1"/>
+              </a:effectRef>
+              <a:fontRef idx="minor">
+                <a:schemeClr val="lt1"/>
+              </a:fontRef>
+            </p:style>
+            <p:txBody>
+              <a:bodyPr rtlCol="0" anchor="ctr"/>
+              <a:lstStyle/>
+              <a:p>
+                <a:pPr algn="ctr"/>
+                <a:endParaRPr lang="fr-FR"/>
+              </a:p>
+            </p:txBody>
+          </p:sp>
+          <p:sp>
+            <p:nvSpPr>
+              <p:cNvPr id="85" name="Ellipse 84">
+                <a:extLst>
+                  <a:ext uri="{FF2B5EF4-FFF2-40B4-BE49-F238E27FC236}">
+                    <a16:creationId xmlns:a16="http://schemas.microsoft.com/office/drawing/2014/main" id="{BE7D0182-E0F9-578F-7FDA-10094C07AD4C}"/>
+                  </a:ext>
+                </a:extLst>
+              </p:cNvPr>
+              <p:cNvSpPr/>
+              <p:nvPr/>
+            </p:nvSpPr>
+            <p:spPr>
+              <a:xfrm>
+                <a:off x="5584825" y="2774949"/>
+                <a:ext cx="180000" cy="180000"/>
+              </a:xfrm>
+              <a:prstGeom prst="ellipse">
+                <a:avLst/>
+              </a:prstGeom>
+              <a:solidFill>
+                <a:schemeClr val="bg1"/>
+              </a:solidFill>
+              <a:ln w="19050">
+                <a:solidFill>
+                  <a:srgbClr val="C00000"/>
+                </a:solidFill>
+              </a:ln>
+            </p:spPr>
+            <p:style>
+              <a:lnRef idx="2">
+                <a:schemeClr val="accent1">
+                  <a:shade val="50000"/>
+                </a:schemeClr>
+              </a:lnRef>
+              <a:fillRef idx="1">
+                <a:schemeClr val="accent1"/>
+              </a:fillRef>
+              <a:effectRef idx="0">
+                <a:schemeClr val="accent1"/>
+              </a:effectRef>
+              <a:fontRef idx="minor">
+                <a:schemeClr val="lt1"/>
+              </a:fontRef>
+            </p:style>
+            <p:txBody>
+              <a:bodyPr rtlCol="0" anchor="ctr"/>
+              <a:lstStyle/>
+              <a:p>
+                <a:pPr algn="ctr"/>
+                <a:endParaRPr lang="fr-FR"/>
+              </a:p>
+            </p:txBody>
+          </p:sp>
+          <p:sp>
+            <p:nvSpPr>
+              <p:cNvPr id="86" name="Rectangle : coins arrondis 85">
+                <a:extLst>
+                  <a:ext uri="{FF2B5EF4-FFF2-40B4-BE49-F238E27FC236}">
+                    <a16:creationId xmlns:a16="http://schemas.microsoft.com/office/drawing/2014/main" id="{D9039F85-692A-E601-DA11-6C681019AC87}"/>
+                  </a:ext>
+                </a:extLst>
+              </p:cNvPr>
+              <p:cNvSpPr/>
+              <p:nvPr/>
+            </p:nvSpPr>
+            <p:spPr>
+              <a:xfrm>
+                <a:off x="4651128" y="2719448"/>
+                <a:ext cx="1152000" cy="576000"/>
+              </a:xfrm>
+              <a:prstGeom prst="roundRect">
+                <a:avLst/>
+              </a:prstGeom>
+              <a:noFill/>
+              <a:ln w="19050">
+                <a:solidFill>
+                  <a:srgbClr val="C00000"/>
+                </a:solidFill>
+              </a:ln>
+            </p:spPr>
+            <p:style>
+              <a:lnRef idx="2">
+                <a:schemeClr val="accent1">
+                  <a:shade val="50000"/>
+                </a:schemeClr>
+              </a:lnRef>
+              <a:fillRef idx="1">
+                <a:schemeClr val="accent1"/>
+              </a:fillRef>
+              <a:effectRef idx="0">
+                <a:schemeClr val="accent1"/>
+              </a:effectRef>
+              <a:fontRef idx="minor">
+                <a:schemeClr val="lt1"/>
+              </a:fontRef>
+            </p:style>
+            <p:txBody>
+              <a:bodyPr rtlCol="0" anchor="ctr"/>
+              <a:lstStyle/>
+              <a:p>
+                <a:pPr algn="ctr"/>
+                <a:endParaRPr lang="fr-FR" dirty="0"/>
+              </a:p>
+            </p:txBody>
+          </p:sp>
+        </p:grpSp>
+      </p:grpSp>
+      <p:cxnSp>
+        <p:nvCxnSpPr>
+          <p:cNvPr id="87" name="Connecteur droit 86">
+            <a:extLst>
+              <a:ext uri="{FF2B5EF4-FFF2-40B4-BE49-F238E27FC236}">
+                <a16:creationId xmlns:a16="http://schemas.microsoft.com/office/drawing/2014/main" id="{3459A33C-85F1-CF28-4F44-56AE9B1BBC54}"/>
+              </a:ext>
+            </a:extLst>
+          </p:cNvPr>
+          <p:cNvCxnSpPr>
+            <a:cxnSpLocks/>
+            <a:stCxn id="9" idx="1"/>
+            <a:endCxn id="8" idx="1"/>
+          </p:cNvCxnSpPr>
+          <p:nvPr/>
+        </p:nvCxnSpPr>
+        <p:spPr>
+          <a:xfrm flipH="1" flipV="1">
+            <a:off x="9387895" y="492450"/>
+            <a:ext cx="127279" cy="127279"/>
+          </a:xfrm>
+          <a:prstGeom prst="line">
+            <a:avLst/>
+          </a:prstGeom>
+          <a:ln w="19050">
+            <a:solidFill>
+              <a:srgbClr val="7030A0"/>
+            </a:solidFill>
+          </a:ln>
+        </p:spPr>
+        <p:style>
+          <a:lnRef idx="1">
+            <a:schemeClr val="accent1"/>
+          </a:lnRef>
+          <a:fillRef idx="0">
+            <a:schemeClr val="accent1"/>
+          </a:fillRef>
+          <a:effectRef idx="0">
+            <a:schemeClr val="accent1"/>
+          </a:effectRef>
+          <a:fontRef idx="minor">
+            <a:schemeClr val="tx1"/>
+          </a:fontRef>
+        </p:style>
+      </p:cxnSp>
+      <p:cxnSp>
+        <p:nvCxnSpPr>
+          <p:cNvPr id="88" name="Connecteur droit 87">
+            <a:extLst>
+              <a:ext uri="{FF2B5EF4-FFF2-40B4-BE49-F238E27FC236}">
+                <a16:creationId xmlns:a16="http://schemas.microsoft.com/office/drawing/2014/main" id="{7D5B9748-B1C1-9F12-42B8-B202C5AD9349}"/>
+              </a:ext>
+            </a:extLst>
+          </p:cNvPr>
+          <p:cNvCxnSpPr>
+            <a:cxnSpLocks/>
+          </p:cNvCxnSpPr>
+          <p:nvPr/>
+        </p:nvCxnSpPr>
+        <p:spPr>
+          <a:xfrm flipV="1">
+            <a:off x="7811001" y="1744263"/>
+            <a:ext cx="714519" cy="719567"/>
+          </a:xfrm>
+          <a:prstGeom prst="line">
+            <a:avLst/>
+          </a:prstGeom>
+          <a:ln w="28575">
+            <a:solidFill>
+              <a:srgbClr val="7030A0"/>
+            </a:solidFill>
+            <a:prstDash val="solid"/>
+            <a:headEnd type="none" w="med" len="lg"/>
+            <a:tailEnd type="stealth" w="med" len="lg"/>
+          </a:ln>
+        </p:spPr>
+        <p:style>
+          <a:lnRef idx="1">
+            <a:schemeClr val="accent1"/>
+          </a:lnRef>
+          <a:fillRef idx="0">
+            <a:schemeClr val="accent1"/>
+          </a:fillRef>
+          <a:effectRef idx="0">
+            <a:schemeClr val="accent1"/>
+          </a:effectRef>
+          <a:fontRef idx="minor">
+            <a:schemeClr val="tx1"/>
+          </a:fontRef>
+        </p:style>
+      </p:cxnSp>
+      <mc:AlternateContent xmlns:mc="http://schemas.openxmlformats.org/markup-compatibility/2006">
+        <mc:Choice xmlns:a14="http://schemas.microsoft.com/office/drawing/2010/main" Requires="a14">
+          <p:sp>
+            <p:nvSpPr>
+              <p:cNvPr id="89" name="ZoneTexte 88">
+                <a:extLst>
+                  <a:ext uri="{FF2B5EF4-FFF2-40B4-BE49-F238E27FC236}">
+                    <a16:creationId xmlns:a16="http://schemas.microsoft.com/office/drawing/2014/main" id="{3911A195-9F30-5E58-9562-ABE7690D81E7}"/>
+                  </a:ext>
+                </a:extLst>
+              </p:cNvPr>
+              <p:cNvSpPr txBox="1"/>
+              <p:nvPr/>
+            </p:nvSpPr>
+            <p:spPr>
+              <a:xfrm>
+                <a:off x="8252116" y="2118992"/>
+                <a:ext cx="446468" cy="276999"/>
+              </a:xfrm>
+              <a:prstGeom prst="rect">
+                <a:avLst/>
+              </a:prstGeom>
+              <a:noFill/>
+            </p:spPr>
+            <p:txBody>
+              <a:bodyPr wrap="none" lIns="0" tIns="0" rIns="0" bIns="0" rtlCol="0">
+                <a:spAutoFit/>
+              </a:bodyPr>
+              <a:lstStyle/>
+              <a:p>
+                <a:pPr/>
+                <a14:m>
+                  <m:oMathPara xmlns:m="http://schemas.openxmlformats.org/officeDocument/2006/math">
+                    <m:oMathParaPr>
+                      <m:jc m:val="centerGroup"/>
+                    </m:oMathParaPr>
+                    <m:oMath xmlns:m="http://schemas.openxmlformats.org/officeDocument/2006/math">
+                      <m:acc>
+                        <m:accPr>
+                          <m:chr m:val="⃗"/>
+                          <m:ctrlPr>
+                            <a:rPr lang="fr-FR" b="0" i="1" smtClean="0">
+                              <a:latin typeface="Cambria Math" panose="02040503050406030204" pitchFamily="18" charset="0"/>
+                            </a:rPr>
+                          </m:ctrlPr>
+                        </m:accPr>
+                        <m:e>
+                          <m:sSub>
+                            <m:sSubPr>
+                              <m:ctrlPr>
+                                <a:rPr lang="fr-FR" b="0" i="1" smtClean="0">
+                                  <a:latin typeface="Cambria Math" panose="02040503050406030204" pitchFamily="18" charset="0"/>
+                                </a:rPr>
+                              </m:ctrlPr>
+                            </m:sSubPr>
+                            <m:e>
+                              <m:r>
+                                <a:rPr lang="fr-FR" b="0" i="1" smtClean="0">
+                                  <a:latin typeface="Cambria Math" panose="02040503050406030204" pitchFamily="18" charset="0"/>
+                                </a:rPr>
+                                <m:t>𝑢</m:t>
+                              </m:r>
+                            </m:e>
+                            <m:sub>
+                              <m:r>
+                                <a:rPr lang="fr-FR" b="0" i="1" smtClean="0">
+                                  <a:latin typeface="Cambria Math" panose="02040503050406030204" pitchFamily="18" charset="0"/>
+                                </a:rPr>
+                                <m:t>𝐻𝐷</m:t>
+                              </m:r>
+                            </m:sub>
+                          </m:sSub>
+                        </m:e>
+                      </m:acc>
+                    </m:oMath>
+                  </m:oMathPara>
+                </a14:m>
+                <a:endParaRPr lang="fr-FR" dirty="0"/>
+              </a:p>
+            </p:txBody>
+          </p:sp>
+        </mc:Choice>
+        <mc:Fallback>
+          <p:sp>
+            <p:nvSpPr>
+              <p:cNvPr id="89" name="ZoneTexte 88">
+                <a:extLst>
+                  <a:ext uri="{FF2B5EF4-FFF2-40B4-BE49-F238E27FC236}">
+                    <a16:creationId xmlns:a16="http://schemas.microsoft.com/office/drawing/2014/main" id="{3911A195-9F30-5E58-9562-ABE7690D81E7}"/>
+                  </a:ext>
+                </a:extLst>
+              </p:cNvPr>
+              <p:cNvSpPr txBox="1">
+                <a:spLocks noRot="1" noChangeAspect="1" noMove="1" noResize="1" noEditPoints="1" noAdjustHandles="1" noChangeArrowheads="1" noChangeShapeType="1" noTextEdit="1"/>
+              </p:cNvSpPr>
+              <p:nvPr/>
+            </p:nvSpPr>
+            <p:spPr>
+              <a:xfrm>
+                <a:off x="8252116" y="2118992"/>
+                <a:ext cx="446468" cy="276999"/>
+              </a:xfrm>
+              <a:prstGeom prst="rect">
+                <a:avLst/>
+              </a:prstGeom>
+              <a:blipFill>
+                <a:blip r:embed="rId9"/>
+                <a:stretch>
+                  <a:fillRect l="-6849" r="-4110" b="-15556"/>
+                </a:stretch>
+              </a:blipFill>
+            </p:spPr>
+            <p:txBody>
+              <a:bodyPr/>
+              <a:lstStyle/>
+              <a:p>
+                <a:r>
+                  <a:rPr lang="fr-FR">
+                    <a:noFill/>
+                  </a:rPr>
+                  <a:t> </a:t>
+                </a:r>
+              </a:p>
+            </p:txBody>
+          </p:sp>
+        </mc:Fallback>
+      </mc:AlternateContent>
+      <p:grpSp>
+        <p:nvGrpSpPr>
+          <p:cNvPr id="91" name="Groupe 90">
+            <a:extLst>
+              <a:ext uri="{FF2B5EF4-FFF2-40B4-BE49-F238E27FC236}">
+                <a16:creationId xmlns:a16="http://schemas.microsoft.com/office/drawing/2014/main" id="{18597A49-1E03-DC9C-8E6B-201878259C67}"/>
+              </a:ext>
+            </a:extLst>
+          </p:cNvPr>
+          <p:cNvGrpSpPr/>
+          <p:nvPr/>
+        </p:nvGrpSpPr>
+        <p:grpSpPr>
+          <a:xfrm>
+            <a:off x="1634067" y="-459884"/>
+            <a:ext cx="1986707" cy="2053092"/>
+            <a:chOff x="6634" y="1223876"/>
+            <a:chExt cx="6371273" cy="6584166"/>
+          </a:xfrm>
+        </p:grpSpPr>
+        <p:cxnSp>
+          <p:nvCxnSpPr>
+            <p:cNvPr id="92" name="Connecteur droit 91">
+              <a:extLst>
+                <a:ext uri="{FF2B5EF4-FFF2-40B4-BE49-F238E27FC236}">
+                  <a16:creationId xmlns:a16="http://schemas.microsoft.com/office/drawing/2014/main" id="{F3893044-2FD0-D9B9-4AFA-D38B57308100}"/>
+                </a:ext>
+              </a:extLst>
+            </p:cNvPr>
+            <p:cNvCxnSpPr>
+              <a:cxnSpLocks/>
+            </p:cNvCxnSpPr>
+            <p:nvPr/>
+          </p:nvCxnSpPr>
+          <p:spPr>
+            <a:xfrm>
+              <a:off x="6634" y="4870529"/>
+              <a:ext cx="6097807" cy="0"/>
+            </a:xfrm>
+            <a:prstGeom prst="line">
+              <a:avLst/>
+            </a:prstGeom>
+            <a:ln w="28575">
+              <a:solidFill>
+                <a:srgbClr val="002060"/>
+              </a:solidFill>
+              <a:tailEnd type="stealth" w="med" len="lg"/>
+            </a:ln>
+          </p:spPr>
+          <p:style>
+            <a:lnRef idx="1">
+              <a:schemeClr val="accent1"/>
+            </a:lnRef>
+            <a:fillRef idx="0">
+              <a:schemeClr val="accent1"/>
+            </a:fillRef>
+            <a:effectRef idx="0">
+              <a:schemeClr val="accent1"/>
+            </a:effectRef>
+            <a:fontRef idx="minor">
+              <a:schemeClr val="tx1"/>
+            </a:fontRef>
+          </p:style>
+        </p:cxnSp>
+        <p:cxnSp>
+          <p:nvCxnSpPr>
+            <p:cNvPr id="93" name="Connecteur droit 92">
+              <a:extLst>
+                <a:ext uri="{FF2B5EF4-FFF2-40B4-BE49-F238E27FC236}">
+                  <a16:creationId xmlns:a16="http://schemas.microsoft.com/office/drawing/2014/main" id="{2CCFFC41-0AE2-CDE0-F209-9768C0D4180D}"/>
+                </a:ext>
+              </a:extLst>
+            </p:cNvPr>
+            <p:cNvCxnSpPr>
+              <a:cxnSpLocks/>
+            </p:cNvCxnSpPr>
+            <p:nvPr/>
+          </p:nvCxnSpPr>
+          <p:spPr>
+            <a:xfrm flipV="1">
+              <a:off x="3218758" y="1336655"/>
+              <a:ext cx="0" cy="6471387"/>
+            </a:xfrm>
+            <a:prstGeom prst="line">
+              <a:avLst/>
+            </a:prstGeom>
+            <a:ln w="28575">
+              <a:solidFill>
+                <a:srgbClr val="002060"/>
+              </a:solidFill>
+              <a:tailEnd type="stealth" w="med" len="lg"/>
+            </a:ln>
+          </p:spPr>
+          <p:style>
+            <a:lnRef idx="1">
+              <a:schemeClr val="accent1"/>
+            </a:lnRef>
+            <a:fillRef idx="0">
+              <a:schemeClr val="accent1"/>
+            </a:fillRef>
+            <a:effectRef idx="0">
+              <a:schemeClr val="accent1"/>
+            </a:effectRef>
+            <a:fontRef idx="minor">
+              <a:schemeClr val="tx1"/>
+            </a:fontRef>
+          </p:style>
+        </p:cxnSp>
+        <mc:AlternateContent xmlns:mc="http://schemas.openxmlformats.org/markup-compatibility/2006">
+          <mc:Choice xmlns:a14="http://schemas.microsoft.com/office/drawing/2010/main" Requires="a14">
+            <p:sp>
+              <p:nvSpPr>
+                <p:cNvPr id="94" name="ZoneTexte 93">
+                  <a:extLst>
+                    <a:ext uri="{FF2B5EF4-FFF2-40B4-BE49-F238E27FC236}">
+                      <a16:creationId xmlns:a16="http://schemas.microsoft.com/office/drawing/2014/main" id="{7A9CF0FC-139F-9C9A-FA43-B056308DAC1E}"/>
+                    </a:ext>
+                  </a:extLst>
+                </p:cNvPr>
+                <p:cNvSpPr txBox="1"/>
+                <p:nvPr/>
+              </p:nvSpPr>
+              <p:spPr>
+                <a:xfrm>
+                  <a:off x="5165917" y="3802771"/>
+                  <a:ext cx="1211990" cy="888322"/>
+                </a:xfrm>
+                <a:prstGeom prst="rect">
+                  <a:avLst/>
+                </a:prstGeom>
+                <a:noFill/>
+              </p:spPr>
+              <p:txBody>
+                <a:bodyPr wrap="square" lIns="0" tIns="0" rIns="0" bIns="0" rtlCol="0">
+                  <a:spAutoFit/>
+                </a:bodyPr>
+                <a:lstStyle/>
+                <a:p>
+                  <a:pPr/>
+                  <a14:m>
+                    <m:oMathPara xmlns:m="http://schemas.openxmlformats.org/officeDocument/2006/math">
+                      <m:oMathParaPr>
+                        <m:jc m:val="centerGroup"/>
+                      </m:oMathParaPr>
+                      <m:oMath xmlns:m="http://schemas.openxmlformats.org/officeDocument/2006/math">
+                        <m:acc>
+                          <m:accPr>
+                            <m:chr m:val="⃗"/>
+                            <m:ctrlPr>
+                              <a:rPr lang="fr-FR" b="0" i="1" smtClean="0">
+                                <a:latin typeface="Cambria Math" panose="02040503050406030204" pitchFamily="18" charset="0"/>
+                              </a:rPr>
+                            </m:ctrlPr>
+                          </m:accPr>
+                          <m:e>
+                            <m:r>
+                              <a:rPr lang="fr-FR" b="0" i="1" smtClean="0">
+                                <a:latin typeface="Cambria Math" panose="02040503050406030204" pitchFamily="18" charset="0"/>
+                              </a:rPr>
+                              <m:t>𝑥</m:t>
+                            </m:r>
+                          </m:e>
+                        </m:acc>
+                      </m:oMath>
+                    </m:oMathPara>
+                  </a14:m>
+                  <a:endParaRPr lang="fr-FR" dirty="0"/>
+                </a:p>
+              </p:txBody>
+            </p:sp>
+          </mc:Choice>
+          <mc:Fallback>
+            <p:sp>
+              <p:nvSpPr>
+                <p:cNvPr id="94" name="ZoneTexte 93">
+                  <a:extLst>
+                    <a:ext uri="{FF2B5EF4-FFF2-40B4-BE49-F238E27FC236}">
+                      <a16:creationId xmlns:a16="http://schemas.microsoft.com/office/drawing/2014/main" id="{7A9CF0FC-139F-9C9A-FA43-B056308DAC1E}"/>
+                    </a:ext>
+                  </a:extLst>
+                </p:cNvPr>
+                <p:cNvSpPr txBox="1">
+                  <a:spLocks noRot="1" noChangeAspect="1" noMove="1" noResize="1" noEditPoints="1" noAdjustHandles="1" noChangeArrowheads="1" noChangeShapeType="1" noTextEdit="1"/>
+                </p:cNvSpPr>
+                <p:nvPr/>
+              </p:nvSpPr>
+              <p:spPr>
+                <a:xfrm>
+                  <a:off x="5165917" y="3802771"/>
+                  <a:ext cx="1211990" cy="888322"/>
+                </a:xfrm>
+                <a:prstGeom prst="rect">
+                  <a:avLst/>
+                </a:prstGeom>
+                <a:blipFill>
+                  <a:blip r:embed="rId10"/>
+                  <a:stretch>
+                    <a:fillRect t="-45652" r="-64516" b="-8696"/>
+                  </a:stretch>
+                </a:blipFill>
+              </p:spPr>
+              <p:txBody>
+                <a:bodyPr/>
+                <a:lstStyle/>
+                <a:p>
+                  <a:r>
+                    <a:rPr lang="fr-FR">
+                      <a:noFill/>
+                    </a:rPr>
+                    <a:t> </a:t>
+                  </a:r>
+                </a:p>
+              </p:txBody>
+            </p:sp>
+          </mc:Fallback>
+        </mc:AlternateContent>
+        <mc:AlternateContent xmlns:mc="http://schemas.openxmlformats.org/markup-compatibility/2006">
+          <mc:Choice xmlns:a14="http://schemas.microsoft.com/office/drawing/2010/main" Requires="a14">
+            <p:sp>
+              <p:nvSpPr>
+                <p:cNvPr id="95" name="ZoneTexte 94">
+                  <a:extLst>
+                    <a:ext uri="{FF2B5EF4-FFF2-40B4-BE49-F238E27FC236}">
+                      <a16:creationId xmlns:a16="http://schemas.microsoft.com/office/drawing/2014/main" id="{DC2E2CB9-64FF-64C7-6A09-4DCB55F26CCE}"/>
+                    </a:ext>
+                  </a:extLst>
+                </p:cNvPr>
+                <p:cNvSpPr txBox="1"/>
+                <p:nvPr/>
+              </p:nvSpPr>
+              <p:spPr>
+                <a:xfrm>
+                  <a:off x="1995534" y="1223876"/>
+                  <a:ext cx="1459067" cy="1184430"/>
+                </a:xfrm>
+                <a:prstGeom prst="rect">
+                  <a:avLst/>
+                </a:prstGeom>
+                <a:noFill/>
+              </p:spPr>
+              <p:txBody>
+                <a:bodyPr wrap="square">
+                  <a:spAutoFit/>
+                </a:bodyPr>
+                <a:lstStyle/>
+                <a:p>
+                  <a:pPr/>
+                  <a14:m>
+                    <m:oMathPara xmlns:m="http://schemas.openxmlformats.org/officeDocument/2006/math">
+                      <m:oMathParaPr>
+                        <m:jc m:val="centerGroup"/>
+                      </m:oMathParaPr>
+                      <m:oMath xmlns:m="http://schemas.openxmlformats.org/officeDocument/2006/math">
+                        <m:acc>
+                          <m:accPr>
+                            <m:chr m:val="⃗"/>
+                            <m:ctrlPr>
+                              <a:rPr lang="fr-FR" b="0" i="1" smtClean="0">
+                                <a:latin typeface="Cambria Math" panose="02040503050406030204" pitchFamily="18" charset="0"/>
+                              </a:rPr>
+                            </m:ctrlPr>
+                          </m:accPr>
+                          <m:e>
+                            <m:r>
+                              <a:rPr lang="fr-FR" b="0" i="1" smtClean="0">
+                                <a:latin typeface="Cambria Math" panose="02040503050406030204" pitchFamily="18" charset="0"/>
+                              </a:rPr>
+                              <m:t>𝑦</m:t>
+                            </m:r>
+                          </m:e>
+                        </m:acc>
+                      </m:oMath>
+                    </m:oMathPara>
+                  </a14:m>
+                  <a:endParaRPr lang="fr-FR" dirty="0"/>
+                </a:p>
+              </p:txBody>
+            </p:sp>
+          </mc:Choice>
+          <mc:Fallback>
+            <p:sp>
+              <p:nvSpPr>
+                <p:cNvPr id="95" name="ZoneTexte 94">
+                  <a:extLst>
+                    <a:ext uri="{FF2B5EF4-FFF2-40B4-BE49-F238E27FC236}">
+                      <a16:creationId xmlns:a16="http://schemas.microsoft.com/office/drawing/2014/main" id="{DC2E2CB9-64FF-64C7-6A09-4DCB55F26CCE}"/>
+                    </a:ext>
+                  </a:extLst>
+                </p:cNvPr>
+                <p:cNvSpPr txBox="1">
+                  <a:spLocks noRot="1" noChangeAspect="1" noMove="1" noResize="1" noEditPoints="1" noAdjustHandles="1" noChangeArrowheads="1" noChangeShapeType="1" noTextEdit="1"/>
+                </p:cNvSpPr>
+                <p:nvPr/>
+              </p:nvSpPr>
+              <p:spPr>
+                <a:xfrm>
+                  <a:off x="1995534" y="1223876"/>
+                  <a:ext cx="1459067" cy="1184430"/>
+                </a:xfrm>
+                <a:prstGeom prst="rect">
+                  <a:avLst/>
+                </a:prstGeom>
+                <a:blipFill>
+                  <a:blip r:embed="rId11"/>
+                  <a:stretch>
+                    <a:fillRect t="-23333" r="-32432" b="-6667"/>
+                  </a:stretch>
+                </a:blipFill>
+              </p:spPr>
+              <p:txBody>
+                <a:bodyPr/>
+                <a:lstStyle/>
+                <a:p>
+                  <a:r>
+                    <a:rPr lang="fr-FR">
+                      <a:noFill/>
+                    </a:rPr>
+                    <a:t> </a:t>
+                  </a:r>
+                </a:p>
+              </p:txBody>
+            </p:sp>
+          </mc:Fallback>
+        </mc:AlternateContent>
+        <p:sp>
+          <p:nvSpPr>
+            <p:cNvPr id="96" name="Ellipse 95">
+              <a:extLst>
+                <a:ext uri="{FF2B5EF4-FFF2-40B4-BE49-F238E27FC236}">
+                  <a16:creationId xmlns:a16="http://schemas.microsoft.com/office/drawing/2014/main" id="{870B4862-AD58-17FD-FCAA-C6B8097421A2}"/>
+                </a:ext>
+              </a:extLst>
+            </p:cNvPr>
+            <p:cNvSpPr/>
+            <p:nvPr/>
+          </p:nvSpPr>
+          <p:spPr>
+            <a:xfrm>
+              <a:off x="3128611" y="4780529"/>
+              <a:ext cx="180000" cy="180000"/>
+            </a:xfrm>
+            <a:prstGeom prst="ellipse">
+              <a:avLst/>
+            </a:prstGeom>
+            <a:solidFill>
+              <a:schemeClr val="bg1"/>
+            </a:solidFill>
+            <a:ln w="28575">
+              <a:solidFill>
+                <a:srgbClr val="002060"/>
+              </a:solidFill>
+            </a:ln>
+          </p:spPr>
+          <p:style>
+            <a:lnRef idx="2">
+              <a:schemeClr val="accent1">
+                <a:shade val="50000"/>
+              </a:schemeClr>
+            </a:lnRef>
+            <a:fillRef idx="1">
+              <a:schemeClr val="accent1"/>
+            </a:fillRef>
+            <a:effectRef idx="0">
+              <a:schemeClr val="accent1"/>
+            </a:effectRef>
+            <a:fontRef idx="minor">
+              <a:schemeClr val="lt1"/>
+            </a:fontRef>
+          </p:style>
+          <p:txBody>
+            <a:bodyPr rtlCol="0" anchor="ctr"/>
+            <a:lstStyle/>
+            <a:p>
+              <a:pPr algn="ctr"/>
+              <a:endParaRPr lang="fr-FR" dirty="0"/>
+            </a:p>
+          </p:txBody>
+        </p:sp>
+        <p:sp>
+          <p:nvSpPr>
+            <p:cNvPr id="97" name="Ellipse 96">
+              <a:extLst>
+                <a:ext uri="{FF2B5EF4-FFF2-40B4-BE49-F238E27FC236}">
+                  <a16:creationId xmlns:a16="http://schemas.microsoft.com/office/drawing/2014/main" id="{03A9EFA3-837D-DDE4-2F10-D143A7E20A32}"/>
+                </a:ext>
+              </a:extLst>
+            </p:cNvPr>
+            <p:cNvSpPr/>
+            <p:nvPr/>
+          </p:nvSpPr>
+          <p:spPr>
+            <a:xfrm>
+              <a:off x="3194376" y="4846293"/>
+              <a:ext cx="48471" cy="48471"/>
+            </a:xfrm>
+            <a:prstGeom prst="ellipse">
+              <a:avLst/>
+            </a:prstGeom>
+            <a:solidFill>
+              <a:srgbClr val="002060"/>
+            </a:solidFill>
+            <a:ln w="28575">
+              <a:solidFill>
+                <a:srgbClr val="002060"/>
+              </a:solidFill>
+            </a:ln>
+          </p:spPr>
+          <p:style>
+            <a:lnRef idx="2">
+              <a:schemeClr val="accent1">
+                <a:shade val="50000"/>
+              </a:schemeClr>
+            </a:lnRef>
+            <a:fillRef idx="1">
+              <a:schemeClr val="accent1"/>
+            </a:fillRef>
+            <a:effectRef idx="0">
+              <a:schemeClr val="accent1"/>
+            </a:effectRef>
+            <a:fontRef idx="minor">
+              <a:schemeClr val="lt1"/>
+            </a:fontRef>
+          </p:style>
+          <p:txBody>
+            <a:bodyPr rtlCol="0" anchor="ctr"/>
+            <a:lstStyle/>
+            <a:p>
+              <a:pPr algn="ctr"/>
+              <a:endParaRPr lang="fr-FR" dirty="0"/>
+            </a:p>
+          </p:txBody>
+        </p:sp>
+        <mc:AlternateContent xmlns:mc="http://schemas.openxmlformats.org/markup-compatibility/2006">
+          <mc:Choice xmlns:a14="http://schemas.microsoft.com/office/drawing/2010/main" Requires="a14">
+            <p:sp>
+              <p:nvSpPr>
+                <p:cNvPr id="98" name="ZoneTexte 97">
+                  <a:extLst>
+                    <a:ext uri="{FF2B5EF4-FFF2-40B4-BE49-F238E27FC236}">
+                      <a16:creationId xmlns:a16="http://schemas.microsoft.com/office/drawing/2014/main" id="{C2A2887B-2264-E3B5-91DD-7B6AEAF1E67F}"/>
+                    </a:ext>
+                  </a:extLst>
+                </p:cNvPr>
+                <p:cNvSpPr txBox="1"/>
+                <p:nvPr/>
+              </p:nvSpPr>
+              <p:spPr>
+                <a:xfrm>
+                  <a:off x="1589473" y="4471315"/>
+                  <a:ext cx="779555" cy="888322"/>
+                </a:xfrm>
+                <a:prstGeom prst="rect">
+                  <a:avLst/>
+                </a:prstGeom>
+                <a:noFill/>
+              </p:spPr>
+              <p:txBody>
+                <a:bodyPr wrap="square" lIns="0" tIns="0" rIns="0" bIns="0" rtlCol="0">
+                  <a:spAutoFit/>
+                </a:bodyPr>
+                <a:lstStyle/>
+                <a:p>
+                  <a:pPr/>
+                  <a14:m>
+                    <m:oMathPara xmlns:m="http://schemas.openxmlformats.org/officeDocument/2006/math">
+                      <m:oMathParaPr>
+                        <m:jc m:val="centerGroup"/>
+                      </m:oMathParaPr>
+                      <m:oMath xmlns:m="http://schemas.openxmlformats.org/officeDocument/2006/math">
+                        <m:r>
+                          <a:rPr lang="fr-FR" b="0" i="1" smtClean="0">
+                            <a:latin typeface="Cambria Math" panose="02040503050406030204" pitchFamily="18" charset="0"/>
+                          </a:rPr>
+                          <m:t>𝑂</m:t>
+                        </m:r>
+                      </m:oMath>
+                    </m:oMathPara>
+                  </a14:m>
+                  <a:endParaRPr lang="fr-FR" dirty="0"/>
+                </a:p>
+              </p:txBody>
+            </p:sp>
+          </mc:Choice>
+          <mc:Fallback>
+            <p:sp>
+              <p:nvSpPr>
+                <p:cNvPr id="98" name="ZoneTexte 97">
+                  <a:extLst>
+                    <a:ext uri="{FF2B5EF4-FFF2-40B4-BE49-F238E27FC236}">
+                      <a16:creationId xmlns:a16="http://schemas.microsoft.com/office/drawing/2014/main" id="{C2A2887B-2264-E3B5-91DD-7B6AEAF1E67F}"/>
+                    </a:ext>
+                  </a:extLst>
+                </p:cNvPr>
+                <p:cNvSpPr txBox="1">
+                  <a:spLocks noRot="1" noChangeAspect="1" noMove="1" noResize="1" noEditPoints="1" noAdjustHandles="1" noChangeArrowheads="1" noChangeShapeType="1" noTextEdit="1"/>
+                </p:cNvSpPr>
+                <p:nvPr/>
+              </p:nvSpPr>
+              <p:spPr>
+                <a:xfrm>
+                  <a:off x="1589473" y="4471315"/>
+                  <a:ext cx="779555" cy="888322"/>
+                </a:xfrm>
+                <a:prstGeom prst="rect">
+                  <a:avLst/>
+                </a:prstGeom>
+                <a:blipFill>
+                  <a:blip r:embed="rId12"/>
+                  <a:stretch>
+                    <a:fillRect l="-15000" r="-17500" b="-6667"/>
+                  </a:stretch>
+                </a:blipFill>
+              </p:spPr>
+              <p:txBody>
+                <a:bodyPr/>
+                <a:lstStyle/>
+                <a:p>
+                  <a:r>
+                    <a:rPr lang="fr-FR">
+                      <a:noFill/>
+                    </a:rPr>
+                    <a:t> </a:t>
+                  </a:r>
+                </a:p>
+              </p:txBody>
+            </p:sp>
+          </mc:Fallback>
+        </mc:AlternateContent>
+      </p:grpSp>
+      <p:cxnSp>
+        <p:nvCxnSpPr>
+          <p:cNvPr id="99" name="Connecteur droit 98">
+            <a:extLst>
+              <a:ext uri="{FF2B5EF4-FFF2-40B4-BE49-F238E27FC236}">
+                <a16:creationId xmlns:a16="http://schemas.microsoft.com/office/drawing/2014/main" id="{44163F97-35E3-6D05-2E72-3FF2E8CCC257}"/>
+              </a:ext>
+            </a:extLst>
+          </p:cNvPr>
+          <p:cNvCxnSpPr>
+            <a:cxnSpLocks/>
+          </p:cNvCxnSpPr>
+          <p:nvPr/>
+        </p:nvCxnSpPr>
+        <p:spPr>
+          <a:xfrm flipH="1" flipV="1">
+            <a:off x="1880990" y="-85317"/>
+            <a:ext cx="743286" cy="766124"/>
+          </a:xfrm>
+          <a:prstGeom prst="line">
+            <a:avLst/>
+          </a:prstGeom>
+          <a:ln w="28575">
+            <a:solidFill>
+              <a:srgbClr val="7030A0"/>
+            </a:solidFill>
+            <a:prstDash val="solid"/>
+            <a:headEnd type="none" w="med" len="lg"/>
+            <a:tailEnd type="stealth" w="med" len="lg"/>
+          </a:ln>
+        </p:spPr>
+        <p:style>
+          <a:lnRef idx="1">
+            <a:schemeClr val="accent1"/>
+          </a:lnRef>
+          <a:fillRef idx="0">
+            <a:schemeClr val="accent1"/>
+          </a:fillRef>
+          <a:effectRef idx="0">
+            <a:schemeClr val="accent1"/>
+          </a:effectRef>
+          <a:fontRef idx="minor">
+            <a:schemeClr val="tx1"/>
+          </a:fontRef>
+        </p:style>
+      </p:cxnSp>
+      <p:cxnSp>
+        <p:nvCxnSpPr>
+          <p:cNvPr id="100" name="Connecteur droit 99">
+            <a:extLst>
+              <a:ext uri="{FF2B5EF4-FFF2-40B4-BE49-F238E27FC236}">
+                <a16:creationId xmlns:a16="http://schemas.microsoft.com/office/drawing/2014/main" id="{984F556C-88AE-C2BD-6011-C8C2FE1FD5DA}"/>
+              </a:ext>
+            </a:extLst>
+          </p:cNvPr>
+          <p:cNvCxnSpPr>
+            <a:cxnSpLocks/>
+            <a:stCxn id="82" idx="5"/>
+            <a:endCxn id="97" idx="3"/>
+          </p:cNvCxnSpPr>
+          <p:nvPr/>
+        </p:nvCxnSpPr>
+        <p:spPr>
+          <a:xfrm flipH="1" flipV="1">
+            <a:off x="2630290" y="682569"/>
+            <a:ext cx="3084872" cy="3122320"/>
+          </a:xfrm>
+          <a:prstGeom prst="line">
+            <a:avLst/>
+          </a:prstGeom>
+          <a:ln w="9525">
+            <a:solidFill>
+              <a:srgbClr val="7030A0"/>
+            </a:solidFill>
+          </a:ln>
+        </p:spPr>
+        <p:style>
+          <a:lnRef idx="1">
+            <a:schemeClr val="accent1"/>
+          </a:lnRef>
+          <a:fillRef idx="0">
+            <a:schemeClr val="accent1"/>
+          </a:fillRef>
+          <a:effectRef idx="0">
+            <a:schemeClr val="accent1"/>
+          </a:effectRef>
+          <a:fontRef idx="minor">
+            <a:schemeClr val="tx1"/>
+          </a:fontRef>
+        </p:style>
+      </p:cxnSp>
+      <mc:AlternateContent xmlns:mc="http://schemas.openxmlformats.org/markup-compatibility/2006">
+        <mc:Choice xmlns:a14="http://schemas.microsoft.com/office/drawing/2010/main" Requires="a14">
+          <p:sp>
+            <p:nvSpPr>
+              <p:cNvPr id="104" name="ZoneTexte 103">
+                <a:extLst>
+                  <a:ext uri="{FF2B5EF4-FFF2-40B4-BE49-F238E27FC236}">
+                    <a16:creationId xmlns:a16="http://schemas.microsoft.com/office/drawing/2014/main" id="{A036AECD-F064-A6E1-1058-422D7F9A427D}"/>
+                  </a:ext>
+                </a:extLst>
+              </p:cNvPr>
+              <p:cNvSpPr txBox="1"/>
+              <p:nvPr/>
+            </p:nvSpPr>
+            <p:spPr>
+              <a:xfrm>
+                <a:off x="1573373" y="24027"/>
+                <a:ext cx="440120" cy="276999"/>
+              </a:xfrm>
+              <a:prstGeom prst="rect">
+                <a:avLst/>
+              </a:prstGeom>
+              <a:noFill/>
+            </p:spPr>
+            <p:txBody>
+              <a:bodyPr wrap="none" lIns="0" tIns="0" rIns="0" bIns="0" rtlCol="0">
+                <a:spAutoFit/>
+              </a:bodyPr>
+              <a:lstStyle/>
+              <a:p>
+                <a:pPr/>
+                <a14:m>
+                  <m:oMathPara xmlns:m="http://schemas.openxmlformats.org/officeDocument/2006/math">
+                    <m:oMathParaPr>
+                      <m:jc m:val="centerGroup"/>
+                    </m:oMathParaPr>
+                    <m:oMath xmlns:m="http://schemas.openxmlformats.org/officeDocument/2006/math">
+                      <m:acc>
+                        <m:accPr>
+                          <m:chr m:val="⃗"/>
+                          <m:ctrlPr>
+                            <a:rPr lang="fr-FR" b="0" i="1" smtClean="0">
+                              <a:latin typeface="Cambria Math" panose="02040503050406030204" pitchFamily="18" charset="0"/>
+                            </a:rPr>
+                          </m:ctrlPr>
+                        </m:accPr>
+                        <m:e>
+                          <m:sSub>
+                            <m:sSubPr>
+                              <m:ctrlPr>
+                                <a:rPr lang="fr-FR" b="0" i="1" smtClean="0">
+                                  <a:latin typeface="Cambria Math" panose="02040503050406030204" pitchFamily="18" charset="0"/>
+                                </a:rPr>
+                              </m:ctrlPr>
+                            </m:sSubPr>
+                            <m:e>
+                              <m:r>
+                                <a:rPr lang="fr-FR" b="0" i="1" smtClean="0">
+                                  <a:latin typeface="Cambria Math" panose="02040503050406030204" pitchFamily="18" charset="0"/>
+                                </a:rPr>
+                                <m:t>𝑢</m:t>
+                              </m:r>
+                            </m:e>
+                            <m:sub>
+                              <m:r>
+                                <a:rPr lang="fr-FR" b="0" i="1" smtClean="0">
+                                  <a:latin typeface="Cambria Math" panose="02040503050406030204" pitchFamily="18" charset="0"/>
+                                </a:rPr>
+                                <m:t>𝐻</m:t>
+                              </m:r>
+                              <m:r>
+                                <a:rPr lang="fr-FR" b="0" i="1" smtClean="0">
+                                  <a:latin typeface="Cambria Math" panose="02040503050406030204" pitchFamily="18" charset="0"/>
+                                </a:rPr>
+                                <m:t>𝐺</m:t>
+                              </m:r>
+                            </m:sub>
+                          </m:sSub>
+                        </m:e>
+                      </m:acc>
+                    </m:oMath>
+                  </m:oMathPara>
+                </a14:m>
+                <a:endParaRPr lang="fr-FR" dirty="0"/>
+              </a:p>
+            </p:txBody>
+          </p:sp>
+        </mc:Choice>
+        <mc:Fallback>
+          <p:sp>
+            <p:nvSpPr>
+              <p:cNvPr id="104" name="ZoneTexte 103">
+                <a:extLst>
+                  <a:ext uri="{FF2B5EF4-FFF2-40B4-BE49-F238E27FC236}">
+                    <a16:creationId xmlns:a16="http://schemas.microsoft.com/office/drawing/2014/main" id="{A036AECD-F064-A6E1-1058-422D7F9A427D}"/>
+                  </a:ext>
+                </a:extLst>
+              </p:cNvPr>
+              <p:cNvSpPr txBox="1">
+                <a:spLocks noRot="1" noChangeAspect="1" noMove="1" noResize="1" noEditPoints="1" noAdjustHandles="1" noChangeArrowheads="1" noChangeShapeType="1" noTextEdit="1"/>
+              </p:cNvSpPr>
+              <p:nvPr/>
+            </p:nvSpPr>
+            <p:spPr>
+              <a:xfrm>
+                <a:off x="1573373" y="24027"/>
+                <a:ext cx="440120" cy="276999"/>
+              </a:xfrm>
+              <a:prstGeom prst="rect">
+                <a:avLst/>
+              </a:prstGeom>
+              <a:blipFill>
+                <a:blip r:embed="rId13"/>
+                <a:stretch>
+                  <a:fillRect l="-6944" r="-5556" b="-15556"/>
+                </a:stretch>
+              </a:blipFill>
+            </p:spPr>
+            <p:txBody>
+              <a:bodyPr/>
+              <a:lstStyle/>
+              <a:p>
+                <a:r>
+                  <a:rPr lang="fr-FR">
+                    <a:noFill/>
+                  </a:rPr>
+                  <a:t> </a:t>
+                </a:r>
+              </a:p>
+            </p:txBody>
+          </p:sp>
+        </mc:Fallback>
+      </mc:AlternateContent>
+      <p:cxnSp>
+        <p:nvCxnSpPr>
+          <p:cNvPr id="105" name="Connecteur droit 104">
+            <a:extLst>
+              <a:ext uri="{FF2B5EF4-FFF2-40B4-BE49-F238E27FC236}">
+                <a16:creationId xmlns:a16="http://schemas.microsoft.com/office/drawing/2014/main" id="{57DFD980-D956-71C7-C93C-8186175CFD93}"/>
+              </a:ext>
+            </a:extLst>
+          </p:cNvPr>
+          <p:cNvCxnSpPr>
+            <a:cxnSpLocks/>
+          </p:cNvCxnSpPr>
+          <p:nvPr/>
+        </p:nvCxnSpPr>
+        <p:spPr>
+          <a:xfrm rot="16200000" flipH="1" flipV="1">
+            <a:off x="1880610" y="649721"/>
+            <a:ext cx="743286" cy="766124"/>
+          </a:xfrm>
+          <a:prstGeom prst="line">
+            <a:avLst/>
+          </a:prstGeom>
+          <a:ln w="28575">
+            <a:solidFill>
+              <a:srgbClr val="7030A0"/>
+            </a:solidFill>
+            <a:prstDash val="solid"/>
+            <a:headEnd type="none" w="med" len="lg"/>
+            <a:tailEnd type="stealth" w="med" len="lg"/>
+          </a:ln>
+        </p:spPr>
+        <p:style>
+          <a:lnRef idx="1">
+            <a:schemeClr val="accent1"/>
+          </a:lnRef>
+          <a:fillRef idx="0">
+            <a:schemeClr val="accent1"/>
+          </a:fillRef>
+          <a:effectRef idx="0">
+            <a:schemeClr val="accent1"/>
+          </a:effectRef>
+          <a:fontRef idx="minor">
+            <a:schemeClr val="tx1"/>
+          </a:fontRef>
+        </p:style>
+      </p:cxnSp>
+      <p:cxnSp>
+        <p:nvCxnSpPr>
+          <p:cNvPr id="107" name="Connecteur droit 106">
+            <a:extLst>
+              <a:ext uri="{FF2B5EF4-FFF2-40B4-BE49-F238E27FC236}">
+                <a16:creationId xmlns:a16="http://schemas.microsoft.com/office/drawing/2014/main" id="{0E0C0EB4-DCB0-B18F-C556-BF8B0173B83E}"/>
+              </a:ext>
+            </a:extLst>
+          </p:cNvPr>
+          <p:cNvCxnSpPr>
+            <a:cxnSpLocks/>
+          </p:cNvCxnSpPr>
+          <p:nvPr/>
+        </p:nvCxnSpPr>
+        <p:spPr>
+          <a:xfrm flipH="1">
+            <a:off x="1862450" y="-73324"/>
+            <a:ext cx="1587531" cy="1478473"/>
+          </a:xfrm>
+          <a:prstGeom prst="line">
+            <a:avLst/>
+          </a:prstGeom>
+          <a:ln w="9525">
+            <a:solidFill>
+              <a:srgbClr val="7030A0"/>
+            </a:solidFill>
+          </a:ln>
+        </p:spPr>
+        <p:style>
+          <a:lnRef idx="1">
+            <a:schemeClr val="accent1"/>
+          </a:lnRef>
+          <a:fillRef idx="0">
+            <a:schemeClr val="accent1"/>
+          </a:fillRef>
+          <a:effectRef idx="0">
+            <a:schemeClr val="accent1"/>
+          </a:effectRef>
+          <a:fontRef idx="minor">
+            <a:schemeClr val="tx1"/>
+          </a:fontRef>
+        </p:style>
+      </p:cxnSp>
+      <p:sp>
+        <p:nvSpPr>
+          <p:cNvPr id="111" name="Arc plein 110">
+            <a:extLst>
+              <a:ext uri="{FF2B5EF4-FFF2-40B4-BE49-F238E27FC236}">
+                <a16:creationId xmlns:a16="http://schemas.microsoft.com/office/drawing/2014/main" id="{C11D35C1-CEC1-72EF-58B2-2147AAE5EAB5}"/>
+              </a:ext>
+            </a:extLst>
+          </p:cNvPr>
+          <p:cNvSpPr/>
+          <p:nvPr/>
+        </p:nvSpPr>
+        <p:spPr>
+          <a:xfrm>
+            <a:off x="1909184" y="-49548"/>
+            <a:ext cx="1440000" cy="1440000"/>
+          </a:xfrm>
+          <a:prstGeom prst="blockArc">
+            <a:avLst>
+              <a:gd name="adj1" fmla="val 16359059"/>
+              <a:gd name="adj2" fmla="val 19041214"/>
+              <a:gd name="adj3" fmla="val 31062"/>
+            </a:avLst>
+          </a:prstGeom>
+          <a:solidFill>
+            <a:schemeClr val="accent1">
+              <a:lumMod val="20000"/>
+              <a:lumOff val="80000"/>
+            </a:schemeClr>
+          </a:solidFill>
+          <a:ln>
+            <a:noFill/>
+          </a:ln>
+        </p:spPr>
+        <p:style>
+          <a:lnRef idx="2">
+            <a:schemeClr val="accent1">
+              <a:shade val="50000"/>
+            </a:schemeClr>
+          </a:lnRef>
+          <a:fillRef idx="1">
+            <a:schemeClr val="accent1"/>
+          </a:fillRef>
+          <a:effectRef idx="0">
+            <a:schemeClr val="accent1"/>
+          </a:effectRef>
+          <a:fontRef idx="minor">
+            <a:schemeClr val="lt1"/>
+          </a:fontRef>
+        </p:style>
+        <p:txBody>
+          <a:bodyPr rtlCol="0" anchor="ctr"/>
+          <a:lstStyle/>
+          <a:p>
+            <a:pPr algn="ctr"/>
+            <a:endParaRPr lang="fr-FR">
+              <a:solidFill>
+                <a:schemeClr val="tx1"/>
+              </a:solidFill>
+            </a:endParaRPr>
+          </a:p>
+        </p:txBody>
+      </p:sp>
+      <p:sp>
+        <p:nvSpPr>
+          <p:cNvPr id="114" name="Arc plein 113">
+            <a:extLst>
+              <a:ext uri="{FF2B5EF4-FFF2-40B4-BE49-F238E27FC236}">
+                <a16:creationId xmlns:a16="http://schemas.microsoft.com/office/drawing/2014/main" id="{F9D955E1-3246-7063-8BC2-91E325BA9035}"/>
+              </a:ext>
+            </a:extLst>
+          </p:cNvPr>
+          <p:cNvSpPr/>
+          <p:nvPr/>
+        </p:nvSpPr>
+        <p:spPr>
+          <a:xfrm rot="10800000">
+            <a:off x="1925411" y="-49548"/>
+            <a:ext cx="1440000" cy="1440000"/>
+          </a:xfrm>
+          <a:prstGeom prst="blockArc">
+            <a:avLst>
+              <a:gd name="adj1" fmla="val 16359059"/>
+              <a:gd name="adj2" fmla="val 19041214"/>
+              <a:gd name="adj3" fmla="val 31062"/>
+            </a:avLst>
+          </a:prstGeom>
+          <a:solidFill>
+            <a:schemeClr val="accent1">
+              <a:lumMod val="20000"/>
+              <a:lumOff val="80000"/>
+            </a:schemeClr>
+          </a:solidFill>
+          <a:ln>
+            <a:noFill/>
+          </a:ln>
+        </p:spPr>
+        <p:style>
+          <a:lnRef idx="2">
+            <a:schemeClr val="accent1">
+              <a:shade val="50000"/>
+            </a:schemeClr>
+          </a:lnRef>
+          <a:fillRef idx="1">
+            <a:schemeClr val="accent1"/>
+          </a:fillRef>
+          <a:effectRef idx="0">
+            <a:schemeClr val="accent1"/>
+          </a:effectRef>
+          <a:fontRef idx="minor">
+            <a:schemeClr val="lt1"/>
+          </a:fontRef>
+        </p:style>
+        <p:txBody>
+          <a:bodyPr rtlCol="0" anchor="ctr"/>
+          <a:lstStyle/>
+          <a:p>
+            <a:pPr algn="ctr"/>
+            <a:endParaRPr lang="fr-FR">
+              <a:solidFill>
+                <a:schemeClr val="tx1"/>
+              </a:solidFill>
+            </a:endParaRPr>
+          </a:p>
+        </p:txBody>
+      </p:sp>
+      <mc:AlternateContent xmlns:mc="http://schemas.openxmlformats.org/markup-compatibility/2006">
+        <mc:Choice xmlns:a14="http://schemas.microsoft.com/office/drawing/2010/main" Requires="a14">
+          <p:sp>
+            <p:nvSpPr>
+              <p:cNvPr id="115" name="ZoneTexte 114">
+                <a:extLst>
+                  <a:ext uri="{FF2B5EF4-FFF2-40B4-BE49-F238E27FC236}">
+                    <a16:creationId xmlns:a16="http://schemas.microsoft.com/office/drawing/2014/main" id="{9B0B15D8-3474-2C84-A809-AE291E6F283D}"/>
+                  </a:ext>
+                </a:extLst>
+              </p:cNvPr>
+              <p:cNvSpPr txBox="1"/>
+              <p:nvPr/>
+            </p:nvSpPr>
+            <p:spPr>
+              <a:xfrm>
+                <a:off x="3180291" y="-530750"/>
+                <a:ext cx="214931" cy="276999"/>
+              </a:xfrm>
+              <a:prstGeom prst="rect">
+                <a:avLst/>
+              </a:prstGeom>
+              <a:noFill/>
+            </p:spPr>
+            <p:txBody>
+              <a:bodyPr wrap="none" lIns="0" tIns="0" rIns="0" bIns="0" rtlCol="0">
+                <a:spAutoFit/>
+              </a:bodyPr>
+              <a:lstStyle/>
+              <a:p>
+                <a:pPr/>
+                <a14:m>
+                  <m:oMathPara xmlns:m="http://schemas.openxmlformats.org/officeDocument/2006/math">
+                    <m:oMathParaPr>
+                      <m:jc m:val="centerGroup"/>
+                    </m:oMathParaPr>
+                    <m:oMath xmlns:m="http://schemas.openxmlformats.org/officeDocument/2006/math">
+                      <m:r>
+                        <a:rPr lang="fr-FR" b="0" i="1" smtClean="0">
+                          <a:ln>
+                            <a:solidFill>
+                              <a:schemeClr val="accent2">
+                                <a:lumMod val="75000"/>
+                              </a:schemeClr>
+                            </a:solidFill>
+                          </a:ln>
+                          <a:latin typeface="Cambria Math" panose="02040503050406030204" pitchFamily="18" charset="0"/>
+                        </a:rPr>
+                        <m:t>𝜑</m:t>
+                      </m:r>
+                    </m:oMath>
+                  </m:oMathPara>
+                </a14:m>
+                <a:endParaRPr lang="fr-FR" dirty="0">
+                  <a:ln>
+                    <a:solidFill>
+                      <a:schemeClr val="accent2">
+                        <a:lumMod val="75000"/>
+                      </a:schemeClr>
+                    </a:solidFill>
+                  </a:ln>
+                </a:endParaRPr>
+              </a:p>
+            </p:txBody>
+          </p:sp>
+        </mc:Choice>
+        <mc:Fallback>
+          <p:sp>
+            <p:nvSpPr>
+              <p:cNvPr id="115" name="ZoneTexte 114">
+                <a:extLst>
+                  <a:ext uri="{FF2B5EF4-FFF2-40B4-BE49-F238E27FC236}">
+                    <a16:creationId xmlns:a16="http://schemas.microsoft.com/office/drawing/2014/main" id="{9B0B15D8-3474-2C84-A809-AE291E6F283D}"/>
+                  </a:ext>
+                </a:extLst>
+              </p:cNvPr>
+              <p:cNvSpPr txBox="1">
+                <a:spLocks noRot="1" noChangeAspect="1" noMove="1" noResize="1" noEditPoints="1" noAdjustHandles="1" noChangeArrowheads="1" noChangeShapeType="1" noTextEdit="1"/>
+              </p:cNvSpPr>
+              <p:nvPr/>
+            </p:nvSpPr>
+            <p:spPr>
+              <a:xfrm>
+                <a:off x="3180291" y="-530750"/>
+                <a:ext cx="214931" cy="276999"/>
+              </a:xfrm>
+              <a:prstGeom prst="rect">
+                <a:avLst/>
+              </a:prstGeom>
+              <a:blipFill>
+                <a:blip r:embed="rId14"/>
+                <a:stretch>
+                  <a:fillRect/>
+                </a:stretch>
+              </a:blipFill>
+            </p:spPr>
+            <p:txBody>
+              <a:bodyPr/>
+              <a:lstStyle/>
+              <a:p>
+                <a:r>
+                  <a:rPr lang="fr-FR">
+                    <a:noFill/>
+                  </a:rPr>
+                  <a:t> </a:t>
+                </a:r>
+              </a:p>
+            </p:txBody>
+          </p:sp>
+        </mc:Fallback>
+      </mc:AlternateContent>
+      <mc:AlternateContent xmlns:mc="http://schemas.openxmlformats.org/markup-compatibility/2006">
+        <mc:Choice xmlns:a14="http://schemas.microsoft.com/office/drawing/2010/main" Requires="a14">
+          <p:sp>
+            <p:nvSpPr>
+              <p:cNvPr id="117" name="ZoneTexte 116">
+                <a:extLst>
+                  <a:ext uri="{FF2B5EF4-FFF2-40B4-BE49-F238E27FC236}">
+                    <a16:creationId xmlns:a16="http://schemas.microsoft.com/office/drawing/2014/main" id="{8970BEE3-331E-2681-A71D-477FC974AAC8}"/>
+                  </a:ext>
+                </a:extLst>
+              </p:cNvPr>
+              <p:cNvSpPr txBox="1"/>
+              <p:nvPr/>
+            </p:nvSpPr>
+            <p:spPr>
+              <a:xfrm>
+                <a:off x="1477548" y="316370"/>
+                <a:ext cx="631840" cy="276999"/>
+              </a:xfrm>
+              <a:prstGeom prst="rect">
+                <a:avLst/>
+              </a:prstGeom>
+              <a:noFill/>
+            </p:spPr>
+            <p:txBody>
+              <a:bodyPr wrap="none" lIns="0" tIns="0" rIns="0" bIns="0" rtlCol="0">
+                <a:spAutoFit/>
+              </a:bodyPr>
+              <a:lstStyle/>
+              <a:p>
+                <a:pPr/>
+                <a14:m>
+                  <m:oMathPara xmlns:m="http://schemas.openxmlformats.org/officeDocument/2006/math">
+                    <m:oMathParaPr>
+                      <m:jc m:val="centerGroup"/>
+                    </m:oMathParaPr>
+                    <m:oMath xmlns:m="http://schemas.openxmlformats.org/officeDocument/2006/math">
+                      <m:r>
+                        <a:rPr lang="fr-FR" b="0" i="1" smtClean="0">
+                          <a:ln>
+                            <a:solidFill>
+                              <a:schemeClr val="accent2">
+                                <a:lumMod val="75000"/>
+                              </a:schemeClr>
+                            </a:solidFill>
+                          </a:ln>
+                          <a:latin typeface="Cambria Math" panose="02040503050406030204" pitchFamily="18" charset="0"/>
+                        </a:rPr>
+                        <m:t>𝜋</m:t>
+                      </m:r>
+                      <m:r>
+                        <a:rPr lang="fr-FR" b="0" i="1" smtClean="0">
+                          <a:ln>
+                            <a:solidFill>
+                              <a:schemeClr val="accent2">
+                                <a:lumMod val="75000"/>
+                              </a:schemeClr>
+                            </a:solidFill>
+                          </a:ln>
+                          <a:latin typeface="Cambria Math" panose="02040503050406030204" pitchFamily="18" charset="0"/>
+                        </a:rPr>
+                        <m:t>−</m:t>
+                      </m:r>
+                      <m:r>
+                        <a:rPr lang="fr-FR" b="0" i="1" smtClean="0">
+                          <a:ln>
+                            <a:solidFill>
+                              <a:schemeClr val="accent2">
+                                <a:lumMod val="75000"/>
+                              </a:schemeClr>
+                            </a:solidFill>
+                          </a:ln>
+                          <a:latin typeface="Cambria Math" panose="02040503050406030204" pitchFamily="18" charset="0"/>
+                        </a:rPr>
+                        <m:t>𝜑</m:t>
+                      </m:r>
+                    </m:oMath>
+                  </m:oMathPara>
+                </a14:m>
+                <a:endParaRPr lang="fr-FR" dirty="0">
+                  <a:ln>
+                    <a:solidFill>
+                      <a:schemeClr val="accent2">
+                        <a:lumMod val="75000"/>
+                      </a:schemeClr>
+                    </a:solidFill>
+                  </a:ln>
+                </a:endParaRPr>
+              </a:p>
+            </p:txBody>
+          </p:sp>
+        </mc:Choice>
+        <mc:Fallback>
+          <p:sp>
+            <p:nvSpPr>
+              <p:cNvPr id="117" name="ZoneTexte 116">
+                <a:extLst>
+                  <a:ext uri="{FF2B5EF4-FFF2-40B4-BE49-F238E27FC236}">
+                    <a16:creationId xmlns:a16="http://schemas.microsoft.com/office/drawing/2014/main" id="{8970BEE3-331E-2681-A71D-477FC974AAC8}"/>
+                  </a:ext>
+                </a:extLst>
+              </p:cNvPr>
+              <p:cNvSpPr txBox="1">
+                <a:spLocks noRot="1" noChangeAspect="1" noMove="1" noResize="1" noEditPoints="1" noAdjustHandles="1" noChangeArrowheads="1" noChangeShapeType="1" noTextEdit="1"/>
+              </p:cNvSpPr>
+              <p:nvPr/>
+            </p:nvSpPr>
+            <p:spPr>
+              <a:xfrm>
+                <a:off x="1477548" y="316370"/>
+                <a:ext cx="631840" cy="276999"/>
+              </a:xfrm>
+              <a:prstGeom prst="rect">
+                <a:avLst/>
+              </a:prstGeom>
+              <a:blipFill>
+                <a:blip r:embed="rId15"/>
+                <a:stretch>
+                  <a:fillRect/>
+                </a:stretch>
+              </a:blipFill>
+            </p:spPr>
+            <p:txBody>
+              <a:bodyPr/>
+              <a:lstStyle/>
+              <a:p>
+                <a:r>
+                  <a:rPr lang="fr-FR">
+                    <a:noFill/>
+                  </a:rPr>
+                  <a:t> </a:t>
+                </a:r>
+              </a:p>
+            </p:txBody>
+          </p:sp>
+        </mc:Fallback>
+      </mc:AlternateContent>
+      <mc:AlternateContent xmlns:mc="http://schemas.openxmlformats.org/markup-compatibility/2006">
+        <mc:Choice xmlns:a14="http://schemas.microsoft.com/office/drawing/2010/main" Requires="a14">
+          <p:sp>
+            <p:nvSpPr>
+              <p:cNvPr id="118" name="ZoneTexte 117">
+                <a:extLst>
+                  <a:ext uri="{FF2B5EF4-FFF2-40B4-BE49-F238E27FC236}">
+                    <a16:creationId xmlns:a16="http://schemas.microsoft.com/office/drawing/2014/main" id="{B61E519D-0855-6AE9-700D-49F464478339}"/>
+                  </a:ext>
+                </a:extLst>
+              </p:cNvPr>
+              <p:cNvSpPr txBox="1"/>
+              <p:nvPr/>
+            </p:nvSpPr>
+            <p:spPr>
+              <a:xfrm>
+                <a:off x="2657639" y="38417"/>
+                <a:ext cx="421269" cy="184666"/>
+              </a:xfrm>
+              <a:prstGeom prst="rect">
+                <a:avLst/>
+              </a:prstGeom>
+              <a:noFill/>
+            </p:spPr>
+            <p:txBody>
+              <a:bodyPr wrap="none" lIns="0" tIns="0" rIns="0" bIns="0" rtlCol="0">
+                <a:spAutoFit/>
+              </a:bodyPr>
+              <a:lstStyle/>
+              <a:p>
+                <a:pPr/>
+                <a14:m>
+                  <m:oMathPara xmlns:m="http://schemas.openxmlformats.org/officeDocument/2006/math">
+                    <m:oMathParaPr>
+                      <m:jc m:val="centerGroup"/>
+                    </m:oMathParaPr>
+                    <m:oMath xmlns:m="http://schemas.openxmlformats.org/officeDocument/2006/math">
+                      <m:r>
+                        <a:rPr lang="fr-FR" sz="1200" b="0" i="1" smtClean="0">
+                          <a:ln>
+                            <a:noFill/>
+                          </a:ln>
+                          <a:solidFill>
+                            <a:srgbClr val="002060"/>
+                          </a:solidFill>
+                          <a:latin typeface="Cambria Math" panose="02040503050406030204" pitchFamily="18" charset="0"/>
+                        </a:rPr>
+                        <m:t>𝜋</m:t>
+                      </m:r>
+                      <m:r>
+                        <a:rPr lang="fr-FR" sz="1200" b="0" i="1" smtClean="0">
+                          <a:ln>
+                            <a:noFill/>
+                          </a:ln>
+                          <a:solidFill>
+                            <a:srgbClr val="002060"/>
+                          </a:solidFill>
+                          <a:latin typeface="Cambria Math" panose="02040503050406030204" pitchFamily="18" charset="0"/>
+                        </a:rPr>
+                        <m:t>−</m:t>
+                      </m:r>
+                      <m:r>
+                        <a:rPr lang="fr-FR" sz="1200" b="0" i="1" smtClean="0">
+                          <a:ln>
+                            <a:noFill/>
+                          </a:ln>
+                          <a:solidFill>
+                            <a:srgbClr val="002060"/>
+                          </a:solidFill>
+                          <a:latin typeface="Cambria Math" panose="02040503050406030204" pitchFamily="18" charset="0"/>
+                        </a:rPr>
+                        <m:t>𝜑</m:t>
+                      </m:r>
+                    </m:oMath>
+                  </m:oMathPara>
+                </a14:m>
+                <a:endParaRPr lang="fr-FR" sz="1200" dirty="0">
+                  <a:ln>
+                    <a:noFill/>
+                  </a:ln>
+                  <a:solidFill>
+                    <a:srgbClr val="002060"/>
+                  </a:solidFill>
+                </a:endParaRPr>
+              </a:p>
+            </p:txBody>
+          </p:sp>
+        </mc:Choice>
+        <mc:Fallback>
+          <p:sp>
+            <p:nvSpPr>
+              <p:cNvPr id="118" name="ZoneTexte 117">
+                <a:extLst>
+                  <a:ext uri="{FF2B5EF4-FFF2-40B4-BE49-F238E27FC236}">
+                    <a16:creationId xmlns:a16="http://schemas.microsoft.com/office/drawing/2014/main" id="{B61E519D-0855-6AE9-700D-49F464478339}"/>
+                  </a:ext>
+                </a:extLst>
+              </p:cNvPr>
+              <p:cNvSpPr txBox="1">
+                <a:spLocks noRot="1" noChangeAspect="1" noMove="1" noResize="1" noEditPoints="1" noAdjustHandles="1" noChangeArrowheads="1" noChangeShapeType="1" noTextEdit="1"/>
+              </p:cNvSpPr>
+              <p:nvPr/>
+            </p:nvSpPr>
+            <p:spPr>
+              <a:xfrm>
+                <a:off x="2657639" y="38417"/>
+                <a:ext cx="421269" cy="184666"/>
+              </a:xfrm>
+              <a:prstGeom prst="rect">
+                <a:avLst/>
+              </a:prstGeom>
+              <a:blipFill>
+                <a:blip r:embed="rId16"/>
+                <a:stretch>
+                  <a:fillRect l="-5797" r="-7246" b="-19355"/>
+                </a:stretch>
+              </a:blipFill>
+            </p:spPr>
+            <p:txBody>
+              <a:bodyPr/>
+              <a:lstStyle/>
+              <a:p>
+                <a:r>
+                  <a:rPr lang="fr-FR">
+                    <a:noFill/>
+                  </a:rPr>
+                  <a:t> </a:t>
+                </a:r>
+              </a:p>
+            </p:txBody>
+          </p:sp>
+        </mc:Fallback>
+      </mc:AlternateContent>
+    </p:spTree>
+    <p:extLst>
+      <p:ext uri="{BB962C8B-B14F-4D97-AF65-F5344CB8AC3E}">
+        <p14:creationId xmlns:p14="http://schemas.microsoft.com/office/powerpoint/2010/main" val="2043431130"/>
       </p:ext>
     </p:extLst>
   </p:cSld>

--- a/16_RC4/Figures/Figures.pptx
+++ b/16_RC4/Figures/Figures.pptx
@@ -18520,8 +18520,8 @@
           </a:fontRef>
         </p:style>
       </p:cxnSp>
-      <mc:AlternateContent xmlns:mc="http://schemas.openxmlformats.org/markup-compatibility/2006">
-        <mc:Choice xmlns:a14="http://schemas.microsoft.com/office/drawing/2010/main" Requires="a14">
+      <mc:AlternateContent xmlns:mc="http://schemas.openxmlformats.org/markup-compatibility/2006" xmlns:a14="http://schemas.microsoft.com/office/drawing/2010/main">
+        <mc:Choice Requires="a14">
           <p:sp>
             <p:nvSpPr>
               <p:cNvPr id="27" name="ZoneTexte 26">
@@ -18590,7 +18590,7 @@
             </p:txBody>
           </p:sp>
         </mc:Choice>
-        <mc:Fallback>
+        <mc:Fallback xmlns="">
           <p:sp>
             <p:nvSpPr>
               <p:cNvPr id="27" name="ZoneTexte 26">
@@ -18635,8 +18635,8 @@
           </p:sp>
         </mc:Fallback>
       </mc:AlternateContent>
-      <mc:AlternateContent xmlns:mc="http://schemas.openxmlformats.org/markup-compatibility/2006">
-        <mc:Choice xmlns:a14="http://schemas.microsoft.com/office/drawing/2010/main" Requires="a14">
+      <mc:AlternateContent xmlns:mc="http://schemas.openxmlformats.org/markup-compatibility/2006" xmlns:a14="http://schemas.microsoft.com/office/drawing/2010/main">
+        <mc:Choice Requires="a14">
           <p:sp>
             <p:nvSpPr>
               <p:cNvPr id="28" name="ZoneTexte 27">
@@ -18705,7 +18705,7 @@
             </p:txBody>
           </p:sp>
         </mc:Choice>
-        <mc:Fallback>
+        <mc:Fallback xmlns="">
           <p:sp>
             <p:nvSpPr>
               <p:cNvPr id="28" name="ZoneTexte 27">
@@ -18885,8 +18885,8 @@
           </a:fontRef>
         </p:style>
       </p:cxnSp>
-      <mc:AlternateContent xmlns:mc="http://schemas.openxmlformats.org/markup-compatibility/2006">
-        <mc:Choice xmlns:a14="http://schemas.microsoft.com/office/drawing/2010/main" Requires="a14">
+      <mc:AlternateContent xmlns:mc="http://schemas.openxmlformats.org/markup-compatibility/2006" xmlns:a14="http://schemas.microsoft.com/office/drawing/2010/main">
+        <mc:Choice Requires="a14">
           <p:sp>
             <p:nvSpPr>
               <p:cNvPr id="32" name="ZoneTexte 31">
@@ -18955,7 +18955,7 @@
             </p:txBody>
           </p:sp>
         </mc:Choice>
-        <mc:Fallback>
+        <mc:Fallback xmlns="">
           <p:sp>
             <p:nvSpPr>
               <p:cNvPr id="32" name="ZoneTexte 31">
@@ -20963,8 +20963,8 @@
             </a:fontRef>
           </p:style>
         </p:cxnSp>
-        <mc:AlternateContent xmlns:mc="http://schemas.openxmlformats.org/markup-compatibility/2006">
-          <mc:Choice xmlns:a14="http://schemas.microsoft.com/office/drawing/2010/main" Requires="a14">
+        <mc:AlternateContent xmlns:mc="http://schemas.openxmlformats.org/markup-compatibility/2006" xmlns:a14="http://schemas.microsoft.com/office/drawing/2010/main">
+          <mc:Choice Requires="a14">
             <p:sp>
               <p:nvSpPr>
                 <p:cNvPr id="72" name="ZoneTexte 71">
@@ -21026,7 +21026,7 @@
               </p:txBody>
             </p:sp>
           </mc:Choice>
-          <mc:Fallback>
+          <mc:Fallback xmlns="">
             <p:sp>
               <p:nvSpPr>
                 <p:cNvPr id="72" name="ZoneTexte 71">
@@ -21071,8 +21071,8 @@
             </p:sp>
           </mc:Fallback>
         </mc:AlternateContent>
-        <mc:AlternateContent xmlns:mc="http://schemas.openxmlformats.org/markup-compatibility/2006">
-          <mc:Choice xmlns:a14="http://schemas.microsoft.com/office/drawing/2010/main" Requires="a14">
+        <mc:AlternateContent xmlns:mc="http://schemas.openxmlformats.org/markup-compatibility/2006" xmlns:a14="http://schemas.microsoft.com/office/drawing/2010/main">
+          <mc:Choice Requires="a14">
             <p:sp>
               <p:nvSpPr>
                 <p:cNvPr id="73" name="ZoneTexte 72">
@@ -21134,7 +21134,7 @@
               </p:txBody>
             </p:sp>
           </mc:Choice>
-          <mc:Fallback>
+          <mc:Fallback xmlns="">
             <p:sp>
               <p:nvSpPr>
                 <p:cNvPr id="73" name="ZoneTexte 72">
@@ -21287,8 +21287,8 @@
             </a:p>
           </p:txBody>
         </p:sp>
-        <mc:AlternateContent xmlns:mc="http://schemas.openxmlformats.org/markup-compatibility/2006">
-          <mc:Choice xmlns:a14="http://schemas.microsoft.com/office/drawing/2010/main" Requires="a14">
+        <mc:AlternateContent xmlns:mc="http://schemas.openxmlformats.org/markup-compatibility/2006" xmlns:a14="http://schemas.microsoft.com/office/drawing/2010/main">
+          <mc:Choice Requires="a14">
             <p:sp>
               <p:nvSpPr>
                 <p:cNvPr id="76" name="ZoneTexte 75">
@@ -21338,7 +21338,7 @@
               </p:txBody>
             </p:sp>
           </mc:Choice>
-          <mc:Fallback>
+          <mc:Fallback xmlns="">
             <p:sp>
               <p:nvSpPr>
                 <p:cNvPr id="76" name="ZoneTexte 75">
@@ -21974,8 +21974,8 @@
           </a:fontRef>
         </p:style>
       </p:cxnSp>
-      <mc:AlternateContent xmlns:mc="http://schemas.openxmlformats.org/markup-compatibility/2006">
-        <mc:Choice xmlns:a14="http://schemas.microsoft.com/office/drawing/2010/main" Requires="a14">
+      <mc:AlternateContent xmlns:mc="http://schemas.openxmlformats.org/markup-compatibility/2006" xmlns:a14="http://schemas.microsoft.com/office/drawing/2010/main">
+        <mc:Choice Requires="a14">
           <p:sp>
             <p:nvSpPr>
               <p:cNvPr id="89" name="ZoneTexte 88">
@@ -22056,7 +22056,7 @@
             </p:txBody>
           </p:sp>
         </mc:Choice>
-        <mc:Fallback>
+        <mc:Fallback xmlns="">
           <p:sp>
             <p:nvSpPr>
               <p:cNvPr id="89" name="ZoneTexte 88">
@@ -22209,8 +22209,8 @@
             </a:fontRef>
           </p:style>
         </p:cxnSp>
-        <mc:AlternateContent xmlns:mc="http://schemas.openxmlformats.org/markup-compatibility/2006">
-          <mc:Choice xmlns:a14="http://schemas.microsoft.com/office/drawing/2010/main" Requires="a14">
+        <mc:AlternateContent xmlns:mc="http://schemas.openxmlformats.org/markup-compatibility/2006" xmlns:a14="http://schemas.microsoft.com/office/drawing/2010/main">
+          <mc:Choice Requires="a14">
             <p:sp>
               <p:nvSpPr>
                 <p:cNvPr id="94" name="ZoneTexte 93">
@@ -22272,7 +22272,7 @@
               </p:txBody>
             </p:sp>
           </mc:Choice>
-          <mc:Fallback>
+          <mc:Fallback xmlns="">
             <p:sp>
               <p:nvSpPr>
                 <p:cNvPr id="94" name="ZoneTexte 93">
@@ -22317,8 +22317,8 @@
             </p:sp>
           </mc:Fallback>
         </mc:AlternateContent>
-        <mc:AlternateContent xmlns:mc="http://schemas.openxmlformats.org/markup-compatibility/2006">
-          <mc:Choice xmlns:a14="http://schemas.microsoft.com/office/drawing/2010/main" Requires="a14">
+        <mc:AlternateContent xmlns:mc="http://schemas.openxmlformats.org/markup-compatibility/2006" xmlns:a14="http://schemas.microsoft.com/office/drawing/2010/main">
+          <mc:Choice Requires="a14">
             <p:sp>
               <p:nvSpPr>
                 <p:cNvPr id="95" name="ZoneTexte 94">
@@ -22380,7 +22380,7 @@
               </p:txBody>
             </p:sp>
           </mc:Choice>
-          <mc:Fallback>
+          <mc:Fallback xmlns="">
             <p:sp>
               <p:nvSpPr>
                 <p:cNvPr id="95" name="ZoneTexte 94">
@@ -22533,8 +22533,8 @@
             </a:p>
           </p:txBody>
         </p:sp>
-        <mc:AlternateContent xmlns:mc="http://schemas.openxmlformats.org/markup-compatibility/2006">
-          <mc:Choice xmlns:a14="http://schemas.microsoft.com/office/drawing/2010/main" Requires="a14">
+        <mc:AlternateContent xmlns:mc="http://schemas.openxmlformats.org/markup-compatibility/2006" xmlns:a14="http://schemas.microsoft.com/office/drawing/2010/main">
+          <mc:Choice Requires="a14">
             <p:sp>
               <p:nvSpPr>
                 <p:cNvPr id="98" name="ZoneTexte 97">
@@ -22584,7 +22584,7 @@
               </p:txBody>
             </p:sp>
           </mc:Choice>
-          <mc:Fallback>
+          <mc:Fallback xmlns="">
             <p:sp>
               <p:nvSpPr>
                 <p:cNvPr id="98" name="ZoneTexte 97">
@@ -22721,8 +22721,8 @@
           </a:fontRef>
         </p:style>
       </p:cxnSp>
-      <mc:AlternateContent xmlns:mc="http://schemas.openxmlformats.org/markup-compatibility/2006">
-        <mc:Choice xmlns:a14="http://schemas.microsoft.com/office/drawing/2010/main" Requires="a14">
+      <mc:AlternateContent xmlns:mc="http://schemas.openxmlformats.org/markup-compatibility/2006" xmlns:a14="http://schemas.microsoft.com/office/drawing/2010/main">
+        <mc:Choice Requires="a14">
           <p:sp>
             <p:nvSpPr>
               <p:cNvPr id="104" name="ZoneTexte 103">
@@ -22789,13 +22789,7 @@
                                 <a:rPr lang="fr-FR" b="0" i="1" smtClean="0">
                                   <a:latin typeface="Cambria Math" panose="02040503050406030204" pitchFamily="18" charset="0"/>
                                 </a:rPr>
-                                <m:t>𝐻</m:t>
-                              </m:r>
-                              <m:r>
-                                <a:rPr lang="fr-FR" b="0" i="1" smtClean="0">
-                                  <a:latin typeface="Cambria Math" panose="02040503050406030204" pitchFamily="18" charset="0"/>
-                                </a:rPr>
-                                <m:t>𝐺</m:t>
+                                <m:t>𝐻𝐺</m:t>
                               </m:r>
                             </m:sub>
                           </m:sSub>
@@ -22809,7 +22803,7 @@
             </p:txBody>
           </p:sp>
         </mc:Choice>
-        <mc:Fallback>
+        <mc:Fallback xmlns="">
           <p:sp>
             <p:nvSpPr>
               <p:cNvPr id="104" name="ZoneTexte 103">
@@ -23069,8 +23063,8 @@
           </a:p>
         </p:txBody>
       </p:sp>
-      <mc:AlternateContent xmlns:mc="http://schemas.openxmlformats.org/markup-compatibility/2006">
-        <mc:Choice xmlns:a14="http://schemas.microsoft.com/office/drawing/2010/main" Requires="a14">
+      <mc:AlternateContent xmlns:mc="http://schemas.openxmlformats.org/markup-compatibility/2006" xmlns:a14="http://schemas.microsoft.com/office/drawing/2010/main">
+        <mc:Choice Requires="a14">
           <p:sp>
             <p:nvSpPr>
               <p:cNvPr id="115" name="ZoneTexte 114">
@@ -23135,7 +23129,7 @@
             </p:txBody>
           </p:sp>
         </mc:Choice>
-        <mc:Fallback>
+        <mc:Fallback xmlns="">
           <p:sp>
             <p:nvSpPr>
               <p:cNvPr id="115" name="ZoneTexte 114">
@@ -23180,8 +23174,8 @@
           </p:sp>
         </mc:Fallback>
       </mc:AlternateContent>
-      <mc:AlternateContent xmlns:mc="http://schemas.openxmlformats.org/markup-compatibility/2006">
-        <mc:Choice xmlns:a14="http://schemas.microsoft.com/office/drawing/2010/main" Requires="a14">
+      <mc:AlternateContent xmlns:mc="http://schemas.openxmlformats.org/markup-compatibility/2006" xmlns:a14="http://schemas.microsoft.com/office/drawing/2010/main">
+        <mc:Choice Requires="a14">
           <p:sp>
             <p:nvSpPr>
               <p:cNvPr id="117" name="ZoneTexte 116">
@@ -23272,7 +23266,7 @@
             </p:txBody>
           </p:sp>
         </mc:Choice>
-        <mc:Fallback>
+        <mc:Fallback xmlns="">
           <p:sp>
             <p:nvSpPr>
               <p:cNvPr id="117" name="ZoneTexte 116">
@@ -23317,8 +23311,8 @@
           </p:sp>
         </mc:Fallback>
       </mc:AlternateContent>
-      <mc:AlternateContent xmlns:mc="http://schemas.openxmlformats.org/markup-compatibility/2006">
-        <mc:Choice xmlns:a14="http://schemas.microsoft.com/office/drawing/2010/main" Requires="a14">
+      <mc:AlternateContent xmlns:mc="http://schemas.openxmlformats.org/markup-compatibility/2006" xmlns:a14="http://schemas.microsoft.com/office/drawing/2010/main">
+        <mc:Choice Requires="a14">
           <p:sp>
             <p:nvSpPr>
               <p:cNvPr id="118" name="ZoneTexte 117">
@@ -23405,7 +23399,7 @@
             </p:txBody>
           </p:sp>
         </mc:Choice>
-        <mc:Fallback>
+        <mc:Fallback xmlns="">
           <p:sp>
             <p:nvSpPr>
               <p:cNvPr id="118" name="ZoneTexte 117">

--- a/16_RC4/Figures/Figures.pptx
+++ b/16_RC4/Figures/Figures.pptx
@@ -5,17 +5,18 @@
     <p:sldMasterId id="2147483648" r:id="rId1"/>
   </p:sldMasterIdLst>
   <p:notesMasterIdLst>
-    <p:notesMasterId r:id="rId10"/>
+    <p:notesMasterId r:id="rId11"/>
   </p:notesMasterIdLst>
   <p:sldIdLst>
     <p:sldId id="256" r:id="rId2"/>
-    <p:sldId id="257" r:id="rId3"/>
-    <p:sldId id="258" r:id="rId4"/>
-    <p:sldId id="259" r:id="rId5"/>
-    <p:sldId id="260" r:id="rId6"/>
-    <p:sldId id="262" r:id="rId7"/>
-    <p:sldId id="261" r:id="rId8"/>
-    <p:sldId id="263" r:id="rId9"/>
+    <p:sldId id="264" r:id="rId3"/>
+    <p:sldId id="257" r:id="rId4"/>
+    <p:sldId id="258" r:id="rId5"/>
+    <p:sldId id="259" r:id="rId6"/>
+    <p:sldId id="260" r:id="rId7"/>
+    <p:sldId id="262" r:id="rId8"/>
+    <p:sldId id="261" r:id="rId9"/>
+    <p:sldId id="263" r:id="rId10"/>
   </p:sldIdLst>
   <p:sldSz cx="12192000" cy="6858000"/>
   <p:notesSz cx="6858000" cy="9144000"/>
@@ -204,7 +205,7 @@
           <a:p>
             <a:fld id="{088B47D2-DC99-4023-8FAB-B1A01B8BED66}" type="datetimeFigureOut">
               <a:rPr lang="fr-FR" smtClean="0"/>
-              <a:t>09/01/2023</a:t>
+              <a:t>26/05/2023</a:t>
             </a:fld>
             <a:endParaRPr lang="fr-FR"/>
           </a:p>
@@ -536,7 +537,7 @@
           <a:p>
             <a:fld id="{15EE27B1-7D19-4D3E-BA9F-563B97DD4C0D}" type="slidenum">
               <a:rPr lang="fr-FR" smtClean="0"/>
-              <a:t>3</a:t>
+              <a:t>4</a:t>
             </a:fld>
             <a:endParaRPr lang="fr-FR"/>
           </a:p>
@@ -620,7 +621,7 @@
           <a:p>
             <a:fld id="{15EE27B1-7D19-4D3E-BA9F-563B97DD4C0D}" type="slidenum">
               <a:rPr lang="fr-FR" smtClean="0"/>
-              <a:t>7</a:t>
+              <a:t>8</a:t>
             </a:fld>
             <a:endParaRPr lang="fr-FR"/>
           </a:p>
@@ -786,7 +787,7 @@
           <a:p>
             <a:fld id="{E1825551-6D9B-4F56-8A53-B2612FCF8466}" type="datetimeFigureOut">
               <a:rPr lang="fr-FR" smtClean="0"/>
-              <a:t>09/01/2023</a:t>
+              <a:t>26/05/2023</a:t>
             </a:fld>
             <a:endParaRPr lang="fr-FR"/>
           </a:p>
@@ -984,7 +985,7 @@
           <a:p>
             <a:fld id="{E1825551-6D9B-4F56-8A53-B2612FCF8466}" type="datetimeFigureOut">
               <a:rPr lang="fr-FR" smtClean="0"/>
-              <a:t>09/01/2023</a:t>
+              <a:t>26/05/2023</a:t>
             </a:fld>
             <a:endParaRPr lang="fr-FR"/>
           </a:p>
@@ -1192,7 +1193,7 @@
           <a:p>
             <a:fld id="{E1825551-6D9B-4F56-8A53-B2612FCF8466}" type="datetimeFigureOut">
               <a:rPr lang="fr-FR" smtClean="0"/>
-              <a:t>09/01/2023</a:t>
+              <a:t>26/05/2023</a:t>
             </a:fld>
             <a:endParaRPr lang="fr-FR"/>
           </a:p>
@@ -1390,7 +1391,7 @@
           <a:p>
             <a:fld id="{E1825551-6D9B-4F56-8A53-B2612FCF8466}" type="datetimeFigureOut">
               <a:rPr lang="fr-FR" smtClean="0"/>
-              <a:t>09/01/2023</a:t>
+              <a:t>26/05/2023</a:t>
             </a:fld>
             <a:endParaRPr lang="fr-FR"/>
           </a:p>
@@ -1665,7 +1666,7 @@
           <a:p>
             <a:fld id="{E1825551-6D9B-4F56-8A53-B2612FCF8466}" type="datetimeFigureOut">
               <a:rPr lang="fr-FR" smtClean="0"/>
-              <a:t>09/01/2023</a:t>
+              <a:t>26/05/2023</a:t>
             </a:fld>
             <a:endParaRPr lang="fr-FR"/>
           </a:p>
@@ -1930,7 +1931,7 @@
           <a:p>
             <a:fld id="{E1825551-6D9B-4F56-8A53-B2612FCF8466}" type="datetimeFigureOut">
               <a:rPr lang="fr-FR" smtClean="0"/>
-              <a:t>09/01/2023</a:t>
+              <a:t>26/05/2023</a:t>
             </a:fld>
             <a:endParaRPr lang="fr-FR"/>
           </a:p>
@@ -2342,7 +2343,7 @@
           <a:p>
             <a:fld id="{E1825551-6D9B-4F56-8A53-B2612FCF8466}" type="datetimeFigureOut">
               <a:rPr lang="fr-FR" smtClean="0"/>
-              <a:t>09/01/2023</a:t>
+              <a:t>26/05/2023</a:t>
             </a:fld>
             <a:endParaRPr lang="fr-FR"/>
           </a:p>
@@ -2483,7 +2484,7 @@
           <a:p>
             <a:fld id="{E1825551-6D9B-4F56-8A53-B2612FCF8466}" type="datetimeFigureOut">
               <a:rPr lang="fr-FR" smtClean="0"/>
-              <a:t>09/01/2023</a:t>
+              <a:t>26/05/2023</a:t>
             </a:fld>
             <a:endParaRPr lang="fr-FR"/>
           </a:p>
@@ -2596,7 +2597,7 @@
           <a:p>
             <a:fld id="{E1825551-6D9B-4F56-8A53-B2612FCF8466}" type="datetimeFigureOut">
               <a:rPr lang="fr-FR" smtClean="0"/>
-              <a:t>09/01/2023</a:t>
+              <a:t>26/05/2023</a:t>
             </a:fld>
             <a:endParaRPr lang="fr-FR"/>
           </a:p>
@@ -2907,7 +2908,7 @@
           <a:p>
             <a:fld id="{E1825551-6D9B-4F56-8A53-B2612FCF8466}" type="datetimeFigureOut">
               <a:rPr lang="fr-FR" smtClean="0"/>
-              <a:t>09/01/2023</a:t>
+              <a:t>26/05/2023</a:t>
             </a:fld>
             <a:endParaRPr lang="fr-FR"/>
           </a:p>
@@ -3195,7 +3196,7 @@
           <a:p>
             <a:fld id="{E1825551-6D9B-4F56-8A53-B2612FCF8466}" type="datetimeFigureOut">
               <a:rPr lang="fr-FR" smtClean="0"/>
-              <a:t>09/01/2023</a:t>
+              <a:t>26/05/2023</a:t>
             </a:fld>
             <a:endParaRPr lang="fr-FR"/>
           </a:p>
@@ -3436,7 +3437,7 @@
           <a:p>
             <a:fld id="{E1825551-6D9B-4F56-8A53-B2612FCF8466}" type="datetimeFigureOut">
               <a:rPr lang="fr-FR" smtClean="0"/>
-              <a:t>09/01/2023</a:t>
+              <a:t>26/05/2023</a:t>
             </a:fld>
             <a:endParaRPr lang="fr-FR"/>
           </a:p>
@@ -4285,6 +4286,538 @@
       </p:grpSpPr>
       <p:pic>
         <p:nvPicPr>
+          <p:cNvPr id="5" name="Image 4">
+            <a:extLst>
+              <a:ext uri="{FF2B5EF4-FFF2-40B4-BE49-F238E27FC236}">
+                <a16:creationId xmlns:a16="http://schemas.microsoft.com/office/drawing/2014/main" id="{5CA3B7E3-4A5B-A8ED-640C-1D802160029E}"/>
+              </a:ext>
+            </a:extLst>
+          </p:cNvPr>
+          <p:cNvPicPr>
+            <a:picLocks noChangeAspect="1"/>
+          </p:cNvPicPr>
+          <p:nvPr/>
+        </p:nvPicPr>
+        <p:blipFill>
+          <a:blip r:embed="rId2"/>
+          <a:stretch>
+            <a:fillRect/>
+          </a:stretch>
+        </p:blipFill>
+        <p:spPr>
+          <a:xfrm>
+            <a:off x="1594315" y="0"/>
+            <a:ext cx="9003369" cy="6858000"/>
+          </a:xfrm>
+          <a:prstGeom prst="rect">
+            <a:avLst/>
+          </a:prstGeom>
+        </p:spPr>
+      </p:pic>
+      <p:sp>
+        <p:nvSpPr>
+          <p:cNvPr id="6" name="Rectangle 5">
+            <a:extLst>
+              <a:ext uri="{FF2B5EF4-FFF2-40B4-BE49-F238E27FC236}">
+                <a16:creationId xmlns:a16="http://schemas.microsoft.com/office/drawing/2014/main" id="{EB18EB48-A973-35A6-0469-960D2E3A6559}"/>
+              </a:ext>
+            </a:extLst>
+          </p:cNvPr>
+          <p:cNvSpPr/>
+          <p:nvPr/>
+        </p:nvSpPr>
+        <p:spPr>
+          <a:xfrm>
+            <a:off x="1611086" y="685800"/>
+            <a:ext cx="4484914" cy="3037114"/>
+          </a:xfrm>
+          <a:prstGeom prst="rect">
+            <a:avLst/>
+          </a:prstGeom>
+          <a:noFill/>
+          <a:ln w="38100">
+            <a:solidFill>
+              <a:srgbClr val="FF0000"/>
+            </a:solidFill>
+          </a:ln>
+        </p:spPr>
+        <p:style>
+          <a:lnRef idx="2">
+            <a:schemeClr val="accent1">
+              <a:shade val="50000"/>
+            </a:schemeClr>
+          </a:lnRef>
+          <a:fillRef idx="1">
+            <a:schemeClr val="accent1"/>
+          </a:fillRef>
+          <a:effectRef idx="0">
+            <a:schemeClr val="accent1"/>
+          </a:effectRef>
+          <a:fontRef idx="minor">
+            <a:schemeClr val="lt1"/>
+          </a:fontRef>
+        </p:style>
+        <p:txBody>
+          <a:bodyPr rtlCol="0" anchor="ctr"/>
+          <a:lstStyle/>
+          <a:p>
+            <a:pPr algn="ctr"/>
+            <a:endParaRPr lang="fr-FR"/>
+          </a:p>
+        </p:txBody>
+      </p:sp>
+      <p:sp>
+        <p:nvSpPr>
+          <p:cNvPr id="2" name="Rectangle 1">
+            <a:extLst>
+              <a:ext uri="{FF2B5EF4-FFF2-40B4-BE49-F238E27FC236}">
+                <a16:creationId xmlns:a16="http://schemas.microsoft.com/office/drawing/2014/main" id="{C3419EAF-1123-F32A-6DB0-BCE2B484EAF2}"/>
+              </a:ext>
+            </a:extLst>
+          </p:cNvPr>
+          <p:cNvSpPr/>
+          <p:nvPr/>
+        </p:nvSpPr>
+        <p:spPr>
+          <a:xfrm>
+            <a:off x="6095999" y="685799"/>
+            <a:ext cx="4484914" cy="3037114"/>
+          </a:xfrm>
+          <a:prstGeom prst="rect">
+            <a:avLst/>
+          </a:prstGeom>
+          <a:noFill/>
+          <a:ln w="38100">
+            <a:solidFill>
+              <a:srgbClr val="FFC000"/>
+            </a:solidFill>
+          </a:ln>
+        </p:spPr>
+        <p:style>
+          <a:lnRef idx="2">
+            <a:schemeClr val="accent1">
+              <a:shade val="50000"/>
+            </a:schemeClr>
+          </a:lnRef>
+          <a:fillRef idx="1">
+            <a:schemeClr val="accent1"/>
+          </a:fillRef>
+          <a:effectRef idx="0">
+            <a:schemeClr val="accent1"/>
+          </a:effectRef>
+          <a:fontRef idx="minor">
+            <a:schemeClr val="lt1"/>
+          </a:fontRef>
+        </p:style>
+        <p:txBody>
+          <a:bodyPr rtlCol="0" anchor="ctr"/>
+          <a:lstStyle/>
+          <a:p>
+            <a:pPr algn="ctr"/>
+            <a:endParaRPr lang="fr-FR"/>
+          </a:p>
+        </p:txBody>
+      </p:sp>
+      <p:sp>
+        <p:nvSpPr>
+          <p:cNvPr id="7" name="Rectangle 6">
+            <a:extLst>
+              <a:ext uri="{FF2B5EF4-FFF2-40B4-BE49-F238E27FC236}">
+                <a16:creationId xmlns:a16="http://schemas.microsoft.com/office/drawing/2014/main" id="{427BD4BB-123B-1937-A27E-0884D2E05CA7}"/>
+              </a:ext>
+            </a:extLst>
+          </p:cNvPr>
+          <p:cNvSpPr/>
+          <p:nvPr/>
+        </p:nvSpPr>
+        <p:spPr>
+          <a:xfrm>
+            <a:off x="1619472" y="3722915"/>
+            <a:ext cx="4484914" cy="3135086"/>
+          </a:xfrm>
+          <a:prstGeom prst="rect">
+            <a:avLst/>
+          </a:prstGeom>
+          <a:noFill/>
+          <a:ln w="38100">
+            <a:solidFill>
+              <a:srgbClr val="00B050"/>
+            </a:solidFill>
+          </a:ln>
+        </p:spPr>
+        <p:style>
+          <a:lnRef idx="2">
+            <a:schemeClr val="accent1">
+              <a:shade val="50000"/>
+            </a:schemeClr>
+          </a:lnRef>
+          <a:fillRef idx="1">
+            <a:schemeClr val="accent1"/>
+          </a:fillRef>
+          <a:effectRef idx="0">
+            <a:schemeClr val="accent1"/>
+          </a:effectRef>
+          <a:fontRef idx="minor">
+            <a:schemeClr val="lt1"/>
+          </a:fontRef>
+        </p:style>
+        <p:txBody>
+          <a:bodyPr rtlCol="0" anchor="ctr"/>
+          <a:lstStyle/>
+          <a:p>
+            <a:pPr algn="ctr"/>
+            <a:endParaRPr lang="fr-FR"/>
+          </a:p>
+        </p:txBody>
+      </p:sp>
+      <p:sp>
+        <p:nvSpPr>
+          <p:cNvPr id="8" name="Rectangle 7">
+            <a:extLst>
+              <a:ext uri="{FF2B5EF4-FFF2-40B4-BE49-F238E27FC236}">
+                <a16:creationId xmlns:a16="http://schemas.microsoft.com/office/drawing/2014/main" id="{69EE9166-240C-C5BF-CAEA-1875A102A0FA}"/>
+              </a:ext>
+            </a:extLst>
+          </p:cNvPr>
+          <p:cNvSpPr/>
+          <p:nvPr/>
+        </p:nvSpPr>
+        <p:spPr>
+          <a:xfrm>
+            <a:off x="6104385" y="3722914"/>
+            <a:ext cx="4484914" cy="3135086"/>
+          </a:xfrm>
+          <a:prstGeom prst="rect">
+            <a:avLst/>
+          </a:prstGeom>
+          <a:noFill/>
+          <a:ln w="38100">
+            <a:solidFill>
+              <a:srgbClr val="00B0F0"/>
+            </a:solidFill>
+          </a:ln>
+        </p:spPr>
+        <p:style>
+          <a:lnRef idx="2">
+            <a:schemeClr val="accent1">
+              <a:shade val="50000"/>
+            </a:schemeClr>
+          </a:lnRef>
+          <a:fillRef idx="1">
+            <a:schemeClr val="accent1"/>
+          </a:fillRef>
+          <a:effectRef idx="0">
+            <a:schemeClr val="accent1"/>
+          </a:effectRef>
+          <a:fontRef idx="minor">
+            <a:schemeClr val="lt1"/>
+          </a:fontRef>
+        </p:style>
+        <p:txBody>
+          <a:bodyPr rtlCol="0" anchor="ctr"/>
+          <a:lstStyle/>
+          <a:p>
+            <a:pPr algn="ctr"/>
+            <a:endParaRPr lang="fr-FR"/>
+          </a:p>
+        </p:txBody>
+      </p:sp>
+      <p:sp>
+        <p:nvSpPr>
+          <p:cNvPr id="9" name="Ellipse 8">
+            <a:extLst>
+              <a:ext uri="{FF2B5EF4-FFF2-40B4-BE49-F238E27FC236}">
+                <a16:creationId xmlns:a16="http://schemas.microsoft.com/office/drawing/2014/main" id="{0BB6CA09-21FB-4444-60CF-54609392CDF2}"/>
+              </a:ext>
+            </a:extLst>
+          </p:cNvPr>
+          <p:cNvSpPr/>
+          <p:nvPr/>
+        </p:nvSpPr>
+        <p:spPr>
+          <a:xfrm>
+            <a:off x="2002972" y="1066801"/>
+            <a:ext cx="870856" cy="870856"/>
+          </a:xfrm>
+          <a:prstGeom prst="ellipse">
+            <a:avLst/>
+          </a:prstGeom>
+          <a:solidFill>
+            <a:schemeClr val="bg1"/>
+          </a:solidFill>
+          <a:ln w="38100">
+            <a:solidFill>
+              <a:srgbClr val="FF0000"/>
+            </a:solidFill>
+          </a:ln>
+        </p:spPr>
+        <p:style>
+          <a:lnRef idx="2">
+            <a:schemeClr val="accent1">
+              <a:shade val="50000"/>
+            </a:schemeClr>
+          </a:lnRef>
+          <a:fillRef idx="1">
+            <a:schemeClr val="accent1"/>
+          </a:fillRef>
+          <a:effectRef idx="0">
+            <a:schemeClr val="accent1"/>
+          </a:effectRef>
+          <a:fontRef idx="minor">
+            <a:schemeClr val="lt1"/>
+          </a:fontRef>
+        </p:style>
+        <p:txBody>
+          <a:bodyPr rtlCol="0" anchor="ctr"/>
+          <a:lstStyle/>
+          <a:p>
+            <a:pPr algn="ctr"/>
+            <a:r>
+              <a:rPr lang="fr-FR" sz="2400" b="1" dirty="0">
+                <a:solidFill>
+                  <a:srgbClr val="FF0000"/>
+                </a:solidFill>
+              </a:rPr>
+              <a:t>HG</a:t>
+            </a:r>
+            <a:endParaRPr lang="fr-FR" b="1" dirty="0">
+              <a:solidFill>
+                <a:srgbClr val="FF0000"/>
+              </a:solidFill>
+            </a:endParaRPr>
+          </a:p>
+        </p:txBody>
+      </p:sp>
+      <p:sp>
+        <p:nvSpPr>
+          <p:cNvPr id="10" name="Ellipse 9">
+            <a:extLst>
+              <a:ext uri="{FF2B5EF4-FFF2-40B4-BE49-F238E27FC236}">
+                <a16:creationId xmlns:a16="http://schemas.microsoft.com/office/drawing/2014/main" id="{0149FC31-0154-967B-A252-695A7D037CE5}"/>
+              </a:ext>
+            </a:extLst>
+          </p:cNvPr>
+          <p:cNvSpPr/>
+          <p:nvPr/>
+        </p:nvSpPr>
+        <p:spPr>
+          <a:xfrm>
+            <a:off x="6504656" y="1066801"/>
+            <a:ext cx="870856" cy="870856"/>
+          </a:xfrm>
+          <a:prstGeom prst="ellipse">
+            <a:avLst/>
+          </a:prstGeom>
+          <a:solidFill>
+            <a:schemeClr val="bg1"/>
+          </a:solidFill>
+          <a:ln w="38100">
+            <a:solidFill>
+              <a:srgbClr val="FFC000"/>
+            </a:solidFill>
+          </a:ln>
+        </p:spPr>
+        <p:style>
+          <a:lnRef idx="2">
+            <a:schemeClr val="accent1">
+              <a:shade val="50000"/>
+            </a:schemeClr>
+          </a:lnRef>
+          <a:fillRef idx="1">
+            <a:schemeClr val="accent1"/>
+          </a:fillRef>
+          <a:effectRef idx="0">
+            <a:schemeClr val="accent1"/>
+          </a:effectRef>
+          <a:fontRef idx="minor">
+            <a:schemeClr val="lt1"/>
+          </a:fontRef>
+        </p:style>
+        <p:txBody>
+          <a:bodyPr rtlCol="0" anchor="ctr"/>
+          <a:lstStyle/>
+          <a:p>
+            <a:pPr algn="ctr"/>
+            <a:r>
+              <a:rPr lang="fr-FR" sz="2400" b="1" dirty="0">
+                <a:solidFill>
+                  <a:srgbClr val="FFC000"/>
+                </a:solidFill>
+              </a:rPr>
+              <a:t>HD</a:t>
+            </a:r>
+            <a:endParaRPr lang="fr-FR" b="1" dirty="0">
+              <a:solidFill>
+                <a:srgbClr val="FFC000"/>
+              </a:solidFill>
+            </a:endParaRPr>
+          </a:p>
+        </p:txBody>
+      </p:sp>
+      <p:sp>
+        <p:nvSpPr>
+          <p:cNvPr id="11" name="Ellipse 10">
+            <a:extLst>
+              <a:ext uri="{FF2B5EF4-FFF2-40B4-BE49-F238E27FC236}">
+                <a16:creationId xmlns:a16="http://schemas.microsoft.com/office/drawing/2014/main" id="{A604D4B2-E224-1F12-5D8A-B9639733B662}"/>
+              </a:ext>
+            </a:extLst>
+          </p:cNvPr>
+          <p:cNvSpPr/>
+          <p:nvPr/>
+        </p:nvSpPr>
+        <p:spPr>
+          <a:xfrm>
+            <a:off x="2002972" y="4180113"/>
+            <a:ext cx="870856" cy="870856"/>
+          </a:xfrm>
+          <a:prstGeom prst="ellipse">
+            <a:avLst/>
+          </a:prstGeom>
+          <a:solidFill>
+            <a:schemeClr val="bg1"/>
+          </a:solidFill>
+          <a:ln w="38100">
+            <a:solidFill>
+              <a:srgbClr val="00B050"/>
+            </a:solidFill>
+          </a:ln>
+        </p:spPr>
+        <p:style>
+          <a:lnRef idx="2">
+            <a:schemeClr val="accent1">
+              <a:shade val="50000"/>
+            </a:schemeClr>
+          </a:lnRef>
+          <a:fillRef idx="1">
+            <a:schemeClr val="accent1"/>
+          </a:fillRef>
+          <a:effectRef idx="0">
+            <a:schemeClr val="accent1"/>
+          </a:effectRef>
+          <a:fontRef idx="minor">
+            <a:schemeClr val="lt1"/>
+          </a:fontRef>
+        </p:style>
+        <p:txBody>
+          <a:bodyPr rtlCol="0" anchor="ctr"/>
+          <a:lstStyle/>
+          <a:p>
+            <a:pPr algn="ctr"/>
+            <a:r>
+              <a:rPr lang="fr-FR" sz="2400" b="1" dirty="0">
+                <a:solidFill>
+                  <a:srgbClr val="00B050"/>
+                </a:solidFill>
+              </a:rPr>
+              <a:t>BG</a:t>
+            </a:r>
+            <a:endParaRPr lang="fr-FR" b="1" dirty="0">
+              <a:solidFill>
+                <a:srgbClr val="00B050"/>
+              </a:solidFill>
+            </a:endParaRPr>
+          </a:p>
+        </p:txBody>
+      </p:sp>
+      <p:sp>
+        <p:nvSpPr>
+          <p:cNvPr id="12" name="Ellipse 11">
+            <a:extLst>
+              <a:ext uri="{FF2B5EF4-FFF2-40B4-BE49-F238E27FC236}">
+                <a16:creationId xmlns:a16="http://schemas.microsoft.com/office/drawing/2014/main" id="{2BDF5A01-2488-5307-E3B1-4F64F3CD655D}"/>
+              </a:ext>
+            </a:extLst>
+          </p:cNvPr>
+          <p:cNvSpPr/>
+          <p:nvPr/>
+        </p:nvSpPr>
+        <p:spPr>
+          <a:xfrm>
+            <a:off x="6504656" y="4180113"/>
+            <a:ext cx="870856" cy="870856"/>
+          </a:xfrm>
+          <a:prstGeom prst="ellipse">
+            <a:avLst/>
+          </a:prstGeom>
+          <a:solidFill>
+            <a:schemeClr val="bg1"/>
+          </a:solidFill>
+          <a:ln w="38100">
+            <a:solidFill>
+              <a:srgbClr val="00B0F0"/>
+            </a:solidFill>
+          </a:ln>
+        </p:spPr>
+        <p:style>
+          <a:lnRef idx="2">
+            <a:schemeClr val="accent1">
+              <a:shade val="50000"/>
+            </a:schemeClr>
+          </a:lnRef>
+          <a:fillRef idx="1">
+            <a:schemeClr val="accent1"/>
+          </a:fillRef>
+          <a:effectRef idx="0">
+            <a:schemeClr val="accent1"/>
+          </a:effectRef>
+          <a:fontRef idx="minor">
+            <a:schemeClr val="lt1"/>
+          </a:fontRef>
+        </p:style>
+        <p:txBody>
+          <a:bodyPr rtlCol="0" anchor="ctr"/>
+          <a:lstStyle/>
+          <a:p>
+            <a:pPr algn="ctr"/>
+            <a:r>
+              <a:rPr lang="fr-FR" sz="2400" b="1" dirty="0">
+                <a:solidFill>
+                  <a:srgbClr val="00B0F0"/>
+                </a:solidFill>
+              </a:rPr>
+              <a:t>BD</a:t>
+            </a:r>
+            <a:endParaRPr lang="fr-FR" b="1" dirty="0">
+              <a:solidFill>
+                <a:srgbClr val="00B0F0"/>
+              </a:solidFill>
+            </a:endParaRPr>
+          </a:p>
+        </p:txBody>
+      </p:sp>
+    </p:spTree>
+    <p:extLst>
+      <p:ext uri="{BB962C8B-B14F-4D97-AF65-F5344CB8AC3E}">
+        <p14:creationId xmlns:p14="http://schemas.microsoft.com/office/powerpoint/2010/main" val="151355182"/>
+      </p:ext>
+    </p:extLst>
+  </p:cSld>
+  <p:clrMapOvr>
+    <a:masterClrMapping/>
+  </p:clrMapOvr>
+</p:sld>
+</file>
+
+<file path=ppt/slides/slide3.xml><?xml version="1.0" encoding="utf-8"?>
+<p:sld xmlns:a="http://schemas.openxmlformats.org/drawingml/2006/main" xmlns:r="http://schemas.openxmlformats.org/officeDocument/2006/relationships" xmlns:p="http://schemas.openxmlformats.org/presentationml/2006/main">
+  <p:cSld>
+    <p:spTree>
+      <p:nvGrpSpPr>
+        <p:cNvPr id="1" name=""/>
+        <p:cNvGrpSpPr/>
+        <p:nvPr/>
+      </p:nvGrpSpPr>
+      <p:grpSpPr>
+        <a:xfrm>
+          <a:off x="0" y="0"/>
+          <a:ext cx="0" cy="0"/>
+          <a:chOff x="0" y="0"/>
+          <a:chExt cx="0" cy="0"/>
+        </a:xfrm>
+      </p:grpSpPr>
+      <p:pic>
+        <p:nvPicPr>
           <p:cNvPr id="7" name="Image 6">
             <a:extLst>
               <a:ext uri="{FF2B5EF4-FFF2-40B4-BE49-F238E27FC236}">
@@ -4560,7 +5093,7 @@
 </p:sld>
 </file>
 
-<file path=ppt/slides/slide3.xml><?xml version="1.0" encoding="utf-8"?>
+<file path=ppt/slides/slide4.xml><?xml version="1.0" encoding="utf-8"?>
 <p:sld xmlns:a="http://schemas.openxmlformats.org/drawingml/2006/main" xmlns:r="http://schemas.openxmlformats.org/officeDocument/2006/relationships" xmlns:p="http://schemas.openxmlformats.org/presentationml/2006/main">
   <p:cSld>
     <p:spTree>
@@ -5082,7 +5615,7 @@
 </p:sld>
 </file>
 
-<file path=ppt/slides/slide4.xml><?xml version="1.0" encoding="utf-8"?>
+<file path=ppt/slides/slide5.xml><?xml version="1.0" encoding="utf-8"?>
 <p:sld xmlns:a="http://schemas.openxmlformats.org/drawingml/2006/main" xmlns:r="http://schemas.openxmlformats.org/officeDocument/2006/relationships" xmlns:p="http://schemas.openxmlformats.org/presentationml/2006/main">
   <p:cSld>
     <p:spTree>
@@ -5814,7 +6347,7 @@
 </p:sld>
 </file>
 
-<file path=ppt/slides/slide5.xml><?xml version="1.0" encoding="utf-8"?>
+<file path=ppt/slides/slide6.xml><?xml version="1.0" encoding="utf-8"?>
 <p:sld xmlns:a="http://schemas.openxmlformats.org/drawingml/2006/main" xmlns:r="http://schemas.openxmlformats.org/officeDocument/2006/relationships" xmlns:p="http://schemas.openxmlformats.org/presentationml/2006/main">
   <p:cSld>
     <p:spTree>
@@ -10535,7 +11068,7 @@
 </p:sld>
 </file>
 
-<file path=ppt/slides/slide6.xml><?xml version="1.0" encoding="utf-8"?>
+<file path=ppt/slides/slide7.xml><?xml version="1.0" encoding="utf-8"?>
 <p:sld xmlns:a="http://schemas.openxmlformats.org/drawingml/2006/main" xmlns:r="http://schemas.openxmlformats.org/officeDocument/2006/relationships" xmlns:p="http://schemas.openxmlformats.org/presentationml/2006/main">
   <p:cSld>
     <p:spTree>
@@ -12809,7 +13342,7 @@
 </p:sld>
 </file>
 
-<file path=ppt/slides/slide7.xml><?xml version="1.0" encoding="utf-8"?>
+<file path=ppt/slides/slide8.xml><?xml version="1.0" encoding="utf-8"?>
 <p:sld xmlns:a="http://schemas.openxmlformats.org/drawingml/2006/main" xmlns:r="http://schemas.openxmlformats.org/officeDocument/2006/relationships" xmlns:p="http://schemas.openxmlformats.org/presentationml/2006/main">
   <p:cSld>
     <p:spTree>
@@ -17309,7 +17842,7 @@
 </p:sld>
 </file>
 
-<file path=ppt/slides/slide8.xml><?xml version="1.0" encoding="utf-8"?>
+<file path=ppt/slides/slide9.xml><?xml version="1.0" encoding="utf-8"?>
 <p:sld xmlns:a="http://schemas.openxmlformats.org/drawingml/2006/main" xmlns:r="http://schemas.openxmlformats.org/officeDocument/2006/relationships" xmlns:p="http://schemas.openxmlformats.org/presentationml/2006/main">
   <p:cSld>
     <p:spTree>

--- a/16_RC4/Figures/Figures.pptx
+++ b/16_RC4/Figures/Figures.pptx
@@ -205,7 +205,7 @@
           <a:p>
             <a:fld id="{088B47D2-DC99-4023-8FAB-B1A01B8BED66}" type="datetimeFigureOut">
               <a:rPr lang="fr-FR" smtClean="0"/>
-              <a:t>26/05/2023</a:t>
+              <a:t>11/07/2023</a:t>
             </a:fld>
             <a:endParaRPr lang="fr-FR"/>
           </a:p>
@@ -787,7 +787,7 @@
           <a:p>
             <a:fld id="{E1825551-6D9B-4F56-8A53-B2612FCF8466}" type="datetimeFigureOut">
               <a:rPr lang="fr-FR" smtClean="0"/>
-              <a:t>26/05/2023</a:t>
+              <a:t>11/07/2023</a:t>
             </a:fld>
             <a:endParaRPr lang="fr-FR"/>
           </a:p>
@@ -985,7 +985,7 @@
           <a:p>
             <a:fld id="{E1825551-6D9B-4F56-8A53-B2612FCF8466}" type="datetimeFigureOut">
               <a:rPr lang="fr-FR" smtClean="0"/>
-              <a:t>26/05/2023</a:t>
+              <a:t>11/07/2023</a:t>
             </a:fld>
             <a:endParaRPr lang="fr-FR"/>
           </a:p>
@@ -1193,7 +1193,7 @@
           <a:p>
             <a:fld id="{E1825551-6D9B-4F56-8A53-B2612FCF8466}" type="datetimeFigureOut">
               <a:rPr lang="fr-FR" smtClean="0"/>
-              <a:t>26/05/2023</a:t>
+              <a:t>11/07/2023</a:t>
             </a:fld>
             <a:endParaRPr lang="fr-FR"/>
           </a:p>
@@ -1391,7 +1391,7 @@
           <a:p>
             <a:fld id="{E1825551-6D9B-4F56-8A53-B2612FCF8466}" type="datetimeFigureOut">
               <a:rPr lang="fr-FR" smtClean="0"/>
-              <a:t>26/05/2023</a:t>
+              <a:t>11/07/2023</a:t>
             </a:fld>
             <a:endParaRPr lang="fr-FR"/>
           </a:p>
@@ -1666,7 +1666,7 @@
           <a:p>
             <a:fld id="{E1825551-6D9B-4F56-8A53-B2612FCF8466}" type="datetimeFigureOut">
               <a:rPr lang="fr-FR" smtClean="0"/>
-              <a:t>26/05/2023</a:t>
+              <a:t>11/07/2023</a:t>
             </a:fld>
             <a:endParaRPr lang="fr-FR"/>
           </a:p>
@@ -1931,7 +1931,7 @@
           <a:p>
             <a:fld id="{E1825551-6D9B-4F56-8A53-B2612FCF8466}" type="datetimeFigureOut">
               <a:rPr lang="fr-FR" smtClean="0"/>
-              <a:t>26/05/2023</a:t>
+              <a:t>11/07/2023</a:t>
             </a:fld>
             <a:endParaRPr lang="fr-FR"/>
           </a:p>
@@ -2343,7 +2343,7 @@
           <a:p>
             <a:fld id="{E1825551-6D9B-4F56-8A53-B2612FCF8466}" type="datetimeFigureOut">
               <a:rPr lang="fr-FR" smtClean="0"/>
-              <a:t>26/05/2023</a:t>
+              <a:t>11/07/2023</a:t>
             </a:fld>
             <a:endParaRPr lang="fr-FR"/>
           </a:p>
@@ -2484,7 +2484,7 @@
           <a:p>
             <a:fld id="{E1825551-6D9B-4F56-8A53-B2612FCF8466}" type="datetimeFigureOut">
               <a:rPr lang="fr-FR" smtClean="0"/>
-              <a:t>26/05/2023</a:t>
+              <a:t>11/07/2023</a:t>
             </a:fld>
             <a:endParaRPr lang="fr-FR"/>
           </a:p>
@@ -2597,7 +2597,7 @@
           <a:p>
             <a:fld id="{E1825551-6D9B-4F56-8A53-B2612FCF8466}" type="datetimeFigureOut">
               <a:rPr lang="fr-FR" smtClean="0"/>
-              <a:t>26/05/2023</a:t>
+              <a:t>11/07/2023</a:t>
             </a:fld>
             <a:endParaRPr lang="fr-FR"/>
           </a:p>
@@ -2908,7 +2908,7 @@
           <a:p>
             <a:fld id="{E1825551-6D9B-4F56-8A53-B2612FCF8466}" type="datetimeFigureOut">
               <a:rPr lang="fr-FR" smtClean="0"/>
-              <a:t>26/05/2023</a:t>
+              <a:t>11/07/2023</a:t>
             </a:fld>
             <a:endParaRPr lang="fr-FR"/>
           </a:p>
@@ -3196,7 +3196,7 @@
           <a:p>
             <a:fld id="{E1825551-6D9B-4F56-8A53-B2612FCF8466}" type="datetimeFigureOut">
               <a:rPr lang="fr-FR" smtClean="0"/>
-              <a:t>26/05/2023</a:t>
+              <a:t>11/07/2023</a:t>
             </a:fld>
             <a:endParaRPr lang="fr-FR"/>
           </a:p>
@@ -3437,7 +3437,7 @@
           <a:p>
             <a:fld id="{E1825551-6D9B-4F56-8A53-B2612FCF8466}" type="datetimeFigureOut">
               <a:rPr lang="fr-FR" smtClean="0"/>
-              <a:t>26/05/2023</a:t>
+              <a:t>11/07/2023</a:t>
             </a:fld>
             <a:endParaRPr lang="fr-FR"/>
           </a:p>
@@ -23977,6 +23977,1071 @@
           </p:sp>
         </mc:Fallback>
       </mc:AlternateContent>
+      <mc:AlternateContent xmlns:mc="http://schemas.openxmlformats.org/markup-compatibility/2006">
+        <mc:Choice xmlns:a14="http://schemas.microsoft.com/office/drawing/2010/main" Requires="a14">
+          <p:sp>
+            <p:nvSpPr>
+              <p:cNvPr id="2" name="Espace réservé du contenu 2">
+                <a:extLst>
+                  <a:ext uri="{FF2B5EF4-FFF2-40B4-BE49-F238E27FC236}">
+                    <a16:creationId xmlns:a16="http://schemas.microsoft.com/office/drawing/2014/main" id="{6EE8172D-B279-D104-F504-B905CAE7966C}"/>
+                  </a:ext>
+                </a:extLst>
+              </p:cNvPr>
+              <p:cNvSpPr>
+                <a:spLocks noGrp="1"/>
+              </p:cNvSpPr>
+              <p:nvPr>
+                <p:ph idx="1"/>
+              </p:nvPr>
+            </p:nvSpPr>
+            <p:spPr>
+              <a:xfrm>
+                <a:off x="10471796" y="601026"/>
+                <a:ext cx="3679633" cy="5052005"/>
+              </a:xfrm>
+            </p:spPr>
+            <p:txBody>
+              <a:bodyPr>
+                <a:normAutofit/>
+              </a:bodyPr>
+              <a:lstStyle/>
+              <a:p>
+                <a:r>
+                  <a:rPr lang="fr-FR" sz="1800" dirty="0"/>
+                  <a:t>On note </a:t>
+                </a:r>
+              </a:p>
+              <a:p>
+                <a:pPr lvl="1"/>
+                <a14:m>
+                  <m:oMath xmlns:m="http://schemas.openxmlformats.org/officeDocument/2006/math">
+                    <m:sSub>
+                      <m:sSubPr>
+                        <m:ctrlPr>
+                          <a:rPr lang="fr-FR" sz="1600" b="0" i="1" smtClean="0">
+                            <a:latin typeface="Cambria Math" panose="02040503050406030204" pitchFamily="18" charset="0"/>
+                          </a:rPr>
+                        </m:ctrlPr>
+                      </m:sSubPr>
+                      <m:e>
+                        <m:r>
+                          <a:rPr lang="fr-FR" sz="1600" b="0" i="1" smtClean="0">
+                            <a:latin typeface="Cambria Math" panose="02040503050406030204" pitchFamily="18" charset="0"/>
+                          </a:rPr>
+                          <m:t>𝐿</m:t>
+                        </m:r>
+                      </m:e>
+                      <m:sub>
+                        <m:r>
+                          <a:rPr lang="fr-FR" sz="1600" b="0" i="1" smtClean="0">
+                            <a:latin typeface="Cambria Math" panose="02040503050406030204" pitchFamily="18" charset="0"/>
+                          </a:rPr>
+                          <m:t>𝐻𝐷</m:t>
+                        </m:r>
+                      </m:sub>
+                    </m:sSub>
+                    <m:r>
+                      <a:rPr lang="fr-FR" sz="1600" b="0" i="1" smtClean="0">
+                        <a:latin typeface="Cambria Math" panose="02040503050406030204" pitchFamily="18" charset="0"/>
+                      </a:rPr>
+                      <m:t>=</m:t>
+                    </m:r>
+                    <m:sSub>
+                      <m:sSubPr>
+                        <m:ctrlPr>
+                          <a:rPr lang="fr-FR" sz="1600" b="0" i="1" smtClean="0">
+                            <a:latin typeface="Cambria Math" panose="02040503050406030204" pitchFamily="18" charset="0"/>
+                          </a:rPr>
+                        </m:ctrlPr>
+                      </m:sSubPr>
+                      <m:e>
+                        <m:r>
+                          <a:rPr lang="fr-FR" sz="1600" b="0" i="1" smtClean="0">
+                            <a:latin typeface="Cambria Math" panose="02040503050406030204" pitchFamily="18" charset="0"/>
+                          </a:rPr>
+                          <m:t>𝐴</m:t>
+                        </m:r>
+                      </m:e>
+                      <m:sub>
+                        <m:r>
+                          <a:rPr lang="fr-FR" sz="1600" b="0" i="1" smtClean="0">
+                            <a:latin typeface="Cambria Math" panose="02040503050406030204" pitchFamily="18" charset="0"/>
+                          </a:rPr>
+                          <m:t>𝐻𝐷</m:t>
+                        </m:r>
+                      </m:sub>
+                    </m:sSub>
+                    <m:sSub>
+                      <m:sSubPr>
+                        <m:ctrlPr>
+                          <a:rPr lang="fr-FR" sz="1600" b="0" i="1" smtClean="0">
+                            <a:latin typeface="Cambria Math" panose="02040503050406030204" pitchFamily="18" charset="0"/>
+                          </a:rPr>
+                        </m:ctrlPr>
+                      </m:sSubPr>
+                      <m:e>
+                        <m:r>
+                          <a:rPr lang="fr-FR" sz="1600" b="0" i="1" smtClean="0">
+                            <a:latin typeface="Cambria Math" panose="02040503050406030204" pitchFamily="18" charset="0"/>
+                          </a:rPr>
+                          <m:t>𝐶</m:t>
+                        </m:r>
+                      </m:e>
+                      <m:sub>
+                        <m:r>
+                          <a:rPr lang="fr-FR" sz="1600" b="0" i="1" smtClean="0">
+                            <a:latin typeface="Cambria Math" panose="02040503050406030204" pitchFamily="18" charset="0"/>
+                          </a:rPr>
+                          <m:t>𝐻𝐷</m:t>
+                        </m:r>
+                      </m:sub>
+                    </m:sSub>
+                  </m:oMath>
+                </a14:m>
+                <a:r>
+                  <a:rPr lang="fr-FR" sz="1600" dirty="0"/>
+                  <a:t> </a:t>
+                </a:r>
+              </a:p>
+              <a:p>
+                <a:pPr lvl="1"/>
+                <a14:m>
+                  <m:oMath xmlns:m="http://schemas.openxmlformats.org/officeDocument/2006/math">
+                    <m:sSub>
+                      <m:sSubPr>
+                        <m:ctrlPr>
+                          <a:rPr lang="fr-FR" sz="1600" b="0" i="1" smtClean="0">
+                            <a:latin typeface="Cambria Math" panose="02040503050406030204" pitchFamily="18" charset="0"/>
+                          </a:rPr>
+                        </m:ctrlPr>
+                      </m:sSubPr>
+                      <m:e>
+                        <m:r>
+                          <a:rPr lang="fr-FR" sz="1600" b="0" i="1" smtClean="0">
+                            <a:latin typeface="Cambria Math" panose="02040503050406030204" pitchFamily="18" charset="0"/>
+                          </a:rPr>
+                          <m:t>𝐷</m:t>
+                        </m:r>
+                      </m:e>
+                      <m:sub>
+                        <m:r>
+                          <a:rPr lang="fr-FR" sz="1600" b="0" i="1" smtClean="0">
+                            <a:latin typeface="Cambria Math" panose="02040503050406030204" pitchFamily="18" charset="0"/>
+                          </a:rPr>
+                          <m:t>𝐻𝐷</m:t>
+                        </m:r>
+                      </m:sub>
+                    </m:sSub>
+                    <m:r>
+                      <a:rPr lang="fr-FR" sz="1600" b="0" i="1" smtClean="0">
+                        <a:latin typeface="Cambria Math" panose="02040503050406030204" pitchFamily="18" charset="0"/>
+                      </a:rPr>
+                      <m:t>=</m:t>
+                    </m:r>
+                    <m:sSub>
+                      <m:sSubPr>
+                        <m:ctrlPr>
+                          <a:rPr lang="fr-FR" sz="1600" i="1">
+                            <a:latin typeface="Cambria Math" panose="02040503050406030204" pitchFamily="18" charset="0"/>
+                          </a:rPr>
+                        </m:ctrlPr>
+                      </m:sSubPr>
+                      <m:e>
+                        <m:r>
+                          <a:rPr lang="fr-FR" sz="1600" i="1">
+                            <a:latin typeface="Cambria Math" panose="02040503050406030204" pitchFamily="18" charset="0"/>
+                          </a:rPr>
+                          <m:t>𝐴</m:t>
+                        </m:r>
+                      </m:e>
+                      <m:sub>
+                        <m:r>
+                          <a:rPr lang="fr-FR" sz="1600" i="1">
+                            <a:latin typeface="Cambria Math" panose="02040503050406030204" pitchFamily="18" charset="0"/>
+                          </a:rPr>
+                          <m:t>𝐻𝐷</m:t>
+                        </m:r>
+                      </m:sub>
+                    </m:sSub>
+                    <m:sSub>
+                      <m:sSubPr>
+                        <m:ctrlPr>
+                          <a:rPr lang="fr-FR" sz="1600" i="1">
+                            <a:latin typeface="Cambria Math" panose="02040503050406030204" pitchFamily="18" charset="0"/>
+                          </a:rPr>
+                        </m:ctrlPr>
+                      </m:sSubPr>
+                      <m:e>
+                        <m:r>
+                          <a:rPr lang="fr-FR" sz="1600" b="0" i="1" smtClean="0">
+                            <a:latin typeface="Cambria Math" panose="02040503050406030204" pitchFamily="18" charset="0"/>
+                          </a:rPr>
+                          <m:t>𝐵</m:t>
+                        </m:r>
+                      </m:e>
+                      <m:sub>
+                        <m:r>
+                          <a:rPr lang="fr-FR" sz="1600" i="1">
+                            <a:latin typeface="Cambria Math" panose="02040503050406030204" pitchFamily="18" charset="0"/>
+                          </a:rPr>
+                          <m:t>𝐻𝐷</m:t>
+                        </m:r>
+                      </m:sub>
+                    </m:sSub>
+                  </m:oMath>
+                </a14:m>
+                <a:r>
+                  <a:rPr lang="fr-FR" sz="1600" dirty="0"/>
+                  <a:t> </a:t>
+                </a:r>
+                <a:endParaRPr lang="fr-FR" sz="1600" b="0" i="1" dirty="0">
+                  <a:latin typeface="Cambria Math" panose="02040503050406030204" pitchFamily="18" charset="0"/>
+                </a:endParaRPr>
+              </a:p>
+              <a:p>
+                <a:pPr lvl="1"/>
+                <a14:m>
+                  <m:oMath xmlns:m="http://schemas.openxmlformats.org/officeDocument/2006/math">
+                    <m:sSub>
+                      <m:sSubPr>
+                        <m:ctrlPr>
+                          <a:rPr lang="fr-FR" sz="1600" b="0" i="1" smtClean="0">
+                            <a:latin typeface="Cambria Math" panose="02040503050406030204" pitchFamily="18" charset="0"/>
+                          </a:rPr>
+                        </m:ctrlPr>
+                      </m:sSubPr>
+                      <m:e>
+                        <m:r>
+                          <a:rPr lang="fr-FR" sz="1600" b="0" i="1" smtClean="0">
+                            <a:latin typeface="Cambria Math" panose="02040503050406030204" pitchFamily="18" charset="0"/>
+                          </a:rPr>
+                          <m:t>𝑅</m:t>
+                        </m:r>
+                      </m:e>
+                      <m:sub>
+                        <m:r>
+                          <a:rPr lang="fr-FR" sz="1600" b="0" i="1" smtClean="0">
+                            <a:latin typeface="Cambria Math" panose="02040503050406030204" pitchFamily="18" charset="0"/>
+                          </a:rPr>
+                          <m:t>𝑃</m:t>
+                        </m:r>
+                      </m:sub>
+                    </m:sSub>
+                    <m:r>
+                      <a:rPr lang="fr-FR" sz="1600" b="0" i="1" smtClean="0">
+                        <a:latin typeface="Cambria Math" panose="02040503050406030204" pitchFamily="18" charset="0"/>
+                      </a:rPr>
+                      <m:t>=</m:t>
+                    </m:r>
+                    <m:sSub>
+                      <m:sSubPr>
+                        <m:ctrlPr>
+                          <a:rPr lang="fr-FR" sz="1600" b="0" i="1" smtClean="0">
+                            <a:latin typeface="Cambria Math" panose="02040503050406030204" pitchFamily="18" charset="0"/>
+                          </a:rPr>
+                        </m:ctrlPr>
+                      </m:sSubPr>
+                      <m:e>
+                        <m:r>
+                          <a:rPr lang="fr-FR" sz="1600" b="0" i="1" smtClean="0">
+                            <a:latin typeface="Cambria Math" panose="02040503050406030204" pitchFamily="18" charset="0"/>
+                          </a:rPr>
+                          <m:t>𝐵</m:t>
+                        </m:r>
+                      </m:e>
+                      <m:sub>
+                        <m:r>
+                          <a:rPr lang="fr-FR" sz="1600" b="0" i="1" smtClean="0">
+                            <a:latin typeface="Cambria Math" panose="02040503050406030204" pitchFamily="18" charset="0"/>
+                          </a:rPr>
+                          <m:t>𝐻𝐷</m:t>
+                        </m:r>
+                      </m:sub>
+                    </m:sSub>
+                    <m:sSub>
+                      <m:sSubPr>
+                        <m:ctrlPr>
+                          <a:rPr lang="fr-FR" sz="1600" b="0" i="1" smtClean="0">
+                            <a:latin typeface="Cambria Math" panose="02040503050406030204" pitchFamily="18" charset="0"/>
+                          </a:rPr>
+                        </m:ctrlPr>
+                      </m:sSubPr>
+                      <m:e>
+                        <m:r>
+                          <a:rPr lang="fr-FR" sz="1600" b="0" i="1" smtClean="0">
+                            <a:latin typeface="Cambria Math" panose="02040503050406030204" pitchFamily="18" charset="0"/>
+                          </a:rPr>
+                          <m:t>𝐶</m:t>
+                        </m:r>
+                      </m:e>
+                      <m:sub>
+                        <m:r>
+                          <a:rPr lang="fr-FR" sz="1600" b="0" i="1" smtClean="0">
+                            <a:latin typeface="Cambria Math" panose="02040503050406030204" pitchFamily="18" charset="0"/>
+                          </a:rPr>
+                          <m:t>𝐻𝐷</m:t>
+                        </m:r>
+                      </m:sub>
+                    </m:sSub>
+                  </m:oMath>
+                </a14:m>
+                <a:endParaRPr lang="fr-FR" sz="1600" b="0" dirty="0"/>
+              </a:p>
+              <a:p>
+                <a:pPr lvl="1"/>
+                <a:endParaRPr lang="fr-FR" sz="1600" dirty="0"/>
+              </a:p>
+              <a:p>
+                <a:pPr lvl="1"/>
+                <a14:m>
+                  <m:oMath xmlns:m="http://schemas.openxmlformats.org/officeDocument/2006/math">
+                    <m:acc>
+                      <m:accPr>
+                        <m:chr m:val="⃗"/>
+                        <m:ctrlPr>
+                          <a:rPr lang="fr-FR" sz="1600" b="0" i="1" smtClean="0">
+                            <a:latin typeface="Cambria Math" panose="02040503050406030204" pitchFamily="18" charset="0"/>
+                          </a:rPr>
+                        </m:ctrlPr>
+                      </m:accPr>
+                      <m:e>
+                        <m:sSub>
+                          <m:sSubPr>
+                            <m:ctrlPr>
+                              <a:rPr lang="fr-FR" sz="1600" i="1">
+                                <a:latin typeface="Cambria Math" panose="02040503050406030204" pitchFamily="18" charset="0"/>
+                              </a:rPr>
+                            </m:ctrlPr>
+                          </m:sSubPr>
+                          <m:e>
+                            <m:r>
+                              <a:rPr lang="fr-FR" sz="1600" i="1">
+                                <a:latin typeface="Cambria Math" panose="02040503050406030204" pitchFamily="18" charset="0"/>
+                              </a:rPr>
+                              <m:t>𝐴</m:t>
+                            </m:r>
+                          </m:e>
+                          <m:sub>
+                            <m:r>
+                              <a:rPr lang="fr-FR" sz="1600" i="1">
+                                <a:latin typeface="Cambria Math" panose="02040503050406030204" pitchFamily="18" charset="0"/>
+                              </a:rPr>
+                              <m:t>𝐻𝐺</m:t>
+                            </m:r>
+                          </m:sub>
+                        </m:sSub>
+                        <m:sSub>
+                          <m:sSubPr>
+                            <m:ctrlPr>
+                              <a:rPr lang="fr-FR" sz="1600" i="1">
+                                <a:latin typeface="Cambria Math" panose="02040503050406030204" pitchFamily="18" charset="0"/>
+                              </a:rPr>
+                            </m:ctrlPr>
+                          </m:sSubPr>
+                          <m:e>
+                            <m:r>
+                              <a:rPr lang="fr-FR" sz="1600" i="1">
+                                <a:latin typeface="Cambria Math" panose="02040503050406030204" pitchFamily="18" charset="0"/>
+                              </a:rPr>
+                              <m:t>𝐴</m:t>
+                            </m:r>
+                          </m:e>
+                          <m:sub>
+                            <m:r>
+                              <a:rPr lang="fr-FR" sz="1600" i="1">
+                                <a:latin typeface="Cambria Math" panose="02040503050406030204" pitchFamily="18" charset="0"/>
+                              </a:rPr>
+                              <m:t>𝐻𝐷</m:t>
+                            </m:r>
+                          </m:sub>
+                        </m:sSub>
+                      </m:e>
+                    </m:acc>
+                    <m:r>
+                      <a:rPr lang="fr-FR" sz="1600" b="0" i="1" smtClean="0">
+                        <a:latin typeface="Cambria Math" panose="02040503050406030204" pitchFamily="18" charset="0"/>
+                      </a:rPr>
+                      <m:t>=</m:t>
+                    </m:r>
+                    <m:sSub>
+                      <m:sSubPr>
+                        <m:ctrlPr>
+                          <a:rPr lang="fr-FR" sz="1600" b="0" i="1" smtClean="0">
+                            <a:latin typeface="Cambria Math" panose="02040503050406030204" pitchFamily="18" charset="0"/>
+                          </a:rPr>
+                        </m:ctrlPr>
+                      </m:sSubPr>
+                      <m:e>
+                        <m:r>
+                          <a:rPr lang="fr-FR" sz="1600" b="0" i="1" smtClean="0">
+                            <a:latin typeface="Cambria Math" panose="02040503050406030204" pitchFamily="18" charset="0"/>
+                          </a:rPr>
+                          <m:t>𝐿</m:t>
+                        </m:r>
+                      </m:e>
+                      <m:sub>
+                        <m:r>
+                          <a:rPr lang="fr-FR" sz="1600" b="0" i="1" smtClean="0">
+                            <a:latin typeface="Cambria Math" panose="02040503050406030204" pitchFamily="18" charset="0"/>
+                          </a:rPr>
+                          <m:t>𝑀</m:t>
+                        </m:r>
+                      </m:sub>
+                    </m:sSub>
+                    <m:acc>
+                      <m:accPr>
+                        <m:chr m:val="⃗"/>
+                        <m:ctrlPr>
+                          <a:rPr lang="fr-FR" sz="1600" i="1">
+                            <a:latin typeface="Cambria Math" panose="02040503050406030204" pitchFamily="18" charset="0"/>
+                          </a:rPr>
+                        </m:ctrlPr>
+                      </m:accPr>
+                      <m:e>
+                        <m:sSub>
+                          <m:sSubPr>
+                            <m:ctrlPr>
+                              <a:rPr lang="fr-FR" sz="1600" b="0" i="1" smtClean="0">
+                                <a:latin typeface="Cambria Math" panose="02040503050406030204" pitchFamily="18" charset="0"/>
+                              </a:rPr>
+                            </m:ctrlPr>
+                          </m:sSubPr>
+                          <m:e>
+                            <m:r>
+                              <a:rPr lang="fr-FR" sz="1600" i="1">
+                                <a:latin typeface="Cambria Math" panose="02040503050406030204" pitchFamily="18" charset="0"/>
+                              </a:rPr>
+                              <m:t>𝑥</m:t>
+                            </m:r>
+                          </m:e>
+                          <m:sub>
+                            <m:r>
+                              <a:rPr lang="fr-FR" sz="1600" b="0" i="1" smtClean="0">
+                                <a:latin typeface="Cambria Math" panose="02040503050406030204" pitchFamily="18" charset="0"/>
+                              </a:rPr>
+                              <m:t>𝑀</m:t>
+                            </m:r>
+                          </m:sub>
+                        </m:sSub>
+                      </m:e>
+                    </m:acc>
+                  </m:oMath>
+                </a14:m>
+                <a:endParaRPr lang="fr-FR" sz="1600" b="0" dirty="0"/>
+              </a:p>
+              <a:p>
+                <a:pPr lvl="1"/>
+                <a14:m>
+                  <m:oMath xmlns:m="http://schemas.openxmlformats.org/officeDocument/2006/math">
+                    <m:sSub>
+                      <m:sSubPr>
+                        <m:ctrlPr>
+                          <a:rPr lang="fr-FR" sz="1600" b="0" i="1" smtClean="0">
+                            <a:latin typeface="Cambria Math" panose="02040503050406030204" pitchFamily="18" charset="0"/>
+                          </a:rPr>
+                        </m:ctrlPr>
+                      </m:sSubPr>
+                      <m:e>
+                        <m:r>
+                          <a:rPr lang="fr-FR" sz="1600" b="0" i="1" smtClean="0">
+                            <a:latin typeface="Cambria Math" panose="02040503050406030204" pitchFamily="18" charset="0"/>
+                          </a:rPr>
+                          <m:t>𝐴</m:t>
+                        </m:r>
+                      </m:e>
+                      <m:sub>
+                        <m:r>
+                          <a:rPr lang="fr-FR" sz="1600" b="0" i="1" smtClean="0">
+                            <a:latin typeface="Cambria Math" panose="02040503050406030204" pitchFamily="18" charset="0"/>
+                          </a:rPr>
+                          <m:t>𝐵𝐺</m:t>
+                        </m:r>
+                      </m:sub>
+                    </m:sSub>
+                    <m:sSub>
+                      <m:sSubPr>
+                        <m:ctrlPr>
+                          <a:rPr lang="fr-FR" sz="1600" i="1">
+                            <a:latin typeface="Cambria Math" panose="02040503050406030204" pitchFamily="18" charset="0"/>
+                          </a:rPr>
+                        </m:ctrlPr>
+                      </m:sSubPr>
+                      <m:e>
+                        <m:r>
+                          <a:rPr lang="fr-FR" sz="1600" i="1">
+                            <a:latin typeface="Cambria Math" panose="02040503050406030204" pitchFamily="18" charset="0"/>
+                          </a:rPr>
+                          <m:t>𝐴</m:t>
+                        </m:r>
+                      </m:e>
+                      <m:sub>
+                        <m:r>
+                          <a:rPr lang="fr-FR" sz="1600" i="1">
+                            <a:latin typeface="Cambria Math" panose="02040503050406030204" pitchFamily="18" charset="0"/>
+                          </a:rPr>
+                          <m:t>𝐻</m:t>
+                        </m:r>
+                        <m:r>
+                          <a:rPr lang="fr-FR" sz="1600" b="0" i="1" smtClean="0">
+                            <a:latin typeface="Cambria Math" panose="02040503050406030204" pitchFamily="18" charset="0"/>
+                          </a:rPr>
+                          <m:t>𝐺</m:t>
+                        </m:r>
+                      </m:sub>
+                    </m:sSub>
+                    <m:r>
+                      <a:rPr lang="fr-FR" sz="1600" b="0" i="1" smtClean="0">
+                        <a:latin typeface="Cambria Math" panose="02040503050406030204" pitchFamily="18" charset="0"/>
+                      </a:rPr>
+                      <m:t>=</m:t>
+                    </m:r>
+                    <m:sSub>
+                      <m:sSubPr>
+                        <m:ctrlPr>
+                          <a:rPr lang="fr-FR" sz="1600" b="0" i="1" smtClean="0">
+                            <a:latin typeface="Cambria Math" panose="02040503050406030204" pitchFamily="18" charset="0"/>
+                          </a:rPr>
+                        </m:ctrlPr>
+                      </m:sSubPr>
+                      <m:e>
+                        <m:r>
+                          <a:rPr lang="fr-FR" sz="1600" b="0" i="1" smtClean="0">
+                            <a:latin typeface="Cambria Math" panose="02040503050406030204" pitchFamily="18" charset="0"/>
+                          </a:rPr>
+                          <m:t>𝐻</m:t>
+                        </m:r>
+                      </m:e>
+                      <m:sub>
+                        <m:r>
+                          <a:rPr lang="fr-FR" sz="1600" b="0" i="1" smtClean="0">
+                            <a:latin typeface="Cambria Math" panose="02040503050406030204" pitchFamily="18" charset="0"/>
+                          </a:rPr>
+                          <m:t>𝑀</m:t>
+                        </m:r>
+                      </m:sub>
+                    </m:sSub>
+                    <m:acc>
+                      <m:accPr>
+                        <m:chr m:val="⃗"/>
+                        <m:ctrlPr>
+                          <a:rPr lang="fr-FR" sz="1600" i="1">
+                            <a:latin typeface="Cambria Math" panose="02040503050406030204" pitchFamily="18" charset="0"/>
+                          </a:rPr>
+                        </m:ctrlPr>
+                      </m:accPr>
+                      <m:e>
+                        <m:sSub>
+                          <m:sSubPr>
+                            <m:ctrlPr>
+                              <a:rPr lang="fr-FR" sz="1600" i="1">
+                                <a:latin typeface="Cambria Math" panose="02040503050406030204" pitchFamily="18" charset="0"/>
+                              </a:rPr>
+                            </m:ctrlPr>
+                          </m:sSubPr>
+                          <m:e>
+                            <m:r>
+                              <a:rPr lang="fr-FR" sz="1600" b="0" i="1" smtClean="0">
+                                <a:latin typeface="Cambria Math" panose="02040503050406030204" pitchFamily="18" charset="0"/>
+                              </a:rPr>
+                              <m:t>𝑦</m:t>
+                            </m:r>
+                          </m:e>
+                          <m:sub>
+                            <m:r>
+                              <a:rPr lang="fr-FR" sz="1600" i="1">
+                                <a:latin typeface="Cambria Math" panose="02040503050406030204" pitchFamily="18" charset="0"/>
+                              </a:rPr>
+                              <m:t>𝑀</m:t>
+                            </m:r>
+                          </m:sub>
+                        </m:sSub>
+                      </m:e>
+                    </m:acc>
+                  </m:oMath>
+                </a14:m>
+                <a:endParaRPr lang="fr-FR" sz="1600" dirty="0"/>
+              </a:p>
+              <a:p>
+                <a:endParaRPr lang="fr-FR" sz="1800" dirty="0"/>
+              </a:p>
+              <a:p>
+                <a:endParaRPr lang="fr-FR" sz="1800" dirty="0"/>
+              </a:p>
+              <a:p>
+                <a:r>
+                  <a:rPr lang="fr-FR" sz="1800" dirty="0"/>
+                  <a:t>Le triangle </a:t>
+                </a:r>
+                <a14:m>
+                  <m:oMath xmlns:m="http://schemas.openxmlformats.org/officeDocument/2006/math">
+                    <m:r>
+                      <a:rPr lang="fr-FR" sz="1800" i="1" dirty="0" smtClean="0">
+                        <a:latin typeface="Cambria Math" panose="02040503050406030204" pitchFamily="18" charset="0"/>
+                      </a:rPr>
+                      <m:t>𝐴𝐵𝐶</m:t>
+                    </m:r>
+                  </m:oMath>
+                </a14:m>
+                <a:r>
+                  <a:rPr lang="fr-FR" sz="1800" dirty="0"/>
+                  <a:t> est rectangle en </a:t>
+                </a:r>
+                <a14:m>
+                  <m:oMath xmlns:m="http://schemas.openxmlformats.org/officeDocument/2006/math">
+                    <m:r>
+                      <a:rPr lang="fr-FR" sz="1800" i="1" dirty="0" smtClean="0">
+                        <a:latin typeface="Cambria Math" panose="02040503050406030204" pitchFamily="18" charset="0"/>
+                      </a:rPr>
+                      <m:t>𝐶</m:t>
+                    </m:r>
+                  </m:oMath>
+                </a14:m>
+                <a:r>
+                  <a:rPr lang="fr-FR" sz="1800" dirty="0"/>
+                  <a:t>. On a donc </a:t>
+                </a:r>
+                <a14:m>
+                  <m:oMath xmlns:m="http://schemas.openxmlformats.org/officeDocument/2006/math">
+                    <m:sSubSup>
+                      <m:sSubSupPr>
+                        <m:ctrlPr>
+                          <a:rPr lang="fr-FR" sz="1800" b="0" i="1" smtClean="0">
+                            <a:latin typeface="Cambria Math" panose="02040503050406030204" pitchFamily="18" charset="0"/>
+                          </a:rPr>
+                        </m:ctrlPr>
+                      </m:sSubSupPr>
+                      <m:e>
+                        <m:r>
+                          <a:rPr lang="fr-FR" sz="1800" b="0" i="1" smtClean="0">
+                            <a:latin typeface="Cambria Math" panose="02040503050406030204" pitchFamily="18" charset="0"/>
+                          </a:rPr>
+                          <m:t>𝐷</m:t>
+                        </m:r>
+                      </m:e>
+                      <m:sub>
+                        <m:r>
+                          <a:rPr lang="fr-FR" sz="1800" b="0" i="1" smtClean="0">
+                            <a:latin typeface="Cambria Math" panose="02040503050406030204" pitchFamily="18" charset="0"/>
+                          </a:rPr>
+                          <m:t>𝐻𝐷</m:t>
+                        </m:r>
+                      </m:sub>
+                      <m:sup>
+                        <m:r>
+                          <a:rPr lang="fr-FR" sz="1800" b="0" i="1" smtClean="0">
+                            <a:latin typeface="Cambria Math" panose="02040503050406030204" pitchFamily="18" charset="0"/>
+                          </a:rPr>
+                          <m:t>2</m:t>
+                        </m:r>
+                      </m:sup>
+                    </m:sSubSup>
+                    <m:r>
+                      <a:rPr lang="fr-FR" sz="1800" b="0" i="1" smtClean="0">
+                        <a:latin typeface="Cambria Math" panose="02040503050406030204" pitchFamily="18" charset="0"/>
+                      </a:rPr>
+                      <m:t>=</m:t>
+                    </m:r>
+                    <m:sSubSup>
+                      <m:sSubSupPr>
+                        <m:ctrlPr>
+                          <a:rPr lang="fr-FR" sz="1800" b="0" i="1" smtClean="0">
+                            <a:latin typeface="Cambria Math" panose="02040503050406030204" pitchFamily="18" charset="0"/>
+                          </a:rPr>
+                        </m:ctrlPr>
+                      </m:sSubSupPr>
+                      <m:e>
+                        <m:r>
+                          <a:rPr lang="fr-FR" sz="1800" b="0" i="1" smtClean="0">
+                            <a:latin typeface="Cambria Math" panose="02040503050406030204" pitchFamily="18" charset="0"/>
+                          </a:rPr>
+                          <m:t>𝐿</m:t>
+                        </m:r>
+                      </m:e>
+                      <m:sub>
+                        <m:r>
+                          <a:rPr lang="fr-FR" sz="1800" b="0" i="1" smtClean="0">
+                            <a:latin typeface="Cambria Math" panose="02040503050406030204" pitchFamily="18" charset="0"/>
+                          </a:rPr>
+                          <m:t>𝐻𝐷</m:t>
+                        </m:r>
+                      </m:sub>
+                      <m:sup>
+                        <m:r>
+                          <a:rPr lang="fr-FR" sz="1800" b="0" i="1" smtClean="0">
+                            <a:latin typeface="Cambria Math" panose="02040503050406030204" pitchFamily="18" charset="0"/>
+                          </a:rPr>
+                          <m:t>2</m:t>
+                        </m:r>
+                      </m:sup>
+                    </m:sSubSup>
+                    <m:r>
+                      <a:rPr lang="fr-FR" sz="1800" b="0" i="1" smtClean="0">
+                        <a:latin typeface="Cambria Math" panose="02040503050406030204" pitchFamily="18" charset="0"/>
+                      </a:rPr>
+                      <m:t>+</m:t>
+                    </m:r>
+                    <m:sSubSup>
+                      <m:sSubSupPr>
+                        <m:ctrlPr>
+                          <a:rPr lang="fr-FR" sz="1800" b="0" i="1" smtClean="0">
+                            <a:latin typeface="Cambria Math" panose="02040503050406030204" pitchFamily="18" charset="0"/>
+                          </a:rPr>
+                        </m:ctrlPr>
+                      </m:sSubSupPr>
+                      <m:e>
+                        <m:r>
+                          <a:rPr lang="fr-FR" sz="1800" b="0" i="1" smtClean="0">
+                            <a:latin typeface="Cambria Math" panose="02040503050406030204" pitchFamily="18" charset="0"/>
+                          </a:rPr>
+                          <m:t>𝑅</m:t>
+                        </m:r>
+                      </m:e>
+                      <m:sub>
+                        <m:r>
+                          <a:rPr lang="fr-FR" sz="1800" b="0" i="1" smtClean="0">
+                            <a:latin typeface="Cambria Math" panose="02040503050406030204" pitchFamily="18" charset="0"/>
+                          </a:rPr>
+                          <m:t>𝑃</m:t>
+                        </m:r>
+                      </m:sub>
+                      <m:sup>
+                        <m:r>
+                          <a:rPr lang="fr-FR" sz="1800" b="0" i="1" smtClean="0">
+                            <a:latin typeface="Cambria Math" panose="02040503050406030204" pitchFamily="18" charset="0"/>
+                          </a:rPr>
+                          <m:t>2</m:t>
+                        </m:r>
+                      </m:sup>
+                    </m:sSubSup>
+                  </m:oMath>
+                </a14:m>
+                <a:r>
+                  <a:rPr lang="fr-FR" sz="1800" dirty="0"/>
+                  <a:t>.</a:t>
+                </a:r>
+              </a:p>
+              <a:p>
+                <a14:m>
+                  <m:oMath xmlns:m="http://schemas.openxmlformats.org/officeDocument/2006/math">
+                    <m:acc>
+                      <m:accPr>
+                        <m:chr m:val="⃗"/>
+                        <m:ctrlPr>
+                          <a:rPr lang="fr-FR" sz="1800" i="1" smtClean="0">
+                            <a:latin typeface="Cambria Math" panose="02040503050406030204" pitchFamily="18" charset="0"/>
+                          </a:rPr>
+                        </m:ctrlPr>
+                      </m:accPr>
+                      <m:e>
+                        <m:r>
+                          <a:rPr lang="fr-FR" sz="1800" b="0" i="1" smtClean="0">
+                            <a:latin typeface="Cambria Math" panose="02040503050406030204" pitchFamily="18" charset="0"/>
+                          </a:rPr>
+                          <m:t>𝑂𝑀</m:t>
+                        </m:r>
+                      </m:e>
+                    </m:acc>
+                    <m:r>
+                      <a:rPr lang="fr-FR" sz="1800" b="0" i="1" smtClean="0">
+                        <a:latin typeface="Cambria Math" panose="02040503050406030204" pitchFamily="18" charset="0"/>
+                      </a:rPr>
+                      <m:t>=</m:t>
+                    </m:r>
+                    <m:sSub>
+                      <m:sSubPr>
+                        <m:ctrlPr>
+                          <a:rPr lang="fr-FR" sz="1800" b="0" i="1" smtClean="0">
+                            <a:latin typeface="Cambria Math" panose="02040503050406030204" pitchFamily="18" charset="0"/>
+                          </a:rPr>
+                        </m:ctrlPr>
+                      </m:sSubPr>
+                      <m:e>
+                        <m:r>
+                          <a:rPr lang="fr-FR" sz="1800" b="0" i="1" smtClean="0">
+                            <a:latin typeface="Cambria Math" panose="02040503050406030204" pitchFamily="18" charset="0"/>
+                          </a:rPr>
+                          <m:t>𝑋</m:t>
+                        </m:r>
+                      </m:e>
+                      <m:sub>
+                        <m:r>
+                          <a:rPr lang="fr-FR" sz="1800" b="0" i="1" smtClean="0">
+                            <a:latin typeface="Cambria Math" panose="02040503050406030204" pitchFamily="18" charset="0"/>
+                          </a:rPr>
+                          <m:t>𝑀</m:t>
+                        </m:r>
+                      </m:sub>
+                    </m:sSub>
+                    <m:acc>
+                      <m:accPr>
+                        <m:chr m:val="⃗"/>
+                        <m:ctrlPr>
+                          <a:rPr lang="fr-FR" sz="1800" i="1">
+                            <a:latin typeface="Cambria Math" panose="02040503050406030204" pitchFamily="18" charset="0"/>
+                          </a:rPr>
+                        </m:ctrlPr>
+                      </m:accPr>
+                      <m:e>
+                        <m:r>
+                          <a:rPr lang="fr-FR" sz="1800" b="0" i="1" smtClean="0">
+                            <a:latin typeface="Cambria Math" panose="02040503050406030204" pitchFamily="18" charset="0"/>
+                          </a:rPr>
+                          <m:t>𝑥</m:t>
+                        </m:r>
+                      </m:e>
+                    </m:acc>
+                    <m:r>
+                      <a:rPr lang="fr-FR" sz="1800" b="0" i="0" smtClean="0">
+                        <a:latin typeface="Cambria Math" panose="02040503050406030204" pitchFamily="18" charset="0"/>
+                      </a:rPr>
+                      <m:t>+</m:t>
+                    </m:r>
+                    <m:sSub>
+                      <m:sSubPr>
+                        <m:ctrlPr>
+                          <a:rPr lang="fr-FR" sz="1800" b="0" i="1" smtClean="0">
+                            <a:latin typeface="Cambria Math" panose="02040503050406030204" pitchFamily="18" charset="0"/>
+                          </a:rPr>
+                        </m:ctrlPr>
+                      </m:sSubPr>
+                      <m:e>
+                        <m:r>
+                          <a:rPr lang="fr-FR" sz="1800" b="0" i="1" smtClean="0">
+                            <a:latin typeface="Cambria Math" panose="02040503050406030204" pitchFamily="18" charset="0"/>
+                          </a:rPr>
+                          <m:t>𝑌</m:t>
+                        </m:r>
+                      </m:e>
+                      <m:sub>
+                        <m:r>
+                          <a:rPr lang="fr-FR" sz="1800" b="0" i="1" smtClean="0">
+                            <a:latin typeface="Cambria Math" panose="02040503050406030204" pitchFamily="18" charset="0"/>
+                          </a:rPr>
+                          <m:t>𝑀</m:t>
+                        </m:r>
+                      </m:sub>
+                    </m:sSub>
+                    <m:acc>
+                      <m:accPr>
+                        <m:chr m:val="⃗"/>
+                        <m:ctrlPr>
+                          <a:rPr lang="fr-FR" sz="1800" i="1">
+                            <a:latin typeface="Cambria Math" panose="02040503050406030204" pitchFamily="18" charset="0"/>
+                          </a:rPr>
+                        </m:ctrlPr>
+                      </m:accPr>
+                      <m:e>
+                        <m:r>
+                          <a:rPr lang="fr-FR" sz="1800" b="0" i="1" smtClean="0">
+                            <a:latin typeface="Cambria Math" panose="02040503050406030204" pitchFamily="18" charset="0"/>
+                          </a:rPr>
+                          <m:t>𝑦</m:t>
+                        </m:r>
+                      </m:e>
+                    </m:acc>
+                  </m:oMath>
+                </a14:m>
+                <a:endParaRPr lang="fr-FR" sz="1800" dirty="0"/>
+              </a:p>
+              <a:p>
+                <a14:m>
+                  <m:oMath xmlns:m="http://schemas.openxmlformats.org/officeDocument/2006/math">
+                    <m:acc>
+                      <m:accPr>
+                        <m:chr m:val="⃗"/>
+                        <m:ctrlPr>
+                          <a:rPr lang="fr-FR" sz="1800" i="1" smtClean="0">
+                            <a:latin typeface="Cambria Math" panose="02040503050406030204" pitchFamily="18" charset="0"/>
+                          </a:rPr>
+                        </m:ctrlPr>
+                      </m:accPr>
+                      <m:e>
+                        <m:r>
+                          <a:rPr lang="fr-FR" sz="1800" b="0" i="1" smtClean="0">
+                            <a:latin typeface="Cambria Math" panose="02040503050406030204" pitchFamily="18" charset="0"/>
+                          </a:rPr>
+                          <m:t>𝑂</m:t>
+                        </m:r>
+                        <m:sSub>
+                          <m:sSubPr>
+                            <m:ctrlPr>
+                              <a:rPr lang="fr-FR" sz="1800" b="0" i="1" smtClean="0">
+                                <a:latin typeface="Cambria Math" panose="02040503050406030204" pitchFamily="18" charset="0"/>
+                              </a:rPr>
+                            </m:ctrlPr>
+                          </m:sSubPr>
+                          <m:e>
+                            <m:r>
+                              <a:rPr lang="fr-FR" sz="1800" b="0" i="1" smtClean="0">
+                                <a:latin typeface="Cambria Math" panose="02040503050406030204" pitchFamily="18" charset="0"/>
+                              </a:rPr>
+                              <m:t>𝐵</m:t>
+                            </m:r>
+                          </m:e>
+                          <m:sub>
+                            <m:r>
+                              <a:rPr lang="fr-FR" sz="1800" b="0" i="1" smtClean="0">
+                                <a:latin typeface="Cambria Math" panose="02040503050406030204" pitchFamily="18" charset="0"/>
+                              </a:rPr>
+                              <m:t>𝐻𝐷</m:t>
+                            </m:r>
+                          </m:sub>
+                        </m:sSub>
+                      </m:e>
+                    </m:acc>
+                    <m:r>
+                      <a:rPr lang="fr-FR" sz="1800" b="0" i="1" smtClean="0">
+                        <a:latin typeface="Cambria Math" panose="02040503050406030204" pitchFamily="18" charset="0"/>
+                      </a:rPr>
+                      <m:t>=</m:t>
+                    </m:r>
+                    <m:sSub>
+                      <m:sSubPr>
+                        <m:ctrlPr>
+                          <a:rPr lang="fr-FR" sz="1800" b="0" i="1" smtClean="0">
+                            <a:latin typeface="Cambria Math" panose="02040503050406030204" pitchFamily="18" charset="0"/>
+                          </a:rPr>
+                        </m:ctrlPr>
+                      </m:sSubPr>
+                      <m:e>
+                        <m:r>
+                          <a:rPr lang="fr-FR" sz="1800" b="0" i="1" smtClean="0">
+                            <a:latin typeface="Cambria Math" panose="02040503050406030204" pitchFamily="18" charset="0"/>
+                          </a:rPr>
+                          <m:t>𝑋</m:t>
+                        </m:r>
+                      </m:e>
+                      <m:sub>
+                        <m:r>
+                          <a:rPr lang="fr-FR" sz="1800" b="0" i="1" smtClean="0">
+                            <a:latin typeface="Cambria Math" panose="02040503050406030204" pitchFamily="18" charset="0"/>
+                          </a:rPr>
+                          <m:t>𝐻𝐷</m:t>
+                        </m:r>
+                      </m:sub>
+                    </m:sSub>
+                    <m:acc>
+                      <m:accPr>
+                        <m:chr m:val="⃗"/>
+                        <m:ctrlPr>
+                          <a:rPr lang="fr-FR" sz="1800" i="1">
+                            <a:latin typeface="Cambria Math" panose="02040503050406030204" pitchFamily="18" charset="0"/>
+                          </a:rPr>
+                        </m:ctrlPr>
+                      </m:accPr>
+                      <m:e>
+                        <m:r>
+                          <a:rPr lang="fr-FR" sz="1800" b="0" i="1" smtClean="0">
+                            <a:latin typeface="Cambria Math" panose="02040503050406030204" pitchFamily="18" charset="0"/>
+                          </a:rPr>
+                          <m:t>𝑥</m:t>
+                        </m:r>
+                      </m:e>
+                    </m:acc>
+                    <m:r>
+                      <a:rPr lang="fr-FR" sz="1800" b="0" i="0" smtClean="0">
+                        <a:latin typeface="Cambria Math" panose="02040503050406030204" pitchFamily="18" charset="0"/>
+                      </a:rPr>
+                      <m:t>+</m:t>
+                    </m:r>
+                    <m:sSub>
+                      <m:sSubPr>
+                        <m:ctrlPr>
+                          <a:rPr lang="fr-FR" sz="1800" b="0" i="1" smtClean="0">
+                            <a:latin typeface="Cambria Math" panose="02040503050406030204" pitchFamily="18" charset="0"/>
+                          </a:rPr>
+                        </m:ctrlPr>
+                      </m:sSubPr>
+                      <m:e>
+                        <m:r>
+                          <a:rPr lang="fr-FR" sz="1800" b="0" i="1" smtClean="0">
+                            <a:latin typeface="Cambria Math" panose="02040503050406030204" pitchFamily="18" charset="0"/>
+                          </a:rPr>
+                          <m:t>𝑌</m:t>
+                        </m:r>
+                      </m:e>
+                      <m:sub>
+                        <m:r>
+                          <a:rPr lang="fr-FR" sz="1800" b="0" i="1" smtClean="0">
+                            <a:latin typeface="Cambria Math" panose="02040503050406030204" pitchFamily="18" charset="0"/>
+                          </a:rPr>
+                          <m:t>𝐻𝐷</m:t>
+                        </m:r>
+                      </m:sub>
+                    </m:sSub>
+                    <m:acc>
+                      <m:accPr>
+                        <m:chr m:val="⃗"/>
+                        <m:ctrlPr>
+                          <a:rPr lang="fr-FR" sz="1800" i="1">
+                            <a:latin typeface="Cambria Math" panose="02040503050406030204" pitchFamily="18" charset="0"/>
+                          </a:rPr>
+                        </m:ctrlPr>
+                      </m:accPr>
+                      <m:e>
+                        <m:r>
+                          <a:rPr lang="fr-FR" sz="1800" b="0" i="1" smtClean="0">
+                            <a:latin typeface="Cambria Math" panose="02040503050406030204" pitchFamily="18" charset="0"/>
+                          </a:rPr>
+                          <m:t>𝑦</m:t>
+                        </m:r>
+                      </m:e>
+                    </m:acc>
+                  </m:oMath>
+                </a14:m>
+                <a:endParaRPr lang="fr-FR" sz="1800" dirty="0"/>
+              </a:p>
+              <a:p>
+                <a:endParaRPr lang="fr-FR" sz="1800" dirty="0"/>
+              </a:p>
+            </p:txBody>
+          </p:sp>
+        </mc:Choice>
+        <mc:Fallback>
+          <p:sp>
+            <p:nvSpPr>
+              <p:cNvPr id="2" name="Espace réservé du contenu 2">
+                <a:extLst>
+                  <a:ext uri="{FF2B5EF4-FFF2-40B4-BE49-F238E27FC236}">
+                    <a16:creationId xmlns:a16="http://schemas.microsoft.com/office/drawing/2014/main" id="{6EE8172D-B279-D104-F504-B905CAE7966C}"/>
+                  </a:ext>
+                </a:extLst>
+              </p:cNvPr>
+              <p:cNvSpPr>
+                <a:spLocks noGrp="1" noRot="1" noChangeAspect="1" noMove="1" noResize="1" noEditPoints="1" noAdjustHandles="1" noChangeArrowheads="1" noChangeShapeType="1" noTextEdit="1"/>
+              </p:cNvSpPr>
+              <p:nvPr>
+                <p:ph idx="1"/>
+              </p:nvPr>
+            </p:nvSpPr>
+            <p:spPr>
+              <a:xfrm>
+                <a:off x="10471796" y="601026"/>
+                <a:ext cx="3679633" cy="5052005"/>
+              </a:xfrm>
+              <a:blipFill>
+                <a:blip r:embed="rId17"/>
+                <a:stretch>
+                  <a:fillRect l="-1161" t="-1208" r="-2653"/>
+                </a:stretch>
+              </a:blipFill>
+            </p:spPr>
+            <p:txBody>
+              <a:bodyPr/>
+              <a:lstStyle/>
+              <a:p>
+                <a:r>
+                  <a:rPr lang="fr-FR">
+                    <a:noFill/>
+                  </a:rPr>
+                  <a:t> </a:t>
+                </a:r>
+              </a:p>
+            </p:txBody>
+          </p:sp>
+        </mc:Fallback>
+      </mc:AlternateContent>
     </p:spTree>
     <p:extLst>
       <p:ext uri="{BB962C8B-B14F-4D97-AF65-F5344CB8AC3E}">

--- a/16_RC4/Figures/Figures.pptx
+++ b/16_RC4/Figures/Figures.pptx
@@ -5,7 +5,7 @@
     <p:sldMasterId id="2147483648" r:id="rId1"/>
   </p:sldMasterIdLst>
   <p:notesMasterIdLst>
-    <p:notesMasterId r:id="rId11"/>
+    <p:notesMasterId r:id="rId13"/>
   </p:notesMasterIdLst>
   <p:sldIdLst>
     <p:sldId id="256" r:id="rId2"/>
@@ -17,6 +17,8 @@
     <p:sldId id="262" r:id="rId8"/>
     <p:sldId id="261" r:id="rId9"/>
     <p:sldId id="263" r:id="rId10"/>
+    <p:sldId id="265" r:id="rId11"/>
+    <p:sldId id="266" r:id="rId12"/>
   </p:sldIdLst>
   <p:sldSz cx="12192000" cy="6858000"/>
   <p:notesSz cx="6858000" cy="9144000"/>
@@ -205,7 +207,7 @@
           <a:p>
             <a:fld id="{088B47D2-DC99-4023-8FAB-B1A01B8BED66}" type="datetimeFigureOut">
               <a:rPr lang="fr-FR" smtClean="0"/>
-              <a:t>11/07/2023</a:t>
+              <a:t>11/04/2024</a:t>
             </a:fld>
             <a:endParaRPr lang="fr-FR"/>
           </a:p>
@@ -787,7 +789,7 @@
           <a:p>
             <a:fld id="{E1825551-6D9B-4F56-8A53-B2612FCF8466}" type="datetimeFigureOut">
               <a:rPr lang="fr-FR" smtClean="0"/>
-              <a:t>11/07/2023</a:t>
+              <a:t>11/04/2024</a:t>
             </a:fld>
             <a:endParaRPr lang="fr-FR"/>
           </a:p>
@@ -985,7 +987,7 @@
           <a:p>
             <a:fld id="{E1825551-6D9B-4F56-8A53-B2612FCF8466}" type="datetimeFigureOut">
               <a:rPr lang="fr-FR" smtClean="0"/>
-              <a:t>11/07/2023</a:t>
+              <a:t>11/04/2024</a:t>
             </a:fld>
             <a:endParaRPr lang="fr-FR"/>
           </a:p>
@@ -1193,7 +1195,7 @@
           <a:p>
             <a:fld id="{E1825551-6D9B-4F56-8A53-B2612FCF8466}" type="datetimeFigureOut">
               <a:rPr lang="fr-FR" smtClean="0"/>
-              <a:t>11/07/2023</a:t>
+              <a:t>11/04/2024</a:t>
             </a:fld>
             <a:endParaRPr lang="fr-FR"/>
           </a:p>
@@ -1391,7 +1393,7 @@
           <a:p>
             <a:fld id="{E1825551-6D9B-4F56-8A53-B2612FCF8466}" type="datetimeFigureOut">
               <a:rPr lang="fr-FR" smtClean="0"/>
-              <a:t>11/07/2023</a:t>
+              <a:t>11/04/2024</a:t>
             </a:fld>
             <a:endParaRPr lang="fr-FR"/>
           </a:p>
@@ -1666,7 +1668,7 @@
           <a:p>
             <a:fld id="{E1825551-6D9B-4F56-8A53-B2612FCF8466}" type="datetimeFigureOut">
               <a:rPr lang="fr-FR" smtClean="0"/>
-              <a:t>11/07/2023</a:t>
+              <a:t>11/04/2024</a:t>
             </a:fld>
             <a:endParaRPr lang="fr-FR"/>
           </a:p>
@@ -1931,7 +1933,7 @@
           <a:p>
             <a:fld id="{E1825551-6D9B-4F56-8A53-B2612FCF8466}" type="datetimeFigureOut">
               <a:rPr lang="fr-FR" smtClean="0"/>
-              <a:t>11/07/2023</a:t>
+              <a:t>11/04/2024</a:t>
             </a:fld>
             <a:endParaRPr lang="fr-FR"/>
           </a:p>
@@ -2343,7 +2345,7 @@
           <a:p>
             <a:fld id="{E1825551-6D9B-4F56-8A53-B2612FCF8466}" type="datetimeFigureOut">
               <a:rPr lang="fr-FR" smtClean="0"/>
-              <a:t>11/07/2023</a:t>
+              <a:t>11/04/2024</a:t>
             </a:fld>
             <a:endParaRPr lang="fr-FR"/>
           </a:p>
@@ -2484,7 +2486,7 @@
           <a:p>
             <a:fld id="{E1825551-6D9B-4F56-8A53-B2612FCF8466}" type="datetimeFigureOut">
               <a:rPr lang="fr-FR" smtClean="0"/>
-              <a:t>11/07/2023</a:t>
+              <a:t>11/04/2024</a:t>
             </a:fld>
             <a:endParaRPr lang="fr-FR"/>
           </a:p>
@@ -2597,7 +2599,7 @@
           <a:p>
             <a:fld id="{E1825551-6D9B-4F56-8A53-B2612FCF8466}" type="datetimeFigureOut">
               <a:rPr lang="fr-FR" smtClean="0"/>
-              <a:t>11/07/2023</a:t>
+              <a:t>11/04/2024</a:t>
             </a:fld>
             <a:endParaRPr lang="fr-FR"/>
           </a:p>
@@ -2908,7 +2910,7 @@
           <a:p>
             <a:fld id="{E1825551-6D9B-4F56-8A53-B2612FCF8466}" type="datetimeFigureOut">
               <a:rPr lang="fr-FR" smtClean="0"/>
-              <a:t>11/07/2023</a:t>
+              <a:t>11/04/2024</a:t>
             </a:fld>
             <a:endParaRPr lang="fr-FR"/>
           </a:p>
@@ -3196,7 +3198,7 @@
           <a:p>
             <a:fld id="{E1825551-6D9B-4F56-8A53-B2612FCF8466}" type="datetimeFigureOut">
               <a:rPr lang="fr-FR" smtClean="0"/>
-              <a:t>11/07/2023</a:t>
+              <a:t>11/04/2024</a:t>
             </a:fld>
             <a:endParaRPr lang="fr-FR"/>
           </a:p>
@@ -3437,7 +3439,7 @@
           <a:p>
             <a:fld id="{E1825551-6D9B-4F56-8A53-B2612FCF8466}" type="datetimeFigureOut">
               <a:rPr lang="fr-FR" smtClean="0"/>
-              <a:t>11/07/2023</a:t>
+              <a:t>11/04/2024</a:t>
             </a:fld>
             <a:endParaRPr lang="fr-FR"/>
           </a:p>
@@ -3869,7 +3871,7 @@
           <p:nvPr/>
         </p:nvPicPr>
         <p:blipFill rotWithShape="1">
-          <a:blip r:embed="rId2">
+          <a:blip r:embed="rId2" cstate="hqprint">
             <a:extLst>
               <a:ext uri="{28A0092B-C50C-407E-A947-70E740481C1C}">
                 <a14:useLocalDpi xmlns:a14="http://schemas.microsoft.com/office/drawing/2010/main" val="0"/>
@@ -4258,6 +4260,200 @@
     <p:extLst>
       <p:ext uri="{BB962C8B-B14F-4D97-AF65-F5344CB8AC3E}">
         <p14:creationId xmlns:p14="http://schemas.microsoft.com/office/powerpoint/2010/main" val="1307887518"/>
+      </p:ext>
+    </p:extLst>
+  </p:cSld>
+  <p:clrMapOvr>
+    <a:masterClrMapping/>
+  </p:clrMapOvr>
+</p:sld>
+</file>
+
+<file path=ppt/slides/slide10.xml><?xml version="1.0" encoding="utf-8"?>
+<p:sld xmlns:a="http://schemas.openxmlformats.org/drawingml/2006/main" xmlns:r="http://schemas.openxmlformats.org/officeDocument/2006/relationships" xmlns:p="http://schemas.openxmlformats.org/presentationml/2006/main">
+  <p:cSld>
+    <p:spTree>
+      <p:nvGrpSpPr>
+        <p:cNvPr id="1" name=""/>
+        <p:cNvGrpSpPr/>
+        <p:nvPr/>
+      </p:nvGrpSpPr>
+      <p:grpSpPr>
+        <a:xfrm>
+          <a:off x="0" y="0"/>
+          <a:ext cx="0" cy="0"/>
+          <a:chOff x="0" y="0"/>
+          <a:chExt cx="0" cy="0"/>
+        </a:xfrm>
+      </p:grpSpPr>
+      <p:pic>
+        <p:nvPicPr>
+          <p:cNvPr id="4" name="Image 3"/>
+          <p:cNvPicPr>
+            <a:picLocks noChangeAspect="1"/>
+          </p:cNvPicPr>
+          <p:nvPr/>
+        </p:nvPicPr>
+        <p:blipFill>
+          <a:blip r:embed="rId2"/>
+          <a:stretch>
+            <a:fillRect/>
+          </a:stretch>
+        </p:blipFill>
+        <p:spPr>
+          <a:xfrm>
+            <a:off x="-766593" y="304801"/>
+            <a:ext cx="13725186" cy="6248398"/>
+          </a:xfrm>
+          <a:prstGeom prst="rect">
+            <a:avLst/>
+          </a:prstGeom>
+        </p:spPr>
+      </p:pic>
+    </p:spTree>
+    <p:extLst>
+      <p:ext uri="{BB962C8B-B14F-4D97-AF65-F5344CB8AC3E}">
+        <p14:creationId xmlns:p14="http://schemas.microsoft.com/office/powerpoint/2010/main" val="3959557896"/>
+      </p:ext>
+    </p:extLst>
+  </p:cSld>
+  <p:clrMapOvr>
+    <a:masterClrMapping/>
+  </p:clrMapOvr>
+</p:sld>
+</file>
+
+<file path=ppt/slides/slide11.xml><?xml version="1.0" encoding="utf-8"?>
+<p:sld xmlns:a="http://schemas.openxmlformats.org/drawingml/2006/main" xmlns:r="http://schemas.openxmlformats.org/officeDocument/2006/relationships" xmlns:p="http://schemas.openxmlformats.org/presentationml/2006/main">
+  <p:cSld>
+    <p:spTree>
+      <p:nvGrpSpPr>
+        <p:cNvPr id="1" name=""/>
+        <p:cNvGrpSpPr/>
+        <p:nvPr/>
+      </p:nvGrpSpPr>
+      <p:grpSpPr>
+        <a:xfrm>
+          <a:off x="0" y="0"/>
+          <a:ext cx="0" cy="0"/>
+          <a:chOff x="0" y="0"/>
+          <a:chExt cx="0" cy="0"/>
+        </a:xfrm>
+      </p:grpSpPr>
+      <p:sp>
+        <p:nvSpPr>
+          <p:cNvPr id="2" name="Titre 1"/>
+          <p:cNvSpPr>
+            <a:spLocks noGrp="1"/>
+          </p:cNvSpPr>
+          <p:nvPr>
+            <p:ph type="title"/>
+          </p:nvPr>
+        </p:nvSpPr>
+        <p:spPr/>
+        <p:txBody>
+          <a:bodyPr/>
+          <a:lstStyle/>
+          <a:p>
+            <a:endParaRPr lang="fr-FR"/>
+          </a:p>
+        </p:txBody>
+      </p:sp>
+      <p:sp>
+        <p:nvSpPr>
+          <p:cNvPr id="3" name="Espace réservé du contenu 2"/>
+          <p:cNvSpPr>
+            <a:spLocks noGrp="1"/>
+          </p:cNvSpPr>
+          <p:nvPr>
+            <p:ph idx="1"/>
+          </p:nvPr>
+        </p:nvSpPr>
+        <p:spPr/>
+        <p:txBody>
+          <a:bodyPr/>
+          <a:lstStyle/>
+          <a:p>
+            <a:endParaRPr lang="fr-FR"/>
+          </a:p>
+        </p:txBody>
+      </p:sp>
+      <p:pic>
+        <p:nvPicPr>
+          <p:cNvPr id="4" name="Image 3"/>
+          <p:cNvPicPr>
+            <a:picLocks noChangeAspect="1"/>
+          </p:cNvPicPr>
+          <p:nvPr/>
+        </p:nvPicPr>
+        <p:blipFill>
+          <a:blip r:embed="rId2"/>
+          <a:stretch>
+            <a:fillRect/>
+          </a:stretch>
+        </p:blipFill>
+        <p:spPr>
+          <a:xfrm>
+            <a:off x="-1877538" y="-195769"/>
+            <a:ext cx="15947075" cy="7249537"/>
+          </a:xfrm>
+          <a:prstGeom prst="rect">
+            <a:avLst/>
+          </a:prstGeom>
+        </p:spPr>
+      </p:pic>
+      <p:pic>
+        <p:nvPicPr>
+          <p:cNvPr id="5" name="Image 4"/>
+          <p:cNvPicPr>
+            <a:picLocks noChangeAspect="1"/>
+          </p:cNvPicPr>
+          <p:nvPr/>
+        </p:nvPicPr>
+        <p:blipFill>
+          <a:blip r:embed="rId3"/>
+          <a:stretch>
+            <a:fillRect/>
+          </a:stretch>
+        </p:blipFill>
+        <p:spPr>
+          <a:xfrm>
+            <a:off x="3476258" y="5071127"/>
+            <a:ext cx="5239481" cy="2581635"/>
+          </a:xfrm>
+          <a:prstGeom prst="rect">
+            <a:avLst/>
+          </a:prstGeom>
+        </p:spPr>
+      </p:pic>
+      <p:pic>
+        <p:nvPicPr>
+          <p:cNvPr id="6" name="Image 5"/>
+          <p:cNvPicPr>
+            <a:picLocks noChangeAspect="1"/>
+          </p:cNvPicPr>
+          <p:nvPr/>
+        </p:nvPicPr>
+        <p:blipFill>
+          <a:blip r:embed="rId4"/>
+          <a:stretch>
+            <a:fillRect/>
+          </a:stretch>
+        </p:blipFill>
+        <p:spPr>
+          <a:xfrm>
+            <a:off x="-1482251" y="4018467"/>
+            <a:ext cx="15956602" cy="7268589"/>
+          </a:xfrm>
+          <a:prstGeom prst="rect">
+            <a:avLst/>
+          </a:prstGeom>
+        </p:spPr>
+      </p:pic>
+    </p:spTree>
+    <p:extLst>
+      <p:ext uri="{BB962C8B-B14F-4D97-AF65-F5344CB8AC3E}">
+        <p14:creationId xmlns:p14="http://schemas.microsoft.com/office/powerpoint/2010/main" val="1986897082"/>
       </p:ext>
     </p:extLst>
   </p:cSld>
@@ -23977,8 +24173,8 @@
           </p:sp>
         </mc:Fallback>
       </mc:AlternateContent>
-      <mc:AlternateContent xmlns:mc="http://schemas.openxmlformats.org/markup-compatibility/2006">
-        <mc:Choice xmlns:a14="http://schemas.microsoft.com/office/drawing/2010/main" Requires="a14">
+      <mc:AlternateContent xmlns:mc="http://schemas.openxmlformats.org/markup-compatibility/2006" xmlns:a14="http://schemas.microsoft.com/office/drawing/2010/main">
+        <mc:Choice Requires="a14">
           <p:sp>
             <p:nvSpPr>
               <p:cNvPr id="2" name="Espace réservé du contenu 2">
@@ -24998,7 +25194,7 @@
             </p:txBody>
           </p:sp>
         </mc:Choice>
-        <mc:Fallback>
+        <mc:Fallback xmlns="">
           <p:sp>
             <p:nvSpPr>
               <p:cNvPr id="2" name="Espace réservé du contenu 2">

--- a/16_RC4/Figures/Figures.pptx
+++ b/16_RC4/Figures/Figures.pptx
@@ -5,7 +5,7 @@
     <p:sldMasterId id="2147483648" r:id="rId1"/>
   </p:sldMasterIdLst>
   <p:notesMasterIdLst>
-    <p:notesMasterId r:id="rId13"/>
+    <p:notesMasterId r:id="rId15"/>
   </p:notesMasterIdLst>
   <p:sldIdLst>
     <p:sldId id="256" r:id="rId2"/>
@@ -19,6 +19,8 @@
     <p:sldId id="263" r:id="rId10"/>
     <p:sldId id="265" r:id="rId11"/>
     <p:sldId id="266" r:id="rId12"/>
+    <p:sldId id="267" r:id="rId13"/>
+    <p:sldId id="268" r:id="rId14"/>
   </p:sldIdLst>
   <p:sldSz cx="12192000" cy="6858000"/>
   <p:notesSz cx="6858000" cy="9144000"/>
@@ -207,7 +209,7 @@
           <a:p>
             <a:fld id="{088B47D2-DC99-4023-8FAB-B1A01B8BED66}" type="datetimeFigureOut">
               <a:rPr lang="fr-FR" smtClean="0"/>
-              <a:t>11/04/2024</a:t>
+              <a:t>12/04/2024</a:t>
             </a:fld>
             <a:endParaRPr lang="fr-FR"/>
           </a:p>
@@ -789,7 +791,7 @@
           <a:p>
             <a:fld id="{E1825551-6D9B-4F56-8A53-B2612FCF8466}" type="datetimeFigureOut">
               <a:rPr lang="fr-FR" smtClean="0"/>
-              <a:t>11/04/2024</a:t>
+              <a:t>12/04/2024</a:t>
             </a:fld>
             <a:endParaRPr lang="fr-FR"/>
           </a:p>
@@ -987,7 +989,7 @@
           <a:p>
             <a:fld id="{E1825551-6D9B-4F56-8A53-B2612FCF8466}" type="datetimeFigureOut">
               <a:rPr lang="fr-FR" smtClean="0"/>
-              <a:t>11/04/2024</a:t>
+              <a:t>12/04/2024</a:t>
             </a:fld>
             <a:endParaRPr lang="fr-FR"/>
           </a:p>
@@ -1195,7 +1197,7 @@
           <a:p>
             <a:fld id="{E1825551-6D9B-4F56-8A53-B2612FCF8466}" type="datetimeFigureOut">
               <a:rPr lang="fr-FR" smtClean="0"/>
-              <a:t>11/04/2024</a:t>
+              <a:t>12/04/2024</a:t>
             </a:fld>
             <a:endParaRPr lang="fr-FR"/>
           </a:p>
@@ -1393,7 +1395,7 @@
           <a:p>
             <a:fld id="{E1825551-6D9B-4F56-8A53-B2612FCF8466}" type="datetimeFigureOut">
               <a:rPr lang="fr-FR" smtClean="0"/>
-              <a:t>11/04/2024</a:t>
+              <a:t>12/04/2024</a:t>
             </a:fld>
             <a:endParaRPr lang="fr-FR"/>
           </a:p>
@@ -1668,7 +1670,7 @@
           <a:p>
             <a:fld id="{E1825551-6D9B-4F56-8A53-B2612FCF8466}" type="datetimeFigureOut">
               <a:rPr lang="fr-FR" smtClean="0"/>
-              <a:t>11/04/2024</a:t>
+              <a:t>12/04/2024</a:t>
             </a:fld>
             <a:endParaRPr lang="fr-FR"/>
           </a:p>
@@ -1933,7 +1935,7 @@
           <a:p>
             <a:fld id="{E1825551-6D9B-4F56-8A53-B2612FCF8466}" type="datetimeFigureOut">
               <a:rPr lang="fr-FR" smtClean="0"/>
-              <a:t>11/04/2024</a:t>
+              <a:t>12/04/2024</a:t>
             </a:fld>
             <a:endParaRPr lang="fr-FR"/>
           </a:p>
@@ -2345,7 +2347,7 @@
           <a:p>
             <a:fld id="{E1825551-6D9B-4F56-8A53-B2612FCF8466}" type="datetimeFigureOut">
               <a:rPr lang="fr-FR" smtClean="0"/>
-              <a:t>11/04/2024</a:t>
+              <a:t>12/04/2024</a:t>
             </a:fld>
             <a:endParaRPr lang="fr-FR"/>
           </a:p>
@@ -2486,7 +2488,7 @@
           <a:p>
             <a:fld id="{E1825551-6D9B-4F56-8A53-B2612FCF8466}" type="datetimeFigureOut">
               <a:rPr lang="fr-FR" smtClean="0"/>
-              <a:t>11/04/2024</a:t>
+              <a:t>12/04/2024</a:t>
             </a:fld>
             <a:endParaRPr lang="fr-FR"/>
           </a:p>
@@ -2599,7 +2601,7 @@
           <a:p>
             <a:fld id="{E1825551-6D9B-4F56-8A53-B2612FCF8466}" type="datetimeFigureOut">
               <a:rPr lang="fr-FR" smtClean="0"/>
-              <a:t>11/04/2024</a:t>
+              <a:t>12/04/2024</a:t>
             </a:fld>
             <a:endParaRPr lang="fr-FR"/>
           </a:p>
@@ -2910,7 +2912,7 @@
           <a:p>
             <a:fld id="{E1825551-6D9B-4F56-8A53-B2612FCF8466}" type="datetimeFigureOut">
               <a:rPr lang="fr-FR" smtClean="0"/>
-              <a:t>11/04/2024</a:t>
+              <a:t>12/04/2024</a:t>
             </a:fld>
             <a:endParaRPr lang="fr-FR"/>
           </a:p>
@@ -3198,7 +3200,7 @@
           <a:p>
             <a:fld id="{E1825551-6D9B-4F56-8A53-B2612FCF8466}" type="datetimeFigureOut">
               <a:rPr lang="fr-FR" smtClean="0"/>
-              <a:t>11/04/2024</a:t>
+              <a:t>12/04/2024</a:t>
             </a:fld>
             <a:endParaRPr lang="fr-FR"/>
           </a:p>
@@ -3439,7 +3441,7 @@
           <a:p>
             <a:fld id="{E1825551-6D9B-4F56-8A53-B2612FCF8466}" type="datetimeFigureOut">
               <a:rPr lang="fr-FR" smtClean="0"/>
-              <a:t>11/04/2024</a:t>
+              <a:t>12/04/2024</a:t>
             </a:fld>
             <a:endParaRPr lang="fr-FR"/>
           </a:p>
@@ -4454,6 +4456,612 @@
     <p:extLst>
       <p:ext uri="{BB962C8B-B14F-4D97-AF65-F5344CB8AC3E}">
         <p14:creationId xmlns:p14="http://schemas.microsoft.com/office/powerpoint/2010/main" val="1986897082"/>
+      </p:ext>
+    </p:extLst>
+  </p:cSld>
+  <p:clrMapOvr>
+    <a:masterClrMapping/>
+  </p:clrMapOvr>
+</p:sld>
+</file>
+
+<file path=ppt/slides/slide12.xml><?xml version="1.0" encoding="utf-8"?>
+<p:sld xmlns:a="http://schemas.openxmlformats.org/drawingml/2006/main" xmlns:r="http://schemas.openxmlformats.org/officeDocument/2006/relationships" xmlns:p="http://schemas.openxmlformats.org/presentationml/2006/main">
+  <p:cSld>
+    <p:spTree>
+      <p:nvGrpSpPr>
+        <p:cNvPr id="1" name=""/>
+        <p:cNvGrpSpPr/>
+        <p:nvPr/>
+      </p:nvGrpSpPr>
+      <p:grpSpPr>
+        <a:xfrm>
+          <a:off x="0" y="0"/>
+          <a:ext cx="0" cy="0"/>
+          <a:chOff x="0" y="0"/>
+          <a:chExt cx="0" cy="0"/>
+        </a:xfrm>
+      </p:grpSpPr>
+      <p:pic>
+        <p:nvPicPr>
+          <p:cNvPr id="4" name="Image 3"/>
+          <p:cNvPicPr>
+            <a:picLocks noChangeAspect="1"/>
+          </p:cNvPicPr>
+          <p:nvPr/>
+        </p:nvPicPr>
+        <p:blipFill>
+          <a:blip r:embed="rId2"/>
+          <a:stretch>
+            <a:fillRect/>
+          </a:stretch>
+        </p:blipFill>
+        <p:spPr>
+          <a:xfrm>
+            <a:off x="-948851" y="2589717"/>
+            <a:ext cx="15956602" cy="7268589"/>
+          </a:xfrm>
+          <a:prstGeom prst="rect">
+            <a:avLst/>
+          </a:prstGeom>
+        </p:spPr>
+      </p:pic>
+    </p:spTree>
+    <p:extLst>
+      <p:ext uri="{BB962C8B-B14F-4D97-AF65-F5344CB8AC3E}">
+        <p14:creationId xmlns:p14="http://schemas.microsoft.com/office/powerpoint/2010/main" val="3649781349"/>
+      </p:ext>
+    </p:extLst>
+  </p:cSld>
+  <p:clrMapOvr>
+    <a:masterClrMapping/>
+  </p:clrMapOvr>
+</p:sld>
+</file>
+
+<file path=ppt/slides/slide13.xml><?xml version="1.0" encoding="utf-8"?>
+<p:sld xmlns:a="http://schemas.openxmlformats.org/drawingml/2006/main" xmlns:r="http://schemas.openxmlformats.org/officeDocument/2006/relationships" xmlns:p="http://schemas.openxmlformats.org/presentationml/2006/main">
+  <p:cSld>
+    <p:spTree>
+      <p:nvGrpSpPr>
+        <p:cNvPr id="1" name=""/>
+        <p:cNvGrpSpPr/>
+        <p:nvPr/>
+      </p:nvGrpSpPr>
+      <p:grpSpPr>
+        <a:xfrm>
+          <a:off x="0" y="0"/>
+          <a:ext cx="0" cy="0"/>
+          <a:chOff x="0" y="0"/>
+          <a:chExt cx="0" cy="0"/>
+        </a:xfrm>
+      </p:grpSpPr>
+      <p:pic>
+        <p:nvPicPr>
+          <p:cNvPr id="4" name="Image 3"/>
+          <p:cNvPicPr>
+            <a:picLocks noChangeAspect="1"/>
+          </p:cNvPicPr>
+          <p:nvPr/>
+        </p:nvPicPr>
+        <p:blipFill rotWithShape="1">
+          <a:blip r:embed="rId2"/>
+          <a:srcRect t="6793"/>
+          <a:stretch/>
+        </p:blipFill>
+        <p:spPr>
+          <a:xfrm>
+            <a:off x="4757491" y="1341037"/>
+            <a:ext cx="3534268" cy="1029983"/>
+          </a:xfrm>
+          <a:prstGeom prst="rect">
+            <a:avLst/>
+          </a:prstGeom>
+        </p:spPr>
+      </p:pic>
+      <p:sp>
+        <p:nvSpPr>
+          <p:cNvPr id="5" name="Rectangle 4">
+            <a:extLst>
+              <a:ext uri="{FF2B5EF4-FFF2-40B4-BE49-F238E27FC236}">
+                <a16:creationId xmlns:a16="http://schemas.microsoft.com/office/drawing/2014/main" id="{EB18EB48-A973-35A6-0469-960D2E3A6559}"/>
+              </a:ext>
+            </a:extLst>
+          </p:cNvPr>
+          <p:cNvSpPr/>
+          <p:nvPr/>
+        </p:nvSpPr>
+        <p:spPr>
+          <a:xfrm>
+            <a:off x="6887298" y="1572531"/>
+            <a:ext cx="358816" cy="360263"/>
+          </a:xfrm>
+          <a:prstGeom prst="rect">
+            <a:avLst/>
+          </a:prstGeom>
+          <a:noFill/>
+          <a:ln w="38100">
+            <a:solidFill>
+              <a:srgbClr val="C00000"/>
+            </a:solidFill>
+          </a:ln>
+        </p:spPr>
+        <p:style>
+          <a:lnRef idx="2">
+            <a:schemeClr val="accent1">
+              <a:shade val="50000"/>
+            </a:schemeClr>
+          </a:lnRef>
+          <a:fillRef idx="1">
+            <a:schemeClr val="accent1"/>
+          </a:fillRef>
+          <a:effectRef idx="0">
+            <a:schemeClr val="accent1"/>
+          </a:effectRef>
+          <a:fontRef idx="minor">
+            <a:schemeClr val="lt1"/>
+          </a:fontRef>
+        </p:style>
+        <p:txBody>
+          <a:bodyPr rtlCol="0" anchor="ctr"/>
+          <a:lstStyle/>
+          <a:p>
+            <a:pPr algn="ctr"/>
+            <a:endParaRPr lang="fr-FR"/>
+          </a:p>
+        </p:txBody>
+      </p:sp>
+      <p:pic>
+        <p:nvPicPr>
+          <p:cNvPr id="6" name="Image 5"/>
+          <p:cNvPicPr>
+            <a:picLocks noChangeAspect="1"/>
+          </p:cNvPicPr>
+          <p:nvPr/>
+        </p:nvPicPr>
+        <p:blipFill>
+          <a:blip r:embed="rId3"/>
+          <a:stretch>
+            <a:fillRect/>
+          </a:stretch>
+        </p:blipFill>
+        <p:spPr>
+          <a:xfrm>
+            <a:off x="3867844" y="2738261"/>
+            <a:ext cx="5258534" cy="2524477"/>
+          </a:xfrm>
+          <a:prstGeom prst="rect">
+            <a:avLst/>
+          </a:prstGeom>
+        </p:spPr>
+      </p:pic>
+      <p:sp>
+        <p:nvSpPr>
+          <p:cNvPr id="8" name="Rectangle 7">
+            <a:extLst>
+              <a:ext uri="{FF2B5EF4-FFF2-40B4-BE49-F238E27FC236}">
+                <a16:creationId xmlns:a16="http://schemas.microsoft.com/office/drawing/2014/main" id="{EB18EB48-A973-35A6-0469-960D2E3A6559}"/>
+              </a:ext>
+            </a:extLst>
+          </p:cNvPr>
+          <p:cNvSpPr/>
+          <p:nvPr/>
+        </p:nvSpPr>
+        <p:spPr>
+          <a:xfrm>
+            <a:off x="7411173" y="3379252"/>
+            <a:ext cx="1551852" cy="360263"/>
+          </a:xfrm>
+          <a:prstGeom prst="rect">
+            <a:avLst/>
+          </a:prstGeom>
+          <a:noFill/>
+          <a:ln w="38100">
+            <a:solidFill>
+              <a:srgbClr val="FF0000"/>
+            </a:solidFill>
+          </a:ln>
+        </p:spPr>
+        <p:style>
+          <a:lnRef idx="2">
+            <a:schemeClr val="accent1">
+              <a:shade val="50000"/>
+            </a:schemeClr>
+          </a:lnRef>
+          <a:fillRef idx="1">
+            <a:schemeClr val="accent1"/>
+          </a:fillRef>
+          <a:effectRef idx="0">
+            <a:schemeClr val="accent1"/>
+          </a:effectRef>
+          <a:fontRef idx="minor">
+            <a:schemeClr val="lt1"/>
+          </a:fontRef>
+        </p:style>
+        <p:txBody>
+          <a:bodyPr rtlCol="0" anchor="ctr"/>
+          <a:lstStyle/>
+          <a:p>
+            <a:pPr algn="ctr"/>
+            <a:endParaRPr lang="fr-FR"/>
+          </a:p>
+        </p:txBody>
+      </p:sp>
+      <p:sp>
+        <p:nvSpPr>
+          <p:cNvPr id="9" name="Rectangle 8">
+            <a:extLst>
+              <a:ext uri="{FF2B5EF4-FFF2-40B4-BE49-F238E27FC236}">
+                <a16:creationId xmlns:a16="http://schemas.microsoft.com/office/drawing/2014/main" id="{EB18EB48-A973-35A6-0469-960D2E3A6559}"/>
+              </a:ext>
+            </a:extLst>
+          </p:cNvPr>
+          <p:cNvSpPr/>
+          <p:nvPr/>
+        </p:nvSpPr>
+        <p:spPr>
+          <a:xfrm>
+            <a:off x="4067897" y="4103152"/>
+            <a:ext cx="2132877" cy="954623"/>
+          </a:xfrm>
+          <a:prstGeom prst="rect">
+            <a:avLst/>
+          </a:prstGeom>
+          <a:noFill/>
+          <a:ln w="38100">
+            <a:solidFill>
+              <a:srgbClr val="FF0000"/>
+            </a:solidFill>
+          </a:ln>
+        </p:spPr>
+        <p:style>
+          <a:lnRef idx="2">
+            <a:schemeClr val="accent1">
+              <a:shade val="50000"/>
+            </a:schemeClr>
+          </a:lnRef>
+          <a:fillRef idx="1">
+            <a:schemeClr val="accent1"/>
+          </a:fillRef>
+          <a:effectRef idx="0">
+            <a:schemeClr val="accent1"/>
+          </a:effectRef>
+          <a:fontRef idx="minor">
+            <a:schemeClr val="lt1"/>
+          </a:fontRef>
+        </p:style>
+        <p:txBody>
+          <a:bodyPr rtlCol="0" anchor="ctr"/>
+          <a:lstStyle/>
+          <a:p>
+            <a:pPr algn="ctr"/>
+            <a:endParaRPr lang="fr-FR"/>
+          </a:p>
+        </p:txBody>
+      </p:sp>
+      <p:sp>
+        <p:nvSpPr>
+          <p:cNvPr id="10" name="Rectangle 9">
+            <a:extLst>
+              <a:ext uri="{FF2B5EF4-FFF2-40B4-BE49-F238E27FC236}">
+                <a16:creationId xmlns:a16="http://schemas.microsoft.com/office/drawing/2014/main" id="{1E5D827E-8EBC-6F16-EFAC-E90F6CC08043}"/>
+              </a:ext>
+            </a:extLst>
+          </p:cNvPr>
+          <p:cNvSpPr/>
+          <p:nvPr/>
+        </p:nvSpPr>
+        <p:spPr>
+          <a:xfrm>
+            <a:off x="3867844" y="2738261"/>
+            <a:ext cx="5258534" cy="2524477"/>
+          </a:xfrm>
+          <a:prstGeom prst="rect">
+            <a:avLst/>
+          </a:prstGeom>
+          <a:noFill/>
+          <a:ln w="38100">
+            <a:solidFill>
+              <a:srgbClr val="C00000"/>
+            </a:solidFill>
+            <a:prstDash val="sysDash"/>
+          </a:ln>
+        </p:spPr>
+        <p:style>
+          <a:lnRef idx="2">
+            <a:schemeClr val="accent1">
+              <a:shade val="50000"/>
+            </a:schemeClr>
+          </a:lnRef>
+          <a:fillRef idx="1">
+            <a:schemeClr val="accent1"/>
+          </a:fillRef>
+          <a:effectRef idx="0">
+            <a:schemeClr val="accent1"/>
+          </a:effectRef>
+          <a:fontRef idx="minor">
+            <a:schemeClr val="lt1"/>
+          </a:fontRef>
+        </p:style>
+        <p:txBody>
+          <a:bodyPr rtlCol="0" anchor="ctr"/>
+          <a:lstStyle/>
+          <a:p>
+            <a:pPr algn="ctr"/>
+            <a:endParaRPr lang="fr-FR"/>
+          </a:p>
+        </p:txBody>
+      </p:sp>
+      <p:cxnSp>
+        <p:nvCxnSpPr>
+          <p:cNvPr id="12" name="Connecteur droit 11"/>
+          <p:cNvCxnSpPr/>
+          <p:nvPr/>
+        </p:nvCxnSpPr>
+        <p:spPr>
+          <a:xfrm flipH="1">
+            <a:off x="3867844" y="1932794"/>
+            <a:ext cx="3019454" cy="805467"/>
+          </a:xfrm>
+          <a:prstGeom prst="line">
+            <a:avLst/>
+          </a:prstGeom>
+          <a:noFill/>
+          <a:ln w="38100">
+            <a:solidFill>
+              <a:srgbClr val="C00000"/>
+            </a:solidFill>
+            <a:prstDash val="sysDash"/>
+          </a:ln>
+        </p:spPr>
+        <p:style>
+          <a:lnRef idx="2">
+            <a:schemeClr val="accent1">
+              <a:shade val="50000"/>
+            </a:schemeClr>
+          </a:lnRef>
+          <a:fillRef idx="1">
+            <a:schemeClr val="accent1"/>
+          </a:fillRef>
+          <a:effectRef idx="0">
+            <a:schemeClr val="accent1"/>
+          </a:effectRef>
+          <a:fontRef idx="minor">
+            <a:schemeClr val="lt1"/>
+          </a:fontRef>
+        </p:style>
+      </p:cxnSp>
+      <p:cxnSp>
+        <p:nvCxnSpPr>
+          <p:cNvPr id="13" name="Connecteur droit 12"/>
+          <p:cNvCxnSpPr/>
+          <p:nvPr/>
+        </p:nvCxnSpPr>
+        <p:spPr>
+          <a:xfrm>
+            <a:off x="7246114" y="1932794"/>
+            <a:ext cx="1880264" cy="805467"/>
+          </a:xfrm>
+          <a:prstGeom prst="line">
+            <a:avLst/>
+          </a:prstGeom>
+          <a:noFill/>
+          <a:ln w="38100">
+            <a:solidFill>
+              <a:srgbClr val="C00000"/>
+            </a:solidFill>
+            <a:prstDash val="sysDash"/>
+          </a:ln>
+        </p:spPr>
+        <p:style>
+          <a:lnRef idx="2">
+            <a:schemeClr val="accent1">
+              <a:shade val="50000"/>
+            </a:schemeClr>
+          </a:lnRef>
+          <a:fillRef idx="1">
+            <a:schemeClr val="accent1"/>
+          </a:fillRef>
+          <a:effectRef idx="0">
+            <a:schemeClr val="accent1"/>
+          </a:effectRef>
+          <a:fontRef idx="minor">
+            <a:schemeClr val="lt1"/>
+          </a:fontRef>
+        </p:style>
+      </p:cxnSp>
+      <p:sp>
+        <p:nvSpPr>
+          <p:cNvPr id="16" name="Ellipse 15">
+            <a:extLst>
+              <a:ext uri="{FF2B5EF4-FFF2-40B4-BE49-F238E27FC236}">
+                <a16:creationId xmlns:a16="http://schemas.microsoft.com/office/drawing/2014/main" id="{7D8E2237-A569-FC91-0C28-84C7541270B6}"/>
+              </a:ext>
+            </a:extLst>
+          </p:cNvPr>
+          <p:cNvSpPr/>
+          <p:nvPr/>
+        </p:nvSpPr>
+        <p:spPr>
+          <a:xfrm>
+            <a:off x="6943939" y="1203641"/>
+            <a:ext cx="245534" cy="245534"/>
+          </a:xfrm>
+          <a:prstGeom prst="ellipse">
+            <a:avLst/>
+          </a:prstGeom>
+          <a:solidFill>
+            <a:schemeClr val="bg1"/>
+          </a:solidFill>
+          <a:ln w="28575">
+            <a:solidFill>
+              <a:srgbClr val="FF0000"/>
+            </a:solidFill>
+          </a:ln>
+        </p:spPr>
+        <p:style>
+          <a:lnRef idx="2">
+            <a:schemeClr val="accent1">
+              <a:shade val="50000"/>
+            </a:schemeClr>
+          </a:lnRef>
+          <a:fillRef idx="1">
+            <a:schemeClr val="accent1"/>
+          </a:fillRef>
+          <a:effectRef idx="0">
+            <a:schemeClr val="accent1"/>
+          </a:effectRef>
+          <a:fontRef idx="minor">
+            <a:schemeClr val="lt1"/>
+          </a:fontRef>
+        </p:style>
+        <p:txBody>
+          <a:bodyPr lIns="0" tIns="0" rIns="0" bIns="0" rtlCol="0" anchor="ctr"/>
+          <a:lstStyle/>
+          <a:p>
+            <a:pPr algn="ctr"/>
+            <a:r>
+              <a:rPr lang="fr-FR" sz="1600" b="1" dirty="0">
+                <a:solidFill>
+                  <a:srgbClr val="FF0000"/>
+                </a:solidFill>
+              </a:rPr>
+              <a:t>1</a:t>
+            </a:r>
+          </a:p>
+        </p:txBody>
+      </p:sp>
+      <p:sp>
+        <p:nvSpPr>
+          <p:cNvPr id="17" name="Ellipse 16">
+            <a:extLst>
+              <a:ext uri="{FF2B5EF4-FFF2-40B4-BE49-F238E27FC236}">
+                <a16:creationId xmlns:a16="http://schemas.microsoft.com/office/drawing/2014/main" id="{2F6F214A-558A-4D76-D72A-630BAEF7E1A3}"/>
+              </a:ext>
+            </a:extLst>
+          </p:cNvPr>
+          <p:cNvSpPr/>
+          <p:nvPr/>
+        </p:nvSpPr>
+        <p:spPr>
+          <a:xfrm>
+            <a:off x="5011568" y="3792284"/>
+            <a:ext cx="245534" cy="245534"/>
+          </a:xfrm>
+          <a:prstGeom prst="ellipse">
+            <a:avLst/>
+          </a:prstGeom>
+          <a:solidFill>
+            <a:schemeClr val="bg1"/>
+          </a:solidFill>
+          <a:ln w="28575">
+            <a:solidFill>
+              <a:srgbClr val="FF0000"/>
+            </a:solidFill>
+          </a:ln>
+        </p:spPr>
+        <p:style>
+          <a:lnRef idx="2">
+            <a:schemeClr val="accent1">
+              <a:shade val="50000"/>
+            </a:schemeClr>
+          </a:lnRef>
+          <a:fillRef idx="1">
+            <a:schemeClr val="accent1"/>
+          </a:fillRef>
+          <a:effectRef idx="0">
+            <a:schemeClr val="accent1"/>
+          </a:effectRef>
+          <a:fontRef idx="minor">
+            <a:schemeClr val="lt1"/>
+          </a:fontRef>
+        </p:style>
+        <p:txBody>
+          <a:bodyPr lIns="0" tIns="0" rIns="0" bIns="0" rtlCol="0" anchor="ctr"/>
+          <a:lstStyle/>
+          <a:p>
+            <a:pPr algn="ctr"/>
+            <a:r>
+              <a:rPr lang="fr-FR" sz="1600" b="1" dirty="0">
+                <a:solidFill>
+                  <a:srgbClr val="FF0000"/>
+                </a:solidFill>
+              </a:rPr>
+              <a:t>2</a:t>
+            </a:r>
+          </a:p>
+        </p:txBody>
+      </p:sp>
+      <p:sp>
+        <p:nvSpPr>
+          <p:cNvPr id="18" name="Ellipse 17">
+            <a:extLst>
+              <a:ext uri="{FF2B5EF4-FFF2-40B4-BE49-F238E27FC236}">
+                <a16:creationId xmlns:a16="http://schemas.microsoft.com/office/drawing/2014/main" id="{2F6F214A-558A-4D76-D72A-630BAEF7E1A3}"/>
+              </a:ext>
+            </a:extLst>
+          </p:cNvPr>
+          <p:cNvSpPr/>
+          <p:nvPr/>
+        </p:nvSpPr>
+        <p:spPr>
+          <a:xfrm>
+            <a:off x="7564268" y="3072865"/>
+            <a:ext cx="245534" cy="245534"/>
+          </a:xfrm>
+          <a:prstGeom prst="ellipse">
+            <a:avLst/>
+          </a:prstGeom>
+          <a:solidFill>
+            <a:schemeClr val="bg1"/>
+          </a:solidFill>
+          <a:ln w="28575">
+            <a:solidFill>
+              <a:srgbClr val="FF0000"/>
+            </a:solidFill>
+          </a:ln>
+        </p:spPr>
+        <p:style>
+          <a:lnRef idx="2">
+            <a:schemeClr val="accent1">
+              <a:shade val="50000"/>
+            </a:schemeClr>
+          </a:lnRef>
+          <a:fillRef idx="1">
+            <a:schemeClr val="accent1"/>
+          </a:fillRef>
+          <a:effectRef idx="0">
+            <a:schemeClr val="accent1"/>
+          </a:effectRef>
+          <a:fontRef idx="minor">
+            <a:schemeClr val="lt1"/>
+          </a:fontRef>
+        </p:style>
+        <p:txBody>
+          <a:bodyPr lIns="0" tIns="0" rIns="0" bIns="0" rtlCol="0" anchor="ctr"/>
+          <a:lstStyle/>
+          <a:p>
+            <a:pPr algn="ctr"/>
+            <a:r>
+              <a:rPr lang="fr-FR" sz="1600" b="1" dirty="0" smtClean="0">
+                <a:solidFill>
+                  <a:srgbClr val="FF0000"/>
+                </a:solidFill>
+              </a:rPr>
+              <a:t>3</a:t>
+            </a:r>
+            <a:endParaRPr lang="fr-FR" sz="1600" b="1" dirty="0">
+              <a:solidFill>
+                <a:srgbClr val="FF0000"/>
+              </a:solidFill>
+            </a:endParaRPr>
+          </a:p>
+        </p:txBody>
+      </p:sp>
+    </p:spTree>
+    <p:extLst>
+      <p:ext uri="{BB962C8B-B14F-4D97-AF65-F5344CB8AC3E}">
+        <p14:creationId xmlns:p14="http://schemas.microsoft.com/office/powerpoint/2010/main" val="2559801115"/>
       </p:ext>
     </p:extLst>
   </p:cSld>

--- a/16_RC4/Figures/Figures.pptx
+++ b/16_RC4/Figures/Figures.pptx
@@ -5,26 +5,27 @@
     <p:sldMasterId id="2147483648" r:id="rId1"/>
   </p:sldMasterIdLst>
   <p:notesMasterIdLst>
-    <p:notesMasterId r:id="rId19"/>
+    <p:notesMasterId r:id="rId20"/>
   </p:notesMasterIdLst>
   <p:sldIdLst>
     <p:sldId id="256" r:id="rId2"/>
     <p:sldId id="264" r:id="rId3"/>
-    <p:sldId id="257" r:id="rId4"/>
-    <p:sldId id="258" r:id="rId5"/>
-    <p:sldId id="259" r:id="rId6"/>
-    <p:sldId id="260" r:id="rId7"/>
-    <p:sldId id="262" r:id="rId8"/>
-    <p:sldId id="272" r:id="rId9"/>
-    <p:sldId id="261" r:id="rId10"/>
-    <p:sldId id="271" r:id="rId11"/>
-    <p:sldId id="269" r:id="rId12"/>
-    <p:sldId id="270" r:id="rId13"/>
-    <p:sldId id="263" r:id="rId14"/>
-    <p:sldId id="265" r:id="rId15"/>
-    <p:sldId id="266" r:id="rId16"/>
-    <p:sldId id="267" r:id="rId17"/>
-    <p:sldId id="268" r:id="rId18"/>
+    <p:sldId id="273" r:id="rId4"/>
+    <p:sldId id="257" r:id="rId5"/>
+    <p:sldId id="258" r:id="rId6"/>
+    <p:sldId id="259" r:id="rId7"/>
+    <p:sldId id="260" r:id="rId8"/>
+    <p:sldId id="262" r:id="rId9"/>
+    <p:sldId id="272" r:id="rId10"/>
+    <p:sldId id="261" r:id="rId11"/>
+    <p:sldId id="271" r:id="rId12"/>
+    <p:sldId id="269" r:id="rId13"/>
+    <p:sldId id="270" r:id="rId14"/>
+    <p:sldId id="263" r:id="rId15"/>
+    <p:sldId id="265" r:id="rId16"/>
+    <p:sldId id="266" r:id="rId17"/>
+    <p:sldId id="267" r:id="rId18"/>
+    <p:sldId id="268" r:id="rId19"/>
   </p:sldIdLst>
   <p:sldSz cx="12192000" cy="6858000"/>
   <p:notesSz cx="6858000" cy="9144000"/>
@@ -213,7 +214,7 @@
           <a:p>
             <a:fld id="{088B47D2-DC99-4023-8FAB-B1A01B8BED66}" type="datetimeFigureOut">
               <a:rPr lang="fr-FR" smtClean="0"/>
-              <a:t>06/02/2025</a:t>
+              <a:t>18/02/2025</a:t>
             </a:fld>
             <a:endParaRPr lang="fr-FR"/>
           </a:p>
@@ -545,7 +546,7 @@
           <a:p>
             <a:fld id="{15EE27B1-7D19-4D3E-BA9F-563B97DD4C0D}" type="slidenum">
               <a:rPr lang="fr-FR" smtClean="0"/>
-              <a:t>4</a:t>
+              <a:t>5</a:t>
             </a:fld>
             <a:endParaRPr lang="fr-FR"/>
           </a:p>
@@ -629,7 +630,7 @@
           <a:p>
             <a:fld id="{15EE27B1-7D19-4D3E-BA9F-563B97DD4C0D}" type="slidenum">
               <a:rPr lang="fr-FR" smtClean="0"/>
-              <a:t>9</a:t>
+              <a:t>10</a:t>
             </a:fld>
             <a:endParaRPr lang="fr-FR"/>
           </a:p>
@@ -737,7 +738,7 @@
           <a:p>
             <a:fld id="{15EE27B1-7D19-4D3E-BA9F-563B97DD4C0D}" type="slidenum">
               <a:rPr lang="fr-FR" smtClean="0"/>
-              <a:t>11</a:t>
+              <a:t>12</a:t>
             </a:fld>
             <a:endParaRPr lang="fr-FR"/>
           </a:p>
@@ -903,7 +904,7 @@
           <a:p>
             <a:fld id="{E1825551-6D9B-4F56-8A53-B2612FCF8466}" type="datetimeFigureOut">
               <a:rPr lang="fr-FR" smtClean="0"/>
-              <a:t>06/02/2025</a:t>
+              <a:t>18/02/2025</a:t>
             </a:fld>
             <a:endParaRPr lang="fr-FR"/>
           </a:p>
@@ -1101,7 +1102,7 @@
           <a:p>
             <a:fld id="{E1825551-6D9B-4F56-8A53-B2612FCF8466}" type="datetimeFigureOut">
               <a:rPr lang="fr-FR" smtClean="0"/>
-              <a:t>06/02/2025</a:t>
+              <a:t>18/02/2025</a:t>
             </a:fld>
             <a:endParaRPr lang="fr-FR"/>
           </a:p>
@@ -1309,7 +1310,7 @@
           <a:p>
             <a:fld id="{E1825551-6D9B-4F56-8A53-B2612FCF8466}" type="datetimeFigureOut">
               <a:rPr lang="fr-FR" smtClean="0"/>
-              <a:t>06/02/2025</a:t>
+              <a:t>18/02/2025</a:t>
             </a:fld>
             <a:endParaRPr lang="fr-FR"/>
           </a:p>
@@ -1507,7 +1508,7 @@
           <a:p>
             <a:fld id="{E1825551-6D9B-4F56-8A53-B2612FCF8466}" type="datetimeFigureOut">
               <a:rPr lang="fr-FR" smtClean="0"/>
-              <a:t>06/02/2025</a:t>
+              <a:t>18/02/2025</a:t>
             </a:fld>
             <a:endParaRPr lang="fr-FR"/>
           </a:p>
@@ -1782,7 +1783,7 @@
           <a:p>
             <a:fld id="{E1825551-6D9B-4F56-8A53-B2612FCF8466}" type="datetimeFigureOut">
               <a:rPr lang="fr-FR" smtClean="0"/>
-              <a:t>06/02/2025</a:t>
+              <a:t>18/02/2025</a:t>
             </a:fld>
             <a:endParaRPr lang="fr-FR"/>
           </a:p>
@@ -2047,7 +2048,7 @@
           <a:p>
             <a:fld id="{E1825551-6D9B-4F56-8A53-B2612FCF8466}" type="datetimeFigureOut">
               <a:rPr lang="fr-FR" smtClean="0"/>
-              <a:t>06/02/2025</a:t>
+              <a:t>18/02/2025</a:t>
             </a:fld>
             <a:endParaRPr lang="fr-FR"/>
           </a:p>
@@ -2459,7 +2460,7 @@
           <a:p>
             <a:fld id="{E1825551-6D9B-4F56-8A53-B2612FCF8466}" type="datetimeFigureOut">
               <a:rPr lang="fr-FR" smtClean="0"/>
-              <a:t>06/02/2025</a:t>
+              <a:t>18/02/2025</a:t>
             </a:fld>
             <a:endParaRPr lang="fr-FR"/>
           </a:p>
@@ -2600,7 +2601,7 @@
           <a:p>
             <a:fld id="{E1825551-6D9B-4F56-8A53-B2612FCF8466}" type="datetimeFigureOut">
               <a:rPr lang="fr-FR" smtClean="0"/>
-              <a:t>06/02/2025</a:t>
+              <a:t>18/02/2025</a:t>
             </a:fld>
             <a:endParaRPr lang="fr-FR"/>
           </a:p>
@@ -2713,7 +2714,7 @@
           <a:p>
             <a:fld id="{E1825551-6D9B-4F56-8A53-B2612FCF8466}" type="datetimeFigureOut">
               <a:rPr lang="fr-FR" smtClean="0"/>
-              <a:t>06/02/2025</a:t>
+              <a:t>18/02/2025</a:t>
             </a:fld>
             <a:endParaRPr lang="fr-FR"/>
           </a:p>
@@ -3024,7 +3025,7 @@
           <a:p>
             <a:fld id="{E1825551-6D9B-4F56-8A53-B2612FCF8466}" type="datetimeFigureOut">
               <a:rPr lang="fr-FR" smtClean="0"/>
-              <a:t>06/02/2025</a:t>
+              <a:t>18/02/2025</a:t>
             </a:fld>
             <a:endParaRPr lang="fr-FR"/>
           </a:p>
@@ -3312,7 +3313,7 @@
           <a:p>
             <a:fld id="{E1825551-6D9B-4F56-8A53-B2612FCF8466}" type="datetimeFigureOut">
               <a:rPr lang="fr-FR" smtClean="0"/>
-              <a:t>06/02/2025</a:t>
+              <a:t>18/02/2025</a:t>
             </a:fld>
             <a:endParaRPr lang="fr-FR"/>
           </a:p>
@@ -3553,7 +3554,7 @@
           <a:p>
             <a:fld id="{E1825551-6D9B-4F56-8A53-B2612FCF8466}" type="datetimeFigureOut">
               <a:rPr lang="fr-FR" smtClean="0"/>
-              <a:t>06/02/2025</a:t>
+              <a:t>18/02/2025</a:t>
             </a:fld>
             <a:endParaRPr lang="fr-FR"/>
           </a:p>
@@ -4400,6 +4401,4506 @@
           <a:chExt cx="0" cy="0"/>
         </a:xfrm>
       </p:grpSpPr>
+      <mc:AlternateContent xmlns:mc="http://schemas.openxmlformats.org/markup-compatibility/2006" xmlns:a14="http://schemas.microsoft.com/office/drawing/2010/main">
+        <mc:Choice Requires="a14">
+          <p:sp>
+            <p:nvSpPr>
+              <p:cNvPr id="3" name="Espace réservé du contenu 2">
+                <a:extLst>
+                  <a:ext uri="{FF2B5EF4-FFF2-40B4-BE49-F238E27FC236}">
+                    <a16:creationId xmlns:a16="http://schemas.microsoft.com/office/drawing/2014/main" id="{F1033314-DAEF-3C58-6EAF-654339C65576}"/>
+                  </a:ext>
+                </a:extLst>
+              </p:cNvPr>
+              <p:cNvSpPr>
+                <a:spLocks noGrp="1"/>
+              </p:cNvSpPr>
+              <p:nvPr>
+                <p:ph idx="1"/>
+              </p:nvPr>
+            </p:nvSpPr>
+            <p:spPr>
+              <a:xfrm>
+                <a:off x="3224487" y="226621"/>
+                <a:ext cx="3283191" cy="4796556"/>
+              </a:xfrm>
+            </p:spPr>
+            <p:txBody>
+              <a:bodyPr>
+                <a:normAutofit/>
+              </a:bodyPr>
+              <a:lstStyle/>
+              <a:p>
+                <a:r>
+                  <a:rPr lang="fr-FR" sz="1800" dirty="0"/>
+                  <a:t>On note </a:t>
+                </a:r>
+              </a:p>
+              <a:p>
+                <a:pPr lvl="1"/>
+                <a14:m>
+                  <m:oMath xmlns:m="http://schemas.openxmlformats.org/officeDocument/2006/math">
+                    <m:sSub>
+                      <m:sSubPr>
+                        <m:ctrlPr>
+                          <a:rPr lang="fr-FR" sz="1600" b="0" i="1" smtClean="0">
+                            <a:latin typeface="Cambria Math" panose="02040503050406030204" pitchFamily="18" charset="0"/>
+                          </a:rPr>
+                        </m:ctrlPr>
+                      </m:sSubPr>
+                      <m:e>
+                        <m:r>
+                          <a:rPr lang="fr-FR" sz="1600" b="0" i="1" smtClean="0">
+                            <a:latin typeface="Cambria Math" panose="02040503050406030204" pitchFamily="18" charset="0"/>
+                          </a:rPr>
+                          <m:t>𝐿</m:t>
+                        </m:r>
+                      </m:e>
+                      <m:sub>
+                        <m:r>
+                          <a:rPr lang="fr-FR" sz="1600" b="0" i="1" smtClean="0">
+                            <a:latin typeface="Cambria Math" panose="02040503050406030204" pitchFamily="18" charset="0"/>
+                          </a:rPr>
+                          <m:t>𝐻𝐷</m:t>
+                        </m:r>
+                      </m:sub>
+                    </m:sSub>
+                    <m:r>
+                      <a:rPr lang="fr-FR" sz="1600" b="0" i="1" smtClean="0">
+                        <a:latin typeface="Cambria Math" panose="02040503050406030204" pitchFamily="18" charset="0"/>
+                      </a:rPr>
+                      <m:t>=</m:t>
+                    </m:r>
+                    <m:sSub>
+                      <m:sSubPr>
+                        <m:ctrlPr>
+                          <a:rPr lang="fr-FR" sz="1600" b="0" i="1" smtClean="0">
+                            <a:latin typeface="Cambria Math" panose="02040503050406030204" pitchFamily="18" charset="0"/>
+                          </a:rPr>
+                        </m:ctrlPr>
+                      </m:sSubPr>
+                      <m:e>
+                        <m:r>
+                          <a:rPr lang="fr-FR" sz="1600" b="0" i="1" smtClean="0">
+                            <a:latin typeface="Cambria Math" panose="02040503050406030204" pitchFamily="18" charset="0"/>
+                          </a:rPr>
+                          <m:t>𝐴</m:t>
+                        </m:r>
+                      </m:e>
+                      <m:sub>
+                        <m:r>
+                          <a:rPr lang="fr-FR" sz="1600" b="0" i="1" smtClean="0">
+                            <a:latin typeface="Cambria Math" panose="02040503050406030204" pitchFamily="18" charset="0"/>
+                          </a:rPr>
+                          <m:t>𝐻𝐷</m:t>
+                        </m:r>
+                      </m:sub>
+                    </m:sSub>
+                    <m:sSub>
+                      <m:sSubPr>
+                        <m:ctrlPr>
+                          <a:rPr lang="fr-FR" sz="1600" b="0" i="1" smtClean="0">
+                            <a:latin typeface="Cambria Math" panose="02040503050406030204" pitchFamily="18" charset="0"/>
+                          </a:rPr>
+                        </m:ctrlPr>
+                      </m:sSubPr>
+                      <m:e>
+                        <m:r>
+                          <a:rPr lang="fr-FR" sz="1600" b="0" i="1" smtClean="0">
+                            <a:latin typeface="Cambria Math" panose="02040503050406030204" pitchFamily="18" charset="0"/>
+                          </a:rPr>
+                          <m:t>𝐶</m:t>
+                        </m:r>
+                      </m:e>
+                      <m:sub>
+                        <m:r>
+                          <a:rPr lang="fr-FR" sz="1600" b="0" i="1" smtClean="0">
+                            <a:latin typeface="Cambria Math" panose="02040503050406030204" pitchFamily="18" charset="0"/>
+                          </a:rPr>
+                          <m:t>𝐻𝐷</m:t>
+                        </m:r>
+                      </m:sub>
+                    </m:sSub>
+                  </m:oMath>
+                </a14:m>
+                <a:r>
+                  <a:rPr lang="fr-FR" sz="1600" dirty="0"/>
+                  <a:t> </a:t>
+                </a:r>
+              </a:p>
+              <a:p>
+                <a:pPr lvl="1"/>
+                <a14:m>
+                  <m:oMath xmlns:m="http://schemas.openxmlformats.org/officeDocument/2006/math">
+                    <m:sSub>
+                      <m:sSubPr>
+                        <m:ctrlPr>
+                          <a:rPr lang="fr-FR" sz="1600" b="0" i="1" smtClean="0">
+                            <a:latin typeface="Cambria Math" panose="02040503050406030204" pitchFamily="18" charset="0"/>
+                          </a:rPr>
+                        </m:ctrlPr>
+                      </m:sSubPr>
+                      <m:e>
+                        <m:r>
+                          <a:rPr lang="fr-FR" sz="1600" b="0" i="1" smtClean="0">
+                            <a:latin typeface="Cambria Math" panose="02040503050406030204" pitchFamily="18" charset="0"/>
+                          </a:rPr>
+                          <m:t>𝐷</m:t>
+                        </m:r>
+                      </m:e>
+                      <m:sub>
+                        <m:r>
+                          <a:rPr lang="fr-FR" sz="1600" b="0" i="1" smtClean="0">
+                            <a:latin typeface="Cambria Math" panose="02040503050406030204" pitchFamily="18" charset="0"/>
+                          </a:rPr>
+                          <m:t>𝐻𝐷</m:t>
+                        </m:r>
+                      </m:sub>
+                    </m:sSub>
+                    <m:r>
+                      <a:rPr lang="fr-FR" sz="1600" b="0" i="1" smtClean="0">
+                        <a:latin typeface="Cambria Math" panose="02040503050406030204" pitchFamily="18" charset="0"/>
+                      </a:rPr>
+                      <m:t>=</m:t>
+                    </m:r>
+                    <m:sSub>
+                      <m:sSubPr>
+                        <m:ctrlPr>
+                          <a:rPr lang="fr-FR" sz="1600" i="1">
+                            <a:latin typeface="Cambria Math" panose="02040503050406030204" pitchFamily="18" charset="0"/>
+                          </a:rPr>
+                        </m:ctrlPr>
+                      </m:sSubPr>
+                      <m:e>
+                        <m:r>
+                          <a:rPr lang="fr-FR" sz="1600" i="1">
+                            <a:latin typeface="Cambria Math" panose="02040503050406030204" pitchFamily="18" charset="0"/>
+                          </a:rPr>
+                          <m:t>𝐴</m:t>
+                        </m:r>
+                      </m:e>
+                      <m:sub>
+                        <m:r>
+                          <a:rPr lang="fr-FR" sz="1600" i="1">
+                            <a:latin typeface="Cambria Math" panose="02040503050406030204" pitchFamily="18" charset="0"/>
+                          </a:rPr>
+                          <m:t>𝐻𝐷</m:t>
+                        </m:r>
+                      </m:sub>
+                    </m:sSub>
+                    <m:sSub>
+                      <m:sSubPr>
+                        <m:ctrlPr>
+                          <a:rPr lang="fr-FR" sz="1600" i="1">
+                            <a:latin typeface="Cambria Math" panose="02040503050406030204" pitchFamily="18" charset="0"/>
+                          </a:rPr>
+                        </m:ctrlPr>
+                      </m:sSubPr>
+                      <m:e>
+                        <m:r>
+                          <a:rPr lang="fr-FR" sz="1600" b="0" i="1" smtClean="0">
+                            <a:latin typeface="Cambria Math" panose="02040503050406030204" pitchFamily="18" charset="0"/>
+                          </a:rPr>
+                          <m:t>𝐵</m:t>
+                        </m:r>
+                      </m:e>
+                      <m:sub>
+                        <m:r>
+                          <a:rPr lang="fr-FR" sz="1600" i="1">
+                            <a:latin typeface="Cambria Math" panose="02040503050406030204" pitchFamily="18" charset="0"/>
+                          </a:rPr>
+                          <m:t>𝐻𝐷</m:t>
+                        </m:r>
+                      </m:sub>
+                    </m:sSub>
+                  </m:oMath>
+                </a14:m>
+                <a:r>
+                  <a:rPr lang="fr-FR" sz="1600" dirty="0"/>
+                  <a:t> </a:t>
+                </a:r>
+                <a:endParaRPr lang="fr-FR" sz="1600" b="0" i="1" dirty="0">
+                  <a:latin typeface="Cambria Math" panose="02040503050406030204" pitchFamily="18" charset="0"/>
+                </a:endParaRPr>
+              </a:p>
+              <a:p>
+                <a:pPr lvl="1"/>
+                <a14:m>
+                  <m:oMath xmlns:m="http://schemas.openxmlformats.org/officeDocument/2006/math">
+                    <m:sSub>
+                      <m:sSubPr>
+                        <m:ctrlPr>
+                          <a:rPr lang="fr-FR" sz="1600" b="0" i="1" smtClean="0">
+                            <a:latin typeface="Cambria Math" panose="02040503050406030204" pitchFamily="18" charset="0"/>
+                          </a:rPr>
+                        </m:ctrlPr>
+                      </m:sSubPr>
+                      <m:e>
+                        <m:r>
+                          <a:rPr lang="fr-FR" sz="1600" b="0" i="1" smtClean="0">
+                            <a:latin typeface="Cambria Math" panose="02040503050406030204" pitchFamily="18" charset="0"/>
+                          </a:rPr>
+                          <m:t>𝑅</m:t>
+                        </m:r>
+                      </m:e>
+                      <m:sub>
+                        <m:r>
+                          <a:rPr lang="fr-FR" sz="1600" b="0" i="1" smtClean="0">
+                            <a:latin typeface="Cambria Math" panose="02040503050406030204" pitchFamily="18" charset="0"/>
+                          </a:rPr>
+                          <m:t>𝑃</m:t>
+                        </m:r>
+                      </m:sub>
+                    </m:sSub>
+                    <m:r>
+                      <a:rPr lang="fr-FR" sz="1600" b="0" i="1" smtClean="0">
+                        <a:latin typeface="Cambria Math" panose="02040503050406030204" pitchFamily="18" charset="0"/>
+                      </a:rPr>
+                      <m:t>=</m:t>
+                    </m:r>
+                    <m:sSub>
+                      <m:sSubPr>
+                        <m:ctrlPr>
+                          <a:rPr lang="fr-FR" sz="1600" b="0" i="1" smtClean="0">
+                            <a:latin typeface="Cambria Math" panose="02040503050406030204" pitchFamily="18" charset="0"/>
+                          </a:rPr>
+                        </m:ctrlPr>
+                      </m:sSubPr>
+                      <m:e>
+                        <m:r>
+                          <a:rPr lang="fr-FR" sz="1600" b="0" i="1" smtClean="0">
+                            <a:latin typeface="Cambria Math" panose="02040503050406030204" pitchFamily="18" charset="0"/>
+                          </a:rPr>
+                          <m:t>𝐵</m:t>
+                        </m:r>
+                      </m:e>
+                      <m:sub>
+                        <m:r>
+                          <a:rPr lang="fr-FR" sz="1600" b="0" i="1" smtClean="0">
+                            <a:latin typeface="Cambria Math" panose="02040503050406030204" pitchFamily="18" charset="0"/>
+                          </a:rPr>
+                          <m:t>𝐻𝐷</m:t>
+                        </m:r>
+                      </m:sub>
+                    </m:sSub>
+                    <m:sSub>
+                      <m:sSubPr>
+                        <m:ctrlPr>
+                          <a:rPr lang="fr-FR" sz="1600" b="0" i="1" smtClean="0">
+                            <a:latin typeface="Cambria Math" panose="02040503050406030204" pitchFamily="18" charset="0"/>
+                          </a:rPr>
+                        </m:ctrlPr>
+                      </m:sSubPr>
+                      <m:e>
+                        <m:r>
+                          <a:rPr lang="fr-FR" sz="1600" b="0" i="1" smtClean="0">
+                            <a:latin typeface="Cambria Math" panose="02040503050406030204" pitchFamily="18" charset="0"/>
+                          </a:rPr>
+                          <m:t>𝐶</m:t>
+                        </m:r>
+                      </m:e>
+                      <m:sub>
+                        <m:r>
+                          <a:rPr lang="fr-FR" sz="1600" b="0" i="1" smtClean="0">
+                            <a:latin typeface="Cambria Math" panose="02040503050406030204" pitchFamily="18" charset="0"/>
+                          </a:rPr>
+                          <m:t>𝐻𝐷</m:t>
+                        </m:r>
+                      </m:sub>
+                    </m:sSub>
+                  </m:oMath>
+                </a14:m>
+                <a:endParaRPr lang="fr-FR" sz="1600" b="0" dirty="0"/>
+              </a:p>
+              <a:p>
+                <a:pPr lvl="1"/>
+                <a:endParaRPr lang="fr-FR" sz="1600" dirty="0"/>
+              </a:p>
+              <a:p>
+                <a:pPr lvl="1"/>
+                <a14:m>
+                  <m:oMath xmlns:m="http://schemas.openxmlformats.org/officeDocument/2006/math">
+                    <m:acc>
+                      <m:accPr>
+                        <m:chr m:val="⃗"/>
+                        <m:ctrlPr>
+                          <a:rPr lang="fr-FR" sz="1600" b="0" i="1" smtClean="0">
+                            <a:latin typeface="Cambria Math" panose="02040503050406030204" pitchFamily="18" charset="0"/>
+                          </a:rPr>
+                        </m:ctrlPr>
+                      </m:accPr>
+                      <m:e>
+                        <m:sSub>
+                          <m:sSubPr>
+                            <m:ctrlPr>
+                              <a:rPr lang="fr-FR" sz="1600" i="1">
+                                <a:latin typeface="Cambria Math" panose="02040503050406030204" pitchFamily="18" charset="0"/>
+                              </a:rPr>
+                            </m:ctrlPr>
+                          </m:sSubPr>
+                          <m:e>
+                            <m:r>
+                              <a:rPr lang="fr-FR" sz="1600" i="1">
+                                <a:latin typeface="Cambria Math" panose="02040503050406030204" pitchFamily="18" charset="0"/>
+                              </a:rPr>
+                              <m:t>𝐴</m:t>
+                            </m:r>
+                          </m:e>
+                          <m:sub>
+                            <m:r>
+                              <a:rPr lang="fr-FR" sz="1600" i="1">
+                                <a:latin typeface="Cambria Math" panose="02040503050406030204" pitchFamily="18" charset="0"/>
+                              </a:rPr>
+                              <m:t>𝐻𝐺</m:t>
+                            </m:r>
+                          </m:sub>
+                        </m:sSub>
+                        <m:sSub>
+                          <m:sSubPr>
+                            <m:ctrlPr>
+                              <a:rPr lang="fr-FR" sz="1600" i="1">
+                                <a:latin typeface="Cambria Math" panose="02040503050406030204" pitchFamily="18" charset="0"/>
+                              </a:rPr>
+                            </m:ctrlPr>
+                          </m:sSubPr>
+                          <m:e>
+                            <m:r>
+                              <a:rPr lang="fr-FR" sz="1600" i="1">
+                                <a:latin typeface="Cambria Math" panose="02040503050406030204" pitchFamily="18" charset="0"/>
+                              </a:rPr>
+                              <m:t>𝐴</m:t>
+                            </m:r>
+                          </m:e>
+                          <m:sub>
+                            <m:r>
+                              <a:rPr lang="fr-FR" sz="1600" i="1">
+                                <a:latin typeface="Cambria Math" panose="02040503050406030204" pitchFamily="18" charset="0"/>
+                              </a:rPr>
+                              <m:t>𝐻𝐷</m:t>
+                            </m:r>
+                          </m:sub>
+                        </m:sSub>
+                      </m:e>
+                    </m:acc>
+                    <m:r>
+                      <a:rPr lang="fr-FR" sz="1600" b="0" i="1" smtClean="0">
+                        <a:latin typeface="Cambria Math" panose="02040503050406030204" pitchFamily="18" charset="0"/>
+                      </a:rPr>
+                      <m:t>=</m:t>
+                    </m:r>
+                    <m:sSub>
+                      <m:sSubPr>
+                        <m:ctrlPr>
+                          <a:rPr lang="fr-FR" sz="1600" b="0" i="1" smtClean="0">
+                            <a:latin typeface="Cambria Math" panose="02040503050406030204" pitchFamily="18" charset="0"/>
+                          </a:rPr>
+                        </m:ctrlPr>
+                      </m:sSubPr>
+                      <m:e>
+                        <m:r>
+                          <a:rPr lang="fr-FR" sz="1600" b="0" i="1" smtClean="0">
+                            <a:latin typeface="Cambria Math" panose="02040503050406030204" pitchFamily="18" charset="0"/>
+                          </a:rPr>
+                          <m:t>𝐿</m:t>
+                        </m:r>
+                      </m:e>
+                      <m:sub>
+                        <m:r>
+                          <a:rPr lang="fr-FR" sz="1600" b="0" i="1" smtClean="0">
+                            <a:latin typeface="Cambria Math" panose="02040503050406030204" pitchFamily="18" charset="0"/>
+                          </a:rPr>
+                          <m:t>𝑀</m:t>
+                        </m:r>
+                      </m:sub>
+                    </m:sSub>
+                    <m:acc>
+                      <m:accPr>
+                        <m:chr m:val="⃗"/>
+                        <m:ctrlPr>
+                          <a:rPr lang="fr-FR" sz="1600" i="1">
+                            <a:latin typeface="Cambria Math" panose="02040503050406030204" pitchFamily="18" charset="0"/>
+                          </a:rPr>
+                        </m:ctrlPr>
+                      </m:accPr>
+                      <m:e>
+                        <m:sSub>
+                          <m:sSubPr>
+                            <m:ctrlPr>
+                              <a:rPr lang="fr-FR" sz="1600" b="0" i="1" smtClean="0">
+                                <a:latin typeface="Cambria Math" panose="02040503050406030204" pitchFamily="18" charset="0"/>
+                              </a:rPr>
+                            </m:ctrlPr>
+                          </m:sSubPr>
+                          <m:e>
+                            <m:r>
+                              <a:rPr lang="fr-FR" sz="1600" i="1">
+                                <a:latin typeface="Cambria Math" panose="02040503050406030204" pitchFamily="18" charset="0"/>
+                              </a:rPr>
+                              <m:t>𝑥</m:t>
+                            </m:r>
+                          </m:e>
+                          <m:sub>
+                            <m:r>
+                              <a:rPr lang="fr-FR" sz="1600" b="0" i="1" smtClean="0">
+                                <a:latin typeface="Cambria Math" panose="02040503050406030204" pitchFamily="18" charset="0"/>
+                              </a:rPr>
+                              <m:t>𝑀</m:t>
+                            </m:r>
+                          </m:sub>
+                        </m:sSub>
+                      </m:e>
+                    </m:acc>
+                  </m:oMath>
+                </a14:m>
+                <a:endParaRPr lang="fr-FR" sz="1600" b="0" dirty="0"/>
+              </a:p>
+              <a:p>
+                <a:pPr lvl="1"/>
+                <a14:m>
+                  <m:oMath xmlns:m="http://schemas.openxmlformats.org/officeDocument/2006/math">
+                    <m:sSub>
+                      <m:sSubPr>
+                        <m:ctrlPr>
+                          <a:rPr lang="fr-FR" sz="1600" b="0" i="1" smtClean="0">
+                            <a:latin typeface="Cambria Math" panose="02040503050406030204" pitchFamily="18" charset="0"/>
+                          </a:rPr>
+                        </m:ctrlPr>
+                      </m:sSubPr>
+                      <m:e>
+                        <m:r>
+                          <a:rPr lang="fr-FR" sz="1600" b="0" i="1" smtClean="0">
+                            <a:latin typeface="Cambria Math" panose="02040503050406030204" pitchFamily="18" charset="0"/>
+                          </a:rPr>
+                          <m:t>𝐴</m:t>
+                        </m:r>
+                      </m:e>
+                      <m:sub>
+                        <m:r>
+                          <a:rPr lang="fr-FR" sz="1600" b="0" i="1" smtClean="0">
+                            <a:latin typeface="Cambria Math" panose="02040503050406030204" pitchFamily="18" charset="0"/>
+                          </a:rPr>
+                          <m:t>𝐵𝐺</m:t>
+                        </m:r>
+                      </m:sub>
+                    </m:sSub>
+                    <m:sSub>
+                      <m:sSubPr>
+                        <m:ctrlPr>
+                          <a:rPr lang="fr-FR" sz="1600" i="1">
+                            <a:latin typeface="Cambria Math" panose="02040503050406030204" pitchFamily="18" charset="0"/>
+                          </a:rPr>
+                        </m:ctrlPr>
+                      </m:sSubPr>
+                      <m:e>
+                        <m:r>
+                          <a:rPr lang="fr-FR" sz="1600" i="1">
+                            <a:latin typeface="Cambria Math" panose="02040503050406030204" pitchFamily="18" charset="0"/>
+                          </a:rPr>
+                          <m:t>𝐴</m:t>
+                        </m:r>
+                      </m:e>
+                      <m:sub>
+                        <m:r>
+                          <a:rPr lang="fr-FR" sz="1600" i="1">
+                            <a:latin typeface="Cambria Math" panose="02040503050406030204" pitchFamily="18" charset="0"/>
+                          </a:rPr>
+                          <m:t>𝐻</m:t>
+                        </m:r>
+                        <m:r>
+                          <a:rPr lang="fr-FR" sz="1600" b="0" i="1" smtClean="0">
+                            <a:latin typeface="Cambria Math" panose="02040503050406030204" pitchFamily="18" charset="0"/>
+                          </a:rPr>
+                          <m:t>𝐺</m:t>
+                        </m:r>
+                      </m:sub>
+                    </m:sSub>
+                    <m:r>
+                      <a:rPr lang="fr-FR" sz="1600" b="0" i="1" smtClean="0">
+                        <a:latin typeface="Cambria Math" panose="02040503050406030204" pitchFamily="18" charset="0"/>
+                      </a:rPr>
+                      <m:t>=</m:t>
+                    </m:r>
+                    <m:sSub>
+                      <m:sSubPr>
+                        <m:ctrlPr>
+                          <a:rPr lang="fr-FR" sz="1600" b="0" i="1" smtClean="0">
+                            <a:latin typeface="Cambria Math" panose="02040503050406030204" pitchFamily="18" charset="0"/>
+                          </a:rPr>
+                        </m:ctrlPr>
+                      </m:sSubPr>
+                      <m:e>
+                        <m:r>
+                          <a:rPr lang="fr-FR" sz="1600" b="0" i="1" smtClean="0">
+                            <a:latin typeface="Cambria Math" panose="02040503050406030204" pitchFamily="18" charset="0"/>
+                          </a:rPr>
+                          <m:t>𝐻</m:t>
+                        </m:r>
+                      </m:e>
+                      <m:sub>
+                        <m:r>
+                          <a:rPr lang="fr-FR" sz="1600" b="0" i="1" smtClean="0">
+                            <a:latin typeface="Cambria Math" panose="02040503050406030204" pitchFamily="18" charset="0"/>
+                          </a:rPr>
+                          <m:t>𝑀</m:t>
+                        </m:r>
+                      </m:sub>
+                    </m:sSub>
+                    <m:acc>
+                      <m:accPr>
+                        <m:chr m:val="⃗"/>
+                        <m:ctrlPr>
+                          <a:rPr lang="fr-FR" sz="1600" i="1">
+                            <a:latin typeface="Cambria Math" panose="02040503050406030204" pitchFamily="18" charset="0"/>
+                          </a:rPr>
+                        </m:ctrlPr>
+                      </m:accPr>
+                      <m:e>
+                        <m:sSub>
+                          <m:sSubPr>
+                            <m:ctrlPr>
+                              <a:rPr lang="fr-FR" sz="1600" i="1">
+                                <a:latin typeface="Cambria Math" panose="02040503050406030204" pitchFamily="18" charset="0"/>
+                              </a:rPr>
+                            </m:ctrlPr>
+                          </m:sSubPr>
+                          <m:e>
+                            <m:r>
+                              <a:rPr lang="fr-FR" sz="1600" b="0" i="1" smtClean="0">
+                                <a:latin typeface="Cambria Math" panose="02040503050406030204" pitchFamily="18" charset="0"/>
+                              </a:rPr>
+                              <m:t>𝑦</m:t>
+                            </m:r>
+                          </m:e>
+                          <m:sub>
+                            <m:r>
+                              <a:rPr lang="fr-FR" sz="1600" i="1">
+                                <a:latin typeface="Cambria Math" panose="02040503050406030204" pitchFamily="18" charset="0"/>
+                              </a:rPr>
+                              <m:t>𝑀</m:t>
+                            </m:r>
+                          </m:sub>
+                        </m:sSub>
+                      </m:e>
+                    </m:acc>
+                  </m:oMath>
+                </a14:m>
+                <a:endParaRPr lang="fr-FR" sz="1600" dirty="0"/>
+              </a:p>
+              <a:p>
+                <a:endParaRPr lang="fr-FR" sz="1800" dirty="0"/>
+              </a:p>
+              <a:p>
+                <a:r>
+                  <a:rPr lang="fr-FR" sz="1800" dirty="0"/>
+                  <a:t>Le triangle </a:t>
+                </a:r>
+                <a14:m>
+                  <m:oMath xmlns:m="http://schemas.openxmlformats.org/officeDocument/2006/math">
+                    <m:r>
+                      <a:rPr lang="fr-FR" sz="1800" i="1" dirty="0" smtClean="0">
+                        <a:latin typeface="Cambria Math" panose="02040503050406030204" pitchFamily="18" charset="0"/>
+                      </a:rPr>
+                      <m:t>𝐴𝐵𝐶</m:t>
+                    </m:r>
+                  </m:oMath>
+                </a14:m>
+                <a:r>
+                  <a:rPr lang="fr-FR" sz="1800" dirty="0"/>
+                  <a:t> est rectangle en </a:t>
+                </a:r>
+                <a14:m>
+                  <m:oMath xmlns:m="http://schemas.openxmlformats.org/officeDocument/2006/math">
+                    <m:r>
+                      <a:rPr lang="fr-FR" sz="1800" i="1" dirty="0" smtClean="0">
+                        <a:latin typeface="Cambria Math" panose="02040503050406030204" pitchFamily="18" charset="0"/>
+                      </a:rPr>
+                      <m:t>𝐶</m:t>
+                    </m:r>
+                  </m:oMath>
+                </a14:m>
+                <a:r>
+                  <a:rPr lang="fr-FR" sz="1800" dirty="0"/>
+                  <a:t>. On a donc </a:t>
+                </a:r>
+                <a14:m>
+                  <m:oMath xmlns:m="http://schemas.openxmlformats.org/officeDocument/2006/math">
+                    <m:sSubSup>
+                      <m:sSubSupPr>
+                        <m:ctrlPr>
+                          <a:rPr lang="fr-FR" sz="1800" b="0" i="1" smtClean="0">
+                            <a:latin typeface="Cambria Math" panose="02040503050406030204" pitchFamily="18" charset="0"/>
+                          </a:rPr>
+                        </m:ctrlPr>
+                      </m:sSubSupPr>
+                      <m:e>
+                        <m:r>
+                          <a:rPr lang="fr-FR" sz="1800" b="0" i="1" smtClean="0">
+                            <a:latin typeface="Cambria Math" panose="02040503050406030204" pitchFamily="18" charset="0"/>
+                          </a:rPr>
+                          <m:t>𝐷</m:t>
+                        </m:r>
+                      </m:e>
+                      <m:sub>
+                        <m:r>
+                          <a:rPr lang="fr-FR" sz="1800" b="0" i="1" smtClean="0">
+                            <a:latin typeface="Cambria Math" panose="02040503050406030204" pitchFamily="18" charset="0"/>
+                          </a:rPr>
+                          <m:t>𝐻𝐷</m:t>
+                        </m:r>
+                      </m:sub>
+                      <m:sup>
+                        <m:r>
+                          <a:rPr lang="fr-FR" sz="1800" b="0" i="1" smtClean="0">
+                            <a:latin typeface="Cambria Math" panose="02040503050406030204" pitchFamily="18" charset="0"/>
+                          </a:rPr>
+                          <m:t>2</m:t>
+                        </m:r>
+                      </m:sup>
+                    </m:sSubSup>
+                    <m:r>
+                      <a:rPr lang="fr-FR" sz="1800" b="0" i="1" smtClean="0">
+                        <a:latin typeface="Cambria Math" panose="02040503050406030204" pitchFamily="18" charset="0"/>
+                      </a:rPr>
+                      <m:t>=</m:t>
+                    </m:r>
+                    <m:sSubSup>
+                      <m:sSubSupPr>
+                        <m:ctrlPr>
+                          <a:rPr lang="fr-FR" sz="1800" b="0" i="1" smtClean="0">
+                            <a:latin typeface="Cambria Math" panose="02040503050406030204" pitchFamily="18" charset="0"/>
+                          </a:rPr>
+                        </m:ctrlPr>
+                      </m:sSubSupPr>
+                      <m:e>
+                        <m:r>
+                          <a:rPr lang="fr-FR" sz="1800" b="0" i="1" smtClean="0">
+                            <a:latin typeface="Cambria Math" panose="02040503050406030204" pitchFamily="18" charset="0"/>
+                          </a:rPr>
+                          <m:t>𝐿</m:t>
+                        </m:r>
+                      </m:e>
+                      <m:sub>
+                        <m:r>
+                          <a:rPr lang="fr-FR" sz="1800" b="0" i="1" smtClean="0">
+                            <a:latin typeface="Cambria Math" panose="02040503050406030204" pitchFamily="18" charset="0"/>
+                          </a:rPr>
+                          <m:t>𝐻𝐷</m:t>
+                        </m:r>
+                      </m:sub>
+                      <m:sup>
+                        <m:r>
+                          <a:rPr lang="fr-FR" sz="1800" b="0" i="1" smtClean="0">
+                            <a:latin typeface="Cambria Math" panose="02040503050406030204" pitchFamily="18" charset="0"/>
+                          </a:rPr>
+                          <m:t>2</m:t>
+                        </m:r>
+                      </m:sup>
+                    </m:sSubSup>
+                    <m:r>
+                      <a:rPr lang="fr-FR" sz="1800" b="0" i="1" smtClean="0">
+                        <a:latin typeface="Cambria Math" panose="02040503050406030204" pitchFamily="18" charset="0"/>
+                      </a:rPr>
+                      <m:t>+</m:t>
+                    </m:r>
+                    <m:sSubSup>
+                      <m:sSubSupPr>
+                        <m:ctrlPr>
+                          <a:rPr lang="fr-FR" sz="1800" b="0" i="1" smtClean="0">
+                            <a:latin typeface="Cambria Math" panose="02040503050406030204" pitchFamily="18" charset="0"/>
+                          </a:rPr>
+                        </m:ctrlPr>
+                      </m:sSubSupPr>
+                      <m:e>
+                        <m:r>
+                          <a:rPr lang="fr-FR" sz="1800" b="0" i="1" smtClean="0">
+                            <a:latin typeface="Cambria Math" panose="02040503050406030204" pitchFamily="18" charset="0"/>
+                          </a:rPr>
+                          <m:t>𝑅</m:t>
+                        </m:r>
+                      </m:e>
+                      <m:sub>
+                        <m:r>
+                          <a:rPr lang="fr-FR" sz="1800" b="0" i="1" smtClean="0">
+                            <a:latin typeface="Cambria Math" panose="02040503050406030204" pitchFamily="18" charset="0"/>
+                          </a:rPr>
+                          <m:t>𝑃</m:t>
+                        </m:r>
+                      </m:sub>
+                      <m:sup>
+                        <m:r>
+                          <a:rPr lang="fr-FR" sz="1800" b="0" i="1" smtClean="0">
+                            <a:latin typeface="Cambria Math" panose="02040503050406030204" pitchFamily="18" charset="0"/>
+                          </a:rPr>
+                          <m:t>2</m:t>
+                        </m:r>
+                      </m:sup>
+                    </m:sSubSup>
+                  </m:oMath>
+                </a14:m>
+                <a:r>
+                  <a:rPr lang="fr-FR" sz="1800" dirty="0"/>
+                  <a:t>.</a:t>
+                </a:r>
+              </a:p>
+              <a:p>
+                <a14:m>
+                  <m:oMath xmlns:m="http://schemas.openxmlformats.org/officeDocument/2006/math">
+                    <m:acc>
+                      <m:accPr>
+                        <m:chr m:val="⃗"/>
+                        <m:ctrlPr>
+                          <a:rPr lang="fr-FR" sz="1800" i="1" smtClean="0">
+                            <a:latin typeface="Cambria Math" panose="02040503050406030204" pitchFamily="18" charset="0"/>
+                          </a:rPr>
+                        </m:ctrlPr>
+                      </m:accPr>
+                      <m:e>
+                        <m:r>
+                          <a:rPr lang="fr-FR" sz="1800" b="0" i="1" smtClean="0">
+                            <a:latin typeface="Cambria Math" panose="02040503050406030204" pitchFamily="18" charset="0"/>
+                          </a:rPr>
+                          <m:t>𝑂𝑀</m:t>
+                        </m:r>
+                      </m:e>
+                    </m:acc>
+                    <m:r>
+                      <a:rPr lang="fr-FR" sz="1800" b="0" i="1" smtClean="0">
+                        <a:latin typeface="Cambria Math" panose="02040503050406030204" pitchFamily="18" charset="0"/>
+                      </a:rPr>
+                      <m:t>=</m:t>
+                    </m:r>
+                    <m:sSub>
+                      <m:sSubPr>
+                        <m:ctrlPr>
+                          <a:rPr lang="fr-FR" sz="1800" b="0" i="1" smtClean="0">
+                            <a:latin typeface="Cambria Math" panose="02040503050406030204" pitchFamily="18" charset="0"/>
+                          </a:rPr>
+                        </m:ctrlPr>
+                      </m:sSubPr>
+                      <m:e>
+                        <m:r>
+                          <a:rPr lang="fr-FR" sz="1800" b="0" i="1" smtClean="0">
+                            <a:latin typeface="Cambria Math" panose="02040503050406030204" pitchFamily="18" charset="0"/>
+                          </a:rPr>
+                          <m:t>𝑋</m:t>
+                        </m:r>
+                      </m:e>
+                      <m:sub>
+                        <m:r>
+                          <a:rPr lang="fr-FR" sz="1800" b="0" i="1" smtClean="0">
+                            <a:latin typeface="Cambria Math" panose="02040503050406030204" pitchFamily="18" charset="0"/>
+                          </a:rPr>
+                          <m:t>𝑀</m:t>
+                        </m:r>
+                      </m:sub>
+                    </m:sSub>
+                    <m:acc>
+                      <m:accPr>
+                        <m:chr m:val="⃗"/>
+                        <m:ctrlPr>
+                          <a:rPr lang="fr-FR" sz="1800" i="1">
+                            <a:latin typeface="Cambria Math" panose="02040503050406030204" pitchFamily="18" charset="0"/>
+                          </a:rPr>
+                        </m:ctrlPr>
+                      </m:accPr>
+                      <m:e>
+                        <m:r>
+                          <a:rPr lang="fr-FR" sz="1800" b="0" i="1" smtClean="0">
+                            <a:latin typeface="Cambria Math" panose="02040503050406030204" pitchFamily="18" charset="0"/>
+                          </a:rPr>
+                          <m:t>𝑥</m:t>
+                        </m:r>
+                      </m:e>
+                    </m:acc>
+                    <m:r>
+                      <a:rPr lang="fr-FR" sz="1800" b="0" i="0" smtClean="0">
+                        <a:latin typeface="Cambria Math" panose="02040503050406030204" pitchFamily="18" charset="0"/>
+                      </a:rPr>
+                      <m:t>+</m:t>
+                    </m:r>
+                    <m:sSub>
+                      <m:sSubPr>
+                        <m:ctrlPr>
+                          <a:rPr lang="fr-FR" sz="1800" b="0" i="1" smtClean="0">
+                            <a:latin typeface="Cambria Math" panose="02040503050406030204" pitchFamily="18" charset="0"/>
+                          </a:rPr>
+                        </m:ctrlPr>
+                      </m:sSubPr>
+                      <m:e>
+                        <m:r>
+                          <a:rPr lang="fr-FR" sz="1800" b="0" i="1" smtClean="0">
+                            <a:latin typeface="Cambria Math" panose="02040503050406030204" pitchFamily="18" charset="0"/>
+                          </a:rPr>
+                          <m:t>𝑌</m:t>
+                        </m:r>
+                      </m:e>
+                      <m:sub>
+                        <m:r>
+                          <a:rPr lang="fr-FR" sz="1800" b="0" i="1" smtClean="0">
+                            <a:latin typeface="Cambria Math" panose="02040503050406030204" pitchFamily="18" charset="0"/>
+                          </a:rPr>
+                          <m:t>𝑀</m:t>
+                        </m:r>
+                      </m:sub>
+                    </m:sSub>
+                    <m:acc>
+                      <m:accPr>
+                        <m:chr m:val="⃗"/>
+                        <m:ctrlPr>
+                          <a:rPr lang="fr-FR" sz="1800" i="1">
+                            <a:latin typeface="Cambria Math" panose="02040503050406030204" pitchFamily="18" charset="0"/>
+                          </a:rPr>
+                        </m:ctrlPr>
+                      </m:accPr>
+                      <m:e>
+                        <m:r>
+                          <a:rPr lang="fr-FR" sz="1800" b="0" i="1" smtClean="0">
+                            <a:latin typeface="Cambria Math" panose="02040503050406030204" pitchFamily="18" charset="0"/>
+                          </a:rPr>
+                          <m:t>𝑦</m:t>
+                        </m:r>
+                      </m:e>
+                    </m:acc>
+                  </m:oMath>
+                </a14:m>
+                <a:endParaRPr lang="fr-FR" sz="1800" dirty="0"/>
+              </a:p>
+              <a:p>
+                <a14:m>
+                  <m:oMath xmlns:m="http://schemas.openxmlformats.org/officeDocument/2006/math">
+                    <m:acc>
+                      <m:accPr>
+                        <m:chr m:val="⃗"/>
+                        <m:ctrlPr>
+                          <a:rPr lang="fr-FR" sz="1800" i="1" smtClean="0">
+                            <a:latin typeface="Cambria Math" panose="02040503050406030204" pitchFamily="18" charset="0"/>
+                          </a:rPr>
+                        </m:ctrlPr>
+                      </m:accPr>
+                      <m:e>
+                        <m:r>
+                          <a:rPr lang="fr-FR" sz="1800" b="0" i="1" smtClean="0">
+                            <a:latin typeface="Cambria Math" panose="02040503050406030204" pitchFamily="18" charset="0"/>
+                          </a:rPr>
+                          <m:t>𝑂</m:t>
+                        </m:r>
+                        <m:sSub>
+                          <m:sSubPr>
+                            <m:ctrlPr>
+                              <a:rPr lang="fr-FR" sz="1800" b="0" i="1" smtClean="0">
+                                <a:latin typeface="Cambria Math" panose="02040503050406030204" pitchFamily="18" charset="0"/>
+                              </a:rPr>
+                            </m:ctrlPr>
+                          </m:sSubPr>
+                          <m:e>
+                            <m:r>
+                              <a:rPr lang="fr-FR" sz="1800" b="0" i="1" smtClean="0">
+                                <a:latin typeface="Cambria Math" panose="02040503050406030204" pitchFamily="18" charset="0"/>
+                              </a:rPr>
+                              <m:t>𝐵</m:t>
+                            </m:r>
+                          </m:e>
+                          <m:sub>
+                            <m:r>
+                              <a:rPr lang="fr-FR" sz="1800" b="0" i="1" smtClean="0">
+                                <a:latin typeface="Cambria Math" panose="02040503050406030204" pitchFamily="18" charset="0"/>
+                              </a:rPr>
+                              <m:t>𝐻𝐷</m:t>
+                            </m:r>
+                          </m:sub>
+                        </m:sSub>
+                      </m:e>
+                    </m:acc>
+                    <m:r>
+                      <a:rPr lang="fr-FR" sz="1800" b="0" i="1" smtClean="0">
+                        <a:latin typeface="Cambria Math" panose="02040503050406030204" pitchFamily="18" charset="0"/>
+                      </a:rPr>
+                      <m:t>=</m:t>
+                    </m:r>
+                    <m:sSub>
+                      <m:sSubPr>
+                        <m:ctrlPr>
+                          <a:rPr lang="fr-FR" sz="1800" b="0" i="1" smtClean="0">
+                            <a:latin typeface="Cambria Math" panose="02040503050406030204" pitchFamily="18" charset="0"/>
+                          </a:rPr>
+                        </m:ctrlPr>
+                      </m:sSubPr>
+                      <m:e>
+                        <m:r>
+                          <a:rPr lang="fr-FR" sz="1800" b="0" i="1" smtClean="0">
+                            <a:latin typeface="Cambria Math" panose="02040503050406030204" pitchFamily="18" charset="0"/>
+                          </a:rPr>
+                          <m:t>𝑋</m:t>
+                        </m:r>
+                      </m:e>
+                      <m:sub>
+                        <m:r>
+                          <a:rPr lang="fr-FR" sz="1800" b="0" i="1" smtClean="0">
+                            <a:latin typeface="Cambria Math" panose="02040503050406030204" pitchFamily="18" charset="0"/>
+                          </a:rPr>
+                          <m:t>𝐻𝐷</m:t>
+                        </m:r>
+                      </m:sub>
+                    </m:sSub>
+                    <m:acc>
+                      <m:accPr>
+                        <m:chr m:val="⃗"/>
+                        <m:ctrlPr>
+                          <a:rPr lang="fr-FR" sz="1800" i="1">
+                            <a:latin typeface="Cambria Math" panose="02040503050406030204" pitchFamily="18" charset="0"/>
+                          </a:rPr>
+                        </m:ctrlPr>
+                      </m:accPr>
+                      <m:e>
+                        <m:r>
+                          <a:rPr lang="fr-FR" sz="1800" b="0" i="1" smtClean="0">
+                            <a:latin typeface="Cambria Math" panose="02040503050406030204" pitchFamily="18" charset="0"/>
+                          </a:rPr>
+                          <m:t>𝑥</m:t>
+                        </m:r>
+                      </m:e>
+                    </m:acc>
+                    <m:r>
+                      <a:rPr lang="fr-FR" sz="1800" b="0" i="0" smtClean="0">
+                        <a:latin typeface="Cambria Math" panose="02040503050406030204" pitchFamily="18" charset="0"/>
+                      </a:rPr>
+                      <m:t>+</m:t>
+                    </m:r>
+                    <m:sSub>
+                      <m:sSubPr>
+                        <m:ctrlPr>
+                          <a:rPr lang="fr-FR" sz="1800" b="0" i="1" smtClean="0">
+                            <a:latin typeface="Cambria Math" panose="02040503050406030204" pitchFamily="18" charset="0"/>
+                          </a:rPr>
+                        </m:ctrlPr>
+                      </m:sSubPr>
+                      <m:e>
+                        <m:r>
+                          <a:rPr lang="fr-FR" sz="1800" b="0" i="1" smtClean="0">
+                            <a:latin typeface="Cambria Math" panose="02040503050406030204" pitchFamily="18" charset="0"/>
+                          </a:rPr>
+                          <m:t>𝑌</m:t>
+                        </m:r>
+                      </m:e>
+                      <m:sub>
+                        <m:r>
+                          <a:rPr lang="fr-FR" sz="1800" b="0" i="1" smtClean="0">
+                            <a:latin typeface="Cambria Math" panose="02040503050406030204" pitchFamily="18" charset="0"/>
+                          </a:rPr>
+                          <m:t>𝐻𝐷</m:t>
+                        </m:r>
+                      </m:sub>
+                    </m:sSub>
+                    <m:acc>
+                      <m:accPr>
+                        <m:chr m:val="⃗"/>
+                        <m:ctrlPr>
+                          <a:rPr lang="fr-FR" sz="1800" i="1">
+                            <a:latin typeface="Cambria Math" panose="02040503050406030204" pitchFamily="18" charset="0"/>
+                          </a:rPr>
+                        </m:ctrlPr>
+                      </m:accPr>
+                      <m:e>
+                        <m:r>
+                          <a:rPr lang="fr-FR" sz="1800" b="0" i="1" smtClean="0">
+                            <a:latin typeface="Cambria Math" panose="02040503050406030204" pitchFamily="18" charset="0"/>
+                          </a:rPr>
+                          <m:t>𝑦</m:t>
+                        </m:r>
+                      </m:e>
+                    </m:acc>
+                  </m:oMath>
+                </a14:m>
+                <a:endParaRPr lang="fr-FR" sz="1800" dirty="0"/>
+              </a:p>
+              <a:p>
+                <a:endParaRPr lang="fr-FR" sz="1800" dirty="0"/>
+              </a:p>
+            </p:txBody>
+          </p:sp>
+        </mc:Choice>
+        <mc:Fallback xmlns="">
+          <p:sp>
+            <p:nvSpPr>
+              <p:cNvPr id="3" name="Espace réservé du contenu 2">
+                <a:extLst>
+                  <a:ext uri="{FF2B5EF4-FFF2-40B4-BE49-F238E27FC236}">
+                    <a16:creationId xmlns:a16="http://schemas.microsoft.com/office/drawing/2014/main" id="{F1033314-DAEF-3C58-6EAF-654339C65576}"/>
+                  </a:ext>
+                </a:extLst>
+              </p:cNvPr>
+              <p:cNvSpPr>
+                <a:spLocks noGrp="1" noRot="1" noChangeAspect="1" noMove="1" noResize="1" noEditPoints="1" noAdjustHandles="1" noChangeArrowheads="1" noChangeShapeType="1" noTextEdit="1"/>
+              </p:cNvSpPr>
+              <p:nvPr>
+                <p:ph idx="1"/>
+              </p:nvPr>
+            </p:nvSpPr>
+            <p:spPr>
+              <a:xfrm>
+                <a:off x="3224487" y="226621"/>
+                <a:ext cx="3283191" cy="4796556"/>
+              </a:xfrm>
+              <a:blipFill>
+                <a:blip r:embed="rId3"/>
+                <a:stretch>
+                  <a:fillRect l="-1299" t="-1144"/>
+                </a:stretch>
+              </a:blipFill>
+            </p:spPr>
+            <p:txBody>
+              <a:bodyPr/>
+              <a:lstStyle/>
+              <a:p>
+                <a:r>
+                  <a:rPr lang="fr-FR">
+                    <a:noFill/>
+                  </a:rPr>
+                  <a:t> </a:t>
+                </a:r>
+              </a:p>
+            </p:txBody>
+          </p:sp>
+        </mc:Fallback>
+      </mc:AlternateContent>
+      <mc:AlternateContent xmlns:mc="http://schemas.openxmlformats.org/markup-compatibility/2006" xmlns:a14="http://schemas.microsoft.com/office/drawing/2010/main">
+        <mc:Choice Requires="a14">
+          <p:sp>
+            <p:nvSpPr>
+              <p:cNvPr id="5" name="Espace réservé du contenu 2">
+                <a:extLst>
+                  <a:ext uri="{FF2B5EF4-FFF2-40B4-BE49-F238E27FC236}">
+                    <a16:creationId xmlns:a16="http://schemas.microsoft.com/office/drawing/2014/main" id="{6214CE3E-F031-C1D2-C208-F4DAC56D267A}"/>
+                  </a:ext>
+                </a:extLst>
+              </p:cNvPr>
+              <p:cNvSpPr txBox="1">
+                <a:spLocks/>
+              </p:cNvSpPr>
+              <p:nvPr/>
+            </p:nvSpPr>
+            <p:spPr>
+              <a:xfrm>
+                <a:off x="6305797" y="250371"/>
+                <a:ext cx="5789195" cy="6031676"/>
+              </a:xfrm>
+              <a:prstGeom prst="rect">
+                <a:avLst/>
+              </a:prstGeom>
+              <a:ln>
+                <a:noFill/>
+              </a:ln>
+            </p:spPr>
+            <p:txBody>
+              <a:bodyPr vert="horz" lIns="91440" tIns="45720" rIns="91440" bIns="45720" rtlCol="0">
+                <a:normAutofit fontScale="92500" lnSpcReduction="10000"/>
+              </a:bodyPr>
+              <a:lstStyle>
+                <a:lvl1pPr marL="228600" indent="-228600" algn="l" defTabSz="914400" rtl="0" eaLnBrk="1" latinLnBrk="0" hangingPunct="1">
+                  <a:lnSpc>
+                    <a:spcPct val="90000"/>
+                  </a:lnSpc>
+                  <a:spcBef>
+                    <a:spcPts val="1000"/>
+                  </a:spcBef>
+                  <a:buFont typeface="Arial" panose="020B0604020202020204" pitchFamily="34" charset="0"/>
+                  <a:buChar char="•"/>
+                  <a:defRPr sz="2800" kern="1200">
+                    <a:solidFill>
+                      <a:schemeClr val="tx1"/>
+                    </a:solidFill>
+                    <a:latin typeface="+mn-lt"/>
+                    <a:ea typeface="+mn-ea"/>
+                    <a:cs typeface="+mn-cs"/>
+                  </a:defRPr>
+                </a:lvl1pPr>
+                <a:lvl2pPr marL="685800" indent="-228600" algn="l" defTabSz="914400" rtl="0" eaLnBrk="1" latinLnBrk="0" hangingPunct="1">
+                  <a:lnSpc>
+                    <a:spcPct val="90000"/>
+                  </a:lnSpc>
+                  <a:spcBef>
+                    <a:spcPts val="500"/>
+                  </a:spcBef>
+                  <a:buFont typeface="Arial" panose="020B0604020202020204" pitchFamily="34" charset="0"/>
+                  <a:buChar char="•"/>
+                  <a:defRPr sz="2400" kern="1200">
+                    <a:solidFill>
+                      <a:schemeClr val="tx1"/>
+                    </a:solidFill>
+                    <a:latin typeface="+mn-lt"/>
+                    <a:ea typeface="+mn-ea"/>
+                    <a:cs typeface="+mn-cs"/>
+                  </a:defRPr>
+                </a:lvl2pPr>
+                <a:lvl3pPr marL="1143000" indent="-228600" algn="l" defTabSz="914400" rtl="0" eaLnBrk="1" latinLnBrk="0" hangingPunct="1">
+                  <a:lnSpc>
+                    <a:spcPct val="90000"/>
+                  </a:lnSpc>
+                  <a:spcBef>
+                    <a:spcPts val="500"/>
+                  </a:spcBef>
+                  <a:buFont typeface="Arial" panose="020B0604020202020204" pitchFamily="34" charset="0"/>
+                  <a:buChar char="•"/>
+                  <a:defRPr sz="2000" kern="1200">
+                    <a:solidFill>
+                      <a:schemeClr val="tx1"/>
+                    </a:solidFill>
+                    <a:latin typeface="+mn-lt"/>
+                    <a:ea typeface="+mn-ea"/>
+                    <a:cs typeface="+mn-cs"/>
+                  </a:defRPr>
+                </a:lvl3pPr>
+                <a:lvl4pPr marL="1600200" indent="-228600" algn="l" defTabSz="914400" rtl="0" eaLnBrk="1" latinLnBrk="0" hangingPunct="1">
+                  <a:lnSpc>
+                    <a:spcPct val="90000"/>
+                  </a:lnSpc>
+                  <a:spcBef>
+                    <a:spcPts val="500"/>
+                  </a:spcBef>
+                  <a:buFont typeface="Arial" panose="020B0604020202020204" pitchFamily="34" charset="0"/>
+                  <a:buChar char="•"/>
+                  <a:defRPr sz="1800" kern="1200">
+                    <a:solidFill>
+                      <a:schemeClr val="tx1"/>
+                    </a:solidFill>
+                    <a:latin typeface="+mn-lt"/>
+                    <a:ea typeface="+mn-ea"/>
+                    <a:cs typeface="+mn-cs"/>
+                  </a:defRPr>
+                </a:lvl4pPr>
+                <a:lvl5pPr marL="2057400" indent="-228600" algn="l" defTabSz="914400" rtl="0" eaLnBrk="1" latinLnBrk="0" hangingPunct="1">
+                  <a:lnSpc>
+                    <a:spcPct val="90000"/>
+                  </a:lnSpc>
+                  <a:spcBef>
+                    <a:spcPts val="500"/>
+                  </a:spcBef>
+                  <a:buFont typeface="Arial" panose="020B0604020202020204" pitchFamily="34" charset="0"/>
+                  <a:buChar char="•"/>
+                  <a:defRPr sz="1800" kern="1200">
+                    <a:solidFill>
+                      <a:schemeClr val="tx1"/>
+                    </a:solidFill>
+                    <a:latin typeface="+mn-lt"/>
+                    <a:ea typeface="+mn-ea"/>
+                    <a:cs typeface="+mn-cs"/>
+                  </a:defRPr>
+                </a:lvl5pPr>
+                <a:lvl6pPr marL="2514600" indent="-228600" algn="l" defTabSz="914400" rtl="0" eaLnBrk="1" latinLnBrk="0" hangingPunct="1">
+                  <a:lnSpc>
+                    <a:spcPct val="90000"/>
+                  </a:lnSpc>
+                  <a:spcBef>
+                    <a:spcPts val="500"/>
+                  </a:spcBef>
+                  <a:buFont typeface="Arial" panose="020B0604020202020204" pitchFamily="34" charset="0"/>
+                  <a:buChar char="•"/>
+                  <a:defRPr sz="1800" kern="1200">
+                    <a:solidFill>
+                      <a:schemeClr val="tx1"/>
+                    </a:solidFill>
+                    <a:latin typeface="+mn-lt"/>
+                    <a:ea typeface="+mn-ea"/>
+                    <a:cs typeface="+mn-cs"/>
+                  </a:defRPr>
+                </a:lvl6pPr>
+                <a:lvl7pPr marL="2971800" indent="-228600" algn="l" defTabSz="914400" rtl="0" eaLnBrk="1" latinLnBrk="0" hangingPunct="1">
+                  <a:lnSpc>
+                    <a:spcPct val="90000"/>
+                  </a:lnSpc>
+                  <a:spcBef>
+                    <a:spcPts val="500"/>
+                  </a:spcBef>
+                  <a:buFont typeface="Arial" panose="020B0604020202020204" pitchFamily="34" charset="0"/>
+                  <a:buChar char="•"/>
+                  <a:defRPr sz="1800" kern="1200">
+                    <a:solidFill>
+                      <a:schemeClr val="tx1"/>
+                    </a:solidFill>
+                    <a:latin typeface="+mn-lt"/>
+                    <a:ea typeface="+mn-ea"/>
+                    <a:cs typeface="+mn-cs"/>
+                  </a:defRPr>
+                </a:lvl7pPr>
+                <a:lvl8pPr marL="3429000" indent="-228600" algn="l" defTabSz="914400" rtl="0" eaLnBrk="1" latinLnBrk="0" hangingPunct="1">
+                  <a:lnSpc>
+                    <a:spcPct val="90000"/>
+                  </a:lnSpc>
+                  <a:spcBef>
+                    <a:spcPts val="500"/>
+                  </a:spcBef>
+                  <a:buFont typeface="Arial" panose="020B0604020202020204" pitchFamily="34" charset="0"/>
+                  <a:buChar char="•"/>
+                  <a:defRPr sz="1800" kern="1200">
+                    <a:solidFill>
+                      <a:schemeClr val="tx1"/>
+                    </a:solidFill>
+                    <a:latin typeface="+mn-lt"/>
+                    <a:ea typeface="+mn-ea"/>
+                    <a:cs typeface="+mn-cs"/>
+                  </a:defRPr>
+                </a:lvl8pPr>
+                <a:lvl9pPr marL="3886200" indent="-228600" algn="l" defTabSz="914400" rtl="0" eaLnBrk="1" latinLnBrk="0" hangingPunct="1">
+                  <a:lnSpc>
+                    <a:spcPct val="90000"/>
+                  </a:lnSpc>
+                  <a:spcBef>
+                    <a:spcPts val="500"/>
+                  </a:spcBef>
+                  <a:buFont typeface="Arial" panose="020B0604020202020204" pitchFamily="34" charset="0"/>
+                  <a:buChar char="•"/>
+                  <a:defRPr sz="1800" kern="1200">
+                    <a:solidFill>
+                      <a:schemeClr val="tx1"/>
+                    </a:solidFill>
+                    <a:latin typeface="+mn-lt"/>
+                    <a:ea typeface="+mn-ea"/>
+                    <a:cs typeface="+mn-cs"/>
+                  </a:defRPr>
+                </a:lvl9pPr>
+              </a:lstStyle>
+              <a:p>
+                <a:r>
+                  <a:rPr lang="fr-FR" sz="2000" dirty="0"/>
+                  <a:t>On a</a:t>
+                </a:r>
+              </a:p>
+              <a:p>
+                <a:pPr lvl="1"/>
+                <a:endParaRPr lang="fr-FR" sz="1600" strike="sngStrike" dirty="0"/>
+              </a:p>
+              <a:p>
+                <a:pPr lvl="1"/>
+                <a14:m>
+                  <m:oMath xmlns:m="http://schemas.openxmlformats.org/officeDocument/2006/math">
+                    <m:acc>
+                      <m:accPr>
+                        <m:chr m:val="⃗"/>
+                        <m:ctrlPr>
+                          <a:rPr lang="fr-FR" sz="1600" i="1" strike="sngStrike" smtClean="0">
+                            <a:solidFill>
+                              <a:schemeClr val="accent1"/>
+                            </a:solidFill>
+                            <a:latin typeface="Cambria Math" panose="02040503050406030204" pitchFamily="18" charset="0"/>
+                          </a:rPr>
+                        </m:ctrlPr>
+                      </m:accPr>
+                      <m:e>
+                        <m:r>
+                          <a:rPr lang="fr-FR" sz="1600" b="0" i="1" strike="sngStrike" smtClean="0">
+                            <a:solidFill>
+                              <a:schemeClr val="accent1"/>
+                            </a:solidFill>
+                            <a:latin typeface="Cambria Math" panose="02040503050406030204" pitchFamily="18" charset="0"/>
+                          </a:rPr>
+                          <m:t>𝑂</m:t>
+                        </m:r>
+                        <m:r>
+                          <a:rPr lang="fr-FR" sz="1600" i="1" strike="sngStrike" smtClean="0">
+                            <a:solidFill>
+                              <a:schemeClr val="accent1"/>
+                            </a:solidFill>
+                            <a:latin typeface="Cambria Math" panose="02040503050406030204" pitchFamily="18" charset="0"/>
+                          </a:rPr>
+                          <m:t>𝑀</m:t>
+                        </m:r>
+                      </m:e>
+                    </m:acc>
+                  </m:oMath>
+                </a14:m>
+                <a:r>
+                  <a:rPr lang="fr-FR" sz="1600" strike="sngStrike" dirty="0">
+                    <a:solidFill>
+                      <a:schemeClr val="accent1"/>
+                    </a:solidFill>
+                  </a:rPr>
+                  <a:t> = </a:t>
+                </a:r>
+                <a14:m>
+                  <m:oMath xmlns:m="http://schemas.openxmlformats.org/officeDocument/2006/math">
+                    <m:acc>
+                      <m:accPr>
+                        <m:chr m:val="⃗"/>
+                        <m:ctrlPr>
+                          <a:rPr lang="fr-FR" sz="1600" i="1" strike="sngStrike">
+                            <a:solidFill>
+                              <a:schemeClr val="accent1"/>
+                            </a:solidFill>
+                            <a:latin typeface="Cambria Math" panose="02040503050406030204" pitchFamily="18" charset="0"/>
+                          </a:rPr>
+                        </m:ctrlPr>
+                      </m:accPr>
+                      <m:e>
+                        <m:r>
+                          <a:rPr lang="fr-FR" sz="1600" i="1" strike="sngStrike">
+                            <a:solidFill>
+                              <a:schemeClr val="accent1"/>
+                            </a:solidFill>
+                            <a:latin typeface="Cambria Math" panose="02040503050406030204" pitchFamily="18" charset="0"/>
+                          </a:rPr>
+                          <m:t>𝑂</m:t>
+                        </m:r>
+                        <m:sSub>
+                          <m:sSubPr>
+                            <m:ctrlPr>
+                              <a:rPr lang="fr-FR" sz="1600" b="0" i="1" strike="sngStrike" smtClean="0">
+                                <a:solidFill>
+                                  <a:schemeClr val="accent1"/>
+                                </a:solidFill>
+                                <a:latin typeface="Cambria Math" panose="02040503050406030204" pitchFamily="18" charset="0"/>
+                              </a:rPr>
+                            </m:ctrlPr>
+                          </m:sSubPr>
+                          <m:e>
+                            <m:r>
+                              <a:rPr lang="fr-FR" sz="1600" b="0" i="1" strike="sngStrike" smtClean="0">
+                                <a:solidFill>
+                                  <a:schemeClr val="accent1"/>
+                                </a:solidFill>
+                                <a:latin typeface="Cambria Math" panose="02040503050406030204" pitchFamily="18" charset="0"/>
+                              </a:rPr>
+                              <m:t>𝐵</m:t>
+                            </m:r>
+                          </m:e>
+                          <m:sub>
+                            <m:r>
+                              <a:rPr lang="fr-FR" sz="1600" b="0" i="1" strike="sngStrike" smtClean="0">
+                                <a:solidFill>
+                                  <a:schemeClr val="accent1"/>
+                                </a:solidFill>
+                                <a:latin typeface="Cambria Math" panose="02040503050406030204" pitchFamily="18" charset="0"/>
+                              </a:rPr>
+                              <m:t>𝐻𝐷</m:t>
+                            </m:r>
+                          </m:sub>
+                        </m:sSub>
+                      </m:e>
+                    </m:acc>
+                    <m:r>
+                      <a:rPr lang="fr-FR" sz="1600" b="0" i="1" strike="sngStrike" smtClean="0">
+                        <a:latin typeface="Cambria Math" panose="02040503050406030204" pitchFamily="18" charset="0"/>
+                      </a:rPr>
+                      <m:t>+</m:t>
+                    </m:r>
+                    <m:acc>
+                      <m:accPr>
+                        <m:chr m:val="⃗"/>
+                        <m:ctrlPr>
+                          <a:rPr lang="fr-FR" sz="1600" i="1" strike="sngStrike">
+                            <a:latin typeface="Cambria Math" panose="02040503050406030204" pitchFamily="18" charset="0"/>
+                          </a:rPr>
+                        </m:ctrlPr>
+                      </m:accPr>
+                      <m:e>
+                        <m:sSub>
+                          <m:sSubPr>
+                            <m:ctrlPr>
+                              <a:rPr lang="fr-FR" sz="1600" i="1" strike="sngStrike">
+                                <a:latin typeface="Cambria Math" panose="02040503050406030204" pitchFamily="18" charset="0"/>
+                              </a:rPr>
+                            </m:ctrlPr>
+                          </m:sSubPr>
+                          <m:e>
+                            <m:sSub>
+                              <m:sSubPr>
+                                <m:ctrlPr>
+                                  <a:rPr lang="fr-FR" sz="1600" i="1" strike="sngStrike">
+                                    <a:latin typeface="Cambria Math" panose="02040503050406030204" pitchFamily="18" charset="0"/>
+                                  </a:rPr>
+                                </m:ctrlPr>
+                              </m:sSubPr>
+                              <m:e>
+                                <m:r>
+                                  <a:rPr lang="fr-FR" sz="1600" b="0" i="1" strike="sngStrike" smtClean="0">
+                                    <a:latin typeface="Cambria Math" panose="02040503050406030204" pitchFamily="18" charset="0"/>
+                                  </a:rPr>
+                                  <m:t>𝐵</m:t>
+                                </m:r>
+                              </m:e>
+                              <m:sub>
+                                <m:r>
+                                  <a:rPr lang="fr-FR" sz="1600" i="1" strike="sngStrike">
+                                    <a:latin typeface="Cambria Math" panose="02040503050406030204" pitchFamily="18" charset="0"/>
+                                  </a:rPr>
+                                  <m:t>𝐻𝐷</m:t>
+                                </m:r>
+                              </m:sub>
+                            </m:sSub>
+                            <m:r>
+                              <a:rPr lang="fr-FR" sz="1600" i="1" strike="sngStrike">
+                                <a:latin typeface="Cambria Math" panose="02040503050406030204" pitchFamily="18" charset="0"/>
+                              </a:rPr>
+                              <m:t>𝐴</m:t>
+                            </m:r>
+                          </m:e>
+                          <m:sub>
+                            <m:r>
+                              <a:rPr lang="fr-FR" sz="1600" i="1" strike="sngStrike">
+                                <a:latin typeface="Cambria Math" panose="02040503050406030204" pitchFamily="18" charset="0"/>
+                              </a:rPr>
+                              <m:t>𝐻𝐷</m:t>
+                            </m:r>
+                          </m:sub>
+                        </m:sSub>
+                      </m:e>
+                    </m:acc>
+                  </m:oMath>
+                </a14:m>
+                <a:r>
+                  <a:rPr lang="fr-FR" sz="1600" strike="sngStrike" dirty="0"/>
+                  <a:t> </a:t>
+                </a:r>
+                <a14:m>
+                  <m:oMath xmlns:m="http://schemas.openxmlformats.org/officeDocument/2006/math">
+                    <m:r>
+                      <a:rPr lang="fr-FR" sz="1600" i="1" strike="sngStrike">
+                        <a:latin typeface="Cambria Math" panose="02040503050406030204" pitchFamily="18" charset="0"/>
+                      </a:rPr>
+                      <m:t>+</m:t>
+                    </m:r>
+                    <m:acc>
+                      <m:accPr>
+                        <m:chr m:val="⃗"/>
+                        <m:ctrlPr>
+                          <a:rPr lang="fr-FR" sz="1600" i="1" strike="sngStrike" smtClean="0">
+                            <a:solidFill>
+                              <a:schemeClr val="accent1"/>
+                            </a:solidFill>
+                            <a:latin typeface="Cambria Math" panose="02040503050406030204" pitchFamily="18" charset="0"/>
+                          </a:rPr>
+                        </m:ctrlPr>
+                      </m:accPr>
+                      <m:e>
+                        <m:sSub>
+                          <m:sSubPr>
+                            <m:ctrlPr>
+                              <a:rPr lang="fr-FR" sz="1600" i="1" strike="sngStrike">
+                                <a:solidFill>
+                                  <a:schemeClr val="accent1"/>
+                                </a:solidFill>
+                                <a:latin typeface="Cambria Math" panose="02040503050406030204" pitchFamily="18" charset="0"/>
+                              </a:rPr>
+                            </m:ctrlPr>
+                          </m:sSubPr>
+                          <m:e>
+                            <m:r>
+                              <a:rPr lang="fr-FR" sz="1600" i="1" strike="sngStrike">
+                                <a:solidFill>
+                                  <a:schemeClr val="accent1"/>
+                                </a:solidFill>
+                                <a:latin typeface="Cambria Math" panose="02040503050406030204" pitchFamily="18" charset="0"/>
+                              </a:rPr>
+                              <m:t>𝐴</m:t>
+                            </m:r>
+                          </m:e>
+                          <m:sub>
+                            <m:r>
+                              <a:rPr lang="fr-FR" sz="1600" i="1" strike="sngStrike">
+                                <a:solidFill>
+                                  <a:schemeClr val="accent1"/>
+                                </a:solidFill>
+                                <a:latin typeface="Cambria Math" panose="02040503050406030204" pitchFamily="18" charset="0"/>
+                              </a:rPr>
+                              <m:t>𝐻𝐷</m:t>
+                            </m:r>
+                          </m:sub>
+                        </m:sSub>
+                        <m:r>
+                          <a:rPr lang="fr-FR" sz="1600" b="0" i="1" strike="sngStrike" smtClean="0">
+                            <a:solidFill>
+                              <a:schemeClr val="accent1"/>
+                            </a:solidFill>
+                            <a:latin typeface="Cambria Math" panose="02040503050406030204" pitchFamily="18" charset="0"/>
+                          </a:rPr>
+                          <m:t>𝑀</m:t>
+                        </m:r>
+                      </m:e>
+                    </m:acc>
+                  </m:oMath>
+                </a14:m>
+                <a:endParaRPr lang="fr-FR" sz="1600" strike="sngStrike" dirty="0">
+                  <a:solidFill>
+                    <a:schemeClr val="accent1"/>
+                  </a:solidFill>
+                </a:endParaRPr>
+              </a:p>
+              <a:p>
+                <a:pPr lvl="1"/>
+                <a:endParaRPr lang="fr-FR" sz="1600" dirty="0"/>
+              </a:p>
+              <a:p>
+                <a:pPr lvl="1"/>
+                <a14:m>
+                  <m:oMath xmlns:m="http://schemas.openxmlformats.org/officeDocument/2006/math">
+                    <m:acc>
+                      <m:accPr>
+                        <m:chr m:val="⃗"/>
+                        <m:ctrlPr>
+                          <a:rPr lang="fr-FR" sz="1600" i="1" smtClean="0">
+                            <a:latin typeface="Cambria Math" panose="02040503050406030204" pitchFamily="18" charset="0"/>
+                          </a:rPr>
+                        </m:ctrlPr>
+                      </m:accPr>
+                      <m:e>
+                        <m:sSub>
+                          <m:sSubPr>
+                            <m:ctrlPr>
+                              <a:rPr lang="fr-FR" sz="1600" i="1">
+                                <a:latin typeface="Cambria Math" panose="02040503050406030204" pitchFamily="18" charset="0"/>
+                              </a:rPr>
+                            </m:ctrlPr>
+                          </m:sSubPr>
+                          <m:e>
+                            <m:sSub>
+                              <m:sSubPr>
+                                <m:ctrlPr>
+                                  <a:rPr lang="fr-FR" sz="1600" i="1">
+                                    <a:latin typeface="Cambria Math" panose="02040503050406030204" pitchFamily="18" charset="0"/>
+                                  </a:rPr>
+                                </m:ctrlPr>
+                              </m:sSubPr>
+                              <m:e>
+                                <m:r>
+                                  <a:rPr lang="fr-FR" sz="1600" b="0" i="1" smtClean="0">
+                                    <a:latin typeface="Cambria Math" panose="02040503050406030204" pitchFamily="18" charset="0"/>
+                                  </a:rPr>
+                                  <m:t>𝐴</m:t>
+                                </m:r>
+                              </m:e>
+                              <m:sub>
+                                <m:r>
+                                  <a:rPr lang="fr-FR" sz="1600" i="1">
+                                    <a:latin typeface="Cambria Math" panose="02040503050406030204" pitchFamily="18" charset="0"/>
+                                  </a:rPr>
+                                  <m:t>𝐻𝐷</m:t>
+                                </m:r>
+                              </m:sub>
+                            </m:sSub>
+                            <m:r>
+                              <a:rPr lang="fr-FR" sz="1600" b="0" i="1" smtClean="0">
+                                <a:latin typeface="Cambria Math" panose="02040503050406030204" pitchFamily="18" charset="0"/>
+                              </a:rPr>
+                              <m:t>𝐵</m:t>
+                            </m:r>
+                          </m:e>
+                          <m:sub>
+                            <m:r>
+                              <a:rPr lang="fr-FR" sz="1600" i="1">
+                                <a:latin typeface="Cambria Math" panose="02040503050406030204" pitchFamily="18" charset="0"/>
+                              </a:rPr>
+                              <m:t>𝐻𝐷</m:t>
+                            </m:r>
+                          </m:sub>
+                        </m:sSub>
+                      </m:e>
+                    </m:acc>
+                  </m:oMath>
+                </a14:m>
+                <a:r>
+                  <a:rPr lang="fr-FR" sz="1600" dirty="0"/>
+                  <a:t>= </a:t>
+                </a:r>
+                <a14:m>
+                  <m:oMath xmlns:m="http://schemas.openxmlformats.org/officeDocument/2006/math">
+                    <m:acc>
+                      <m:accPr>
+                        <m:chr m:val="⃗"/>
+                        <m:ctrlPr>
+                          <a:rPr lang="fr-FR" sz="1600" i="1">
+                            <a:latin typeface="Cambria Math" panose="02040503050406030204" pitchFamily="18" charset="0"/>
+                          </a:rPr>
+                        </m:ctrlPr>
+                      </m:accPr>
+                      <m:e>
+                        <m:sSub>
+                          <m:sSubPr>
+                            <m:ctrlPr>
+                              <a:rPr lang="fr-FR" sz="1600" i="1">
+                                <a:latin typeface="Cambria Math" panose="02040503050406030204" pitchFamily="18" charset="0"/>
+                              </a:rPr>
+                            </m:ctrlPr>
+                          </m:sSubPr>
+                          <m:e>
+                            <m:r>
+                              <a:rPr lang="fr-FR" sz="1600" i="1">
+                                <a:latin typeface="Cambria Math" panose="02040503050406030204" pitchFamily="18" charset="0"/>
+                              </a:rPr>
+                              <m:t>𝐴</m:t>
+                            </m:r>
+                          </m:e>
+                          <m:sub>
+                            <m:r>
+                              <a:rPr lang="fr-FR" sz="1600" i="1">
+                                <a:latin typeface="Cambria Math" panose="02040503050406030204" pitchFamily="18" charset="0"/>
+                              </a:rPr>
+                              <m:t>𝐻𝐷</m:t>
+                            </m:r>
+                          </m:sub>
+                        </m:sSub>
+                        <m:r>
+                          <a:rPr lang="fr-FR" sz="1600" b="0" i="1" smtClean="0">
+                            <a:latin typeface="Cambria Math" panose="02040503050406030204" pitchFamily="18" charset="0"/>
+                          </a:rPr>
+                          <m:t>𝑀</m:t>
+                        </m:r>
+                      </m:e>
+                    </m:acc>
+                    <m:r>
+                      <a:rPr lang="fr-FR" sz="1600" b="0" i="1" smtClean="0">
+                        <a:latin typeface="Cambria Math" panose="02040503050406030204" pitchFamily="18" charset="0"/>
+                      </a:rPr>
+                      <m:t>+</m:t>
+                    </m:r>
+                    <m:acc>
+                      <m:accPr>
+                        <m:chr m:val="⃗"/>
+                        <m:ctrlPr>
+                          <a:rPr lang="fr-FR" sz="1600" i="1">
+                            <a:latin typeface="Cambria Math" panose="02040503050406030204" pitchFamily="18" charset="0"/>
+                          </a:rPr>
+                        </m:ctrlPr>
+                      </m:accPr>
+                      <m:e>
+                        <m:r>
+                          <a:rPr lang="fr-FR" sz="1600" i="1">
+                            <a:latin typeface="Cambria Math" panose="02040503050406030204" pitchFamily="18" charset="0"/>
+                          </a:rPr>
+                          <m:t>𝑀</m:t>
+                        </m:r>
+                        <m:r>
+                          <a:rPr lang="fr-FR" sz="1600" b="0" i="1" smtClean="0">
+                            <a:latin typeface="Cambria Math" panose="02040503050406030204" pitchFamily="18" charset="0"/>
+                          </a:rPr>
+                          <m:t>𝑂</m:t>
+                        </m:r>
+                      </m:e>
+                    </m:acc>
+                    <m:r>
+                      <a:rPr lang="fr-FR" sz="1600" b="0" i="1" smtClean="0">
+                        <a:latin typeface="Cambria Math" panose="02040503050406030204" pitchFamily="18" charset="0"/>
+                      </a:rPr>
+                      <m:t>+</m:t>
+                    </m:r>
+                    <m:acc>
+                      <m:accPr>
+                        <m:chr m:val="⃗"/>
+                        <m:ctrlPr>
+                          <a:rPr lang="fr-FR" sz="1600" i="1">
+                            <a:solidFill>
+                              <a:schemeClr val="accent1"/>
+                            </a:solidFill>
+                            <a:latin typeface="Cambria Math" panose="02040503050406030204" pitchFamily="18" charset="0"/>
+                          </a:rPr>
+                        </m:ctrlPr>
+                      </m:accPr>
+                      <m:e>
+                        <m:r>
+                          <a:rPr lang="fr-FR" sz="1600" i="1">
+                            <a:solidFill>
+                              <a:schemeClr val="accent1"/>
+                            </a:solidFill>
+                            <a:latin typeface="Cambria Math" panose="02040503050406030204" pitchFamily="18" charset="0"/>
+                          </a:rPr>
+                          <m:t>𝑂</m:t>
+                        </m:r>
+                        <m:sSub>
+                          <m:sSubPr>
+                            <m:ctrlPr>
+                              <a:rPr lang="fr-FR" sz="1600" i="1">
+                                <a:solidFill>
+                                  <a:schemeClr val="accent1"/>
+                                </a:solidFill>
+                                <a:latin typeface="Cambria Math" panose="02040503050406030204" pitchFamily="18" charset="0"/>
+                              </a:rPr>
+                            </m:ctrlPr>
+                          </m:sSubPr>
+                          <m:e>
+                            <m:r>
+                              <a:rPr lang="fr-FR" sz="1600" i="1">
+                                <a:solidFill>
+                                  <a:schemeClr val="accent1"/>
+                                </a:solidFill>
+                                <a:latin typeface="Cambria Math" panose="02040503050406030204" pitchFamily="18" charset="0"/>
+                              </a:rPr>
+                              <m:t>𝐵</m:t>
+                            </m:r>
+                          </m:e>
+                          <m:sub>
+                            <m:r>
+                              <a:rPr lang="fr-FR" sz="1600" i="1">
+                                <a:solidFill>
+                                  <a:schemeClr val="accent1"/>
+                                </a:solidFill>
+                                <a:latin typeface="Cambria Math" panose="02040503050406030204" pitchFamily="18" charset="0"/>
+                              </a:rPr>
+                              <m:t>𝐻𝐷</m:t>
+                            </m:r>
+                          </m:sub>
+                        </m:sSub>
+                      </m:e>
+                    </m:acc>
+                  </m:oMath>
+                </a14:m>
+                <a:endParaRPr lang="fr-FR" sz="1600" dirty="0"/>
+              </a:p>
+              <a:p>
+                <a:pPr lvl="1"/>
+                <a14:m>
+                  <m:oMath xmlns:m="http://schemas.openxmlformats.org/officeDocument/2006/math">
+                    <m:sSub>
+                      <m:sSubPr>
+                        <m:ctrlPr>
+                          <a:rPr lang="fr-FR" sz="1600" b="0" i="1" smtClean="0">
+                            <a:latin typeface="Cambria Math" panose="02040503050406030204" pitchFamily="18" charset="0"/>
+                          </a:rPr>
+                        </m:ctrlPr>
+                      </m:sSubPr>
+                      <m:e>
+                        <m:r>
+                          <a:rPr lang="fr-FR" sz="1600" b="0" i="1" smtClean="0">
+                            <a:latin typeface="Cambria Math" panose="02040503050406030204" pitchFamily="18" charset="0"/>
+                          </a:rPr>
+                          <m:t>𝐷</m:t>
+                        </m:r>
+                      </m:e>
+                      <m:sub>
+                        <m:r>
+                          <a:rPr lang="fr-FR" sz="1600" b="0" i="1" smtClean="0">
+                            <a:latin typeface="Cambria Math" panose="02040503050406030204" pitchFamily="18" charset="0"/>
+                          </a:rPr>
+                          <m:t>𝐻𝐷</m:t>
+                        </m:r>
+                      </m:sub>
+                    </m:sSub>
+                    <m:acc>
+                      <m:accPr>
+                        <m:chr m:val="⃗"/>
+                        <m:ctrlPr>
+                          <a:rPr lang="fr-FR" sz="1600" b="0" i="1" smtClean="0">
+                            <a:latin typeface="Cambria Math" panose="02040503050406030204" pitchFamily="18" charset="0"/>
+                          </a:rPr>
+                        </m:ctrlPr>
+                      </m:accPr>
+                      <m:e>
+                        <m:sSub>
+                          <m:sSubPr>
+                            <m:ctrlPr>
+                              <a:rPr lang="fr-FR" sz="1600" i="1">
+                                <a:latin typeface="Cambria Math" panose="02040503050406030204" pitchFamily="18" charset="0"/>
+                              </a:rPr>
+                            </m:ctrlPr>
+                          </m:sSubPr>
+                          <m:e>
+                            <m:r>
+                              <a:rPr lang="fr-FR" sz="1600" i="1">
+                                <a:latin typeface="Cambria Math" panose="02040503050406030204" pitchFamily="18" charset="0"/>
+                              </a:rPr>
+                              <m:t>𝑢</m:t>
+                            </m:r>
+                          </m:e>
+                          <m:sub>
+                            <m:r>
+                              <a:rPr lang="fr-FR" sz="1600" i="1">
+                                <a:latin typeface="Cambria Math" panose="02040503050406030204" pitchFamily="18" charset="0"/>
+                              </a:rPr>
+                              <m:t>𝐻𝐷</m:t>
+                            </m:r>
+                          </m:sub>
+                        </m:sSub>
+                      </m:e>
+                    </m:acc>
+                    <m:r>
+                      <a:rPr lang="fr-FR" sz="1600" b="0" i="1" smtClean="0">
+                        <a:latin typeface="Cambria Math" panose="02040503050406030204" pitchFamily="18" charset="0"/>
+                      </a:rPr>
+                      <m:t>=−</m:t>
+                    </m:r>
+                    <m:f>
+                      <m:fPr>
+                        <m:ctrlPr>
+                          <a:rPr lang="fr-FR" sz="1600" b="0" i="1" smtClean="0">
+                            <a:latin typeface="Cambria Math" panose="02040503050406030204" pitchFamily="18" charset="0"/>
+                          </a:rPr>
+                        </m:ctrlPr>
+                      </m:fPr>
+                      <m:num>
+                        <m:r>
+                          <a:rPr lang="fr-FR" sz="1600" b="0" i="1" smtClean="0">
+                            <a:latin typeface="Cambria Math" panose="02040503050406030204" pitchFamily="18" charset="0"/>
+                          </a:rPr>
+                          <m:t>𝐿</m:t>
+                        </m:r>
+                      </m:num>
+                      <m:den>
+                        <m:r>
+                          <a:rPr lang="fr-FR" sz="1600" b="0" i="1" smtClean="0">
+                            <a:latin typeface="Cambria Math" panose="02040503050406030204" pitchFamily="18" charset="0"/>
+                          </a:rPr>
+                          <m:t>2</m:t>
+                        </m:r>
+                      </m:den>
+                    </m:f>
+                    <m:acc>
+                      <m:accPr>
+                        <m:chr m:val="⃗"/>
+                        <m:ctrlPr>
+                          <a:rPr lang="fr-FR" sz="1600" i="1">
+                            <a:latin typeface="Cambria Math" panose="02040503050406030204" pitchFamily="18" charset="0"/>
+                          </a:rPr>
+                        </m:ctrlPr>
+                      </m:accPr>
+                      <m:e>
+                        <m:sSub>
+                          <m:sSubPr>
+                            <m:ctrlPr>
+                              <a:rPr lang="fr-FR" sz="1600" b="0" i="1" smtClean="0">
+                                <a:latin typeface="Cambria Math" panose="02040503050406030204" pitchFamily="18" charset="0"/>
+                              </a:rPr>
+                            </m:ctrlPr>
+                          </m:sSubPr>
+                          <m:e>
+                            <m:r>
+                              <a:rPr lang="fr-FR" sz="1600" b="0" i="1" smtClean="0">
+                                <a:latin typeface="Cambria Math" panose="02040503050406030204" pitchFamily="18" charset="0"/>
+                              </a:rPr>
+                              <m:t>𝑥</m:t>
+                            </m:r>
+                          </m:e>
+                          <m:sub>
+                            <m:r>
+                              <a:rPr lang="fr-FR" sz="1600" b="0" i="1" smtClean="0">
+                                <a:latin typeface="Cambria Math" panose="02040503050406030204" pitchFamily="18" charset="0"/>
+                              </a:rPr>
+                              <m:t>𝑀</m:t>
+                            </m:r>
+                          </m:sub>
+                        </m:sSub>
+                      </m:e>
+                    </m:acc>
+                    <m:r>
+                      <a:rPr lang="fr-FR" sz="1600" b="0" i="1" smtClean="0">
+                        <a:latin typeface="Cambria Math" panose="02040503050406030204" pitchFamily="18" charset="0"/>
+                      </a:rPr>
+                      <m:t>−</m:t>
+                    </m:r>
+                    <m:f>
+                      <m:fPr>
+                        <m:ctrlPr>
+                          <a:rPr lang="fr-FR" sz="1600" b="0" i="1" smtClean="0">
+                            <a:latin typeface="Cambria Math" panose="02040503050406030204" pitchFamily="18" charset="0"/>
+                          </a:rPr>
+                        </m:ctrlPr>
+                      </m:fPr>
+                      <m:num>
+                        <m:r>
+                          <a:rPr lang="fr-FR" sz="1600" b="0" i="1" smtClean="0">
+                            <a:latin typeface="Cambria Math" panose="02040503050406030204" pitchFamily="18" charset="0"/>
+                          </a:rPr>
+                          <m:t>𝐻</m:t>
+                        </m:r>
+                      </m:num>
+                      <m:den>
+                        <m:r>
+                          <a:rPr lang="fr-FR" sz="1600" b="0" i="1" smtClean="0">
+                            <a:latin typeface="Cambria Math" panose="02040503050406030204" pitchFamily="18" charset="0"/>
+                          </a:rPr>
+                          <m:t>2</m:t>
+                        </m:r>
+                      </m:den>
+                    </m:f>
+                    <m:acc>
+                      <m:accPr>
+                        <m:chr m:val="⃗"/>
+                        <m:ctrlPr>
+                          <a:rPr lang="fr-FR" sz="1600" i="1">
+                            <a:latin typeface="Cambria Math" panose="02040503050406030204" pitchFamily="18" charset="0"/>
+                          </a:rPr>
+                        </m:ctrlPr>
+                      </m:accPr>
+                      <m:e>
+                        <m:sSub>
+                          <m:sSubPr>
+                            <m:ctrlPr>
+                              <a:rPr lang="fr-FR" sz="1600" b="0" i="1" smtClean="0">
+                                <a:latin typeface="Cambria Math" panose="02040503050406030204" pitchFamily="18" charset="0"/>
+                              </a:rPr>
+                            </m:ctrlPr>
+                          </m:sSubPr>
+                          <m:e>
+                            <m:r>
+                              <a:rPr lang="fr-FR" sz="1600" b="0" i="1" smtClean="0">
+                                <a:latin typeface="Cambria Math" panose="02040503050406030204" pitchFamily="18" charset="0"/>
+                              </a:rPr>
+                              <m:t>𝑦</m:t>
+                            </m:r>
+                          </m:e>
+                          <m:sub>
+                            <m:r>
+                              <a:rPr lang="fr-FR" sz="1600" b="0" i="1" smtClean="0">
+                                <a:latin typeface="Cambria Math" panose="02040503050406030204" pitchFamily="18" charset="0"/>
+                              </a:rPr>
+                              <m:t>𝑀</m:t>
+                            </m:r>
+                          </m:sub>
+                        </m:sSub>
+                      </m:e>
+                    </m:acc>
+                    <m:r>
+                      <a:rPr lang="fr-FR" sz="1600" b="0" i="1" smtClean="0">
+                        <a:latin typeface="Cambria Math" panose="02040503050406030204" pitchFamily="18" charset="0"/>
+                      </a:rPr>
+                      <m:t>−</m:t>
+                    </m:r>
+                    <m:sSub>
+                      <m:sSubPr>
+                        <m:ctrlPr>
+                          <a:rPr lang="fr-FR" sz="1600" i="1">
+                            <a:latin typeface="Cambria Math" panose="02040503050406030204" pitchFamily="18" charset="0"/>
+                          </a:rPr>
+                        </m:ctrlPr>
+                      </m:sSubPr>
+                      <m:e>
+                        <m:r>
+                          <a:rPr lang="fr-FR" sz="1600" i="1">
+                            <a:latin typeface="Cambria Math" panose="02040503050406030204" pitchFamily="18" charset="0"/>
+                          </a:rPr>
+                          <m:t>𝑋</m:t>
+                        </m:r>
+                      </m:e>
+                      <m:sub>
+                        <m:r>
+                          <a:rPr lang="fr-FR" sz="1600" i="1">
+                            <a:latin typeface="Cambria Math" panose="02040503050406030204" pitchFamily="18" charset="0"/>
+                          </a:rPr>
+                          <m:t>𝑀</m:t>
+                        </m:r>
+                      </m:sub>
+                    </m:sSub>
+                    <m:acc>
+                      <m:accPr>
+                        <m:chr m:val="⃗"/>
+                        <m:ctrlPr>
+                          <a:rPr lang="fr-FR" sz="1600" i="1">
+                            <a:latin typeface="Cambria Math" panose="02040503050406030204" pitchFamily="18" charset="0"/>
+                          </a:rPr>
+                        </m:ctrlPr>
+                      </m:accPr>
+                      <m:e>
+                        <m:r>
+                          <a:rPr lang="fr-FR" sz="1600" i="1">
+                            <a:latin typeface="Cambria Math" panose="02040503050406030204" pitchFamily="18" charset="0"/>
+                          </a:rPr>
+                          <m:t>𝑥</m:t>
+                        </m:r>
+                      </m:e>
+                    </m:acc>
+                    <m:r>
+                      <a:rPr lang="fr-FR" sz="1600" b="0" i="0" smtClean="0">
+                        <a:latin typeface="Cambria Math" panose="02040503050406030204" pitchFamily="18" charset="0"/>
+                      </a:rPr>
+                      <m:t>−</m:t>
+                    </m:r>
+                    <m:sSub>
+                      <m:sSubPr>
+                        <m:ctrlPr>
+                          <a:rPr lang="fr-FR" sz="1600" i="1">
+                            <a:latin typeface="Cambria Math" panose="02040503050406030204" pitchFamily="18" charset="0"/>
+                          </a:rPr>
+                        </m:ctrlPr>
+                      </m:sSubPr>
+                      <m:e>
+                        <m:r>
+                          <a:rPr lang="fr-FR" sz="1600" i="1">
+                            <a:latin typeface="Cambria Math" panose="02040503050406030204" pitchFamily="18" charset="0"/>
+                          </a:rPr>
+                          <m:t>𝑌</m:t>
+                        </m:r>
+                      </m:e>
+                      <m:sub>
+                        <m:r>
+                          <a:rPr lang="fr-FR" sz="1600" i="1">
+                            <a:latin typeface="Cambria Math" panose="02040503050406030204" pitchFamily="18" charset="0"/>
+                          </a:rPr>
+                          <m:t>𝑀</m:t>
+                        </m:r>
+                      </m:sub>
+                    </m:sSub>
+                    <m:acc>
+                      <m:accPr>
+                        <m:chr m:val="⃗"/>
+                        <m:ctrlPr>
+                          <a:rPr lang="fr-FR" sz="1600" i="1">
+                            <a:latin typeface="Cambria Math" panose="02040503050406030204" pitchFamily="18" charset="0"/>
+                          </a:rPr>
+                        </m:ctrlPr>
+                      </m:accPr>
+                      <m:e>
+                        <m:r>
+                          <a:rPr lang="fr-FR" sz="1600" i="1">
+                            <a:latin typeface="Cambria Math" panose="02040503050406030204" pitchFamily="18" charset="0"/>
+                          </a:rPr>
+                          <m:t>𝑦</m:t>
+                        </m:r>
+                      </m:e>
+                    </m:acc>
+                    <m:r>
+                      <a:rPr lang="fr-FR" sz="1600" b="0" i="1" smtClean="0">
+                        <a:latin typeface="Cambria Math" panose="02040503050406030204" pitchFamily="18" charset="0"/>
+                      </a:rPr>
+                      <m:t>+</m:t>
+                    </m:r>
+                    <m:sSub>
+                      <m:sSubPr>
+                        <m:ctrlPr>
+                          <a:rPr lang="fr-FR" sz="1600" i="1">
+                            <a:latin typeface="Cambria Math" panose="02040503050406030204" pitchFamily="18" charset="0"/>
+                          </a:rPr>
+                        </m:ctrlPr>
+                      </m:sSubPr>
+                      <m:e>
+                        <m:r>
+                          <a:rPr lang="fr-FR" sz="1600" i="1">
+                            <a:latin typeface="Cambria Math" panose="02040503050406030204" pitchFamily="18" charset="0"/>
+                          </a:rPr>
+                          <m:t>𝑋</m:t>
+                        </m:r>
+                      </m:e>
+                      <m:sub>
+                        <m:r>
+                          <a:rPr lang="fr-FR" sz="1600" b="0" i="1" smtClean="0">
+                            <a:latin typeface="Cambria Math" panose="02040503050406030204" pitchFamily="18" charset="0"/>
+                          </a:rPr>
+                          <m:t>𝐻𝐷</m:t>
+                        </m:r>
+                      </m:sub>
+                    </m:sSub>
+                    <m:acc>
+                      <m:accPr>
+                        <m:chr m:val="⃗"/>
+                        <m:ctrlPr>
+                          <a:rPr lang="fr-FR" sz="1600" i="1">
+                            <a:latin typeface="Cambria Math" panose="02040503050406030204" pitchFamily="18" charset="0"/>
+                          </a:rPr>
+                        </m:ctrlPr>
+                      </m:accPr>
+                      <m:e>
+                        <m:r>
+                          <a:rPr lang="fr-FR" sz="1600" i="1">
+                            <a:latin typeface="Cambria Math" panose="02040503050406030204" pitchFamily="18" charset="0"/>
+                          </a:rPr>
+                          <m:t>𝑥</m:t>
+                        </m:r>
+                      </m:e>
+                    </m:acc>
+                    <m:r>
+                      <a:rPr lang="fr-FR" sz="1600">
+                        <a:latin typeface="Cambria Math" panose="02040503050406030204" pitchFamily="18" charset="0"/>
+                      </a:rPr>
+                      <m:t>+</m:t>
+                    </m:r>
+                    <m:sSub>
+                      <m:sSubPr>
+                        <m:ctrlPr>
+                          <a:rPr lang="fr-FR" sz="1600" i="1">
+                            <a:latin typeface="Cambria Math" panose="02040503050406030204" pitchFamily="18" charset="0"/>
+                          </a:rPr>
+                        </m:ctrlPr>
+                      </m:sSubPr>
+                      <m:e>
+                        <m:r>
+                          <a:rPr lang="fr-FR" sz="1600" i="1">
+                            <a:latin typeface="Cambria Math" panose="02040503050406030204" pitchFamily="18" charset="0"/>
+                          </a:rPr>
+                          <m:t>𝑌</m:t>
+                        </m:r>
+                      </m:e>
+                      <m:sub>
+                        <m:r>
+                          <a:rPr lang="fr-FR" sz="1600" b="0" i="1" smtClean="0">
+                            <a:latin typeface="Cambria Math" panose="02040503050406030204" pitchFamily="18" charset="0"/>
+                          </a:rPr>
+                          <m:t>𝐻𝐷</m:t>
+                        </m:r>
+                      </m:sub>
+                    </m:sSub>
+                    <m:acc>
+                      <m:accPr>
+                        <m:chr m:val="⃗"/>
+                        <m:ctrlPr>
+                          <a:rPr lang="fr-FR" sz="1600" i="1">
+                            <a:latin typeface="Cambria Math" panose="02040503050406030204" pitchFamily="18" charset="0"/>
+                          </a:rPr>
+                        </m:ctrlPr>
+                      </m:accPr>
+                      <m:e>
+                        <m:r>
+                          <a:rPr lang="fr-FR" sz="1600" i="1">
+                            <a:latin typeface="Cambria Math" panose="02040503050406030204" pitchFamily="18" charset="0"/>
+                          </a:rPr>
+                          <m:t>𝑦</m:t>
+                        </m:r>
+                      </m:e>
+                    </m:acc>
+                  </m:oMath>
+                </a14:m>
+                <a:endParaRPr lang="fr-FR" sz="1600" dirty="0"/>
+              </a:p>
+              <a:p>
+                <a:pPr lvl="2"/>
+                <a14:m>
+                  <m:oMath xmlns:m="http://schemas.openxmlformats.org/officeDocument/2006/math">
+                    <m:sSub>
+                      <m:sSubPr>
+                        <m:ctrlPr>
+                          <a:rPr lang="fr-FR" sz="1200" b="0" i="1" smtClean="0">
+                            <a:latin typeface="Cambria Math" panose="02040503050406030204" pitchFamily="18" charset="0"/>
+                          </a:rPr>
+                        </m:ctrlPr>
+                      </m:sSubPr>
+                      <m:e>
+                        <m:r>
+                          <a:rPr lang="fr-FR" sz="1200" b="0" i="1" smtClean="0">
+                            <a:latin typeface="Cambria Math" panose="02040503050406030204" pitchFamily="18" charset="0"/>
+                          </a:rPr>
+                          <m:t>𝐷</m:t>
+                        </m:r>
+                      </m:e>
+                      <m:sub>
+                        <m:r>
+                          <a:rPr lang="fr-FR" sz="1200" b="0" i="1" smtClean="0">
+                            <a:latin typeface="Cambria Math" panose="02040503050406030204" pitchFamily="18" charset="0"/>
+                          </a:rPr>
+                          <m:t>𝐻𝐷</m:t>
+                        </m:r>
+                      </m:sub>
+                    </m:sSub>
+                    <m:func>
+                      <m:funcPr>
+                        <m:ctrlPr>
+                          <a:rPr lang="fr-FR" sz="1200" b="0" i="1" smtClean="0">
+                            <a:latin typeface="Cambria Math" panose="02040503050406030204" pitchFamily="18" charset="0"/>
+                          </a:rPr>
+                        </m:ctrlPr>
+                      </m:funcPr>
+                      <m:fName>
+                        <m:r>
+                          <m:rPr>
+                            <m:sty m:val="p"/>
+                          </m:rPr>
+                          <a:rPr lang="fr-FR" sz="1200" b="0" i="0" smtClean="0">
+                            <a:latin typeface="Cambria Math" panose="02040503050406030204" pitchFamily="18" charset="0"/>
+                          </a:rPr>
+                          <m:t>cos</m:t>
+                        </m:r>
+                      </m:fName>
+                      <m:e>
+                        <m:sSub>
+                          <m:sSubPr>
+                            <m:ctrlPr>
+                              <a:rPr lang="fr-FR" sz="1200" b="0" i="1" smtClean="0">
+                                <a:latin typeface="Cambria Math" panose="02040503050406030204" pitchFamily="18" charset="0"/>
+                              </a:rPr>
+                            </m:ctrlPr>
+                          </m:sSubPr>
+                          <m:e>
+                            <m:r>
+                              <a:rPr lang="fr-FR" sz="1200" b="0" i="1" smtClean="0">
+                                <a:latin typeface="Cambria Math" panose="02040503050406030204" pitchFamily="18" charset="0"/>
+                              </a:rPr>
+                              <m:t>𝜑</m:t>
+                            </m:r>
+                          </m:e>
+                          <m:sub>
+                            <m:r>
+                              <a:rPr lang="fr-FR" sz="1200" b="0" i="1" smtClean="0">
+                                <a:latin typeface="Cambria Math" panose="02040503050406030204" pitchFamily="18" charset="0"/>
+                              </a:rPr>
+                              <m:t>𝐻𝐷</m:t>
+                            </m:r>
+                          </m:sub>
+                        </m:sSub>
+                      </m:e>
+                    </m:func>
+                    <m:r>
+                      <a:rPr lang="fr-FR" sz="1200" b="0" i="1" smtClean="0">
+                        <a:latin typeface="Cambria Math" panose="02040503050406030204" pitchFamily="18" charset="0"/>
+                      </a:rPr>
+                      <m:t>=−</m:t>
+                    </m:r>
+                    <m:f>
+                      <m:fPr>
+                        <m:ctrlPr>
+                          <a:rPr lang="fr-FR" sz="1200" b="0" i="1" smtClean="0">
+                            <a:latin typeface="Cambria Math" panose="02040503050406030204" pitchFamily="18" charset="0"/>
+                          </a:rPr>
+                        </m:ctrlPr>
+                      </m:fPr>
+                      <m:num>
+                        <m:r>
+                          <a:rPr lang="fr-FR" sz="1200" b="0" i="1" smtClean="0">
+                            <a:latin typeface="Cambria Math" panose="02040503050406030204" pitchFamily="18" charset="0"/>
+                          </a:rPr>
+                          <m:t>𝐿</m:t>
+                        </m:r>
+                      </m:num>
+                      <m:den>
+                        <m:r>
+                          <a:rPr lang="fr-FR" sz="1200" b="0" i="1" smtClean="0">
+                            <a:latin typeface="Cambria Math" panose="02040503050406030204" pitchFamily="18" charset="0"/>
+                          </a:rPr>
+                          <m:t>2</m:t>
+                        </m:r>
+                      </m:den>
+                    </m:f>
+                    <m:func>
+                      <m:funcPr>
+                        <m:ctrlPr>
+                          <a:rPr lang="fr-FR" sz="1200" b="0" i="1" smtClean="0">
+                            <a:latin typeface="Cambria Math" panose="02040503050406030204" pitchFamily="18" charset="0"/>
+                          </a:rPr>
+                        </m:ctrlPr>
+                      </m:funcPr>
+                      <m:fName>
+                        <m:r>
+                          <m:rPr>
+                            <m:sty m:val="p"/>
+                          </m:rPr>
+                          <a:rPr lang="fr-FR" sz="1200" b="0" i="0" smtClean="0">
+                            <a:latin typeface="Cambria Math" panose="02040503050406030204" pitchFamily="18" charset="0"/>
+                          </a:rPr>
+                          <m:t>cos</m:t>
+                        </m:r>
+                      </m:fName>
+                      <m:e>
+                        <m:r>
+                          <a:rPr lang="fr-FR" sz="1200" b="0" i="1" smtClean="0">
+                            <a:latin typeface="Cambria Math" panose="02040503050406030204" pitchFamily="18" charset="0"/>
+                          </a:rPr>
+                          <m:t>𝜃</m:t>
+                        </m:r>
+                      </m:e>
+                    </m:func>
+                    <m:r>
+                      <a:rPr lang="fr-FR" sz="1200" b="0" i="1" smtClean="0">
+                        <a:latin typeface="Cambria Math" panose="02040503050406030204" pitchFamily="18" charset="0"/>
+                      </a:rPr>
+                      <m:t>+</m:t>
+                    </m:r>
+                    <m:f>
+                      <m:fPr>
+                        <m:ctrlPr>
+                          <a:rPr lang="fr-FR" sz="1200" b="0" i="1" smtClean="0">
+                            <a:latin typeface="Cambria Math" panose="02040503050406030204" pitchFamily="18" charset="0"/>
+                          </a:rPr>
+                        </m:ctrlPr>
+                      </m:fPr>
+                      <m:num>
+                        <m:r>
+                          <a:rPr lang="fr-FR" sz="1200" b="0" i="1" smtClean="0">
+                            <a:latin typeface="Cambria Math" panose="02040503050406030204" pitchFamily="18" charset="0"/>
+                          </a:rPr>
+                          <m:t>𝐻</m:t>
+                        </m:r>
+                      </m:num>
+                      <m:den>
+                        <m:r>
+                          <a:rPr lang="fr-FR" sz="1200" b="0" i="1" smtClean="0">
+                            <a:latin typeface="Cambria Math" panose="02040503050406030204" pitchFamily="18" charset="0"/>
+                          </a:rPr>
+                          <m:t>2</m:t>
+                        </m:r>
+                      </m:den>
+                    </m:f>
+                    <m:func>
+                      <m:funcPr>
+                        <m:ctrlPr>
+                          <a:rPr lang="fr-FR" sz="1200" b="0" i="1" smtClean="0">
+                            <a:latin typeface="Cambria Math" panose="02040503050406030204" pitchFamily="18" charset="0"/>
+                          </a:rPr>
+                        </m:ctrlPr>
+                      </m:funcPr>
+                      <m:fName>
+                        <m:r>
+                          <m:rPr>
+                            <m:sty m:val="p"/>
+                          </m:rPr>
+                          <a:rPr lang="fr-FR" sz="1200" b="0" i="0" smtClean="0">
+                            <a:latin typeface="Cambria Math" panose="02040503050406030204" pitchFamily="18" charset="0"/>
+                          </a:rPr>
+                          <m:t>sin</m:t>
+                        </m:r>
+                      </m:fName>
+                      <m:e>
+                        <m:r>
+                          <a:rPr lang="fr-FR" sz="1200" b="0" i="1" smtClean="0">
+                            <a:latin typeface="Cambria Math" panose="02040503050406030204" pitchFamily="18" charset="0"/>
+                          </a:rPr>
+                          <m:t>𝜃</m:t>
+                        </m:r>
+                      </m:e>
+                    </m:func>
+                    <m:r>
+                      <a:rPr lang="fr-FR" sz="1200" b="0" i="1" smtClean="0">
+                        <a:latin typeface="Cambria Math" panose="02040503050406030204" pitchFamily="18" charset="0"/>
+                      </a:rPr>
+                      <m:t>−</m:t>
+                    </m:r>
+                    <m:sSub>
+                      <m:sSubPr>
+                        <m:ctrlPr>
+                          <a:rPr lang="fr-FR" sz="1200" i="1">
+                            <a:latin typeface="Cambria Math" panose="02040503050406030204" pitchFamily="18" charset="0"/>
+                          </a:rPr>
+                        </m:ctrlPr>
+                      </m:sSubPr>
+                      <m:e>
+                        <m:r>
+                          <a:rPr lang="fr-FR" sz="1200" i="1">
+                            <a:latin typeface="Cambria Math" panose="02040503050406030204" pitchFamily="18" charset="0"/>
+                          </a:rPr>
+                          <m:t>𝑋</m:t>
+                        </m:r>
+                      </m:e>
+                      <m:sub>
+                        <m:r>
+                          <a:rPr lang="fr-FR" sz="1200" i="1">
+                            <a:latin typeface="Cambria Math" panose="02040503050406030204" pitchFamily="18" charset="0"/>
+                          </a:rPr>
+                          <m:t>𝑀</m:t>
+                        </m:r>
+                      </m:sub>
+                    </m:sSub>
+                    <m:r>
+                      <a:rPr lang="fr-FR" sz="1200" b="0" i="1" smtClean="0">
+                        <a:latin typeface="Cambria Math" panose="02040503050406030204" pitchFamily="18" charset="0"/>
+                      </a:rPr>
+                      <m:t>+</m:t>
+                    </m:r>
+                    <m:sSub>
+                      <m:sSubPr>
+                        <m:ctrlPr>
+                          <a:rPr lang="fr-FR" sz="1200" i="1">
+                            <a:latin typeface="Cambria Math" panose="02040503050406030204" pitchFamily="18" charset="0"/>
+                          </a:rPr>
+                        </m:ctrlPr>
+                      </m:sSubPr>
+                      <m:e>
+                        <m:r>
+                          <a:rPr lang="fr-FR" sz="1200" i="1">
+                            <a:latin typeface="Cambria Math" panose="02040503050406030204" pitchFamily="18" charset="0"/>
+                          </a:rPr>
+                          <m:t>𝑋</m:t>
+                        </m:r>
+                      </m:e>
+                      <m:sub>
+                        <m:r>
+                          <a:rPr lang="fr-FR" sz="1200" b="0" i="1" smtClean="0">
+                            <a:latin typeface="Cambria Math" panose="02040503050406030204" pitchFamily="18" charset="0"/>
+                          </a:rPr>
+                          <m:t>𝐻𝐷</m:t>
+                        </m:r>
+                      </m:sub>
+                    </m:sSub>
+                  </m:oMath>
+                </a14:m>
+                <a:endParaRPr lang="fr-FR" sz="1200" dirty="0"/>
+              </a:p>
+              <a:p>
+                <a:pPr lvl="2"/>
+                <a14:m>
+                  <m:oMath xmlns:m="http://schemas.openxmlformats.org/officeDocument/2006/math">
+                    <m:sSub>
+                      <m:sSubPr>
+                        <m:ctrlPr>
+                          <a:rPr lang="fr-FR" sz="1200" b="0" i="1" smtClean="0">
+                            <a:latin typeface="Cambria Math" panose="02040503050406030204" pitchFamily="18" charset="0"/>
+                          </a:rPr>
+                        </m:ctrlPr>
+                      </m:sSubPr>
+                      <m:e>
+                        <m:r>
+                          <a:rPr lang="fr-FR" sz="1200" b="0" i="1" smtClean="0">
+                            <a:latin typeface="Cambria Math" panose="02040503050406030204" pitchFamily="18" charset="0"/>
+                          </a:rPr>
+                          <m:t>𝐷</m:t>
+                        </m:r>
+                      </m:e>
+                      <m:sub>
+                        <m:r>
+                          <a:rPr lang="fr-FR" sz="1200" b="0" i="1" smtClean="0">
+                            <a:latin typeface="Cambria Math" panose="02040503050406030204" pitchFamily="18" charset="0"/>
+                          </a:rPr>
+                          <m:t>𝐻𝐷</m:t>
+                        </m:r>
+                      </m:sub>
+                    </m:sSub>
+                    <m:func>
+                      <m:funcPr>
+                        <m:ctrlPr>
+                          <a:rPr lang="fr-FR" sz="1200" b="0" i="1" smtClean="0">
+                            <a:latin typeface="Cambria Math" panose="02040503050406030204" pitchFamily="18" charset="0"/>
+                          </a:rPr>
+                        </m:ctrlPr>
+                      </m:funcPr>
+                      <m:fName>
+                        <m:r>
+                          <m:rPr>
+                            <m:sty m:val="p"/>
+                          </m:rPr>
+                          <a:rPr lang="fr-FR" sz="1200" b="0" i="0" smtClean="0">
+                            <a:latin typeface="Cambria Math" panose="02040503050406030204" pitchFamily="18" charset="0"/>
+                          </a:rPr>
+                          <m:t>sin</m:t>
+                        </m:r>
+                      </m:fName>
+                      <m:e>
+                        <m:sSub>
+                          <m:sSubPr>
+                            <m:ctrlPr>
+                              <a:rPr lang="fr-FR" sz="1200" b="0" i="1" smtClean="0">
+                                <a:latin typeface="Cambria Math" panose="02040503050406030204" pitchFamily="18" charset="0"/>
+                              </a:rPr>
+                            </m:ctrlPr>
+                          </m:sSubPr>
+                          <m:e>
+                            <m:r>
+                              <a:rPr lang="fr-FR" sz="1200" b="0" i="1" smtClean="0">
+                                <a:latin typeface="Cambria Math" panose="02040503050406030204" pitchFamily="18" charset="0"/>
+                              </a:rPr>
+                              <m:t>𝜑</m:t>
+                            </m:r>
+                          </m:e>
+                          <m:sub>
+                            <m:r>
+                              <a:rPr lang="fr-FR" sz="1200" b="0" i="1" smtClean="0">
+                                <a:latin typeface="Cambria Math" panose="02040503050406030204" pitchFamily="18" charset="0"/>
+                              </a:rPr>
+                              <m:t>𝐻𝐷</m:t>
+                            </m:r>
+                          </m:sub>
+                        </m:sSub>
+                      </m:e>
+                    </m:func>
+                    <m:r>
+                      <a:rPr lang="fr-FR" sz="1200" b="0" i="1" smtClean="0">
+                        <a:latin typeface="Cambria Math" panose="02040503050406030204" pitchFamily="18" charset="0"/>
+                      </a:rPr>
+                      <m:t>=−</m:t>
+                    </m:r>
+                    <m:f>
+                      <m:fPr>
+                        <m:ctrlPr>
+                          <a:rPr lang="fr-FR" sz="1200" b="0" i="1" smtClean="0">
+                            <a:latin typeface="Cambria Math" panose="02040503050406030204" pitchFamily="18" charset="0"/>
+                          </a:rPr>
+                        </m:ctrlPr>
+                      </m:fPr>
+                      <m:num>
+                        <m:r>
+                          <a:rPr lang="fr-FR" sz="1200" b="0" i="1" smtClean="0">
+                            <a:latin typeface="Cambria Math" panose="02040503050406030204" pitchFamily="18" charset="0"/>
+                          </a:rPr>
+                          <m:t>𝐿</m:t>
+                        </m:r>
+                      </m:num>
+                      <m:den>
+                        <m:r>
+                          <a:rPr lang="fr-FR" sz="1200" b="0" i="1" smtClean="0">
+                            <a:latin typeface="Cambria Math" panose="02040503050406030204" pitchFamily="18" charset="0"/>
+                          </a:rPr>
+                          <m:t>2</m:t>
+                        </m:r>
+                      </m:den>
+                    </m:f>
+                    <m:func>
+                      <m:funcPr>
+                        <m:ctrlPr>
+                          <a:rPr lang="fr-FR" sz="1200" b="0" i="1" smtClean="0">
+                            <a:latin typeface="Cambria Math" panose="02040503050406030204" pitchFamily="18" charset="0"/>
+                          </a:rPr>
+                        </m:ctrlPr>
+                      </m:funcPr>
+                      <m:fName>
+                        <m:r>
+                          <m:rPr>
+                            <m:sty m:val="p"/>
+                          </m:rPr>
+                          <a:rPr lang="fr-FR" sz="1200" b="0" i="0" smtClean="0">
+                            <a:latin typeface="Cambria Math" panose="02040503050406030204" pitchFamily="18" charset="0"/>
+                          </a:rPr>
+                          <m:t>sin</m:t>
+                        </m:r>
+                      </m:fName>
+                      <m:e>
+                        <m:r>
+                          <a:rPr lang="fr-FR" sz="1200" b="0" i="1" smtClean="0">
+                            <a:latin typeface="Cambria Math" panose="02040503050406030204" pitchFamily="18" charset="0"/>
+                          </a:rPr>
+                          <m:t>𝜃</m:t>
+                        </m:r>
+                      </m:e>
+                    </m:func>
+                    <m:r>
+                      <a:rPr lang="fr-FR" sz="1200" b="0" i="1" smtClean="0">
+                        <a:latin typeface="Cambria Math" panose="02040503050406030204" pitchFamily="18" charset="0"/>
+                      </a:rPr>
+                      <m:t>−</m:t>
+                    </m:r>
+                    <m:f>
+                      <m:fPr>
+                        <m:ctrlPr>
+                          <a:rPr lang="fr-FR" sz="1200" b="0" i="1" smtClean="0">
+                            <a:latin typeface="Cambria Math" panose="02040503050406030204" pitchFamily="18" charset="0"/>
+                          </a:rPr>
+                        </m:ctrlPr>
+                      </m:fPr>
+                      <m:num>
+                        <m:r>
+                          <a:rPr lang="fr-FR" sz="1200" b="0" i="1" smtClean="0">
+                            <a:latin typeface="Cambria Math" panose="02040503050406030204" pitchFamily="18" charset="0"/>
+                          </a:rPr>
+                          <m:t>𝐻</m:t>
+                        </m:r>
+                      </m:num>
+                      <m:den>
+                        <m:r>
+                          <a:rPr lang="fr-FR" sz="1200" b="0" i="1" smtClean="0">
+                            <a:latin typeface="Cambria Math" panose="02040503050406030204" pitchFamily="18" charset="0"/>
+                          </a:rPr>
+                          <m:t>2</m:t>
+                        </m:r>
+                      </m:den>
+                    </m:f>
+                    <m:func>
+                      <m:funcPr>
+                        <m:ctrlPr>
+                          <a:rPr lang="fr-FR" sz="1200" b="0" i="1" smtClean="0">
+                            <a:latin typeface="Cambria Math" panose="02040503050406030204" pitchFamily="18" charset="0"/>
+                          </a:rPr>
+                        </m:ctrlPr>
+                      </m:funcPr>
+                      <m:fName>
+                        <m:r>
+                          <m:rPr>
+                            <m:sty m:val="p"/>
+                          </m:rPr>
+                          <a:rPr lang="fr-FR" sz="1200" b="0" i="0" smtClean="0">
+                            <a:latin typeface="Cambria Math" panose="02040503050406030204" pitchFamily="18" charset="0"/>
+                          </a:rPr>
+                          <m:t>cos</m:t>
+                        </m:r>
+                      </m:fName>
+                      <m:e>
+                        <m:r>
+                          <a:rPr lang="fr-FR" sz="1200" b="0" i="1" smtClean="0">
+                            <a:latin typeface="Cambria Math" panose="02040503050406030204" pitchFamily="18" charset="0"/>
+                          </a:rPr>
+                          <m:t>𝜃</m:t>
+                        </m:r>
+                      </m:e>
+                    </m:func>
+                    <m:r>
+                      <a:rPr lang="fr-FR" sz="1200" b="0" i="1" smtClean="0">
+                        <a:latin typeface="Cambria Math" panose="02040503050406030204" pitchFamily="18" charset="0"/>
+                      </a:rPr>
+                      <m:t>−</m:t>
+                    </m:r>
+                    <m:sSub>
+                      <m:sSubPr>
+                        <m:ctrlPr>
+                          <a:rPr lang="fr-FR" sz="1200" i="1">
+                            <a:latin typeface="Cambria Math" panose="02040503050406030204" pitchFamily="18" charset="0"/>
+                          </a:rPr>
+                        </m:ctrlPr>
+                      </m:sSubPr>
+                      <m:e>
+                        <m:r>
+                          <a:rPr lang="fr-FR" sz="1200" b="0" i="1" smtClean="0">
+                            <a:latin typeface="Cambria Math" panose="02040503050406030204" pitchFamily="18" charset="0"/>
+                          </a:rPr>
+                          <m:t>𝑌</m:t>
+                        </m:r>
+                      </m:e>
+                      <m:sub>
+                        <m:r>
+                          <a:rPr lang="fr-FR" sz="1200" i="1">
+                            <a:latin typeface="Cambria Math" panose="02040503050406030204" pitchFamily="18" charset="0"/>
+                          </a:rPr>
+                          <m:t>𝑀</m:t>
+                        </m:r>
+                      </m:sub>
+                    </m:sSub>
+                    <m:r>
+                      <a:rPr lang="fr-FR" sz="1200" b="0" i="1" smtClean="0">
+                        <a:latin typeface="Cambria Math" panose="02040503050406030204" pitchFamily="18" charset="0"/>
+                      </a:rPr>
+                      <m:t>+</m:t>
+                    </m:r>
+                    <m:sSub>
+                      <m:sSubPr>
+                        <m:ctrlPr>
+                          <a:rPr lang="fr-FR" sz="1200" i="1">
+                            <a:latin typeface="Cambria Math" panose="02040503050406030204" pitchFamily="18" charset="0"/>
+                          </a:rPr>
+                        </m:ctrlPr>
+                      </m:sSubPr>
+                      <m:e>
+                        <m:r>
+                          <a:rPr lang="fr-FR" sz="1200" b="0" i="1" smtClean="0">
+                            <a:latin typeface="Cambria Math" panose="02040503050406030204" pitchFamily="18" charset="0"/>
+                          </a:rPr>
+                          <m:t>𝑌</m:t>
+                        </m:r>
+                      </m:e>
+                      <m:sub>
+                        <m:r>
+                          <a:rPr lang="fr-FR" sz="1200" b="0" i="1" smtClean="0">
+                            <a:latin typeface="Cambria Math" panose="02040503050406030204" pitchFamily="18" charset="0"/>
+                          </a:rPr>
+                          <m:t>𝐻𝐷</m:t>
+                        </m:r>
+                      </m:sub>
+                    </m:sSub>
+                  </m:oMath>
+                </a14:m>
+                <a:endParaRPr lang="fr-FR" sz="1200" dirty="0"/>
+              </a:p>
+              <a:p>
+                <a:r>
+                  <a:rPr lang="fr-FR" sz="2000" dirty="0"/>
+                  <a:t>On a donc </a:t>
+                </a:r>
+              </a:p>
+              <a:p>
+                <a:pPr lvl="1"/>
+                <a14:m>
+                  <m:oMath xmlns:m="http://schemas.openxmlformats.org/officeDocument/2006/math">
+                    <m:sSubSup>
+                      <m:sSubSupPr>
+                        <m:ctrlPr>
+                          <a:rPr lang="fr-FR" sz="1600" b="0" i="1" smtClean="0">
+                            <a:latin typeface="Cambria Math" panose="02040503050406030204" pitchFamily="18" charset="0"/>
+                          </a:rPr>
+                        </m:ctrlPr>
+                      </m:sSubSupPr>
+                      <m:e>
+                        <m:r>
+                          <a:rPr lang="fr-FR" sz="1600" b="0" i="1" smtClean="0">
+                            <a:latin typeface="Cambria Math" panose="02040503050406030204" pitchFamily="18" charset="0"/>
+                          </a:rPr>
+                          <m:t>𝐷</m:t>
+                        </m:r>
+                      </m:e>
+                      <m:sub>
+                        <m:r>
+                          <a:rPr lang="fr-FR" sz="1600" b="0" i="1" smtClean="0">
+                            <a:latin typeface="Cambria Math" panose="02040503050406030204" pitchFamily="18" charset="0"/>
+                          </a:rPr>
+                          <m:t>𝐻𝐷</m:t>
+                        </m:r>
+                      </m:sub>
+                      <m:sup>
+                        <m:r>
+                          <a:rPr lang="fr-FR" sz="1600" b="0" i="1" smtClean="0">
+                            <a:latin typeface="Cambria Math" panose="02040503050406030204" pitchFamily="18" charset="0"/>
+                          </a:rPr>
+                          <m:t>2</m:t>
+                        </m:r>
+                      </m:sup>
+                    </m:sSubSup>
+                    <m:r>
+                      <a:rPr lang="fr-FR" sz="1600" b="0" i="1" smtClean="0">
+                        <a:latin typeface="Cambria Math" panose="02040503050406030204" pitchFamily="18" charset="0"/>
+                      </a:rPr>
+                      <m:t>=</m:t>
+                    </m:r>
+                    <m:sSup>
+                      <m:sSupPr>
+                        <m:ctrlPr>
+                          <a:rPr lang="fr-FR" sz="1600" b="0" i="1" smtClean="0">
+                            <a:latin typeface="Cambria Math" panose="02040503050406030204" pitchFamily="18" charset="0"/>
+                          </a:rPr>
+                        </m:ctrlPr>
+                      </m:sSupPr>
+                      <m:e>
+                        <m:d>
+                          <m:dPr>
+                            <m:ctrlPr>
+                              <a:rPr lang="fr-FR" sz="1600" b="0" i="1" smtClean="0">
+                                <a:latin typeface="Cambria Math" panose="02040503050406030204" pitchFamily="18" charset="0"/>
+                              </a:rPr>
+                            </m:ctrlPr>
+                          </m:dPr>
+                          <m:e>
+                            <m:r>
+                              <a:rPr lang="fr-FR" sz="1600" i="1">
+                                <a:latin typeface="Cambria Math" panose="02040503050406030204" pitchFamily="18" charset="0"/>
+                              </a:rPr>
+                              <m:t>−</m:t>
+                            </m:r>
+                            <m:f>
+                              <m:fPr>
+                                <m:ctrlPr>
+                                  <a:rPr lang="fr-FR" sz="1600" i="1">
+                                    <a:latin typeface="Cambria Math" panose="02040503050406030204" pitchFamily="18" charset="0"/>
+                                  </a:rPr>
+                                </m:ctrlPr>
+                              </m:fPr>
+                              <m:num>
+                                <m:r>
+                                  <a:rPr lang="fr-FR" sz="1600" i="1">
+                                    <a:latin typeface="Cambria Math" panose="02040503050406030204" pitchFamily="18" charset="0"/>
+                                  </a:rPr>
+                                  <m:t>𝐿</m:t>
+                                </m:r>
+                              </m:num>
+                              <m:den>
+                                <m:r>
+                                  <a:rPr lang="fr-FR" sz="1600" i="1">
+                                    <a:latin typeface="Cambria Math" panose="02040503050406030204" pitchFamily="18" charset="0"/>
+                                  </a:rPr>
+                                  <m:t>2</m:t>
+                                </m:r>
+                              </m:den>
+                            </m:f>
+                            <m:func>
+                              <m:funcPr>
+                                <m:ctrlPr>
+                                  <a:rPr lang="fr-FR" sz="1600" i="1">
+                                    <a:latin typeface="Cambria Math" panose="02040503050406030204" pitchFamily="18" charset="0"/>
+                                  </a:rPr>
+                                </m:ctrlPr>
+                              </m:funcPr>
+                              <m:fName>
+                                <m:r>
+                                  <m:rPr>
+                                    <m:sty m:val="p"/>
+                                  </m:rPr>
+                                  <a:rPr lang="fr-FR" sz="1600">
+                                    <a:latin typeface="Cambria Math" panose="02040503050406030204" pitchFamily="18" charset="0"/>
+                                  </a:rPr>
+                                  <m:t>cos</m:t>
+                                </m:r>
+                              </m:fName>
+                              <m:e>
+                                <m:r>
+                                  <a:rPr lang="fr-FR" sz="1600" i="1">
+                                    <a:latin typeface="Cambria Math" panose="02040503050406030204" pitchFamily="18" charset="0"/>
+                                  </a:rPr>
+                                  <m:t>𝜃</m:t>
+                                </m:r>
+                              </m:e>
+                            </m:func>
+                            <m:r>
+                              <a:rPr lang="fr-FR" sz="1600" i="1">
+                                <a:latin typeface="Cambria Math" panose="02040503050406030204" pitchFamily="18" charset="0"/>
+                              </a:rPr>
+                              <m:t>+</m:t>
+                            </m:r>
+                            <m:f>
+                              <m:fPr>
+                                <m:ctrlPr>
+                                  <a:rPr lang="fr-FR" sz="1600" i="1">
+                                    <a:latin typeface="Cambria Math" panose="02040503050406030204" pitchFamily="18" charset="0"/>
+                                  </a:rPr>
+                                </m:ctrlPr>
+                              </m:fPr>
+                              <m:num>
+                                <m:r>
+                                  <a:rPr lang="fr-FR" sz="1600" i="1">
+                                    <a:latin typeface="Cambria Math" panose="02040503050406030204" pitchFamily="18" charset="0"/>
+                                  </a:rPr>
+                                  <m:t>𝐻</m:t>
+                                </m:r>
+                              </m:num>
+                              <m:den>
+                                <m:r>
+                                  <a:rPr lang="fr-FR" sz="1600" i="1">
+                                    <a:latin typeface="Cambria Math" panose="02040503050406030204" pitchFamily="18" charset="0"/>
+                                  </a:rPr>
+                                  <m:t>2</m:t>
+                                </m:r>
+                              </m:den>
+                            </m:f>
+                            <m:func>
+                              <m:funcPr>
+                                <m:ctrlPr>
+                                  <a:rPr lang="fr-FR" sz="1600" i="1">
+                                    <a:latin typeface="Cambria Math" panose="02040503050406030204" pitchFamily="18" charset="0"/>
+                                  </a:rPr>
+                                </m:ctrlPr>
+                              </m:funcPr>
+                              <m:fName>
+                                <m:r>
+                                  <m:rPr>
+                                    <m:sty m:val="p"/>
+                                  </m:rPr>
+                                  <a:rPr lang="fr-FR" sz="1600">
+                                    <a:latin typeface="Cambria Math" panose="02040503050406030204" pitchFamily="18" charset="0"/>
+                                  </a:rPr>
+                                  <m:t>sin</m:t>
+                                </m:r>
+                              </m:fName>
+                              <m:e>
+                                <m:r>
+                                  <a:rPr lang="fr-FR" sz="1600" i="1">
+                                    <a:latin typeface="Cambria Math" panose="02040503050406030204" pitchFamily="18" charset="0"/>
+                                  </a:rPr>
+                                  <m:t>𝜃</m:t>
+                                </m:r>
+                              </m:e>
+                            </m:func>
+                            <m:r>
+                              <a:rPr lang="fr-FR" sz="1600" i="1">
+                                <a:latin typeface="Cambria Math" panose="02040503050406030204" pitchFamily="18" charset="0"/>
+                              </a:rPr>
+                              <m:t>−</m:t>
+                            </m:r>
+                            <m:sSub>
+                              <m:sSubPr>
+                                <m:ctrlPr>
+                                  <a:rPr lang="fr-FR" sz="1600" i="1">
+                                    <a:latin typeface="Cambria Math" panose="02040503050406030204" pitchFamily="18" charset="0"/>
+                                  </a:rPr>
+                                </m:ctrlPr>
+                              </m:sSubPr>
+                              <m:e>
+                                <m:r>
+                                  <a:rPr lang="fr-FR" sz="1600" i="1">
+                                    <a:latin typeface="Cambria Math" panose="02040503050406030204" pitchFamily="18" charset="0"/>
+                                  </a:rPr>
+                                  <m:t>𝑋</m:t>
+                                </m:r>
+                              </m:e>
+                              <m:sub>
+                                <m:r>
+                                  <a:rPr lang="fr-FR" sz="1600" i="1">
+                                    <a:latin typeface="Cambria Math" panose="02040503050406030204" pitchFamily="18" charset="0"/>
+                                  </a:rPr>
+                                  <m:t>𝑀</m:t>
+                                </m:r>
+                              </m:sub>
+                            </m:sSub>
+                            <m:r>
+                              <a:rPr lang="fr-FR" sz="1600" i="1">
+                                <a:latin typeface="Cambria Math" panose="02040503050406030204" pitchFamily="18" charset="0"/>
+                              </a:rPr>
+                              <m:t>+</m:t>
+                            </m:r>
+                            <m:sSub>
+                              <m:sSubPr>
+                                <m:ctrlPr>
+                                  <a:rPr lang="fr-FR" sz="1600" i="1">
+                                    <a:latin typeface="Cambria Math" panose="02040503050406030204" pitchFamily="18" charset="0"/>
+                                  </a:rPr>
+                                </m:ctrlPr>
+                              </m:sSubPr>
+                              <m:e>
+                                <m:r>
+                                  <a:rPr lang="fr-FR" sz="1600" i="1">
+                                    <a:latin typeface="Cambria Math" panose="02040503050406030204" pitchFamily="18" charset="0"/>
+                                  </a:rPr>
+                                  <m:t>𝑋</m:t>
+                                </m:r>
+                              </m:e>
+                              <m:sub>
+                                <m:r>
+                                  <a:rPr lang="fr-FR" sz="1600" i="1">
+                                    <a:latin typeface="Cambria Math" panose="02040503050406030204" pitchFamily="18" charset="0"/>
+                                  </a:rPr>
+                                  <m:t>𝐻𝐷</m:t>
+                                </m:r>
+                              </m:sub>
+                            </m:sSub>
+                          </m:e>
+                        </m:d>
+                      </m:e>
+                      <m:sup>
+                        <m:r>
+                          <a:rPr lang="fr-FR" sz="1600" b="0" i="1" smtClean="0">
+                            <a:latin typeface="Cambria Math" panose="02040503050406030204" pitchFamily="18" charset="0"/>
+                          </a:rPr>
+                          <m:t>2</m:t>
+                        </m:r>
+                      </m:sup>
+                    </m:sSup>
+                    <m:r>
+                      <a:rPr lang="fr-FR" sz="1600" b="0" i="0" smtClean="0">
+                        <a:latin typeface="Cambria Math" panose="02040503050406030204" pitchFamily="18" charset="0"/>
+                      </a:rPr>
+                      <m:t>+</m:t>
+                    </m:r>
+                    <m:sSup>
+                      <m:sSupPr>
+                        <m:ctrlPr>
+                          <a:rPr lang="fr-FR" sz="1600" b="0" i="1" smtClean="0">
+                            <a:latin typeface="Cambria Math" panose="02040503050406030204" pitchFamily="18" charset="0"/>
+                          </a:rPr>
+                        </m:ctrlPr>
+                      </m:sSupPr>
+                      <m:e>
+                        <m:d>
+                          <m:dPr>
+                            <m:ctrlPr>
+                              <a:rPr lang="fr-FR" sz="1600" b="0" i="1" smtClean="0">
+                                <a:latin typeface="Cambria Math" panose="02040503050406030204" pitchFamily="18" charset="0"/>
+                              </a:rPr>
+                            </m:ctrlPr>
+                          </m:dPr>
+                          <m:e>
+                            <m:r>
+                              <a:rPr lang="fr-FR" sz="1600" i="1">
+                                <a:latin typeface="Cambria Math" panose="02040503050406030204" pitchFamily="18" charset="0"/>
+                              </a:rPr>
+                              <m:t>−</m:t>
+                            </m:r>
+                            <m:f>
+                              <m:fPr>
+                                <m:ctrlPr>
+                                  <a:rPr lang="fr-FR" sz="1600" i="1">
+                                    <a:latin typeface="Cambria Math" panose="02040503050406030204" pitchFamily="18" charset="0"/>
+                                  </a:rPr>
+                                </m:ctrlPr>
+                              </m:fPr>
+                              <m:num>
+                                <m:r>
+                                  <a:rPr lang="fr-FR" sz="1600" i="1">
+                                    <a:latin typeface="Cambria Math" panose="02040503050406030204" pitchFamily="18" charset="0"/>
+                                  </a:rPr>
+                                  <m:t>𝐿</m:t>
+                                </m:r>
+                              </m:num>
+                              <m:den>
+                                <m:r>
+                                  <a:rPr lang="fr-FR" sz="1600" i="1">
+                                    <a:latin typeface="Cambria Math" panose="02040503050406030204" pitchFamily="18" charset="0"/>
+                                  </a:rPr>
+                                  <m:t>2</m:t>
+                                </m:r>
+                              </m:den>
+                            </m:f>
+                            <m:func>
+                              <m:funcPr>
+                                <m:ctrlPr>
+                                  <a:rPr lang="fr-FR" sz="1600" i="1">
+                                    <a:latin typeface="Cambria Math" panose="02040503050406030204" pitchFamily="18" charset="0"/>
+                                  </a:rPr>
+                                </m:ctrlPr>
+                              </m:funcPr>
+                              <m:fName>
+                                <m:r>
+                                  <m:rPr>
+                                    <m:sty m:val="p"/>
+                                  </m:rPr>
+                                  <a:rPr lang="fr-FR" sz="1600">
+                                    <a:latin typeface="Cambria Math" panose="02040503050406030204" pitchFamily="18" charset="0"/>
+                                  </a:rPr>
+                                  <m:t>sin</m:t>
+                                </m:r>
+                              </m:fName>
+                              <m:e>
+                                <m:r>
+                                  <a:rPr lang="fr-FR" sz="1600" i="1">
+                                    <a:latin typeface="Cambria Math" panose="02040503050406030204" pitchFamily="18" charset="0"/>
+                                  </a:rPr>
+                                  <m:t>𝜃</m:t>
+                                </m:r>
+                              </m:e>
+                            </m:func>
+                            <m:r>
+                              <a:rPr lang="fr-FR" sz="1600" i="1">
+                                <a:latin typeface="Cambria Math" panose="02040503050406030204" pitchFamily="18" charset="0"/>
+                              </a:rPr>
+                              <m:t>−</m:t>
+                            </m:r>
+                            <m:f>
+                              <m:fPr>
+                                <m:ctrlPr>
+                                  <a:rPr lang="fr-FR" sz="1600" i="1">
+                                    <a:latin typeface="Cambria Math" panose="02040503050406030204" pitchFamily="18" charset="0"/>
+                                  </a:rPr>
+                                </m:ctrlPr>
+                              </m:fPr>
+                              <m:num>
+                                <m:r>
+                                  <a:rPr lang="fr-FR" sz="1600" i="1">
+                                    <a:latin typeface="Cambria Math" panose="02040503050406030204" pitchFamily="18" charset="0"/>
+                                  </a:rPr>
+                                  <m:t>𝐻</m:t>
+                                </m:r>
+                              </m:num>
+                              <m:den>
+                                <m:r>
+                                  <a:rPr lang="fr-FR" sz="1600" i="1">
+                                    <a:latin typeface="Cambria Math" panose="02040503050406030204" pitchFamily="18" charset="0"/>
+                                  </a:rPr>
+                                  <m:t>2</m:t>
+                                </m:r>
+                              </m:den>
+                            </m:f>
+                            <m:func>
+                              <m:funcPr>
+                                <m:ctrlPr>
+                                  <a:rPr lang="fr-FR" sz="1600" i="1">
+                                    <a:latin typeface="Cambria Math" panose="02040503050406030204" pitchFamily="18" charset="0"/>
+                                  </a:rPr>
+                                </m:ctrlPr>
+                              </m:funcPr>
+                              <m:fName>
+                                <m:r>
+                                  <m:rPr>
+                                    <m:sty m:val="p"/>
+                                  </m:rPr>
+                                  <a:rPr lang="fr-FR" sz="1600">
+                                    <a:latin typeface="Cambria Math" panose="02040503050406030204" pitchFamily="18" charset="0"/>
+                                  </a:rPr>
+                                  <m:t>cos</m:t>
+                                </m:r>
+                              </m:fName>
+                              <m:e>
+                                <m:r>
+                                  <a:rPr lang="fr-FR" sz="1600" i="1">
+                                    <a:latin typeface="Cambria Math" panose="02040503050406030204" pitchFamily="18" charset="0"/>
+                                  </a:rPr>
+                                  <m:t>𝜃</m:t>
+                                </m:r>
+                              </m:e>
+                            </m:func>
+                            <m:r>
+                              <a:rPr lang="fr-FR" sz="1600" i="1">
+                                <a:latin typeface="Cambria Math" panose="02040503050406030204" pitchFamily="18" charset="0"/>
+                              </a:rPr>
+                              <m:t>−</m:t>
+                            </m:r>
+                            <m:sSub>
+                              <m:sSubPr>
+                                <m:ctrlPr>
+                                  <a:rPr lang="fr-FR" sz="1600" i="1">
+                                    <a:latin typeface="Cambria Math" panose="02040503050406030204" pitchFamily="18" charset="0"/>
+                                  </a:rPr>
+                                </m:ctrlPr>
+                              </m:sSubPr>
+                              <m:e>
+                                <m:r>
+                                  <a:rPr lang="fr-FR" sz="1600" i="1">
+                                    <a:latin typeface="Cambria Math" panose="02040503050406030204" pitchFamily="18" charset="0"/>
+                                  </a:rPr>
+                                  <m:t>𝑌</m:t>
+                                </m:r>
+                              </m:e>
+                              <m:sub>
+                                <m:r>
+                                  <a:rPr lang="fr-FR" sz="1600" i="1">
+                                    <a:latin typeface="Cambria Math" panose="02040503050406030204" pitchFamily="18" charset="0"/>
+                                  </a:rPr>
+                                  <m:t>𝑀</m:t>
+                                </m:r>
+                              </m:sub>
+                            </m:sSub>
+                            <m:r>
+                              <a:rPr lang="fr-FR" sz="1600" i="1">
+                                <a:latin typeface="Cambria Math" panose="02040503050406030204" pitchFamily="18" charset="0"/>
+                              </a:rPr>
+                              <m:t>+</m:t>
+                            </m:r>
+                            <m:sSub>
+                              <m:sSubPr>
+                                <m:ctrlPr>
+                                  <a:rPr lang="fr-FR" sz="1600" i="1">
+                                    <a:latin typeface="Cambria Math" panose="02040503050406030204" pitchFamily="18" charset="0"/>
+                                  </a:rPr>
+                                </m:ctrlPr>
+                              </m:sSubPr>
+                              <m:e>
+                                <m:r>
+                                  <a:rPr lang="fr-FR" sz="1600" i="1">
+                                    <a:latin typeface="Cambria Math" panose="02040503050406030204" pitchFamily="18" charset="0"/>
+                                  </a:rPr>
+                                  <m:t>𝑌</m:t>
+                                </m:r>
+                              </m:e>
+                              <m:sub>
+                                <m:r>
+                                  <a:rPr lang="fr-FR" sz="1600" i="1">
+                                    <a:latin typeface="Cambria Math" panose="02040503050406030204" pitchFamily="18" charset="0"/>
+                                  </a:rPr>
+                                  <m:t>𝐻𝐷</m:t>
+                                </m:r>
+                              </m:sub>
+                            </m:sSub>
+                          </m:e>
+                        </m:d>
+                      </m:e>
+                      <m:sup>
+                        <m:r>
+                          <a:rPr lang="fr-FR" sz="1600" b="0" i="1" smtClean="0">
+                            <a:latin typeface="Cambria Math" panose="02040503050406030204" pitchFamily="18" charset="0"/>
+                          </a:rPr>
+                          <m:t>2</m:t>
+                        </m:r>
+                      </m:sup>
+                    </m:sSup>
+                  </m:oMath>
+                </a14:m>
+                <a:endParaRPr lang="fr-FR" sz="1600" b="0" dirty="0"/>
+              </a:p>
+              <a:p>
+                <a:pPr lvl="1"/>
+                <a14:m>
+                  <m:oMath xmlns:m="http://schemas.openxmlformats.org/officeDocument/2006/math">
+                    <m:func>
+                      <m:funcPr>
+                        <m:ctrlPr>
+                          <a:rPr lang="fr-FR" sz="1600" b="0" i="1" smtClean="0">
+                            <a:latin typeface="Cambria Math" panose="02040503050406030204" pitchFamily="18" charset="0"/>
+                          </a:rPr>
+                        </m:ctrlPr>
+                      </m:funcPr>
+                      <m:fName>
+                        <m:r>
+                          <m:rPr>
+                            <m:sty m:val="p"/>
+                          </m:rPr>
+                          <a:rPr lang="fr-FR" sz="1600" b="0" i="0" smtClean="0">
+                            <a:latin typeface="Cambria Math" panose="02040503050406030204" pitchFamily="18" charset="0"/>
+                          </a:rPr>
+                          <m:t>tan</m:t>
+                        </m:r>
+                      </m:fName>
+                      <m:e>
+                        <m:sSub>
+                          <m:sSubPr>
+                            <m:ctrlPr>
+                              <a:rPr lang="fr-FR" sz="1600" b="0" i="1" smtClean="0">
+                                <a:latin typeface="Cambria Math" panose="02040503050406030204" pitchFamily="18" charset="0"/>
+                              </a:rPr>
+                            </m:ctrlPr>
+                          </m:sSubPr>
+                          <m:e>
+                            <m:r>
+                              <a:rPr lang="fr-FR" sz="1600" b="0" i="1" smtClean="0">
+                                <a:latin typeface="Cambria Math" panose="02040503050406030204" pitchFamily="18" charset="0"/>
+                              </a:rPr>
+                              <m:t>𝜑</m:t>
+                            </m:r>
+                          </m:e>
+                          <m:sub>
+                            <m:r>
+                              <a:rPr lang="fr-FR" sz="1600" b="0" i="1" smtClean="0">
+                                <a:latin typeface="Cambria Math" panose="02040503050406030204" pitchFamily="18" charset="0"/>
+                              </a:rPr>
+                              <m:t>𝐻𝐷</m:t>
+                            </m:r>
+                          </m:sub>
+                        </m:sSub>
+                      </m:e>
+                    </m:func>
+                    <m:r>
+                      <a:rPr lang="fr-FR" sz="1600" b="0" i="0" smtClean="0">
+                        <a:latin typeface="Cambria Math" panose="02040503050406030204" pitchFamily="18" charset="0"/>
+                      </a:rPr>
+                      <m:t>=</m:t>
+                    </m:r>
+                    <m:f>
+                      <m:fPr>
+                        <m:ctrlPr>
+                          <a:rPr lang="fr-FR" sz="1600" b="0" i="1" smtClean="0">
+                            <a:latin typeface="Cambria Math" panose="02040503050406030204" pitchFamily="18" charset="0"/>
+                          </a:rPr>
+                        </m:ctrlPr>
+                      </m:fPr>
+                      <m:num>
+                        <m:r>
+                          <a:rPr lang="fr-FR" sz="1600" i="1">
+                            <a:latin typeface="Cambria Math" panose="02040503050406030204" pitchFamily="18" charset="0"/>
+                          </a:rPr>
+                          <m:t>−</m:t>
+                        </m:r>
+                        <m:f>
+                          <m:fPr>
+                            <m:ctrlPr>
+                              <a:rPr lang="fr-FR" sz="1600" i="1">
+                                <a:latin typeface="Cambria Math" panose="02040503050406030204" pitchFamily="18" charset="0"/>
+                              </a:rPr>
+                            </m:ctrlPr>
+                          </m:fPr>
+                          <m:num>
+                            <m:r>
+                              <a:rPr lang="fr-FR" sz="1600" i="1">
+                                <a:latin typeface="Cambria Math" panose="02040503050406030204" pitchFamily="18" charset="0"/>
+                              </a:rPr>
+                              <m:t>𝐿</m:t>
+                            </m:r>
+                          </m:num>
+                          <m:den>
+                            <m:r>
+                              <a:rPr lang="fr-FR" sz="1600" i="1">
+                                <a:latin typeface="Cambria Math" panose="02040503050406030204" pitchFamily="18" charset="0"/>
+                              </a:rPr>
+                              <m:t>2</m:t>
+                            </m:r>
+                          </m:den>
+                        </m:f>
+                        <m:func>
+                          <m:funcPr>
+                            <m:ctrlPr>
+                              <a:rPr lang="fr-FR" sz="1600" i="1">
+                                <a:latin typeface="Cambria Math" panose="02040503050406030204" pitchFamily="18" charset="0"/>
+                              </a:rPr>
+                            </m:ctrlPr>
+                          </m:funcPr>
+                          <m:fName>
+                            <m:r>
+                              <m:rPr>
+                                <m:sty m:val="p"/>
+                              </m:rPr>
+                              <a:rPr lang="fr-FR" sz="1600">
+                                <a:latin typeface="Cambria Math" panose="02040503050406030204" pitchFamily="18" charset="0"/>
+                              </a:rPr>
+                              <m:t>sin</m:t>
+                            </m:r>
+                          </m:fName>
+                          <m:e>
+                            <m:r>
+                              <a:rPr lang="fr-FR" sz="1600" i="1">
+                                <a:latin typeface="Cambria Math" panose="02040503050406030204" pitchFamily="18" charset="0"/>
+                              </a:rPr>
+                              <m:t>𝜃</m:t>
+                            </m:r>
+                          </m:e>
+                        </m:func>
+                        <m:r>
+                          <a:rPr lang="fr-FR" sz="1600" i="1">
+                            <a:latin typeface="Cambria Math" panose="02040503050406030204" pitchFamily="18" charset="0"/>
+                          </a:rPr>
+                          <m:t>−</m:t>
+                        </m:r>
+                        <m:f>
+                          <m:fPr>
+                            <m:ctrlPr>
+                              <a:rPr lang="fr-FR" sz="1600" i="1">
+                                <a:latin typeface="Cambria Math" panose="02040503050406030204" pitchFamily="18" charset="0"/>
+                              </a:rPr>
+                            </m:ctrlPr>
+                          </m:fPr>
+                          <m:num>
+                            <m:r>
+                              <a:rPr lang="fr-FR" sz="1600" i="1">
+                                <a:latin typeface="Cambria Math" panose="02040503050406030204" pitchFamily="18" charset="0"/>
+                              </a:rPr>
+                              <m:t>𝐻</m:t>
+                            </m:r>
+                          </m:num>
+                          <m:den>
+                            <m:r>
+                              <a:rPr lang="fr-FR" sz="1600" i="1">
+                                <a:latin typeface="Cambria Math" panose="02040503050406030204" pitchFamily="18" charset="0"/>
+                              </a:rPr>
+                              <m:t>2</m:t>
+                            </m:r>
+                          </m:den>
+                        </m:f>
+                        <m:func>
+                          <m:funcPr>
+                            <m:ctrlPr>
+                              <a:rPr lang="fr-FR" sz="1600" i="1">
+                                <a:latin typeface="Cambria Math" panose="02040503050406030204" pitchFamily="18" charset="0"/>
+                              </a:rPr>
+                            </m:ctrlPr>
+                          </m:funcPr>
+                          <m:fName>
+                            <m:r>
+                              <m:rPr>
+                                <m:sty m:val="p"/>
+                              </m:rPr>
+                              <a:rPr lang="fr-FR" sz="1600">
+                                <a:latin typeface="Cambria Math" panose="02040503050406030204" pitchFamily="18" charset="0"/>
+                              </a:rPr>
+                              <m:t>cos</m:t>
+                            </m:r>
+                          </m:fName>
+                          <m:e>
+                            <m:r>
+                              <a:rPr lang="fr-FR" sz="1600" i="1">
+                                <a:latin typeface="Cambria Math" panose="02040503050406030204" pitchFamily="18" charset="0"/>
+                              </a:rPr>
+                              <m:t>𝜃</m:t>
+                            </m:r>
+                          </m:e>
+                        </m:func>
+                        <m:r>
+                          <a:rPr lang="fr-FR" sz="1600" i="1">
+                            <a:latin typeface="Cambria Math" panose="02040503050406030204" pitchFamily="18" charset="0"/>
+                          </a:rPr>
+                          <m:t>−</m:t>
+                        </m:r>
+                        <m:sSub>
+                          <m:sSubPr>
+                            <m:ctrlPr>
+                              <a:rPr lang="fr-FR" sz="1600" i="1">
+                                <a:latin typeface="Cambria Math" panose="02040503050406030204" pitchFamily="18" charset="0"/>
+                              </a:rPr>
+                            </m:ctrlPr>
+                          </m:sSubPr>
+                          <m:e>
+                            <m:r>
+                              <a:rPr lang="fr-FR" sz="1600" i="1">
+                                <a:latin typeface="Cambria Math" panose="02040503050406030204" pitchFamily="18" charset="0"/>
+                              </a:rPr>
+                              <m:t>𝑌</m:t>
+                            </m:r>
+                          </m:e>
+                          <m:sub>
+                            <m:r>
+                              <a:rPr lang="fr-FR" sz="1600" i="1">
+                                <a:latin typeface="Cambria Math" panose="02040503050406030204" pitchFamily="18" charset="0"/>
+                              </a:rPr>
+                              <m:t>𝑀</m:t>
+                            </m:r>
+                          </m:sub>
+                        </m:sSub>
+                        <m:r>
+                          <a:rPr lang="fr-FR" sz="1600" i="1">
+                            <a:latin typeface="Cambria Math" panose="02040503050406030204" pitchFamily="18" charset="0"/>
+                          </a:rPr>
+                          <m:t>+</m:t>
+                        </m:r>
+                        <m:sSub>
+                          <m:sSubPr>
+                            <m:ctrlPr>
+                              <a:rPr lang="fr-FR" sz="1600" i="1">
+                                <a:latin typeface="Cambria Math" panose="02040503050406030204" pitchFamily="18" charset="0"/>
+                              </a:rPr>
+                            </m:ctrlPr>
+                          </m:sSubPr>
+                          <m:e>
+                            <m:r>
+                              <a:rPr lang="fr-FR" sz="1600" i="1">
+                                <a:latin typeface="Cambria Math" panose="02040503050406030204" pitchFamily="18" charset="0"/>
+                              </a:rPr>
+                              <m:t>𝑌</m:t>
+                            </m:r>
+                          </m:e>
+                          <m:sub>
+                            <m:r>
+                              <a:rPr lang="fr-FR" sz="1600" i="1">
+                                <a:latin typeface="Cambria Math" panose="02040503050406030204" pitchFamily="18" charset="0"/>
+                              </a:rPr>
+                              <m:t>𝐻𝐷</m:t>
+                            </m:r>
+                          </m:sub>
+                        </m:sSub>
+                      </m:num>
+                      <m:den>
+                        <m:r>
+                          <a:rPr lang="fr-FR" sz="1600" i="1">
+                            <a:latin typeface="Cambria Math" panose="02040503050406030204" pitchFamily="18" charset="0"/>
+                          </a:rPr>
+                          <m:t>−</m:t>
+                        </m:r>
+                        <m:f>
+                          <m:fPr>
+                            <m:ctrlPr>
+                              <a:rPr lang="fr-FR" sz="1600" i="1">
+                                <a:latin typeface="Cambria Math" panose="02040503050406030204" pitchFamily="18" charset="0"/>
+                              </a:rPr>
+                            </m:ctrlPr>
+                          </m:fPr>
+                          <m:num>
+                            <m:r>
+                              <a:rPr lang="fr-FR" sz="1600" i="1">
+                                <a:latin typeface="Cambria Math" panose="02040503050406030204" pitchFamily="18" charset="0"/>
+                              </a:rPr>
+                              <m:t>𝐿</m:t>
+                            </m:r>
+                          </m:num>
+                          <m:den>
+                            <m:r>
+                              <a:rPr lang="fr-FR" sz="1600" i="1">
+                                <a:latin typeface="Cambria Math" panose="02040503050406030204" pitchFamily="18" charset="0"/>
+                              </a:rPr>
+                              <m:t>2</m:t>
+                            </m:r>
+                          </m:den>
+                        </m:f>
+                        <m:func>
+                          <m:funcPr>
+                            <m:ctrlPr>
+                              <a:rPr lang="fr-FR" sz="1600" i="1">
+                                <a:latin typeface="Cambria Math" panose="02040503050406030204" pitchFamily="18" charset="0"/>
+                              </a:rPr>
+                            </m:ctrlPr>
+                          </m:funcPr>
+                          <m:fName>
+                            <m:r>
+                              <m:rPr>
+                                <m:sty m:val="p"/>
+                              </m:rPr>
+                              <a:rPr lang="fr-FR" sz="1600">
+                                <a:latin typeface="Cambria Math" panose="02040503050406030204" pitchFamily="18" charset="0"/>
+                              </a:rPr>
+                              <m:t>cos</m:t>
+                            </m:r>
+                          </m:fName>
+                          <m:e>
+                            <m:r>
+                              <a:rPr lang="fr-FR" sz="1600" i="1">
+                                <a:latin typeface="Cambria Math" panose="02040503050406030204" pitchFamily="18" charset="0"/>
+                              </a:rPr>
+                              <m:t>𝜃</m:t>
+                            </m:r>
+                          </m:e>
+                        </m:func>
+                        <m:r>
+                          <a:rPr lang="fr-FR" sz="1600" i="1">
+                            <a:latin typeface="Cambria Math" panose="02040503050406030204" pitchFamily="18" charset="0"/>
+                          </a:rPr>
+                          <m:t>+</m:t>
+                        </m:r>
+                        <m:f>
+                          <m:fPr>
+                            <m:ctrlPr>
+                              <a:rPr lang="fr-FR" sz="1600" i="1">
+                                <a:latin typeface="Cambria Math" panose="02040503050406030204" pitchFamily="18" charset="0"/>
+                              </a:rPr>
+                            </m:ctrlPr>
+                          </m:fPr>
+                          <m:num>
+                            <m:r>
+                              <a:rPr lang="fr-FR" sz="1600" i="1">
+                                <a:latin typeface="Cambria Math" panose="02040503050406030204" pitchFamily="18" charset="0"/>
+                              </a:rPr>
+                              <m:t>𝐻</m:t>
+                            </m:r>
+                          </m:num>
+                          <m:den>
+                            <m:r>
+                              <a:rPr lang="fr-FR" sz="1600" i="1">
+                                <a:latin typeface="Cambria Math" panose="02040503050406030204" pitchFamily="18" charset="0"/>
+                              </a:rPr>
+                              <m:t>2</m:t>
+                            </m:r>
+                          </m:den>
+                        </m:f>
+                        <m:func>
+                          <m:funcPr>
+                            <m:ctrlPr>
+                              <a:rPr lang="fr-FR" sz="1600" i="1">
+                                <a:latin typeface="Cambria Math" panose="02040503050406030204" pitchFamily="18" charset="0"/>
+                              </a:rPr>
+                            </m:ctrlPr>
+                          </m:funcPr>
+                          <m:fName>
+                            <m:r>
+                              <m:rPr>
+                                <m:sty m:val="p"/>
+                              </m:rPr>
+                              <a:rPr lang="fr-FR" sz="1600">
+                                <a:latin typeface="Cambria Math" panose="02040503050406030204" pitchFamily="18" charset="0"/>
+                              </a:rPr>
+                              <m:t>sin</m:t>
+                            </m:r>
+                          </m:fName>
+                          <m:e>
+                            <m:r>
+                              <a:rPr lang="fr-FR" sz="1600" i="1">
+                                <a:latin typeface="Cambria Math" panose="02040503050406030204" pitchFamily="18" charset="0"/>
+                              </a:rPr>
+                              <m:t>𝜃</m:t>
+                            </m:r>
+                          </m:e>
+                        </m:func>
+                        <m:r>
+                          <a:rPr lang="fr-FR" sz="1600" i="1">
+                            <a:latin typeface="Cambria Math" panose="02040503050406030204" pitchFamily="18" charset="0"/>
+                          </a:rPr>
+                          <m:t>−</m:t>
+                        </m:r>
+                        <m:sSub>
+                          <m:sSubPr>
+                            <m:ctrlPr>
+                              <a:rPr lang="fr-FR" sz="1600" i="1">
+                                <a:latin typeface="Cambria Math" panose="02040503050406030204" pitchFamily="18" charset="0"/>
+                              </a:rPr>
+                            </m:ctrlPr>
+                          </m:sSubPr>
+                          <m:e>
+                            <m:r>
+                              <a:rPr lang="fr-FR" sz="1600" i="1">
+                                <a:latin typeface="Cambria Math" panose="02040503050406030204" pitchFamily="18" charset="0"/>
+                              </a:rPr>
+                              <m:t>𝑋</m:t>
+                            </m:r>
+                          </m:e>
+                          <m:sub>
+                            <m:r>
+                              <a:rPr lang="fr-FR" sz="1600" i="1">
+                                <a:latin typeface="Cambria Math" panose="02040503050406030204" pitchFamily="18" charset="0"/>
+                              </a:rPr>
+                              <m:t>𝑀</m:t>
+                            </m:r>
+                          </m:sub>
+                        </m:sSub>
+                        <m:r>
+                          <a:rPr lang="fr-FR" sz="1600" i="1">
+                            <a:latin typeface="Cambria Math" panose="02040503050406030204" pitchFamily="18" charset="0"/>
+                          </a:rPr>
+                          <m:t>+</m:t>
+                        </m:r>
+                        <m:sSub>
+                          <m:sSubPr>
+                            <m:ctrlPr>
+                              <a:rPr lang="fr-FR" sz="1600" i="1">
+                                <a:latin typeface="Cambria Math" panose="02040503050406030204" pitchFamily="18" charset="0"/>
+                              </a:rPr>
+                            </m:ctrlPr>
+                          </m:sSubPr>
+                          <m:e>
+                            <m:r>
+                              <a:rPr lang="fr-FR" sz="1600" i="1">
+                                <a:latin typeface="Cambria Math" panose="02040503050406030204" pitchFamily="18" charset="0"/>
+                              </a:rPr>
+                              <m:t>𝑋</m:t>
+                            </m:r>
+                          </m:e>
+                          <m:sub>
+                            <m:r>
+                              <a:rPr lang="fr-FR" sz="1600" i="1">
+                                <a:latin typeface="Cambria Math" panose="02040503050406030204" pitchFamily="18" charset="0"/>
+                              </a:rPr>
+                              <m:t>𝐻𝐷</m:t>
+                            </m:r>
+                          </m:sub>
+                        </m:sSub>
+                      </m:den>
+                    </m:f>
+                  </m:oMath>
+                </a14:m>
+                <a:endParaRPr lang="fr-FR" sz="1600" dirty="0"/>
+              </a:p>
+              <a:p>
+                <a:pPr lvl="1"/>
+                <a:endParaRPr lang="fr-FR" sz="1600" dirty="0"/>
+              </a:p>
+              <a:p>
+                <a:r>
+                  <a:rPr lang="fr-FR" sz="2000" dirty="0"/>
+                  <a:t>Pour </a:t>
+                </a:r>
+                <a14:m>
+                  <m:oMath xmlns:m="http://schemas.openxmlformats.org/officeDocument/2006/math">
+                    <m:r>
+                      <a:rPr lang="fr-FR" sz="2000" b="0" i="1" smtClean="0">
+                        <a:latin typeface="Cambria Math" panose="02040503050406030204" pitchFamily="18" charset="0"/>
+                      </a:rPr>
+                      <m:t>𝜃</m:t>
+                    </m:r>
+                    <m:r>
+                      <a:rPr lang="fr-FR" sz="2000" b="0" i="1" smtClean="0">
+                        <a:latin typeface="Cambria Math" panose="02040503050406030204" pitchFamily="18" charset="0"/>
+                      </a:rPr>
+                      <m:t>=0</m:t>
+                    </m:r>
+                  </m:oMath>
+                </a14:m>
+                <a:endParaRPr lang="fr-FR" sz="2000" dirty="0"/>
+              </a:p>
+              <a:p>
+                <a:pPr lvl="1"/>
+                <a14:m>
+                  <m:oMath xmlns:m="http://schemas.openxmlformats.org/officeDocument/2006/math">
+                    <m:sSubSup>
+                      <m:sSubSupPr>
+                        <m:ctrlPr>
+                          <a:rPr lang="fr-FR" sz="1600" b="0" i="1" smtClean="0">
+                            <a:latin typeface="Cambria Math" panose="02040503050406030204" pitchFamily="18" charset="0"/>
+                          </a:rPr>
+                        </m:ctrlPr>
+                      </m:sSubSupPr>
+                      <m:e>
+                        <m:r>
+                          <a:rPr lang="fr-FR" sz="1600" b="0" i="1" smtClean="0">
+                            <a:latin typeface="Cambria Math" panose="02040503050406030204" pitchFamily="18" charset="0"/>
+                          </a:rPr>
+                          <m:t>𝐷</m:t>
+                        </m:r>
+                      </m:e>
+                      <m:sub>
+                        <m:r>
+                          <a:rPr lang="fr-FR" sz="1600" b="0" i="1" smtClean="0">
+                            <a:latin typeface="Cambria Math" panose="02040503050406030204" pitchFamily="18" charset="0"/>
+                          </a:rPr>
+                          <m:t>𝐻𝐷</m:t>
+                        </m:r>
+                      </m:sub>
+                      <m:sup>
+                        <m:r>
+                          <a:rPr lang="fr-FR" sz="1600" b="0" i="1" smtClean="0">
+                            <a:latin typeface="Cambria Math" panose="02040503050406030204" pitchFamily="18" charset="0"/>
+                          </a:rPr>
+                          <m:t>2</m:t>
+                        </m:r>
+                      </m:sup>
+                    </m:sSubSup>
+                    <m:r>
+                      <a:rPr lang="fr-FR" sz="1600" b="0" i="1" smtClean="0">
+                        <a:latin typeface="Cambria Math" panose="02040503050406030204" pitchFamily="18" charset="0"/>
+                      </a:rPr>
+                      <m:t>=</m:t>
+                    </m:r>
+                    <m:sSup>
+                      <m:sSupPr>
+                        <m:ctrlPr>
+                          <a:rPr lang="fr-FR" sz="1600" b="0" i="1" smtClean="0">
+                            <a:latin typeface="Cambria Math" panose="02040503050406030204" pitchFamily="18" charset="0"/>
+                          </a:rPr>
+                        </m:ctrlPr>
+                      </m:sSupPr>
+                      <m:e>
+                        <m:d>
+                          <m:dPr>
+                            <m:ctrlPr>
+                              <a:rPr lang="fr-FR" sz="1600" b="0" i="1" smtClean="0">
+                                <a:latin typeface="Cambria Math" panose="02040503050406030204" pitchFamily="18" charset="0"/>
+                              </a:rPr>
+                            </m:ctrlPr>
+                          </m:dPr>
+                          <m:e>
+                            <m:r>
+                              <a:rPr lang="fr-FR" sz="1600" i="1">
+                                <a:latin typeface="Cambria Math" panose="02040503050406030204" pitchFamily="18" charset="0"/>
+                              </a:rPr>
+                              <m:t>−</m:t>
+                            </m:r>
+                            <m:f>
+                              <m:fPr>
+                                <m:ctrlPr>
+                                  <a:rPr lang="fr-FR" sz="1600" i="1">
+                                    <a:latin typeface="Cambria Math" panose="02040503050406030204" pitchFamily="18" charset="0"/>
+                                  </a:rPr>
+                                </m:ctrlPr>
+                              </m:fPr>
+                              <m:num>
+                                <m:r>
+                                  <a:rPr lang="fr-FR" sz="1600" i="1">
+                                    <a:latin typeface="Cambria Math" panose="02040503050406030204" pitchFamily="18" charset="0"/>
+                                  </a:rPr>
+                                  <m:t>𝐿</m:t>
+                                </m:r>
+                              </m:num>
+                              <m:den>
+                                <m:r>
+                                  <a:rPr lang="fr-FR" sz="1600" i="1">
+                                    <a:latin typeface="Cambria Math" panose="02040503050406030204" pitchFamily="18" charset="0"/>
+                                  </a:rPr>
+                                  <m:t>2</m:t>
+                                </m:r>
+                              </m:den>
+                            </m:f>
+                            <m:r>
+                              <a:rPr lang="fr-FR" sz="1600" i="1">
+                                <a:latin typeface="Cambria Math" panose="02040503050406030204" pitchFamily="18" charset="0"/>
+                              </a:rPr>
+                              <m:t>−</m:t>
+                            </m:r>
+                            <m:sSub>
+                              <m:sSubPr>
+                                <m:ctrlPr>
+                                  <a:rPr lang="fr-FR" sz="1600" i="1">
+                                    <a:latin typeface="Cambria Math" panose="02040503050406030204" pitchFamily="18" charset="0"/>
+                                  </a:rPr>
+                                </m:ctrlPr>
+                              </m:sSubPr>
+                              <m:e>
+                                <m:r>
+                                  <a:rPr lang="fr-FR" sz="1600" i="1">
+                                    <a:latin typeface="Cambria Math" panose="02040503050406030204" pitchFamily="18" charset="0"/>
+                                  </a:rPr>
+                                  <m:t>𝑋</m:t>
+                                </m:r>
+                              </m:e>
+                              <m:sub>
+                                <m:r>
+                                  <a:rPr lang="fr-FR" sz="1600" i="1">
+                                    <a:latin typeface="Cambria Math" panose="02040503050406030204" pitchFamily="18" charset="0"/>
+                                  </a:rPr>
+                                  <m:t>𝑀</m:t>
+                                </m:r>
+                              </m:sub>
+                            </m:sSub>
+                            <m:r>
+                              <a:rPr lang="fr-FR" sz="1600" i="1">
+                                <a:latin typeface="Cambria Math" panose="02040503050406030204" pitchFamily="18" charset="0"/>
+                              </a:rPr>
+                              <m:t>+</m:t>
+                            </m:r>
+                            <m:sSub>
+                              <m:sSubPr>
+                                <m:ctrlPr>
+                                  <a:rPr lang="fr-FR" sz="1600" i="1">
+                                    <a:latin typeface="Cambria Math" panose="02040503050406030204" pitchFamily="18" charset="0"/>
+                                  </a:rPr>
+                                </m:ctrlPr>
+                              </m:sSubPr>
+                              <m:e>
+                                <m:r>
+                                  <a:rPr lang="fr-FR" sz="1600" i="1">
+                                    <a:latin typeface="Cambria Math" panose="02040503050406030204" pitchFamily="18" charset="0"/>
+                                  </a:rPr>
+                                  <m:t>𝑋</m:t>
+                                </m:r>
+                              </m:e>
+                              <m:sub>
+                                <m:r>
+                                  <a:rPr lang="fr-FR" sz="1600" i="1">
+                                    <a:latin typeface="Cambria Math" panose="02040503050406030204" pitchFamily="18" charset="0"/>
+                                  </a:rPr>
+                                  <m:t>𝐻𝐷</m:t>
+                                </m:r>
+                              </m:sub>
+                            </m:sSub>
+                          </m:e>
+                        </m:d>
+                      </m:e>
+                      <m:sup>
+                        <m:r>
+                          <a:rPr lang="fr-FR" sz="1600" b="0" i="1" smtClean="0">
+                            <a:latin typeface="Cambria Math" panose="02040503050406030204" pitchFamily="18" charset="0"/>
+                          </a:rPr>
+                          <m:t>2</m:t>
+                        </m:r>
+                      </m:sup>
+                    </m:sSup>
+                    <m:r>
+                      <a:rPr lang="fr-FR" sz="1600" b="0" i="0" smtClean="0">
+                        <a:latin typeface="Cambria Math" panose="02040503050406030204" pitchFamily="18" charset="0"/>
+                      </a:rPr>
+                      <m:t>+</m:t>
+                    </m:r>
+                    <m:sSup>
+                      <m:sSupPr>
+                        <m:ctrlPr>
+                          <a:rPr lang="fr-FR" sz="1600" b="0" i="1" smtClean="0">
+                            <a:latin typeface="Cambria Math" panose="02040503050406030204" pitchFamily="18" charset="0"/>
+                          </a:rPr>
+                        </m:ctrlPr>
+                      </m:sSupPr>
+                      <m:e>
+                        <m:d>
+                          <m:dPr>
+                            <m:ctrlPr>
+                              <a:rPr lang="fr-FR" sz="1600" b="0" i="1" smtClean="0">
+                                <a:latin typeface="Cambria Math" panose="02040503050406030204" pitchFamily="18" charset="0"/>
+                              </a:rPr>
+                            </m:ctrlPr>
+                          </m:dPr>
+                          <m:e>
+                            <m:r>
+                              <a:rPr lang="fr-FR" sz="1600" i="1">
+                                <a:latin typeface="Cambria Math" panose="02040503050406030204" pitchFamily="18" charset="0"/>
+                              </a:rPr>
+                              <m:t>−</m:t>
+                            </m:r>
+                            <m:f>
+                              <m:fPr>
+                                <m:ctrlPr>
+                                  <a:rPr lang="fr-FR" sz="1600" i="1">
+                                    <a:latin typeface="Cambria Math" panose="02040503050406030204" pitchFamily="18" charset="0"/>
+                                  </a:rPr>
+                                </m:ctrlPr>
+                              </m:fPr>
+                              <m:num>
+                                <m:r>
+                                  <a:rPr lang="fr-FR" sz="1600" i="1">
+                                    <a:latin typeface="Cambria Math" panose="02040503050406030204" pitchFamily="18" charset="0"/>
+                                  </a:rPr>
+                                  <m:t>𝐻</m:t>
+                                </m:r>
+                              </m:num>
+                              <m:den>
+                                <m:r>
+                                  <a:rPr lang="fr-FR" sz="1600" i="1">
+                                    <a:latin typeface="Cambria Math" panose="02040503050406030204" pitchFamily="18" charset="0"/>
+                                  </a:rPr>
+                                  <m:t>2</m:t>
+                                </m:r>
+                              </m:den>
+                            </m:f>
+                            <m:r>
+                              <a:rPr lang="fr-FR" sz="1600" i="1">
+                                <a:latin typeface="Cambria Math" panose="02040503050406030204" pitchFamily="18" charset="0"/>
+                              </a:rPr>
+                              <m:t>−</m:t>
+                            </m:r>
+                            <m:sSub>
+                              <m:sSubPr>
+                                <m:ctrlPr>
+                                  <a:rPr lang="fr-FR" sz="1600" i="1">
+                                    <a:latin typeface="Cambria Math" panose="02040503050406030204" pitchFamily="18" charset="0"/>
+                                  </a:rPr>
+                                </m:ctrlPr>
+                              </m:sSubPr>
+                              <m:e>
+                                <m:r>
+                                  <a:rPr lang="fr-FR" sz="1600" i="1">
+                                    <a:latin typeface="Cambria Math" panose="02040503050406030204" pitchFamily="18" charset="0"/>
+                                  </a:rPr>
+                                  <m:t>𝑌</m:t>
+                                </m:r>
+                              </m:e>
+                              <m:sub>
+                                <m:r>
+                                  <a:rPr lang="fr-FR" sz="1600" i="1">
+                                    <a:latin typeface="Cambria Math" panose="02040503050406030204" pitchFamily="18" charset="0"/>
+                                  </a:rPr>
+                                  <m:t>𝑀</m:t>
+                                </m:r>
+                              </m:sub>
+                            </m:sSub>
+                            <m:r>
+                              <a:rPr lang="fr-FR" sz="1600" i="1">
+                                <a:latin typeface="Cambria Math" panose="02040503050406030204" pitchFamily="18" charset="0"/>
+                              </a:rPr>
+                              <m:t>+</m:t>
+                            </m:r>
+                            <m:sSub>
+                              <m:sSubPr>
+                                <m:ctrlPr>
+                                  <a:rPr lang="fr-FR" sz="1600" i="1">
+                                    <a:latin typeface="Cambria Math" panose="02040503050406030204" pitchFamily="18" charset="0"/>
+                                  </a:rPr>
+                                </m:ctrlPr>
+                              </m:sSubPr>
+                              <m:e>
+                                <m:r>
+                                  <a:rPr lang="fr-FR" sz="1600" i="1">
+                                    <a:latin typeface="Cambria Math" panose="02040503050406030204" pitchFamily="18" charset="0"/>
+                                  </a:rPr>
+                                  <m:t>𝑌</m:t>
+                                </m:r>
+                              </m:e>
+                              <m:sub>
+                                <m:r>
+                                  <a:rPr lang="fr-FR" sz="1600" i="1">
+                                    <a:latin typeface="Cambria Math" panose="02040503050406030204" pitchFamily="18" charset="0"/>
+                                  </a:rPr>
+                                  <m:t>𝐻𝐷</m:t>
+                                </m:r>
+                              </m:sub>
+                            </m:sSub>
+                          </m:e>
+                        </m:d>
+                      </m:e>
+                      <m:sup>
+                        <m:r>
+                          <a:rPr lang="fr-FR" sz="1600" b="0" i="1" smtClean="0">
+                            <a:latin typeface="Cambria Math" panose="02040503050406030204" pitchFamily="18" charset="0"/>
+                          </a:rPr>
+                          <m:t>2</m:t>
+                        </m:r>
+                      </m:sup>
+                    </m:sSup>
+                  </m:oMath>
+                </a14:m>
+                <a:endParaRPr lang="fr-FR" sz="1600" b="0" dirty="0"/>
+              </a:p>
+              <a:p>
+                <a:pPr lvl="1"/>
+                <a14:m>
+                  <m:oMath xmlns:m="http://schemas.openxmlformats.org/officeDocument/2006/math">
+                    <m:func>
+                      <m:funcPr>
+                        <m:ctrlPr>
+                          <a:rPr lang="fr-FR" sz="1600" b="0" i="1" smtClean="0">
+                            <a:latin typeface="Cambria Math" panose="02040503050406030204" pitchFamily="18" charset="0"/>
+                          </a:rPr>
+                        </m:ctrlPr>
+                      </m:funcPr>
+                      <m:fName>
+                        <m:r>
+                          <m:rPr>
+                            <m:sty m:val="p"/>
+                          </m:rPr>
+                          <a:rPr lang="fr-FR" sz="1600" b="0" i="0" smtClean="0">
+                            <a:latin typeface="Cambria Math" panose="02040503050406030204" pitchFamily="18" charset="0"/>
+                          </a:rPr>
+                          <m:t>tan</m:t>
+                        </m:r>
+                      </m:fName>
+                      <m:e>
+                        <m:sSub>
+                          <m:sSubPr>
+                            <m:ctrlPr>
+                              <a:rPr lang="fr-FR" sz="1600" b="0" i="1" smtClean="0">
+                                <a:latin typeface="Cambria Math" panose="02040503050406030204" pitchFamily="18" charset="0"/>
+                              </a:rPr>
+                            </m:ctrlPr>
+                          </m:sSubPr>
+                          <m:e>
+                            <m:r>
+                              <a:rPr lang="fr-FR" sz="1600" b="0" i="1" smtClean="0">
+                                <a:latin typeface="Cambria Math" panose="02040503050406030204" pitchFamily="18" charset="0"/>
+                              </a:rPr>
+                              <m:t>𝜑</m:t>
+                            </m:r>
+                          </m:e>
+                          <m:sub>
+                            <m:r>
+                              <a:rPr lang="fr-FR" sz="1600" b="0" i="1" smtClean="0">
+                                <a:latin typeface="Cambria Math" panose="02040503050406030204" pitchFamily="18" charset="0"/>
+                              </a:rPr>
+                              <m:t>𝐻𝐷</m:t>
+                            </m:r>
+                          </m:sub>
+                        </m:sSub>
+                      </m:e>
+                    </m:func>
+                    <m:r>
+                      <a:rPr lang="fr-FR" sz="1600" b="0" i="0" smtClean="0">
+                        <a:latin typeface="Cambria Math" panose="02040503050406030204" pitchFamily="18" charset="0"/>
+                      </a:rPr>
+                      <m:t>=</m:t>
+                    </m:r>
+                    <m:f>
+                      <m:fPr>
+                        <m:ctrlPr>
+                          <a:rPr lang="fr-FR" sz="1600" b="0" i="1" smtClean="0">
+                            <a:latin typeface="Cambria Math" panose="02040503050406030204" pitchFamily="18" charset="0"/>
+                          </a:rPr>
+                        </m:ctrlPr>
+                      </m:fPr>
+                      <m:num>
+                        <m:r>
+                          <a:rPr lang="fr-FR" sz="1600" i="1">
+                            <a:latin typeface="Cambria Math" panose="02040503050406030204" pitchFamily="18" charset="0"/>
+                          </a:rPr>
+                          <m:t>−</m:t>
+                        </m:r>
+                        <m:f>
+                          <m:fPr>
+                            <m:ctrlPr>
+                              <a:rPr lang="fr-FR" sz="1600" i="1">
+                                <a:latin typeface="Cambria Math" panose="02040503050406030204" pitchFamily="18" charset="0"/>
+                              </a:rPr>
+                            </m:ctrlPr>
+                          </m:fPr>
+                          <m:num>
+                            <m:r>
+                              <a:rPr lang="fr-FR" sz="1600" i="1">
+                                <a:latin typeface="Cambria Math" panose="02040503050406030204" pitchFamily="18" charset="0"/>
+                              </a:rPr>
+                              <m:t>𝐻</m:t>
+                            </m:r>
+                          </m:num>
+                          <m:den>
+                            <m:r>
+                              <a:rPr lang="fr-FR" sz="1600" i="1">
+                                <a:latin typeface="Cambria Math" panose="02040503050406030204" pitchFamily="18" charset="0"/>
+                              </a:rPr>
+                              <m:t>2</m:t>
+                            </m:r>
+                          </m:den>
+                        </m:f>
+                        <m:r>
+                          <a:rPr lang="fr-FR" sz="1600" i="1">
+                            <a:latin typeface="Cambria Math" panose="02040503050406030204" pitchFamily="18" charset="0"/>
+                          </a:rPr>
+                          <m:t>−</m:t>
+                        </m:r>
+                        <m:sSub>
+                          <m:sSubPr>
+                            <m:ctrlPr>
+                              <a:rPr lang="fr-FR" sz="1600" i="1">
+                                <a:latin typeface="Cambria Math" panose="02040503050406030204" pitchFamily="18" charset="0"/>
+                              </a:rPr>
+                            </m:ctrlPr>
+                          </m:sSubPr>
+                          <m:e>
+                            <m:r>
+                              <a:rPr lang="fr-FR" sz="1600" i="1">
+                                <a:latin typeface="Cambria Math" panose="02040503050406030204" pitchFamily="18" charset="0"/>
+                              </a:rPr>
+                              <m:t>𝑌</m:t>
+                            </m:r>
+                          </m:e>
+                          <m:sub>
+                            <m:r>
+                              <a:rPr lang="fr-FR" sz="1600" i="1">
+                                <a:latin typeface="Cambria Math" panose="02040503050406030204" pitchFamily="18" charset="0"/>
+                              </a:rPr>
+                              <m:t>𝑀</m:t>
+                            </m:r>
+                          </m:sub>
+                        </m:sSub>
+                        <m:r>
+                          <a:rPr lang="fr-FR" sz="1600" i="1">
+                            <a:latin typeface="Cambria Math" panose="02040503050406030204" pitchFamily="18" charset="0"/>
+                          </a:rPr>
+                          <m:t>+</m:t>
+                        </m:r>
+                        <m:sSub>
+                          <m:sSubPr>
+                            <m:ctrlPr>
+                              <a:rPr lang="fr-FR" sz="1600" i="1">
+                                <a:latin typeface="Cambria Math" panose="02040503050406030204" pitchFamily="18" charset="0"/>
+                              </a:rPr>
+                            </m:ctrlPr>
+                          </m:sSubPr>
+                          <m:e>
+                            <m:r>
+                              <a:rPr lang="fr-FR" sz="1600" i="1">
+                                <a:latin typeface="Cambria Math" panose="02040503050406030204" pitchFamily="18" charset="0"/>
+                              </a:rPr>
+                              <m:t>𝑌</m:t>
+                            </m:r>
+                          </m:e>
+                          <m:sub>
+                            <m:r>
+                              <a:rPr lang="fr-FR" sz="1600" i="1">
+                                <a:latin typeface="Cambria Math" panose="02040503050406030204" pitchFamily="18" charset="0"/>
+                              </a:rPr>
+                              <m:t>𝐻𝐷</m:t>
+                            </m:r>
+                          </m:sub>
+                        </m:sSub>
+                      </m:num>
+                      <m:den>
+                        <m:r>
+                          <a:rPr lang="fr-FR" sz="1600" i="1">
+                            <a:latin typeface="Cambria Math" panose="02040503050406030204" pitchFamily="18" charset="0"/>
+                          </a:rPr>
+                          <m:t>−</m:t>
+                        </m:r>
+                        <m:f>
+                          <m:fPr>
+                            <m:ctrlPr>
+                              <a:rPr lang="fr-FR" sz="1600" i="1">
+                                <a:latin typeface="Cambria Math" panose="02040503050406030204" pitchFamily="18" charset="0"/>
+                              </a:rPr>
+                            </m:ctrlPr>
+                          </m:fPr>
+                          <m:num>
+                            <m:r>
+                              <a:rPr lang="fr-FR" sz="1600" i="1">
+                                <a:latin typeface="Cambria Math" panose="02040503050406030204" pitchFamily="18" charset="0"/>
+                              </a:rPr>
+                              <m:t>𝐿</m:t>
+                            </m:r>
+                          </m:num>
+                          <m:den>
+                            <m:r>
+                              <a:rPr lang="fr-FR" sz="1600" i="1">
+                                <a:latin typeface="Cambria Math" panose="02040503050406030204" pitchFamily="18" charset="0"/>
+                              </a:rPr>
+                              <m:t>2</m:t>
+                            </m:r>
+                          </m:den>
+                        </m:f>
+                        <m:r>
+                          <a:rPr lang="fr-FR" sz="1600" i="1">
+                            <a:latin typeface="Cambria Math" panose="02040503050406030204" pitchFamily="18" charset="0"/>
+                          </a:rPr>
+                          <m:t>−</m:t>
+                        </m:r>
+                        <m:sSub>
+                          <m:sSubPr>
+                            <m:ctrlPr>
+                              <a:rPr lang="fr-FR" sz="1600" i="1">
+                                <a:latin typeface="Cambria Math" panose="02040503050406030204" pitchFamily="18" charset="0"/>
+                              </a:rPr>
+                            </m:ctrlPr>
+                          </m:sSubPr>
+                          <m:e>
+                            <m:r>
+                              <a:rPr lang="fr-FR" sz="1600" i="1">
+                                <a:latin typeface="Cambria Math" panose="02040503050406030204" pitchFamily="18" charset="0"/>
+                              </a:rPr>
+                              <m:t>𝑋</m:t>
+                            </m:r>
+                          </m:e>
+                          <m:sub>
+                            <m:r>
+                              <a:rPr lang="fr-FR" sz="1600" i="1">
+                                <a:latin typeface="Cambria Math" panose="02040503050406030204" pitchFamily="18" charset="0"/>
+                              </a:rPr>
+                              <m:t>𝑀</m:t>
+                            </m:r>
+                          </m:sub>
+                        </m:sSub>
+                        <m:r>
+                          <a:rPr lang="fr-FR" sz="1600" i="1">
+                            <a:latin typeface="Cambria Math" panose="02040503050406030204" pitchFamily="18" charset="0"/>
+                          </a:rPr>
+                          <m:t>+</m:t>
+                        </m:r>
+                        <m:sSub>
+                          <m:sSubPr>
+                            <m:ctrlPr>
+                              <a:rPr lang="fr-FR" sz="1600" i="1">
+                                <a:latin typeface="Cambria Math" panose="02040503050406030204" pitchFamily="18" charset="0"/>
+                              </a:rPr>
+                            </m:ctrlPr>
+                          </m:sSubPr>
+                          <m:e>
+                            <m:r>
+                              <a:rPr lang="fr-FR" sz="1600" i="1">
+                                <a:latin typeface="Cambria Math" panose="02040503050406030204" pitchFamily="18" charset="0"/>
+                              </a:rPr>
+                              <m:t>𝑋</m:t>
+                            </m:r>
+                          </m:e>
+                          <m:sub>
+                            <m:r>
+                              <a:rPr lang="fr-FR" sz="1600" i="1">
+                                <a:latin typeface="Cambria Math" panose="02040503050406030204" pitchFamily="18" charset="0"/>
+                              </a:rPr>
+                              <m:t>𝐻𝐷</m:t>
+                            </m:r>
+                          </m:sub>
+                        </m:sSub>
+                      </m:den>
+                    </m:f>
+                  </m:oMath>
+                </a14:m>
+                <a:endParaRPr lang="fr-FR" sz="1600" dirty="0"/>
+              </a:p>
+              <a:p>
+                <a:pPr lvl="1"/>
+                <a:endParaRPr lang="fr-FR" sz="1600" dirty="0"/>
+              </a:p>
+              <a:p>
+                <a:pPr lvl="1"/>
+                <a14:m>
+                  <m:oMath xmlns:m="http://schemas.openxmlformats.org/officeDocument/2006/math">
+                    <m:sSubSup>
+                      <m:sSubSupPr>
+                        <m:ctrlPr>
+                          <a:rPr lang="fr-FR" sz="1600" b="0" i="1" smtClean="0">
+                            <a:latin typeface="Cambria Math" panose="02040503050406030204" pitchFamily="18" charset="0"/>
+                          </a:rPr>
+                        </m:ctrlPr>
+                      </m:sSubSupPr>
+                      <m:e>
+                        <m:r>
+                          <a:rPr lang="fr-FR" sz="1600" b="0" i="1" smtClean="0">
+                            <a:latin typeface="Cambria Math" panose="02040503050406030204" pitchFamily="18" charset="0"/>
+                          </a:rPr>
+                          <m:t>𝐷</m:t>
+                        </m:r>
+                      </m:e>
+                      <m:sub>
+                        <m:r>
+                          <a:rPr lang="fr-FR" sz="1600" b="0" i="1" smtClean="0">
+                            <a:latin typeface="Cambria Math" panose="02040503050406030204" pitchFamily="18" charset="0"/>
+                          </a:rPr>
+                          <m:t>𝐻𝐷</m:t>
+                        </m:r>
+                      </m:sub>
+                      <m:sup>
+                        <m:r>
+                          <a:rPr lang="fr-FR" sz="1600" b="0" i="1" smtClean="0">
+                            <a:latin typeface="Cambria Math" panose="02040503050406030204" pitchFamily="18" charset="0"/>
+                          </a:rPr>
+                          <m:t>2</m:t>
+                        </m:r>
+                      </m:sup>
+                    </m:sSubSup>
+                    <m:r>
+                      <a:rPr lang="fr-FR" sz="1600" b="0" i="1" smtClean="0">
+                        <a:latin typeface="Cambria Math" panose="02040503050406030204" pitchFamily="18" charset="0"/>
+                      </a:rPr>
+                      <m:t>=</m:t>
+                    </m:r>
+                    <m:sSup>
+                      <m:sSupPr>
+                        <m:ctrlPr>
+                          <a:rPr lang="fr-FR" sz="1600" b="0" i="1" smtClean="0">
+                            <a:latin typeface="Cambria Math" panose="02040503050406030204" pitchFamily="18" charset="0"/>
+                          </a:rPr>
+                        </m:ctrlPr>
+                      </m:sSupPr>
+                      <m:e>
+                        <m:d>
+                          <m:dPr>
+                            <m:ctrlPr>
+                              <a:rPr lang="fr-FR" sz="1600" b="0" i="1" smtClean="0">
+                                <a:latin typeface="Cambria Math" panose="02040503050406030204" pitchFamily="18" charset="0"/>
+                              </a:rPr>
+                            </m:ctrlPr>
+                          </m:dPr>
+                          <m:e>
+                            <m:r>
+                              <a:rPr lang="fr-FR" sz="1600" i="1">
+                                <a:latin typeface="Cambria Math" panose="02040503050406030204" pitchFamily="18" charset="0"/>
+                              </a:rPr>
+                              <m:t>−</m:t>
+                            </m:r>
+                            <m:r>
+                              <a:rPr lang="fr-FR" sz="1600" b="0" i="1" smtClean="0">
+                                <a:latin typeface="Cambria Math" panose="02040503050406030204" pitchFamily="18" charset="0"/>
+                              </a:rPr>
+                              <m:t>50</m:t>
+                            </m:r>
+                            <m:r>
+                              <a:rPr lang="fr-FR" sz="1600" i="1">
+                                <a:latin typeface="Cambria Math" panose="02040503050406030204" pitchFamily="18" charset="0"/>
+                              </a:rPr>
+                              <m:t>−</m:t>
+                            </m:r>
+                            <m:r>
+                              <a:rPr lang="fr-FR" sz="1600" b="0" i="1" smtClean="0">
+                                <a:latin typeface="Cambria Math" panose="02040503050406030204" pitchFamily="18" charset="0"/>
+                              </a:rPr>
+                              <m:t>625</m:t>
+                            </m:r>
+                            <m:r>
+                              <a:rPr lang="fr-FR" sz="1600" i="1">
+                                <a:latin typeface="Cambria Math" panose="02040503050406030204" pitchFamily="18" charset="0"/>
+                              </a:rPr>
+                              <m:t>+</m:t>
+                            </m:r>
+                            <m:r>
+                              <a:rPr lang="fr-FR" sz="1600" b="0" i="1" smtClean="0">
+                                <a:latin typeface="Cambria Math" panose="02040503050406030204" pitchFamily="18" charset="0"/>
+                              </a:rPr>
+                              <m:t>675</m:t>
+                            </m:r>
+                          </m:e>
+                        </m:d>
+                      </m:e>
+                      <m:sup>
+                        <m:r>
+                          <a:rPr lang="fr-FR" sz="1600" b="0" i="1" smtClean="0">
+                            <a:latin typeface="Cambria Math" panose="02040503050406030204" pitchFamily="18" charset="0"/>
+                          </a:rPr>
+                          <m:t>2</m:t>
+                        </m:r>
+                      </m:sup>
+                    </m:sSup>
+                    <m:r>
+                      <a:rPr lang="fr-FR" sz="1600" b="0" i="0" smtClean="0">
+                        <a:latin typeface="Cambria Math" panose="02040503050406030204" pitchFamily="18" charset="0"/>
+                      </a:rPr>
+                      <m:t>+</m:t>
+                    </m:r>
+                    <m:sSup>
+                      <m:sSupPr>
+                        <m:ctrlPr>
+                          <a:rPr lang="fr-FR" sz="1600" b="0" i="1" smtClean="0">
+                            <a:latin typeface="Cambria Math" panose="02040503050406030204" pitchFamily="18" charset="0"/>
+                          </a:rPr>
+                        </m:ctrlPr>
+                      </m:sSupPr>
+                      <m:e>
+                        <m:d>
+                          <m:dPr>
+                            <m:ctrlPr>
+                              <a:rPr lang="fr-FR" sz="1600" b="0" i="1" smtClean="0">
+                                <a:latin typeface="Cambria Math" panose="02040503050406030204" pitchFamily="18" charset="0"/>
+                              </a:rPr>
+                            </m:ctrlPr>
+                          </m:dPr>
+                          <m:e>
+                            <m:r>
+                              <a:rPr lang="fr-FR" sz="1600" i="1">
+                                <a:latin typeface="Cambria Math" panose="02040503050406030204" pitchFamily="18" charset="0"/>
+                              </a:rPr>
+                              <m:t>−</m:t>
+                            </m:r>
+                            <m:r>
+                              <a:rPr lang="fr-FR" sz="1600" b="0" i="1" smtClean="0">
+                                <a:latin typeface="Cambria Math" panose="02040503050406030204" pitchFamily="18" charset="0"/>
+                              </a:rPr>
+                              <m:t>25</m:t>
+                            </m:r>
+                            <m:r>
+                              <a:rPr lang="fr-FR" sz="1600" i="1">
+                                <a:latin typeface="Cambria Math" panose="02040503050406030204" pitchFamily="18" charset="0"/>
+                              </a:rPr>
+                              <m:t>−</m:t>
+                            </m:r>
+                            <m:r>
+                              <a:rPr lang="fr-FR" sz="1600" b="0" i="1" smtClean="0">
+                                <a:latin typeface="Cambria Math" panose="02040503050406030204" pitchFamily="18" charset="0"/>
+                              </a:rPr>
+                              <m:t>750</m:t>
+                            </m:r>
+                            <m:r>
+                              <a:rPr lang="fr-FR" sz="1600" i="1">
+                                <a:latin typeface="Cambria Math" panose="02040503050406030204" pitchFamily="18" charset="0"/>
+                              </a:rPr>
+                              <m:t>+</m:t>
+                            </m:r>
+                            <m:r>
+                              <a:rPr lang="fr-FR" sz="1600" b="0" i="1" smtClean="0">
+                                <a:latin typeface="Cambria Math" panose="02040503050406030204" pitchFamily="18" charset="0"/>
+                              </a:rPr>
+                              <m:t>775</m:t>
+                            </m:r>
+                          </m:e>
+                        </m:d>
+                      </m:e>
+                      <m:sup>
+                        <m:r>
+                          <a:rPr lang="fr-FR" sz="1600" b="0" i="1" smtClean="0">
+                            <a:latin typeface="Cambria Math" panose="02040503050406030204" pitchFamily="18" charset="0"/>
+                          </a:rPr>
+                          <m:t>2</m:t>
+                        </m:r>
+                      </m:sup>
+                    </m:sSup>
+                  </m:oMath>
+                </a14:m>
+                <a:endParaRPr lang="fr-FR" sz="1600" b="0" dirty="0"/>
+              </a:p>
+              <a:p>
+                <a:pPr lvl="1"/>
+                <a:endParaRPr lang="fr-FR" sz="1600" dirty="0"/>
+              </a:p>
+              <a:p>
+                <a:endParaRPr lang="fr-FR" sz="2000" dirty="0"/>
+              </a:p>
+            </p:txBody>
+          </p:sp>
+        </mc:Choice>
+        <mc:Fallback xmlns="">
+          <p:sp>
+            <p:nvSpPr>
+              <p:cNvPr id="5" name="Espace réservé du contenu 2">
+                <a:extLst>
+                  <a:ext uri="{FF2B5EF4-FFF2-40B4-BE49-F238E27FC236}">
+                    <a16:creationId xmlns:a16="http://schemas.microsoft.com/office/drawing/2014/main" id="{6214CE3E-F031-C1D2-C208-F4DAC56D267A}"/>
+                  </a:ext>
+                </a:extLst>
+              </p:cNvPr>
+              <p:cNvSpPr txBox="1">
+                <a:spLocks noRot="1" noChangeAspect="1" noMove="1" noResize="1" noEditPoints="1" noAdjustHandles="1" noChangeArrowheads="1" noChangeShapeType="1" noTextEdit="1"/>
+              </p:cNvSpPr>
+              <p:nvPr/>
+            </p:nvSpPr>
+            <p:spPr>
+              <a:xfrm>
+                <a:off x="6305797" y="250371"/>
+                <a:ext cx="5789195" cy="6031676"/>
+              </a:xfrm>
+              <a:prstGeom prst="rect">
+                <a:avLst/>
+              </a:prstGeom>
+              <a:blipFill>
+                <a:blip r:embed="rId4"/>
+                <a:stretch>
+                  <a:fillRect l="-737" t="-1515" b="-505"/>
+                </a:stretch>
+              </a:blipFill>
+              <a:ln>
+                <a:noFill/>
+              </a:ln>
+            </p:spPr>
+            <p:txBody>
+              <a:bodyPr/>
+              <a:lstStyle/>
+              <a:p>
+                <a:r>
+                  <a:rPr lang="fr-FR">
+                    <a:noFill/>
+                  </a:rPr>
+                  <a:t> </a:t>
+                </a:r>
+              </a:p>
+            </p:txBody>
+          </p:sp>
+        </mc:Fallback>
+      </mc:AlternateContent>
+      <p:pic>
+        <p:nvPicPr>
+          <p:cNvPr id="6" name="Image 5">
+            <a:extLst>
+              <a:ext uri="{FF2B5EF4-FFF2-40B4-BE49-F238E27FC236}">
+                <a16:creationId xmlns:a16="http://schemas.microsoft.com/office/drawing/2014/main" id="{C66E6026-03D5-5772-B6DD-31A1E5CFD83D}"/>
+              </a:ext>
+            </a:extLst>
+          </p:cNvPr>
+          <p:cNvPicPr>
+            <a:picLocks noChangeAspect="1"/>
+          </p:cNvPicPr>
+          <p:nvPr/>
+        </p:nvPicPr>
+        <p:blipFill>
+          <a:blip r:embed="rId5"/>
+          <a:stretch>
+            <a:fillRect/>
+          </a:stretch>
+        </p:blipFill>
+        <p:spPr>
+          <a:xfrm>
+            <a:off x="181276" y="250371"/>
+            <a:ext cx="3097220" cy="2194750"/>
+          </a:xfrm>
+          <a:prstGeom prst="rect">
+            <a:avLst/>
+          </a:prstGeom>
+        </p:spPr>
+      </p:pic>
+      <p:pic>
+        <p:nvPicPr>
+          <p:cNvPr id="7" name="Image 6">
+            <a:extLst>
+              <a:ext uri="{FF2B5EF4-FFF2-40B4-BE49-F238E27FC236}">
+                <a16:creationId xmlns:a16="http://schemas.microsoft.com/office/drawing/2014/main" id="{E0108925-4AA9-57AC-79A7-6794ADA6BBEE}"/>
+              </a:ext>
+            </a:extLst>
+          </p:cNvPr>
+          <p:cNvPicPr>
+            <a:picLocks noChangeAspect="1"/>
+          </p:cNvPicPr>
+          <p:nvPr/>
+        </p:nvPicPr>
+        <p:blipFill>
+          <a:blip r:embed="rId6"/>
+          <a:stretch>
+            <a:fillRect/>
+          </a:stretch>
+        </p:blipFill>
+        <p:spPr>
+          <a:xfrm>
+            <a:off x="181276" y="3126528"/>
+            <a:ext cx="3055086" cy="1286352"/>
+          </a:xfrm>
+          <a:prstGeom prst="rect">
+            <a:avLst/>
+          </a:prstGeom>
+        </p:spPr>
+      </p:pic>
+    </p:spTree>
+    <p:extLst>
+      <p:ext uri="{BB962C8B-B14F-4D97-AF65-F5344CB8AC3E}">
+        <p14:creationId xmlns:p14="http://schemas.microsoft.com/office/powerpoint/2010/main" val="2286329714"/>
+      </p:ext>
+    </p:extLst>
+  </p:cSld>
+  <p:clrMapOvr>
+    <a:masterClrMapping/>
+  </p:clrMapOvr>
+</p:sld>
+</file>
+
+<file path=ppt/slides/slide11.xml><?xml version="1.0" encoding="utf-8"?>
+<p:sld xmlns:a="http://schemas.openxmlformats.org/drawingml/2006/main" xmlns:r="http://schemas.openxmlformats.org/officeDocument/2006/relationships" xmlns:p="http://schemas.openxmlformats.org/presentationml/2006/main">
+  <p:cSld>
+    <p:spTree>
+      <p:nvGrpSpPr>
+        <p:cNvPr id="1" name=""/>
+        <p:cNvGrpSpPr/>
+        <p:nvPr/>
+      </p:nvGrpSpPr>
+      <p:grpSpPr>
+        <a:xfrm>
+          <a:off x="0" y="0"/>
+          <a:ext cx="0" cy="0"/>
+          <a:chOff x="0" y="0"/>
+          <a:chExt cx="0" cy="0"/>
+        </a:xfrm>
+      </p:grpSpPr>
       <p:sp>
         <p:nvSpPr>
           <p:cNvPr id="4" name="Titre 3">
@@ -4466,7 +8967,7 @@
 </p:sld>
 </file>
 
-<file path=ppt/slides/slide11.xml><?xml version="1.0" encoding="utf-8"?>
+<file path=ppt/slides/slide12.xml><?xml version="1.0" encoding="utf-8"?>
 <p:sld xmlns:a="http://schemas.openxmlformats.org/drawingml/2006/main" xmlns:r="http://schemas.openxmlformats.org/officeDocument/2006/relationships" xmlns:p="http://schemas.openxmlformats.org/presentationml/2006/main">
   <p:cSld>
     <p:spTree>
@@ -12487,7 +16988,7 @@
 </p:sld>
 </file>
 
-<file path=ppt/slides/slide12.xml><?xml version="1.0" encoding="utf-8"?>
+<file path=ppt/slides/slide13.xml><?xml version="1.0" encoding="utf-8"?>
 <p:sld xmlns:a="http://schemas.openxmlformats.org/drawingml/2006/main" xmlns:r="http://schemas.openxmlformats.org/officeDocument/2006/relationships" xmlns:p="http://schemas.openxmlformats.org/presentationml/2006/main">
   <p:cSld>
     <p:spTree>
@@ -19002,8 +23503,8 @@
             </a:fontRef>
           </p:style>
         </p:cxnSp>
-        <mc:AlternateContent xmlns:mc="http://schemas.openxmlformats.org/markup-compatibility/2006">
-          <mc:Choice xmlns:a14="http://schemas.microsoft.com/office/drawing/2010/main" Requires="a14">
+        <mc:AlternateContent xmlns:mc="http://schemas.openxmlformats.org/markup-compatibility/2006" xmlns:a14="http://schemas.microsoft.com/office/drawing/2010/main">
+          <mc:Choice Requires="a14">
             <p:sp>
               <p:nvSpPr>
                 <p:cNvPr id="89" name="ZoneTexte 88">
@@ -19090,7 +23591,7 @@
               </p:txBody>
             </p:sp>
           </mc:Choice>
-          <mc:Fallback>
+          <mc:Fallback xmlns="">
             <p:sp>
               <p:nvSpPr>
                 <p:cNvPr id="89" name="ZoneTexte 88">
@@ -19181,8 +23682,8 @@
             </a:fontRef>
           </p:style>
         </p:cxnSp>
-        <mc:AlternateContent xmlns:mc="http://schemas.openxmlformats.org/markup-compatibility/2006">
-          <mc:Choice xmlns:a14="http://schemas.microsoft.com/office/drawing/2010/main" Requires="a14">
+        <mc:AlternateContent xmlns:mc="http://schemas.openxmlformats.org/markup-compatibility/2006" xmlns:a14="http://schemas.microsoft.com/office/drawing/2010/main">
+          <mc:Choice Requires="a14">
             <p:sp>
               <p:nvSpPr>
                 <p:cNvPr id="106" name="ZoneTexte 105">
@@ -19269,7 +23770,7 @@
               </p:txBody>
             </p:sp>
           </mc:Choice>
-          <mc:Fallback>
+          <mc:Fallback xmlns="">
             <p:sp>
               <p:nvSpPr>
                 <p:cNvPr id="106" name="ZoneTexte 105">
@@ -19381,8 +23882,8 @@
             </a:fontRef>
           </p:style>
         </p:cxnSp>
-        <mc:AlternateContent xmlns:mc="http://schemas.openxmlformats.org/markup-compatibility/2006">
-          <mc:Choice xmlns:a14="http://schemas.microsoft.com/office/drawing/2010/main" Requires="a14">
+        <mc:AlternateContent xmlns:mc="http://schemas.openxmlformats.org/markup-compatibility/2006" xmlns:a14="http://schemas.microsoft.com/office/drawing/2010/main">
+          <mc:Choice Requires="a14">
             <p:sp>
               <p:nvSpPr>
                 <p:cNvPr id="116" name="ZoneTexte 115">
@@ -19469,7 +23970,7 @@
               </p:txBody>
             </p:sp>
           </mc:Choice>
-          <mc:Fallback>
+          <mc:Fallback xmlns="">
             <p:sp>
               <p:nvSpPr>
                 <p:cNvPr id="116" name="ZoneTexte 115">
@@ -19560,8 +24061,8 @@
             </a:fontRef>
           </p:style>
         </p:cxnSp>
-        <mc:AlternateContent xmlns:mc="http://schemas.openxmlformats.org/markup-compatibility/2006">
-          <mc:Choice xmlns:a14="http://schemas.microsoft.com/office/drawing/2010/main" Requires="a14">
+        <mc:AlternateContent xmlns:mc="http://schemas.openxmlformats.org/markup-compatibility/2006" xmlns:a14="http://schemas.microsoft.com/office/drawing/2010/main">
+          <mc:Choice Requires="a14">
             <p:sp>
               <p:nvSpPr>
                 <p:cNvPr id="120" name="ZoneTexte 119">
@@ -19648,7 +24149,7 @@
               </p:txBody>
             </p:sp>
           </mc:Choice>
-          <mc:Fallback>
+          <mc:Fallback xmlns="">
             <p:sp>
               <p:nvSpPr>
                 <p:cNvPr id="120" name="ZoneTexte 119">
@@ -19760,8 +24261,8 @@
             </a:fontRef>
           </p:style>
         </p:cxnSp>
-        <mc:AlternateContent xmlns:mc="http://schemas.openxmlformats.org/markup-compatibility/2006">
-          <mc:Choice xmlns:a14="http://schemas.microsoft.com/office/drawing/2010/main" Requires="a14">
+        <mc:AlternateContent xmlns:mc="http://schemas.openxmlformats.org/markup-compatibility/2006" xmlns:a14="http://schemas.microsoft.com/office/drawing/2010/main">
+          <mc:Choice Requires="a14">
             <p:sp>
               <p:nvSpPr>
                 <p:cNvPr id="123" name="ZoneTexte 122">
@@ -19848,7 +24349,7 @@
               </p:txBody>
             </p:sp>
           </mc:Choice>
-          <mc:Fallback>
+          <mc:Fallback xmlns="">
             <p:sp>
               <p:nvSpPr>
                 <p:cNvPr id="123" name="ZoneTexte 122">
@@ -19939,8 +24440,8 @@
             </a:fontRef>
           </p:style>
         </p:cxnSp>
-        <mc:AlternateContent xmlns:mc="http://schemas.openxmlformats.org/markup-compatibility/2006">
-          <mc:Choice xmlns:a14="http://schemas.microsoft.com/office/drawing/2010/main" Requires="a14">
+        <mc:AlternateContent xmlns:mc="http://schemas.openxmlformats.org/markup-compatibility/2006" xmlns:a14="http://schemas.microsoft.com/office/drawing/2010/main">
+          <mc:Choice Requires="a14">
             <p:sp>
               <p:nvSpPr>
                 <p:cNvPr id="125" name="ZoneTexte 124">
@@ -20027,7 +24528,7 @@
               </p:txBody>
             </p:sp>
           </mc:Choice>
-          <mc:Fallback>
+          <mc:Fallback xmlns="">
             <p:sp>
               <p:nvSpPr>
                 <p:cNvPr id="125" name="ZoneTexte 124">
@@ -20139,8 +24640,8 @@
             </a:fontRef>
           </p:style>
         </p:cxnSp>
-        <mc:AlternateContent xmlns:mc="http://schemas.openxmlformats.org/markup-compatibility/2006">
-          <mc:Choice xmlns:a14="http://schemas.microsoft.com/office/drawing/2010/main" Requires="a14">
+        <mc:AlternateContent xmlns:mc="http://schemas.openxmlformats.org/markup-compatibility/2006" xmlns:a14="http://schemas.microsoft.com/office/drawing/2010/main">
+          <mc:Choice Requires="a14">
             <p:sp>
               <p:nvSpPr>
                 <p:cNvPr id="136" name="ZoneTexte 135">
@@ -20227,7 +24728,7 @@
               </p:txBody>
             </p:sp>
           </mc:Choice>
-          <mc:Fallback>
+          <mc:Fallback xmlns="">
             <p:sp>
               <p:nvSpPr>
                 <p:cNvPr id="136" name="ZoneTexte 135">
@@ -20318,8 +24819,8 @@
             </a:fontRef>
           </p:style>
         </p:cxnSp>
-        <mc:AlternateContent xmlns:mc="http://schemas.openxmlformats.org/markup-compatibility/2006">
-          <mc:Choice xmlns:a14="http://schemas.microsoft.com/office/drawing/2010/main" Requires="a14">
+        <mc:AlternateContent xmlns:mc="http://schemas.openxmlformats.org/markup-compatibility/2006" xmlns:a14="http://schemas.microsoft.com/office/drawing/2010/main">
+          <mc:Choice Requires="a14">
             <p:sp>
               <p:nvSpPr>
                 <p:cNvPr id="138" name="ZoneTexte 137">
@@ -20406,7 +24907,7 @@
               </p:txBody>
             </p:sp>
           </mc:Choice>
-          <mc:Fallback>
+          <mc:Fallback xmlns="">
             <p:sp>
               <p:nvSpPr>
                 <p:cNvPr id="138" name="ZoneTexte 137">
@@ -20465,7 +24966,7 @@
 </p:sld>
 </file>
 
-<file path=ppt/slides/slide13.xml><?xml version="1.0" encoding="utf-8"?>
+<file path=ppt/slides/slide14.xml><?xml version="1.0" encoding="utf-8"?>
 <p:sld xmlns:a="http://schemas.openxmlformats.org/drawingml/2006/main" xmlns:r="http://schemas.openxmlformats.org/officeDocument/2006/relationships" xmlns:p="http://schemas.openxmlformats.org/presentationml/2006/main">
   <p:cSld>
     <p:spTree>
@@ -27678,7 +32179,7 @@
 </p:sld>
 </file>
 
-<file path=ppt/slides/slide14.xml><?xml version="1.0" encoding="utf-8"?>
+<file path=ppt/slides/slide15.xml><?xml version="1.0" encoding="utf-8"?>
 <p:sld xmlns:a="http://schemas.openxmlformats.org/drawingml/2006/main" xmlns:r="http://schemas.openxmlformats.org/officeDocument/2006/relationships" xmlns:p="http://schemas.openxmlformats.org/presentationml/2006/main">
   <p:cSld>
     <p:spTree>
@@ -27732,7 +32233,7 @@
 </p:sld>
 </file>
 
-<file path=ppt/slides/slide15.xml><?xml version="1.0" encoding="utf-8"?>
+<file path=ppt/slides/slide16.xml><?xml version="1.0" encoding="utf-8"?>
 <p:sld xmlns:a="http://schemas.openxmlformats.org/drawingml/2006/main" xmlns:r="http://schemas.openxmlformats.org/officeDocument/2006/relationships" xmlns:p="http://schemas.openxmlformats.org/presentationml/2006/main">
   <p:cSld>
     <p:spTree>
@@ -27872,7 +32373,7 @@
 </p:sld>
 </file>
 
-<file path=ppt/slides/slide16.xml><?xml version="1.0" encoding="utf-8"?>
+<file path=ppt/slides/slide17.xml><?xml version="1.0" encoding="utf-8"?>
 <p:sld xmlns:a="http://schemas.openxmlformats.org/drawingml/2006/main" xmlns:r="http://schemas.openxmlformats.org/officeDocument/2006/relationships" xmlns:p="http://schemas.openxmlformats.org/presentationml/2006/main">
   <p:cSld>
     <p:spTree>
@@ -27926,7 +32427,7 @@
 </p:sld>
 </file>
 
-<file path=ppt/slides/slide17.xml><?xml version="1.0" encoding="utf-8"?>
+<file path=ppt/slides/slide18.xml><?xml version="1.0" encoding="utf-8"?>
 <p:sld xmlns:a="http://schemas.openxmlformats.org/drawingml/2006/main" xmlns:r="http://schemas.openxmlformats.org/officeDocument/2006/relationships" xmlns:p="http://schemas.openxmlformats.org/presentationml/2006/main">
   <p:cSld>
     <p:spTree>
@@ -29010,6 +33511,242 @@
   <p:cSld>
     <p:spTree>
       <p:nvGrpSpPr>
+        <p:cNvPr id="1" name="">
+          <a:extLst>
+            <a:ext uri="{FF2B5EF4-FFF2-40B4-BE49-F238E27FC236}">
+              <a16:creationId xmlns:a16="http://schemas.microsoft.com/office/drawing/2014/main" id="{ECE3B465-4090-E9C8-8911-0771B5F3ACD9}"/>
+            </a:ext>
+          </a:extLst>
+        </p:cNvPr>
+        <p:cNvGrpSpPr/>
+        <p:nvPr/>
+      </p:nvGrpSpPr>
+      <p:grpSpPr>
+        <a:xfrm>
+          <a:off x="0" y="0"/>
+          <a:ext cx="0" cy="0"/>
+          <a:chOff x="0" y="0"/>
+          <a:chExt cx="0" cy="0"/>
+        </a:xfrm>
+      </p:grpSpPr>
+      <p:pic>
+        <p:nvPicPr>
+          <p:cNvPr id="5" name="Image 4">
+            <a:extLst>
+              <a:ext uri="{FF2B5EF4-FFF2-40B4-BE49-F238E27FC236}">
+                <a16:creationId xmlns:a16="http://schemas.microsoft.com/office/drawing/2014/main" id="{225C6692-DBDE-802D-670D-3E4F10129B0A}"/>
+              </a:ext>
+            </a:extLst>
+          </p:cNvPr>
+          <p:cNvPicPr>
+            <a:picLocks noChangeAspect="1"/>
+          </p:cNvPicPr>
+          <p:nvPr/>
+        </p:nvPicPr>
+        <p:blipFill>
+          <a:blip r:embed="rId2"/>
+          <a:stretch>
+            <a:fillRect/>
+          </a:stretch>
+        </p:blipFill>
+        <p:spPr>
+          <a:xfrm>
+            <a:off x="1594315" y="0"/>
+            <a:ext cx="9003369" cy="6858000"/>
+          </a:xfrm>
+          <a:prstGeom prst="rect">
+            <a:avLst/>
+          </a:prstGeom>
+        </p:spPr>
+      </p:pic>
+      <p:sp>
+        <p:nvSpPr>
+          <p:cNvPr id="6" name="Rectangle 5">
+            <a:extLst>
+              <a:ext uri="{FF2B5EF4-FFF2-40B4-BE49-F238E27FC236}">
+                <a16:creationId xmlns:a16="http://schemas.microsoft.com/office/drawing/2014/main" id="{4AB7B7A4-4529-7E78-8B7B-FA56002563CC}"/>
+              </a:ext>
+            </a:extLst>
+          </p:cNvPr>
+          <p:cNvSpPr/>
+          <p:nvPr/>
+        </p:nvSpPr>
+        <p:spPr>
+          <a:xfrm>
+            <a:off x="1611086" y="685800"/>
+            <a:ext cx="4484914" cy="3037114"/>
+          </a:xfrm>
+          <a:prstGeom prst="rect">
+            <a:avLst/>
+          </a:prstGeom>
+          <a:noFill/>
+          <a:ln w="38100">
+            <a:solidFill>
+              <a:srgbClr val="FF0000"/>
+            </a:solidFill>
+          </a:ln>
+        </p:spPr>
+        <p:style>
+          <a:lnRef idx="2">
+            <a:schemeClr val="accent1">
+              <a:shade val="50000"/>
+            </a:schemeClr>
+          </a:lnRef>
+          <a:fillRef idx="1">
+            <a:schemeClr val="accent1"/>
+          </a:fillRef>
+          <a:effectRef idx="0">
+            <a:schemeClr val="accent1"/>
+          </a:effectRef>
+          <a:fontRef idx="minor">
+            <a:schemeClr val="lt1"/>
+          </a:fontRef>
+        </p:style>
+        <p:txBody>
+          <a:bodyPr rtlCol="0" anchor="ctr"/>
+          <a:lstStyle/>
+          <a:p>
+            <a:pPr algn="ctr"/>
+            <a:endParaRPr lang="fr-FR"/>
+          </a:p>
+        </p:txBody>
+      </p:sp>
+      <p:sp>
+        <p:nvSpPr>
+          <p:cNvPr id="9" name="Ellipse 8">
+            <a:extLst>
+              <a:ext uri="{FF2B5EF4-FFF2-40B4-BE49-F238E27FC236}">
+                <a16:creationId xmlns:a16="http://schemas.microsoft.com/office/drawing/2014/main" id="{F2B80542-AB99-2F57-D88F-05C4DEDD0C8B}"/>
+              </a:ext>
+            </a:extLst>
+          </p:cNvPr>
+          <p:cNvSpPr/>
+          <p:nvPr/>
+        </p:nvSpPr>
+        <p:spPr>
+          <a:xfrm>
+            <a:off x="2002972" y="1066801"/>
+            <a:ext cx="870856" cy="870856"/>
+          </a:xfrm>
+          <a:prstGeom prst="ellipse">
+            <a:avLst/>
+          </a:prstGeom>
+          <a:solidFill>
+            <a:schemeClr val="bg1"/>
+          </a:solidFill>
+          <a:ln w="38100">
+            <a:solidFill>
+              <a:srgbClr val="FF0000"/>
+            </a:solidFill>
+          </a:ln>
+        </p:spPr>
+        <p:style>
+          <a:lnRef idx="2">
+            <a:schemeClr val="accent1">
+              <a:shade val="50000"/>
+            </a:schemeClr>
+          </a:lnRef>
+          <a:fillRef idx="1">
+            <a:schemeClr val="accent1"/>
+          </a:fillRef>
+          <a:effectRef idx="0">
+            <a:schemeClr val="accent1"/>
+          </a:effectRef>
+          <a:fontRef idx="minor">
+            <a:schemeClr val="lt1"/>
+          </a:fontRef>
+        </p:style>
+        <p:txBody>
+          <a:bodyPr rtlCol="0" anchor="ctr"/>
+          <a:lstStyle/>
+          <a:p>
+            <a:pPr algn="ctr"/>
+            <a:r>
+              <a:rPr lang="fr-FR" sz="2400" b="1" dirty="0">
+                <a:solidFill>
+                  <a:srgbClr val="FF0000"/>
+                </a:solidFill>
+              </a:rPr>
+              <a:t>HG</a:t>
+            </a:r>
+            <a:endParaRPr lang="fr-FR" b="1" dirty="0">
+              <a:solidFill>
+                <a:srgbClr val="FF0000"/>
+              </a:solidFill>
+            </a:endParaRPr>
+          </a:p>
+        </p:txBody>
+      </p:sp>
+      <p:sp>
+        <p:nvSpPr>
+          <p:cNvPr id="3" name="Rectangle 2">
+            <a:extLst>
+              <a:ext uri="{FF2B5EF4-FFF2-40B4-BE49-F238E27FC236}">
+                <a16:creationId xmlns:a16="http://schemas.microsoft.com/office/drawing/2014/main" id="{8C61FC5A-2114-EE52-E497-9B8AAA443786}"/>
+              </a:ext>
+            </a:extLst>
+          </p:cNvPr>
+          <p:cNvSpPr/>
+          <p:nvPr/>
+        </p:nvSpPr>
+        <p:spPr>
+          <a:xfrm>
+            <a:off x="5760720" y="685800"/>
+            <a:ext cx="335280" cy="330200"/>
+          </a:xfrm>
+          <a:prstGeom prst="rect">
+            <a:avLst/>
+          </a:prstGeom>
+          <a:noFill/>
+          <a:ln w="38100">
+            <a:solidFill>
+              <a:srgbClr val="FF0000"/>
+            </a:solidFill>
+          </a:ln>
+        </p:spPr>
+        <p:style>
+          <a:lnRef idx="2">
+            <a:schemeClr val="accent1">
+              <a:shade val="50000"/>
+            </a:schemeClr>
+          </a:lnRef>
+          <a:fillRef idx="1">
+            <a:schemeClr val="accent1"/>
+          </a:fillRef>
+          <a:effectRef idx="0">
+            <a:schemeClr val="accent1"/>
+          </a:effectRef>
+          <a:fontRef idx="minor">
+            <a:schemeClr val="lt1"/>
+          </a:fontRef>
+        </p:style>
+        <p:txBody>
+          <a:bodyPr rtlCol="0" anchor="ctr"/>
+          <a:lstStyle/>
+          <a:p>
+            <a:pPr algn="ctr"/>
+            <a:endParaRPr lang="fr-FR"/>
+          </a:p>
+        </p:txBody>
+      </p:sp>
+    </p:spTree>
+    <p:extLst>
+      <p:ext uri="{BB962C8B-B14F-4D97-AF65-F5344CB8AC3E}">
+        <p14:creationId xmlns:p14="http://schemas.microsoft.com/office/powerpoint/2010/main" val="3298266298"/>
+      </p:ext>
+    </p:extLst>
+  </p:cSld>
+  <p:clrMapOvr>
+    <a:masterClrMapping/>
+  </p:clrMapOvr>
+</p:sld>
+</file>
+
+<file path=ppt/slides/slide4.xml><?xml version="1.0" encoding="utf-8"?>
+<p:sld xmlns:a="http://schemas.openxmlformats.org/drawingml/2006/main" xmlns:r="http://schemas.openxmlformats.org/officeDocument/2006/relationships" xmlns:p="http://schemas.openxmlformats.org/presentationml/2006/main">
+  <p:cSld>
+    <p:spTree>
+      <p:nvGrpSpPr>
         <p:cNvPr id="1" name=""/>
         <p:cNvGrpSpPr/>
         <p:nvPr/>
@@ -29299,7 +34036,7 @@
 </p:sld>
 </file>
 
-<file path=ppt/slides/slide4.xml><?xml version="1.0" encoding="utf-8"?>
+<file path=ppt/slides/slide5.xml><?xml version="1.0" encoding="utf-8"?>
 <p:sld xmlns:a="http://schemas.openxmlformats.org/drawingml/2006/main" xmlns:r="http://schemas.openxmlformats.org/officeDocument/2006/relationships" xmlns:p="http://schemas.openxmlformats.org/presentationml/2006/main">
   <p:cSld>
     <p:spTree>
@@ -29821,7 +34558,7 @@
 </p:sld>
 </file>
 
-<file path=ppt/slides/slide5.xml><?xml version="1.0" encoding="utf-8"?>
+<file path=ppt/slides/slide6.xml><?xml version="1.0" encoding="utf-8"?>
 <p:sld xmlns:a="http://schemas.openxmlformats.org/drawingml/2006/main" xmlns:r="http://schemas.openxmlformats.org/officeDocument/2006/relationships" xmlns:p="http://schemas.openxmlformats.org/presentationml/2006/main">
   <p:cSld>
     <p:spTree>
@@ -30553,7 +35290,7 @@
 </p:sld>
 </file>
 
-<file path=ppt/slides/slide6.xml><?xml version="1.0" encoding="utf-8"?>
+<file path=ppt/slides/slide7.xml><?xml version="1.0" encoding="utf-8"?>
 <p:sld xmlns:a="http://schemas.openxmlformats.org/drawingml/2006/main" xmlns:r="http://schemas.openxmlformats.org/officeDocument/2006/relationships" xmlns:p="http://schemas.openxmlformats.org/presentationml/2006/main">
   <p:cSld>
     <p:spTree>
@@ -35274,7 +40011,7 @@
 </p:sld>
 </file>
 
-<file path=ppt/slides/slide7.xml><?xml version="1.0" encoding="utf-8"?>
+<file path=ppt/slides/slide8.xml><?xml version="1.0" encoding="utf-8"?>
 <p:sld xmlns:a="http://schemas.openxmlformats.org/drawingml/2006/main" xmlns:r="http://schemas.openxmlformats.org/officeDocument/2006/relationships" xmlns:p="http://schemas.openxmlformats.org/presentationml/2006/main">
   <p:cSld>
     <p:spTree>
@@ -37548,7 +42285,7 @@
 </p:sld>
 </file>
 
-<file path=ppt/slides/slide8.xml><?xml version="1.0" encoding="utf-8"?>
+<file path=ppt/slides/slide9.xml><?xml version="1.0" encoding="utf-8"?>
 <p:sld xmlns:a="http://schemas.openxmlformats.org/drawingml/2006/main" xmlns:r="http://schemas.openxmlformats.org/officeDocument/2006/relationships" xmlns:p="http://schemas.openxmlformats.org/presentationml/2006/main">
   <p:cSld>
     <p:spTree>
@@ -37628,4506 +42365,6 @@
     <p:extLst>
       <p:ext uri="{BB962C8B-B14F-4D97-AF65-F5344CB8AC3E}">
         <p14:creationId xmlns:p14="http://schemas.microsoft.com/office/powerpoint/2010/main" val="1426399900"/>
-      </p:ext>
-    </p:extLst>
-  </p:cSld>
-  <p:clrMapOvr>
-    <a:masterClrMapping/>
-  </p:clrMapOvr>
-</p:sld>
-</file>
-
-<file path=ppt/slides/slide9.xml><?xml version="1.0" encoding="utf-8"?>
-<p:sld xmlns:a="http://schemas.openxmlformats.org/drawingml/2006/main" xmlns:r="http://schemas.openxmlformats.org/officeDocument/2006/relationships" xmlns:p="http://schemas.openxmlformats.org/presentationml/2006/main">
-  <p:cSld>
-    <p:spTree>
-      <p:nvGrpSpPr>
-        <p:cNvPr id="1" name=""/>
-        <p:cNvGrpSpPr/>
-        <p:nvPr/>
-      </p:nvGrpSpPr>
-      <p:grpSpPr>
-        <a:xfrm>
-          <a:off x="0" y="0"/>
-          <a:ext cx="0" cy="0"/>
-          <a:chOff x="0" y="0"/>
-          <a:chExt cx="0" cy="0"/>
-        </a:xfrm>
-      </p:grpSpPr>
-      <mc:AlternateContent xmlns:mc="http://schemas.openxmlformats.org/markup-compatibility/2006" xmlns:a14="http://schemas.microsoft.com/office/drawing/2010/main">
-        <mc:Choice Requires="a14">
-          <p:sp>
-            <p:nvSpPr>
-              <p:cNvPr id="3" name="Espace réservé du contenu 2">
-                <a:extLst>
-                  <a:ext uri="{FF2B5EF4-FFF2-40B4-BE49-F238E27FC236}">
-                    <a16:creationId xmlns:a16="http://schemas.microsoft.com/office/drawing/2014/main" id="{F1033314-DAEF-3C58-6EAF-654339C65576}"/>
-                  </a:ext>
-                </a:extLst>
-              </p:cNvPr>
-              <p:cNvSpPr>
-                <a:spLocks noGrp="1"/>
-              </p:cNvSpPr>
-              <p:nvPr>
-                <p:ph idx="1"/>
-              </p:nvPr>
-            </p:nvSpPr>
-            <p:spPr>
-              <a:xfrm>
-                <a:off x="3224487" y="226621"/>
-                <a:ext cx="3283191" cy="4796556"/>
-              </a:xfrm>
-            </p:spPr>
-            <p:txBody>
-              <a:bodyPr>
-                <a:normAutofit/>
-              </a:bodyPr>
-              <a:lstStyle/>
-              <a:p>
-                <a:r>
-                  <a:rPr lang="fr-FR" sz="1800" dirty="0"/>
-                  <a:t>On note </a:t>
-                </a:r>
-              </a:p>
-              <a:p>
-                <a:pPr lvl="1"/>
-                <a14:m>
-                  <m:oMath xmlns:m="http://schemas.openxmlformats.org/officeDocument/2006/math">
-                    <m:sSub>
-                      <m:sSubPr>
-                        <m:ctrlPr>
-                          <a:rPr lang="fr-FR" sz="1600" b="0" i="1" smtClean="0">
-                            <a:latin typeface="Cambria Math" panose="02040503050406030204" pitchFamily="18" charset="0"/>
-                          </a:rPr>
-                        </m:ctrlPr>
-                      </m:sSubPr>
-                      <m:e>
-                        <m:r>
-                          <a:rPr lang="fr-FR" sz="1600" b="0" i="1" smtClean="0">
-                            <a:latin typeface="Cambria Math" panose="02040503050406030204" pitchFamily="18" charset="0"/>
-                          </a:rPr>
-                          <m:t>𝐿</m:t>
-                        </m:r>
-                      </m:e>
-                      <m:sub>
-                        <m:r>
-                          <a:rPr lang="fr-FR" sz="1600" b="0" i="1" smtClean="0">
-                            <a:latin typeface="Cambria Math" panose="02040503050406030204" pitchFamily="18" charset="0"/>
-                          </a:rPr>
-                          <m:t>𝐻𝐷</m:t>
-                        </m:r>
-                      </m:sub>
-                    </m:sSub>
-                    <m:r>
-                      <a:rPr lang="fr-FR" sz="1600" b="0" i="1" smtClean="0">
-                        <a:latin typeface="Cambria Math" panose="02040503050406030204" pitchFamily="18" charset="0"/>
-                      </a:rPr>
-                      <m:t>=</m:t>
-                    </m:r>
-                    <m:sSub>
-                      <m:sSubPr>
-                        <m:ctrlPr>
-                          <a:rPr lang="fr-FR" sz="1600" b="0" i="1" smtClean="0">
-                            <a:latin typeface="Cambria Math" panose="02040503050406030204" pitchFamily="18" charset="0"/>
-                          </a:rPr>
-                        </m:ctrlPr>
-                      </m:sSubPr>
-                      <m:e>
-                        <m:r>
-                          <a:rPr lang="fr-FR" sz="1600" b="0" i="1" smtClean="0">
-                            <a:latin typeface="Cambria Math" panose="02040503050406030204" pitchFamily="18" charset="0"/>
-                          </a:rPr>
-                          <m:t>𝐴</m:t>
-                        </m:r>
-                      </m:e>
-                      <m:sub>
-                        <m:r>
-                          <a:rPr lang="fr-FR" sz="1600" b="0" i="1" smtClean="0">
-                            <a:latin typeface="Cambria Math" panose="02040503050406030204" pitchFamily="18" charset="0"/>
-                          </a:rPr>
-                          <m:t>𝐻𝐷</m:t>
-                        </m:r>
-                      </m:sub>
-                    </m:sSub>
-                    <m:sSub>
-                      <m:sSubPr>
-                        <m:ctrlPr>
-                          <a:rPr lang="fr-FR" sz="1600" b="0" i="1" smtClean="0">
-                            <a:latin typeface="Cambria Math" panose="02040503050406030204" pitchFamily="18" charset="0"/>
-                          </a:rPr>
-                        </m:ctrlPr>
-                      </m:sSubPr>
-                      <m:e>
-                        <m:r>
-                          <a:rPr lang="fr-FR" sz="1600" b="0" i="1" smtClean="0">
-                            <a:latin typeface="Cambria Math" panose="02040503050406030204" pitchFamily="18" charset="0"/>
-                          </a:rPr>
-                          <m:t>𝐶</m:t>
-                        </m:r>
-                      </m:e>
-                      <m:sub>
-                        <m:r>
-                          <a:rPr lang="fr-FR" sz="1600" b="0" i="1" smtClean="0">
-                            <a:latin typeface="Cambria Math" panose="02040503050406030204" pitchFamily="18" charset="0"/>
-                          </a:rPr>
-                          <m:t>𝐻𝐷</m:t>
-                        </m:r>
-                      </m:sub>
-                    </m:sSub>
-                  </m:oMath>
-                </a14:m>
-                <a:r>
-                  <a:rPr lang="fr-FR" sz="1600" dirty="0"/>
-                  <a:t> </a:t>
-                </a:r>
-              </a:p>
-              <a:p>
-                <a:pPr lvl="1"/>
-                <a14:m>
-                  <m:oMath xmlns:m="http://schemas.openxmlformats.org/officeDocument/2006/math">
-                    <m:sSub>
-                      <m:sSubPr>
-                        <m:ctrlPr>
-                          <a:rPr lang="fr-FR" sz="1600" b="0" i="1" smtClean="0">
-                            <a:latin typeface="Cambria Math" panose="02040503050406030204" pitchFamily="18" charset="0"/>
-                          </a:rPr>
-                        </m:ctrlPr>
-                      </m:sSubPr>
-                      <m:e>
-                        <m:r>
-                          <a:rPr lang="fr-FR" sz="1600" b="0" i="1" smtClean="0">
-                            <a:latin typeface="Cambria Math" panose="02040503050406030204" pitchFamily="18" charset="0"/>
-                          </a:rPr>
-                          <m:t>𝐷</m:t>
-                        </m:r>
-                      </m:e>
-                      <m:sub>
-                        <m:r>
-                          <a:rPr lang="fr-FR" sz="1600" b="0" i="1" smtClean="0">
-                            <a:latin typeface="Cambria Math" panose="02040503050406030204" pitchFamily="18" charset="0"/>
-                          </a:rPr>
-                          <m:t>𝐻𝐷</m:t>
-                        </m:r>
-                      </m:sub>
-                    </m:sSub>
-                    <m:r>
-                      <a:rPr lang="fr-FR" sz="1600" b="0" i="1" smtClean="0">
-                        <a:latin typeface="Cambria Math" panose="02040503050406030204" pitchFamily="18" charset="0"/>
-                      </a:rPr>
-                      <m:t>=</m:t>
-                    </m:r>
-                    <m:sSub>
-                      <m:sSubPr>
-                        <m:ctrlPr>
-                          <a:rPr lang="fr-FR" sz="1600" i="1">
-                            <a:latin typeface="Cambria Math" panose="02040503050406030204" pitchFamily="18" charset="0"/>
-                          </a:rPr>
-                        </m:ctrlPr>
-                      </m:sSubPr>
-                      <m:e>
-                        <m:r>
-                          <a:rPr lang="fr-FR" sz="1600" i="1">
-                            <a:latin typeface="Cambria Math" panose="02040503050406030204" pitchFamily="18" charset="0"/>
-                          </a:rPr>
-                          <m:t>𝐴</m:t>
-                        </m:r>
-                      </m:e>
-                      <m:sub>
-                        <m:r>
-                          <a:rPr lang="fr-FR" sz="1600" i="1">
-                            <a:latin typeface="Cambria Math" panose="02040503050406030204" pitchFamily="18" charset="0"/>
-                          </a:rPr>
-                          <m:t>𝐻𝐷</m:t>
-                        </m:r>
-                      </m:sub>
-                    </m:sSub>
-                    <m:sSub>
-                      <m:sSubPr>
-                        <m:ctrlPr>
-                          <a:rPr lang="fr-FR" sz="1600" i="1">
-                            <a:latin typeface="Cambria Math" panose="02040503050406030204" pitchFamily="18" charset="0"/>
-                          </a:rPr>
-                        </m:ctrlPr>
-                      </m:sSubPr>
-                      <m:e>
-                        <m:r>
-                          <a:rPr lang="fr-FR" sz="1600" b="0" i="1" smtClean="0">
-                            <a:latin typeface="Cambria Math" panose="02040503050406030204" pitchFamily="18" charset="0"/>
-                          </a:rPr>
-                          <m:t>𝐵</m:t>
-                        </m:r>
-                      </m:e>
-                      <m:sub>
-                        <m:r>
-                          <a:rPr lang="fr-FR" sz="1600" i="1">
-                            <a:latin typeface="Cambria Math" panose="02040503050406030204" pitchFamily="18" charset="0"/>
-                          </a:rPr>
-                          <m:t>𝐻𝐷</m:t>
-                        </m:r>
-                      </m:sub>
-                    </m:sSub>
-                  </m:oMath>
-                </a14:m>
-                <a:r>
-                  <a:rPr lang="fr-FR" sz="1600" dirty="0"/>
-                  <a:t> </a:t>
-                </a:r>
-                <a:endParaRPr lang="fr-FR" sz="1600" b="0" i="1" dirty="0">
-                  <a:latin typeface="Cambria Math" panose="02040503050406030204" pitchFamily="18" charset="0"/>
-                </a:endParaRPr>
-              </a:p>
-              <a:p>
-                <a:pPr lvl="1"/>
-                <a14:m>
-                  <m:oMath xmlns:m="http://schemas.openxmlformats.org/officeDocument/2006/math">
-                    <m:sSub>
-                      <m:sSubPr>
-                        <m:ctrlPr>
-                          <a:rPr lang="fr-FR" sz="1600" b="0" i="1" smtClean="0">
-                            <a:latin typeface="Cambria Math" panose="02040503050406030204" pitchFamily="18" charset="0"/>
-                          </a:rPr>
-                        </m:ctrlPr>
-                      </m:sSubPr>
-                      <m:e>
-                        <m:r>
-                          <a:rPr lang="fr-FR" sz="1600" b="0" i="1" smtClean="0">
-                            <a:latin typeface="Cambria Math" panose="02040503050406030204" pitchFamily="18" charset="0"/>
-                          </a:rPr>
-                          <m:t>𝑅</m:t>
-                        </m:r>
-                      </m:e>
-                      <m:sub>
-                        <m:r>
-                          <a:rPr lang="fr-FR" sz="1600" b="0" i="1" smtClean="0">
-                            <a:latin typeface="Cambria Math" panose="02040503050406030204" pitchFamily="18" charset="0"/>
-                          </a:rPr>
-                          <m:t>𝑃</m:t>
-                        </m:r>
-                      </m:sub>
-                    </m:sSub>
-                    <m:r>
-                      <a:rPr lang="fr-FR" sz="1600" b="0" i="1" smtClean="0">
-                        <a:latin typeface="Cambria Math" panose="02040503050406030204" pitchFamily="18" charset="0"/>
-                      </a:rPr>
-                      <m:t>=</m:t>
-                    </m:r>
-                    <m:sSub>
-                      <m:sSubPr>
-                        <m:ctrlPr>
-                          <a:rPr lang="fr-FR" sz="1600" b="0" i="1" smtClean="0">
-                            <a:latin typeface="Cambria Math" panose="02040503050406030204" pitchFamily="18" charset="0"/>
-                          </a:rPr>
-                        </m:ctrlPr>
-                      </m:sSubPr>
-                      <m:e>
-                        <m:r>
-                          <a:rPr lang="fr-FR" sz="1600" b="0" i="1" smtClean="0">
-                            <a:latin typeface="Cambria Math" panose="02040503050406030204" pitchFamily="18" charset="0"/>
-                          </a:rPr>
-                          <m:t>𝐵</m:t>
-                        </m:r>
-                      </m:e>
-                      <m:sub>
-                        <m:r>
-                          <a:rPr lang="fr-FR" sz="1600" b="0" i="1" smtClean="0">
-                            <a:latin typeface="Cambria Math" panose="02040503050406030204" pitchFamily="18" charset="0"/>
-                          </a:rPr>
-                          <m:t>𝐻𝐷</m:t>
-                        </m:r>
-                      </m:sub>
-                    </m:sSub>
-                    <m:sSub>
-                      <m:sSubPr>
-                        <m:ctrlPr>
-                          <a:rPr lang="fr-FR" sz="1600" b="0" i="1" smtClean="0">
-                            <a:latin typeface="Cambria Math" panose="02040503050406030204" pitchFamily="18" charset="0"/>
-                          </a:rPr>
-                        </m:ctrlPr>
-                      </m:sSubPr>
-                      <m:e>
-                        <m:r>
-                          <a:rPr lang="fr-FR" sz="1600" b="0" i="1" smtClean="0">
-                            <a:latin typeface="Cambria Math" panose="02040503050406030204" pitchFamily="18" charset="0"/>
-                          </a:rPr>
-                          <m:t>𝐶</m:t>
-                        </m:r>
-                      </m:e>
-                      <m:sub>
-                        <m:r>
-                          <a:rPr lang="fr-FR" sz="1600" b="0" i="1" smtClean="0">
-                            <a:latin typeface="Cambria Math" panose="02040503050406030204" pitchFamily="18" charset="0"/>
-                          </a:rPr>
-                          <m:t>𝐻𝐷</m:t>
-                        </m:r>
-                      </m:sub>
-                    </m:sSub>
-                  </m:oMath>
-                </a14:m>
-                <a:endParaRPr lang="fr-FR" sz="1600" b="0" dirty="0"/>
-              </a:p>
-              <a:p>
-                <a:pPr lvl="1"/>
-                <a:endParaRPr lang="fr-FR" sz="1600" dirty="0"/>
-              </a:p>
-              <a:p>
-                <a:pPr lvl="1"/>
-                <a14:m>
-                  <m:oMath xmlns:m="http://schemas.openxmlformats.org/officeDocument/2006/math">
-                    <m:acc>
-                      <m:accPr>
-                        <m:chr m:val="⃗"/>
-                        <m:ctrlPr>
-                          <a:rPr lang="fr-FR" sz="1600" b="0" i="1" smtClean="0">
-                            <a:latin typeface="Cambria Math" panose="02040503050406030204" pitchFamily="18" charset="0"/>
-                          </a:rPr>
-                        </m:ctrlPr>
-                      </m:accPr>
-                      <m:e>
-                        <m:sSub>
-                          <m:sSubPr>
-                            <m:ctrlPr>
-                              <a:rPr lang="fr-FR" sz="1600" i="1">
-                                <a:latin typeface="Cambria Math" panose="02040503050406030204" pitchFamily="18" charset="0"/>
-                              </a:rPr>
-                            </m:ctrlPr>
-                          </m:sSubPr>
-                          <m:e>
-                            <m:r>
-                              <a:rPr lang="fr-FR" sz="1600" i="1">
-                                <a:latin typeface="Cambria Math" panose="02040503050406030204" pitchFamily="18" charset="0"/>
-                              </a:rPr>
-                              <m:t>𝐴</m:t>
-                            </m:r>
-                          </m:e>
-                          <m:sub>
-                            <m:r>
-                              <a:rPr lang="fr-FR" sz="1600" i="1">
-                                <a:latin typeface="Cambria Math" panose="02040503050406030204" pitchFamily="18" charset="0"/>
-                              </a:rPr>
-                              <m:t>𝐻𝐺</m:t>
-                            </m:r>
-                          </m:sub>
-                        </m:sSub>
-                        <m:sSub>
-                          <m:sSubPr>
-                            <m:ctrlPr>
-                              <a:rPr lang="fr-FR" sz="1600" i="1">
-                                <a:latin typeface="Cambria Math" panose="02040503050406030204" pitchFamily="18" charset="0"/>
-                              </a:rPr>
-                            </m:ctrlPr>
-                          </m:sSubPr>
-                          <m:e>
-                            <m:r>
-                              <a:rPr lang="fr-FR" sz="1600" i="1">
-                                <a:latin typeface="Cambria Math" panose="02040503050406030204" pitchFamily="18" charset="0"/>
-                              </a:rPr>
-                              <m:t>𝐴</m:t>
-                            </m:r>
-                          </m:e>
-                          <m:sub>
-                            <m:r>
-                              <a:rPr lang="fr-FR" sz="1600" i="1">
-                                <a:latin typeface="Cambria Math" panose="02040503050406030204" pitchFamily="18" charset="0"/>
-                              </a:rPr>
-                              <m:t>𝐻𝐷</m:t>
-                            </m:r>
-                          </m:sub>
-                        </m:sSub>
-                      </m:e>
-                    </m:acc>
-                    <m:r>
-                      <a:rPr lang="fr-FR" sz="1600" b="0" i="1" smtClean="0">
-                        <a:latin typeface="Cambria Math" panose="02040503050406030204" pitchFamily="18" charset="0"/>
-                      </a:rPr>
-                      <m:t>=</m:t>
-                    </m:r>
-                    <m:sSub>
-                      <m:sSubPr>
-                        <m:ctrlPr>
-                          <a:rPr lang="fr-FR" sz="1600" b="0" i="1" smtClean="0">
-                            <a:latin typeface="Cambria Math" panose="02040503050406030204" pitchFamily="18" charset="0"/>
-                          </a:rPr>
-                        </m:ctrlPr>
-                      </m:sSubPr>
-                      <m:e>
-                        <m:r>
-                          <a:rPr lang="fr-FR" sz="1600" b="0" i="1" smtClean="0">
-                            <a:latin typeface="Cambria Math" panose="02040503050406030204" pitchFamily="18" charset="0"/>
-                          </a:rPr>
-                          <m:t>𝐿</m:t>
-                        </m:r>
-                      </m:e>
-                      <m:sub>
-                        <m:r>
-                          <a:rPr lang="fr-FR" sz="1600" b="0" i="1" smtClean="0">
-                            <a:latin typeface="Cambria Math" panose="02040503050406030204" pitchFamily="18" charset="0"/>
-                          </a:rPr>
-                          <m:t>𝑀</m:t>
-                        </m:r>
-                      </m:sub>
-                    </m:sSub>
-                    <m:acc>
-                      <m:accPr>
-                        <m:chr m:val="⃗"/>
-                        <m:ctrlPr>
-                          <a:rPr lang="fr-FR" sz="1600" i="1">
-                            <a:latin typeface="Cambria Math" panose="02040503050406030204" pitchFamily="18" charset="0"/>
-                          </a:rPr>
-                        </m:ctrlPr>
-                      </m:accPr>
-                      <m:e>
-                        <m:sSub>
-                          <m:sSubPr>
-                            <m:ctrlPr>
-                              <a:rPr lang="fr-FR" sz="1600" b="0" i="1" smtClean="0">
-                                <a:latin typeface="Cambria Math" panose="02040503050406030204" pitchFamily="18" charset="0"/>
-                              </a:rPr>
-                            </m:ctrlPr>
-                          </m:sSubPr>
-                          <m:e>
-                            <m:r>
-                              <a:rPr lang="fr-FR" sz="1600" i="1">
-                                <a:latin typeface="Cambria Math" panose="02040503050406030204" pitchFamily="18" charset="0"/>
-                              </a:rPr>
-                              <m:t>𝑥</m:t>
-                            </m:r>
-                          </m:e>
-                          <m:sub>
-                            <m:r>
-                              <a:rPr lang="fr-FR" sz="1600" b="0" i="1" smtClean="0">
-                                <a:latin typeface="Cambria Math" panose="02040503050406030204" pitchFamily="18" charset="0"/>
-                              </a:rPr>
-                              <m:t>𝑀</m:t>
-                            </m:r>
-                          </m:sub>
-                        </m:sSub>
-                      </m:e>
-                    </m:acc>
-                  </m:oMath>
-                </a14:m>
-                <a:endParaRPr lang="fr-FR" sz="1600" b="0" dirty="0"/>
-              </a:p>
-              <a:p>
-                <a:pPr lvl="1"/>
-                <a14:m>
-                  <m:oMath xmlns:m="http://schemas.openxmlformats.org/officeDocument/2006/math">
-                    <m:sSub>
-                      <m:sSubPr>
-                        <m:ctrlPr>
-                          <a:rPr lang="fr-FR" sz="1600" b="0" i="1" smtClean="0">
-                            <a:latin typeface="Cambria Math" panose="02040503050406030204" pitchFamily="18" charset="0"/>
-                          </a:rPr>
-                        </m:ctrlPr>
-                      </m:sSubPr>
-                      <m:e>
-                        <m:r>
-                          <a:rPr lang="fr-FR" sz="1600" b="0" i="1" smtClean="0">
-                            <a:latin typeface="Cambria Math" panose="02040503050406030204" pitchFamily="18" charset="0"/>
-                          </a:rPr>
-                          <m:t>𝐴</m:t>
-                        </m:r>
-                      </m:e>
-                      <m:sub>
-                        <m:r>
-                          <a:rPr lang="fr-FR" sz="1600" b="0" i="1" smtClean="0">
-                            <a:latin typeface="Cambria Math" panose="02040503050406030204" pitchFamily="18" charset="0"/>
-                          </a:rPr>
-                          <m:t>𝐵𝐺</m:t>
-                        </m:r>
-                      </m:sub>
-                    </m:sSub>
-                    <m:sSub>
-                      <m:sSubPr>
-                        <m:ctrlPr>
-                          <a:rPr lang="fr-FR" sz="1600" i="1">
-                            <a:latin typeface="Cambria Math" panose="02040503050406030204" pitchFamily="18" charset="0"/>
-                          </a:rPr>
-                        </m:ctrlPr>
-                      </m:sSubPr>
-                      <m:e>
-                        <m:r>
-                          <a:rPr lang="fr-FR" sz="1600" i="1">
-                            <a:latin typeface="Cambria Math" panose="02040503050406030204" pitchFamily="18" charset="0"/>
-                          </a:rPr>
-                          <m:t>𝐴</m:t>
-                        </m:r>
-                      </m:e>
-                      <m:sub>
-                        <m:r>
-                          <a:rPr lang="fr-FR" sz="1600" i="1">
-                            <a:latin typeface="Cambria Math" panose="02040503050406030204" pitchFamily="18" charset="0"/>
-                          </a:rPr>
-                          <m:t>𝐻</m:t>
-                        </m:r>
-                        <m:r>
-                          <a:rPr lang="fr-FR" sz="1600" b="0" i="1" smtClean="0">
-                            <a:latin typeface="Cambria Math" panose="02040503050406030204" pitchFamily="18" charset="0"/>
-                          </a:rPr>
-                          <m:t>𝐺</m:t>
-                        </m:r>
-                      </m:sub>
-                    </m:sSub>
-                    <m:r>
-                      <a:rPr lang="fr-FR" sz="1600" b="0" i="1" smtClean="0">
-                        <a:latin typeface="Cambria Math" panose="02040503050406030204" pitchFamily="18" charset="0"/>
-                      </a:rPr>
-                      <m:t>=</m:t>
-                    </m:r>
-                    <m:sSub>
-                      <m:sSubPr>
-                        <m:ctrlPr>
-                          <a:rPr lang="fr-FR" sz="1600" b="0" i="1" smtClean="0">
-                            <a:latin typeface="Cambria Math" panose="02040503050406030204" pitchFamily="18" charset="0"/>
-                          </a:rPr>
-                        </m:ctrlPr>
-                      </m:sSubPr>
-                      <m:e>
-                        <m:r>
-                          <a:rPr lang="fr-FR" sz="1600" b="0" i="1" smtClean="0">
-                            <a:latin typeface="Cambria Math" panose="02040503050406030204" pitchFamily="18" charset="0"/>
-                          </a:rPr>
-                          <m:t>𝐻</m:t>
-                        </m:r>
-                      </m:e>
-                      <m:sub>
-                        <m:r>
-                          <a:rPr lang="fr-FR" sz="1600" b="0" i="1" smtClean="0">
-                            <a:latin typeface="Cambria Math" panose="02040503050406030204" pitchFamily="18" charset="0"/>
-                          </a:rPr>
-                          <m:t>𝑀</m:t>
-                        </m:r>
-                      </m:sub>
-                    </m:sSub>
-                    <m:acc>
-                      <m:accPr>
-                        <m:chr m:val="⃗"/>
-                        <m:ctrlPr>
-                          <a:rPr lang="fr-FR" sz="1600" i="1">
-                            <a:latin typeface="Cambria Math" panose="02040503050406030204" pitchFamily="18" charset="0"/>
-                          </a:rPr>
-                        </m:ctrlPr>
-                      </m:accPr>
-                      <m:e>
-                        <m:sSub>
-                          <m:sSubPr>
-                            <m:ctrlPr>
-                              <a:rPr lang="fr-FR" sz="1600" i="1">
-                                <a:latin typeface="Cambria Math" panose="02040503050406030204" pitchFamily="18" charset="0"/>
-                              </a:rPr>
-                            </m:ctrlPr>
-                          </m:sSubPr>
-                          <m:e>
-                            <m:r>
-                              <a:rPr lang="fr-FR" sz="1600" b="0" i="1" smtClean="0">
-                                <a:latin typeface="Cambria Math" panose="02040503050406030204" pitchFamily="18" charset="0"/>
-                              </a:rPr>
-                              <m:t>𝑦</m:t>
-                            </m:r>
-                          </m:e>
-                          <m:sub>
-                            <m:r>
-                              <a:rPr lang="fr-FR" sz="1600" i="1">
-                                <a:latin typeface="Cambria Math" panose="02040503050406030204" pitchFamily="18" charset="0"/>
-                              </a:rPr>
-                              <m:t>𝑀</m:t>
-                            </m:r>
-                          </m:sub>
-                        </m:sSub>
-                      </m:e>
-                    </m:acc>
-                  </m:oMath>
-                </a14:m>
-                <a:endParaRPr lang="fr-FR" sz="1600" dirty="0"/>
-              </a:p>
-              <a:p>
-                <a:endParaRPr lang="fr-FR" sz="1800" dirty="0"/>
-              </a:p>
-              <a:p>
-                <a:r>
-                  <a:rPr lang="fr-FR" sz="1800" dirty="0"/>
-                  <a:t>Le triangle </a:t>
-                </a:r>
-                <a14:m>
-                  <m:oMath xmlns:m="http://schemas.openxmlformats.org/officeDocument/2006/math">
-                    <m:r>
-                      <a:rPr lang="fr-FR" sz="1800" i="1" dirty="0" smtClean="0">
-                        <a:latin typeface="Cambria Math" panose="02040503050406030204" pitchFamily="18" charset="0"/>
-                      </a:rPr>
-                      <m:t>𝐴𝐵𝐶</m:t>
-                    </m:r>
-                  </m:oMath>
-                </a14:m>
-                <a:r>
-                  <a:rPr lang="fr-FR" sz="1800" dirty="0"/>
-                  <a:t> est rectangle en </a:t>
-                </a:r>
-                <a14:m>
-                  <m:oMath xmlns:m="http://schemas.openxmlformats.org/officeDocument/2006/math">
-                    <m:r>
-                      <a:rPr lang="fr-FR" sz="1800" i="1" dirty="0" smtClean="0">
-                        <a:latin typeface="Cambria Math" panose="02040503050406030204" pitchFamily="18" charset="0"/>
-                      </a:rPr>
-                      <m:t>𝐶</m:t>
-                    </m:r>
-                  </m:oMath>
-                </a14:m>
-                <a:r>
-                  <a:rPr lang="fr-FR" sz="1800" dirty="0"/>
-                  <a:t>. On a donc </a:t>
-                </a:r>
-                <a14:m>
-                  <m:oMath xmlns:m="http://schemas.openxmlformats.org/officeDocument/2006/math">
-                    <m:sSubSup>
-                      <m:sSubSupPr>
-                        <m:ctrlPr>
-                          <a:rPr lang="fr-FR" sz="1800" b="0" i="1" smtClean="0">
-                            <a:latin typeface="Cambria Math" panose="02040503050406030204" pitchFamily="18" charset="0"/>
-                          </a:rPr>
-                        </m:ctrlPr>
-                      </m:sSubSupPr>
-                      <m:e>
-                        <m:r>
-                          <a:rPr lang="fr-FR" sz="1800" b="0" i="1" smtClean="0">
-                            <a:latin typeface="Cambria Math" panose="02040503050406030204" pitchFamily="18" charset="0"/>
-                          </a:rPr>
-                          <m:t>𝐷</m:t>
-                        </m:r>
-                      </m:e>
-                      <m:sub>
-                        <m:r>
-                          <a:rPr lang="fr-FR" sz="1800" b="0" i="1" smtClean="0">
-                            <a:latin typeface="Cambria Math" panose="02040503050406030204" pitchFamily="18" charset="0"/>
-                          </a:rPr>
-                          <m:t>𝐻𝐷</m:t>
-                        </m:r>
-                      </m:sub>
-                      <m:sup>
-                        <m:r>
-                          <a:rPr lang="fr-FR" sz="1800" b="0" i="1" smtClean="0">
-                            <a:latin typeface="Cambria Math" panose="02040503050406030204" pitchFamily="18" charset="0"/>
-                          </a:rPr>
-                          <m:t>2</m:t>
-                        </m:r>
-                      </m:sup>
-                    </m:sSubSup>
-                    <m:r>
-                      <a:rPr lang="fr-FR" sz="1800" b="0" i="1" smtClean="0">
-                        <a:latin typeface="Cambria Math" panose="02040503050406030204" pitchFamily="18" charset="0"/>
-                      </a:rPr>
-                      <m:t>=</m:t>
-                    </m:r>
-                    <m:sSubSup>
-                      <m:sSubSupPr>
-                        <m:ctrlPr>
-                          <a:rPr lang="fr-FR" sz="1800" b="0" i="1" smtClean="0">
-                            <a:latin typeface="Cambria Math" panose="02040503050406030204" pitchFamily="18" charset="0"/>
-                          </a:rPr>
-                        </m:ctrlPr>
-                      </m:sSubSupPr>
-                      <m:e>
-                        <m:r>
-                          <a:rPr lang="fr-FR" sz="1800" b="0" i="1" smtClean="0">
-                            <a:latin typeface="Cambria Math" panose="02040503050406030204" pitchFamily="18" charset="0"/>
-                          </a:rPr>
-                          <m:t>𝐿</m:t>
-                        </m:r>
-                      </m:e>
-                      <m:sub>
-                        <m:r>
-                          <a:rPr lang="fr-FR" sz="1800" b="0" i="1" smtClean="0">
-                            <a:latin typeface="Cambria Math" panose="02040503050406030204" pitchFamily="18" charset="0"/>
-                          </a:rPr>
-                          <m:t>𝐻𝐷</m:t>
-                        </m:r>
-                      </m:sub>
-                      <m:sup>
-                        <m:r>
-                          <a:rPr lang="fr-FR" sz="1800" b="0" i="1" smtClean="0">
-                            <a:latin typeface="Cambria Math" panose="02040503050406030204" pitchFamily="18" charset="0"/>
-                          </a:rPr>
-                          <m:t>2</m:t>
-                        </m:r>
-                      </m:sup>
-                    </m:sSubSup>
-                    <m:r>
-                      <a:rPr lang="fr-FR" sz="1800" b="0" i="1" smtClean="0">
-                        <a:latin typeface="Cambria Math" panose="02040503050406030204" pitchFamily="18" charset="0"/>
-                      </a:rPr>
-                      <m:t>+</m:t>
-                    </m:r>
-                    <m:sSubSup>
-                      <m:sSubSupPr>
-                        <m:ctrlPr>
-                          <a:rPr lang="fr-FR" sz="1800" b="0" i="1" smtClean="0">
-                            <a:latin typeface="Cambria Math" panose="02040503050406030204" pitchFamily="18" charset="0"/>
-                          </a:rPr>
-                        </m:ctrlPr>
-                      </m:sSubSupPr>
-                      <m:e>
-                        <m:r>
-                          <a:rPr lang="fr-FR" sz="1800" b="0" i="1" smtClean="0">
-                            <a:latin typeface="Cambria Math" panose="02040503050406030204" pitchFamily="18" charset="0"/>
-                          </a:rPr>
-                          <m:t>𝑅</m:t>
-                        </m:r>
-                      </m:e>
-                      <m:sub>
-                        <m:r>
-                          <a:rPr lang="fr-FR" sz="1800" b="0" i="1" smtClean="0">
-                            <a:latin typeface="Cambria Math" panose="02040503050406030204" pitchFamily="18" charset="0"/>
-                          </a:rPr>
-                          <m:t>𝑃</m:t>
-                        </m:r>
-                      </m:sub>
-                      <m:sup>
-                        <m:r>
-                          <a:rPr lang="fr-FR" sz="1800" b="0" i="1" smtClean="0">
-                            <a:latin typeface="Cambria Math" panose="02040503050406030204" pitchFamily="18" charset="0"/>
-                          </a:rPr>
-                          <m:t>2</m:t>
-                        </m:r>
-                      </m:sup>
-                    </m:sSubSup>
-                  </m:oMath>
-                </a14:m>
-                <a:r>
-                  <a:rPr lang="fr-FR" sz="1800" dirty="0"/>
-                  <a:t>.</a:t>
-                </a:r>
-              </a:p>
-              <a:p>
-                <a14:m>
-                  <m:oMath xmlns:m="http://schemas.openxmlformats.org/officeDocument/2006/math">
-                    <m:acc>
-                      <m:accPr>
-                        <m:chr m:val="⃗"/>
-                        <m:ctrlPr>
-                          <a:rPr lang="fr-FR" sz="1800" i="1" smtClean="0">
-                            <a:latin typeface="Cambria Math" panose="02040503050406030204" pitchFamily="18" charset="0"/>
-                          </a:rPr>
-                        </m:ctrlPr>
-                      </m:accPr>
-                      <m:e>
-                        <m:r>
-                          <a:rPr lang="fr-FR" sz="1800" b="0" i="1" smtClean="0">
-                            <a:latin typeface="Cambria Math" panose="02040503050406030204" pitchFamily="18" charset="0"/>
-                          </a:rPr>
-                          <m:t>𝑂𝑀</m:t>
-                        </m:r>
-                      </m:e>
-                    </m:acc>
-                    <m:r>
-                      <a:rPr lang="fr-FR" sz="1800" b="0" i="1" smtClean="0">
-                        <a:latin typeface="Cambria Math" panose="02040503050406030204" pitchFamily="18" charset="0"/>
-                      </a:rPr>
-                      <m:t>=</m:t>
-                    </m:r>
-                    <m:sSub>
-                      <m:sSubPr>
-                        <m:ctrlPr>
-                          <a:rPr lang="fr-FR" sz="1800" b="0" i="1" smtClean="0">
-                            <a:latin typeface="Cambria Math" panose="02040503050406030204" pitchFamily="18" charset="0"/>
-                          </a:rPr>
-                        </m:ctrlPr>
-                      </m:sSubPr>
-                      <m:e>
-                        <m:r>
-                          <a:rPr lang="fr-FR" sz="1800" b="0" i="1" smtClean="0">
-                            <a:latin typeface="Cambria Math" panose="02040503050406030204" pitchFamily="18" charset="0"/>
-                          </a:rPr>
-                          <m:t>𝑋</m:t>
-                        </m:r>
-                      </m:e>
-                      <m:sub>
-                        <m:r>
-                          <a:rPr lang="fr-FR" sz="1800" b="0" i="1" smtClean="0">
-                            <a:latin typeface="Cambria Math" panose="02040503050406030204" pitchFamily="18" charset="0"/>
-                          </a:rPr>
-                          <m:t>𝑀</m:t>
-                        </m:r>
-                      </m:sub>
-                    </m:sSub>
-                    <m:acc>
-                      <m:accPr>
-                        <m:chr m:val="⃗"/>
-                        <m:ctrlPr>
-                          <a:rPr lang="fr-FR" sz="1800" i="1">
-                            <a:latin typeface="Cambria Math" panose="02040503050406030204" pitchFamily="18" charset="0"/>
-                          </a:rPr>
-                        </m:ctrlPr>
-                      </m:accPr>
-                      <m:e>
-                        <m:r>
-                          <a:rPr lang="fr-FR" sz="1800" b="0" i="1" smtClean="0">
-                            <a:latin typeface="Cambria Math" panose="02040503050406030204" pitchFamily="18" charset="0"/>
-                          </a:rPr>
-                          <m:t>𝑥</m:t>
-                        </m:r>
-                      </m:e>
-                    </m:acc>
-                    <m:r>
-                      <a:rPr lang="fr-FR" sz="1800" b="0" i="0" smtClean="0">
-                        <a:latin typeface="Cambria Math" panose="02040503050406030204" pitchFamily="18" charset="0"/>
-                      </a:rPr>
-                      <m:t>+</m:t>
-                    </m:r>
-                    <m:sSub>
-                      <m:sSubPr>
-                        <m:ctrlPr>
-                          <a:rPr lang="fr-FR" sz="1800" b="0" i="1" smtClean="0">
-                            <a:latin typeface="Cambria Math" panose="02040503050406030204" pitchFamily="18" charset="0"/>
-                          </a:rPr>
-                        </m:ctrlPr>
-                      </m:sSubPr>
-                      <m:e>
-                        <m:r>
-                          <a:rPr lang="fr-FR" sz="1800" b="0" i="1" smtClean="0">
-                            <a:latin typeface="Cambria Math" panose="02040503050406030204" pitchFamily="18" charset="0"/>
-                          </a:rPr>
-                          <m:t>𝑌</m:t>
-                        </m:r>
-                      </m:e>
-                      <m:sub>
-                        <m:r>
-                          <a:rPr lang="fr-FR" sz="1800" b="0" i="1" smtClean="0">
-                            <a:latin typeface="Cambria Math" panose="02040503050406030204" pitchFamily="18" charset="0"/>
-                          </a:rPr>
-                          <m:t>𝑀</m:t>
-                        </m:r>
-                      </m:sub>
-                    </m:sSub>
-                    <m:acc>
-                      <m:accPr>
-                        <m:chr m:val="⃗"/>
-                        <m:ctrlPr>
-                          <a:rPr lang="fr-FR" sz="1800" i="1">
-                            <a:latin typeface="Cambria Math" panose="02040503050406030204" pitchFamily="18" charset="0"/>
-                          </a:rPr>
-                        </m:ctrlPr>
-                      </m:accPr>
-                      <m:e>
-                        <m:r>
-                          <a:rPr lang="fr-FR" sz="1800" b="0" i="1" smtClean="0">
-                            <a:latin typeface="Cambria Math" panose="02040503050406030204" pitchFamily="18" charset="0"/>
-                          </a:rPr>
-                          <m:t>𝑦</m:t>
-                        </m:r>
-                      </m:e>
-                    </m:acc>
-                  </m:oMath>
-                </a14:m>
-                <a:endParaRPr lang="fr-FR" sz="1800" dirty="0"/>
-              </a:p>
-              <a:p>
-                <a14:m>
-                  <m:oMath xmlns:m="http://schemas.openxmlformats.org/officeDocument/2006/math">
-                    <m:acc>
-                      <m:accPr>
-                        <m:chr m:val="⃗"/>
-                        <m:ctrlPr>
-                          <a:rPr lang="fr-FR" sz="1800" i="1" smtClean="0">
-                            <a:latin typeface="Cambria Math" panose="02040503050406030204" pitchFamily="18" charset="0"/>
-                          </a:rPr>
-                        </m:ctrlPr>
-                      </m:accPr>
-                      <m:e>
-                        <m:r>
-                          <a:rPr lang="fr-FR" sz="1800" b="0" i="1" smtClean="0">
-                            <a:latin typeface="Cambria Math" panose="02040503050406030204" pitchFamily="18" charset="0"/>
-                          </a:rPr>
-                          <m:t>𝑂</m:t>
-                        </m:r>
-                        <m:sSub>
-                          <m:sSubPr>
-                            <m:ctrlPr>
-                              <a:rPr lang="fr-FR" sz="1800" b="0" i="1" smtClean="0">
-                                <a:latin typeface="Cambria Math" panose="02040503050406030204" pitchFamily="18" charset="0"/>
-                              </a:rPr>
-                            </m:ctrlPr>
-                          </m:sSubPr>
-                          <m:e>
-                            <m:r>
-                              <a:rPr lang="fr-FR" sz="1800" b="0" i="1" smtClean="0">
-                                <a:latin typeface="Cambria Math" panose="02040503050406030204" pitchFamily="18" charset="0"/>
-                              </a:rPr>
-                              <m:t>𝐵</m:t>
-                            </m:r>
-                          </m:e>
-                          <m:sub>
-                            <m:r>
-                              <a:rPr lang="fr-FR" sz="1800" b="0" i="1" smtClean="0">
-                                <a:latin typeface="Cambria Math" panose="02040503050406030204" pitchFamily="18" charset="0"/>
-                              </a:rPr>
-                              <m:t>𝐻𝐷</m:t>
-                            </m:r>
-                          </m:sub>
-                        </m:sSub>
-                      </m:e>
-                    </m:acc>
-                    <m:r>
-                      <a:rPr lang="fr-FR" sz="1800" b="0" i="1" smtClean="0">
-                        <a:latin typeface="Cambria Math" panose="02040503050406030204" pitchFamily="18" charset="0"/>
-                      </a:rPr>
-                      <m:t>=</m:t>
-                    </m:r>
-                    <m:sSub>
-                      <m:sSubPr>
-                        <m:ctrlPr>
-                          <a:rPr lang="fr-FR" sz="1800" b="0" i="1" smtClean="0">
-                            <a:latin typeface="Cambria Math" panose="02040503050406030204" pitchFamily="18" charset="0"/>
-                          </a:rPr>
-                        </m:ctrlPr>
-                      </m:sSubPr>
-                      <m:e>
-                        <m:r>
-                          <a:rPr lang="fr-FR" sz="1800" b="0" i="1" smtClean="0">
-                            <a:latin typeface="Cambria Math" panose="02040503050406030204" pitchFamily="18" charset="0"/>
-                          </a:rPr>
-                          <m:t>𝑋</m:t>
-                        </m:r>
-                      </m:e>
-                      <m:sub>
-                        <m:r>
-                          <a:rPr lang="fr-FR" sz="1800" b="0" i="1" smtClean="0">
-                            <a:latin typeface="Cambria Math" panose="02040503050406030204" pitchFamily="18" charset="0"/>
-                          </a:rPr>
-                          <m:t>𝐻𝐷</m:t>
-                        </m:r>
-                      </m:sub>
-                    </m:sSub>
-                    <m:acc>
-                      <m:accPr>
-                        <m:chr m:val="⃗"/>
-                        <m:ctrlPr>
-                          <a:rPr lang="fr-FR" sz="1800" i="1">
-                            <a:latin typeface="Cambria Math" panose="02040503050406030204" pitchFamily="18" charset="0"/>
-                          </a:rPr>
-                        </m:ctrlPr>
-                      </m:accPr>
-                      <m:e>
-                        <m:r>
-                          <a:rPr lang="fr-FR" sz="1800" b="0" i="1" smtClean="0">
-                            <a:latin typeface="Cambria Math" panose="02040503050406030204" pitchFamily="18" charset="0"/>
-                          </a:rPr>
-                          <m:t>𝑥</m:t>
-                        </m:r>
-                      </m:e>
-                    </m:acc>
-                    <m:r>
-                      <a:rPr lang="fr-FR" sz="1800" b="0" i="0" smtClean="0">
-                        <a:latin typeface="Cambria Math" panose="02040503050406030204" pitchFamily="18" charset="0"/>
-                      </a:rPr>
-                      <m:t>+</m:t>
-                    </m:r>
-                    <m:sSub>
-                      <m:sSubPr>
-                        <m:ctrlPr>
-                          <a:rPr lang="fr-FR" sz="1800" b="0" i="1" smtClean="0">
-                            <a:latin typeface="Cambria Math" panose="02040503050406030204" pitchFamily="18" charset="0"/>
-                          </a:rPr>
-                        </m:ctrlPr>
-                      </m:sSubPr>
-                      <m:e>
-                        <m:r>
-                          <a:rPr lang="fr-FR" sz="1800" b="0" i="1" smtClean="0">
-                            <a:latin typeface="Cambria Math" panose="02040503050406030204" pitchFamily="18" charset="0"/>
-                          </a:rPr>
-                          <m:t>𝑌</m:t>
-                        </m:r>
-                      </m:e>
-                      <m:sub>
-                        <m:r>
-                          <a:rPr lang="fr-FR" sz="1800" b="0" i="1" smtClean="0">
-                            <a:latin typeface="Cambria Math" panose="02040503050406030204" pitchFamily="18" charset="0"/>
-                          </a:rPr>
-                          <m:t>𝐻𝐷</m:t>
-                        </m:r>
-                      </m:sub>
-                    </m:sSub>
-                    <m:acc>
-                      <m:accPr>
-                        <m:chr m:val="⃗"/>
-                        <m:ctrlPr>
-                          <a:rPr lang="fr-FR" sz="1800" i="1">
-                            <a:latin typeface="Cambria Math" panose="02040503050406030204" pitchFamily="18" charset="0"/>
-                          </a:rPr>
-                        </m:ctrlPr>
-                      </m:accPr>
-                      <m:e>
-                        <m:r>
-                          <a:rPr lang="fr-FR" sz="1800" b="0" i="1" smtClean="0">
-                            <a:latin typeface="Cambria Math" panose="02040503050406030204" pitchFamily="18" charset="0"/>
-                          </a:rPr>
-                          <m:t>𝑦</m:t>
-                        </m:r>
-                      </m:e>
-                    </m:acc>
-                  </m:oMath>
-                </a14:m>
-                <a:endParaRPr lang="fr-FR" sz="1800" dirty="0"/>
-              </a:p>
-              <a:p>
-                <a:endParaRPr lang="fr-FR" sz="1800" dirty="0"/>
-              </a:p>
-            </p:txBody>
-          </p:sp>
-        </mc:Choice>
-        <mc:Fallback xmlns="">
-          <p:sp>
-            <p:nvSpPr>
-              <p:cNvPr id="3" name="Espace réservé du contenu 2">
-                <a:extLst>
-                  <a:ext uri="{FF2B5EF4-FFF2-40B4-BE49-F238E27FC236}">
-                    <a16:creationId xmlns:a16="http://schemas.microsoft.com/office/drawing/2014/main" id="{F1033314-DAEF-3C58-6EAF-654339C65576}"/>
-                  </a:ext>
-                </a:extLst>
-              </p:cNvPr>
-              <p:cNvSpPr>
-                <a:spLocks noGrp="1" noRot="1" noChangeAspect="1" noMove="1" noResize="1" noEditPoints="1" noAdjustHandles="1" noChangeArrowheads="1" noChangeShapeType="1" noTextEdit="1"/>
-              </p:cNvSpPr>
-              <p:nvPr>
-                <p:ph idx="1"/>
-              </p:nvPr>
-            </p:nvSpPr>
-            <p:spPr>
-              <a:xfrm>
-                <a:off x="3224487" y="226621"/>
-                <a:ext cx="3283191" cy="4796556"/>
-              </a:xfrm>
-              <a:blipFill>
-                <a:blip r:embed="rId3"/>
-                <a:stretch>
-                  <a:fillRect l="-1299" t="-1144"/>
-                </a:stretch>
-              </a:blipFill>
-            </p:spPr>
-            <p:txBody>
-              <a:bodyPr/>
-              <a:lstStyle/>
-              <a:p>
-                <a:r>
-                  <a:rPr lang="fr-FR">
-                    <a:noFill/>
-                  </a:rPr>
-                  <a:t> </a:t>
-                </a:r>
-              </a:p>
-            </p:txBody>
-          </p:sp>
-        </mc:Fallback>
-      </mc:AlternateContent>
-      <mc:AlternateContent xmlns:mc="http://schemas.openxmlformats.org/markup-compatibility/2006" xmlns:a14="http://schemas.microsoft.com/office/drawing/2010/main">
-        <mc:Choice Requires="a14">
-          <p:sp>
-            <p:nvSpPr>
-              <p:cNvPr id="5" name="Espace réservé du contenu 2">
-                <a:extLst>
-                  <a:ext uri="{FF2B5EF4-FFF2-40B4-BE49-F238E27FC236}">
-                    <a16:creationId xmlns:a16="http://schemas.microsoft.com/office/drawing/2014/main" id="{6214CE3E-F031-C1D2-C208-F4DAC56D267A}"/>
-                  </a:ext>
-                </a:extLst>
-              </p:cNvPr>
-              <p:cNvSpPr txBox="1">
-                <a:spLocks/>
-              </p:cNvSpPr>
-              <p:nvPr/>
-            </p:nvSpPr>
-            <p:spPr>
-              <a:xfrm>
-                <a:off x="6305797" y="250371"/>
-                <a:ext cx="5789195" cy="6031676"/>
-              </a:xfrm>
-              <a:prstGeom prst="rect">
-                <a:avLst/>
-              </a:prstGeom>
-              <a:ln>
-                <a:noFill/>
-              </a:ln>
-            </p:spPr>
-            <p:txBody>
-              <a:bodyPr vert="horz" lIns="91440" tIns="45720" rIns="91440" bIns="45720" rtlCol="0">
-                <a:normAutofit fontScale="92500" lnSpcReduction="10000"/>
-              </a:bodyPr>
-              <a:lstStyle>
-                <a:lvl1pPr marL="228600" indent="-228600" algn="l" defTabSz="914400" rtl="0" eaLnBrk="1" latinLnBrk="0" hangingPunct="1">
-                  <a:lnSpc>
-                    <a:spcPct val="90000"/>
-                  </a:lnSpc>
-                  <a:spcBef>
-                    <a:spcPts val="1000"/>
-                  </a:spcBef>
-                  <a:buFont typeface="Arial" panose="020B0604020202020204" pitchFamily="34" charset="0"/>
-                  <a:buChar char="•"/>
-                  <a:defRPr sz="2800" kern="1200">
-                    <a:solidFill>
-                      <a:schemeClr val="tx1"/>
-                    </a:solidFill>
-                    <a:latin typeface="+mn-lt"/>
-                    <a:ea typeface="+mn-ea"/>
-                    <a:cs typeface="+mn-cs"/>
-                  </a:defRPr>
-                </a:lvl1pPr>
-                <a:lvl2pPr marL="685800" indent="-228600" algn="l" defTabSz="914400" rtl="0" eaLnBrk="1" latinLnBrk="0" hangingPunct="1">
-                  <a:lnSpc>
-                    <a:spcPct val="90000"/>
-                  </a:lnSpc>
-                  <a:spcBef>
-                    <a:spcPts val="500"/>
-                  </a:spcBef>
-                  <a:buFont typeface="Arial" panose="020B0604020202020204" pitchFamily="34" charset="0"/>
-                  <a:buChar char="•"/>
-                  <a:defRPr sz="2400" kern="1200">
-                    <a:solidFill>
-                      <a:schemeClr val="tx1"/>
-                    </a:solidFill>
-                    <a:latin typeface="+mn-lt"/>
-                    <a:ea typeface="+mn-ea"/>
-                    <a:cs typeface="+mn-cs"/>
-                  </a:defRPr>
-                </a:lvl2pPr>
-                <a:lvl3pPr marL="1143000" indent="-228600" algn="l" defTabSz="914400" rtl="0" eaLnBrk="1" latinLnBrk="0" hangingPunct="1">
-                  <a:lnSpc>
-                    <a:spcPct val="90000"/>
-                  </a:lnSpc>
-                  <a:spcBef>
-                    <a:spcPts val="500"/>
-                  </a:spcBef>
-                  <a:buFont typeface="Arial" panose="020B0604020202020204" pitchFamily="34" charset="0"/>
-                  <a:buChar char="•"/>
-                  <a:defRPr sz="2000" kern="1200">
-                    <a:solidFill>
-                      <a:schemeClr val="tx1"/>
-                    </a:solidFill>
-                    <a:latin typeface="+mn-lt"/>
-                    <a:ea typeface="+mn-ea"/>
-                    <a:cs typeface="+mn-cs"/>
-                  </a:defRPr>
-                </a:lvl3pPr>
-                <a:lvl4pPr marL="1600200" indent="-228600" algn="l" defTabSz="914400" rtl="0" eaLnBrk="1" latinLnBrk="0" hangingPunct="1">
-                  <a:lnSpc>
-                    <a:spcPct val="90000"/>
-                  </a:lnSpc>
-                  <a:spcBef>
-                    <a:spcPts val="500"/>
-                  </a:spcBef>
-                  <a:buFont typeface="Arial" panose="020B0604020202020204" pitchFamily="34" charset="0"/>
-                  <a:buChar char="•"/>
-                  <a:defRPr sz="1800" kern="1200">
-                    <a:solidFill>
-                      <a:schemeClr val="tx1"/>
-                    </a:solidFill>
-                    <a:latin typeface="+mn-lt"/>
-                    <a:ea typeface="+mn-ea"/>
-                    <a:cs typeface="+mn-cs"/>
-                  </a:defRPr>
-                </a:lvl4pPr>
-                <a:lvl5pPr marL="2057400" indent="-228600" algn="l" defTabSz="914400" rtl="0" eaLnBrk="1" latinLnBrk="0" hangingPunct="1">
-                  <a:lnSpc>
-                    <a:spcPct val="90000"/>
-                  </a:lnSpc>
-                  <a:spcBef>
-                    <a:spcPts val="500"/>
-                  </a:spcBef>
-                  <a:buFont typeface="Arial" panose="020B0604020202020204" pitchFamily="34" charset="0"/>
-                  <a:buChar char="•"/>
-                  <a:defRPr sz="1800" kern="1200">
-                    <a:solidFill>
-                      <a:schemeClr val="tx1"/>
-                    </a:solidFill>
-                    <a:latin typeface="+mn-lt"/>
-                    <a:ea typeface="+mn-ea"/>
-                    <a:cs typeface="+mn-cs"/>
-                  </a:defRPr>
-                </a:lvl5pPr>
-                <a:lvl6pPr marL="2514600" indent="-228600" algn="l" defTabSz="914400" rtl="0" eaLnBrk="1" latinLnBrk="0" hangingPunct="1">
-                  <a:lnSpc>
-                    <a:spcPct val="90000"/>
-                  </a:lnSpc>
-                  <a:spcBef>
-                    <a:spcPts val="500"/>
-                  </a:spcBef>
-                  <a:buFont typeface="Arial" panose="020B0604020202020204" pitchFamily="34" charset="0"/>
-                  <a:buChar char="•"/>
-                  <a:defRPr sz="1800" kern="1200">
-                    <a:solidFill>
-                      <a:schemeClr val="tx1"/>
-                    </a:solidFill>
-                    <a:latin typeface="+mn-lt"/>
-                    <a:ea typeface="+mn-ea"/>
-                    <a:cs typeface="+mn-cs"/>
-                  </a:defRPr>
-                </a:lvl6pPr>
-                <a:lvl7pPr marL="2971800" indent="-228600" algn="l" defTabSz="914400" rtl="0" eaLnBrk="1" latinLnBrk="0" hangingPunct="1">
-                  <a:lnSpc>
-                    <a:spcPct val="90000"/>
-                  </a:lnSpc>
-                  <a:spcBef>
-                    <a:spcPts val="500"/>
-                  </a:spcBef>
-                  <a:buFont typeface="Arial" panose="020B0604020202020204" pitchFamily="34" charset="0"/>
-                  <a:buChar char="•"/>
-                  <a:defRPr sz="1800" kern="1200">
-                    <a:solidFill>
-                      <a:schemeClr val="tx1"/>
-                    </a:solidFill>
-                    <a:latin typeface="+mn-lt"/>
-                    <a:ea typeface="+mn-ea"/>
-                    <a:cs typeface="+mn-cs"/>
-                  </a:defRPr>
-                </a:lvl7pPr>
-                <a:lvl8pPr marL="3429000" indent="-228600" algn="l" defTabSz="914400" rtl="0" eaLnBrk="1" latinLnBrk="0" hangingPunct="1">
-                  <a:lnSpc>
-                    <a:spcPct val="90000"/>
-                  </a:lnSpc>
-                  <a:spcBef>
-                    <a:spcPts val="500"/>
-                  </a:spcBef>
-                  <a:buFont typeface="Arial" panose="020B0604020202020204" pitchFamily="34" charset="0"/>
-                  <a:buChar char="•"/>
-                  <a:defRPr sz="1800" kern="1200">
-                    <a:solidFill>
-                      <a:schemeClr val="tx1"/>
-                    </a:solidFill>
-                    <a:latin typeface="+mn-lt"/>
-                    <a:ea typeface="+mn-ea"/>
-                    <a:cs typeface="+mn-cs"/>
-                  </a:defRPr>
-                </a:lvl8pPr>
-                <a:lvl9pPr marL="3886200" indent="-228600" algn="l" defTabSz="914400" rtl="0" eaLnBrk="1" latinLnBrk="0" hangingPunct="1">
-                  <a:lnSpc>
-                    <a:spcPct val="90000"/>
-                  </a:lnSpc>
-                  <a:spcBef>
-                    <a:spcPts val="500"/>
-                  </a:spcBef>
-                  <a:buFont typeface="Arial" panose="020B0604020202020204" pitchFamily="34" charset="0"/>
-                  <a:buChar char="•"/>
-                  <a:defRPr sz="1800" kern="1200">
-                    <a:solidFill>
-                      <a:schemeClr val="tx1"/>
-                    </a:solidFill>
-                    <a:latin typeface="+mn-lt"/>
-                    <a:ea typeface="+mn-ea"/>
-                    <a:cs typeface="+mn-cs"/>
-                  </a:defRPr>
-                </a:lvl9pPr>
-              </a:lstStyle>
-              <a:p>
-                <a:r>
-                  <a:rPr lang="fr-FR" sz="2000" dirty="0"/>
-                  <a:t>On a</a:t>
-                </a:r>
-              </a:p>
-              <a:p>
-                <a:pPr lvl="1"/>
-                <a:endParaRPr lang="fr-FR" sz="1600" strike="sngStrike" dirty="0"/>
-              </a:p>
-              <a:p>
-                <a:pPr lvl="1"/>
-                <a14:m>
-                  <m:oMath xmlns:m="http://schemas.openxmlformats.org/officeDocument/2006/math">
-                    <m:acc>
-                      <m:accPr>
-                        <m:chr m:val="⃗"/>
-                        <m:ctrlPr>
-                          <a:rPr lang="fr-FR" sz="1600" i="1" strike="sngStrike" smtClean="0">
-                            <a:solidFill>
-                              <a:schemeClr val="accent1"/>
-                            </a:solidFill>
-                            <a:latin typeface="Cambria Math" panose="02040503050406030204" pitchFamily="18" charset="0"/>
-                          </a:rPr>
-                        </m:ctrlPr>
-                      </m:accPr>
-                      <m:e>
-                        <m:r>
-                          <a:rPr lang="fr-FR" sz="1600" b="0" i="1" strike="sngStrike" smtClean="0">
-                            <a:solidFill>
-                              <a:schemeClr val="accent1"/>
-                            </a:solidFill>
-                            <a:latin typeface="Cambria Math" panose="02040503050406030204" pitchFamily="18" charset="0"/>
-                          </a:rPr>
-                          <m:t>𝑂</m:t>
-                        </m:r>
-                        <m:r>
-                          <a:rPr lang="fr-FR" sz="1600" i="1" strike="sngStrike" smtClean="0">
-                            <a:solidFill>
-                              <a:schemeClr val="accent1"/>
-                            </a:solidFill>
-                            <a:latin typeface="Cambria Math" panose="02040503050406030204" pitchFamily="18" charset="0"/>
-                          </a:rPr>
-                          <m:t>𝑀</m:t>
-                        </m:r>
-                      </m:e>
-                    </m:acc>
-                  </m:oMath>
-                </a14:m>
-                <a:r>
-                  <a:rPr lang="fr-FR" sz="1600" strike="sngStrike" dirty="0">
-                    <a:solidFill>
-                      <a:schemeClr val="accent1"/>
-                    </a:solidFill>
-                  </a:rPr>
-                  <a:t> = </a:t>
-                </a:r>
-                <a14:m>
-                  <m:oMath xmlns:m="http://schemas.openxmlformats.org/officeDocument/2006/math">
-                    <m:acc>
-                      <m:accPr>
-                        <m:chr m:val="⃗"/>
-                        <m:ctrlPr>
-                          <a:rPr lang="fr-FR" sz="1600" i="1" strike="sngStrike">
-                            <a:solidFill>
-                              <a:schemeClr val="accent1"/>
-                            </a:solidFill>
-                            <a:latin typeface="Cambria Math" panose="02040503050406030204" pitchFamily="18" charset="0"/>
-                          </a:rPr>
-                        </m:ctrlPr>
-                      </m:accPr>
-                      <m:e>
-                        <m:r>
-                          <a:rPr lang="fr-FR" sz="1600" i="1" strike="sngStrike">
-                            <a:solidFill>
-                              <a:schemeClr val="accent1"/>
-                            </a:solidFill>
-                            <a:latin typeface="Cambria Math" panose="02040503050406030204" pitchFamily="18" charset="0"/>
-                          </a:rPr>
-                          <m:t>𝑂</m:t>
-                        </m:r>
-                        <m:sSub>
-                          <m:sSubPr>
-                            <m:ctrlPr>
-                              <a:rPr lang="fr-FR" sz="1600" b="0" i="1" strike="sngStrike" smtClean="0">
-                                <a:solidFill>
-                                  <a:schemeClr val="accent1"/>
-                                </a:solidFill>
-                                <a:latin typeface="Cambria Math" panose="02040503050406030204" pitchFamily="18" charset="0"/>
-                              </a:rPr>
-                            </m:ctrlPr>
-                          </m:sSubPr>
-                          <m:e>
-                            <m:r>
-                              <a:rPr lang="fr-FR" sz="1600" b="0" i="1" strike="sngStrike" smtClean="0">
-                                <a:solidFill>
-                                  <a:schemeClr val="accent1"/>
-                                </a:solidFill>
-                                <a:latin typeface="Cambria Math" panose="02040503050406030204" pitchFamily="18" charset="0"/>
-                              </a:rPr>
-                              <m:t>𝐵</m:t>
-                            </m:r>
-                          </m:e>
-                          <m:sub>
-                            <m:r>
-                              <a:rPr lang="fr-FR" sz="1600" b="0" i="1" strike="sngStrike" smtClean="0">
-                                <a:solidFill>
-                                  <a:schemeClr val="accent1"/>
-                                </a:solidFill>
-                                <a:latin typeface="Cambria Math" panose="02040503050406030204" pitchFamily="18" charset="0"/>
-                              </a:rPr>
-                              <m:t>𝐻𝐷</m:t>
-                            </m:r>
-                          </m:sub>
-                        </m:sSub>
-                      </m:e>
-                    </m:acc>
-                    <m:r>
-                      <a:rPr lang="fr-FR" sz="1600" b="0" i="1" strike="sngStrike" smtClean="0">
-                        <a:latin typeface="Cambria Math" panose="02040503050406030204" pitchFamily="18" charset="0"/>
-                      </a:rPr>
-                      <m:t>+</m:t>
-                    </m:r>
-                    <m:acc>
-                      <m:accPr>
-                        <m:chr m:val="⃗"/>
-                        <m:ctrlPr>
-                          <a:rPr lang="fr-FR" sz="1600" i="1" strike="sngStrike">
-                            <a:latin typeface="Cambria Math" panose="02040503050406030204" pitchFamily="18" charset="0"/>
-                          </a:rPr>
-                        </m:ctrlPr>
-                      </m:accPr>
-                      <m:e>
-                        <m:sSub>
-                          <m:sSubPr>
-                            <m:ctrlPr>
-                              <a:rPr lang="fr-FR" sz="1600" i="1" strike="sngStrike">
-                                <a:latin typeface="Cambria Math" panose="02040503050406030204" pitchFamily="18" charset="0"/>
-                              </a:rPr>
-                            </m:ctrlPr>
-                          </m:sSubPr>
-                          <m:e>
-                            <m:sSub>
-                              <m:sSubPr>
-                                <m:ctrlPr>
-                                  <a:rPr lang="fr-FR" sz="1600" i="1" strike="sngStrike">
-                                    <a:latin typeface="Cambria Math" panose="02040503050406030204" pitchFamily="18" charset="0"/>
-                                  </a:rPr>
-                                </m:ctrlPr>
-                              </m:sSubPr>
-                              <m:e>
-                                <m:r>
-                                  <a:rPr lang="fr-FR" sz="1600" b="0" i="1" strike="sngStrike" smtClean="0">
-                                    <a:latin typeface="Cambria Math" panose="02040503050406030204" pitchFamily="18" charset="0"/>
-                                  </a:rPr>
-                                  <m:t>𝐵</m:t>
-                                </m:r>
-                              </m:e>
-                              <m:sub>
-                                <m:r>
-                                  <a:rPr lang="fr-FR" sz="1600" i="1" strike="sngStrike">
-                                    <a:latin typeface="Cambria Math" panose="02040503050406030204" pitchFamily="18" charset="0"/>
-                                  </a:rPr>
-                                  <m:t>𝐻𝐷</m:t>
-                                </m:r>
-                              </m:sub>
-                            </m:sSub>
-                            <m:r>
-                              <a:rPr lang="fr-FR" sz="1600" i="1" strike="sngStrike">
-                                <a:latin typeface="Cambria Math" panose="02040503050406030204" pitchFamily="18" charset="0"/>
-                              </a:rPr>
-                              <m:t>𝐴</m:t>
-                            </m:r>
-                          </m:e>
-                          <m:sub>
-                            <m:r>
-                              <a:rPr lang="fr-FR" sz="1600" i="1" strike="sngStrike">
-                                <a:latin typeface="Cambria Math" panose="02040503050406030204" pitchFamily="18" charset="0"/>
-                              </a:rPr>
-                              <m:t>𝐻𝐷</m:t>
-                            </m:r>
-                          </m:sub>
-                        </m:sSub>
-                      </m:e>
-                    </m:acc>
-                  </m:oMath>
-                </a14:m>
-                <a:r>
-                  <a:rPr lang="fr-FR" sz="1600" strike="sngStrike" dirty="0"/>
-                  <a:t> </a:t>
-                </a:r>
-                <a14:m>
-                  <m:oMath xmlns:m="http://schemas.openxmlformats.org/officeDocument/2006/math">
-                    <m:r>
-                      <a:rPr lang="fr-FR" sz="1600" i="1" strike="sngStrike">
-                        <a:latin typeface="Cambria Math" panose="02040503050406030204" pitchFamily="18" charset="0"/>
-                      </a:rPr>
-                      <m:t>+</m:t>
-                    </m:r>
-                    <m:acc>
-                      <m:accPr>
-                        <m:chr m:val="⃗"/>
-                        <m:ctrlPr>
-                          <a:rPr lang="fr-FR" sz="1600" i="1" strike="sngStrike" smtClean="0">
-                            <a:solidFill>
-                              <a:schemeClr val="accent1"/>
-                            </a:solidFill>
-                            <a:latin typeface="Cambria Math" panose="02040503050406030204" pitchFamily="18" charset="0"/>
-                          </a:rPr>
-                        </m:ctrlPr>
-                      </m:accPr>
-                      <m:e>
-                        <m:sSub>
-                          <m:sSubPr>
-                            <m:ctrlPr>
-                              <a:rPr lang="fr-FR" sz="1600" i="1" strike="sngStrike">
-                                <a:solidFill>
-                                  <a:schemeClr val="accent1"/>
-                                </a:solidFill>
-                                <a:latin typeface="Cambria Math" panose="02040503050406030204" pitchFamily="18" charset="0"/>
-                              </a:rPr>
-                            </m:ctrlPr>
-                          </m:sSubPr>
-                          <m:e>
-                            <m:r>
-                              <a:rPr lang="fr-FR" sz="1600" i="1" strike="sngStrike">
-                                <a:solidFill>
-                                  <a:schemeClr val="accent1"/>
-                                </a:solidFill>
-                                <a:latin typeface="Cambria Math" panose="02040503050406030204" pitchFamily="18" charset="0"/>
-                              </a:rPr>
-                              <m:t>𝐴</m:t>
-                            </m:r>
-                          </m:e>
-                          <m:sub>
-                            <m:r>
-                              <a:rPr lang="fr-FR" sz="1600" i="1" strike="sngStrike">
-                                <a:solidFill>
-                                  <a:schemeClr val="accent1"/>
-                                </a:solidFill>
-                                <a:latin typeface="Cambria Math" panose="02040503050406030204" pitchFamily="18" charset="0"/>
-                              </a:rPr>
-                              <m:t>𝐻𝐷</m:t>
-                            </m:r>
-                          </m:sub>
-                        </m:sSub>
-                        <m:r>
-                          <a:rPr lang="fr-FR" sz="1600" b="0" i="1" strike="sngStrike" smtClean="0">
-                            <a:solidFill>
-                              <a:schemeClr val="accent1"/>
-                            </a:solidFill>
-                            <a:latin typeface="Cambria Math" panose="02040503050406030204" pitchFamily="18" charset="0"/>
-                          </a:rPr>
-                          <m:t>𝑀</m:t>
-                        </m:r>
-                      </m:e>
-                    </m:acc>
-                  </m:oMath>
-                </a14:m>
-                <a:endParaRPr lang="fr-FR" sz="1600" strike="sngStrike" dirty="0">
-                  <a:solidFill>
-                    <a:schemeClr val="accent1"/>
-                  </a:solidFill>
-                </a:endParaRPr>
-              </a:p>
-              <a:p>
-                <a:pPr lvl="1"/>
-                <a:endParaRPr lang="fr-FR" sz="1600" dirty="0"/>
-              </a:p>
-              <a:p>
-                <a:pPr lvl="1"/>
-                <a14:m>
-                  <m:oMath xmlns:m="http://schemas.openxmlformats.org/officeDocument/2006/math">
-                    <m:acc>
-                      <m:accPr>
-                        <m:chr m:val="⃗"/>
-                        <m:ctrlPr>
-                          <a:rPr lang="fr-FR" sz="1600" i="1" smtClean="0">
-                            <a:latin typeface="Cambria Math" panose="02040503050406030204" pitchFamily="18" charset="0"/>
-                          </a:rPr>
-                        </m:ctrlPr>
-                      </m:accPr>
-                      <m:e>
-                        <m:sSub>
-                          <m:sSubPr>
-                            <m:ctrlPr>
-                              <a:rPr lang="fr-FR" sz="1600" i="1">
-                                <a:latin typeface="Cambria Math" panose="02040503050406030204" pitchFamily="18" charset="0"/>
-                              </a:rPr>
-                            </m:ctrlPr>
-                          </m:sSubPr>
-                          <m:e>
-                            <m:sSub>
-                              <m:sSubPr>
-                                <m:ctrlPr>
-                                  <a:rPr lang="fr-FR" sz="1600" i="1">
-                                    <a:latin typeface="Cambria Math" panose="02040503050406030204" pitchFamily="18" charset="0"/>
-                                  </a:rPr>
-                                </m:ctrlPr>
-                              </m:sSubPr>
-                              <m:e>
-                                <m:r>
-                                  <a:rPr lang="fr-FR" sz="1600" b="0" i="1" smtClean="0">
-                                    <a:latin typeface="Cambria Math" panose="02040503050406030204" pitchFamily="18" charset="0"/>
-                                  </a:rPr>
-                                  <m:t>𝐴</m:t>
-                                </m:r>
-                              </m:e>
-                              <m:sub>
-                                <m:r>
-                                  <a:rPr lang="fr-FR" sz="1600" i="1">
-                                    <a:latin typeface="Cambria Math" panose="02040503050406030204" pitchFamily="18" charset="0"/>
-                                  </a:rPr>
-                                  <m:t>𝐻𝐷</m:t>
-                                </m:r>
-                              </m:sub>
-                            </m:sSub>
-                            <m:r>
-                              <a:rPr lang="fr-FR" sz="1600" b="0" i="1" smtClean="0">
-                                <a:latin typeface="Cambria Math" panose="02040503050406030204" pitchFamily="18" charset="0"/>
-                              </a:rPr>
-                              <m:t>𝐵</m:t>
-                            </m:r>
-                          </m:e>
-                          <m:sub>
-                            <m:r>
-                              <a:rPr lang="fr-FR" sz="1600" i="1">
-                                <a:latin typeface="Cambria Math" panose="02040503050406030204" pitchFamily="18" charset="0"/>
-                              </a:rPr>
-                              <m:t>𝐻𝐷</m:t>
-                            </m:r>
-                          </m:sub>
-                        </m:sSub>
-                      </m:e>
-                    </m:acc>
-                  </m:oMath>
-                </a14:m>
-                <a:r>
-                  <a:rPr lang="fr-FR" sz="1600" dirty="0"/>
-                  <a:t>= </a:t>
-                </a:r>
-                <a14:m>
-                  <m:oMath xmlns:m="http://schemas.openxmlformats.org/officeDocument/2006/math">
-                    <m:acc>
-                      <m:accPr>
-                        <m:chr m:val="⃗"/>
-                        <m:ctrlPr>
-                          <a:rPr lang="fr-FR" sz="1600" i="1">
-                            <a:latin typeface="Cambria Math" panose="02040503050406030204" pitchFamily="18" charset="0"/>
-                          </a:rPr>
-                        </m:ctrlPr>
-                      </m:accPr>
-                      <m:e>
-                        <m:sSub>
-                          <m:sSubPr>
-                            <m:ctrlPr>
-                              <a:rPr lang="fr-FR" sz="1600" i="1">
-                                <a:latin typeface="Cambria Math" panose="02040503050406030204" pitchFamily="18" charset="0"/>
-                              </a:rPr>
-                            </m:ctrlPr>
-                          </m:sSubPr>
-                          <m:e>
-                            <m:r>
-                              <a:rPr lang="fr-FR" sz="1600" i="1">
-                                <a:latin typeface="Cambria Math" panose="02040503050406030204" pitchFamily="18" charset="0"/>
-                              </a:rPr>
-                              <m:t>𝐴</m:t>
-                            </m:r>
-                          </m:e>
-                          <m:sub>
-                            <m:r>
-                              <a:rPr lang="fr-FR" sz="1600" i="1">
-                                <a:latin typeface="Cambria Math" panose="02040503050406030204" pitchFamily="18" charset="0"/>
-                              </a:rPr>
-                              <m:t>𝐻𝐷</m:t>
-                            </m:r>
-                          </m:sub>
-                        </m:sSub>
-                        <m:r>
-                          <a:rPr lang="fr-FR" sz="1600" b="0" i="1" smtClean="0">
-                            <a:latin typeface="Cambria Math" panose="02040503050406030204" pitchFamily="18" charset="0"/>
-                          </a:rPr>
-                          <m:t>𝑀</m:t>
-                        </m:r>
-                      </m:e>
-                    </m:acc>
-                    <m:r>
-                      <a:rPr lang="fr-FR" sz="1600" b="0" i="1" smtClean="0">
-                        <a:latin typeface="Cambria Math" panose="02040503050406030204" pitchFamily="18" charset="0"/>
-                      </a:rPr>
-                      <m:t>+</m:t>
-                    </m:r>
-                    <m:acc>
-                      <m:accPr>
-                        <m:chr m:val="⃗"/>
-                        <m:ctrlPr>
-                          <a:rPr lang="fr-FR" sz="1600" i="1">
-                            <a:latin typeface="Cambria Math" panose="02040503050406030204" pitchFamily="18" charset="0"/>
-                          </a:rPr>
-                        </m:ctrlPr>
-                      </m:accPr>
-                      <m:e>
-                        <m:r>
-                          <a:rPr lang="fr-FR" sz="1600" i="1">
-                            <a:latin typeface="Cambria Math" panose="02040503050406030204" pitchFamily="18" charset="0"/>
-                          </a:rPr>
-                          <m:t>𝑀</m:t>
-                        </m:r>
-                        <m:r>
-                          <a:rPr lang="fr-FR" sz="1600" b="0" i="1" smtClean="0">
-                            <a:latin typeface="Cambria Math" panose="02040503050406030204" pitchFamily="18" charset="0"/>
-                          </a:rPr>
-                          <m:t>𝑂</m:t>
-                        </m:r>
-                      </m:e>
-                    </m:acc>
-                    <m:r>
-                      <a:rPr lang="fr-FR" sz="1600" b="0" i="1" smtClean="0">
-                        <a:latin typeface="Cambria Math" panose="02040503050406030204" pitchFamily="18" charset="0"/>
-                      </a:rPr>
-                      <m:t>+</m:t>
-                    </m:r>
-                    <m:acc>
-                      <m:accPr>
-                        <m:chr m:val="⃗"/>
-                        <m:ctrlPr>
-                          <a:rPr lang="fr-FR" sz="1600" i="1">
-                            <a:solidFill>
-                              <a:schemeClr val="accent1"/>
-                            </a:solidFill>
-                            <a:latin typeface="Cambria Math" panose="02040503050406030204" pitchFamily="18" charset="0"/>
-                          </a:rPr>
-                        </m:ctrlPr>
-                      </m:accPr>
-                      <m:e>
-                        <m:r>
-                          <a:rPr lang="fr-FR" sz="1600" i="1">
-                            <a:solidFill>
-                              <a:schemeClr val="accent1"/>
-                            </a:solidFill>
-                            <a:latin typeface="Cambria Math" panose="02040503050406030204" pitchFamily="18" charset="0"/>
-                          </a:rPr>
-                          <m:t>𝑂</m:t>
-                        </m:r>
-                        <m:sSub>
-                          <m:sSubPr>
-                            <m:ctrlPr>
-                              <a:rPr lang="fr-FR" sz="1600" i="1">
-                                <a:solidFill>
-                                  <a:schemeClr val="accent1"/>
-                                </a:solidFill>
-                                <a:latin typeface="Cambria Math" panose="02040503050406030204" pitchFamily="18" charset="0"/>
-                              </a:rPr>
-                            </m:ctrlPr>
-                          </m:sSubPr>
-                          <m:e>
-                            <m:r>
-                              <a:rPr lang="fr-FR" sz="1600" i="1">
-                                <a:solidFill>
-                                  <a:schemeClr val="accent1"/>
-                                </a:solidFill>
-                                <a:latin typeface="Cambria Math" panose="02040503050406030204" pitchFamily="18" charset="0"/>
-                              </a:rPr>
-                              <m:t>𝐵</m:t>
-                            </m:r>
-                          </m:e>
-                          <m:sub>
-                            <m:r>
-                              <a:rPr lang="fr-FR" sz="1600" i="1">
-                                <a:solidFill>
-                                  <a:schemeClr val="accent1"/>
-                                </a:solidFill>
-                                <a:latin typeface="Cambria Math" panose="02040503050406030204" pitchFamily="18" charset="0"/>
-                              </a:rPr>
-                              <m:t>𝐻𝐷</m:t>
-                            </m:r>
-                          </m:sub>
-                        </m:sSub>
-                      </m:e>
-                    </m:acc>
-                  </m:oMath>
-                </a14:m>
-                <a:endParaRPr lang="fr-FR" sz="1600" dirty="0"/>
-              </a:p>
-              <a:p>
-                <a:pPr lvl="1"/>
-                <a14:m>
-                  <m:oMath xmlns:m="http://schemas.openxmlformats.org/officeDocument/2006/math">
-                    <m:sSub>
-                      <m:sSubPr>
-                        <m:ctrlPr>
-                          <a:rPr lang="fr-FR" sz="1600" b="0" i="1" smtClean="0">
-                            <a:latin typeface="Cambria Math" panose="02040503050406030204" pitchFamily="18" charset="0"/>
-                          </a:rPr>
-                        </m:ctrlPr>
-                      </m:sSubPr>
-                      <m:e>
-                        <m:r>
-                          <a:rPr lang="fr-FR" sz="1600" b="0" i="1" smtClean="0">
-                            <a:latin typeface="Cambria Math" panose="02040503050406030204" pitchFamily="18" charset="0"/>
-                          </a:rPr>
-                          <m:t>𝐷</m:t>
-                        </m:r>
-                      </m:e>
-                      <m:sub>
-                        <m:r>
-                          <a:rPr lang="fr-FR" sz="1600" b="0" i="1" smtClean="0">
-                            <a:latin typeface="Cambria Math" panose="02040503050406030204" pitchFamily="18" charset="0"/>
-                          </a:rPr>
-                          <m:t>𝐻𝐷</m:t>
-                        </m:r>
-                      </m:sub>
-                    </m:sSub>
-                    <m:acc>
-                      <m:accPr>
-                        <m:chr m:val="⃗"/>
-                        <m:ctrlPr>
-                          <a:rPr lang="fr-FR" sz="1600" b="0" i="1" smtClean="0">
-                            <a:latin typeface="Cambria Math" panose="02040503050406030204" pitchFamily="18" charset="0"/>
-                          </a:rPr>
-                        </m:ctrlPr>
-                      </m:accPr>
-                      <m:e>
-                        <m:sSub>
-                          <m:sSubPr>
-                            <m:ctrlPr>
-                              <a:rPr lang="fr-FR" sz="1600" i="1">
-                                <a:latin typeface="Cambria Math" panose="02040503050406030204" pitchFamily="18" charset="0"/>
-                              </a:rPr>
-                            </m:ctrlPr>
-                          </m:sSubPr>
-                          <m:e>
-                            <m:r>
-                              <a:rPr lang="fr-FR" sz="1600" i="1">
-                                <a:latin typeface="Cambria Math" panose="02040503050406030204" pitchFamily="18" charset="0"/>
-                              </a:rPr>
-                              <m:t>𝑢</m:t>
-                            </m:r>
-                          </m:e>
-                          <m:sub>
-                            <m:r>
-                              <a:rPr lang="fr-FR" sz="1600" i="1">
-                                <a:latin typeface="Cambria Math" panose="02040503050406030204" pitchFamily="18" charset="0"/>
-                              </a:rPr>
-                              <m:t>𝐻𝐷</m:t>
-                            </m:r>
-                          </m:sub>
-                        </m:sSub>
-                      </m:e>
-                    </m:acc>
-                    <m:r>
-                      <a:rPr lang="fr-FR" sz="1600" b="0" i="1" smtClean="0">
-                        <a:latin typeface="Cambria Math" panose="02040503050406030204" pitchFamily="18" charset="0"/>
-                      </a:rPr>
-                      <m:t>=−</m:t>
-                    </m:r>
-                    <m:f>
-                      <m:fPr>
-                        <m:ctrlPr>
-                          <a:rPr lang="fr-FR" sz="1600" b="0" i="1" smtClean="0">
-                            <a:latin typeface="Cambria Math" panose="02040503050406030204" pitchFamily="18" charset="0"/>
-                          </a:rPr>
-                        </m:ctrlPr>
-                      </m:fPr>
-                      <m:num>
-                        <m:r>
-                          <a:rPr lang="fr-FR" sz="1600" b="0" i="1" smtClean="0">
-                            <a:latin typeface="Cambria Math" panose="02040503050406030204" pitchFamily="18" charset="0"/>
-                          </a:rPr>
-                          <m:t>𝐿</m:t>
-                        </m:r>
-                      </m:num>
-                      <m:den>
-                        <m:r>
-                          <a:rPr lang="fr-FR" sz="1600" b="0" i="1" smtClean="0">
-                            <a:latin typeface="Cambria Math" panose="02040503050406030204" pitchFamily="18" charset="0"/>
-                          </a:rPr>
-                          <m:t>2</m:t>
-                        </m:r>
-                      </m:den>
-                    </m:f>
-                    <m:acc>
-                      <m:accPr>
-                        <m:chr m:val="⃗"/>
-                        <m:ctrlPr>
-                          <a:rPr lang="fr-FR" sz="1600" i="1">
-                            <a:latin typeface="Cambria Math" panose="02040503050406030204" pitchFamily="18" charset="0"/>
-                          </a:rPr>
-                        </m:ctrlPr>
-                      </m:accPr>
-                      <m:e>
-                        <m:sSub>
-                          <m:sSubPr>
-                            <m:ctrlPr>
-                              <a:rPr lang="fr-FR" sz="1600" b="0" i="1" smtClean="0">
-                                <a:latin typeface="Cambria Math" panose="02040503050406030204" pitchFamily="18" charset="0"/>
-                              </a:rPr>
-                            </m:ctrlPr>
-                          </m:sSubPr>
-                          <m:e>
-                            <m:r>
-                              <a:rPr lang="fr-FR" sz="1600" b="0" i="1" smtClean="0">
-                                <a:latin typeface="Cambria Math" panose="02040503050406030204" pitchFamily="18" charset="0"/>
-                              </a:rPr>
-                              <m:t>𝑥</m:t>
-                            </m:r>
-                          </m:e>
-                          <m:sub>
-                            <m:r>
-                              <a:rPr lang="fr-FR" sz="1600" b="0" i="1" smtClean="0">
-                                <a:latin typeface="Cambria Math" panose="02040503050406030204" pitchFamily="18" charset="0"/>
-                              </a:rPr>
-                              <m:t>𝑀</m:t>
-                            </m:r>
-                          </m:sub>
-                        </m:sSub>
-                      </m:e>
-                    </m:acc>
-                    <m:r>
-                      <a:rPr lang="fr-FR" sz="1600" b="0" i="1" smtClean="0">
-                        <a:latin typeface="Cambria Math" panose="02040503050406030204" pitchFamily="18" charset="0"/>
-                      </a:rPr>
-                      <m:t>−</m:t>
-                    </m:r>
-                    <m:f>
-                      <m:fPr>
-                        <m:ctrlPr>
-                          <a:rPr lang="fr-FR" sz="1600" b="0" i="1" smtClean="0">
-                            <a:latin typeface="Cambria Math" panose="02040503050406030204" pitchFamily="18" charset="0"/>
-                          </a:rPr>
-                        </m:ctrlPr>
-                      </m:fPr>
-                      <m:num>
-                        <m:r>
-                          <a:rPr lang="fr-FR" sz="1600" b="0" i="1" smtClean="0">
-                            <a:latin typeface="Cambria Math" panose="02040503050406030204" pitchFamily="18" charset="0"/>
-                          </a:rPr>
-                          <m:t>𝐻</m:t>
-                        </m:r>
-                      </m:num>
-                      <m:den>
-                        <m:r>
-                          <a:rPr lang="fr-FR" sz="1600" b="0" i="1" smtClean="0">
-                            <a:latin typeface="Cambria Math" panose="02040503050406030204" pitchFamily="18" charset="0"/>
-                          </a:rPr>
-                          <m:t>2</m:t>
-                        </m:r>
-                      </m:den>
-                    </m:f>
-                    <m:acc>
-                      <m:accPr>
-                        <m:chr m:val="⃗"/>
-                        <m:ctrlPr>
-                          <a:rPr lang="fr-FR" sz="1600" i="1">
-                            <a:latin typeface="Cambria Math" panose="02040503050406030204" pitchFamily="18" charset="0"/>
-                          </a:rPr>
-                        </m:ctrlPr>
-                      </m:accPr>
-                      <m:e>
-                        <m:sSub>
-                          <m:sSubPr>
-                            <m:ctrlPr>
-                              <a:rPr lang="fr-FR" sz="1600" b="0" i="1" smtClean="0">
-                                <a:latin typeface="Cambria Math" panose="02040503050406030204" pitchFamily="18" charset="0"/>
-                              </a:rPr>
-                            </m:ctrlPr>
-                          </m:sSubPr>
-                          <m:e>
-                            <m:r>
-                              <a:rPr lang="fr-FR" sz="1600" b="0" i="1" smtClean="0">
-                                <a:latin typeface="Cambria Math" panose="02040503050406030204" pitchFamily="18" charset="0"/>
-                              </a:rPr>
-                              <m:t>𝑦</m:t>
-                            </m:r>
-                          </m:e>
-                          <m:sub>
-                            <m:r>
-                              <a:rPr lang="fr-FR" sz="1600" b="0" i="1" smtClean="0">
-                                <a:latin typeface="Cambria Math" panose="02040503050406030204" pitchFamily="18" charset="0"/>
-                              </a:rPr>
-                              <m:t>𝑀</m:t>
-                            </m:r>
-                          </m:sub>
-                        </m:sSub>
-                      </m:e>
-                    </m:acc>
-                    <m:r>
-                      <a:rPr lang="fr-FR" sz="1600" b="0" i="1" smtClean="0">
-                        <a:latin typeface="Cambria Math" panose="02040503050406030204" pitchFamily="18" charset="0"/>
-                      </a:rPr>
-                      <m:t>−</m:t>
-                    </m:r>
-                    <m:sSub>
-                      <m:sSubPr>
-                        <m:ctrlPr>
-                          <a:rPr lang="fr-FR" sz="1600" i="1">
-                            <a:latin typeface="Cambria Math" panose="02040503050406030204" pitchFamily="18" charset="0"/>
-                          </a:rPr>
-                        </m:ctrlPr>
-                      </m:sSubPr>
-                      <m:e>
-                        <m:r>
-                          <a:rPr lang="fr-FR" sz="1600" i="1">
-                            <a:latin typeface="Cambria Math" panose="02040503050406030204" pitchFamily="18" charset="0"/>
-                          </a:rPr>
-                          <m:t>𝑋</m:t>
-                        </m:r>
-                      </m:e>
-                      <m:sub>
-                        <m:r>
-                          <a:rPr lang="fr-FR" sz="1600" i="1">
-                            <a:latin typeface="Cambria Math" panose="02040503050406030204" pitchFamily="18" charset="0"/>
-                          </a:rPr>
-                          <m:t>𝑀</m:t>
-                        </m:r>
-                      </m:sub>
-                    </m:sSub>
-                    <m:acc>
-                      <m:accPr>
-                        <m:chr m:val="⃗"/>
-                        <m:ctrlPr>
-                          <a:rPr lang="fr-FR" sz="1600" i="1">
-                            <a:latin typeface="Cambria Math" panose="02040503050406030204" pitchFamily="18" charset="0"/>
-                          </a:rPr>
-                        </m:ctrlPr>
-                      </m:accPr>
-                      <m:e>
-                        <m:r>
-                          <a:rPr lang="fr-FR" sz="1600" i="1">
-                            <a:latin typeface="Cambria Math" panose="02040503050406030204" pitchFamily="18" charset="0"/>
-                          </a:rPr>
-                          <m:t>𝑥</m:t>
-                        </m:r>
-                      </m:e>
-                    </m:acc>
-                    <m:r>
-                      <a:rPr lang="fr-FR" sz="1600" b="0" i="0" smtClean="0">
-                        <a:latin typeface="Cambria Math" panose="02040503050406030204" pitchFamily="18" charset="0"/>
-                      </a:rPr>
-                      <m:t>−</m:t>
-                    </m:r>
-                    <m:sSub>
-                      <m:sSubPr>
-                        <m:ctrlPr>
-                          <a:rPr lang="fr-FR" sz="1600" i="1">
-                            <a:latin typeface="Cambria Math" panose="02040503050406030204" pitchFamily="18" charset="0"/>
-                          </a:rPr>
-                        </m:ctrlPr>
-                      </m:sSubPr>
-                      <m:e>
-                        <m:r>
-                          <a:rPr lang="fr-FR" sz="1600" i="1">
-                            <a:latin typeface="Cambria Math" panose="02040503050406030204" pitchFamily="18" charset="0"/>
-                          </a:rPr>
-                          <m:t>𝑌</m:t>
-                        </m:r>
-                      </m:e>
-                      <m:sub>
-                        <m:r>
-                          <a:rPr lang="fr-FR" sz="1600" i="1">
-                            <a:latin typeface="Cambria Math" panose="02040503050406030204" pitchFamily="18" charset="0"/>
-                          </a:rPr>
-                          <m:t>𝑀</m:t>
-                        </m:r>
-                      </m:sub>
-                    </m:sSub>
-                    <m:acc>
-                      <m:accPr>
-                        <m:chr m:val="⃗"/>
-                        <m:ctrlPr>
-                          <a:rPr lang="fr-FR" sz="1600" i="1">
-                            <a:latin typeface="Cambria Math" panose="02040503050406030204" pitchFamily="18" charset="0"/>
-                          </a:rPr>
-                        </m:ctrlPr>
-                      </m:accPr>
-                      <m:e>
-                        <m:r>
-                          <a:rPr lang="fr-FR" sz="1600" i="1">
-                            <a:latin typeface="Cambria Math" panose="02040503050406030204" pitchFamily="18" charset="0"/>
-                          </a:rPr>
-                          <m:t>𝑦</m:t>
-                        </m:r>
-                      </m:e>
-                    </m:acc>
-                    <m:r>
-                      <a:rPr lang="fr-FR" sz="1600" b="0" i="1" smtClean="0">
-                        <a:latin typeface="Cambria Math" panose="02040503050406030204" pitchFamily="18" charset="0"/>
-                      </a:rPr>
-                      <m:t>+</m:t>
-                    </m:r>
-                    <m:sSub>
-                      <m:sSubPr>
-                        <m:ctrlPr>
-                          <a:rPr lang="fr-FR" sz="1600" i="1">
-                            <a:latin typeface="Cambria Math" panose="02040503050406030204" pitchFamily="18" charset="0"/>
-                          </a:rPr>
-                        </m:ctrlPr>
-                      </m:sSubPr>
-                      <m:e>
-                        <m:r>
-                          <a:rPr lang="fr-FR" sz="1600" i="1">
-                            <a:latin typeface="Cambria Math" panose="02040503050406030204" pitchFamily="18" charset="0"/>
-                          </a:rPr>
-                          <m:t>𝑋</m:t>
-                        </m:r>
-                      </m:e>
-                      <m:sub>
-                        <m:r>
-                          <a:rPr lang="fr-FR" sz="1600" b="0" i="1" smtClean="0">
-                            <a:latin typeface="Cambria Math" panose="02040503050406030204" pitchFamily="18" charset="0"/>
-                          </a:rPr>
-                          <m:t>𝐻𝐷</m:t>
-                        </m:r>
-                      </m:sub>
-                    </m:sSub>
-                    <m:acc>
-                      <m:accPr>
-                        <m:chr m:val="⃗"/>
-                        <m:ctrlPr>
-                          <a:rPr lang="fr-FR" sz="1600" i="1">
-                            <a:latin typeface="Cambria Math" panose="02040503050406030204" pitchFamily="18" charset="0"/>
-                          </a:rPr>
-                        </m:ctrlPr>
-                      </m:accPr>
-                      <m:e>
-                        <m:r>
-                          <a:rPr lang="fr-FR" sz="1600" i="1">
-                            <a:latin typeface="Cambria Math" panose="02040503050406030204" pitchFamily="18" charset="0"/>
-                          </a:rPr>
-                          <m:t>𝑥</m:t>
-                        </m:r>
-                      </m:e>
-                    </m:acc>
-                    <m:r>
-                      <a:rPr lang="fr-FR" sz="1600">
-                        <a:latin typeface="Cambria Math" panose="02040503050406030204" pitchFamily="18" charset="0"/>
-                      </a:rPr>
-                      <m:t>+</m:t>
-                    </m:r>
-                    <m:sSub>
-                      <m:sSubPr>
-                        <m:ctrlPr>
-                          <a:rPr lang="fr-FR" sz="1600" i="1">
-                            <a:latin typeface="Cambria Math" panose="02040503050406030204" pitchFamily="18" charset="0"/>
-                          </a:rPr>
-                        </m:ctrlPr>
-                      </m:sSubPr>
-                      <m:e>
-                        <m:r>
-                          <a:rPr lang="fr-FR" sz="1600" i="1">
-                            <a:latin typeface="Cambria Math" panose="02040503050406030204" pitchFamily="18" charset="0"/>
-                          </a:rPr>
-                          <m:t>𝑌</m:t>
-                        </m:r>
-                      </m:e>
-                      <m:sub>
-                        <m:r>
-                          <a:rPr lang="fr-FR" sz="1600" b="0" i="1" smtClean="0">
-                            <a:latin typeface="Cambria Math" panose="02040503050406030204" pitchFamily="18" charset="0"/>
-                          </a:rPr>
-                          <m:t>𝐻𝐷</m:t>
-                        </m:r>
-                      </m:sub>
-                    </m:sSub>
-                    <m:acc>
-                      <m:accPr>
-                        <m:chr m:val="⃗"/>
-                        <m:ctrlPr>
-                          <a:rPr lang="fr-FR" sz="1600" i="1">
-                            <a:latin typeface="Cambria Math" panose="02040503050406030204" pitchFamily="18" charset="0"/>
-                          </a:rPr>
-                        </m:ctrlPr>
-                      </m:accPr>
-                      <m:e>
-                        <m:r>
-                          <a:rPr lang="fr-FR" sz="1600" i="1">
-                            <a:latin typeface="Cambria Math" panose="02040503050406030204" pitchFamily="18" charset="0"/>
-                          </a:rPr>
-                          <m:t>𝑦</m:t>
-                        </m:r>
-                      </m:e>
-                    </m:acc>
-                  </m:oMath>
-                </a14:m>
-                <a:endParaRPr lang="fr-FR" sz="1600" dirty="0"/>
-              </a:p>
-              <a:p>
-                <a:pPr lvl="2"/>
-                <a14:m>
-                  <m:oMath xmlns:m="http://schemas.openxmlformats.org/officeDocument/2006/math">
-                    <m:sSub>
-                      <m:sSubPr>
-                        <m:ctrlPr>
-                          <a:rPr lang="fr-FR" sz="1200" b="0" i="1" smtClean="0">
-                            <a:latin typeface="Cambria Math" panose="02040503050406030204" pitchFamily="18" charset="0"/>
-                          </a:rPr>
-                        </m:ctrlPr>
-                      </m:sSubPr>
-                      <m:e>
-                        <m:r>
-                          <a:rPr lang="fr-FR" sz="1200" b="0" i="1" smtClean="0">
-                            <a:latin typeface="Cambria Math" panose="02040503050406030204" pitchFamily="18" charset="0"/>
-                          </a:rPr>
-                          <m:t>𝐷</m:t>
-                        </m:r>
-                      </m:e>
-                      <m:sub>
-                        <m:r>
-                          <a:rPr lang="fr-FR" sz="1200" b="0" i="1" smtClean="0">
-                            <a:latin typeface="Cambria Math" panose="02040503050406030204" pitchFamily="18" charset="0"/>
-                          </a:rPr>
-                          <m:t>𝐻𝐷</m:t>
-                        </m:r>
-                      </m:sub>
-                    </m:sSub>
-                    <m:func>
-                      <m:funcPr>
-                        <m:ctrlPr>
-                          <a:rPr lang="fr-FR" sz="1200" b="0" i="1" smtClean="0">
-                            <a:latin typeface="Cambria Math" panose="02040503050406030204" pitchFamily="18" charset="0"/>
-                          </a:rPr>
-                        </m:ctrlPr>
-                      </m:funcPr>
-                      <m:fName>
-                        <m:r>
-                          <m:rPr>
-                            <m:sty m:val="p"/>
-                          </m:rPr>
-                          <a:rPr lang="fr-FR" sz="1200" b="0" i="0" smtClean="0">
-                            <a:latin typeface="Cambria Math" panose="02040503050406030204" pitchFamily="18" charset="0"/>
-                          </a:rPr>
-                          <m:t>cos</m:t>
-                        </m:r>
-                      </m:fName>
-                      <m:e>
-                        <m:sSub>
-                          <m:sSubPr>
-                            <m:ctrlPr>
-                              <a:rPr lang="fr-FR" sz="1200" b="0" i="1" smtClean="0">
-                                <a:latin typeface="Cambria Math" panose="02040503050406030204" pitchFamily="18" charset="0"/>
-                              </a:rPr>
-                            </m:ctrlPr>
-                          </m:sSubPr>
-                          <m:e>
-                            <m:r>
-                              <a:rPr lang="fr-FR" sz="1200" b="0" i="1" smtClean="0">
-                                <a:latin typeface="Cambria Math" panose="02040503050406030204" pitchFamily="18" charset="0"/>
-                              </a:rPr>
-                              <m:t>𝜑</m:t>
-                            </m:r>
-                          </m:e>
-                          <m:sub>
-                            <m:r>
-                              <a:rPr lang="fr-FR" sz="1200" b="0" i="1" smtClean="0">
-                                <a:latin typeface="Cambria Math" panose="02040503050406030204" pitchFamily="18" charset="0"/>
-                              </a:rPr>
-                              <m:t>𝐻𝐷</m:t>
-                            </m:r>
-                          </m:sub>
-                        </m:sSub>
-                      </m:e>
-                    </m:func>
-                    <m:r>
-                      <a:rPr lang="fr-FR" sz="1200" b="0" i="1" smtClean="0">
-                        <a:latin typeface="Cambria Math" panose="02040503050406030204" pitchFamily="18" charset="0"/>
-                      </a:rPr>
-                      <m:t>=−</m:t>
-                    </m:r>
-                    <m:f>
-                      <m:fPr>
-                        <m:ctrlPr>
-                          <a:rPr lang="fr-FR" sz="1200" b="0" i="1" smtClean="0">
-                            <a:latin typeface="Cambria Math" panose="02040503050406030204" pitchFamily="18" charset="0"/>
-                          </a:rPr>
-                        </m:ctrlPr>
-                      </m:fPr>
-                      <m:num>
-                        <m:r>
-                          <a:rPr lang="fr-FR" sz="1200" b="0" i="1" smtClean="0">
-                            <a:latin typeface="Cambria Math" panose="02040503050406030204" pitchFamily="18" charset="0"/>
-                          </a:rPr>
-                          <m:t>𝐿</m:t>
-                        </m:r>
-                      </m:num>
-                      <m:den>
-                        <m:r>
-                          <a:rPr lang="fr-FR" sz="1200" b="0" i="1" smtClean="0">
-                            <a:latin typeface="Cambria Math" panose="02040503050406030204" pitchFamily="18" charset="0"/>
-                          </a:rPr>
-                          <m:t>2</m:t>
-                        </m:r>
-                      </m:den>
-                    </m:f>
-                    <m:func>
-                      <m:funcPr>
-                        <m:ctrlPr>
-                          <a:rPr lang="fr-FR" sz="1200" b="0" i="1" smtClean="0">
-                            <a:latin typeface="Cambria Math" panose="02040503050406030204" pitchFamily="18" charset="0"/>
-                          </a:rPr>
-                        </m:ctrlPr>
-                      </m:funcPr>
-                      <m:fName>
-                        <m:r>
-                          <m:rPr>
-                            <m:sty m:val="p"/>
-                          </m:rPr>
-                          <a:rPr lang="fr-FR" sz="1200" b="0" i="0" smtClean="0">
-                            <a:latin typeface="Cambria Math" panose="02040503050406030204" pitchFamily="18" charset="0"/>
-                          </a:rPr>
-                          <m:t>cos</m:t>
-                        </m:r>
-                      </m:fName>
-                      <m:e>
-                        <m:r>
-                          <a:rPr lang="fr-FR" sz="1200" b="0" i="1" smtClean="0">
-                            <a:latin typeface="Cambria Math" panose="02040503050406030204" pitchFamily="18" charset="0"/>
-                          </a:rPr>
-                          <m:t>𝜃</m:t>
-                        </m:r>
-                      </m:e>
-                    </m:func>
-                    <m:r>
-                      <a:rPr lang="fr-FR" sz="1200" b="0" i="1" smtClean="0">
-                        <a:latin typeface="Cambria Math" panose="02040503050406030204" pitchFamily="18" charset="0"/>
-                      </a:rPr>
-                      <m:t>+</m:t>
-                    </m:r>
-                    <m:f>
-                      <m:fPr>
-                        <m:ctrlPr>
-                          <a:rPr lang="fr-FR" sz="1200" b="0" i="1" smtClean="0">
-                            <a:latin typeface="Cambria Math" panose="02040503050406030204" pitchFamily="18" charset="0"/>
-                          </a:rPr>
-                        </m:ctrlPr>
-                      </m:fPr>
-                      <m:num>
-                        <m:r>
-                          <a:rPr lang="fr-FR" sz="1200" b="0" i="1" smtClean="0">
-                            <a:latin typeface="Cambria Math" panose="02040503050406030204" pitchFamily="18" charset="0"/>
-                          </a:rPr>
-                          <m:t>𝐻</m:t>
-                        </m:r>
-                      </m:num>
-                      <m:den>
-                        <m:r>
-                          <a:rPr lang="fr-FR" sz="1200" b="0" i="1" smtClean="0">
-                            <a:latin typeface="Cambria Math" panose="02040503050406030204" pitchFamily="18" charset="0"/>
-                          </a:rPr>
-                          <m:t>2</m:t>
-                        </m:r>
-                      </m:den>
-                    </m:f>
-                    <m:func>
-                      <m:funcPr>
-                        <m:ctrlPr>
-                          <a:rPr lang="fr-FR" sz="1200" b="0" i="1" smtClean="0">
-                            <a:latin typeface="Cambria Math" panose="02040503050406030204" pitchFamily="18" charset="0"/>
-                          </a:rPr>
-                        </m:ctrlPr>
-                      </m:funcPr>
-                      <m:fName>
-                        <m:r>
-                          <m:rPr>
-                            <m:sty m:val="p"/>
-                          </m:rPr>
-                          <a:rPr lang="fr-FR" sz="1200" b="0" i="0" smtClean="0">
-                            <a:latin typeface="Cambria Math" panose="02040503050406030204" pitchFamily="18" charset="0"/>
-                          </a:rPr>
-                          <m:t>sin</m:t>
-                        </m:r>
-                      </m:fName>
-                      <m:e>
-                        <m:r>
-                          <a:rPr lang="fr-FR" sz="1200" b="0" i="1" smtClean="0">
-                            <a:latin typeface="Cambria Math" panose="02040503050406030204" pitchFamily="18" charset="0"/>
-                          </a:rPr>
-                          <m:t>𝜃</m:t>
-                        </m:r>
-                      </m:e>
-                    </m:func>
-                    <m:r>
-                      <a:rPr lang="fr-FR" sz="1200" b="0" i="1" smtClean="0">
-                        <a:latin typeface="Cambria Math" panose="02040503050406030204" pitchFamily="18" charset="0"/>
-                      </a:rPr>
-                      <m:t>−</m:t>
-                    </m:r>
-                    <m:sSub>
-                      <m:sSubPr>
-                        <m:ctrlPr>
-                          <a:rPr lang="fr-FR" sz="1200" i="1">
-                            <a:latin typeface="Cambria Math" panose="02040503050406030204" pitchFamily="18" charset="0"/>
-                          </a:rPr>
-                        </m:ctrlPr>
-                      </m:sSubPr>
-                      <m:e>
-                        <m:r>
-                          <a:rPr lang="fr-FR" sz="1200" i="1">
-                            <a:latin typeface="Cambria Math" panose="02040503050406030204" pitchFamily="18" charset="0"/>
-                          </a:rPr>
-                          <m:t>𝑋</m:t>
-                        </m:r>
-                      </m:e>
-                      <m:sub>
-                        <m:r>
-                          <a:rPr lang="fr-FR" sz="1200" i="1">
-                            <a:latin typeface="Cambria Math" panose="02040503050406030204" pitchFamily="18" charset="0"/>
-                          </a:rPr>
-                          <m:t>𝑀</m:t>
-                        </m:r>
-                      </m:sub>
-                    </m:sSub>
-                    <m:r>
-                      <a:rPr lang="fr-FR" sz="1200" b="0" i="1" smtClean="0">
-                        <a:latin typeface="Cambria Math" panose="02040503050406030204" pitchFamily="18" charset="0"/>
-                      </a:rPr>
-                      <m:t>+</m:t>
-                    </m:r>
-                    <m:sSub>
-                      <m:sSubPr>
-                        <m:ctrlPr>
-                          <a:rPr lang="fr-FR" sz="1200" i="1">
-                            <a:latin typeface="Cambria Math" panose="02040503050406030204" pitchFamily="18" charset="0"/>
-                          </a:rPr>
-                        </m:ctrlPr>
-                      </m:sSubPr>
-                      <m:e>
-                        <m:r>
-                          <a:rPr lang="fr-FR" sz="1200" i="1">
-                            <a:latin typeface="Cambria Math" panose="02040503050406030204" pitchFamily="18" charset="0"/>
-                          </a:rPr>
-                          <m:t>𝑋</m:t>
-                        </m:r>
-                      </m:e>
-                      <m:sub>
-                        <m:r>
-                          <a:rPr lang="fr-FR" sz="1200" b="0" i="1" smtClean="0">
-                            <a:latin typeface="Cambria Math" panose="02040503050406030204" pitchFamily="18" charset="0"/>
-                          </a:rPr>
-                          <m:t>𝐻𝐷</m:t>
-                        </m:r>
-                      </m:sub>
-                    </m:sSub>
-                  </m:oMath>
-                </a14:m>
-                <a:endParaRPr lang="fr-FR" sz="1200" dirty="0"/>
-              </a:p>
-              <a:p>
-                <a:pPr lvl="2"/>
-                <a14:m>
-                  <m:oMath xmlns:m="http://schemas.openxmlformats.org/officeDocument/2006/math">
-                    <m:sSub>
-                      <m:sSubPr>
-                        <m:ctrlPr>
-                          <a:rPr lang="fr-FR" sz="1200" b="0" i="1" smtClean="0">
-                            <a:latin typeface="Cambria Math" panose="02040503050406030204" pitchFamily="18" charset="0"/>
-                          </a:rPr>
-                        </m:ctrlPr>
-                      </m:sSubPr>
-                      <m:e>
-                        <m:r>
-                          <a:rPr lang="fr-FR" sz="1200" b="0" i="1" smtClean="0">
-                            <a:latin typeface="Cambria Math" panose="02040503050406030204" pitchFamily="18" charset="0"/>
-                          </a:rPr>
-                          <m:t>𝐷</m:t>
-                        </m:r>
-                      </m:e>
-                      <m:sub>
-                        <m:r>
-                          <a:rPr lang="fr-FR" sz="1200" b="0" i="1" smtClean="0">
-                            <a:latin typeface="Cambria Math" panose="02040503050406030204" pitchFamily="18" charset="0"/>
-                          </a:rPr>
-                          <m:t>𝐻𝐷</m:t>
-                        </m:r>
-                      </m:sub>
-                    </m:sSub>
-                    <m:func>
-                      <m:funcPr>
-                        <m:ctrlPr>
-                          <a:rPr lang="fr-FR" sz="1200" b="0" i="1" smtClean="0">
-                            <a:latin typeface="Cambria Math" panose="02040503050406030204" pitchFamily="18" charset="0"/>
-                          </a:rPr>
-                        </m:ctrlPr>
-                      </m:funcPr>
-                      <m:fName>
-                        <m:r>
-                          <m:rPr>
-                            <m:sty m:val="p"/>
-                          </m:rPr>
-                          <a:rPr lang="fr-FR" sz="1200" b="0" i="0" smtClean="0">
-                            <a:latin typeface="Cambria Math" panose="02040503050406030204" pitchFamily="18" charset="0"/>
-                          </a:rPr>
-                          <m:t>sin</m:t>
-                        </m:r>
-                      </m:fName>
-                      <m:e>
-                        <m:sSub>
-                          <m:sSubPr>
-                            <m:ctrlPr>
-                              <a:rPr lang="fr-FR" sz="1200" b="0" i="1" smtClean="0">
-                                <a:latin typeface="Cambria Math" panose="02040503050406030204" pitchFamily="18" charset="0"/>
-                              </a:rPr>
-                            </m:ctrlPr>
-                          </m:sSubPr>
-                          <m:e>
-                            <m:r>
-                              <a:rPr lang="fr-FR" sz="1200" b="0" i="1" smtClean="0">
-                                <a:latin typeface="Cambria Math" panose="02040503050406030204" pitchFamily="18" charset="0"/>
-                              </a:rPr>
-                              <m:t>𝜑</m:t>
-                            </m:r>
-                          </m:e>
-                          <m:sub>
-                            <m:r>
-                              <a:rPr lang="fr-FR" sz="1200" b="0" i="1" smtClean="0">
-                                <a:latin typeface="Cambria Math" panose="02040503050406030204" pitchFamily="18" charset="0"/>
-                              </a:rPr>
-                              <m:t>𝐻𝐷</m:t>
-                            </m:r>
-                          </m:sub>
-                        </m:sSub>
-                      </m:e>
-                    </m:func>
-                    <m:r>
-                      <a:rPr lang="fr-FR" sz="1200" b="0" i="1" smtClean="0">
-                        <a:latin typeface="Cambria Math" panose="02040503050406030204" pitchFamily="18" charset="0"/>
-                      </a:rPr>
-                      <m:t>=−</m:t>
-                    </m:r>
-                    <m:f>
-                      <m:fPr>
-                        <m:ctrlPr>
-                          <a:rPr lang="fr-FR" sz="1200" b="0" i="1" smtClean="0">
-                            <a:latin typeface="Cambria Math" panose="02040503050406030204" pitchFamily="18" charset="0"/>
-                          </a:rPr>
-                        </m:ctrlPr>
-                      </m:fPr>
-                      <m:num>
-                        <m:r>
-                          <a:rPr lang="fr-FR" sz="1200" b="0" i="1" smtClean="0">
-                            <a:latin typeface="Cambria Math" panose="02040503050406030204" pitchFamily="18" charset="0"/>
-                          </a:rPr>
-                          <m:t>𝐿</m:t>
-                        </m:r>
-                      </m:num>
-                      <m:den>
-                        <m:r>
-                          <a:rPr lang="fr-FR" sz="1200" b="0" i="1" smtClean="0">
-                            <a:latin typeface="Cambria Math" panose="02040503050406030204" pitchFamily="18" charset="0"/>
-                          </a:rPr>
-                          <m:t>2</m:t>
-                        </m:r>
-                      </m:den>
-                    </m:f>
-                    <m:func>
-                      <m:funcPr>
-                        <m:ctrlPr>
-                          <a:rPr lang="fr-FR" sz="1200" b="0" i="1" smtClean="0">
-                            <a:latin typeface="Cambria Math" panose="02040503050406030204" pitchFamily="18" charset="0"/>
-                          </a:rPr>
-                        </m:ctrlPr>
-                      </m:funcPr>
-                      <m:fName>
-                        <m:r>
-                          <m:rPr>
-                            <m:sty m:val="p"/>
-                          </m:rPr>
-                          <a:rPr lang="fr-FR" sz="1200" b="0" i="0" smtClean="0">
-                            <a:latin typeface="Cambria Math" panose="02040503050406030204" pitchFamily="18" charset="0"/>
-                          </a:rPr>
-                          <m:t>sin</m:t>
-                        </m:r>
-                      </m:fName>
-                      <m:e>
-                        <m:r>
-                          <a:rPr lang="fr-FR" sz="1200" b="0" i="1" smtClean="0">
-                            <a:latin typeface="Cambria Math" panose="02040503050406030204" pitchFamily="18" charset="0"/>
-                          </a:rPr>
-                          <m:t>𝜃</m:t>
-                        </m:r>
-                      </m:e>
-                    </m:func>
-                    <m:r>
-                      <a:rPr lang="fr-FR" sz="1200" b="0" i="1" smtClean="0">
-                        <a:latin typeface="Cambria Math" panose="02040503050406030204" pitchFamily="18" charset="0"/>
-                      </a:rPr>
-                      <m:t>−</m:t>
-                    </m:r>
-                    <m:f>
-                      <m:fPr>
-                        <m:ctrlPr>
-                          <a:rPr lang="fr-FR" sz="1200" b="0" i="1" smtClean="0">
-                            <a:latin typeface="Cambria Math" panose="02040503050406030204" pitchFamily="18" charset="0"/>
-                          </a:rPr>
-                        </m:ctrlPr>
-                      </m:fPr>
-                      <m:num>
-                        <m:r>
-                          <a:rPr lang="fr-FR" sz="1200" b="0" i="1" smtClean="0">
-                            <a:latin typeface="Cambria Math" panose="02040503050406030204" pitchFamily="18" charset="0"/>
-                          </a:rPr>
-                          <m:t>𝐻</m:t>
-                        </m:r>
-                      </m:num>
-                      <m:den>
-                        <m:r>
-                          <a:rPr lang="fr-FR" sz="1200" b="0" i="1" smtClean="0">
-                            <a:latin typeface="Cambria Math" panose="02040503050406030204" pitchFamily="18" charset="0"/>
-                          </a:rPr>
-                          <m:t>2</m:t>
-                        </m:r>
-                      </m:den>
-                    </m:f>
-                    <m:func>
-                      <m:funcPr>
-                        <m:ctrlPr>
-                          <a:rPr lang="fr-FR" sz="1200" b="0" i="1" smtClean="0">
-                            <a:latin typeface="Cambria Math" panose="02040503050406030204" pitchFamily="18" charset="0"/>
-                          </a:rPr>
-                        </m:ctrlPr>
-                      </m:funcPr>
-                      <m:fName>
-                        <m:r>
-                          <m:rPr>
-                            <m:sty m:val="p"/>
-                          </m:rPr>
-                          <a:rPr lang="fr-FR" sz="1200" b="0" i="0" smtClean="0">
-                            <a:latin typeface="Cambria Math" panose="02040503050406030204" pitchFamily="18" charset="0"/>
-                          </a:rPr>
-                          <m:t>cos</m:t>
-                        </m:r>
-                      </m:fName>
-                      <m:e>
-                        <m:r>
-                          <a:rPr lang="fr-FR" sz="1200" b="0" i="1" smtClean="0">
-                            <a:latin typeface="Cambria Math" panose="02040503050406030204" pitchFamily="18" charset="0"/>
-                          </a:rPr>
-                          <m:t>𝜃</m:t>
-                        </m:r>
-                      </m:e>
-                    </m:func>
-                    <m:r>
-                      <a:rPr lang="fr-FR" sz="1200" b="0" i="1" smtClean="0">
-                        <a:latin typeface="Cambria Math" panose="02040503050406030204" pitchFamily="18" charset="0"/>
-                      </a:rPr>
-                      <m:t>−</m:t>
-                    </m:r>
-                    <m:sSub>
-                      <m:sSubPr>
-                        <m:ctrlPr>
-                          <a:rPr lang="fr-FR" sz="1200" i="1">
-                            <a:latin typeface="Cambria Math" panose="02040503050406030204" pitchFamily="18" charset="0"/>
-                          </a:rPr>
-                        </m:ctrlPr>
-                      </m:sSubPr>
-                      <m:e>
-                        <m:r>
-                          <a:rPr lang="fr-FR" sz="1200" b="0" i="1" smtClean="0">
-                            <a:latin typeface="Cambria Math" panose="02040503050406030204" pitchFamily="18" charset="0"/>
-                          </a:rPr>
-                          <m:t>𝑌</m:t>
-                        </m:r>
-                      </m:e>
-                      <m:sub>
-                        <m:r>
-                          <a:rPr lang="fr-FR" sz="1200" i="1">
-                            <a:latin typeface="Cambria Math" panose="02040503050406030204" pitchFamily="18" charset="0"/>
-                          </a:rPr>
-                          <m:t>𝑀</m:t>
-                        </m:r>
-                      </m:sub>
-                    </m:sSub>
-                    <m:r>
-                      <a:rPr lang="fr-FR" sz="1200" b="0" i="1" smtClean="0">
-                        <a:latin typeface="Cambria Math" panose="02040503050406030204" pitchFamily="18" charset="0"/>
-                      </a:rPr>
-                      <m:t>+</m:t>
-                    </m:r>
-                    <m:sSub>
-                      <m:sSubPr>
-                        <m:ctrlPr>
-                          <a:rPr lang="fr-FR" sz="1200" i="1">
-                            <a:latin typeface="Cambria Math" panose="02040503050406030204" pitchFamily="18" charset="0"/>
-                          </a:rPr>
-                        </m:ctrlPr>
-                      </m:sSubPr>
-                      <m:e>
-                        <m:r>
-                          <a:rPr lang="fr-FR" sz="1200" b="0" i="1" smtClean="0">
-                            <a:latin typeface="Cambria Math" panose="02040503050406030204" pitchFamily="18" charset="0"/>
-                          </a:rPr>
-                          <m:t>𝑌</m:t>
-                        </m:r>
-                      </m:e>
-                      <m:sub>
-                        <m:r>
-                          <a:rPr lang="fr-FR" sz="1200" b="0" i="1" smtClean="0">
-                            <a:latin typeface="Cambria Math" panose="02040503050406030204" pitchFamily="18" charset="0"/>
-                          </a:rPr>
-                          <m:t>𝐻𝐷</m:t>
-                        </m:r>
-                      </m:sub>
-                    </m:sSub>
-                  </m:oMath>
-                </a14:m>
-                <a:endParaRPr lang="fr-FR" sz="1200" dirty="0"/>
-              </a:p>
-              <a:p>
-                <a:r>
-                  <a:rPr lang="fr-FR" sz="2000" dirty="0"/>
-                  <a:t>On a donc </a:t>
-                </a:r>
-              </a:p>
-              <a:p>
-                <a:pPr lvl="1"/>
-                <a14:m>
-                  <m:oMath xmlns:m="http://schemas.openxmlformats.org/officeDocument/2006/math">
-                    <m:sSubSup>
-                      <m:sSubSupPr>
-                        <m:ctrlPr>
-                          <a:rPr lang="fr-FR" sz="1600" b="0" i="1" smtClean="0">
-                            <a:latin typeface="Cambria Math" panose="02040503050406030204" pitchFamily="18" charset="0"/>
-                          </a:rPr>
-                        </m:ctrlPr>
-                      </m:sSubSupPr>
-                      <m:e>
-                        <m:r>
-                          <a:rPr lang="fr-FR" sz="1600" b="0" i="1" smtClean="0">
-                            <a:latin typeface="Cambria Math" panose="02040503050406030204" pitchFamily="18" charset="0"/>
-                          </a:rPr>
-                          <m:t>𝐷</m:t>
-                        </m:r>
-                      </m:e>
-                      <m:sub>
-                        <m:r>
-                          <a:rPr lang="fr-FR" sz="1600" b="0" i="1" smtClean="0">
-                            <a:latin typeface="Cambria Math" panose="02040503050406030204" pitchFamily="18" charset="0"/>
-                          </a:rPr>
-                          <m:t>𝐻𝐷</m:t>
-                        </m:r>
-                      </m:sub>
-                      <m:sup>
-                        <m:r>
-                          <a:rPr lang="fr-FR" sz="1600" b="0" i="1" smtClean="0">
-                            <a:latin typeface="Cambria Math" panose="02040503050406030204" pitchFamily="18" charset="0"/>
-                          </a:rPr>
-                          <m:t>2</m:t>
-                        </m:r>
-                      </m:sup>
-                    </m:sSubSup>
-                    <m:r>
-                      <a:rPr lang="fr-FR" sz="1600" b="0" i="1" smtClean="0">
-                        <a:latin typeface="Cambria Math" panose="02040503050406030204" pitchFamily="18" charset="0"/>
-                      </a:rPr>
-                      <m:t>=</m:t>
-                    </m:r>
-                    <m:sSup>
-                      <m:sSupPr>
-                        <m:ctrlPr>
-                          <a:rPr lang="fr-FR" sz="1600" b="0" i="1" smtClean="0">
-                            <a:latin typeface="Cambria Math" panose="02040503050406030204" pitchFamily="18" charset="0"/>
-                          </a:rPr>
-                        </m:ctrlPr>
-                      </m:sSupPr>
-                      <m:e>
-                        <m:d>
-                          <m:dPr>
-                            <m:ctrlPr>
-                              <a:rPr lang="fr-FR" sz="1600" b="0" i="1" smtClean="0">
-                                <a:latin typeface="Cambria Math" panose="02040503050406030204" pitchFamily="18" charset="0"/>
-                              </a:rPr>
-                            </m:ctrlPr>
-                          </m:dPr>
-                          <m:e>
-                            <m:r>
-                              <a:rPr lang="fr-FR" sz="1600" i="1">
-                                <a:latin typeface="Cambria Math" panose="02040503050406030204" pitchFamily="18" charset="0"/>
-                              </a:rPr>
-                              <m:t>−</m:t>
-                            </m:r>
-                            <m:f>
-                              <m:fPr>
-                                <m:ctrlPr>
-                                  <a:rPr lang="fr-FR" sz="1600" i="1">
-                                    <a:latin typeface="Cambria Math" panose="02040503050406030204" pitchFamily="18" charset="0"/>
-                                  </a:rPr>
-                                </m:ctrlPr>
-                              </m:fPr>
-                              <m:num>
-                                <m:r>
-                                  <a:rPr lang="fr-FR" sz="1600" i="1">
-                                    <a:latin typeface="Cambria Math" panose="02040503050406030204" pitchFamily="18" charset="0"/>
-                                  </a:rPr>
-                                  <m:t>𝐿</m:t>
-                                </m:r>
-                              </m:num>
-                              <m:den>
-                                <m:r>
-                                  <a:rPr lang="fr-FR" sz="1600" i="1">
-                                    <a:latin typeface="Cambria Math" panose="02040503050406030204" pitchFamily="18" charset="0"/>
-                                  </a:rPr>
-                                  <m:t>2</m:t>
-                                </m:r>
-                              </m:den>
-                            </m:f>
-                            <m:func>
-                              <m:funcPr>
-                                <m:ctrlPr>
-                                  <a:rPr lang="fr-FR" sz="1600" i="1">
-                                    <a:latin typeface="Cambria Math" panose="02040503050406030204" pitchFamily="18" charset="0"/>
-                                  </a:rPr>
-                                </m:ctrlPr>
-                              </m:funcPr>
-                              <m:fName>
-                                <m:r>
-                                  <m:rPr>
-                                    <m:sty m:val="p"/>
-                                  </m:rPr>
-                                  <a:rPr lang="fr-FR" sz="1600">
-                                    <a:latin typeface="Cambria Math" panose="02040503050406030204" pitchFamily="18" charset="0"/>
-                                  </a:rPr>
-                                  <m:t>cos</m:t>
-                                </m:r>
-                              </m:fName>
-                              <m:e>
-                                <m:r>
-                                  <a:rPr lang="fr-FR" sz="1600" i="1">
-                                    <a:latin typeface="Cambria Math" panose="02040503050406030204" pitchFamily="18" charset="0"/>
-                                  </a:rPr>
-                                  <m:t>𝜃</m:t>
-                                </m:r>
-                              </m:e>
-                            </m:func>
-                            <m:r>
-                              <a:rPr lang="fr-FR" sz="1600" i="1">
-                                <a:latin typeface="Cambria Math" panose="02040503050406030204" pitchFamily="18" charset="0"/>
-                              </a:rPr>
-                              <m:t>+</m:t>
-                            </m:r>
-                            <m:f>
-                              <m:fPr>
-                                <m:ctrlPr>
-                                  <a:rPr lang="fr-FR" sz="1600" i="1">
-                                    <a:latin typeface="Cambria Math" panose="02040503050406030204" pitchFamily="18" charset="0"/>
-                                  </a:rPr>
-                                </m:ctrlPr>
-                              </m:fPr>
-                              <m:num>
-                                <m:r>
-                                  <a:rPr lang="fr-FR" sz="1600" i="1">
-                                    <a:latin typeface="Cambria Math" panose="02040503050406030204" pitchFamily="18" charset="0"/>
-                                  </a:rPr>
-                                  <m:t>𝐻</m:t>
-                                </m:r>
-                              </m:num>
-                              <m:den>
-                                <m:r>
-                                  <a:rPr lang="fr-FR" sz="1600" i="1">
-                                    <a:latin typeface="Cambria Math" panose="02040503050406030204" pitchFamily="18" charset="0"/>
-                                  </a:rPr>
-                                  <m:t>2</m:t>
-                                </m:r>
-                              </m:den>
-                            </m:f>
-                            <m:func>
-                              <m:funcPr>
-                                <m:ctrlPr>
-                                  <a:rPr lang="fr-FR" sz="1600" i="1">
-                                    <a:latin typeface="Cambria Math" panose="02040503050406030204" pitchFamily="18" charset="0"/>
-                                  </a:rPr>
-                                </m:ctrlPr>
-                              </m:funcPr>
-                              <m:fName>
-                                <m:r>
-                                  <m:rPr>
-                                    <m:sty m:val="p"/>
-                                  </m:rPr>
-                                  <a:rPr lang="fr-FR" sz="1600">
-                                    <a:latin typeface="Cambria Math" panose="02040503050406030204" pitchFamily="18" charset="0"/>
-                                  </a:rPr>
-                                  <m:t>sin</m:t>
-                                </m:r>
-                              </m:fName>
-                              <m:e>
-                                <m:r>
-                                  <a:rPr lang="fr-FR" sz="1600" i="1">
-                                    <a:latin typeface="Cambria Math" panose="02040503050406030204" pitchFamily="18" charset="0"/>
-                                  </a:rPr>
-                                  <m:t>𝜃</m:t>
-                                </m:r>
-                              </m:e>
-                            </m:func>
-                            <m:r>
-                              <a:rPr lang="fr-FR" sz="1600" i="1">
-                                <a:latin typeface="Cambria Math" panose="02040503050406030204" pitchFamily="18" charset="0"/>
-                              </a:rPr>
-                              <m:t>−</m:t>
-                            </m:r>
-                            <m:sSub>
-                              <m:sSubPr>
-                                <m:ctrlPr>
-                                  <a:rPr lang="fr-FR" sz="1600" i="1">
-                                    <a:latin typeface="Cambria Math" panose="02040503050406030204" pitchFamily="18" charset="0"/>
-                                  </a:rPr>
-                                </m:ctrlPr>
-                              </m:sSubPr>
-                              <m:e>
-                                <m:r>
-                                  <a:rPr lang="fr-FR" sz="1600" i="1">
-                                    <a:latin typeface="Cambria Math" panose="02040503050406030204" pitchFamily="18" charset="0"/>
-                                  </a:rPr>
-                                  <m:t>𝑋</m:t>
-                                </m:r>
-                              </m:e>
-                              <m:sub>
-                                <m:r>
-                                  <a:rPr lang="fr-FR" sz="1600" i="1">
-                                    <a:latin typeface="Cambria Math" panose="02040503050406030204" pitchFamily="18" charset="0"/>
-                                  </a:rPr>
-                                  <m:t>𝑀</m:t>
-                                </m:r>
-                              </m:sub>
-                            </m:sSub>
-                            <m:r>
-                              <a:rPr lang="fr-FR" sz="1600" i="1">
-                                <a:latin typeface="Cambria Math" panose="02040503050406030204" pitchFamily="18" charset="0"/>
-                              </a:rPr>
-                              <m:t>+</m:t>
-                            </m:r>
-                            <m:sSub>
-                              <m:sSubPr>
-                                <m:ctrlPr>
-                                  <a:rPr lang="fr-FR" sz="1600" i="1">
-                                    <a:latin typeface="Cambria Math" panose="02040503050406030204" pitchFamily="18" charset="0"/>
-                                  </a:rPr>
-                                </m:ctrlPr>
-                              </m:sSubPr>
-                              <m:e>
-                                <m:r>
-                                  <a:rPr lang="fr-FR" sz="1600" i="1">
-                                    <a:latin typeface="Cambria Math" panose="02040503050406030204" pitchFamily="18" charset="0"/>
-                                  </a:rPr>
-                                  <m:t>𝑋</m:t>
-                                </m:r>
-                              </m:e>
-                              <m:sub>
-                                <m:r>
-                                  <a:rPr lang="fr-FR" sz="1600" i="1">
-                                    <a:latin typeface="Cambria Math" panose="02040503050406030204" pitchFamily="18" charset="0"/>
-                                  </a:rPr>
-                                  <m:t>𝐻𝐷</m:t>
-                                </m:r>
-                              </m:sub>
-                            </m:sSub>
-                          </m:e>
-                        </m:d>
-                      </m:e>
-                      <m:sup>
-                        <m:r>
-                          <a:rPr lang="fr-FR" sz="1600" b="0" i="1" smtClean="0">
-                            <a:latin typeface="Cambria Math" panose="02040503050406030204" pitchFamily="18" charset="0"/>
-                          </a:rPr>
-                          <m:t>2</m:t>
-                        </m:r>
-                      </m:sup>
-                    </m:sSup>
-                    <m:r>
-                      <a:rPr lang="fr-FR" sz="1600" b="0" i="0" smtClean="0">
-                        <a:latin typeface="Cambria Math" panose="02040503050406030204" pitchFamily="18" charset="0"/>
-                      </a:rPr>
-                      <m:t>+</m:t>
-                    </m:r>
-                    <m:sSup>
-                      <m:sSupPr>
-                        <m:ctrlPr>
-                          <a:rPr lang="fr-FR" sz="1600" b="0" i="1" smtClean="0">
-                            <a:latin typeface="Cambria Math" panose="02040503050406030204" pitchFamily="18" charset="0"/>
-                          </a:rPr>
-                        </m:ctrlPr>
-                      </m:sSupPr>
-                      <m:e>
-                        <m:d>
-                          <m:dPr>
-                            <m:ctrlPr>
-                              <a:rPr lang="fr-FR" sz="1600" b="0" i="1" smtClean="0">
-                                <a:latin typeface="Cambria Math" panose="02040503050406030204" pitchFamily="18" charset="0"/>
-                              </a:rPr>
-                            </m:ctrlPr>
-                          </m:dPr>
-                          <m:e>
-                            <m:r>
-                              <a:rPr lang="fr-FR" sz="1600" i="1">
-                                <a:latin typeface="Cambria Math" panose="02040503050406030204" pitchFamily="18" charset="0"/>
-                              </a:rPr>
-                              <m:t>−</m:t>
-                            </m:r>
-                            <m:f>
-                              <m:fPr>
-                                <m:ctrlPr>
-                                  <a:rPr lang="fr-FR" sz="1600" i="1">
-                                    <a:latin typeface="Cambria Math" panose="02040503050406030204" pitchFamily="18" charset="0"/>
-                                  </a:rPr>
-                                </m:ctrlPr>
-                              </m:fPr>
-                              <m:num>
-                                <m:r>
-                                  <a:rPr lang="fr-FR" sz="1600" i="1">
-                                    <a:latin typeface="Cambria Math" panose="02040503050406030204" pitchFamily="18" charset="0"/>
-                                  </a:rPr>
-                                  <m:t>𝐿</m:t>
-                                </m:r>
-                              </m:num>
-                              <m:den>
-                                <m:r>
-                                  <a:rPr lang="fr-FR" sz="1600" i="1">
-                                    <a:latin typeface="Cambria Math" panose="02040503050406030204" pitchFamily="18" charset="0"/>
-                                  </a:rPr>
-                                  <m:t>2</m:t>
-                                </m:r>
-                              </m:den>
-                            </m:f>
-                            <m:func>
-                              <m:funcPr>
-                                <m:ctrlPr>
-                                  <a:rPr lang="fr-FR" sz="1600" i="1">
-                                    <a:latin typeface="Cambria Math" panose="02040503050406030204" pitchFamily="18" charset="0"/>
-                                  </a:rPr>
-                                </m:ctrlPr>
-                              </m:funcPr>
-                              <m:fName>
-                                <m:r>
-                                  <m:rPr>
-                                    <m:sty m:val="p"/>
-                                  </m:rPr>
-                                  <a:rPr lang="fr-FR" sz="1600">
-                                    <a:latin typeface="Cambria Math" panose="02040503050406030204" pitchFamily="18" charset="0"/>
-                                  </a:rPr>
-                                  <m:t>sin</m:t>
-                                </m:r>
-                              </m:fName>
-                              <m:e>
-                                <m:r>
-                                  <a:rPr lang="fr-FR" sz="1600" i="1">
-                                    <a:latin typeface="Cambria Math" panose="02040503050406030204" pitchFamily="18" charset="0"/>
-                                  </a:rPr>
-                                  <m:t>𝜃</m:t>
-                                </m:r>
-                              </m:e>
-                            </m:func>
-                            <m:r>
-                              <a:rPr lang="fr-FR" sz="1600" i="1">
-                                <a:latin typeface="Cambria Math" panose="02040503050406030204" pitchFamily="18" charset="0"/>
-                              </a:rPr>
-                              <m:t>−</m:t>
-                            </m:r>
-                            <m:f>
-                              <m:fPr>
-                                <m:ctrlPr>
-                                  <a:rPr lang="fr-FR" sz="1600" i="1">
-                                    <a:latin typeface="Cambria Math" panose="02040503050406030204" pitchFamily="18" charset="0"/>
-                                  </a:rPr>
-                                </m:ctrlPr>
-                              </m:fPr>
-                              <m:num>
-                                <m:r>
-                                  <a:rPr lang="fr-FR" sz="1600" i="1">
-                                    <a:latin typeface="Cambria Math" panose="02040503050406030204" pitchFamily="18" charset="0"/>
-                                  </a:rPr>
-                                  <m:t>𝐻</m:t>
-                                </m:r>
-                              </m:num>
-                              <m:den>
-                                <m:r>
-                                  <a:rPr lang="fr-FR" sz="1600" i="1">
-                                    <a:latin typeface="Cambria Math" panose="02040503050406030204" pitchFamily="18" charset="0"/>
-                                  </a:rPr>
-                                  <m:t>2</m:t>
-                                </m:r>
-                              </m:den>
-                            </m:f>
-                            <m:func>
-                              <m:funcPr>
-                                <m:ctrlPr>
-                                  <a:rPr lang="fr-FR" sz="1600" i="1">
-                                    <a:latin typeface="Cambria Math" panose="02040503050406030204" pitchFamily="18" charset="0"/>
-                                  </a:rPr>
-                                </m:ctrlPr>
-                              </m:funcPr>
-                              <m:fName>
-                                <m:r>
-                                  <m:rPr>
-                                    <m:sty m:val="p"/>
-                                  </m:rPr>
-                                  <a:rPr lang="fr-FR" sz="1600">
-                                    <a:latin typeface="Cambria Math" panose="02040503050406030204" pitchFamily="18" charset="0"/>
-                                  </a:rPr>
-                                  <m:t>cos</m:t>
-                                </m:r>
-                              </m:fName>
-                              <m:e>
-                                <m:r>
-                                  <a:rPr lang="fr-FR" sz="1600" i="1">
-                                    <a:latin typeface="Cambria Math" panose="02040503050406030204" pitchFamily="18" charset="0"/>
-                                  </a:rPr>
-                                  <m:t>𝜃</m:t>
-                                </m:r>
-                              </m:e>
-                            </m:func>
-                            <m:r>
-                              <a:rPr lang="fr-FR" sz="1600" i="1">
-                                <a:latin typeface="Cambria Math" panose="02040503050406030204" pitchFamily="18" charset="0"/>
-                              </a:rPr>
-                              <m:t>−</m:t>
-                            </m:r>
-                            <m:sSub>
-                              <m:sSubPr>
-                                <m:ctrlPr>
-                                  <a:rPr lang="fr-FR" sz="1600" i="1">
-                                    <a:latin typeface="Cambria Math" panose="02040503050406030204" pitchFamily="18" charset="0"/>
-                                  </a:rPr>
-                                </m:ctrlPr>
-                              </m:sSubPr>
-                              <m:e>
-                                <m:r>
-                                  <a:rPr lang="fr-FR" sz="1600" i="1">
-                                    <a:latin typeface="Cambria Math" panose="02040503050406030204" pitchFamily="18" charset="0"/>
-                                  </a:rPr>
-                                  <m:t>𝑌</m:t>
-                                </m:r>
-                              </m:e>
-                              <m:sub>
-                                <m:r>
-                                  <a:rPr lang="fr-FR" sz="1600" i="1">
-                                    <a:latin typeface="Cambria Math" panose="02040503050406030204" pitchFamily="18" charset="0"/>
-                                  </a:rPr>
-                                  <m:t>𝑀</m:t>
-                                </m:r>
-                              </m:sub>
-                            </m:sSub>
-                            <m:r>
-                              <a:rPr lang="fr-FR" sz="1600" i="1">
-                                <a:latin typeface="Cambria Math" panose="02040503050406030204" pitchFamily="18" charset="0"/>
-                              </a:rPr>
-                              <m:t>+</m:t>
-                            </m:r>
-                            <m:sSub>
-                              <m:sSubPr>
-                                <m:ctrlPr>
-                                  <a:rPr lang="fr-FR" sz="1600" i="1">
-                                    <a:latin typeface="Cambria Math" panose="02040503050406030204" pitchFamily="18" charset="0"/>
-                                  </a:rPr>
-                                </m:ctrlPr>
-                              </m:sSubPr>
-                              <m:e>
-                                <m:r>
-                                  <a:rPr lang="fr-FR" sz="1600" i="1">
-                                    <a:latin typeface="Cambria Math" panose="02040503050406030204" pitchFamily="18" charset="0"/>
-                                  </a:rPr>
-                                  <m:t>𝑌</m:t>
-                                </m:r>
-                              </m:e>
-                              <m:sub>
-                                <m:r>
-                                  <a:rPr lang="fr-FR" sz="1600" i="1">
-                                    <a:latin typeface="Cambria Math" panose="02040503050406030204" pitchFamily="18" charset="0"/>
-                                  </a:rPr>
-                                  <m:t>𝐻𝐷</m:t>
-                                </m:r>
-                              </m:sub>
-                            </m:sSub>
-                          </m:e>
-                        </m:d>
-                      </m:e>
-                      <m:sup>
-                        <m:r>
-                          <a:rPr lang="fr-FR" sz="1600" b="0" i="1" smtClean="0">
-                            <a:latin typeface="Cambria Math" panose="02040503050406030204" pitchFamily="18" charset="0"/>
-                          </a:rPr>
-                          <m:t>2</m:t>
-                        </m:r>
-                      </m:sup>
-                    </m:sSup>
-                  </m:oMath>
-                </a14:m>
-                <a:endParaRPr lang="fr-FR" sz="1600" b="0" dirty="0"/>
-              </a:p>
-              <a:p>
-                <a:pPr lvl="1"/>
-                <a14:m>
-                  <m:oMath xmlns:m="http://schemas.openxmlformats.org/officeDocument/2006/math">
-                    <m:func>
-                      <m:funcPr>
-                        <m:ctrlPr>
-                          <a:rPr lang="fr-FR" sz="1600" b="0" i="1" smtClean="0">
-                            <a:latin typeface="Cambria Math" panose="02040503050406030204" pitchFamily="18" charset="0"/>
-                          </a:rPr>
-                        </m:ctrlPr>
-                      </m:funcPr>
-                      <m:fName>
-                        <m:r>
-                          <m:rPr>
-                            <m:sty m:val="p"/>
-                          </m:rPr>
-                          <a:rPr lang="fr-FR" sz="1600" b="0" i="0" smtClean="0">
-                            <a:latin typeface="Cambria Math" panose="02040503050406030204" pitchFamily="18" charset="0"/>
-                          </a:rPr>
-                          <m:t>tan</m:t>
-                        </m:r>
-                      </m:fName>
-                      <m:e>
-                        <m:sSub>
-                          <m:sSubPr>
-                            <m:ctrlPr>
-                              <a:rPr lang="fr-FR" sz="1600" b="0" i="1" smtClean="0">
-                                <a:latin typeface="Cambria Math" panose="02040503050406030204" pitchFamily="18" charset="0"/>
-                              </a:rPr>
-                            </m:ctrlPr>
-                          </m:sSubPr>
-                          <m:e>
-                            <m:r>
-                              <a:rPr lang="fr-FR" sz="1600" b="0" i="1" smtClean="0">
-                                <a:latin typeface="Cambria Math" panose="02040503050406030204" pitchFamily="18" charset="0"/>
-                              </a:rPr>
-                              <m:t>𝜑</m:t>
-                            </m:r>
-                          </m:e>
-                          <m:sub>
-                            <m:r>
-                              <a:rPr lang="fr-FR" sz="1600" b="0" i="1" smtClean="0">
-                                <a:latin typeface="Cambria Math" panose="02040503050406030204" pitchFamily="18" charset="0"/>
-                              </a:rPr>
-                              <m:t>𝐻𝐷</m:t>
-                            </m:r>
-                          </m:sub>
-                        </m:sSub>
-                      </m:e>
-                    </m:func>
-                    <m:r>
-                      <a:rPr lang="fr-FR" sz="1600" b="0" i="0" smtClean="0">
-                        <a:latin typeface="Cambria Math" panose="02040503050406030204" pitchFamily="18" charset="0"/>
-                      </a:rPr>
-                      <m:t>=</m:t>
-                    </m:r>
-                    <m:f>
-                      <m:fPr>
-                        <m:ctrlPr>
-                          <a:rPr lang="fr-FR" sz="1600" b="0" i="1" smtClean="0">
-                            <a:latin typeface="Cambria Math" panose="02040503050406030204" pitchFamily="18" charset="0"/>
-                          </a:rPr>
-                        </m:ctrlPr>
-                      </m:fPr>
-                      <m:num>
-                        <m:r>
-                          <a:rPr lang="fr-FR" sz="1600" i="1">
-                            <a:latin typeface="Cambria Math" panose="02040503050406030204" pitchFamily="18" charset="0"/>
-                          </a:rPr>
-                          <m:t>−</m:t>
-                        </m:r>
-                        <m:f>
-                          <m:fPr>
-                            <m:ctrlPr>
-                              <a:rPr lang="fr-FR" sz="1600" i="1">
-                                <a:latin typeface="Cambria Math" panose="02040503050406030204" pitchFamily="18" charset="0"/>
-                              </a:rPr>
-                            </m:ctrlPr>
-                          </m:fPr>
-                          <m:num>
-                            <m:r>
-                              <a:rPr lang="fr-FR" sz="1600" i="1">
-                                <a:latin typeface="Cambria Math" panose="02040503050406030204" pitchFamily="18" charset="0"/>
-                              </a:rPr>
-                              <m:t>𝐿</m:t>
-                            </m:r>
-                          </m:num>
-                          <m:den>
-                            <m:r>
-                              <a:rPr lang="fr-FR" sz="1600" i="1">
-                                <a:latin typeface="Cambria Math" panose="02040503050406030204" pitchFamily="18" charset="0"/>
-                              </a:rPr>
-                              <m:t>2</m:t>
-                            </m:r>
-                          </m:den>
-                        </m:f>
-                        <m:func>
-                          <m:funcPr>
-                            <m:ctrlPr>
-                              <a:rPr lang="fr-FR" sz="1600" i="1">
-                                <a:latin typeface="Cambria Math" panose="02040503050406030204" pitchFamily="18" charset="0"/>
-                              </a:rPr>
-                            </m:ctrlPr>
-                          </m:funcPr>
-                          <m:fName>
-                            <m:r>
-                              <m:rPr>
-                                <m:sty m:val="p"/>
-                              </m:rPr>
-                              <a:rPr lang="fr-FR" sz="1600">
-                                <a:latin typeface="Cambria Math" panose="02040503050406030204" pitchFamily="18" charset="0"/>
-                              </a:rPr>
-                              <m:t>sin</m:t>
-                            </m:r>
-                          </m:fName>
-                          <m:e>
-                            <m:r>
-                              <a:rPr lang="fr-FR" sz="1600" i="1">
-                                <a:latin typeface="Cambria Math" panose="02040503050406030204" pitchFamily="18" charset="0"/>
-                              </a:rPr>
-                              <m:t>𝜃</m:t>
-                            </m:r>
-                          </m:e>
-                        </m:func>
-                        <m:r>
-                          <a:rPr lang="fr-FR" sz="1600" i="1">
-                            <a:latin typeface="Cambria Math" panose="02040503050406030204" pitchFamily="18" charset="0"/>
-                          </a:rPr>
-                          <m:t>−</m:t>
-                        </m:r>
-                        <m:f>
-                          <m:fPr>
-                            <m:ctrlPr>
-                              <a:rPr lang="fr-FR" sz="1600" i="1">
-                                <a:latin typeface="Cambria Math" panose="02040503050406030204" pitchFamily="18" charset="0"/>
-                              </a:rPr>
-                            </m:ctrlPr>
-                          </m:fPr>
-                          <m:num>
-                            <m:r>
-                              <a:rPr lang="fr-FR" sz="1600" i="1">
-                                <a:latin typeface="Cambria Math" panose="02040503050406030204" pitchFamily="18" charset="0"/>
-                              </a:rPr>
-                              <m:t>𝐻</m:t>
-                            </m:r>
-                          </m:num>
-                          <m:den>
-                            <m:r>
-                              <a:rPr lang="fr-FR" sz="1600" i="1">
-                                <a:latin typeface="Cambria Math" panose="02040503050406030204" pitchFamily="18" charset="0"/>
-                              </a:rPr>
-                              <m:t>2</m:t>
-                            </m:r>
-                          </m:den>
-                        </m:f>
-                        <m:func>
-                          <m:funcPr>
-                            <m:ctrlPr>
-                              <a:rPr lang="fr-FR" sz="1600" i="1">
-                                <a:latin typeface="Cambria Math" panose="02040503050406030204" pitchFamily="18" charset="0"/>
-                              </a:rPr>
-                            </m:ctrlPr>
-                          </m:funcPr>
-                          <m:fName>
-                            <m:r>
-                              <m:rPr>
-                                <m:sty m:val="p"/>
-                              </m:rPr>
-                              <a:rPr lang="fr-FR" sz="1600">
-                                <a:latin typeface="Cambria Math" panose="02040503050406030204" pitchFamily="18" charset="0"/>
-                              </a:rPr>
-                              <m:t>cos</m:t>
-                            </m:r>
-                          </m:fName>
-                          <m:e>
-                            <m:r>
-                              <a:rPr lang="fr-FR" sz="1600" i="1">
-                                <a:latin typeface="Cambria Math" panose="02040503050406030204" pitchFamily="18" charset="0"/>
-                              </a:rPr>
-                              <m:t>𝜃</m:t>
-                            </m:r>
-                          </m:e>
-                        </m:func>
-                        <m:r>
-                          <a:rPr lang="fr-FR" sz="1600" i="1">
-                            <a:latin typeface="Cambria Math" panose="02040503050406030204" pitchFamily="18" charset="0"/>
-                          </a:rPr>
-                          <m:t>−</m:t>
-                        </m:r>
-                        <m:sSub>
-                          <m:sSubPr>
-                            <m:ctrlPr>
-                              <a:rPr lang="fr-FR" sz="1600" i="1">
-                                <a:latin typeface="Cambria Math" panose="02040503050406030204" pitchFamily="18" charset="0"/>
-                              </a:rPr>
-                            </m:ctrlPr>
-                          </m:sSubPr>
-                          <m:e>
-                            <m:r>
-                              <a:rPr lang="fr-FR" sz="1600" i="1">
-                                <a:latin typeface="Cambria Math" panose="02040503050406030204" pitchFamily="18" charset="0"/>
-                              </a:rPr>
-                              <m:t>𝑌</m:t>
-                            </m:r>
-                          </m:e>
-                          <m:sub>
-                            <m:r>
-                              <a:rPr lang="fr-FR" sz="1600" i="1">
-                                <a:latin typeface="Cambria Math" panose="02040503050406030204" pitchFamily="18" charset="0"/>
-                              </a:rPr>
-                              <m:t>𝑀</m:t>
-                            </m:r>
-                          </m:sub>
-                        </m:sSub>
-                        <m:r>
-                          <a:rPr lang="fr-FR" sz="1600" i="1">
-                            <a:latin typeface="Cambria Math" panose="02040503050406030204" pitchFamily="18" charset="0"/>
-                          </a:rPr>
-                          <m:t>+</m:t>
-                        </m:r>
-                        <m:sSub>
-                          <m:sSubPr>
-                            <m:ctrlPr>
-                              <a:rPr lang="fr-FR" sz="1600" i="1">
-                                <a:latin typeface="Cambria Math" panose="02040503050406030204" pitchFamily="18" charset="0"/>
-                              </a:rPr>
-                            </m:ctrlPr>
-                          </m:sSubPr>
-                          <m:e>
-                            <m:r>
-                              <a:rPr lang="fr-FR" sz="1600" i="1">
-                                <a:latin typeface="Cambria Math" panose="02040503050406030204" pitchFamily="18" charset="0"/>
-                              </a:rPr>
-                              <m:t>𝑌</m:t>
-                            </m:r>
-                          </m:e>
-                          <m:sub>
-                            <m:r>
-                              <a:rPr lang="fr-FR" sz="1600" i="1">
-                                <a:latin typeface="Cambria Math" panose="02040503050406030204" pitchFamily="18" charset="0"/>
-                              </a:rPr>
-                              <m:t>𝐻𝐷</m:t>
-                            </m:r>
-                          </m:sub>
-                        </m:sSub>
-                      </m:num>
-                      <m:den>
-                        <m:r>
-                          <a:rPr lang="fr-FR" sz="1600" i="1">
-                            <a:latin typeface="Cambria Math" panose="02040503050406030204" pitchFamily="18" charset="0"/>
-                          </a:rPr>
-                          <m:t>−</m:t>
-                        </m:r>
-                        <m:f>
-                          <m:fPr>
-                            <m:ctrlPr>
-                              <a:rPr lang="fr-FR" sz="1600" i="1">
-                                <a:latin typeface="Cambria Math" panose="02040503050406030204" pitchFamily="18" charset="0"/>
-                              </a:rPr>
-                            </m:ctrlPr>
-                          </m:fPr>
-                          <m:num>
-                            <m:r>
-                              <a:rPr lang="fr-FR" sz="1600" i="1">
-                                <a:latin typeface="Cambria Math" panose="02040503050406030204" pitchFamily="18" charset="0"/>
-                              </a:rPr>
-                              <m:t>𝐿</m:t>
-                            </m:r>
-                          </m:num>
-                          <m:den>
-                            <m:r>
-                              <a:rPr lang="fr-FR" sz="1600" i="1">
-                                <a:latin typeface="Cambria Math" panose="02040503050406030204" pitchFamily="18" charset="0"/>
-                              </a:rPr>
-                              <m:t>2</m:t>
-                            </m:r>
-                          </m:den>
-                        </m:f>
-                        <m:func>
-                          <m:funcPr>
-                            <m:ctrlPr>
-                              <a:rPr lang="fr-FR" sz="1600" i="1">
-                                <a:latin typeface="Cambria Math" panose="02040503050406030204" pitchFamily="18" charset="0"/>
-                              </a:rPr>
-                            </m:ctrlPr>
-                          </m:funcPr>
-                          <m:fName>
-                            <m:r>
-                              <m:rPr>
-                                <m:sty m:val="p"/>
-                              </m:rPr>
-                              <a:rPr lang="fr-FR" sz="1600">
-                                <a:latin typeface="Cambria Math" panose="02040503050406030204" pitchFamily="18" charset="0"/>
-                              </a:rPr>
-                              <m:t>cos</m:t>
-                            </m:r>
-                          </m:fName>
-                          <m:e>
-                            <m:r>
-                              <a:rPr lang="fr-FR" sz="1600" i="1">
-                                <a:latin typeface="Cambria Math" panose="02040503050406030204" pitchFamily="18" charset="0"/>
-                              </a:rPr>
-                              <m:t>𝜃</m:t>
-                            </m:r>
-                          </m:e>
-                        </m:func>
-                        <m:r>
-                          <a:rPr lang="fr-FR" sz="1600" i="1">
-                            <a:latin typeface="Cambria Math" panose="02040503050406030204" pitchFamily="18" charset="0"/>
-                          </a:rPr>
-                          <m:t>+</m:t>
-                        </m:r>
-                        <m:f>
-                          <m:fPr>
-                            <m:ctrlPr>
-                              <a:rPr lang="fr-FR" sz="1600" i="1">
-                                <a:latin typeface="Cambria Math" panose="02040503050406030204" pitchFamily="18" charset="0"/>
-                              </a:rPr>
-                            </m:ctrlPr>
-                          </m:fPr>
-                          <m:num>
-                            <m:r>
-                              <a:rPr lang="fr-FR" sz="1600" i="1">
-                                <a:latin typeface="Cambria Math" panose="02040503050406030204" pitchFamily="18" charset="0"/>
-                              </a:rPr>
-                              <m:t>𝐻</m:t>
-                            </m:r>
-                          </m:num>
-                          <m:den>
-                            <m:r>
-                              <a:rPr lang="fr-FR" sz="1600" i="1">
-                                <a:latin typeface="Cambria Math" panose="02040503050406030204" pitchFamily="18" charset="0"/>
-                              </a:rPr>
-                              <m:t>2</m:t>
-                            </m:r>
-                          </m:den>
-                        </m:f>
-                        <m:func>
-                          <m:funcPr>
-                            <m:ctrlPr>
-                              <a:rPr lang="fr-FR" sz="1600" i="1">
-                                <a:latin typeface="Cambria Math" panose="02040503050406030204" pitchFamily="18" charset="0"/>
-                              </a:rPr>
-                            </m:ctrlPr>
-                          </m:funcPr>
-                          <m:fName>
-                            <m:r>
-                              <m:rPr>
-                                <m:sty m:val="p"/>
-                              </m:rPr>
-                              <a:rPr lang="fr-FR" sz="1600">
-                                <a:latin typeface="Cambria Math" panose="02040503050406030204" pitchFamily="18" charset="0"/>
-                              </a:rPr>
-                              <m:t>sin</m:t>
-                            </m:r>
-                          </m:fName>
-                          <m:e>
-                            <m:r>
-                              <a:rPr lang="fr-FR" sz="1600" i="1">
-                                <a:latin typeface="Cambria Math" panose="02040503050406030204" pitchFamily="18" charset="0"/>
-                              </a:rPr>
-                              <m:t>𝜃</m:t>
-                            </m:r>
-                          </m:e>
-                        </m:func>
-                        <m:r>
-                          <a:rPr lang="fr-FR" sz="1600" i="1">
-                            <a:latin typeface="Cambria Math" panose="02040503050406030204" pitchFamily="18" charset="0"/>
-                          </a:rPr>
-                          <m:t>−</m:t>
-                        </m:r>
-                        <m:sSub>
-                          <m:sSubPr>
-                            <m:ctrlPr>
-                              <a:rPr lang="fr-FR" sz="1600" i="1">
-                                <a:latin typeface="Cambria Math" panose="02040503050406030204" pitchFamily="18" charset="0"/>
-                              </a:rPr>
-                            </m:ctrlPr>
-                          </m:sSubPr>
-                          <m:e>
-                            <m:r>
-                              <a:rPr lang="fr-FR" sz="1600" i="1">
-                                <a:latin typeface="Cambria Math" panose="02040503050406030204" pitchFamily="18" charset="0"/>
-                              </a:rPr>
-                              <m:t>𝑋</m:t>
-                            </m:r>
-                          </m:e>
-                          <m:sub>
-                            <m:r>
-                              <a:rPr lang="fr-FR" sz="1600" i="1">
-                                <a:latin typeface="Cambria Math" panose="02040503050406030204" pitchFamily="18" charset="0"/>
-                              </a:rPr>
-                              <m:t>𝑀</m:t>
-                            </m:r>
-                          </m:sub>
-                        </m:sSub>
-                        <m:r>
-                          <a:rPr lang="fr-FR" sz="1600" i="1">
-                            <a:latin typeface="Cambria Math" panose="02040503050406030204" pitchFamily="18" charset="0"/>
-                          </a:rPr>
-                          <m:t>+</m:t>
-                        </m:r>
-                        <m:sSub>
-                          <m:sSubPr>
-                            <m:ctrlPr>
-                              <a:rPr lang="fr-FR" sz="1600" i="1">
-                                <a:latin typeface="Cambria Math" panose="02040503050406030204" pitchFamily="18" charset="0"/>
-                              </a:rPr>
-                            </m:ctrlPr>
-                          </m:sSubPr>
-                          <m:e>
-                            <m:r>
-                              <a:rPr lang="fr-FR" sz="1600" i="1">
-                                <a:latin typeface="Cambria Math" panose="02040503050406030204" pitchFamily="18" charset="0"/>
-                              </a:rPr>
-                              <m:t>𝑋</m:t>
-                            </m:r>
-                          </m:e>
-                          <m:sub>
-                            <m:r>
-                              <a:rPr lang="fr-FR" sz="1600" i="1">
-                                <a:latin typeface="Cambria Math" panose="02040503050406030204" pitchFamily="18" charset="0"/>
-                              </a:rPr>
-                              <m:t>𝐻𝐷</m:t>
-                            </m:r>
-                          </m:sub>
-                        </m:sSub>
-                      </m:den>
-                    </m:f>
-                  </m:oMath>
-                </a14:m>
-                <a:endParaRPr lang="fr-FR" sz="1600" dirty="0"/>
-              </a:p>
-              <a:p>
-                <a:pPr lvl="1"/>
-                <a:endParaRPr lang="fr-FR" sz="1600" dirty="0"/>
-              </a:p>
-              <a:p>
-                <a:r>
-                  <a:rPr lang="fr-FR" sz="2000" dirty="0"/>
-                  <a:t>Pour </a:t>
-                </a:r>
-                <a14:m>
-                  <m:oMath xmlns:m="http://schemas.openxmlformats.org/officeDocument/2006/math">
-                    <m:r>
-                      <a:rPr lang="fr-FR" sz="2000" b="0" i="1" smtClean="0">
-                        <a:latin typeface="Cambria Math" panose="02040503050406030204" pitchFamily="18" charset="0"/>
-                      </a:rPr>
-                      <m:t>𝜃</m:t>
-                    </m:r>
-                    <m:r>
-                      <a:rPr lang="fr-FR" sz="2000" b="0" i="1" smtClean="0">
-                        <a:latin typeface="Cambria Math" panose="02040503050406030204" pitchFamily="18" charset="0"/>
-                      </a:rPr>
-                      <m:t>=0</m:t>
-                    </m:r>
-                  </m:oMath>
-                </a14:m>
-                <a:endParaRPr lang="fr-FR" sz="2000" dirty="0"/>
-              </a:p>
-              <a:p>
-                <a:pPr lvl="1"/>
-                <a14:m>
-                  <m:oMath xmlns:m="http://schemas.openxmlformats.org/officeDocument/2006/math">
-                    <m:sSubSup>
-                      <m:sSubSupPr>
-                        <m:ctrlPr>
-                          <a:rPr lang="fr-FR" sz="1600" b="0" i="1" smtClean="0">
-                            <a:latin typeface="Cambria Math" panose="02040503050406030204" pitchFamily="18" charset="0"/>
-                          </a:rPr>
-                        </m:ctrlPr>
-                      </m:sSubSupPr>
-                      <m:e>
-                        <m:r>
-                          <a:rPr lang="fr-FR" sz="1600" b="0" i="1" smtClean="0">
-                            <a:latin typeface="Cambria Math" panose="02040503050406030204" pitchFamily="18" charset="0"/>
-                          </a:rPr>
-                          <m:t>𝐷</m:t>
-                        </m:r>
-                      </m:e>
-                      <m:sub>
-                        <m:r>
-                          <a:rPr lang="fr-FR" sz="1600" b="0" i="1" smtClean="0">
-                            <a:latin typeface="Cambria Math" panose="02040503050406030204" pitchFamily="18" charset="0"/>
-                          </a:rPr>
-                          <m:t>𝐻𝐷</m:t>
-                        </m:r>
-                      </m:sub>
-                      <m:sup>
-                        <m:r>
-                          <a:rPr lang="fr-FR" sz="1600" b="0" i="1" smtClean="0">
-                            <a:latin typeface="Cambria Math" panose="02040503050406030204" pitchFamily="18" charset="0"/>
-                          </a:rPr>
-                          <m:t>2</m:t>
-                        </m:r>
-                      </m:sup>
-                    </m:sSubSup>
-                    <m:r>
-                      <a:rPr lang="fr-FR" sz="1600" b="0" i="1" smtClean="0">
-                        <a:latin typeface="Cambria Math" panose="02040503050406030204" pitchFamily="18" charset="0"/>
-                      </a:rPr>
-                      <m:t>=</m:t>
-                    </m:r>
-                    <m:sSup>
-                      <m:sSupPr>
-                        <m:ctrlPr>
-                          <a:rPr lang="fr-FR" sz="1600" b="0" i="1" smtClean="0">
-                            <a:latin typeface="Cambria Math" panose="02040503050406030204" pitchFamily="18" charset="0"/>
-                          </a:rPr>
-                        </m:ctrlPr>
-                      </m:sSupPr>
-                      <m:e>
-                        <m:d>
-                          <m:dPr>
-                            <m:ctrlPr>
-                              <a:rPr lang="fr-FR" sz="1600" b="0" i="1" smtClean="0">
-                                <a:latin typeface="Cambria Math" panose="02040503050406030204" pitchFamily="18" charset="0"/>
-                              </a:rPr>
-                            </m:ctrlPr>
-                          </m:dPr>
-                          <m:e>
-                            <m:r>
-                              <a:rPr lang="fr-FR" sz="1600" i="1">
-                                <a:latin typeface="Cambria Math" panose="02040503050406030204" pitchFamily="18" charset="0"/>
-                              </a:rPr>
-                              <m:t>−</m:t>
-                            </m:r>
-                            <m:f>
-                              <m:fPr>
-                                <m:ctrlPr>
-                                  <a:rPr lang="fr-FR" sz="1600" i="1">
-                                    <a:latin typeface="Cambria Math" panose="02040503050406030204" pitchFamily="18" charset="0"/>
-                                  </a:rPr>
-                                </m:ctrlPr>
-                              </m:fPr>
-                              <m:num>
-                                <m:r>
-                                  <a:rPr lang="fr-FR" sz="1600" i="1">
-                                    <a:latin typeface="Cambria Math" panose="02040503050406030204" pitchFamily="18" charset="0"/>
-                                  </a:rPr>
-                                  <m:t>𝐿</m:t>
-                                </m:r>
-                              </m:num>
-                              <m:den>
-                                <m:r>
-                                  <a:rPr lang="fr-FR" sz="1600" i="1">
-                                    <a:latin typeface="Cambria Math" panose="02040503050406030204" pitchFamily="18" charset="0"/>
-                                  </a:rPr>
-                                  <m:t>2</m:t>
-                                </m:r>
-                              </m:den>
-                            </m:f>
-                            <m:r>
-                              <a:rPr lang="fr-FR" sz="1600" i="1">
-                                <a:latin typeface="Cambria Math" panose="02040503050406030204" pitchFamily="18" charset="0"/>
-                              </a:rPr>
-                              <m:t>−</m:t>
-                            </m:r>
-                            <m:sSub>
-                              <m:sSubPr>
-                                <m:ctrlPr>
-                                  <a:rPr lang="fr-FR" sz="1600" i="1">
-                                    <a:latin typeface="Cambria Math" panose="02040503050406030204" pitchFamily="18" charset="0"/>
-                                  </a:rPr>
-                                </m:ctrlPr>
-                              </m:sSubPr>
-                              <m:e>
-                                <m:r>
-                                  <a:rPr lang="fr-FR" sz="1600" i="1">
-                                    <a:latin typeface="Cambria Math" panose="02040503050406030204" pitchFamily="18" charset="0"/>
-                                  </a:rPr>
-                                  <m:t>𝑋</m:t>
-                                </m:r>
-                              </m:e>
-                              <m:sub>
-                                <m:r>
-                                  <a:rPr lang="fr-FR" sz="1600" i="1">
-                                    <a:latin typeface="Cambria Math" panose="02040503050406030204" pitchFamily="18" charset="0"/>
-                                  </a:rPr>
-                                  <m:t>𝑀</m:t>
-                                </m:r>
-                              </m:sub>
-                            </m:sSub>
-                            <m:r>
-                              <a:rPr lang="fr-FR" sz="1600" i="1">
-                                <a:latin typeface="Cambria Math" panose="02040503050406030204" pitchFamily="18" charset="0"/>
-                              </a:rPr>
-                              <m:t>+</m:t>
-                            </m:r>
-                            <m:sSub>
-                              <m:sSubPr>
-                                <m:ctrlPr>
-                                  <a:rPr lang="fr-FR" sz="1600" i="1">
-                                    <a:latin typeface="Cambria Math" panose="02040503050406030204" pitchFamily="18" charset="0"/>
-                                  </a:rPr>
-                                </m:ctrlPr>
-                              </m:sSubPr>
-                              <m:e>
-                                <m:r>
-                                  <a:rPr lang="fr-FR" sz="1600" i="1">
-                                    <a:latin typeface="Cambria Math" panose="02040503050406030204" pitchFamily="18" charset="0"/>
-                                  </a:rPr>
-                                  <m:t>𝑋</m:t>
-                                </m:r>
-                              </m:e>
-                              <m:sub>
-                                <m:r>
-                                  <a:rPr lang="fr-FR" sz="1600" i="1">
-                                    <a:latin typeface="Cambria Math" panose="02040503050406030204" pitchFamily="18" charset="0"/>
-                                  </a:rPr>
-                                  <m:t>𝐻𝐷</m:t>
-                                </m:r>
-                              </m:sub>
-                            </m:sSub>
-                          </m:e>
-                        </m:d>
-                      </m:e>
-                      <m:sup>
-                        <m:r>
-                          <a:rPr lang="fr-FR" sz="1600" b="0" i="1" smtClean="0">
-                            <a:latin typeface="Cambria Math" panose="02040503050406030204" pitchFamily="18" charset="0"/>
-                          </a:rPr>
-                          <m:t>2</m:t>
-                        </m:r>
-                      </m:sup>
-                    </m:sSup>
-                    <m:r>
-                      <a:rPr lang="fr-FR" sz="1600" b="0" i="0" smtClean="0">
-                        <a:latin typeface="Cambria Math" panose="02040503050406030204" pitchFamily="18" charset="0"/>
-                      </a:rPr>
-                      <m:t>+</m:t>
-                    </m:r>
-                    <m:sSup>
-                      <m:sSupPr>
-                        <m:ctrlPr>
-                          <a:rPr lang="fr-FR" sz="1600" b="0" i="1" smtClean="0">
-                            <a:latin typeface="Cambria Math" panose="02040503050406030204" pitchFamily="18" charset="0"/>
-                          </a:rPr>
-                        </m:ctrlPr>
-                      </m:sSupPr>
-                      <m:e>
-                        <m:d>
-                          <m:dPr>
-                            <m:ctrlPr>
-                              <a:rPr lang="fr-FR" sz="1600" b="0" i="1" smtClean="0">
-                                <a:latin typeface="Cambria Math" panose="02040503050406030204" pitchFamily="18" charset="0"/>
-                              </a:rPr>
-                            </m:ctrlPr>
-                          </m:dPr>
-                          <m:e>
-                            <m:r>
-                              <a:rPr lang="fr-FR" sz="1600" i="1">
-                                <a:latin typeface="Cambria Math" panose="02040503050406030204" pitchFamily="18" charset="0"/>
-                              </a:rPr>
-                              <m:t>−</m:t>
-                            </m:r>
-                            <m:f>
-                              <m:fPr>
-                                <m:ctrlPr>
-                                  <a:rPr lang="fr-FR" sz="1600" i="1">
-                                    <a:latin typeface="Cambria Math" panose="02040503050406030204" pitchFamily="18" charset="0"/>
-                                  </a:rPr>
-                                </m:ctrlPr>
-                              </m:fPr>
-                              <m:num>
-                                <m:r>
-                                  <a:rPr lang="fr-FR" sz="1600" i="1">
-                                    <a:latin typeface="Cambria Math" panose="02040503050406030204" pitchFamily="18" charset="0"/>
-                                  </a:rPr>
-                                  <m:t>𝐻</m:t>
-                                </m:r>
-                              </m:num>
-                              <m:den>
-                                <m:r>
-                                  <a:rPr lang="fr-FR" sz="1600" i="1">
-                                    <a:latin typeface="Cambria Math" panose="02040503050406030204" pitchFamily="18" charset="0"/>
-                                  </a:rPr>
-                                  <m:t>2</m:t>
-                                </m:r>
-                              </m:den>
-                            </m:f>
-                            <m:r>
-                              <a:rPr lang="fr-FR" sz="1600" i="1">
-                                <a:latin typeface="Cambria Math" panose="02040503050406030204" pitchFamily="18" charset="0"/>
-                              </a:rPr>
-                              <m:t>−</m:t>
-                            </m:r>
-                            <m:sSub>
-                              <m:sSubPr>
-                                <m:ctrlPr>
-                                  <a:rPr lang="fr-FR" sz="1600" i="1">
-                                    <a:latin typeface="Cambria Math" panose="02040503050406030204" pitchFamily="18" charset="0"/>
-                                  </a:rPr>
-                                </m:ctrlPr>
-                              </m:sSubPr>
-                              <m:e>
-                                <m:r>
-                                  <a:rPr lang="fr-FR" sz="1600" i="1">
-                                    <a:latin typeface="Cambria Math" panose="02040503050406030204" pitchFamily="18" charset="0"/>
-                                  </a:rPr>
-                                  <m:t>𝑌</m:t>
-                                </m:r>
-                              </m:e>
-                              <m:sub>
-                                <m:r>
-                                  <a:rPr lang="fr-FR" sz="1600" i="1">
-                                    <a:latin typeface="Cambria Math" panose="02040503050406030204" pitchFamily="18" charset="0"/>
-                                  </a:rPr>
-                                  <m:t>𝑀</m:t>
-                                </m:r>
-                              </m:sub>
-                            </m:sSub>
-                            <m:r>
-                              <a:rPr lang="fr-FR" sz="1600" i="1">
-                                <a:latin typeface="Cambria Math" panose="02040503050406030204" pitchFamily="18" charset="0"/>
-                              </a:rPr>
-                              <m:t>+</m:t>
-                            </m:r>
-                            <m:sSub>
-                              <m:sSubPr>
-                                <m:ctrlPr>
-                                  <a:rPr lang="fr-FR" sz="1600" i="1">
-                                    <a:latin typeface="Cambria Math" panose="02040503050406030204" pitchFamily="18" charset="0"/>
-                                  </a:rPr>
-                                </m:ctrlPr>
-                              </m:sSubPr>
-                              <m:e>
-                                <m:r>
-                                  <a:rPr lang="fr-FR" sz="1600" i="1">
-                                    <a:latin typeface="Cambria Math" panose="02040503050406030204" pitchFamily="18" charset="0"/>
-                                  </a:rPr>
-                                  <m:t>𝑌</m:t>
-                                </m:r>
-                              </m:e>
-                              <m:sub>
-                                <m:r>
-                                  <a:rPr lang="fr-FR" sz="1600" i="1">
-                                    <a:latin typeface="Cambria Math" panose="02040503050406030204" pitchFamily="18" charset="0"/>
-                                  </a:rPr>
-                                  <m:t>𝐻𝐷</m:t>
-                                </m:r>
-                              </m:sub>
-                            </m:sSub>
-                          </m:e>
-                        </m:d>
-                      </m:e>
-                      <m:sup>
-                        <m:r>
-                          <a:rPr lang="fr-FR" sz="1600" b="0" i="1" smtClean="0">
-                            <a:latin typeface="Cambria Math" panose="02040503050406030204" pitchFamily="18" charset="0"/>
-                          </a:rPr>
-                          <m:t>2</m:t>
-                        </m:r>
-                      </m:sup>
-                    </m:sSup>
-                  </m:oMath>
-                </a14:m>
-                <a:endParaRPr lang="fr-FR" sz="1600" b="0" dirty="0"/>
-              </a:p>
-              <a:p>
-                <a:pPr lvl="1"/>
-                <a14:m>
-                  <m:oMath xmlns:m="http://schemas.openxmlformats.org/officeDocument/2006/math">
-                    <m:func>
-                      <m:funcPr>
-                        <m:ctrlPr>
-                          <a:rPr lang="fr-FR" sz="1600" b="0" i="1" smtClean="0">
-                            <a:latin typeface="Cambria Math" panose="02040503050406030204" pitchFamily="18" charset="0"/>
-                          </a:rPr>
-                        </m:ctrlPr>
-                      </m:funcPr>
-                      <m:fName>
-                        <m:r>
-                          <m:rPr>
-                            <m:sty m:val="p"/>
-                          </m:rPr>
-                          <a:rPr lang="fr-FR" sz="1600" b="0" i="0" smtClean="0">
-                            <a:latin typeface="Cambria Math" panose="02040503050406030204" pitchFamily="18" charset="0"/>
-                          </a:rPr>
-                          <m:t>tan</m:t>
-                        </m:r>
-                      </m:fName>
-                      <m:e>
-                        <m:sSub>
-                          <m:sSubPr>
-                            <m:ctrlPr>
-                              <a:rPr lang="fr-FR" sz="1600" b="0" i="1" smtClean="0">
-                                <a:latin typeface="Cambria Math" panose="02040503050406030204" pitchFamily="18" charset="0"/>
-                              </a:rPr>
-                            </m:ctrlPr>
-                          </m:sSubPr>
-                          <m:e>
-                            <m:r>
-                              <a:rPr lang="fr-FR" sz="1600" b="0" i="1" smtClean="0">
-                                <a:latin typeface="Cambria Math" panose="02040503050406030204" pitchFamily="18" charset="0"/>
-                              </a:rPr>
-                              <m:t>𝜑</m:t>
-                            </m:r>
-                          </m:e>
-                          <m:sub>
-                            <m:r>
-                              <a:rPr lang="fr-FR" sz="1600" b="0" i="1" smtClean="0">
-                                <a:latin typeface="Cambria Math" panose="02040503050406030204" pitchFamily="18" charset="0"/>
-                              </a:rPr>
-                              <m:t>𝐻𝐷</m:t>
-                            </m:r>
-                          </m:sub>
-                        </m:sSub>
-                      </m:e>
-                    </m:func>
-                    <m:r>
-                      <a:rPr lang="fr-FR" sz="1600" b="0" i="0" smtClean="0">
-                        <a:latin typeface="Cambria Math" panose="02040503050406030204" pitchFamily="18" charset="0"/>
-                      </a:rPr>
-                      <m:t>=</m:t>
-                    </m:r>
-                    <m:f>
-                      <m:fPr>
-                        <m:ctrlPr>
-                          <a:rPr lang="fr-FR" sz="1600" b="0" i="1" smtClean="0">
-                            <a:latin typeface="Cambria Math" panose="02040503050406030204" pitchFamily="18" charset="0"/>
-                          </a:rPr>
-                        </m:ctrlPr>
-                      </m:fPr>
-                      <m:num>
-                        <m:r>
-                          <a:rPr lang="fr-FR" sz="1600" i="1">
-                            <a:latin typeface="Cambria Math" panose="02040503050406030204" pitchFamily="18" charset="0"/>
-                          </a:rPr>
-                          <m:t>−</m:t>
-                        </m:r>
-                        <m:f>
-                          <m:fPr>
-                            <m:ctrlPr>
-                              <a:rPr lang="fr-FR" sz="1600" i="1">
-                                <a:latin typeface="Cambria Math" panose="02040503050406030204" pitchFamily="18" charset="0"/>
-                              </a:rPr>
-                            </m:ctrlPr>
-                          </m:fPr>
-                          <m:num>
-                            <m:r>
-                              <a:rPr lang="fr-FR" sz="1600" i="1">
-                                <a:latin typeface="Cambria Math" panose="02040503050406030204" pitchFamily="18" charset="0"/>
-                              </a:rPr>
-                              <m:t>𝐻</m:t>
-                            </m:r>
-                          </m:num>
-                          <m:den>
-                            <m:r>
-                              <a:rPr lang="fr-FR" sz="1600" i="1">
-                                <a:latin typeface="Cambria Math" panose="02040503050406030204" pitchFamily="18" charset="0"/>
-                              </a:rPr>
-                              <m:t>2</m:t>
-                            </m:r>
-                          </m:den>
-                        </m:f>
-                        <m:r>
-                          <a:rPr lang="fr-FR" sz="1600" i="1">
-                            <a:latin typeface="Cambria Math" panose="02040503050406030204" pitchFamily="18" charset="0"/>
-                          </a:rPr>
-                          <m:t>−</m:t>
-                        </m:r>
-                        <m:sSub>
-                          <m:sSubPr>
-                            <m:ctrlPr>
-                              <a:rPr lang="fr-FR" sz="1600" i="1">
-                                <a:latin typeface="Cambria Math" panose="02040503050406030204" pitchFamily="18" charset="0"/>
-                              </a:rPr>
-                            </m:ctrlPr>
-                          </m:sSubPr>
-                          <m:e>
-                            <m:r>
-                              <a:rPr lang="fr-FR" sz="1600" i="1">
-                                <a:latin typeface="Cambria Math" panose="02040503050406030204" pitchFamily="18" charset="0"/>
-                              </a:rPr>
-                              <m:t>𝑌</m:t>
-                            </m:r>
-                          </m:e>
-                          <m:sub>
-                            <m:r>
-                              <a:rPr lang="fr-FR" sz="1600" i="1">
-                                <a:latin typeface="Cambria Math" panose="02040503050406030204" pitchFamily="18" charset="0"/>
-                              </a:rPr>
-                              <m:t>𝑀</m:t>
-                            </m:r>
-                          </m:sub>
-                        </m:sSub>
-                        <m:r>
-                          <a:rPr lang="fr-FR" sz="1600" i="1">
-                            <a:latin typeface="Cambria Math" panose="02040503050406030204" pitchFamily="18" charset="0"/>
-                          </a:rPr>
-                          <m:t>+</m:t>
-                        </m:r>
-                        <m:sSub>
-                          <m:sSubPr>
-                            <m:ctrlPr>
-                              <a:rPr lang="fr-FR" sz="1600" i="1">
-                                <a:latin typeface="Cambria Math" panose="02040503050406030204" pitchFamily="18" charset="0"/>
-                              </a:rPr>
-                            </m:ctrlPr>
-                          </m:sSubPr>
-                          <m:e>
-                            <m:r>
-                              <a:rPr lang="fr-FR" sz="1600" i="1">
-                                <a:latin typeface="Cambria Math" panose="02040503050406030204" pitchFamily="18" charset="0"/>
-                              </a:rPr>
-                              <m:t>𝑌</m:t>
-                            </m:r>
-                          </m:e>
-                          <m:sub>
-                            <m:r>
-                              <a:rPr lang="fr-FR" sz="1600" i="1">
-                                <a:latin typeface="Cambria Math" panose="02040503050406030204" pitchFamily="18" charset="0"/>
-                              </a:rPr>
-                              <m:t>𝐻𝐷</m:t>
-                            </m:r>
-                          </m:sub>
-                        </m:sSub>
-                      </m:num>
-                      <m:den>
-                        <m:r>
-                          <a:rPr lang="fr-FR" sz="1600" i="1">
-                            <a:latin typeface="Cambria Math" panose="02040503050406030204" pitchFamily="18" charset="0"/>
-                          </a:rPr>
-                          <m:t>−</m:t>
-                        </m:r>
-                        <m:f>
-                          <m:fPr>
-                            <m:ctrlPr>
-                              <a:rPr lang="fr-FR" sz="1600" i="1">
-                                <a:latin typeface="Cambria Math" panose="02040503050406030204" pitchFamily="18" charset="0"/>
-                              </a:rPr>
-                            </m:ctrlPr>
-                          </m:fPr>
-                          <m:num>
-                            <m:r>
-                              <a:rPr lang="fr-FR" sz="1600" i="1">
-                                <a:latin typeface="Cambria Math" panose="02040503050406030204" pitchFamily="18" charset="0"/>
-                              </a:rPr>
-                              <m:t>𝐿</m:t>
-                            </m:r>
-                          </m:num>
-                          <m:den>
-                            <m:r>
-                              <a:rPr lang="fr-FR" sz="1600" i="1">
-                                <a:latin typeface="Cambria Math" panose="02040503050406030204" pitchFamily="18" charset="0"/>
-                              </a:rPr>
-                              <m:t>2</m:t>
-                            </m:r>
-                          </m:den>
-                        </m:f>
-                        <m:r>
-                          <a:rPr lang="fr-FR" sz="1600" i="1">
-                            <a:latin typeface="Cambria Math" panose="02040503050406030204" pitchFamily="18" charset="0"/>
-                          </a:rPr>
-                          <m:t>−</m:t>
-                        </m:r>
-                        <m:sSub>
-                          <m:sSubPr>
-                            <m:ctrlPr>
-                              <a:rPr lang="fr-FR" sz="1600" i="1">
-                                <a:latin typeface="Cambria Math" panose="02040503050406030204" pitchFamily="18" charset="0"/>
-                              </a:rPr>
-                            </m:ctrlPr>
-                          </m:sSubPr>
-                          <m:e>
-                            <m:r>
-                              <a:rPr lang="fr-FR" sz="1600" i="1">
-                                <a:latin typeface="Cambria Math" panose="02040503050406030204" pitchFamily="18" charset="0"/>
-                              </a:rPr>
-                              <m:t>𝑋</m:t>
-                            </m:r>
-                          </m:e>
-                          <m:sub>
-                            <m:r>
-                              <a:rPr lang="fr-FR" sz="1600" i="1">
-                                <a:latin typeface="Cambria Math" panose="02040503050406030204" pitchFamily="18" charset="0"/>
-                              </a:rPr>
-                              <m:t>𝑀</m:t>
-                            </m:r>
-                          </m:sub>
-                        </m:sSub>
-                        <m:r>
-                          <a:rPr lang="fr-FR" sz="1600" i="1">
-                            <a:latin typeface="Cambria Math" panose="02040503050406030204" pitchFamily="18" charset="0"/>
-                          </a:rPr>
-                          <m:t>+</m:t>
-                        </m:r>
-                        <m:sSub>
-                          <m:sSubPr>
-                            <m:ctrlPr>
-                              <a:rPr lang="fr-FR" sz="1600" i="1">
-                                <a:latin typeface="Cambria Math" panose="02040503050406030204" pitchFamily="18" charset="0"/>
-                              </a:rPr>
-                            </m:ctrlPr>
-                          </m:sSubPr>
-                          <m:e>
-                            <m:r>
-                              <a:rPr lang="fr-FR" sz="1600" i="1">
-                                <a:latin typeface="Cambria Math" panose="02040503050406030204" pitchFamily="18" charset="0"/>
-                              </a:rPr>
-                              <m:t>𝑋</m:t>
-                            </m:r>
-                          </m:e>
-                          <m:sub>
-                            <m:r>
-                              <a:rPr lang="fr-FR" sz="1600" i="1">
-                                <a:latin typeface="Cambria Math" panose="02040503050406030204" pitchFamily="18" charset="0"/>
-                              </a:rPr>
-                              <m:t>𝐻𝐷</m:t>
-                            </m:r>
-                          </m:sub>
-                        </m:sSub>
-                      </m:den>
-                    </m:f>
-                  </m:oMath>
-                </a14:m>
-                <a:endParaRPr lang="fr-FR" sz="1600" dirty="0"/>
-              </a:p>
-              <a:p>
-                <a:pPr lvl="1"/>
-                <a:endParaRPr lang="fr-FR" sz="1600" dirty="0"/>
-              </a:p>
-              <a:p>
-                <a:pPr lvl="1"/>
-                <a14:m>
-                  <m:oMath xmlns:m="http://schemas.openxmlformats.org/officeDocument/2006/math">
-                    <m:sSubSup>
-                      <m:sSubSupPr>
-                        <m:ctrlPr>
-                          <a:rPr lang="fr-FR" sz="1600" b="0" i="1" smtClean="0">
-                            <a:latin typeface="Cambria Math" panose="02040503050406030204" pitchFamily="18" charset="0"/>
-                          </a:rPr>
-                        </m:ctrlPr>
-                      </m:sSubSupPr>
-                      <m:e>
-                        <m:r>
-                          <a:rPr lang="fr-FR" sz="1600" b="0" i="1" smtClean="0">
-                            <a:latin typeface="Cambria Math" panose="02040503050406030204" pitchFamily="18" charset="0"/>
-                          </a:rPr>
-                          <m:t>𝐷</m:t>
-                        </m:r>
-                      </m:e>
-                      <m:sub>
-                        <m:r>
-                          <a:rPr lang="fr-FR" sz="1600" b="0" i="1" smtClean="0">
-                            <a:latin typeface="Cambria Math" panose="02040503050406030204" pitchFamily="18" charset="0"/>
-                          </a:rPr>
-                          <m:t>𝐻𝐷</m:t>
-                        </m:r>
-                      </m:sub>
-                      <m:sup>
-                        <m:r>
-                          <a:rPr lang="fr-FR" sz="1600" b="0" i="1" smtClean="0">
-                            <a:latin typeface="Cambria Math" panose="02040503050406030204" pitchFamily="18" charset="0"/>
-                          </a:rPr>
-                          <m:t>2</m:t>
-                        </m:r>
-                      </m:sup>
-                    </m:sSubSup>
-                    <m:r>
-                      <a:rPr lang="fr-FR" sz="1600" b="0" i="1" smtClean="0">
-                        <a:latin typeface="Cambria Math" panose="02040503050406030204" pitchFamily="18" charset="0"/>
-                      </a:rPr>
-                      <m:t>=</m:t>
-                    </m:r>
-                    <m:sSup>
-                      <m:sSupPr>
-                        <m:ctrlPr>
-                          <a:rPr lang="fr-FR" sz="1600" b="0" i="1" smtClean="0">
-                            <a:latin typeface="Cambria Math" panose="02040503050406030204" pitchFamily="18" charset="0"/>
-                          </a:rPr>
-                        </m:ctrlPr>
-                      </m:sSupPr>
-                      <m:e>
-                        <m:d>
-                          <m:dPr>
-                            <m:ctrlPr>
-                              <a:rPr lang="fr-FR" sz="1600" b="0" i="1" smtClean="0">
-                                <a:latin typeface="Cambria Math" panose="02040503050406030204" pitchFamily="18" charset="0"/>
-                              </a:rPr>
-                            </m:ctrlPr>
-                          </m:dPr>
-                          <m:e>
-                            <m:r>
-                              <a:rPr lang="fr-FR" sz="1600" i="1">
-                                <a:latin typeface="Cambria Math" panose="02040503050406030204" pitchFamily="18" charset="0"/>
-                              </a:rPr>
-                              <m:t>−</m:t>
-                            </m:r>
-                            <m:r>
-                              <a:rPr lang="fr-FR" sz="1600" b="0" i="1" smtClean="0">
-                                <a:latin typeface="Cambria Math" panose="02040503050406030204" pitchFamily="18" charset="0"/>
-                              </a:rPr>
-                              <m:t>50</m:t>
-                            </m:r>
-                            <m:r>
-                              <a:rPr lang="fr-FR" sz="1600" i="1">
-                                <a:latin typeface="Cambria Math" panose="02040503050406030204" pitchFamily="18" charset="0"/>
-                              </a:rPr>
-                              <m:t>−</m:t>
-                            </m:r>
-                            <m:r>
-                              <a:rPr lang="fr-FR" sz="1600" b="0" i="1" smtClean="0">
-                                <a:latin typeface="Cambria Math" panose="02040503050406030204" pitchFamily="18" charset="0"/>
-                              </a:rPr>
-                              <m:t>625</m:t>
-                            </m:r>
-                            <m:r>
-                              <a:rPr lang="fr-FR" sz="1600" i="1">
-                                <a:latin typeface="Cambria Math" panose="02040503050406030204" pitchFamily="18" charset="0"/>
-                              </a:rPr>
-                              <m:t>+</m:t>
-                            </m:r>
-                            <m:r>
-                              <a:rPr lang="fr-FR" sz="1600" b="0" i="1" smtClean="0">
-                                <a:latin typeface="Cambria Math" panose="02040503050406030204" pitchFamily="18" charset="0"/>
-                              </a:rPr>
-                              <m:t>675</m:t>
-                            </m:r>
-                          </m:e>
-                        </m:d>
-                      </m:e>
-                      <m:sup>
-                        <m:r>
-                          <a:rPr lang="fr-FR" sz="1600" b="0" i="1" smtClean="0">
-                            <a:latin typeface="Cambria Math" panose="02040503050406030204" pitchFamily="18" charset="0"/>
-                          </a:rPr>
-                          <m:t>2</m:t>
-                        </m:r>
-                      </m:sup>
-                    </m:sSup>
-                    <m:r>
-                      <a:rPr lang="fr-FR" sz="1600" b="0" i="0" smtClean="0">
-                        <a:latin typeface="Cambria Math" panose="02040503050406030204" pitchFamily="18" charset="0"/>
-                      </a:rPr>
-                      <m:t>+</m:t>
-                    </m:r>
-                    <m:sSup>
-                      <m:sSupPr>
-                        <m:ctrlPr>
-                          <a:rPr lang="fr-FR" sz="1600" b="0" i="1" smtClean="0">
-                            <a:latin typeface="Cambria Math" panose="02040503050406030204" pitchFamily="18" charset="0"/>
-                          </a:rPr>
-                        </m:ctrlPr>
-                      </m:sSupPr>
-                      <m:e>
-                        <m:d>
-                          <m:dPr>
-                            <m:ctrlPr>
-                              <a:rPr lang="fr-FR" sz="1600" b="0" i="1" smtClean="0">
-                                <a:latin typeface="Cambria Math" panose="02040503050406030204" pitchFamily="18" charset="0"/>
-                              </a:rPr>
-                            </m:ctrlPr>
-                          </m:dPr>
-                          <m:e>
-                            <m:r>
-                              <a:rPr lang="fr-FR" sz="1600" i="1">
-                                <a:latin typeface="Cambria Math" panose="02040503050406030204" pitchFamily="18" charset="0"/>
-                              </a:rPr>
-                              <m:t>−</m:t>
-                            </m:r>
-                            <m:r>
-                              <a:rPr lang="fr-FR" sz="1600" b="0" i="1" smtClean="0">
-                                <a:latin typeface="Cambria Math" panose="02040503050406030204" pitchFamily="18" charset="0"/>
-                              </a:rPr>
-                              <m:t>25</m:t>
-                            </m:r>
-                            <m:r>
-                              <a:rPr lang="fr-FR" sz="1600" i="1">
-                                <a:latin typeface="Cambria Math" panose="02040503050406030204" pitchFamily="18" charset="0"/>
-                              </a:rPr>
-                              <m:t>−</m:t>
-                            </m:r>
-                            <m:r>
-                              <a:rPr lang="fr-FR" sz="1600" b="0" i="1" smtClean="0">
-                                <a:latin typeface="Cambria Math" panose="02040503050406030204" pitchFamily="18" charset="0"/>
-                              </a:rPr>
-                              <m:t>750</m:t>
-                            </m:r>
-                            <m:r>
-                              <a:rPr lang="fr-FR" sz="1600" i="1">
-                                <a:latin typeface="Cambria Math" panose="02040503050406030204" pitchFamily="18" charset="0"/>
-                              </a:rPr>
-                              <m:t>+</m:t>
-                            </m:r>
-                            <m:r>
-                              <a:rPr lang="fr-FR" sz="1600" b="0" i="1" smtClean="0">
-                                <a:latin typeface="Cambria Math" panose="02040503050406030204" pitchFamily="18" charset="0"/>
-                              </a:rPr>
-                              <m:t>775</m:t>
-                            </m:r>
-                          </m:e>
-                        </m:d>
-                      </m:e>
-                      <m:sup>
-                        <m:r>
-                          <a:rPr lang="fr-FR" sz="1600" b="0" i="1" smtClean="0">
-                            <a:latin typeface="Cambria Math" panose="02040503050406030204" pitchFamily="18" charset="0"/>
-                          </a:rPr>
-                          <m:t>2</m:t>
-                        </m:r>
-                      </m:sup>
-                    </m:sSup>
-                  </m:oMath>
-                </a14:m>
-                <a:endParaRPr lang="fr-FR" sz="1600" b="0" dirty="0"/>
-              </a:p>
-              <a:p>
-                <a:pPr lvl="1"/>
-                <a:endParaRPr lang="fr-FR" sz="1600" dirty="0"/>
-              </a:p>
-              <a:p>
-                <a:endParaRPr lang="fr-FR" sz="2000" dirty="0"/>
-              </a:p>
-            </p:txBody>
-          </p:sp>
-        </mc:Choice>
-        <mc:Fallback xmlns="">
-          <p:sp>
-            <p:nvSpPr>
-              <p:cNvPr id="5" name="Espace réservé du contenu 2">
-                <a:extLst>
-                  <a:ext uri="{FF2B5EF4-FFF2-40B4-BE49-F238E27FC236}">
-                    <a16:creationId xmlns:a16="http://schemas.microsoft.com/office/drawing/2014/main" id="{6214CE3E-F031-C1D2-C208-F4DAC56D267A}"/>
-                  </a:ext>
-                </a:extLst>
-              </p:cNvPr>
-              <p:cNvSpPr txBox="1">
-                <a:spLocks noRot="1" noChangeAspect="1" noMove="1" noResize="1" noEditPoints="1" noAdjustHandles="1" noChangeArrowheads="1" noChangeShapeType="1" noTextEdit="1"/>
-              </p:cNvSpPr>
-              <p:nvPr/>
-            </p:nvSpPr>
-            <p:spPr>
-              <a:xfrm>
-                <a:off x="6305797" y="250371"/>
-                <a:ext cx="5789195" cy="6031676"/>
-              </a:xfrm>
-              <a:prstGeom prst="rect">
-                <a:avLst/>
-              </a:prstGeom>
-              <a:blipFill>
-                <a:blip r:embed="rId4"/>
-                <a:stretch>
-                  <a:fillRect l="-737" t="-1515" b="-505"/>
-                </a:stretch>
-              </a:blipFill>
-              <a:ln>
-                <a:noFill/>
-              </a:ln>
-            </p:spPr>
-            <p:txBody>
-              <a:bodyPr/>
-              <a:lstStyle/>
-              <a:p>
-                <a:r>
-                  <a:rPr lang="fr-FR">
-                    <a:noFill/>
-                  </a:rPr>
-                  <a:t> </a:t>
-                </a:r>
-              </a:p>
-            </p:txBody>
-          </p:sp>
-        </mc:Fallback>
-      </mc:AlternateContent>
-      <p:pic>
-        <p:nvPicPr>
-          <p:cNvPr id="6" name="Image 5">
-            <a:extLst>
-              <a:ext uri="{FF2B5EF4-FFF2-40B4-BE49-F238E27FC236}">
-                <a16:creationId xmlns:a16="http://schemas.microsoft.com/office/drawing/2014/main" id="{C66E6026-03D5-5772-B6DD-31A1E5CFD83D}"/>
-              </a:ext>
-            </a:extLst>
-          </p:cNvPr>
-          <p:cNvPicPr>
-            <a:picLocks noChangeAspect="1"/>
-          </p:cNvPicPr>
-          <p:nvPr/>
-        </p:nvPicPr>
-        <p:blipFill>
-          <a:blip r:embed="rId5"/>
-          <a:stretch>
-            <a:fillRect/>
-          </a:stretch>
-        </p:blipFill>
-        <p:spPr>
-          <a:xfrm>
-            <a:off x="181276" y="250371"/>
-            <a:ext cx="3097220" cy="2194750"/>
-          </a:xfrm>
-          <a:prstGeom prst="rect">
-            <a:avLst/>
-          </a:prstGeom>
-        </p:spPr>
-      </p:pic>
-      <p:pic>
-        <p:nvPicPr>
-          <p:cNvPr id="7" name="Image 6">
-            <a:extLst>
-              <a:ext uri="{FF2B5EF4-FFF2-40B4-BE49-F238E27FC236}">
-                <a16:creationId xmlns:a16="http://schemas.microsoft.com/office/drawing/2014/main" id="{E0108925-4AA9-57AC-79A7-6794ADA6BBEE}"/>
-              </a:ext>
-            </a:extLst>
-          </p:cNvPr>
-          <p:cNvPicPr>
-            <a:picLocks noChangeAspect="1"/>
-          </p:cNvPicPr>
-          <p:nvPr/>
-        </p:nvPicPr>
-        <p:blipFill>
-          <a:blip r:embed="rId6"/>
-          <a:stretch>
-            <a:fillRect/>
-          </a:stretch>
-        </p:blipFill>
-        <p:spPr>
-          <a:xfrm>
-            <a:off x="181276" y="3126528"/>
-            <a:ext cx="3055086" cy="1286352"/>
-          </a:xfrm>
-          <a:prstGeom prst="rect">
-            <a:avLst/>
-          </a:prstGeom>
-        </p:spPr>
-      </p:pic>
-    </p:spTree>
-    <p:extLst>
-      <p:ext uri="{BB962C8B-B14F-4D97-AF65-F5344CB8AC3E}">
-        <p14:creationId xmlns:p14="http://schemas.microsoft.com/office/powerpoint/2010/main" val="2286329714"/>
       </p:ext>
     </p:extLst>
   </p:cSld>
